--- a/lessons/6_softmax/ppt/使用交叉熵损失函数和Softmax激活函数.pptx
+++ b/lessons/6_softmax/ppt/使用交叉熵损失函数和Softmax激活函数.pptx
@@ -5,10 +5,10 @@
     <p:sldMasterId id="2147483648" r:id="rId1"/>
   </p:sldMasterIdLst>
   <p:notesMasterIdLst>
-    <p:notesMasterId r:id="rId35"/>
+    <p:notesMasterId r:id="rId33"/>
   </p:notesMasterIdLst>
   <p:handoutMasterIdLst>
-    <p:handoutMasterId r:id="rId36"/>
+    <p:handoutMasterId r:id="rId34"/>
   </p:handoutMasterIdLst>
   <p:sldIdLst>
     <p:sldId id="307" r:id="rId2"/>
@@ -17,38 +17,36 @@
     <p:sldId id="1004" r:id="rId5"/>
     <p:sldId id="1044" r:id="rId6"/>
     <p:sldId id="1001" r:id="rId7"/>
-    <p:sldId id="1072" r:id="rId8"/>
-    <p:sldId id="1066" r:id="rId9"/>
-    <p:sldId id="1080" r:id="rId10"/>
-    <p:sldId id="1081" r:id="rId11"/>
-    <p:sldId id="1074" r:id="rId12"/>
-    <p:sldId id="1067" r:id="rId13"/>
-    <p:sldId id="1075" r:id="rId14"/>
-    <p:sldId id="1068" r:id="rId15"/>
-    <p:sldId id="1076" r:id="rId16"/>
-    <p:sldId id="1069" r:id="rId17"/>
-    <p:sldId id="1078" r:id="rId18"/>
-    <p:sldId id="1083" r:id="rId19"/>
-    <p:sldId id="1084" r:id="rId20"/>
-    <p:sldId id="1085" r:id="rId21"/>
-    <p:sldId id="1086" r:id="rId22"/>
-    <p:sldId id="1071" r:id="rId23"/>
-    <p:sldId id="1077" r:id="rId24"/>
-    <p:sldId id="1070" r:id="rId25"/>
-    <p:sldId id="1079" r:id="rId26"/>
-    <p:sldId id="1087" r:id="rId27"/>
-    <p:sldId id="537" r:id="rId28"/>
-    <p:sldId id="536" r:id="rId29"/>
-    <p:sldId id="1014" r:id="rId30"/>
-    <p:sldId id="1013" r:id="rId31"/>
-    <p:sldId id="997" r:id="rId32"/>
-    <p:sldId id="998" r:id="rId33"/>
-    <p:sldId id="653" r:id="rId34"/>
+    <p:sldId id="1080" r:id="rId8"/>
+    <p:sldId id="1090" r:id="rId9"/>
+    <p:sldId id="1092" r:id="rId10"/>
+    <p:sldId id="1091" r:id="rId11"/>
+    <p:sldId id="1082" r:id="rId12"/>
+    <p:sldId id="1085" r:id="rId13"/>
+    <p:sldId id="1081" r:id="rId14"/>
+    <p:sldId id="1086" r:id="rId15"/>
+    <p:sldId id="1093" r:id="rId16"/>
+    <p:sldId id="1094" r:id="rId17"/>
+    <p:sldId id="1095" r:id="rId18"/>
+    <p:sldId id="1096" r:id="rId19"/>
+    <p:sldId id="1097" r:id="rId20"/>
+    <p:sldId id="1098" r:id="rId21"/>
+    <p:sldId id="1099" r:id="rId22"/>
+    <p:sldId id="1100" r:id="rId23"/>
+    <p:sldId id="1083" r:id="rId24"/>
+    <p:sldId id="1087" r:id="rId25"/>
+    <p:sldId id="537" r:id="rId26"/>
+    <p:sldId id="536" r:id="rId27"/>
+    <p:sldId id="1014" r:id="rId28"/>
+    <p:sldId id="1013" r:id="rId29"/>
+    <p:sldId id="997" r:id="rId30"/>
+    <p:sldId id="998" r:id="rId31"/>
+    <p:sldId id="653" r:id="rId32"/>
   </p:sldIdLst>
   <p:sldSz cx="12192000" cy="6858000"/>
   <p:notesSz cx="6858000" cy="9144000"/>
   <p:custDataLst>
-    <p:tags r:id="rId37"/>
+    <p:tags r:id="rId35"/>
   </p:custDataLst>
   <p:defaultTextStyle>
     <a:defPPr>
@@ -241,7 +239,7 @@
                 <a:latin typeface="微软雅黑" panose="020B0503020204020204" charset="-122"/>
                 <a:ea typeface="微软雅黑" panose="020B0503020204020204" charset="-122"/>
               </a:rPr>
-              <a:t>2022/11/8</a:t>
+              <a:t>2022/11/9</a:t>
             </a:fld>
             <a:endParaRPr lang="zh-CN" altLang="en-US">
               <a:latin typeface="微软雅黑" panose="020B0503020204020204" charset="-122"/>
@@ -424,7 +422,7 @@
           <a:p>
             <a:fld id="{1AC49D05-6128-4D0D-A32A-06A5E73B386C}" type="datetimeFigureOut">
               <a:rPr lang="zh-CN" altLang="en-US" smtClean="0"/>
-              <a:t>2022/11/8</a:t>
+              <a:t>2022/11/9</a:t>
             </a:fld>
             <a:endParaRPr lang="zh-CN" altLang="en-US"/>
           </a:p>
@@ -1086,7 +1084,7 @@
           <a:p>
             <a:fld id="{9EFD9D74-47D9-4702-A33C-335B63B48DBF}" type="datetimeFigureOut">
               <a:rPr lang="zh-CN" altLang="en-US" smtClean="0"/>
-              <a:t>2022/11/8</a:t>
+              <a:t>2022/11/9</a:t>
             </a:fld>
             <a:endParaRPr lang="zh-CN" altLang="en-US" dirty="0"/>
           </a:p>
@@ -1419,7 +1417,7 @@
           <a:p>
             <a:fld id="{760FBDFE-C587-4B4C-A407-44438C67B59E}" type="datetimeFigureOut">
               <a:rPr lang="zh-CN" altLang="en-US" smtClean="0"/>
-              <a:t>2022/11/8</a:t>
+              <a:t>2022/11/9</a:t>
             </a:fld>
             <a:endParaRPr lang="zh-CN" altLang="en-US"/>
           </a:p>
@@ -1592,7 +1590,7 @@
           <a:p>
             <a:fld id="{9EFD9D74-47D9-4702-A33C-335B63B48DBF}" type="datetimeFigureOut">
               <a:rPr lang="zh-CN" altLang="en-US" smtClean="0"/>
-              <a:t>2022/11/8</a:t>
+              <a:t>2022/11/9</a:t>
             </a:fld>
             <a:endParaRPr lang="zh-CN" altLang="en-US" dirty="0"/>
           </a:p>
@@ -2117,7 +2115,7 @@
           <a:p>
             <a:fld id="{760FBDFE-C587-4B4C-A407-44438C67B59E}" type="datetimeFigureOut">
               <a:rPr lang="zh-CN" altLang="en-US" smtClean="0"/>
-              <a:t>2022/11/8</a:t>
+              <a:t>2022/11/9</a:t>
             </a:fld>
             <a:endParaRPr lang="zh-CN" altLang="en-US"/>
           </a:p>
@@ -2865,7 +2863,7 @@
           <a:p>
             <a:fld id="{760FBDFE-C587-4B4C-A407-44438C67B59E}" type="datetimeFigureOut">
               <a:rPr lang="zh-CN" altLang="en-US" smtClean="0"/>
-              <a:t>2022/11/8</a:t>
+              <a:t>2022/11/9</a:t>
             </a:fld>
             <a:endParaRPr lang="zh-CN" altLang="en-US"/>
           </a:p>
@@ -3031,7 +3029,7 @@
           <a:p>
             <a:fld id="{760FBDFE-C587-4B4C-A407-44438C67B59E}" type="datetimeFigureOut">
               <a:rPr lang="zh-CN" altLang="en-US" smtClean="0"/>
-              <a:t>2022/11/8</a:t>
+              <a:t>2022/11/9</a:t>
             </a:fld>
             <a:endParaRPr lang="zh-CN" altLang="en-US"/>
           </a:p>
@@ -3145,7 +3143,7 @@
           <a:p>
             <a:fld id="{760FBDFE-C587-4B4C-A407-44438C67B59E}" type="datetimeFigureOut">
               <a:rPr lang="zh-CN" altLang="en-US" smtClean="0"/>
-              <a:t>2022/11/8</a:t>
+              <a:t>2022/11/9</a:t>
             </a:fld>
             <a:endParaRPr lang="zh-CN" altLang="en-US"/>
           </a:p>
@@ -3475,7 +3473,7 @@
           <a:p>
             <a:fld id="{9EFD9D74-47D9-4702-A33C-335B63B48DBF}" type="datetimeFigureOut">
               <a:rPr lang="zh-CN" altLang="en-US" smtClean="0"/>
-              <a:t>2022/11/8</a:t>
+              <a:t>2022/11/9</a:t>
             </a:fld>
             <a:endParaRPr lang="zh-CN" altLang="en-US" dirty="0"/>
           </a:p>
@@ -3988,7 +3986,7 @@
           <a:p>
             <a:fld id="{760FBDFE-C587-4B4C-A407-44438C67B59E}" type="datetimeFigureOut">
               <a:rPr lang="zh-CN" altLang="en-US" smtClean="0"/>
-              <a:t>2022/11/8</a:t>
+              <a:t>2022/11/9</a:t>
             </a:fld>
             <a:endParaRPr lang="zh-CN" altLang="en-US"/>
           </a:p>
@@ -4102,7 +4100,7 @@
           <a:p>
             <a:fld id="{760FBDFE-C587-4B4C-A407-44438C67B59E}" type="datetimeFigureOut">
               <a:rPr lang="zh-CN" altLang="en-US" smtClean="0"/>
-              <a:t>2022/11/8</a:t>
+              <a:t>2022/11/9</a:t>
             </a:fld>
             <a:endParaRPr lang="zh-CN" altLang="en-US"/>
           </a:p>
@@ -4390,7 +4388,7 @@
           <a:p>
             <a:fld id="{82F288E0-7875-42C4-84C8-98DBBD3BF4D2}" type="datetimeFigureOut">
               <a:rPr lang="zh-CN" altLang="en-US" smtClean="0"/>
-              <a:t>2022/11/8</a:t>
+              <a:t>2022/11/9</a:t>
             </a:fld>
             <a:endParaRPr lang="zh-CN" altLang="en-US"/>
           </a:p>
@@ -4849,7 +4847,7 @@
           <a:p>
             <a:fld id="{760FBDFE-C587-4B4C-A407-44438C67B59E}" type="datetimeFigureOut">
               <a:rPr lang="zh-CN" altLang="en-US" smtClean="0"/>
-              <a:t>2022/11/8</a:t>
+              <a:t>2022/11/9</a:t>
             </a:fld>
             <a:endParaRPr lang="zh-CN" altLang="en-US"/>
           </a:p>
@@ -5518,7 +5516,7 @@
           <a:p>
             <a:fld id="{9EFD9D74-47D9-4702-A33C-335B63B48DBF}" type="datetimeFigureOut">
               <a:rPr lang="zh-CN" altLang="en-US" smtClean="0"/>
-              <a:t>2022/11/8</a:t>
+              <a:t>2022/11/9</a:t>
             </a:fld>
             <a:endParaRPr lang="zh-CN" altLang="en-US" dirty="0"/>
           </a:p>
@@ -5666,7 +5664,7 @@
           <a:p>
             <a:fld id="{9EFD9D74-47D9-4702-A33C-335B63B48DBF}" type="datetimeFigureOut">
               <a:rPr lang="zh-CN" altLang="en-US" smtClean="0"/>
-              <a:t>2022/11/8</a:t>
+              <a:t>2022/11/9</a:t>
             </a:fld>
             <a:endParaRPr lang="zh-CN" altLang="en-US" dirty="0"/>
           </a:p>
@@ -6494,84 +6492,6 @@
       </p:grpSpPr>
       <p:sp>
         <p:nvSpPr>
-          <p:cNvPr id="2" name="标题 1"/>
-          <p:cNvSpPr>
-            <a:spLocks noGrp="1"/>
-          </p:cNvSpPr>
-          <p:nvPr>
-            <p:ph type="title"/>
-          </p:nvPr>
-        </p:nvSpPr>
-        <p:spPr/>
-        <p:txBody>
-          <a:bodyPr/>
-          <a:lstStyle/>
-          <a:p>
-            <a:r>
-              <a:rPr dirty="0">
-                <a:sym typeface="+mn-ea"/>
-              </a:rPr>
-              <a:t>主问题：</a:t>
-            </a:r>
-            <a:r>
-              <a:rPr lang="en-US" dirty="0">
-                <a:sym typeface="+mn-ea"/>
-              </a:rPr>
-              <a:t>	</a:t>
-            </a:r>
-            <a:br>
-              <a:rPr lang="en-US" dirty="0">
-                <a:sym typeface="+mn-ea"/>
-              </a:rPr>
-            </a:br>
-            <a:r>
-              <a:rPr lang="en-US" dirty="0" err="1">
-                <a:sym typeface="+mn-ea"/>
-              </a:rPr>
-              <a:t>神经网络的结构是什么</a:t>
-            </a:r>
-            <a:r>
-              <a:rPr lang="zh-CN" altLang="en-US" dirty="0"/>
-              <a:t>？</a:t>
-            </a:r>
-          </a:p>
-        </p:txBody>
-      </p:sp>
-    </p:spTree>
-    <p:custDataLst>
-      <p:tags r:id="rId1"/>
-    </p:custDataLst>
-    <p:extLst>
-      <p:ext uri="{BB962C8B-B14F-4D97-AF65-F5344CB8AC3E}">
-        <p14:creationId xmlns:p14="http://schemas.microsoft.com/office/powerpoint/2010/main" val="3361786540"/>
-      </p:ext>
-    </p:extLst>
-  </p:cSld>
-  <p:clrMapOvr>
-    <a:masterClrMapping/>
-  </p:clrMapOvr>
-</p:sld>
-</file>
-
-<file path=ppt/slides/slide11.xml><?xml version="1.0" encoding="utf-8"?>
-<p:sld xmlns:a="http://schemas.openxmlformats.org/drawingml/2006/main" xmlns:r="http://schemas.openxmlformats.org/officeDocument/2006/relationships" xmlns:p="http://schemas.openxmlformats.org/presentationml/2006/main">
-  <p:cSld>
-    <p:spTree>
-      <p:nvGrpSpPr>
-        <p:cNvPr id="1" name=""/>
-        <p:cNvGrpSpPr/>
-        <p:nvPr/>
-      </p:nvGrpSpPr>
-      <p:grpSpPr>
-        <a:xfrm>
-          <a:off x="0" y="0"/>
-          <a:ext cx="0" cy="0"/>
-          <a:chOff x="0" y="0"/>
-          <a:chExt cx="0" cy="0"/>
-        </a:xfrm>
-      </p:grpSpPr>
-      <p:sp>
-        <p:nvSpPr>
           <p:cNvPr id="3" name="标题 2"/>
           <p:cNvSpPr>
             <a:spLocks noGrp="1"/>
@@ -6589,11 +6509,7 @@
               <a:rPr lang="zh-CN" altLang="en-US" dirty="0">
                 <a:sym typeface="+mn-ea"/>
               </a:rPr>
-              <a:t>主问题：	神经网络的结构是什么</a:t>
-            </a:r>
-            <a:r>
-              <a:rPr lang="zh-CN" altLang="en-US" dirty="0"/>
-              <a:t>？</a:t>
+              <a:t>结学</a:t>
             </a:r>
             <a:endParaRPr dirty="0">
               <a:sym typeface="+mn-ea"/>
@@ -6836,64 +6752,11 @@
             </a:pPr>
             <a:r>
               <a:rPr lang="zh-CN" altLang="en-US" dirty="0"/>
-              <a:t>已知每个数字图片的像素数量为</a:t>
-            </a:r>
-            <a:r>
-              <a:rPr lang="en-US" altLang="zh-CN" dirty="0"/>
-              <a:t>28*28=784</a:t>
-            </a:r>
-            <a:r>
-              <a:rPr lang="zh-CN" altLang="en-US" dirty="0"/>
-              <a:t>，那么输入层节点数（神经元的个数）是多少？</a:t>
+              <a:t>如何加快单分类的训练速度？</a:t>
             </a:r>
             <a:endParaRPr lang="en-US" altLang="zh-CN" dirty="0"/>
           </a:p>
           <a:p>
-            <a:pPr marL="285750" indent="-285750">
-              <a:buFont typeface="Arial" panose="020B0604020202020204" pitchFamily="34" charset="0"/>
-              <a:buChar char="•"/>
-            </a:pPr>
-            <a:r>
-              <a:rPr lang="zh-CN" altLang="en-US" dirty="0"/>
-              <a:t>输出层节点数是多少？</a:t>
-            </a:r>
-            <a:endParaRPr lang="en-US" altLang="zh-CN" dirty="0"/>
-          </a:p>
-          <a:p>
-            <a:pPr marL="285750" indent="-285750">
-              <a:buFont typeface="Arial" panose="020B0604020202020204" pitchFamily="34" charset="0"/>
-              <a:buChar char="•"/>
-            </a:pPr>
-            <a:r>
-              <a:rPr lang="zh-CN" altLang="en-US" dirty="0"/>
-              <a:t>我们使用</a:t>
-            </a:r>
-            <a:r>
-              <a:rPr lang="en-US" altLang="zh-CN" dirty="0"/>
-              <a:t>1</a:t>
-            </a:r>
-            <a:r>
-              <a:rPr lang="zh-CN" altLang="en-US" dirty="0"/>
-              <a:t>层隐藏层</a:t>
-            </a:r>
-            <a:endParaRPr lang="en-US" altLang="zh-CN" dirty="0"/>
-          </a:p>
-          <a:p>
-            <a:pPr marL="285750" indent="-285750">
-              <a:buFont typeface="Arial" panose="020B0604020202020204" pitchFamily="34" charset="0"/>
-              <a:buChar char="•"/>
-            </a:pPr>
-            <a:r>
-              <a:rPr lang="zh-CN" altLang="en-US" dirty="0"/>
-              <a:t>隐藏层节点数是多少？</a:t>
-            </a:r>
-            <a:endParaRPr lang="en-US" altLang="zh-CN" dirty="0"/>
-          </a:p>
-          <a:p>
-            <a:pPr marL="285750" indent="-285750">
-              <a:buFont typeface="Arial" panose="020B0604020202020204" pitchFamily="34" charset="0"/>
-              <a:buChar char="•"/>
-            </a:pPr>
             <a:endParaRPr lang="en-US" altLang="zh-CN" dirty="0"/>
           </a:p>
           <a:p>
@@ -6971,49 +6834,13 @@
           </a:p>
         </p:txBody>
       </p:sp>
-      <p:pic>
-        <p:nvPicPr>
-          <p:cNvPr id="4" name="图片 3">
-            <a:extLst>
-              <a:ext uri="{FF2B5EF4-FFF2-40B4-BE49-F238E27FC236}">
-                <a16:creationId xmlns:a16="http://schemas.microsoft.com/office/drawing/2014/main" id="{9B9D2D8B-1DD7-DEEA-B4FB-C1AA60AFF9F9}"/>
-              </a:ext>
-            </a:extLst>
-          </p:cNvPr>
-          <p:cNvPicPr>
-            <a:picLocks noChangeAspect="1"/>
-          </p:cNvPicPr>
-          <p:nvPr/>
-        </p:nvPicPr>
-        <p:blipFill>
-          <a:blip r:embed="rId3">
-            <a:extLst>
-              <a:ext uri="{28A0092B-C50C-407E-A947-70E740481C1C}">
-                <a14:useLocalDpi xmlns:a14="http://schemas.microsoft.com/office/drawing/2010/main" val="0"/>
-              </a:ext>
-            </a:extLst>
-          </a:blip>
-          <a:stretch>
-            <a:fillRect/>
-          </a:stretch>
-        </p:blipFill>
-        <p:spPr>
-          <a:xfrm>
-            <a:off x="5777801" y="3050373"/>
-            <a:ext cx="2654509" cy="2955680"/>
-          </a:xfrm>
-          <a:prstGeom prst="rect">
-            <a:avLst/>
-          </a:prstGeom>
-        </p:spPr>
-      </p:pic>
     </p:spTree>
     <p:custDataLst>
       <p:tags r:id="rId1"/>
     </p:custDataLst>
     <p:extLst>
       <p:ext uri="{BB962C8B-B14F-4D97-AF65-F5344CB8AC3E}">
-        <p14:creationId xmlns:p14="http://schemas.microsoft.com/office/powerpoint/2010/main" val="3005130836"/>
+        <p14:creationId xmlns:p14="http://schemas.microsoft.com/office/powerpoint/2010/main" val="2238617725"/>
       </p:ext>
     </p:extLst>
   </p:cSld>
@@ -7101,7 +6928,7 @@
 </p:sld>
 </file>
 
-<file path=ppt/slides/slide12.xml><?xml version="1.0" encoding="utf-8"?>
+<file path=ppt/slides/slide11.xml><?xml version="1.0" encoding="utf-8"?>
 <p:sld xmlns:a="http://schemas.openxmlformats.org/drawingml/2006/main" xmlns:r="http://schemas.openxmlformats.org/officeDocument/2006/relationships" xmlns:p="http://schemas.openxmlformats.org/presentationml/2006/main">
   <p:cSld>
     <p:spTree>
@@ -7134,27 +6961,40 @@
           <a:lstStyle/>
           <a:p>
             <a:r>
-              <a:rPr dirty="0">
+              <a:rPr lang="zh-CN" altLang="en-US" dirty="0">
                 <a:sym typeface="+mn-ea"/>
               </a:rPr>
-              <a:t>主问题：</a:t>
-            </a:r>
-            <a:r>
-              <a:rPr lang="en-US" dirty="0">
+              <a:t>任务：</a:t>
+            </a:r>
+            <a:br>
+              <a:rPr lang="en-US" altLang="zh-CN" dirty="0">
                 <a:sym typeface="+mn-ea"/>
               </a:rPr>
-              <a:t>	</a:t>
-            </a:r>
-            <a:r>
-              <a:rPr lang="en-US" dirty="0" err="1">
+            </a:br>
+            <a:r>
+              <a:rPr lang="zh-CN" altLang="en-US" dirty="0">
                 <a:sym typeface="+mn-ea"/>
               </a:rPr>
-              <a:t>如何判断训练是否收敛</a:t>
-            </a:r>
-            <a:r>
-              <a:rPr lang="zh-CN" altLang="en-US" dirty="0"/>
-              <a:t>？</a:t>
-            </a:r>
+              <a:t>判断性别</a:t>
+            </a:r>
+            <a:r>
+              <a:rPr lang="en-US" altLang="zh-CN" dirty="0">
+                <a:sym typeface="+mn-ea"/>
+              </a:rPr>
+              <a:t>Demo</a:t>
+            </a:r>
+            <a:r>
+              <a:rPr lang="zh-CN" altLang="en-US" dirty="0">
+                <a:sym typeface="+mn-ea"/>
+              </a:rPr>
+              <a:t>使用交叉熵损失函数	</a:t>
+            </a:r>
+            <a:br>
+              <a:rPr lang="en-US" altLang="zh-CN" dirty="0">
+                <a:sym typeface="+mn-ea"/>
+              </a:rPr>
+            </a:br>
+            <a:endParaRPr lang="zh-CN" altLang="en-US" dirty="0"/>
           </a:p>
         </p:txBody>
       </p:sp>
@@ -7164,7 +7004,7 @@
     </p:custDataLst>
     <p:extLst>
       <p:ext uri="{BB962C8B-B14F-4D97-AF65-F5344CB8AC3E}">
-        <p14:creationId xmlns:p14="http://schemas.microsoft.com/office/powerpoint/2010/main" val="1309111417"/>
+        <p14:creationId xmlns:p14="http://schemas.microsoft.com/office/powerpoint/2010/main" val="1497009234"/>
       </p:ext>
     </p:extLst>
   </p:cSld>
@@ -7174,7 +7014,7 @@
 </p:sld>
 </file>
 
-<file path=ppt/slides/slide13.xml><?xml version="1.0" encoding="utf-8"?>
+<file path=ppt/slides/slide12.xml><?xml version="1.0" encoding="utf-8"?>
 <p:sld xmlns:a="http://schemas.openxmlformats.org/drawingml/2006/main" xmlns:r="http://schemas.openxmlformats.org/officeDocument/2006/relationships" xmlns:p="http://schemas.openxmlformats.org/presentationml/2006/main">
   <p:cSld>
     <p:spTree>
@@ -7210,12 +7050,25 @@
               <a:rPr lang="zh-CN" altLang="en-US" dirty="0">
                 <a:sym typeface="+mn-ea"/>
               </a:rPr>
-              <a:t>主问题：	如何判断训练是否收敛</a:t>
-            </a:r>
-            <a:r>
-              <a:rPr lang="zh-CN" altLang="en-US" dirty="0"/>
-              <a:t>？</a:t>
-            </a:r>
+              <a:t>任务：判断性别</a:t>
+            </a:r>
+            <a:r>
+              <a:rPr lang="en-US" altLang="zh-CN" dirty="0">
+                <a:sym typeface="+mn-ea"/>
+              </a:rPr>
+              <a:t>Demo</a:t>
+            </a:r>
+            <a:r>
+              <a:rPr lang="zh-CN" altLang="en-US" dirty="0">
+                <a:sym typeface="+mn-ea"/>
+              </a:rPr>
+              <a:t>使用交叉熵损失函数	</a:t>
+            </a:r>
+            <a:br>
+              <a:rPr lang="en-US" altLang="zh-CN" dirty="0">
+                <a:sym typeface="+mn-ea"/>
+              </a:rPr>
+            </a:br>
             <a:endParaRPr dirty="0">
               <a:sym typeface="+mn-ea"/>
             </a:endParaRPr>
@@ -7457,7 +7310,7 @@
             </a:pPr>
             <a:r>
               <a:rPr lang="zh-CN" altLang="en-US" dirty="0"/>
-              <a:t>我们之前是如何判断的？</a:t>
+              <a:t>请使用新的交叉熵损失函数实现代码</a:t>
             </a:r>
             <a:endParaRPr lang="en-US" altLang="zh-CN" dirty="0"/>
           </a:p>
@@ -7468,48 +7321,27 @@
             </a:pPr>
             <a:r>
               <a:rPr lang="zh-CN" altLang="en-US" dirty="0"/>
-              <a:t>现在还行得通吗？</a:t>
+              <a:t>请每个同学运行代码，与之前的代码比较，看下</a:t>
+            </a:r>
+            <a:r>
+              <a:rPr lang="en-US" altLang="zh-CN" dirty="0"/>
+              <a:t>loss</a:t>
+            </a:r>
+            <a:r>
+              <a:rPr lang="zh-CN" altLang="en-US" dirty="0"/>
+              <a:t>的训练速度是否加快？是否在</a:t>
+            </a:r>
+            <a:r>
+              <a:rPr lang="en-US" altLang="zh-CN" dirty="0"/>
+              <a:t>loss</a:t>
+            </a:r>
+            <a:r>
+              <a:rPr lang="zh-CN" altLang="en-US" dirty="0"/>
+              <a:t>很大时训练速度也很快？</a:t>
             </a:r>
             <a:endParaRPr lang="en-US" altLang="zh-CN" dirty="0"/>
           </a:p>
           <a:p>
-            <a:pPr marL="742950" lvl="1" indent="-285750">
-              <a:buFont typeface="Arial" panose="020B0604020202020204" pitchFamily="34" charset="0"/>
-              <a:buChar char="•"/>
-            </a:pPr>
-            <a:r>
-              <a:rPr lang="zh-CN" altLang="en-US" dirty="0"/>
-              <a:t>损失函数需要改变吗？</a:t>
-            </a:r>
-            <a:endParaRPr lang="en-US" altLang="zh-CN" dirty="0"/>
-          </a:p>
-          <a:p>
-            <a:pPr marL="742950" lvl="1" indent="-285750">
-              <a:buFont typeface="Arial" panose="020B0604020202020204" pitchFamily="34" charset="0"/>
-              <a:buChar char="•"/>
-            </a:pPr>
-            <a:r>
-              <a:rPr lang="zh-CN" altLang="en-US" dirty="0"/>
-              <a:t>如何改变？</a:t>
-            </a:r>
-            <a:endParaRPr lang="en-US" altLang="zh-CN" dirty="0"/>
-          </a:p>
-          <a:p>
-            <a:pPr marL="285750" indent="-285750">
-              <a:buFont typeface="Arial" panose="020B0604020202020204" pitchFamily="34" charset="0"/>
-              <a:buChar char="•"/>
-            </a:pPr>
-            <a:r>
-              <a:rPr lang="zh-CN" altLang="en-US" dirty="0"/>
-              <a:t>除了判断误差的方法，还有其它的方法吗？</a:t>
-            </a:r>
-            <a:endParaRPr lang="en-US" altLang="zh-CN" dirty="0"/>
-          </a:p>
-          <a:p>
-            <a:pPr marL="285750" indent="-285750">
-              <a:buFont typeface="Arial" panose="020B0604020202020204" pitchFamily="34" charset="0"/>
-              <a:buChar char="•"/>
-            </a:pPr>
             <a:endParaRPr lang="en-US" altLang="zh-CN" dirty="0"/>
           </a:p>
           <a:p>
@@ -7534,20 +7366,6 @@
               <a:buFont typeface="Arial" panose="020B0604020202020204" pitchFamily="34" charset="0"/>
               <a:buChar char="•"/>
             </a:pPr>
-            <a:endParaRPr lang="en-US" altLang="zh-CN" dirty="0"/>
-          </a:p>
-          <a:p>
-            <a:pPr marL="285750" indent="-285750">
-              <a:buFont typeface="Arial" panose="020B0604020202020204" pitchFamily="34" charset="0"/>
-              <a:buChar char="•"/>
-            </a:pPr>
-            <a:endParaRPr lang="zh-CN" altLang="en-US" dirty="0"/>
-          </a:p>
-          <a:p>
-            <a:pPr marL="285750" indent="-285750">
-              <a:buFont typeface="Arial" panose="020B0604020202020204" pitchFamily="34" charset="0"/>
-              <a:buChar char="•"/>
-            </a:pPr>
             <a:endParaRPr lang="zh-CN" altLang="en-US" dirty="0"/>
           </a:p>
           <a:p>
@@ -7587,49 +7405,13 @@
           </a:p>
         </p:txBody>
       </p:sp>
-      <p:pic>
-        <p:nvPicPr>
-          <p:cNvPr id="2" name="图片 1">
-            <a:extLst>
-              <a:ext uri="{FF2B5EF4-FFF2-40B4-BE49-F238E27FC236}">
-                <a16:creationId xmlns:a16="http://schemas.microsoft.com/office/drawing/2014/main" id="{CA600057-D2C2-83AA-1092-E4DC0154BC43}"/>
-              </a:ext>
-            </a:extLst>
-          </p:cNvPr>
-          <p:cNvPicPr>
-            <a:picLocks noChangeAspect="1"/>
-          </p:cNvPicPr>
-          <p:nvPr/>
-        </p:nvPicPr>
-        <p:blipFill>
-          <a:blip r:embed="rId3">
-            <a:extLst>
-              <a:ext uri="{28A0092B-C50C-407E-A947-70E740481C1C}">
-                <a14:useLocalDpi xmlns:a14="http://schemas.microsoft.com/office/drawing/2010/main" val="0"/>
-              </a:ext>
-            </a:extLst>
-          </a:blip>
-          <a:stretch>
-            <a:fillRect/>
-          </a:stretch>
-        </p:blipFill>
-        <p:spPr>
-          <a:xfrm>
-            <a:off x="6914818" y="2187018"/>
-            <a:ext cx="4454857" cy="1539420"/>
-          </a:xfrm>
-          <a:prstGeom prst="rect">
-            <a:avLst/>
-          </a:prstGeom>
-        </p:spPr>
-      </p:pic>
     </p:spTree>
     <p:custDataLst>
       <p:tags r:id="rId1"/>
     </p:custDataLst>
     <p:extLst>
       <p:ext uri="{BB962C8B-B14F-4D97-AF65-F5344CB8AC3E}">
-        <p14:creationId xmlns:p14="http://schemas.microsoft.com/office/powerpoint/2010/main" val="2718947421"/>
+        <p14:creationId xmlns:p14="http://schemas.microsoft.com/office/powerpoint/2010/main" val="1307846240"/>
       </p:ext>
     </p:extLst>
   </p:cSld>
@@ -7689,33 +7471,537 @@
                       </p:childTnLst>
                     </p:cTn>
                   </p:par>
+                </p:childTnLst>
+              </p:cTn>
+              <p:prevCondLst>
+                <p:cond evt="onPrev" delay="0">
+                  <p:tgtEl>
+                    <p:sldTgt/>
+                  </p:tgtEl>
+                </p:cond>
+              </p:prevCondLst>
+              <p:nextCondLst>
+                <p:cond evt="onNext" delay="0">
+                  <p:tgtEl>
+                    <p:sldTgt/>
+                  </p:tgtEl>
+                </p:cond>
+              </p:nextCondLst>
+            </p:seq>
+          </p:childTnLst>
+        </p:cTn>
+      </p:par>
+    </p:tnLst>
+    <p:bldLst>
+      <p:bldP spid="6" grpId="0"/>
+    </p:bldLst>
+  </p:timing>
+</p:sld>
+</file>
+
+<file path=ppt/slides/slide13.xml><?xml version="1.0" encoding="utf-8"?>
+<p:sld xmlns:a="http://schemas.openxmlformats.org/drawingml/2006/main" xmlns:r="http://schemas.openxmlformats.org/officeDocument/2006/relationships" xmlns:p="http://schemas.openxmlformats.org/presentationml/2006/main">
+  <p:cSld>
+    <p:spTree>
+      <p:nvGrpSpPr>
+        <p:cNvPr id="1" name=""/>
+        <p:cNvGrpSpPr/>
+        <p:nvPr/>
+      </p:nvGrpSpPr>
+      <p:grpSpPr>
+        <a:xfrm>
+          <a:off x="0" y="0"/>
+          <a:ext cx="0" cy="0"/>
+          <a:chOff x="0" y="0"/>
+          <a:chExt cx="0" cy="0"/>
+        </a:xfrm>
+      </p:grpSpPr>
+      <p:sp>
+        <p:nvSpPr>
+          <p:cNvPr id="2" name="标题 1"/>
+          <p:cNvSpPr>
+            <a:spLocks noGrp="1"/>
+          </p:cNvSpPr>
+          <p:nvPr>
+            <p:ph type="title"/>
+          </p:nvPr>
+        </p:nvSpPr>
+        <p:spPr/>
+        <p:txBody>
+          <a:bodyPr/>
+          <a:lstStyle/>
+          <a:p>
+            <a:r>
+              <a:rPr lang="zh-CN" altLang="en-US" dirty="0">
+                <a:sym typeface="+mn-ea"/>
+              </a:rPr>
+              <a:t>主问题：	</a:t>
+            </a:r>
+            <a:br>
+              <a:rPr lang="en-US" altLang="zh-CN" dirty="0">
+                <a:sym typeface="+mn-ea"/>
+              </a:rPr>
+            </a:br>
+            <a:r>
+              <a:rPr lang="zh-CN" altLang="en-US" dirty="0">
+                <a:sym typeface="+mn-ea"/>
+              </a:rPr>
+              <a:t>如何加快多</a:t>
+            </a:r>
+            <a:r>
+              <a:rPr lang="zh-CN" altLang="en-US" dirty="0"/>
+              <a:t>分类的训练速度？</a:t>
+            </a:r>
+          </a:p>
+        </p:txBody>
+      </p:sp>
+    </p:spTree>
+    <p:custDataLst>
+      <p:tags r:id="rId1"/>
+    </p:custDataLst>
+    <p:extLst>
+      <p:ext uri="{BB962C8B-B14F-4D97-AF65-F5344CB8AC3E}">
+        <p14:creationId xmlns:p14="http://schemas.microsoft.com/office/powerpoint/2010/main" val="3867586693"/>
+      </p:ext>
+    </p:extLst>
+  </p:cSld>
+  <p:clrMapOvr>
+    <a:masterClrMapping/>
+  </p:clrMapOvr>
+</p:sld>
+</file>
+
+<file path=ppt/slides/slide14.xml><?xml version="1.0" encoding="utf-8"?>
+<p:sld xmlns:a="http://schemas.openxmlformats.org/drawingml/2006/main" xmlns:r="http://schemas.openxmlformats.org/officeDocument/2006/relationships" xmlns:p="http://schemas.openxmlformats.org/presentationml/2006/main">
+  <p:cSld>
+    <p:spTree>
+      <p:nvGrpSpPr>
+        <p:cNvPr id="1" name=""/>
+        <p:cNvGrpSpPr/>
+        <p:nvPr/>
+      </p:nvGrpSpPr>
+      <p:grpSpPr>
+        <a:xfrm>
+          <a:off x="0" y="0"/>
+          <a:ext cx="0" cy="0"/>
+          <a:chOff x="0" y="0"/>
+          <a:chExt cx="0" cy="0"/>
+        </a:xfrm>
+      </p:grpSpPr>
+      <p:sp>
+        <p:nvSpPr>
+          <p:cNvPr id="3" name="标题 2"/>
+          <p:cNvSpPr>
+            <a:spLocks noGrp="1"/>
+          </p:cNvSpPr>
+          <p:nvPr>
+            <p:ph type="title"/>
+          </p:nvPr>
+        </p:nvSpPr>
+        <p:spPr/>
+        <p:txBody>
+          <a:bodyPr/>
+          <a:lstStyle/>
+          <a:p>
+            <a:r>
+              <a:rPr lang="zh-CN" altLang="en-US" dirty="0">
+                <a:sym typeface="+mn-ea"/>
+              </a:rPr>
+              <a:t>主问题：	如何加快多</a:t>
+            </a:r>
+            <a:r>
+              <a:rPr lang="zh-CN" altLang="en-US" dirty="0"/>
+              <a:t>分类的训练速度？</a:t>
+            </a:r>
+            <a:endParaRPr dirty="0">
+              <a:sym typeface="+mn-ea"/>
+            </a:endParaRPr>
+          </a:p>
+        </p:txBody>
+      </p:sp>
+      <p:sp>
+        <p:nvSpPr>
+          <p:cNvPr id="6" name="文本占位符 1">
+            <a:extLst>
+              <a:ext uri="{FF2B5EF4-FFF2-40B4-BE49-F238E27FC236}">
+                <a16:creationId xmlns:a16="http://schemas.microsoft.com/office/drawing/2014/main" id="{BA88068A-4FDC-6963-46A5-ADEC46CDA15E}"/>
+              </a:ext>
+            </a:extLst>
+          </p:cNvPr>
+          <p:cNvSpPr txBox="1">
+            <a:spLocks/>
+          </p:cNvSpPr>
+          <p:nvPr/>
+        </p:nvSpPr>
+        <p:spPr>
+          <a:xfrm>
+            <a:off x="822325" y="1778635"/>
+            <a:ext cx="10852150" cy="4553585"/>
+          </a:xfrm>
+        </p:spPr>
+        <p:txBody>
+          <a:bodyPr lIns="101600" tIns="38100" rIns="76200" bIns="38100">
+            <a:noAutofit/>
+          </a:bodyPr>
+          <a:lstStyle>
+            <a:lvl1pPr marL="0" indent="0" algn="l" defTabSz="914400" rtl="0" eaLnBrk="1" fontAlgn="auto" latinLnBrk="0" hangingPunct="1">
+              <a:lnSpc>
+                <a:spcPct val="130000"/>
+              </a:lnSpc>
+              <a:spcBef>
+                <a:spcPts val="0"/>
+              </a:spcBef>
+              <a:spcAft>
+                <a:spcPts val="1000"/>
+              </a:spcAft>
+              <a:buFont typeface="Arial" panose="020B0604020202020204" pitchFamily="34" charset="0"/>
+              <a:buNone/>
+              <a:defRPr kumimoji="0" lang="zh-CN" altLang="en-US" sz="1600" b="0" i="0" u="none" strike="noStrike" kern="1200" cap="none" spc="150" normalizeH="0" baseline="0" noProof="1">
+                <a:solidFill>
+                  <a:schemeClr val="tx1"/>
+                </a:solidFill>
+                <a:uFillTx/>
+                <a:latin typeface="+mn-lt"/>
+                <a:ea typeface="+mn-ea"/>
+                <a:cs typeface="+mn-cs"/>
+                <a:sym typeface="+mn-ea"/>
+              </a:defRPr>
+            </a:lvl1pPr>
+            <a:lvl2pPr marL="457200" indent="0" algn="l" defTabSz="914400" rtl="0" eaLnBrk="1" fontAlgn="auto" latinLnBrk="0" hangingPunct="1">
+              <a:lnSpc>
+                <a:spcPct val="130000"/>
+              </a:lnSpc>
+              <a:spcBef>
+                <a:spcPts val="0"/>
+              </a:spcBef>
+              <a:spcAft>
+                <a:spcPts val="1000"/>
+              </a:spcAft>
+              <a:buFont typeface="Arial" panose="020B0604020202020204" pitchFamily="34" charset="0"/>
+              <a:buNone/>
+              <a:tabLst>
+                <a:tab pos="1609725" algn="l"/>
+              </a:tabLst>
+              <a:defRPr sz="2000" u="none" strike="noStrike" kern="1200" cap="none" spc="150" normalizeH="0" baseline="0">
+                <a:solidFill>
+                  <a:schemeClr val="tx1">
+                    <a:tint val="75000"/>
+                  </a:schemeClr>
+                </a:solidFill>
+                <a:uFillTx/>
+                <a:latin typeface="+mn-lt"/>
+                <a:ea typeface="+mn-ea"/>
+                <a:cs typeface="+mn-cs"/>
+              </a:defRPr>
+            </a:lvl2pPr>
+            <a:lvl3pPr marL="914400" indent="0" algn="l" defTabSz="914400" rtl="0" eaLnBrk="1" fontAlgn="auto" latinLnBrk="0" hangingPunct="1">
+              <a:lnSpc>
+                <a:spcPct val="130000"/>
+              </a:lnSpc>
+              <a:spcBef>
+                <a:spcPts val="0"/>
+              </a:spcBef>
+              <a:spcAft>
+                <a:spcPts val="1000"/>
+              </a:spcAft>
+              <a:buFont typeface="Arial" panose="020B0604020202020204" pitchFamily="34" charset="0"/>
+              <a:buNone/>
+              <a:defRPr sz="1800" u="none" strike="noStrike" kern="1200" cap="none" spc="150" normalizeH="0" baseline="0">
+                <a:solidFill>
+                  <a:schemeClr val="tx1">
+                    <a:tint val="75000"/>
+                  </a:schemeClr>
+                </a:solidFill>
+                <a:uFillTx/>
+                <a:latin typeface="+mn-lt"/>
+                <a:ea typeface="+mn-ea"/>
+                <a:cs typeface="+mn-cs"/>
+              </a:defRPr>
+            </a:lvl3pPr>
+            <a:lvl4pPr marL="1371600" indent="0" algn="l" defTabSz="914400" rtl="0" eaLnBrk="1" fontAlgn="auto" latinLnBrk="0" hangingPunct="1">
+              <a:lnSpc>
+                <a:spcPct val="130000"/>
+              </a:lnSpc>
+              <a:spcBef>
+                <a:spcPts val="0"/>
+              </a:spcBef>
+              <a:spcAft>
+                <a:spcPts val="1000"/>
+              </a:spcAft>
+              <a:buFont typeface="Arial" panose="020B0604020202020204" pitchFamily="34" charset="0"/>
+              <a:buNone/>
+              <a:defRPr sz="1600" u="none" strike="noStrike" kern="1200" cap="none" spc="150" normalizeH="0" baseline="0">
+                <a:solidFill>
+                  <a:schemeClr val="tx1">
+                    <a:tint val="75000"/>
+                  </a:schemeClr>
+                </a:solidFill>
+                <a:uFillTx/>
+                <a:latin typeface="+mn-lt"/>
+                <a:ea typeface="+mn-ea"/>
+                <a:cs typeface="+mn-cs"/>
+              </a:defRPr>
+            </a:lvl4pPr>
+            <a:lvl5pPr marL="1828800" indent="0" algn="l" defTabSz="914400" rtl="0" eaLnBrk="1" fontAlgn="auto" latinLnBrk="0" hangingPunct="1">
+              <a:lnSpc>
+                <a:spcPct val="130000"/>
+              </a:lnSpc>
+              <a:spcBef>
+                <a:spcPts val="0"/>
+              </a:spcBef>
+              <a:spcAft>
+                <a:spcPts val="1000"/>
+              </a:spcAft>
+              <a:buFont typeface="Arial" panose="020B0604020202020204" pitchFamily="34" charset="0"/>
+              <a:buNone/>
+              <a:defRPr sz="1600" u="none" strike="noStrike" kern="1200" cap="none" spc="150" normalizeH="0" baseline="0">
+                <a:solidFill>
+                  <a:schemeClr val="tx1">
+                    <a:tint val="75000"/>
+                  </a:schemeClr>
+                </a:solidFill>
+                <a:uFillTx/>
+                <a:latin typeface="+mn-lt"/>
+                <a:ea typeface="+mn-ea"/>
+                <a:cs typeface="+mn-cs"/>
+              </a:defRPr>
+            </a:lvl5pPr>
+            <a:lvl6pPr marL="2286000" indent="0" algn="l" defTabSz="914400" rtl="0" eaLnBrk="1" latinLnBrk="0" hangingPunct="1">
+              <a:lnSpc>
+                <a:spcPct val="90000"/>
+              </a:lnSpc>
+              <a:spcBef>
+                <a:spcPts val="500"/>
+              </a:spcBef>
+              <a:buFont typeface="Arial" panose="020B0604020202020204" pitchFamily="34" charset="0"/>
+              <a:buNone/>
+              <a:defRPr sz="1600" kern="1200">
+                <a:solidFill>
+                  <a:schemeClr val="tx1">
+                    <a:tint val="75000"/>
+                  </a:schemeClr>
+                </a:solidFill>
+                <a:latin typeface="+mn-lt"/>
+                <a:ea typeface="+mn-ea"/>
+                <a:cs typeface="+mn-cs"/>
+              </a:defRPr>
+            </a:lvl6pPr>
+            <a:lvl7pPr marL="2743200" indent="0" algn="l" defTabSz="914400" rtl="0" eaLnBrk="1" latinLnBrk="0" hangingPunct="1">
+              <a:lnSpc>
+                <a:spcPct val="90000"/>
+              </a:lnSpc>
+              <a:spcBef>
+                <a:spcPts val="500"/>
+              </a:spcBef>
+              <a:buFont typeface="Arial" panose="020B0604020202020204" pitchFamily="34" charset="0"/>
+              <a:buNone/>
+              <a:defRPr sz="1600" kern="1200">
+                <a:solidFill>
+                  <a:schemeClr val="tx1">
+                    <a:tint val="75000"/>
+                  </a:schemeClr>
+                </a:solidFill>
+                <a:latin typeface="+mn-lt"/>
+                <a:ea typeface="+mn-ea"/>
+                <a:cs typeface="+mn-cs"/>
+              </a:defRPr>
+            </a:lvl7pPr>
+            <a:lvl8pPr marL="3200400" indent="0" algn="l" defTabSz="914400" rtl="0" eaLnBrk="1" latinLnBrk="0" hangingPunct="1">
+              <a:lnSpc>
+                <a:spcPct val="90000"/>
+              </a:lnSpc>
+              <a:spcBef>
+                <a:spcPts val="500"/>
+              </a:spcBef>
+              <a:buFont typeface="Arial" panose="020B0604020202020204" pitchFamily="34" charset="0"/>
+              <a:buNone/>
+              <a:defRPr sz="1600" kern="1200">
+                <a:solidFill>
+                  <a:schemeClr val="tx1">
+                    <a:tint val="75000"/>
+                  </a:schemeClr>
+                </a:solidFill>
+                <a:latin typeface="+mn-lt"/>
+                <a:ea typeface="+mn-ea"/>
+                <a:cs typeface="+mn-cs"/>
+              </a:defRPr>
+            </a:lvl8pPr>
+            <a:lvl9pPr marL="3657600" indent="0" algn="l" defTabSz="914400" rtl="0" eaLnBrk="1" latinLnBrk="0" hangingPunct="1">
+              <a:lnSpc>
+                <a:spcPct val="90000"/>
+              </a:lnSpc>
+              <a:spcBef>
+                <a:spcPts val="500"/>
+              </a:spcBef>
+              <a:buFont typeface="Arial" panose="020B0604020202020204" pitchFamily="34" charset="0"/>
+              <a:buNone/>
+              <a:defRPr sz="1600" kern="1200">
+                <a:solidFill>
+                  <a:schemeClr val="tx1">
+                    <a:tint val="75000"/>
+                  </a:schemeClr>
+                </a:solidFill>
+                <a:latin typeface="+mn-lt"/>
+                <a:ea typeface="+mn-ea"/>
+                <a:cs typeface="+mn-cs"/>
+              </a:defRPr>
+            </a:lvl9pPr>
+          </a:lstStyle>
+          <a:p>
+            <a:pPr marL="285750" indent="-285750">
+              <a:buFont typeface="Arial" panose="020B0604020202020204" pitchFamily="34" charset="0"/>
+              <a:buChar char="•"/>
+            </a:pPr>
+            <a:r>
+              <a:rPr lang="zh-CN" altLang="en-US" dirty="0"/>
+              <a:t>“识别手写数字“属于单分类还是多分类？</a:t>
+            </a:r>
+            <a:endParaRPr lang="en-US" altLang="zh-CN" dirty="0"/>
+          </a:p>
+          <a:p>
+            <a:pPr marL="285750" indent="-285750">
+              <a:buFont typeface="Arial" panose="020B0604020202020204" pitchFamily="34" charset="0"/>
+              <a:buChar char="•"/>
+            </a:pPr>
+            <a:r>
+              <a:rPr lang="zh-CN" altLang="en-US" dirty="0"/>
+              <a:t>“识别手写数字“使用交叉熵损失函数，是否能够加快训练速度？</a:t>
+            </a:r>
+            <a:endParaRPr lang="en-US" altLang="zh-CN" dirty="0"/>
+          </a:p>
+          <a:p>
+            <a:pPr marL="285750" indent="-285750">
+              <a:buFont typeface="Arial" panose="020B0604020202020204" pitchFamily="34" charset="0"/>
+              <a:buChar char="•"/>
+            </a:pPr>
+            <a:endParaRPr lang="en-US" altLang="zh-CN" dirty="0"/>
+          </a:p>
+          <a:p>
+            <a:endParaRPr lang="en-US" altLang="zh-CN" dirty="0"/>
+          </a:p>
+          <a:p>
+            <a:pPr marL="285750" indent="-285750">
+              <a:buFont typeface="Arial" panose="020B0604020202020204" pitchFamily="34" charset="0"/>
+              <a:buChar char="•"/>
+            </a:pPr>
+            <a:r>
+              <a:rPr lang="zh-CN" altLang="en-US" dirty="0"/>
+              <a:t>自学、互学、展学</a:t>
+            </a:r>
+          </a:p>
+          <a:p>
+            <a:pPr marL="285750" indent="-285750">
+              <a:buFont typeface="Arial" panose="020B0604020202020204" pitchFamily="34" charset="0"/>
+              <a:buChar char="•"/>
+            </a:pPr>
+            <a:endParaRPr lang="zh-CN" altLang="en-US" dirty="0"/>
+          </a:p>
+          <a:p>
+            <a:pPr marL="285750" indent="-285750">
+              <a:buFont typeface="Arial" panose="020B0604020202020204" pitchFamily="34" charset="0"/>
+              <a:buChar char="•"/>
+            </a:pPr>
+            <a:endParaRPr lang="en-US" altLang="zh-CN" dirty="0"/>
+          </a:p>
+          <a:p>
+            <a:pPr marL="285750" indent="-285750">
+              <a:buFont typeface="Arial" panose="020B0604020202020204" pitchFamily="34" charset="0"/>
+              <a:buChar char="•"/>
+            </a:pPr>
+            <a:endParaRPr lang="zh-CN" altLang="en-US" dirty="0"/>
+          </a:p>
+          <a:p>
+            <a:pPr marL="285750" indent="-285750">
+              <a:buFont typeface="Arial" panose="020B0604020202020204" pitchFamily="34" charset="0"/>
+              <a:buChar char="•"/>
+            </a:pPr>
+            <a:endParaRPr lang="zh-CN" altLang="en-US" dirty="0"/>
+          </a:p>
+          <a:p>
+            <a:pPr marL="285750" indent="-285750">
+              <a:buFont typeface="Arial" panose="020B0604020202020204" pitchFamily="34" charset="0"/>
+              <a:buChar char="•"/>
+            </a:pPr>
+            <a:endParaRPr lang="zh-CN" altLang="en-US" dirty="0"/>
+          </a:p>
+          <a:p>
+            <a:pPr marL="285750" indent="-285750">
+              <a:buFont typeface="Arial" panose="020B0604020202020204" pitchFamily="34" charset="0"/>
+              <a:buChar char="•"/>
+            </a:pPr>
+            <a:endParaRPr lang="zh-CN" altLang="en-US" dirty="0"/>
+          </a:p>
+          <a:p>
+            <a:pPr marL="285750" indent="-285750">
+              <a:buFont typeface="Arial" panose="020B0604020202020204" pitchFamily="34" charset="0"/>
+              <a:buChar char="•"/>
+            </a:pPr>
+            <a:endParaRPr lang="zh-CN" altLang="en-US" dirty="0"/>
+          </a:p>
+          <a:p>
+            <a:pPr marL="285750" indent="-285750">
+              <a:buFont typeface="Arial" panose="020B0604020202020204" pitchFamily="34" charset="0"/>
+              <a:buChar char="•"/>
+            </a:pPr>
+            <a:endParaRPr lang="zh-CN" altLang="en-US" dirty="0"/>
+          </a:p>
+          <a:p>
+            <a:pPr marL="285750" indent="-285750">
+              <a:buFont typeface="Arial" panose="020B0604020202020204" pitchFamily="34" charset="0"/>
+              <a:buChar char="•"/>
+            </a:pPr>
+            <a:endParaRPr lang="zh-CN" altLang="en-US" dirty="0"/>
+          </a:p>
+        </p:txBody>
+      </p:sp>
+    </p:spTree>
+    <p:custDataLst>
+      <p:tags r:id="rId1"/>
+    </p:custDataLst>
+    <p:extLst>
+      <p:ext uri="{BB962C8B-B14F-4D97-AF65-F5344CB8AC3E}">
+        <p14:creationId xmlns:p14="http://schemas.microsoft.com/office/powerpoint/2010/main" val="3794217102"/>
+      </p:ext>
+    </p:extLst>
+  </p:cSld>
+  <p:clrMapOvr>
+    <a:masterClrMapping/>
+  </p:clrMapOvr>
+  <p:timing>
+    <p:tnLst>
+      <p:par>
+        <p:cTn id="1" dur="indefinite" restart="never" nodeType="tmRoot">
+          <p:childTnLst>
+            <p:seq concurrent="1" nextAc="seek">
+              <p:cTn id="2" dur="indefinite" nodeType="mainSeq">
+                <p:childTnLst>
                   <p:par>
-                    <p:cTn id="7" fill="hold">
+                    <p:cTn id="3" fill="hold">
                       <p:stCondLst>
                         <p:cond delay="indefinite"/>
                       </p:stCondLst>
                       <p:childTnLst>
                         <p:par>
-                          <p:cTn id="8" fill="hold">
+                          <p:cTn id="4" fill="hold">
                             <p:stCondLst>
                               <p:cond delay="0"/>
                             </p:stCondLst>
                             <p:childTnLst>
                               <p:par>
-                                <p:cTn id="9" presetID="1" presetClass="entr" presetSubtype="0" fill="hold" nodeType="clickEffect">
+                                <p:cTn id="5" presetID="1" presetClass="entr" presetSubtype="0" fill="hold" grpId="0" nodeType="clickEffect">
                                   <p:stCondLst>
                                     <p:cond delay="0"/>
                                   </p:stCondLst>
                                   <p:childTnLst>
                                     <p:set>
                                       <p:cBhvr>
-                                        <p:cTn id="10" dur="1" fill="hold">
+                                        <p:cTn id="6" dur="1" fill="hold">
                                           <p:stCondLst>
                                             <p:cond delay="0"/>
                                           </p:stCondLst>
                                         </p:cTn>
                                         <p:tgtEl>
-                                          <p:spTgt spid="2"/>
+                                          <p:spTgt spid="6"/>
                                         </p:tgtEl>
                                         <p:attrNameLst>
                                           <p:attrName>style.visibility</p:attrName>
@@ -7762,82 +8048,6 @@
 </p:sld>
 </file>
 
-<file path=ppt/slides/slide14.xml><?xml version="1.0" encoding="utf-8"?>
-<p:sld xmlns:a="http://schemas.openxmlformats.org/drawingml/2006/main" xmlns:r="http://schemas.openxmlformats.org/officeDocument/2006/relationships" xmlns:p="http://schemas.openxmlformats.org/presentationml/2006/main">
-  <p:cSld>
-    <p:spTree>
-      <p:nvGrpSpPr>
-        <p:cNvPr id="1" name=""/>
-        <p:cNvGrpSpPr/>
-        <p:nvPr/>
-      </p:nvGrpSpPr>
-      <p:grpSpPr>
-        <a:xfrm>
-          <a:off x="0" y="0"/>
-          <a:ext cx="0" cy="0"/>
-          <a:chOff x="0" y="0"/>
-          <a:chExt cx="0" cy="0"/>
-        </a:xfrm>
-      </p:grpSpPr>
-      <p:sp>
-        <p:nvSpPr>
-          <p:cNvPr id="2" name="标题 1"/>
-          <p:cNvSpPr>
-            <a:spLocks noGrp="1"/>
-          </p:cNvSpPr>
-          <p:nvPr>
-            <p:ph type="title"/>
-          </p:nvPr>
-        </p:nvSpPr>
-        <p:spPr/>
-        <p:txBody>
-          <a:bodyPr/>
-          <a:lstStyle/>
-          <a:p>
-            <a:r>
-              <a:rPr lang="zh-CN" altLang="en-US" dirty="0">
-                <a:sym typeface="+mn-ea"/>
-              </a:rPr>
-              <a:t>任务</a:t>
-            </a:r>
-            <a:r>
-              <a:rPr dirty="0">
-                <a:sym typeface="+mn-ea"/>
-              </a:rPr>
-              <a:t>：</a:t>
-            </a:r>
-            <a:r>
-              <a:rPr lang="en-US" dirty="0" err="1">
-                <a:sym typeface="+mn-ea"/>
-              </a:rPr>
-              <a:t>实现</a:t>
-            </a:r>
-            <a:r>
-              <a:rPr lang="zh-CN" altLang="en-US" dirty="0">
-                <a:sym typeface="+mn-ea"/>
-              </a:rPr>
-              <a:t>训练</a:t>
-            </a:r>
-            <a:endParaRPr lang="zh-CN" altLang="en-US" dirty="0"/>
-          </a:p>
-        </p:txBody>
-      </p:sp>
-    </p:spTree>
-    <p:custDataLst>
-      <p:tags r:id="rId1"/>
-    </p:custDataLst>
-    <p:extLst>
-      <p:ext uri="{BB962C8B-B14F-4D97-AF65-F5344CB8AC3E}">
-        <p14:creationId xmlns:p14="http://schemas.microsoft.com/office/powerpoint/2010/main" val="1274209751"/>
-      </p:ext>
-    </p:extLst>
-  </p:cSld>
-  <p:clrMapOvr>
-    <a:masterClrMapping/>
-  </p:clrMapOvr>
-</p:sld>
-</file>
-
 <file path=ppt/slides/slide15.xml><?xml version="1.0" encoding="utf-8"?>
 <p:sld xmlns:a="http://schemas.openxmlformats.org/drawingml/2006/main" xmlns:r="http://schemas.openxmlformats.org/officeDocument/2006/relationships" xmlns:p="http://schemas.openxmlformats.org/presentationml/2006/main">
   <p:cSld>
@@ -7874,11 +8084,9 @@
               <a:rPr lang="zh-CN" altLang="en-US" dirty="0">
                 <a:sym typeface="+mn-ea"/>
               </a:rPr>
-              <a:t>任务：实现训练</a:t>
-            </a:r>
-            <a:endParaRPr dirty="0">
-              <a:sym typeface="+mn-ea"/>
-            </a:endParaRPr>
+              <a:t>任务：识别手写数字使用交叉熵损失函数	</a:t>
+            </a:r>
+            <a:endParaRPr lang="en-US" altLang="zh-CN" dirty="0"/>
           </a:p>
         </p:txBody>
       </p:sp>
@@ -8117,7 +8325,7 @@
             </a:pPr>
             <a:r>
               <a:rPr lang="zh-CN" altLang="en-US" dirty="0"/>
-              <a:t>什么是训练集，什么是测试集？</a:t>
+              <a:t>请使用新的交叉熵损失函数实现代码</a:t>
             </a:r>
             <a:endParaRPr lang="en-US" altLang="zh-CN" dirty="0"/>
           </a:p>
@@ -8128,52 +8336,15 @@
             </a:pPr>
             <a:r>
               <a:rPr lang="zh-CN" altLang="en-US" dirty="0"/>
-              <a:t>介绍</a:t>
-            </a:r>
-            <a:r>
-              <a:rPr lang="en-US" altLang="zh-CN" dirty="0" err="1">
-                <a:hlinkClick r:id="rId3"/>
-              </a:rPr>
-              <a:t>mnist</a:t>
-            </a:r>
-            <a:r>
-              <a:rPr lang="zh-CN" altLang="en-US" dirty="0">
-                <a:hlinkClick r:id="rId3"/>
-              </a:rPr>
-              <a:t>数据集</a:t>
-            </a:r>
-            <a:endParaRPr lang="en-US" altLang="zh-CN" dirty="0"/>
-          </a:p>
-          <a:p>
-            <a:pPr marL="285750" indent="-285750">
-              <a:buFont typeface="Arial" panose="020B0604020202020204" pitchFamily="34" charset="0"/>
-              <a:buChar char="•"/>
-            </a:pPr>
+              <a:t>请每个同学运行代码，与之前的代码比较，看下</a:t>
+            </a:r>
+            <a:r>
+              <a:rPr lang="en-US" altLang="zh-CN" dirty="0"/>
+              <a:t>loss</a:t>
+            </a:r>
             <a:r>
               <a:rPr lang="zh-CN" altLang="en-US" dirty="0"/>
-              <a:t>请实现训练的代码</a:t>
-            </a:r>
-            <a:endParaRPr lang="en-US" altLang="zh-CN" dirty="0"/>
-          </a:p>
-          <a:p>
-            <a:pPr marL="285750" indent="-285750">
-              <a:buFont typeface="Arial" panose="020B0604020202020204" pitchFamily="34" charset="0"/>
-              <a:buChar char="•"/>
-            </a:pPr>
-            <a:r>
-              <a:rPr lang="zh-CN" altLang="en-US" dirty="0"/>
-              <a:t>使用训练集训练，检查是否收敛？</a:t>
-            </a:r>
-            <a:endParaRPr lang="en-US" altLang="zh-CN" dirty="0"/>
-          </a:p>
-          <a:p>
-            <a:pPr marL="285750" indent="-285750">
-              <a:buFont typeface="Arial" panose="020B0604020202020204" pitchFamily="34" charset="0"/>
-              <a:buChar char="•"/>
-            </a:pPr>
-            <a:r>
-              <a:rPr lang="zh-CN" altLang="en-US" dirty="0"/>
-              <a:t>请每个同学都运行“训练数据集”的代码</a:t>
+              <a:t>的训练速度是否加快？</a:t>
             </a:r>
             <a:endParaRPr lang="en-US" altLang="zh-CN" dirty="0"/>
           </a:p>
@@ -8219,82 +8390,7 @@
             <a:endParaRPr lang="zh-CN" altLang="en-US" dirty="0"/>
           </a:p>
           <a:p>
-            <a:pPr marL="285750" indent="-285750">
-              <a:buFont typeface="Arial" panose="020B0604020202020204" pitchFamily="34" charset="0"/>
-              <a:buChar char="•"/>
-            </a:pPr>
             <a:endParaRPr lang="zh-CN" altLang="en-US" dirty="0"/>
-          </a:p>
-          <a:p>
-            <a:pPr marL="285750" indent="-285750">
-              <a:buFont typeface="Arial" panose="020B0604020202020204" pitchFamily="34" charset="0"/>
-              <a:buChar char="•"/>
-            </a:pPr>
-            <a:endParaRPr lang="zh-CN" altLang="en-US" dirty="0"/>
-          </a:p>
-          <a:p>
-            <a:pPr marL="285750" indent="-285750">
-              <a:buFont typeface="Arial" panose="020B0604020202020204" pitchFamily="34" charset="0"/>
-              <a:buChar char="•"/>
-            </a:pPr>
-            <a:endParaRPr lang="zh-CN" altLang="en-US" dirty="0"/>
-          </a:p>
-          <a:p>
-            <a:pPr marL="285750" indent="-285750">
-              <a:buFont typeface="Arial" panose="020B0604020202020204" pitchFamily="34" charset="0"/>
-              <a:buChar char="•"/>
-            </a:pPr>
-            <a:endParaRPr lang="zh-CN" altLang="en-US" dirty="0"/>
-          </a:p>
-          <a:p>
-            <a:pPr marL="285750" indent="-285750">
-              <a:buFont typeface="Arial" panose="020B0604020202020204" pitchFamily="34" charset="0"/>
-              <a:buChar char="•"/>
-            </a:pPr>
-            <a:endParaRPr lang="zh-CN" altLang="en-US" dirty="0"/>
-          </a:p>
-        </p:txBody>
-      </p:sp>
-      <p:sp>
-        <p:nvSpPr>
-          <p:cNvPr id="2" name="文本框 1">
-            <a:extLst>
-              <a:ext uri="{FF2B5EF4-FFF2-40B4-BE49-F238E27FC236}">
-                <a16:creationId xmlns:a16="http://schemas.microsoft.com/office/drawing/2014/main" id="{61380762-27CD-A3FD-4A4B-F2B0CD19ABF8}"/>
-              </a:ext>
-            </a:extLst>
-          </p:cNvPr>
-          <p:cNvSpPr txBox="1"/>
-          <p:nvPr/>
-        </p:nvSpPr>
-        <p:spPr>
-          <a:xfrm>
-            <a:off x="5446206" y="2692958"/>
-            <a:ext cx="4108817" cy="369332"/>
-          </a:xfrm>
-          <a:prstGeom prst="rect">
-            <a:avLst/>
-          </a:prstGeom>
-          <a:noFill/>
-        </p:spPr>
-        <p:txBody>
-          <a:bodyPr wrap="none" rtlCol="0">
-            <a:spAutoFit/>
-          </a:bodyPr>
-          <a:lstStyle/>
-          <a:p>
-            <a:r>
-              <a:rPr kumimoji="1" lang="zh-CN" altLang="en-US" dirty="0"/>
-              <a:t>没有收敛，正确率一直卡在</a:t>
-            </a:r>
-            <a:r>
-              <a:rPr kumimoji="1" lang="en-US" altLang="zh-CN" dirty="0"/>
-              <a:t>10%</a:t>
-            </a:r>
-            <a:r>
-              <a:rPr kumimoji="1" lang="zh-CN" altLang="en-US" dirty="0"/>
-              <a:t>上不去</a:t>
-            </a:r>
           </a:p>
         </p:txBody>
       </p:sp>
@@ -8304,7 +8400,7 @@
     </p:custDataLst>
     <p:extLst>
       <p:ext uri="{BB962C8B-B14F-4D97-AF65-F5344CB8AC3E}">
-        <p14:creationId xmlns:p14="http://schemas.microsoft.com/office/powerpoint/2010/main" val="730521713"/>
+        <p14:creationId xmlns:p14="http://schemas.microsoft.com/office/powerpoint/2010/main" val="722688410"/>
       </p:ext>
     </p:extLst>
   </p:cSld>
@@ -8411,86 +8507,6 @@
       </p:grpSpPr>
       <p:sp>
         <p:nvSpPr>
-          <p:cNvPr id="2" name="标题 1"/>
-          <p:cNvSpPr>
-            <a:spLocks noGrp="1"/>
-          </p:cNvSpPr>
-          <p:nvPr>
-            <p:ph type="title"/>
-          </p:nvPr>
-        </p:nvSpPr>
-        <p:spPr/>
-        <p:txBody>
-          <a:bodyPr/>
-          <a:lstStyle/>
-          <a:p>
-            <a:r>
-              <a:rPr lang="zh-CN" altLang="en-US" dirty="0"/>
-              <a:t>主问题</a:t>
-            </a:r>
-            <a:r>
-              <a:rPr dirty="0">
-                <a:sym typeface="+mn-ea"/>
-              </a:rPr>
-              <a:t>：</a:t>
-            </a:r>
-            <a:r>
-              <a:rPr lang="en-US" dirty="0">
-                <a:sym typeface="+mn-ea"/>
-              </a:rPr>
-              <a:t>	</a:t>
-            </a:r>
-            <a:r>
-              <a:rPr lang="en-US" dirty="0" err="1">
-                <a:sym typeface="+mn-ea"/>
-              </a:rPr>
-              <a:t>如何使训练收敛</a:t>
-            </a:r>
-            <a:r>
-              <a:rPr lang="zh-CN" altLang="en-US" dirty="0">
-                <a:sym typeface="+mn-ea"/>
-              </a:rPr>
-              <a:t>？</a:t>
-            </a:r>
-            <a:endParaRPr lang="zh-CN" altLang="en-US" dirty="0"/>
-          </a:p>
-        </p:txBody>
-      </p:sp>
-    </p:spTree>
-    <p:custDataLst>
-      <p:tags r:id="rId1"/>
-    </p:custDataLst>
-    <p:extLst>
-      <p:ext uri="{BB962C8B-B14F-4D97-AF65-F5344CB8AC3E}">
-        <p14:creationId xmlns:p14="http://schemas.microsoft.com/office/powerpoint/2010/main" val="1502730987"/>
-      </p:ext>
-    </p:extLst>
-  </p:cSld>
-  <p:clrMapOvr>
-    <a:masterClrMapping/>
-  </p:clrMapOvr>
-</p:sld>
-</file>
-
-<file path=ppt/slides/slide17.xml><?xml version="1.0" encoding="utf-8"?>
-<p:sld xmlns:a="http://schemas.openxmlformats.org/drawingml/2006/main" xmlns:r="http://schemas.openxmlformats.org/officeDocument/2006/relationships" xmlns:p="http://schemas.openxmlformats.org/presentationml/2006/main">
-  <p:cSld>
-    <p:spTree>
-      <p:nvGrpSpPr>
-        <p:cNvPr id="1" name=""/>
-        <p:cNvGrpSpPr/>
-        <p:nvPr/>
-      </p:nvGrpSpPr>
-      <p:grpSpPr>
-        <a:xfrm>
-          <a:off x="0" y="0"/>
-          <a:ext cx="0" cy="0"/>
-          <a:chOff x="0" y="0"/>
-          <a:chExt cx="0" cy="0"/>
-        </a:xfrm>
-      </p:grpSpPr>
-      <p:sp>
-        <p:nvSpPr>
           <p:cNvPr id="3" name="标题 2"/>
           <p:cNvSpPr>
             <a:spLocks noGrp="1"/>
@@ -8505,14 +8521,14 @@
           <a:lstStyle/>
           <a:p>
             <a:r>
-              <a:rPr lang="zh-CN" altLang="en-US" dirty="0"/>
-              <a:t>主问题</a:t>
-            </a:r>
-            <a:r>
               <a:rPr lang="zh-CN" altLang="en-US" dirty="0">
                 <a:sym typeface="+mn-ea"/>
               </a:rPr>
-              <a:t>：	如何使训练收敛？</a:t>
+              <a:t>主问题：	如何加快多</a:t>
+            </a:r>
+            <a:r>
+              <a:rPr lang="zh-CN" altLang="en-US" dirty="0"/>
+              <a:t>分类的训练速度？</a:t>
             </a:r>
             <a:endParaRPr dirty="0">
               <a:sym typeface="+mn-ea"/>
@@ -8755,7 +8771,7 @@
             </a:pPr>
             <a:r>
               <a:rPr lang="zh-CN" altLang="en-US" dirty="0"/>
-              <a:t>如何调试？</a:t>
+              <a:t>我们发现“识别手写数字“使用交叉熵损失函数后，训练速度反而变慢了，为什么？</a:t>
             </a:r>
             <a:endParaRPr lang="en-US" altLang="zh-CN" dirty="0"/>
           </a:p>
@@ -8764,142 +8780,806 @@
               <a:buFont typeface="Arial" panose="020B0604020202020204" pitchFamily="34" charset="0"/>
               <a:buChar char="•"/>
             </a:pPr>
+            <a:endParaRPr lang="en-US" altLang="zh-CN" dirty="0"/>
+          </a:p>
+          <a:p>
+            <a:endParaRPr lang="en-US" altLang="zh-CN" dirty="0"/>
+          </a:p>
+          <a:p>
+            <a:pPr marL="285750" indent="-285750">
+              <a:buFont typeface="Arial" panose="020B0604020202020204" pitchFamily="34" charset="0"/>
+              <a:buChar char="•"/>
+            </a:pPr>
             <a:r>
               <a:rPr lang="zh-CN" altLang="en-US" dirty="0"/>
-              <a:t>应该在哪些地方</a:t>
-            </a:r>
-            <a:r>
-              <a:rPr lang="en-US" altLang="zh-CN" dirty="0"/>
-              <a:t>log</a:t>
+              <a:t>自学、互学、展学</a:t>
+            </a:r>
+          </a:p>
+          <a:p>
+            <a:pPr marL="285750" indent="-285750">
+              <a:buFont typeface="Arial" panose="020B0604020202020204" pitchFamily="34" charset="0"/>
+              <a:buChar char="•"/>
+            </a:pPr>
+            <a:endParaRPr lang="zh-CN" altLang="en-US" dirty="0"/>
+          </a:p>
+          <a:p>
+            <a:pPr marL="285750" indent="-285750">
+              <a:buFont typeface="Arial" panose="020B0604020202020204" pitchFamily="34" charset="0"/>
+              <a:buChar char="•"/>
+            </a:pPr>
+            <a:endParaRPr lang="en-US" altLang="zh-CN" dirty="0"/>
+          </a:p>
+          <a:p>
+            <a:pPr marL="285750" indent="-285750">
+              <a:buFont typeface="Arial" panose="020B0604020202020204" pitchFamily="34" charset="0"/>
+              <a:buChar char="•"/>
+            </a:pPr>
+            <a:endParaRPr lang="zh-CN" altLang="en-US" dirty="0"/>
+          </a:p>
+          <a:p>
+            <a:pPr marL="285750" indent="-285750">
+              <a:buFont typeface="Arial" panose="020B0604020202020204" pitchFamily="34" charset="0"/>
+              <a:buChar char="•"/>
+            </a:pPr>
+            <a:endParaRPr lang="zh-CN" altLang="en-US" dirty="0"/>
+          </a:p>
+          <a:p>
+            <a:pPr marL="285750" indent="-285750">
+              <a:buFont typeface="Arial" panose="020B0604020202020204" pitchFamily="34" charset="0"/>
+              <a:buChar char="•"/>
+            </a:pPr>
+            <a:endParaRPr lang="zh-CN" altLang="en-US" dirty="0"/>
+          </a:p>
+          <a:p>
+            <a:pPr marL="285750" indent="-285750">
+              <a:buFont typeface="Arial" panose="020B0604020202020204" pitchFamily="34" charset="0"/>
+              <a:buChar char="•"/>
+            </a:pPr>
+            <a:endParaRPr lang="zh-CN" altLang="en-US" dirty="0"/>
+          </a:p>
+          <a:p>
+            <a:pPr marL="285750" indent="-285750">
+              <a:buFont typeface="Arial" panose="020B0604020202020204" pitchFamily="34" charset="0"/>
+              <a:buChar char="•"/>
+            </a:pPr>
+            <a:endParaRPr lang="zh-CN" altLang="en-US" dirty="0"/>
+          </a:p>
+          <a:p>
+            <a:pPr marL="285750" indent="-285750">
+              <a:buFont typeface="Arial" panose="020B0604020202020204" pitchFamily="34" charset="0"/>
+              <a:buChar char="•"/>
+            </a:pPr>
+            <a:endParaRPr lang="zh-CN" altLang="en-US" dirty="0"/>
+          </a:p>
+          <a:p>
+            <a:pPr marL="285750" indent="-285750">
+              <a:buFont typeface="Arial" panose="020B0604020202020204" pitchFamily="34" charset="0"/>
+              <a:buChar char="•"/>
+            </a:pPr>
+            <a:endParaRPr lang="zh-CN" altLang="en-US" dirty="0"/>
+          </a:p>
+        </p:txBody>
+      </p:sp>
+      <p:pic>
+        <p:nvPicPr>
+          <p:cNvPr id="4" name="图片 3">
+            <a:extLst>
+              <a:ext uri="{FF2B5EF4-FFF2-40B4-BE49-F238E27FC236}">
+                <a16:creationId xmlns:a16="http://schemas.microsoft.com/office/drawing/2014/main" id="{DA9A95A2-654F-69BE-D86D-77F7524B8C8B}"/>
+              </a:ext>
+            </a:extLst>
+          </p:cNvPr>
+          <p:cNvPicPr>
+            <a:picLocks noChangeAspect="1"/>
+          </p:cNvPicPr>
+          <p:nvPr/>
+        </p:nvPicPr>
+        <p:blipFill>
+          <a:blip r:embed="rId3">
+            <a:extLst>
+              <a:ext uri="{28A0092B-C50C-407E-A947-70E740481C1C}">
+                <a14:useLocalDpi xmlns:a14="http://schemas.microsoft.com/office/drawing/2010/main" val="0"/>
+              </a:ext>
+            </a:extLst>
+          </a:blip>
+          <a:stretch>
+            <a:fillRect/>
+          </a:stretch>
+        </p:blipFill>
+        <p:spPr>
+          <a:xfrm>
+            <a:off x="5573975" y="2456333"/>
+            <a:ext cx="3797300" cy="2146300"/>
+          </a:xfrm>
+          <a:prstGeom prst="rect">
+            <a:avLst/>
+          </a:prstGeom>
+        </p:spPr>
+      </p:pic>
+      <mc:AlternateContent xmlns:mc="http://schemas.openxmlformats.org/markup-compatibility/2006">
+        <mc:Choice xmlns:a14="http://schemas.microsoft.com/office/drawing/2010/main" Requires="a14">
+          <p:sp>
+            <p:nvSpPr>
+              <p:cNvPr id="5" name="文本框 4">
+                <a:extLst>
+                  <a:ext uri="{FF2B5EF4-FFF2-40B4-BE49-F238E27FC236}">
+                    <a16:creationId xmlns:a16="http://schemas.microsoft.com/office/drawing/2014/main" id="{4A8BDA47-593C-9B1E-4EF2-4EEA29083E4A}"/>
+                  </a:ext>
+                </a:extLst>
+              </p:cNvPr>
+              <p:cNvSpPr txBox="1"/>
+              <p:nvPr/>
+            </p:nvSpPr>
+            <p:spPr>
+              <a:xfrm>
+                <a:off x="2325007" y="4825235"/>
+                <a:ext cx="9750041" cy="532966"/>
+              </a:xfrm>
+              <a:prstGeom prst="rect">
+                <a:avLst/>
+              </a:prstGeom>
+              <a:noFill/>
+            </p:spPr>
+            <p:txBody>
+              <a:bodyPr wrap="none" rtlCol="0">
+                <a:spAutoFit/>
+              </a:bodyPr>
+              <a:lstStyle/>
+              <a:p>
+                <a:r>
+                  <a:rPr kumimoji="1" lang="zh-CN" altLang="en-US" dirty="0"/>
+                  <a:t>因为之前的推导公式在多分类下，激活函数的导数</a:t>
+                </a:r>
+                <a14:m>
+                  <m:oMath xmlns:m="http://schemas.openxmlformats.org/officeDocument/2006/math">
+                    <m:f>
+                      <m:fPr>
+                        <m:ctrlPr>
+                          <a:rPr kumimoji="1" lang="en-US" altLang="zh-CN" i="1" smtClean="0">
+                            <a:latin typeface="Cambria Math" panose="02040503050406030204" pitchFamily="18" charset="0"/>
+                          </a:rPr>
+                        </m:ctrlPr>
+                      </m:fPr>
+                      <m:num>
+                        <m:r>
+                          <a:rPr kumimoji="1" lang="en-US" altLang="zh-CN" b="0" i="1" smtClean="0">
+                            <a:latin typeface="Cambria Math" panose="02040503050406030204" pitchFamily="18" charset="0"/>
+                          </a:rPr>
+                          <m:t>𝑑𝑓</m:t>
+                        </m:r>
+                        <m:r>
+                          <a:rPr kumimoji="1" lang="en-US" altLang="zh-CN" b="0" i="1" smtClean="0">
+                            <a:latin typeface="Cambria Math" panose="02040503050406030204" pitchFamily="18" charset="0"/>
+                          </a:rPr>
+                          <m:t>(</m:t>
+                        </m:r>
+                        <m:sSub>
+                          <m:sSubPr>
+                            <m:ctrlPr>
+                              <a:rPr kumimoji="1" lang="en-US" altLang="zh-CN" b="0" i="1" smtClean="0">
+                                <a:latin typeface="Cambria Math" panose="02040503050406030204" pitchFamily="18" charset="0"/>
+                              </a:rPr>
+                            </m:ctrlPr>
+                          </m:sSubPr>
+                          <m:e>
+                            <m:r>
+                              <a:rPr kumimoji="1" lang="en-US" altLang="zh-CN" b="0" i="1" smtClean="0">
+                                <a:latin typeface="Cambria Math" panose="02040503050406030204" pitchFamily="18" charset="0"/>
+                              </a:rPr>
+                              <m:t>𝑛𝑒𝑡</m:t>
+                            </m:r>
+                          </m:e>
+                          <m:sub>
+                            <m:r>
+                              <a:rPr kumimoji="1" lang="en-US" altLang="zh-CN" b="0" i="1" smtClean="0">
+                                <a:latin typeface="Cambria Math" panose="02040503050406030204" pitchFamily="18" charset="0"/>
+                              </a:rPr>
+                              <m:t>𝑘</m:t>
+                            </m:r>
+                          </m:sub>
+                        </m:sSub>
+                        <m:r>
+                          <a:rPr kumimoji="1" lang="en-US" altLang="zh-CN" b="0" i="1" smtClean="0">
+                            <a:latin typeface="Cambria Math" panose="02040503050406030204" pitchFamily="18" charset="0"/>
+                          </a:rPr>
+                          <m:t>)</m:t>
+                        </m:r>
+                      </m:num>
+                      <m:den>
+                        <m:r>
+                          <a:rPr kumimoji="1" lang="en-US" altLang="zh-CN" b="0" i="1" smtClean="0">
+                            <a:latin typeface="Cambria Math" panose="02040503050406030204" pitchFamily="18" charset="0"/>
+                          </a:rPr>
+                          <m:t>𝑑</m:t>
+                        </m:r>
+                        <m:sSub>
+                          <m:sSubPr>
+                            <m:ctrlPr>
+                              <a:rPr kumimoji="1" lang="en-US" altLang="zh-CN" b="0" i="1" smtClean="0">
+                                <a:latin typeface="Cambria Math" panose="02040503050406030204" pitchFamily="18" charset="0"/>
+                              </a:rPr>
+                            </m:ctrlPr>
+                          </m:sSubPr>
+                          <m:e>
+                            <m:r>
+                              <a:rPr kumimoji="1" lang="en-US" altLang="zh-CN" b="0" i="1" smtClean="0">
+                                <a:latin typeface="Cambria Math" panose="02040503050406030204" pitchFamily="18" charset="0"/>
+                              </a:rPr>
+                              <m:t>𝑛𝑒𝑡</m:t>
+                            </m:r>
+                          </m:e>
+                          <m:sub>
+                            <m:r>
+                              <a:rPr kumimoji="1" lang="en-US" altLang="zh-CN" b="0" i="1" smtClean="0">
+                                <a:latin typeface="Cambria Math" panose="02040503050406030204" pitchFamily="18" charset="0"/>
+                              </a:rPr>
+                              <m:t>𝑘</m:t>
+                            </m:r>
+                          </m:sub>
+                        </m:sSub>
+                      </m:den>
+                    </m:f>
+                  </m:oMath>
+                </a14:m>
+                <a:r>
+                  <a:rPr kumimoji="1" lang="zh-CN" altLang="en-US" dirty="0"/>
+                  <a:t>可能发生了变化，所以</a:t>
+                </a:r>
+                <a:r>
+                  <a:rPr kumimoji="1" lang="en-US" altLang="zh-CN" dirty="0"/>
+                  <a:t>E</a:t>
+                </a:r>
+                <a:r>
+                  <a:rPr kumimoji="1" lang="zh-CN" altLang="en-US" dirty="0"/>
+                  <a:t>也需要变化</a:t>
+                </a:r>
+              </a:p>
+            </p:txBody>
+          </p:sp>
+        </mc:Choice>
+        <mc:Fallback>
+          <p:sp>
+            <p:nvSpPr>
+              <p:cNvPr id="5" name="文本框 4">
+                <a:extLst>
+                  <a:ext uri="{FF2B5EF4-FFF2-40B4-BE49-F238E27FC236}">
+                    <a16:creationId xmlns:a16="http://schemas.microsoft.com/office/drawing/2014/main" id="{4A8BDA47-593C-9B1E-4EF2-4EEA29083E4A}"/>
+                  </a:ext>
+                </a:extLst>
+              </p:cNvPr>
+              <p:cNvSpPr txBox="1">
+                <a:spLocks noRot="1" noChangeAspect="1" noMove="1" noResize="1" noEditPoints="1" noAdjustHandles="1" noChangeArrowheads="1" noChangeShapeType="1" noTextEdit="1"/>
+              </p:cNvSpPr>
+              <p:nvPr/>
+            </p:nvSpPr>
+            <p:spPr>
+              <a:xfrm>
+                <a:off x="2325007" y="4825235"/>
+                <a:ext cx="9750041" cy="532966"/>
+              </a:xfrm>
+              <a:prstGeom prst="rect">
+                <a:avLst/>
+              </a:prstGeom>
+              <a:blipFill>
+                <a:blip r:embed="rId4"/>
+                <a:stretch>
+                  <a:fillRect l="-390"/>
+                </a:stretch>
+              </a:blipFill>
+            </p:spPr>
+            <p:txBody>
+              <a:bodyPr/>
+              <a:lstStyle/>
+              <a:p>
+                <a:r>
+                  <a:rPr lang="zh-CN" altLang="en-US">
+                    <a:noFill/>
+                  </a:rPr>
+                  <a:t> </a:t>
+                </a:r>
+              </a:p>
+            </p:txBody>
+          </p:sp>
+        </mc:Fallback>
+      </mc:AlternateContent>
+    </p:spTree>
+    <p:custDataLst>
+      <p:tags r:id="rId1"/>
+    </p:custDataLst>
+    <p:extLst>
+      <p:ext uri="{BB962C8B-B14F-4D97-AF65-F5344CB8AC3E}">
+        <p14:creationId xmlns:p14="http://schemas.microsoft.com/office/powerpoint/2010/main" val="2626747040"/>
+      </p:ext>
+    </p:extLst>
+  </p:cSld>
+  <p:clrMapOvr>
+    <a:masterClrMapping/>
+  </p:clrMapOvr>
+  <p:timing>
+    <p:tnLst>
+      <p:par>
+        <p:cTn id="1" dur="indefinite" restart="never" nodeType="tmRoot">
+          <p:childTnLst>
+            <p:seq concurrent="1" nextAc="seek">
+              <p:cTn id="2" dur="indefinite" nodeType="mainSeq">
+                <p:childTnLst>
+                  <p:par>
+                    <p:cTn id="3" fill="hold">
+                      <p:stCondLst>
+                        <p:cond delay="indefinite"/>
+                      </p:stCondLst>
+                      <p:childTnLst>
+                        <p:par>
+                          <p:cTn id="4" fill="hold">
+                            <p:stCondLst>
+                              <p:cond delay="0"/>
+                            </p:stCondLst>
+                            <p:childTnLst>
+                              <p:par>
+                                <p:cTn id="5" presetID="1" presetClass="entr" presetSubtype="0" fill="hold" grpId="0" nodeType="clickEffect">
+                                  <p:stCondLst>
+                                    <p:cond delay="0"/>
+                                  </p:stCondLst>
+                                  <p:childTnLst>
+                                    <p:set>
+                                      <p:cBhvr>
+                                        <p:cTn id="6" dur="1" fill="hold">
+                                          <p:stCondLst>
+                                            <p:cond delay="0"/>
+                                          </p:stCondLst>
+                                        </p:cTn>
+                                        <p:tgtEl>
+                                          <p:spTgt spid="6"/>
+                                        </p:tgtEl>
+                                        <p:attrNameLst>
+                                          <p:attrName>style.visibility</p:attrName>
+                                        </p:attrNameLst>
+                                      </p:cBhvr>
+                                      <p:to>
+                                        <p:strVal val="visible"/>
+                                      </p:to>
+                                    </p:set>
+                                  </p:childTnLst>
+                                </p:cTn>
+                              </p:par>
+                            </p:childTnLst>
+                          </p:cTn>
+                        </p:par>
+                      </p:childTnLst>
+                    </p:cTn>
+                  </p:par>
+                </p:childTnLst>
+              </p:cTn>
+              <p:prevCondLst>
+                <p:cond evt="onPrev" delay="0">
+                  <p:tgtEl>
+                    <p:sldTgt/>
+                  </p:tgtEl>
+                </p:cond>
+              </p:prevCondLst>
+              <p:nextCondLst>
+                <p:cond evt="onNext" delay="0">
+                  <p:tgtEl>
+                    <p:sldTgt/>
+                  </p:tgtEl>
+                </p:cond>
+              </p:nextCondLst>
+            </p:seq>
+          </p:childTnLst>
+        </p:cTn>
+      </p:par>
+    </p:tnLst>
+    <p:bldLst>
+      <p:bldP spid="6" grpId="0"/>
+    </p:bldLst>
+  </p:timing>
+</p:sld>
+</file>
+
+<file path=ppt/slides/slide17.xml><?xml version="1.0" encoding="utf-8"?>
+<p:sld xmlns:a="http://schemas.openxmlformats.org/drawingml/2006/main" xmlns:r="http://schemas.openxmlformats.org/officeDocument/2006/relationships" xmlns:p="http://schemas.openxmlformats.org/presentationml/2006/main">
+  <p:cSld>
+    <p:spTree>
+      <p:nvGrpSpPr>
+        <p:cNvPr id="1" name=""/>
+        <p:cNvGrpSpPr/>
+        <p:nvPr/>
+      </p:nvGrpSpPr>
+      <p:grpSpPr>
+        <a:xfrm>
+          <a:off x="0" y="0"/>
+          <a:ext cx="0" cy="0"/>
+          <a:chOff x="0" y="0"/>
+          <a:chExt cx="0" cy="0"/>
+        </a:xfrm>
+      </p:grpSpPr>
+      <p:sp>
+        <p:nvSpPr>
+          <p:cNvPr id="3" name="标题 2"/>
+          <p:cNvSpPr>
+            <a:spLocks noGrp="1"/>
+          </p:cNvSpPr>
+          <p:nvPr>
+            <p:ph type="title"/>
+          </p:nvPr>
+        </p:nvSpPr>
+        <p:spPr/>
+        <p:txBody>
+          <a:bodyPr/>
+          <a:lstStyle/>
+          <a:p>
+            <a:r>
+              <a:rPr lang="zh-CN" altLang="en-US" dirty="0">
+                <a:sym typeface="+mn-ea"/>
+              </a:rPr>
+              <a:t>主问题：	如何加快多</a:t>
             </a:r>
             <a:r>
               <a:rPr lang="zh-CN" altLang="en-US" dirty="0"/>
-              <a:t>？</a:t>
-            </a:r>
-            <a:endParaRPr lang="en-US" altLang="zh-CN" dirty="0"/>
-          </a:p>
-          <a:p>
-            <a:pPr marL="285750" indent="-285750">
-              <a:buFont typeface="Arial" panose="020B0604020202020204" pitchFamily="34" charset="0"/>
-              <a:buChar char="•"/>
-            </a:pPr>
-            <a:endParaRPr lang="en-US" altLang="zh-CN" dirty="0"/>
-          </a:p>
-          <a:p>
-            <a:pPr marL="285750" indent="-285750">
-              <a:buFont typeface="Arial" panose="020B0604020202020204" pitchFamily="34" charset="0"/>
-              <a:buChar char="•"/>
-            </a:pPr>
-            <a:r>
-              <a:rPr lang="zh-CN" altLang="en-US" dirty="0"/>
-              <a:t>自学、展学</a:t>
-            </a:r>
-          </a:p>
-          <a:p>
-            <a:pPr marL="285750" indent="-285750">
-              <a:buFont typeface="Arial" panose="020B0604020202020204" pitchFamily="34" charset="0"/>
-              <a:buChar char="•"/>
-            </a:pPr>
-            <a:endParaRPr lang="zh-CN" altLang="en-US" dirty="0"/>
-          </a:p>
-          <a:p>
-            <a:pPr marL="285750" indent="-285750">
-              <a:buFont typeface="Arial" panose="020B0604020202020204" pitchFamily="34" charset="0"/>
-              <a:buChar char="•"/>
-            </a:pPr>
-            <a:endParaRPr lang="en-US" altLang="zh-CN" dirty="0"/>
-          </a:p>
-          <a:p>
-            <a:pPr marL="285750" indent="-285750">
-              <a:buFont typeface="Arial" panose="020B0604020202020204" pitchFamily="34" charset="0"/>
-              <a:buChar char="•"/>
-            </a:pPr>
-            <a:endParaRPr lang="zh-CN" altLang="en-US" dirty="0"/>
-          </a:p>
-          <a:p>
-            <a:pPr marL="285750" indent="-285750">
-              <a:buFont typeface="Arial" panose="020B0604020202020204" pitchFamily="34" charset="0"/>
-              <a:buChar char="•"/>
-            </a:pPr>
-            <a:endParaRPr lang="zh-CN" altLang="en-US" dirty="0"/>
-          </a:p>
-          <a:p>
-            <a:pPr marL="285750" indent="-285750">
-              <a:buFont typeface="Arial" panose="020B0604020202020204" pitchFamily="34" charset="0"/>
-              <a:buChar char="•"/>
-            </a:pPr>
-            <a:endParaRPr lang="zh-CN" altLang="en-US" dirty="0"/>
-          </a:p>
-          <a:p>
-            <a:pPr marL="285750" indent="-285750">
-              <a:buFont typeface="Arial" panose="020B0604020202020204" pitchFamily="34" charset="0"/>
-              <a:buChar char="•"/>
-            </a:pPr>
-            <a:endParaRPr lang="zh-CN" altLang="en-US" dirty="0"/>
-          </a:p>
-          <a:p>
-            <a:pPr marL="285750" indent="-285750">
-              <a:buFont typeface="Arial" panose="020B0604020202020204" pitchFamily="34" charset="0"/>
-              <a:buChar char="•"/>
-            </a:pPr>
-            <a:endParaRPr lang="zh-CN" altLang="en-US" dirty="0"/>
-          </a:p>
-          <a:p>
-            <a:pPr marL="285750" indent="-285750">
-              <a:buFont typeface="Arial" panose="020B0604020202020204" pitchFamily="34" charset="0"/>
-              <a:buChar char="•"/>
-            </a:pPr>
-            <a:endParaRPr lang="zh-CN" altLang="en-US" dirty="0"/>
-          </a:p>
-          <a:p>
-            <a:pPr marL="285750" indent="-285750">
-              <a:buFont typeface="Arial" panose="020B0604020202020204" pitchFamily="34" charset="0"/>
-              <a:buChar char="•"/>
-            </a:pPr>
-            <a:endParaRPr lang="zh-CN" altLang="en-US" dirty="0"/>
+              <a:t>分类的训练速度？</a:t>
+            </a:r>
+            <a:endParaRPr dirty="0">
+              <a:sym typeface="+mn-ea"/>
+            </a:endParaRPr>
           </a:p>
         </p:txBody>
       </p:sp>
       <p:sp>
         <p:nvSpPr>
-          <p:cNvPr id="2" name="文本框 1">
+          <p:cNvPr id="6" name="文本占位符 1">
             <a:extLst>
               <a:ext uri="{FF2B5EF4-FFF2-40B4-BE49-F238E27FC236}">
-                <a16:creationId xmlns:a16="http://schemas.microsoft.com/office/drawing/2014/main" id="{5AA1468A-515D-517C-1468-21D146087852}"/>
+                <a16:creationId xmlns:a16="http://schemas.microsoft.com/office/drawing/2014/main" id="{BA88068A-4FDC-6963-46A5-ADEC46CDA15E}"/>
               </a:ext>
             </a:extLst>
           </p:cNvPr>
-          <p:cNvSpPr txBox="1"/>
+          <p:cNvSpPr txBox="1">
+            <a:spLocks/>
+          </p:cNvSpPr>
           <p:nvPr/>
         </p:nvSpPr>
         <p:spPr>
           <a:xfrm>
-            <a:off x="6430946" y="1748567"/>
-            <a:ext cx="2262158" cy="369332"/>
+            <a:off x="822325" y="1778635"/>
+            <a:ext cx="10852150" cy="4553585"/>
           </a:xfrm>
-          <a:prstGeom prst="rect">
-            <a:avLst/>
-          </a:prstGeom>
-          <a:noFill/>
         </p:spPr>
         <p:txBody>
-          <a:bodyPr wrap="none" rtlCol="0">
-            <a:spAutoFit/>
+          <a:bodyPr lIns="101600" tIns="38100" rIns="76200" bIns="38100">
+            <a:noAutofit/>
           </a:bodyPr>
-          <a:lstStyle/>
-          <a:p>
-            <a:r>
-              <a:rPr kumimoji="1" lang="zh-CN" altLang="en-US" dirty="0"/>
-              <a:t>通过打印</a:t>
-            </a:r>
-            <a:r>
-              <a:rPr kumimoji="1" lang="en-US" altLang="zh-CN" dirty="0"/>
-              <a:t>(log)</a:t>
-            </a:r>
-            <a:r>
-              <a:rPr kumimoji="1" lang="zh-CN" altLang="en-US" dirty="0"/>
-              <a:t>来调试</a:t>
-            </a:r>
+          <a:lstStyle>
+            <a:lvl1pPr marL="0" indent="0" algn="l" defTabSz="914400" rtl="0" eaLnBrk="1" fontAlgn="auto" latinLnBrk="0" hangingPunct="1">
+              <a:lnSpc>
+                <a:spcPct val="130000"/>
+              </a:lnSpc>
+              <a:spcBef>
+                <a:spcPts val="0"/>
+              </a:spcBef>
+              <a:spcAft>
+                <a:spcPts val="1000"/>
+              </a:spcAft>
+              <a:buFont typeface="Arial" panose="020B0604020202020204" pitchFamily="34" charset="0"/>
+              <a:buNone/>
+              <a:defRPr kumimoji="0" lang="zh-CN" altLang="en-US" sz="1600" b="0" i="0" u="none" strike="noStrike" kern="1200" cap="none" spc="150" normalizeH="0" baseline="0" noProof="1">
+                <a:solidFill>
+                  <a:schemeClr val="tx1"/>
+                </a:solidFill>
+                <a:uFillTx/>
+                <a:latin typeface="+mn-lt"/>
+                <a:ea typeface="+mn-ea"/>
+                <a:cs typeface="+mn-cs"/>
+                <a:sym typeface="+mn-ea"/>
+              </a:defRPr>
+            </a:lvl1pPr>
+            <a:lvl2pPr marL="457200" indent="0" algn="l" defTabSz="914400" rtl="0" eaLnBrk="1" fontAlgn="auto" latinLnBrk="0" hangingPunct="1">
+              <a:lnSpc>
+                <a:spcPct val="130000"/>
+              </a:lnSpc>
+              <a:spcBef>
+                <a:spcPts val="0"/>
+              </a:spcBef>
+              <a:spcAft>
+                <a:spcPts val="1000"/>
+              </a:spcAft>
+              <a:buFont typeface="Arial" panose="020B0604020202020204" pitchFamily="34" charset="0"/>
+              <a:buNone/>
+              <a:tabLst>
+                <a:tab pos="1609725" algn="l"/>
+              </a:tabLst>
+              <a:defRPr sz="2000" u="none" strike="noStrike" kern="1200" cap="none" spc="150" normalizeH="0" baseline="0">
+                <a:solidFill>
+                  <a:schemeClr val="tx1">
+                    <a:tint val="75000"/>
+                  </a:schemeClr>
+                </a:solidFill>
+                <a:uFillTx/>
+                <a:latin typeface="+mn-lt"/>
+                <a:ea typeface="+mn-ea"/>
+                <a:cs typeface="+mn-cs"/>
+              </a:defRPr>
+            </a:lvl2pPr>
+            <a:lvl3pPr marL="914400" indent="0" algn="l" defTabSz="914400" rtl="0" eaLnBrk="1" fontAlgn="auto" latinLnBrk="0" hangingPunct="1">
+              <a:lnSpc>
+                <a:spcPct val="130000"/>
+              </a:lnSpc>
+              <a:spcBef>
+                <a:spcPts val="0"/>
+              </a:spcBef>
+              <a:spcAft>
+                <a:spcPts val="1000"/>
+              </a:spcAft>
+              <a:buFont typeface="Arial" panose="020B0604020202020204" pitchFamily="34" charset="0"/>
+              <a:buNone/>
+              <a:defRPr sz="1800" u="none" strike="noStrike" kern="1200" cap="none" spc="150" normalizeH="0" baseline="0">
+                <a:solidFill>
+                  <a:schemeClr val="tx1">
+                    <a:tint val="75000"/>
+                  </a:schemeClr>
+                </a:solidFill>
+                <a:uFillTx/>
+                <a:latin typeface="+mn-lt"/>
+                <a:ea typeface="+mn-ea"/>
+                <a:cs typeface="+mn-cs"/>
+              </a:defRPr>
+            </a:lvl3pPr>
+            <a:lvl4pPr marL="1371600" indent="0" algn="l" defTabSz="914400" rtl="0" eaLnBrk="1" fontAlgn="auto" latinLnBrk="0" hangingPunct="1">
+              <a:lnSpc>
+                <a:spcPct val="130000"/>
+              </a:lnSpc>
+              <a:spcBef>
+                <a:spcPts val="0"/>
+              </a:spcBef>
+              <a:spcAft>
+                <a:spcPts val="1000"/>
+              </a:spcAft>
+              <a:buFont typeface="Arial" panose="020B0604020202020204" pitchFamily="34" charset="0"/>
+              <a:buNone/>
+              <a:defRPr sz="1600" u="none" strike="noStrike" kern="1200" cap="none" spc="150" normalizeH="0" baseline="0">
+                <a:solidFill>
+                  <a:schemeClr val="tx1">
+                    <a:tint val="75000"/>
+                  </a:schemeClr>
+                </a:solidFill>
+                <a:uFillTx/>
+                <a:latin typeface="+mn-lt"/>
+                <a:ea typeface="+mn-ea"/>
+                <a:cs typeface="+mn-cs"/>
+              </a:defRPr>
+            </a:lvl4pPr>
+            <a:lvl5pPr marL="1828800" indent="0" algn="l" defTabSz="914400" rtl="0" eaLnBrk="1" fontAlgn="auto" latinLnBrk="0" hangingPunct="1">
+              <a:lnSpc>
+                <a:spcPct val="130000"/>
+              </a:lnSpc>
+              <a:spcBef>
+                <a:spcPts val="0"/>
+              </a:spcBef>
+              <a:spcAft>
+                <a:spcPts val="1000"/>
+              </a:spcAft>
+              <a:buFont typeface="Arial" panose="020B0604020202020204" pitchFamily="34" charset="0"/>
+              <a:buNone/>
+              <a:defRPr sz="1600" u="none" strike="noStrike" kern="1200" cap="none" spc="150" normalizeH="0" baseline="0">
+                <a:solidFill>
+                  <a:schemeClr val="tx1">
+                    <a:tint val="75000"/>
+                  </a:schemeClr>
+                </a:solidFill>
+                <a:uFillTx/>
+                <a:latin typeface="+mn-lt"/>
+                <a:ea typeface="+mn-ea"/>
+                <a:cs typeface="+mn-cs"/>
+              </a:defRPr>
+            </a:lvl5pPr>
+            <a:lvl6pPr marL="2286000" indent="0" algn="l" defTabSz="914400" rtl="0" eaLnBrk="1" latinLnBrk="0" hangingPunct="1">
+              <a:lnSpc>
+                <a:spcPct val="90000"/>
+              </a:lnSpc>
+              <a:spcBef>
+                <a:spcPts val="500"/>
+              </a:spcBef>
+              <a:buFont typeface="Arial" panose="020B0604020202020204" pitchFamily="34" charset="0"/>
+              <a:buNone/>
+              <a:defRPr sz="1600" kern="1200">
+                <a:solidFill>
+                  <a:schemeClr val="tx1">
+                    <a:tint val="75000"/>
+                  </a:schemeClr>
+                </a:solidFill>
+                <a:latin typeface="+mn-lt"/>
+                <a:ea typeface="+mn-ea"/>
+                <a:cs typeface="+mn-cs"/>
+              </a:defRPr>
+            </a:lvl6pPr>
+            <a:lvl7pPr marL="2743200" indent="0" algn="l" defTabSz="914400" rtl="0" eaLnBrk="1" latinLnBrk="0" hangingPunct="1">
+              <a:lnSpc>
+                <a:spcPct val="90000"/>
+              </a:lnSpc>
+              <a:spcBef>
+                <a:spcPts val="500"/>
+              </a:spcBef>
+              <a:buFont typeface="Arial" panose="020B0604020202020204" pitchFamily="34" charset="0"/>
+              <a:buNone/>
+              <a:defRPr sz="1600" kern="1200">
+                <a:solidFill>
+                  <a:schemeClr val="tx1">
+                    <a:tint val="75000"/>
+                  </a:schemeClr>
+                </a:solidFill>
+                <a:latin typeface="+mn-lt"/>
+                <a:ea typeface="+mn-ea"/>
+                <a:cs typeface="+mn-cs"/>
+              </a:defRPr>
+            </a:lvl7pPr>
+            <a:lvl8pPr marL="3200400" indent="0" algn="l" defTabSz="914400" rtl="0" eaLnBrk="1" latinLnBrk="0" hangingPunct="1">
+              <a:lnSpc>
+                <a:spcPct val="90000"/>
+              </a:lnSpc>
+              <a:spcBef>
+                <a:spcPts val="500"/>
+              </a:spcBef>
+              <a:buFont typeface="Arial" panose="020B0604020202020204" pitchFamily="34" charset="0"/>
+              <a:buNone/>
+              <a:defRPr sz="1600" kern="1200">
+                <a:solidFill>
+                  <a:schemeClr val="tx1">
+                    <a:tint val="75000"/>
+                  </a:schemeClr>
+                </a:solidFill>
+                <a:latin typeface="+mn-lt"/>
+                <a:ea typeface="+mn-ea"/>
+                <a:cs typeface="+mn-cs"/>
+              </a:defRPr>
+            </a:lvl8pPr>
+            <a:lvl9pPr marL="3657600" indent="0" algn="l" defTabSz="914400" rtl="0" eaLnBrk="1" latinLnBrk="0" hangingPunct="1">
+              <a:lnSpc>
+                <a:spcPct val="90000"/>
+              </a:lnSpc>
+              <a:spcBef>
+                <a:spcPts val="500"/>
+              </a:spcBef>
+              <a:buFont typeface="Arial" panose="020B0604020202020204" pitchFamily="34" charset="0"/>
+              <a:buNone/>
+              <a:defRPr sz="1600" kern="1200">
+                <a:solidFill>
+                  <a:schemeClr val="tx1">
+                    <a:tint val="75000"/>
+                  </a:schemeClr>
+                </a:solidFill>
+                <a:latin typeface="+mn-lt"/>
+                <a:ea typeface="+mn-ea"/>
+                <a:cs typeface="+mn-cs"/>
+              </a:defRPr>
+            </a:lvl9pPr>
+          </a:lstStyle>
+          <a:p>
+            <a:pPr marL="285750" indent="-285750">
+              <a:buFont typeface="Arial" panose="020B0604020202020204" pitchFamily="34" charset="0"/>
+              <a:buChar char="•"/>
+            </a:pPr>
+            <a:r>
+              <a:rPr lang="zh-CN" altLang="en-US" dirty="0"/>
+              <a:t>输出层原来的</a:t>
+            </a:r>
+            <a:r>
+              <a:rPr lang="en-US" altLang="zh-CN" dirty="0"/>
+              <a:t>sigmoid</a:t>
+            </a:r>
+            <a:r>
+              <a:rPr lang="zh-CN" altLang="en-US" dirty="0"/>
+              <a:t>激活函数是否适用于多分类的情况？</a:t>
+            </a:r>
+            <a:endParaRPr lang="en-US" altLang="zh-CN" dirty="0"/>
+          </a:p>
+          <a:p>
+            <a:pPr marL="285750" indent="-285750">
+              <a:buFont typeface="Arial" panose="020B0604020202020204" pitchFamily="34" charset="0"/>
+              <a:buChar char="•"/>
+            </a:pPr>
+            <a:r>
+              <a:rPr lang="zh-CN" altLang="en-US" dirty="0"/>
+              <a:t>我们使用新的激活函数：</a:t>
+            </a:r>
+            <a:r>
+              <a:rPr lang="en-US" altLang="zh-CN" dirty="0" err="1"/>
+              <a:t>softmax</a:t>
+            </a:r>
+            <a:r>
+              <a:rPr lang="zh-CN" altLang="en-US" dirty="0"/>
+              <a:t>，作为输出层新的激活函数</a:t>
+            </a:r>
+            <a:endParaRPr lang="en-US" altLang="zh-CN" dirty="0"/>
+          </a:p>
+          <a:p>
+            <a:pPr marL="285750" indent="-285750">
+              <a:buFont typeface="Arial" panose="020B0604020202020204" pitchFamily="34" charset="0"/>
+              <a:buChar char="•"/>
+            </a:pPr>
+            <a:r>
+              <a:rPr lang="en-US" altLang="zh-CN" dirty="0" err="1"/>
+              <a:t>Softmax</a:t>
+            </a:r>
+            <a:r>
+              <a:rPr lang="zh-CN" altLang="en-US" dirty="0"/>
+              <a:t>的公式是什么？</a:t>
+            </a:r>
+            <a:endParaRPr lang="en-US" altLang="zh-CN" dirty="0"/>
+          </a:p>
+          <a:p>
+            <a:endParaRPr lang="en-US" altLang="zh-CN" dirty="0"/>
+          </a:p>
+          <a:p>
+            <a:pPr marL="285750" indent="-285750">
+              <a:buFont typeface="Arial" panose="020B0604020202020204" pitchFamily="34" charset="0"/>
+              <a:buChar char="•"/>
+            </a:pPr>
+            <a:r>
+              <a:rPr lang="zh-CN" altLang="en-US" dirty="0"/>
+              <a:t>自学、互学、展学</a:t>
+            </a:r>
+          </a:p>
+          <a:p>
+            <a:pPr marL="285750" indent="-285750">
+              <a:buFont typeface="Arial" panose="020B0604020202020204" pitchFamily="34" charset="0"/>
+              <a:buChar char="•"/>
+            </a:pPr>
+            <a:endParaRPr lang="zh-CN" altLang="en-US" dirty="0"/>
+          </a:p>
+          <a:p>
+            <a:pPr marL="285750" indent="-285750">
+              <a:buFont typeface="Arial" panose="020B0604020202020204" pitchFamily="34" charset="0"/>
+              <a:buChar char="•"/>
+            </a:pPr>
+            <a:endParaRPr lang="en-US" altLang="zh-CN" dirty="0"/>
+          </a:p>
+          <a:p>
+            <a:pPr marL="285750" indent="-285750">
+              <a:buFont typeface="Arial" panose="020B0604020202020204" pitchFamily="34" charset="0"/>
+              <a:buChar char="•"/>
+            </a:pPr>
+            <a:endParaRPr lang="zh-CN" altLang="en-US" dirty="0"/>
+          </a:p>
+          <a:p>
+            <a:pPr marL="285750" indent="-285750">
+              <a:buFont typeface="Arial" panose="020B0604020202020204" pitchFamily="34" charset="0"/>
+              <a:buChar char="•"/>
+            </a:pPr>
+            <a:endParaRPr lang="zh-CN" altLang="en-US" dirty="0"/>
+          </a:p>
+          <a:p>
+            <a:pPr marL="285750" indent="-285750">
+              <a:buFont typeface="Arial" panose="020B0604020202020204" pitchFamily="34" charset="0"/>
+              <a:buChar char="•"/>
+            </a:pPr>
+            <a:endParaRPr lang="zh-CN" altLang="en-US" dirty="0"/>
+          </a:p>
+          <a:p>
+            <a:pPr marL="285750" indent="-285750">
+              <a:buFont typeface="Arial" panose="020B0604020202020204" pitchFamily="34" charset="0"/>
+              <a:buChar char="•"/>
+            </a:pPr>
+            <a:endParaRPr lang="zh-CN" altLang="en-US" dirty="0"/>
+          </a:p>
+          <a:p>
+            <a:pPr marL="285750" indent="-285750">
+              <a:buFont typeface="Arial" panose="020B0604020202020204" pitchFamily="34" charset="0"/>
+              <a:buChar char="•"/>
+            </a:pPr>
+            <a:endParaRPr lang="zh-CN" altLang="en-US" dirty="0"/>
+          </a:p>
+          <a:p>
+            <a:pPr marL="285750" indent="-285750">
+              <a:buFont typeface="Arial" panose="020B0604020202020204" pitchFamily="34" charset="0"/>
+              <a:buChar char="•"/>
+            </a:pPr>
+            <a:endParaRPr lang="zh-CN" altLang="en-US" dirty="0"/>
+          </a:p>
+          <a:p>
+            <a:pPr marL="285750" indent="-285750">
+              <a:buFont typeface="Arial" panose="020B0604020202020204" pitchFamily="34" charset="0"/>
+              <a:buChar char="•"/>
+            </a:pPr>
+            <a:endParaRPr lang="zh-CN" altLang="en-US" dirty="0"/>
           </a:p>
         </p:txBody>
       </p:sp>
@@ -8909,7 +9589,7 @@
     </p:custDataLst>
     <p:extLst>
       <p:ext uri="{BB962C8B-B14F-4D97-AF65-F5344CB8AC3E}">
-        <p14:creationId xmlns:p14="http://schemas.microsoft.com/office/powerpoint/2010/main" val="3306258386"/>
+        <p14:creationId xmlns:p14="http://schemas.microsoft.com/office/powerpoint/2010/main" val="643027325"/>
       </p:ext>
     </p:extLst>
   </p:cSld>
@@ -9033,11 +9713,21 @@
               <a:rPr lang="zh-CN" altLang="en-US" dirty="0">
                 <a:sym typeface="+mn-ea"/>
               </a:rPr>
-              <a:t>任务：找到未收敛的原因</a:t>
-            </a:r>
-            <a:endParaRPr dirty="0">
-              <a:sym typeface="+mn-ea"/>
-            </a:endParaRPr>
+              <a:t>任务：使用</a:t>
+            </a:r>
+            <a:r>
+              <a:rPr lang="en-US" altLang="zh-CN" dirty="0" err="1">
+                <a:sym typeface="+mn-ea"/>
+              </a:rPr>
+              <a:t>softmax</a:t>
+            </a:r>
+            <a:r>
+              <a:rPr lang="zh-CN" altLang="en-US" dirty="0">
+                <a:sym typeface="+mn-ea"/>
+              </a:rPr>
+              <a:t>计算“识别手写数字”的输出	</a:t>
+            </a:r>
+            <a:endParaRPr lang="en-US" altLang="zh-CN" dirty="0"/>
           </a:p>
         </p:txBody>
       </p:sp>
@@ -9275,25 +9965,9 @@
               <a:buChar char="•"/>
             </a:pPr>
             <a:r>
-              <a:rPr lang="zh-CN" altLang="en-US" dirty="0"/>
-              <a:t>请通过打印的方法调试，找到原因</a:t>
-            </a:r>
-            <a:br>
               <a:rPr lang="en-US" altLang="zh-CN" dirty="0"/>
-            </a:br>
-            <a:r>
-              <a:rPr lang="en-US" altLang="zh-CN" dirty="0"/>
-              <a:t>TODO </a:t>
-            </a:r>
-            <a:r>
-              <a:rPr lang="zh-CN" altLang="en-US" dirty="0"/>
-              <a:t>给出</a:t>
-            </a:r>
-            <a:r>
-              <a:rPr lang="en-US" altLang="zh-CN" dirty="0" err="1"/>
-              <a:t>Log.res</a:t>
-            </a:r>
-            <a:endParaRPr lang="en-US" altLang="zh-CN" dirty="0"/>
+              <a:t>TODO</a:t>
+            </a:r>
           </a:p>
           <a:p>
             <a:endParaRPr lang="en-US" altLang="zh-CN" dirty="0"/>
@@ -9337,38 +10011,6 @@
             <a:endParaRPr lang="zh-CN" altLang="en-US" dirty="0"/>
           </a:p>
           <a:p>
-            <a:pPr marL="285750" indent="-285750">
-              <a:buFont typeface="Arial" panose="020B0604020202020204" pitchFamily="34" charset="0"/>
-              <a:buChar char="•"/>
-            </a:pPr>
-            <a:endParaRPr lang="zh-CN" altLang="en-US" dirty="0"/>
-          </a:p>
-          <a:p>
-            <a:pPr marL="285750" indent="-285750">
-              <a:buFont typeface="Arial" panose="020B0604020202020204" pitchFamily="34" charset="0"/>
-              <a:buChar char="•"/>
-            </a:pPr>
-            <a:endParaRPr lang="zh-CN" altLang="en-US" dirty="0"/>
-          </a:p>
-          <a:p>
-            <a:pPr marL="285750" indent="-285750">
-              <a:buFont typeface="Arial" panose="020B0604020202020204" pitchFamily="34" charset="0"/>
-              <a:buChar char="•"/>
-            </a:pPr>
-            <a:endParaRPr lang="zh-CN" altLang="en-US" dirty="0"/>
-          </a:p>
-          <a:p>
-            <a:pPr marL="285750" indent="-285750">
-              <a:buFont typeface="Arial" panose="020B0604020202020204" pitchFamily="34" charset="0"/>
-              <a:buChar char="•"/>
-            </a:pPr>
-            <a:endParaRPr lang="zh-CN" altLang="en-US" dirty="0"/>
-          </a:p>
-          <a:p>
-            <a:pPr marL="285750" indent="-285750">
-              <a:buFont typeface="Arial" panose="020B0604020202020204" pitchFamily="34" charset="0"/>
-              <a:buChar char="•"/>
-            </a:pPr>
             <a:endParaRPr lang="zh-CN" altLang="en-US" dirty="0"/>
           </a:p>
         </p:txBody>
@@ -9379,7 +10021,7 @@
     </p:custDataLst>
     <p:extLst>
       <p:ext uri="{BB962C8B-B14F-4D97-AF65-F5344CB8AC3E}">
-        <p14:creationId xmlns:p14="http://schemas.microsoft.com/office/powerpoint/2010/main" val="2809942981"/>
+        <p14:creationId xmlns:p14="http://schemas.microsoft.com/office/powerpoint/2010/main" val="3757716352"/>
       </p:ext>
     </p:extLst>
   </p:cSld>
@@ -9503,7 +10145,11 @@
               <a:rPr lang="zh-CN" altLang="en-US" dirty="0">
                 <a:sym typeface="+mn-ea"/>
               </a:rPr>
-              <a:t>任务：修复</a:t>
+              <a:t>主问题：	如何加快多</a:t>
+            </a:r>
+            <a:r>
+              <a:rPr lang="zh-CN" altLang="en-US" dirty="0"/>
+              <a:t>分类的训练速度？</a:t>
             </a:r>
             <a:endParaRPr dirty="0">
               <a:sym typeface="+mn-ea"/>
@@ -9746,7 +10392,23 @@
             </a:pPr>
             <a:r>
               <a:rPr lang="zh-CN" altLang="en-US" dirty="0"/>
-              <a:t>如何修复？</a:t>
+              <a:t>请思考误差项的公式是什么样的，才能满足</a:t>
+            </a:r>
+            <a:r>
+              <a:rPr lang="en-US" altLang="zh-CN" dirty="0"/>
+              <a:t>loss</a:t>
+            </a:r>
+            <a:r>
+              <a:rPr lang="zh-CN" altLang="en-US" dirty="0"/>
+              <a:t>越大误差项就越大（也就是梯度越大），</a:t>
+            </a:r>
+            <a:r>
+              <a:rPr lang="en-US" altLang="zh-CN" dirty="0"/>
+              <a:t>loss</a:t>
+            </a:r>
+            <a:r>
+              <a:rPr lang="zh-CN" altLang="en-US" dirty="0"/>
+              <a:t>越小误差项就越小（也就是梯度越小）？</a:t>
             </a:r>
             <a:endParaRPr lang="en-US" altLang="zh-CN" dirty="0"/>
           </a:p>
@@ -9757,7 +10419,18 @@
             </a:pPr>
             <a:r>
               <a:rPr lang="zh-CN" altLang="en-US" dirty="0"/>
-              <a:t>请实现修复</a:t>
+              <a:t>所以我们仍然使用交叉熵损失函数，只是把公式修改下</a:t>
+            </a:r>
+            <a:br>
+              <a:rPr lang="en-US" altLang="zh-CN" dirty="0"/>
+            </a:br>
+            <a:r>
+              <a:rPr lang="en-US" altLang="zh-CN" dirty="0"/>
+              <a:t>TODO </a:t>
+            </a:r>
+            <a:r>
+              <a:rPr lang="zh-CN" altLang="en-US" dirty="0"/>
+              <a:t>公式</a:t>
             </a:r>
             <a:endParaRPr lang="en-US" altLang="zh-CN" dirty="0"/>
           </a:p>
@@ -9768,7 +10441,37 @@
             </a:pPr>
             <a:r>
               <a:rPr lang="zh-CN" altLang="en-US" dirty="0"/>
-              <a:t>请每个同学都运行修复后的代码，看下是否收敛？</a:t>
+              <a:t>请根据该公式推导误差项，看下误差项是否为希望的公式？</a:t>
+            </a:r>
+            <a:br>
+              <a:rPr lang="en-US" altLang="zh-CN" dirty="0"/>
+            </a:br>
+            <a:r>
+              <a:rPr lang="en-US" altLang="zh-CN" dirty="0"/>
+              <a:t>TODO </a:t>
+            </a:r>
+            <a:r>
+              <a:rPr lang="zh-CN" altLang="en-US" dirty="0"/>
+              <a:t>给出</a:t>
+            </a:r>
+            <a:r>
+              <a:rPr lang="en-US" altLang="zh-CN" dirty="0" err="1"/>
+              <a:t>softmax</a:t>
+            </a:r>
+            <a:r>
+              <a:rPr lang="zh-CN" altLang="en-US" dirty="0"/>
+              <a:t>求导公式</a:t>
+            </a:r>
+            <a:br>
+              <a:rPr lang="en-US" altLang="zh-CN" dirty="0"/>
+            </a:br>
+            <a:r>
+              <a:rPr lang="en-US" altLang="zh-CN" dirty="0"/>
+              <a:t>TODO.</a:t>
+            </a:r>
+            <a:r>
+              <a:rPr lang="zh-CN" altLang="en-US" dirty="0"/>
+              <a:t>推导过程？</a:t>
             </a:r>
             <a:endParaRPr lang="en-US" altLang="zh-CN" dirty="0"/>
           </a:p>
@@ -9782,7 +10485,7 @@
             </a:pPr>
             <a:r>
               <a:rPr lang="zh-CN" altLang="en-US" dirty="0"/>
-              <a:t>自学、展学</a:t>
+              <a:t>自学、互学、展学</a:t>
             </a:r>
           </a:p>
           <a:p>
@@ -9850,63 +10553,49 @@
           </a:p>
         </p:txBody>
       </p:sp>
-      <p:sp>
-        <p:nvSpPr>
-          <p:cNvPr id="4" name="文本框 3">
+      <p:pic>
+        <p:nvPicPr>
+          <p:cNvPr id="4" name="图片 3">
             <a:extLst>
               <a:ext uri="{FF2B5EF4-FFF2-40B4-BE49-F238E27FC236}">
-                <a16:creationId xmlns:a16="http://schemas.microsoft.com/office/drawing/2014/main" id="{D41A8F72-449C-EAA6-0B76-7706CA88B4A2}"/>
+                <a16:creationId xmlns:a16="http://schemas.microsoft.com/office/drawing/2014/main" id="{2856CE37-3D71-C476-C215-E51E9A22428E}"/>
               </a:ext>
             </a:extLst>
           </p:cNvPr>
-          <p:cNvSpPr txBox="1"/>
+          <p:cNvPicPr>
+            <a:picLocks noChangeAspect="1"/>
+          </p:cNvPicPr>
           <p:nvPr/>
-        </p:nvSpPr>
+        </p:nvPicPr>
+        <p:blipFill>
+          <a:blip r:embed="rId3">
+            <a:extLst>
+              <a:ext uri="{28A0092B-C50C-407E-A947-70E740481C1C}">
+                <a14:useLocalDpi xmlns:a14="http://schemas.microsoft.com/office/drawing/2010/main" val="0"/>
+              </a:ext>
+            </a:extLst>
+          </a:blip>
+          <a:stretch>
+            <a:fillRect/>
+          </a:stretch>
+        </p:blipFill>
         <p:spPr>
           <a:xfrm>
-            <a:off x="6692202" y="1889090"/>
-            <a:ext cx="2089033" cy="646331"/>
+            <a:off x="8626519" y="2411046"/>
+            <a:ext cx="2895600" cy="736600"/>
           </a:xfrm>
           <a:prstGeom prst="rect">
             <a:avLst/>
           </a:prstGeom>
-          <a:noFill/>
         </p:spPr>
-        <p:txBody>
-          <a:bodyPr wrap="none" rtlCol="0">
-            <a:spAutoFit/>
-          </a:bodyPr>
-          <a:lstStyle/>
-          <a:p>
-            <a:pPr marL="285750" indent="-285750">
-              <a:buFont typeface="Arial" panose="020B0604020202020204" pitchFamily="34" charset="0"/>
-              <a:buChar char="•"/>
-            </a:pPr>
-            <a:r>
-              <a:rPr kumimoji="1" lang="zh-CN" altLang="en-US" dirty="0"/>
-              <a:t>增大学习率</a:t>
-            </a:r>
-            <a:endParaRPr kumimoji="1" lang="en-US" altLang="zh-CN" dirty="0"/>
-          </a:p>
-          <a:p>
-            <a:pPr marL="285750" indent="-285750">
-              <a:buFont typeface="Arial" panose="020B0604020202020204" pitchFamily="34" charset="0"/>
-              <a:buChar char="•"/>
-            </a:pPr>
-            <a:r>
-              <a:rPr kumimoji="1" lang="zh-CN" altLang="en-US" dirty="0"/>
-              <a:t>避免加权和过大</a:t>
-            </a:r>
-          </a:p>
-        </p:txBody>
-      </p:sp>
+      </p:pic>
     </p:spTree>
     <p:custDataLst>
       <p:tags r:id="rId1"/>
     </p:custDataLst>
     <p:extLst>
       <p:ext uri="{BB962C8B-B14F-4D97-AF65-F5344CB8AC3E}">
-        <p14:creationId xmlns:p14="http://schemas.microsoft.com/office/powerpoint/2010/main" val="293921898"/>
+        <p14:creationId xmlns:p14="http://schemas.microsoft.com/office/powerpoint/2010/main" val="1013839554"/>
       </p:ext>
     </p:extLst>
   </p:cSld>
@@ -10100,11 +10789,8 @@
               <a:rPr lang="zh-CN" altLang="en-US" dirty="0">
                 <a:sym typeface="+mn-ea"/>
               </a:rPr>
-              <a:t>任务：重构调试代码</a:t>
-            </a:r>
-            <a:endParaRPr dirty="0">
-              <a:sym typeface="+mn-ea"/>
-            </a:endParaRPr>
+              <a:t>结学</a:t>
+            </a:r>
           </a:p>
         </p:txBody>
       </p:sp>
@@ -10343,29 +11029,7 @@
             </a:pPr>
             <a:r>
               <a:rPr lang="zh-CN" altLang="en-US" dirty="0"/>
-              <a:t>一个一个去手动检查打印的值太麻烦，如何才能自动化地检查？</a:t>
-            </a:r>
-            <a:endParaRPr lang="en-US" altLang="zh-CN" dirty="0"/>
-          </a:p>
-          <a:p>
-            <a:pPr marL="285750" indent="-285750">
-              <a:buFont typeface="Arial" panose="020B0604020202020204" pitchFamily="34" charset="0"/>
-              <a:buChar char="•"/>
-            </a:pPr>
-            <a:r>
-              <a:rPr lang="zh-CN" altLang="en-US" dirty="0"/>
-              <a:t>请实现代码</a:t>
-            </a:r>
-            <a:endParaRPr lang="en-US" altLang="zh-CN" dirty="0"/>
-          </a:p>
-          <a:p>
-            <a:pPr marL="285750" indent="-285750">
-              <a:buFont typeface="Arial" panose="020B0604020202020204" pitchFamily="34" charset="0"/>
-              <a:buChar char="•"/>
-            </a:pPr>
-            <a:r>
-              <a:rPr lang="zh-CN" altLang="en-US" dirty="0"/>
-              <a:t>请每个同学都运行代码，看下是否通过了自动化检查？</a:t>
+              <a:t>如何加快多分类的训练速度？</a:t>
             </a:r>
             <a:endParaRPr lang="en-US" altLang="zh-CN" dirty="0"/>
           </a:p>
@@ -10453,7 +11117,7 @@
     </p:custDataLst>
     <p:extLst>
       <p:ext uri="{BB962C8B-B14F-4D97-AF65-F5344CB8AC3E}">
-        <p14:creationId xmlns:p14="http://schemas.microsoft.com/office/powerpoint/2010/main" val="1613480914"/>
+        <p14:creationId xmlns:p14="http://schemas.microsoft.com/office/powerpoint/2010/main" val="2536093079"/>
       </p:ext>
     </p:extLst>
   </p:cSld>
@@ -10560,6 +11224,92 @@
       </p:grpSpPr>
       <p:sp>
         <p:nvSpPr>
+          <p:cNvPr id="2" name="标题 1"/>
+          <p:cNvSpPr>
+            <a:spLocks noGrp="1"/>
+          </p:cNvSpPr>
+          <p:nvPr>
+            <p:ph type="title"/>
+          </p:nvPr>
+        </p:nvSpPr>
+        <p:spPr/>
+        <p:txBody>
+          <a:bodyPr/>
+          <a:lstStyle/>
+          <a:p>
+            <a:r>
+              <a:rPr lang="zh-CN" altLang="en-US" dirty="0">
+                <a:sym typeface="+mn-ea"/>
+              </a:rPr>
+              <a:t>任务：</a:t>
+            </a:r>
+            <a:br>
+              <a:rPr lang="en-US" altLang="zh-CN" dirty="0">
+                <a:sym typeface="+mn-ea"/>
+              </a:rPr>
+            </a:br>
+            <a:r>
+              <a:rPr lang="zh-CN" altLang="en-US" dirty="0">
+                <a:sym typeface="+mn-ea"/>
+              </a:rPr>
+              <a:t>判断性别</a:t>
+            </a:r>
+            <a:r>
+              <a:rPr lang="en-US" altLang="zh-CN" dirty="0">
+                <a:sym typeface="+mn-ea"/>
+              </a:rPr>
+              <a:t>Demo</a:t>
+            </a:r>
+            <a:r>
+              <a:rPr lang="zh-CN" altLang="en-US" dirty="0">
+                <a:sym typeface="+mn-ea"/>
+              </a:rPr>
+              <a:t>使用交叉熵损失函数	</a:t>
+            </a:r>
+            <a:br>
+              <a:rPr lang="en-US" altLang="zh-CN" dirty="0">
+                <a:sym typeface="+mn-ea"/>
+              </a:rPr>
+            </a:br>
+            <a:endParaRPr lang="zh-CN" altLang="en-US" dirty="0"/>
+          </a:p>
+        </p:txBody>
+      </p:sp>
+    </p:spTree>
+    <p:custDataLst>
+      <p:tags r:id="rId1"/>
+    </p:custDataLst>
+    <p:extLst>
+      <p:ext uri="{BB962C8B-B14F-4D97-AF65-F5344CB8AC3E}">
+        <p14:creationId xmlns:p14="http://schemas.microsoft.com/office/powerpoint/2010/main" val="2557938798"/>
+      </p:ext>
+    </p:extLst>
+  </p:cSld>
+  <p:clrMapOvr>
+    <a:masterClrMapping/>
+  </p:clrMapOvr>
+</p:sld>
+</file>
+
+<file path=ppt/slides/slide22.xml><?xml version="1.0" encoding="utf-8"?>
+<p:sld xmlns:a="http://schemas.openxmlformats.org/drawingml/2006/main" xmlns:r="http://schemas.openxmlformats.org/officeDocument/2006/relationships" xmlns:p="http://schemas.openxmlformats.org/presentationml/2006/main">
+  <p:cSld>
+    <p:spTree>
+      <p:nvGrpSpPr>
+        <p:cNvPr id="1" name=""/>
+        <p:cNvGrpSpPr/>
+        <p:nvPr/>
+      </p:nvGrpSpPr>
+      <p:grpSpPr>
+        <a:xfrm>
+          <a:off x="0" y="0"/>
+          <a:ext cx="0" cy="0"/>
+          <a:chOff x="0" y="0"/>
+          <a:chExt cx="0" cy="0"/>
+        </a:xfrm>
+      </p:grpSpPr>
+      <p:sp>
+        <p:nvSpPr>
           <p:cNvPr id="3" name="标题 2"/>
           <p:cNvSpPr>
             <a:spLocks noGrp="1"/>
@@ -10574,8 +11324,22 @@
           <a:lstStyle/>
           <a:p>
             <a:r>
-              <a:rPr lang="zh-CN" altLang="en-US" dirty="0"/>
-              <a:t>结学</a:t>
+              <a:rPr lang="zh-CN" altLang="en-US" dirty="0">
+                <a:sym typeface="+mn-ea"/>
+              </a:rPr>
+              <a:t>任务：识别手写数字使用交叉熵损失函数和</a:t>
+            </a:r>
+            <a:r>
+              <a:rPr lang="en-US" altLang="zh-CN" dirty="0" err="1">
+                <a:sym typeface="+mn-ea"/>
+              </a:rPr>
+              <a:t>softmax</a:t>
+            </a:r>
+            <a:r>
+              <a:rPr lang="zh-CN" altLang="en-US" dirty="0">
+                <a:sym typeface="+mn-ea"/>
+              </a:rPr>
+              <a:t>激活函数</a:t>
             </a:r>
             <a:endParaRPr dirty="0">
               <a:sym typeface="+mn-ea"/>
@@ -10818,7 +11582,7 @@
             </a:pPr>
             <a:r>
               <a:rPr lang="zh-CN" altLang="en-US" dirty="0"/>
-              <a:t>未收敛的原因的原因是什么？</a:t>
+              <a:t>请实现代码</a:t>
             </a:r>
             <a:endParaRPr lang="en-US" altLang="zh-CN" dirty="0"/>
           </a:p>
@@ -10829,23 +11593,42 @@
             </a:pPr>
             <a:r>
               <a:rPr lang="zh-CN" altLang="en-US" dirty="0"/>
-              <a:t>如何修复？</a:t>
+              <a:t>请每个同学运行代码</a:t>
             </a:r>
             <a:endParaRPr lang="en-US" altLang="zh-CN" dirty="0"/>
           </a:p>
           <a:p>
-            <a:pPr marL="285750" indent="-285750">
+            <a:pPr marL="742950" lvl="1" indent="-285750">
               <a:buFont typeface="Arial" panose="020B0604020202020204" pitchFamily="34" charset="0"/>
               <a:buChar char="•"/>
             </a:pPr>
             <a:r>
               <a:rPr lang="zh-CN" altLang="en-US" dirty="0"/>
-              <a:t>如何自动化地检查？</a:t>
+              <a:t>有无警告？</a:t>
             </a:r>
             <a:endParaRPr lang="en-US" altLang="zh-CN" dirty="0"/>
           </a:p>
           <a:p>
-            <a:pPr marL="285750" indent="-285750">
+            <a:pPr marL="742950" lvl="1" indent="-285750">
+              <a:buFont typeface="Arial" panose="020B0604020202020204" pitchFamily="34" charset="0"/>
+              <a:buChar char="•"/>
+            </a:pPr>
+            <a:r>
+              <a:rPr lang="zh-CN" altLang="en-US" dirty="0"/>
+              <a:t>与之前的代码相比，</a:t>
+            </a:r>
+            <a:r>
+              <a:rPr lang="en-US" altLang="zh-CN" dirty="0"/>
+              <a:t>loss</a:t>
+            </a:r>
+            <a:r>
+              <a:rPr lang="zh-CN" altLang="en-US" dirty="0"/>
+              <a:t>的训练速度是否加快？</a:t>
+            </a:r>
+            <a:endParaRPr lang="en-US" altLang="zh-CN" dirty="0"/>
+          </a:p>
+          <a:p>
+            <a:pPr marL="742950" lvl="1" indent="-285750">
               <a:buFont typeface="Arial" panose="020B0604020202020204" pitchFamily="34" charset="0"/>
               <a:buChar char="•"/>
             </a:pPr>
@@ -10860,20 +11643,6 @@
               <a:rPr lang="zh-CN" altLang="en-US" dirty="0"/>
               <a:t>自学、展学</a:t>
             </a:r>
-          </a:p>
-          <a:p>
-            <a:pPr marL="285750" indent="-285750">
-              <a:buFont typeface="Arial" panose="020B0604020202020204" pitchFamily="34" charset="0"/>
-              <a:buChar char="•"/>
-            </a:pPr>
-            <a:endParaRPr lang="zh-CN" altLang="en-US" dirty="0"/>
-          </a:p>
-          <a:p>
-            <a:pPr marL="285750" indent="-285750">
-              <a:buFont typeface="Arial" panose="020B0604020202020204" pitchFamily="34" charset="0"/>
-              <a:buChar char="•"/>
-            </a:pPr>
-            <a:endParaRPr lang="en-US" altLang="zh-CN" dirty="0"/>
           </a:p>
           <a:p>
             <a:pPr marL="285750" indent="-285750">
@@ -10932,7 +11701,7 @@
     </p:custDataLst>
     <p:extLst>
       <p:ext uri="{BB962C8B-B14F-4D97-AF65-F5344CB8AC3E}">
-        <p14:creationId xmlns:p14="http://schemas.microsoft.com/office/powerpoint/2010/main" val="11973512"/>
+        <p14:creationId xmlns:p14="http://schemas.microsoft.com/office/powerpoint/2010/main" val="3391474740"/>
       </p:ext>
     </p:extLst>
   </p:cSld>
@@ -11020,7 +11789,7 @@
 </p:sld>
 </file>
 
-<file path=ppt/slides/slide22.xml><?xml version="1.0" encoding="utf-8"?>
+<file path=ppt/slides/slide23.xml><?xml version="1.0" encoding="utf-8"?>
 <p:sld xmlns:a="http://schemas.openxmlformats.org/drawingml/2006/main" xmlns:r="http://schemas.openxmlformats.org/officeDocument/2006/relationships" xmlns:p="http://schemas.openxmlformats.org/presentationml/2006/main">
   <p:cSld>
     <p:spTree>
@@ -11056,21 +11825,12 @@
               <a:rPr lang="zh-CN" altLang="en-US" dirty="0">
                 <a:sym typeface="+mn-ea"/>
               </a:rPr>
-              <a:t>任务</a:t>
-            </a:r>
-            <a:r>
-              <a:rPr dirty="0">
-                <a:sym typeface="+mn-ea"/>
-              </a:rPr>
-              <a:t>：</a:t>
-            </a:r>
-            <a:r>
-              <a:rPr lang="en-US" dirty="0" err="1">
-                <a:sym typeface="+mn-ea"/>
-              </a:rPr>
-              <a:t>实现推理</a:t>
-            </a:r>
-            <a:endParaRPr lang="zh-CN" altLang="en-US" dirty="0"/>
+              <a:t>任务：</a:t>
+            </a:r>
+            <a:r>
+              <a:rPr lang="zh-CN" altLang="en-US" dirty="0"/>
+              <a:t>改进代码</a:t>
+            </a:r>
           </a:p>
         </p:txBody>
       </p:sp>
@@ -11080,7 +11840,7 @@
     </p:custDataLst>
     <p:extLst>
       <p:ext uri="{BB962C8B-B14F-4D97-AF65-F5344CB8AC3E}">
-        <p14:creationId xmlns:p14="http://schemas.microsoft.com/office/powerpoint/2010/main" val="2374098428"/>
+        <p14:creationId xmlns:p14="http://schemas.microsoft.com/office/powerpoint/2010/main" val="2400914644"/>
       </p:ext>
     </p:extLst>
   </p:cSld>
@@ -11090,7 +11850,7 @@
 </p:sld>
 </file>
 
-<file path=ppt/slides/slide23.xml><?xml version="1.0" encoding="utf-8"?>
+<file path=ppt/slides/slide24.xml><?xml version="1.0" encoding="utf-8"?>
 <p:sld xmlns:a="http://schemas.openxmlformats.org/drawingml/2006/main" xmlns:r="http://schemas.openxmlformats.org/officeDocument/2006/relationships" xmlns:p="http://schemas.openxmlformats.org/presentationml/2006/main">
   <p:cSld>
     <p:spTree>
@@ -11126,7 +11886,11 @@
               <a:rPr lang="zh-CN" altLang="en-US" dirty="0">
                 <a:sym typeface="+mn-ea"/>
               </a:rPr>
-              <a:t>任务：实现推理</a:t>
+              <a:t>任务：</a:t>
+            </a:r>
+            <a:r>
+              <a:rPr lang="zh-CN" altLang="en-US" dirty="0"/>
+              <a:t>改进代码</a:t>
             </a:r>
             <a:endParaRPr dirty="0">
               <a:sym typeface="+mn-ea"/>
@@ -11369,15 +12133,26 @@
             </a:pPr>
             <a:r>
               <a:rPr lang="zh-CN" altLang="en-US" dirty="0"/>
-              <a:t>请实现“使用</a:t>
-            </a:r>
-            <a:r>
-              <a:rPr lang="en-US" altLang="zh-CN" dirty="0" err="1"/>
-              <a:t>mnist</a:t>
-            </a:r>
+              <a:t>如何改进代码？</a:t>
+            </a:r>
+            <a:endParaRPr lang="en-US" altLang="zh-CN" dirty="0"/>
+          </a:p>
+          <a:p>
+            <a:pPr marL="285750" indent="-285750">
+              <a:buFont typeface="Arial" panose="020B0604020202020204" pitchFamily="34" charset="0"/>
+              <a:buChar char="•"/>
+            </a:pPr>
             <a:r>
               <a:rPr lang="zh-CN" altLang="en-US" dirty="0"/>
-              <a:t>的测试集推理一个样本”的代码</a:t>
+              <a:t>将输出层的学习率变小为</a:t>
+            </a:r>
+            <a:r>
+              <a:rPr lang="en-US" altLang="zh-CN" dirty="0"/>
+              <a:t>1.0</a:t>
+            </a:r>
+            <a:r>
+              <a:rPr lang="zh-CN" altLang="en-US" dirty="0"/>
+              <a:t>，再次运行代码，看下是否解决了问题</a:t>
             </a:r>
             <a:endParaRPr lang="en-US" altLang="zh-CN" dirty="0"/>
           </a:p>
@@ -11388,39 +12163,15 @@
             </a:pPr>
             <a:r>
               <a:rPr lang="zh-CN" altLang="en-US" dirty="0"/>
-              <a:t>请每个同学都运行代码，看下是否推理正确？</a:t>
-            </a:r>
-            <a:endParaRPr lang="en-US" altLang="zh-CN" dirty="0"/>
-          </a:p>
-          <a:p>
-            <a:pPr marL="285750" indent="-285750">
-              <a:buFont typeface="Arial" panose="020B0604020202020204" pitchFamily="34" charset="0"/>
-              <a:buChar char="•"/>
-            </a:pPr>
-            <a:r>
-              <a:rPr lang="zh-CN" altLang="en-US" dirty="0"/>
-              <a:t>请实现“使用</a:t>
-            </a:r>
-            <a:r>
-              <a:rPr lang="en-US" altLang="zh-CN" dirty="0" err="1"/>
-              <a:t>mnist</a:t>
-            </a:r>
-            <a:r>
-              <a:rPr lang="zh-CN" altLang="en-US" dirty="0"/>
-              <a:t>的测试集推理多个样本，给出正确率”的代码</a:t>
-            </a:r>
-            <a:endParaRPr lang="en-US" altLang="zh-CN" dirty="0"/>
-          </a:p>
-          <a:p>
-            <a:pPr marL="285750" indent="-285750">
-              <a:buFont typeface="Arial" panose="020B0604020202020204" pitchFamily="34" charset="0"/>
-              <a:buChar char="•"/>
-            </a:pPr>
-            <a:r>
-              <a:rPr lang="zh-CN" altLang="en-US" dirty="0"/>
-              <a:t>请每个同学都运行代码，查看正确率</a:t>
-            </a:r>
-            <a:endParaRPr lang="en-US" altLang="zh-CN" dirty="0"/>
+              <a:t>为什么“输出层的学习率过大”会发生警告：隐藏层的输出过大？</a:t>
+            </a:r>
+            <a:br>
+              <a:rPr lang="en-US" altLang="zh-CN" dirty="0"/>
+            </a:br>
+            <a:r>
+              <a:rPr lang="en-US" altLang="zh-CN" dirty="0"/>
+              <a:t>TODO layer3 learn rate too large -&gt; wMatrixBetweenLayer2Layer3 large -&gt; \delta layer2 too large -&gt; wMatrixBetweenLayer1Layer2 too large</a:t>
+            </a:r>
           </a:p>
           <a:p>
             <a:endParaRPr lang="en-US" altLang="zh-CN" dirty="0"/>
@@ -11506,7 +12257,7 @@
     </p:custDataLst>
     <p:extLst>
       <p:ext uri="{BB962C8B-B14F-4D97-AF65-F5344CB8AC3E}">
-        <p14:creationId xmlns:p14="http://schemas.microsoft.com/office/powerpoint/2010/main" val="4281530691"/>
+        <p14:creationId xmlns:p14="http://schemas.microsoft.com/office/powerpoint/2010/main" val="1180362079"/>
       </p:ext>
     </p:extLst>
   </p:cSld>
@@ -11594,7 +12345,7 @@
 </p:sld>
 </file>
 
-<file path=ppt/slides/slide24.xml><?xml version="1.0" encoding="utf-8"?>
+<file path=ppt/slides/slide25.xml><?xml version="1.0" encoding="utf-8"?>
 <p:sld xmlns:a="http://schemas.openxmlformats.org/drawingml/2006/main" xmlns:r="http://schemas.openxmlformats.org/officeDocument/2006/relationships" xmlns:p="http://schemas.openxmlformats.org/presentationml/2006/main">
   <p:cSld>
     <p:spTree>
@@ -11627,1070 +12378,6 @@
           <a:lstStyle/>
           <a:p>
             <a:r>
-              <a:rPr lang="zh-CN" altLang="en-US" dirty="0">
-                <a:sym typeface="+mn-ea"/>
-              </a:rPr>
-              <a:t>主问题：如何解决过拟合？</a:t>
-            </a:r>
-            <a:endParaRPr lang="zh-CN" altLang="en-US" dirty="0"/>
-          </a:p>
-        </p:txBody>
-      </p:sp>
-    </p:spTree>
-    <p:custDataLst>
-      <p:tags r:id="rId1"/>
-    </p:custDataLst>
-    <p:extLst>
-      <p:ext uri="{BB962C8B-B14F-4D97-AF65-F5344CB8AC3E}">
-        <p14:creationId xmlns:p14="http://schemas.microsoft.com/office/powerpoint/2010/main" val="330186799"/>
-      </p:ext>
-    </p:extLst>
-  </p:cSld>
-  <p:clrMapOvr>
-    <a:masterClrMapping/>
-  </p:clrMapOvr>
-</p:sld>
-</file>
-
-<file path=ppt/slides/slide25.xml><?xml version="1.0" encoding="utf-8"?>
-<p:sld xmlns:a="http://schemas.openxmlformats.org/drawingml/2006/main" xmlns:r="http://schemas.openxmlformats.org/officeDocument/2006/relationships" xmlns:p="http://schemas.openxmlformats.org/presentationml/2006/main">
-  <p:cSld>
-    <p:spTree>
-      <p:nvGrpSpPr>
-        <p:cNvPr id="1" name=""/>
-        <p:cNvGrpSpPr/>
-        <p:nvPr/>
-      </p:nvGrpSpPr>
-      <p:grpSpPr>
-        <a:xfrm>
-          <a:off x="0" y="0"/>
-          <a:ext cx="0" cy="0"/>
-          <a:chOff x="0" y="0"/>
-          <a:chExt cx="0" cy="0"/>
-        </a:xfrm>
-      </p:grpSpPr>
-      <p:sp>
-        <p:nvSpPr>
-          <p:cNvPr id="3" name="标题 2"/>
-          <p:cNvSpPr>
-            <a:spLocks noGrp="1"/>
-          </p:cNvSpPr>
-          <p:nvPr>
-            <p:ph type="title"/>
-          </p:nvPr>
-        </p:nvSpPr>
-        <p:spPr/>
-        <p:txBody>
-          <a:bodyPr/>
-          <a:lstStyle/>
-          <a:p>
-            <a:r>
-              <a:rPr lang="zh-CN" altLang="en-US" dirty="0">
-                <a:sym typeface="+mn-ea"/>
-              </a:rPr>
-              <a:t>主问题：如何解决过拟合？</a:t>
-            </a:r>
-            <a:endParaRPr dirty="0">
-              <a:sym typeface="+mn-ea"/>
-            </a:endParaRPr>
-          </a:p>
-        </p:txBody>
-      </p:sp>
-      <p:sp>
-        <p:nvSpPr>
-          <p:cNvPr id="6" name="文本占位符 1">
-            <a:extLst>
-              <a:ext uri="{FF2B5EF4-FFF2-40B4-BE49-F238E27FC236}">
-                <a16:creationId xmlns:a16="http://schemas.microsoft.com/office/drawing/2014/main" id="{BA88068A-4FDC-6963-46A5-ADEC46CDA15E}"/>
-              </a:ext>
-            </a:extLst>
-          </p:cNvPr>
-          <p:cNvSpPr txBox="1">
-            <a:spLocks/>
-          </p:cNvSpPr>
-          <p:nvPr/>
-        </p:nvSpPr>
-        <p:spPr>
-          <a:xfrm>
-            <a:off x="822325" y="1778635"/>
-            <a:ext cx="10852150" cy="4553585"/>
-          </a:xfrm>
-        </p:spPr>
-        <p:txBody>
-          <a:bodyPr lIns="101600" tIns="38100" rIns="76200" bIns="38100">
-            <a:noAutofit/>
-          </a:bodyPr>
-          <a:lstStyle>
-            <a:lvl1pPr marL="0" indent="0" algn="l" defTabSz="914400" rtl="0" eaLnBrk="1" fontAlgn="auto" latinLnBrk="0" hangingPunct="1">
-              <a:lnSpc>
-                <a:spcPct val="130000"/>
-              </a:lnSpc>
-              <a:spcBef>
-                <a:spcPts val="0"/>
-              </a:spcBef>
-              <a:spcAft>
-                <a:spcPts val="1000"/>
-              </a:spcAft>
-              <a:buFont typeface="Arial" panose="020B0604020202020204" pitchFamily="34" charset="0"/>
-              <a:buNone/>
-              <a:defRPr kumimoji="0" lang="zh-CN" altLang="en-US" sz="1600" b="0" i="0" u="none" strike="noStrike" kern="1200" cap="none" spc="150" normalizeH="0" baseline="0" noProof="1">
-                <a:solidFill>
-                  <a:schemeClr val="tx1"/>
-                </a:solidFill>
-                <a:uFillTx/>
-                <a:latin typeface="+mn-lt"/>
-                <a:ea typeface="+mn-ea"/>
-                <a:cs typeface="+mn-cs"/>
-                <a:sym typeface="+mn-ea"/>
-              </a:defRPr>
-            </a:lvl1pPr>
-            <a:lvl2pPr marL="457200" indent="0" algn="l" defTabSz="914400" rtl="0" eaLnBrk="1" fontAlgn="auto" latinLnBrk="0" hangingPunct="1">
-              <a:lnSpc>
-                <a:spcPct val="130000"/>
-              </a:lnSpc>
-              <a:spcBef>
-                <a:spcPts val="0"/>
-              </a:spcBef>
-              <a:spcAft>
-                <a:spcPts val="1000"/>
-              </a:spcAft>
-              <a:buFont typeface="Arial" panose="020B0604020202020204" pitchFamily="34" charset="0"/>
-              <a:buNone/>
-              <a:tabLst>
-                <a:tab pos="1609725" algn="l"/>
-              </a:tabLst>
-              <a:defRPr sz="2000" u="none" strike="noStrike" kern="1200" cap="none" spc="150" normalizeH="0" baseline="0">
-                <a:solidFill>
-                  <a:schemeClr val="tx1">
-                    <a:tint val="75000"/>
-                  </a:schemeClr>
-                </a:solidFill>
-                <a:uFillTx/>
-                <a:latin typeface="+mn-lt"/>
-                <a:ea typeface="+mn-ea"/>
-                <a:cs typeface="+mn-cs"/>
-              </a:defRPr>
-            </a:lvl2pPr>
-            <a:lvl3pPr marL="914400" indent="0" algn="l" defTabSz="914400" rtl="0" eaLnBrk="1" fontAlgn="auto" latinLnBrk="0" hangingPunct="1">
-              <a:lnSpc>
-                <a:spcPct val="130000"/>
-              </a:lnSpc>
-              <a:spcBef>
-                <a:spcPts val="0"/>
-              </a:spcBef>
-              <a:spcAft>
-                <a:spcPts val="1000"/>
-              </a:spcAft>
-              <a:buFont typeface="Arial" panose="020B0604020202020204" pitchFamily="34" charset="0"/>
-              <a:buNone/>
-              <a:defRPr sz="1800" u="none" strike="noStrike" kern="1200" cap="none" spc="150" normalizeH="0" baseline="0">
-                <a:solidFill>
-                  <a:schemeClr val="tx1">
-                    <a:tint val="75000"/>
-                  </a:schemeClr>
-                </a:solidFill>
-                <a:uFillTx/>
-                <a:latin typeface="+mn-lt"/>
-                <a:ea typeface="+mn-ea"/>
-                <a:cs typeface="+mn-cs"/>
-              </a:defRPr>
-            </a:lvl3pPr>
-            <a:lvl4pPr marL="1371600" indent="0" algn="l" defTabSz="914400" rtl="0" eaLnBrk="1" fontAlgn="auto" latinLnBrk="0" hangingPunct="1">
-              <a:lnSpc>
-                <a:spcPct val="130000"/>
-              </a:lnSpc>
-              <a:spcBef>
-                <a:spcPts val="0"/>
-              </a:spcBef>
-              <a:spcAft>
-                <a:spcPts val="1000"/>
-              </a:spcAft>
-              <a:buFont typeface="Arial" panose="020B0604020202020204" pitchFamily="34" charset="0"/>
-              <a:buNone/>
-              <a:defRPr sz="1600" u="none" strike="noStrike" kern="1200" cap="none" spc="150" normalizeH="0" baseline="0">
-                <a:solidFill>
-                  <a:schemeClr val="tx1">
-                    <a:tint val="75000"/>
-                  </a:schemeClr>
-                </a:solidFill>
-                <a:uFillTx/>
-                <a:latin typeface="+mn-lt"/>
-                <a:ea typeface="+mn-ea"/>
-                <a:cs typeface="+mn-cs"/>
-              </a:defRPr>
-            </a:lvl4pPr>
-            <a:lvl5pPr marL="1828800" indent="0" algn="l" defTabSz="914400" rtl="0" eaLnBrk="1" fontAlgn="auto" latinLnBrk="0" hangingPunct="1">
-              <a:lnSpc>
-                <a:spcPct val="130000"/>
-              </a:lnSpc>
-              <a:spcBef>
-                <a:spcPts val="0"/>
-              </a:spcBef>
-              <a:spcAft>
-                <a:spcPts val="1000"/>
-              </a:spcAft>
-              <a:buFont typeface="Arial" panose="020B0604020202020204" pitchFamily="34" charset="0"/>
-              <a:buNone/>
-              <a:defRPr sz="1600" u="none" strike="noStrike" kern="1200" cap="none" spc="150" normalizeH="0" baseline="0">
-                <a:solidFill>
-                  <a:schemeClr val="tx1">
-                    <a:tint val="75000"/>
-                  </a:schemeClr>
-                </a:solidFill>
-                <a:uFillTx/>
-                <a:latin typeface="+mn-lt"/>
-                <a:ea typeface="+mn-ea"/>
-                <a:cs typeface="+mn-cs"/>
-              </a:defRPr>
-            </a:lvl5pPr>
-            <a:lvl6pPr marL="2286000" indent="0" algn="l" defTabSz="914400" rtl="0" eaLnBrk="1" latinLnBrk="0" hangingPunct="1">
-              <a:lnSpc>
-                <a:spcPct val="90000"/>
-              </a:lnSpc>
-              <a:spcBef>
-                <a:spcPts val="500"/>
-              </a:spcBef>
-              <a:buFont typeface="Arial" panose="020B0604020202020204" pitchFamily="34" charset="0"/>
-              <a:buNone/>
-              <a:defRPr sz="1600" kern="1200">
-                <a:solidFill>
-                  <a:schemeClr val="tx1">
-                    <a:tint val="75000"/>
-                  </a:schemeClr>
-                </a:solidFill>
-                <a:latin typeface="+mn-lt"/>
-                <a:ea typeface="+mn-ea"/>
-                <a:cs typeface="+mn-cs"/>
-              </a:defRPr>
-            </a:lvl6pPr>
-            <a:lvl7pPr marL="2743200" indent="0" algn="l" defTabSz="914400" rtl="0" eaLnBrk="1" latinLnBrk="0" hangingPunct="1">
-              <a:lnSpc>
-                <a:spcPct val="90000"/>
-              </a:lnSpc>
-              <a:spcBef>
-                <a:spcPts val="500"/>
-              </a:spcBef>
-              <a:buFont typeface="Arial" panose="020B0604020202020204" pitchFamily="34" charset="0"/>
-              <a:buNone/>
-              <a:defRPr sz="1600" kern="1200">
-                <a:solidFill>
-                  <a:schemeClr val="tx1">
-                    <a:tint val="75000"/>
-                  </a:schemeClr>
-                </a:solidFill>
-                <a:latin typeface="+mn-lt"/>
-                <a:ea typeface="+mn-ea"/>
-                <a:cs typeface="+mn-cs"/>
-              </a:defRPr>
-            </a:lvl7pPr>
-            <a:lvl8pPr marL="3200400" indent="0" algn="l" defTabSz="914400" rtl="0" eaLnBrk="1" latinLnBrk="0" hangingPunct="1">
-              <a:lnSpc>
-                <a:spcPct val="90000"/>
-              </a:lnSpc>
-              <a:spcBef>
-                <a:spcPts val="500"/>
-              </a:spcBef>
-              <a:buFont typeface="Arial" panose="020B0604020202020204" pitchFamily="34" charset="0"/>
-              <a:buNone/>
-              <a:defRPr sz="1600" kern="1200">
-                <a:solidFill>
-                  <a:schemeClr val="tx1">
-                    <a:tint val="75000"/>
-                  </a:schemeClr>
-                </a:solidFill>
-                <a:latin typeface="+mn-lt"/>
-                <a:ea typeface="+mn-ea"/>
-                <a:cs typeface="+mn-cs"/>
-              </a:defRPr>
-            </a:lvl8pPr>
-            <a:lvl9pPr marL="3657600" indent="0" algn="l" defTabSz="914400" rtl="0" eaLnBrk="1" latinLnBrk="0" hangingPunct="1">
-              <a:lnSpc>
-                <a:spcPct val="90000"/>
-              </a:lnSpc>
-              <a:spcBef>
-                <a:spcPts val="500"/>
-              </a:spcBef>
-              <a:buFont typeface="Arial" panose="020B0604020202020204" pitchFamily="34" charset="0"/>
-              <a:buNone/>
-              <a:defRPr sz="1600" kern="1200">
-                <a:solidFill>
-                  <a:schemeClr val="tx1">
-                    <a:tint val="75000"/>
-                  </a:schemeClr>
-                </a:solidFill>
-                <a:latin typeface="+mn-lt"/>
-                <a:ea typeface="+mn-ea"/>
-                <a:cs typeface="+mn-cs"/>
-              </a:defRPr>
-            </a:lvl9pPr>
-          </a:lstStyle>
-          <a:p>
-            <a:pPr marL="285750" indent="-285750">
-              <a:buFont typeface="Arial" panose="020B0604020202020204" pitchFamily="34" charset="0"/>
-              <a:buChar char="•"/>
-            </a:pPr>
-            <a:r>
-              <a:rPr lang="zh-CN" altLang="en-US" dirty="0"/>
-              <a:t>什么是过拟合？</a:t>
-            </a:r>
-            <a:endParaRPr lang="en-US" altLang="zh-CN" dirty="0"/>
-          </a:p>
-          <a:p>
-            <a:pPr marL="285750" indent="-285750">
-              <a:buFont typeface="Arial" panose="020B0604020202020204" pitchFamily="34" charset="0"/>
-              <a:buChar char="•"/>
-            </a:pPr>
-            <a:r>
-              <a:rPr lang="zh-CN" altLang="en-US" dirty="0"/>
-              <a:t>如何解决现在遇到的过拟合的问题？</a:t>
-            </a:r>
-            <a:endParaRPr lang="en-US" altLang="zh-CN" dirty="0"/>
-          </a:p>
-          <a:p>
-            <a:pPr marL="285750" indent="-285750">
-              <a:buFont typeface="Arial" panose="020B0604020202020204" pitchFamily="34" charset="0"/>
-              <a:buChar char="•"/>
-            </a:pPr>
-            <a:r>
-              <a:rPr lang="zh-CN" altLang="en-US" dirty="0"/>
-              <a:t>为什么</a:t>
-            </a:r>
-            <a:r>
-              <a:rPr lang="en-US" altLang="zh-CN" dirty="0"/>
-              <a:t>Shuffle</a:t>
-            </a:r>
-            <a:r>
-              <a:rPr lang="zh-CN" altLang="en-US" dirty="0"/>
-              <a:t>能避免过拟合？</a:t>
-            </a:r>
-            <a:endParaRPr lang="en-US" altLang="zh-CN" dirty="0"/>
-          </a:p>
-          <a:p>
-            <a:pPr marL="285750" indent="-285750">
-              <a:buFont typeface="Arial" panose="020B0604020202020204" pitchFamily="34" charset="0"/>
-              <a:buChar char="•"/>
-            </a:pPr>
-            <a:endParaRPr lang="en-US" altLang="zh-CN" dirty="0"/>
-          </a:p>
-          <a:p>
-            <a:pPr marL="285750" indent="-285750">
-              <a:buFont typeface="Arial" panose="020B0604020202020204" pitchFamily="34" charset="0"/>
-              <a:buChar char="•"/>
-            </a:pPr>
-            <a:r>
-              <a:rPr lang="zh-CN" altLang="en-US" dirty="0"/>
-              <a:t>自学、展学</a:t>
-            </a:r>
-          </a:p>
-          <a:p>
-            <a:pPr marL="285750" indent="-285750">
-              <a:buFont typeface="Arial" panose="020B0604020202020204" pitchFamily="34" charset="0"/>
-              <a:buChar char="•"/>
-            </a:pPr>
-            <a:endParaRPr lang="zh-CN" altLang="en-US" dirty="0"/>
-          </a:p>
-          <a:p>
-            <a:pPr marL="285750" indent="-285750">
-              <a:buFont typeface="Arial" panose="020B0604020202020204" pitchFamily="34" charset="0"/>
-              <a:buChar char="•"/>
-            </a:pPr>
-            <a:endParaRPr lang="en-US" altLang="zh-CN" dirty="0"/>
-          </a:p>
-          <a:p>
-            <a:pPr marL="285750" indent="-285750">
-              <a:buFont typeface="Arial" panose="020B0604020202020204" pitchFamily="34" charset="0"/>
-              <a:buChar char="•"/>
-            </a:pPr>
-            <a:endParaRPr lang="zh-CN" altLang="en-US" dirty="0"/>
-          </a:p>
-          <a:p>
-            <a:pPr marL="285750" indent="-285750">
-              <a:buFont typeface="Arial" panose="020B0604020202020204" pitchFamily="34" charset="0"/>
-              <a:buChar char="•"/>
-            </a:pPr>
-            <a:endParaRPr lang="zh-CN" altLang="en-US" dirty="0"/>
-          </a:p>
-          <a:p>
-            <a:pPr marL="285750" indent="-285750">
-              <a:buFont typeface="Arial" panose="020B0604020202020204" pitchFamily="34" charset="0"/>
-              <a:buChar char="•"/>
-            </a:pPr>
-            <a:endParaRPr lang="zh-CN" altLang="en-US" dirty="0"/>
-          </a:p>
-          <a:p>
-            <a:pPr marL="285750" indent="-285750">
-              <a:buFont typeface="Arial" panose="020B0604020202020204" pitchFamily="34" charset="0"/>
-              <a:buChar char="•"/>
-            </a:pPr>
-            <a:endParaRPr lang="zh-CN" altLang="en-US" dirty="0"/>
-          </a:p>
-          <a:p>
-            <a:pPr marL="285750" indent="-285750">
-              <a:buFont typeface="Arial" panose="020B0604020202020204" pitchFamily="34" charset="0"/>
-              <a:buChar char="•"/>
-            </a:pPr>
-            <a:endParaRPr lang="zh-CN" altLang="en-US" dirty="0"/>
-          </a:p>
-          <a:p>
-            <a:pPr marL="285750" indent="-285750">
-              <a:buFont typeface="Arial" panose="020B0604020202020204" pitchFamily="34" charset="0"/>
-              <a:buChar char="•"/>
-            </a:pPr>
-            <a:endParaRPr lang="zh-CN" altLang="en-US" dirty="0"/>
-          </a:p>
-          <a:p>
-            <a:pPr marL="285750" indent="-285750">
-              <a:buFont typeface="Arial" panose="020B0604020202020204" pitchFamily="34" charset="0"/>
-              <a:buChar char="•"/>
-            </a:pPr>
-            <a:endParaRPr lang="zh-CN" altLang="en-US" dirty="0"/>
-          </a:p>
-        </p:txBody>
-      </p:sp>
-      <p:sp>
-        <p:nvSpPr>
-          <p:cNvPr id="2" name="文本框 1">
-            <a:extLst>
-              <a:ext uri="{FF2B5EF4-FFF2-40B4-BE49-F238E27FC236}">
-                <a16:creationId xmlns:a16="http://schemas.microsoft.com/office/drawing/2014/main" id="{6AA9B263-38AB-9B0F-CF95-CE8AF4847553}"/>
-              </a:ext>
-            </a:extLst>
-          </p:cNvPr>
-          <p:cNvSpPr txBox="1"/>
-          <p:nvPr/>
-        </p:nvSpPr>
-        <p:spPr>
-          <a:xfrm>
-            <a:off x="4873451" y="3265714"/>
-            <a:ext cx="6933362" cy="646331"/>
-          </a:xfrm>
-          <a:prstGeom prst="rect">
-            <a:avLst/>
-          </a:prstGeom>
-          <a:noFill/>
-        </p:spPr>
-        <p:txBody>
-          <a:bodyPr wrap="square" rtlCol="0">
-            <a:spAutoFit/>
-          </a:bodyPr>
-          <a:lstStyle/>
-          <a:p>
-            <a:r>
-              <a:rPr lang="zh-CN" altLang="en-US" b="0" i="0" dirty="0">
-                <a:solidFill>
-                  <a:srgbClr val="121212"/>
-                </a:solidFill>
-                <a:effectLst/>
-                <a:latin typeface="-apple-system"/>
-              </a:rPr>
-              <a:t>固定的数据集顺序意味着固定的训练样本，也就意味着权值更新的方向是固定的，而无顺序的数据集，意味着更新方向是随机的</a:t>
-            </a:r>
-            <a:endParaRPr kumimoji="1" lang="zh-CN" altLang="en-US" dirty="0"/>
-          </a:p>
-        </p:txBody>
-      </p:sp>
-    </p:spTree>
-    <p:custDataLst>
-      <p:tags r:id="rId1"/>
-    </p:custDataLst>
-    <p:extLst>
-      <p:ext uri="{BB962C8B-B14F-4D97-AF65-F5344CB8AC3E}">
-        <p14:creationId xmlns:p14="http://schemas.microsoft.com/office/powerpoint/2010/main" val="3934053307"/>
-      </p:ext>
-    </p:extLst>
-  </p:cSld>
-  <p:clrMapOvr>
-    <a:masterClrMapping/>
-  </p:clrMapOvr>
-  <p:timing>
-    <p:tnLst>
-      <p:par>
-        <p:cTn id="1" dur="indefinite" restart="never" nodeType="tmRoot">
-          <p:childTnLst>
-            <p:seq concurrent="1" nextAc="seek">
-              <p:cTn id="2" dur="indefinite" nodeType="mainSeq">
-                <p:childTnLst>
-                  <p:par>
-                    <p:cTn id="3" fill="hold">
-                      <p:stCondLst>
-                        <p:cond delay="indefinite"/>
-                      </p:stCondLst>
-                      <p:childTnLst>
-                        <p:par>
-                          <p:cTn id="4" fill="hold">
-                            <p:stCondLst>
-                              <p:cond delay="0"/>
-                            </p:stCondLst>
-                            <p:childTnLst>
-                              <p:par>
-                                <p:cTn id="5" presetID="1" presetClass="entr" presetSubtype="0" fill="hold" grpId="0" nodeType="clickEffect">
-                                  <p:stCondLst>
-                                    <p:cond delay="0"/>
-                                  </p:stCondLst>
-                                  <p:childTnLst>
-                                    <p:set>
-                                      <p:cBhvr>
-                                        <p:cTn id="6" dur="1" fill="hold">
-                                          <p:stCondLst>
-                                            <p:cond delay="0"/>
-                                          </p:stCondLst>
-                                        </p:cTn>
-                                        <p:tgtEl>
-                                          <p:spTgt spid="6"/>
-                                        </p:tgtEl>
-                                        <p:attrNameLst>
-                                          <p:attrName>style.visibility</p:attrName>
-                                        </p:attrNameLst>
-                                      </p:cBhvr>
-                                      <p:to>
-                                        <p:strVal val="visible"/>
-                                      </p:to>
-                                    </p:set>
-                                  </p:childTnLst>
-                                </p:cTn>
-                              </p:par>
-                            </p:childTnLst>
-                          </p:cTn>
-                        </p:par>
-                      </p:childTnLst>
-                    </p:cTn>
-                  </p:par>
-                </p:childTnLst>
-              </p:cTn>
-              <p:prevCondLst>
-                <p:cond evt="onPrev" delay="0">
-                  <p:tgtEl>
-                    <p:sldTgt/>
-                  </p:tgtEl>
-                </p:cond>
-              </p:prevCondLst>
-              <p:nextCondLst>
-                <p:cond evt="onNext" delay="0">
-                  <p:tgtEl>
-                    <p:sldTgt/>
-                  </p:tgtEl>
-                </p:cond>
-              </p:nextCondLst>
-            </p:seq>
-          </p:childTnLst>
-        </p:cTn>
-      </p:par>
-    </p:tnLst>
-    <p:bldLst>
-      <p:bldP spid="6" grpId="0"/>
-    </p:bldLst>
-  </p:timing>
-</p:sld>
-</file>
-
-<file path=ppt/slides/slide26.xml><?xml version="1.0" encoding="utf-8"?>
-<p:sld xmlns:a="http://schemas.openxmlformats.org/drawingml/2006/main" xmlns:r="http://schemas.openxmlformats.org/officeDocument/2006/relationships" xmlns:p="http://schemas.openxmlformats.org/presentationml/2006/main">
-  <p:cSld>
-    <p:spTree>
-      <p:nvGrpSpPr>
-        <p:cNvPr id="1" name=""/>
-        <p:cNvGrpSpPr/>
-        <p:nvPr/>
-      </p:nvGrpSpPr>
-      <p:grpSpPr>
-        <a:xfrm>
-          <a:off x="0" y="0"/>
-          <a:ext cx="0" cy="0"/>
-          <a:chOff x="0" y="0"/>
-          <a:chExt cx="0" cy="0"/>
-        </a:xfrm>
-      </p:grpSpPr>
-      <p:sp>
-        <p:nvSpPr>
-          <p:cNvPr id="3" name="标题 2"/>
-          <p:cNvSpPr>
-            <a:spLocks noGrp="1"/>
-          </p:cNvSpPr>
-          <p:nvPr>
-            <p:ph type="title"/>
-          </p:nvPr>
-        </p:nvSpPr>
-        <p:spPr/>
-        <p:txBody>
-          <a:bodyPr/>
-          <a:lstStyle/>
-          <a:p>
-            <a:r>
-              <a:rPr lang="zh-CN" altLang="en-US" dirty="0">
-                <a:sym typeface="+mn-ea"/>
-              </a:rPr>
-              <a:t>任务：实现</a:t>
-            </a:r>
-            <a:r>
-              <a:rPr lang="en-US" altLang="zh-CN" dirty="0">
-                <a:sym typeface="+mn-ea"/>
-              </a:rPr>
-              <a:t>Shuffle</a:t>
-            </a:r>
-            <a:endParaRPr dirty="0">
-              <a:sym typeface="+mn-ea"/>
-            </a:endParaRPr>
-          </a:p>
-        </p:txBody>
-      </p:sp>
-      <p:sp>
-        <p:nvSpPr>
-          <p:cNvPr id="6" name="文本占位符 1">
-            <a:extLst>
-              <a:ext uri="{FF2B5EF4-FFF2-40B4-BE49-F238E27FC236}">
-                <a16:creationId xmlns:a16="http://schemas.microsoft.com/office/drawing/2014/main" id="{BA88068A-4FDC-6963-46A5-ADEC46CDA15E}"/>
-              </a:ext>
-            </a:extLst>
-          </p:cNvPr>
-          <p:cNvSpPr txBox="1">
-            <a:spLocks/>
-          </p:cNvSpPr>
-          <p:nvPr/>
-        </p:nvSpPr>
-        <p:spPr>
-          <a:xfrm>
-            <a:off x="822325" y="1778635"/>
-            <a:ext cx="10852150" cy="4553585"/>
-          </a:xfrm>
-        </p:spPr>
-        <p:txBody>
-          <a:bodyPr lIns="101600" tIns="38100" rIns="76200" bIns="38100">
-            <a:noAutofit/>
-          </a:bodyPr>
-          <a:lstStyle>
-            <a:lvl1pPr marL="0" indent="0" algn="l" defTabSz="914400" rtl="0" eaLnBrk="1" fontAlgn="auto" latinLnBrk="0" hangingPunct="1">
-              <a:lnSpc>
-                <a:spcPct val="130000"/>
-              </a:lnSpc>
-              <a:spcBef>
-                <a:spcPts val="0"/>
-              </a:spcBef>
-              <a:spcAft>
-                <a:spcPts val="1000"/>
-              </a:spcAft>
-              <a:buFont typeface="Arial" panose="020B0604020202020204" pitchFamily="34" charset="0"/>
-              <a:buNone/>
-              <a:defRPr kumimoji="0" lang="zh-CN" altLang="en-US" sz="1600" b="0" i="0" u="none" strike="noStrike" kern="1200" cap="none" spc="150" normalizeH="0" baseline="0" noProof="1">
-                <a:solidFill>
-                  <a:schemeClr val="tx1"/>
-                </a:solidFill>
-                <a:uFillTx/>
-                <a:latin typeface="+mn-lt"/>
-                <a:ea typeface="+mn-ea"/>
-                <a:cs typeface="+mn-cs"/>
-                <a:sym typeface="+mn-ea"/>
-              </a:defRPr>
-            </a:lvl1pPr>
-            <a:lvl2pPr marL="457200" indent="0" algn="l" defTabSz="914400" rtl="0" eaLnBrk="1" fontAlgn="auto" latinLnBrk="0" hangingPunct="1">
-              <a:lnSpc>
-                <a:spcPct val="130000"/>
-              </a:lnSpc>
-              <a:spcBef>
-                <a:spcPts val="0"/>
-              </a:spcBef>
-              <a:spcAft>
-                <a:spcPts val="1000"/>
-              </a:spcAft>
-              <a:buFont typeface="Arial" panose="020B0604020202020204" pitchFamily="34" charset="0"/>
-              <a:buNone/>
-              <a:tabLst>
-                <a:tab pos="1609725" algn="l"/>
-              </a:tabLst>
-              <a:defRPr sz="2000" u="none" strike="noStrike" kern="1200" cap="none" spc="150" normalizeH="0" baseline="0">
-                <a:solidFill>
-                  <a:schemeClr val="tx1">
-                    <a:tint val="75000"/>
-                  </a:schemeClr>
-                </a:solidFill>
-                <a:uFillTx/>
-                <a:latin typeface="+mn-lt"/>
-                <a:ea typeface="+mn-ea"/>
-                <a:cs typeface="+mn-cs"/>
-              </a:defRPr>
-            </a:lvl2pPr>
-            <a:lvl3pPr marL="914400" indent="0" algn="l" defTabSz="914400" rtl="0" eaLnBrk="1" fontAlgn="auto" latinLnBrk="0" hangingPunct="1">
-              <a:lnSpc>
-                <a:spcPct val="130000"/>
-              </a:lnSpc>
-              <a:spcBef>
-                <a:spcPts val="0"/>
-              </a:spcBef>
-              <a:spcAft>
-                <a:spcPts val="1000"/>
-              </a:spcAft>
-              <a:buFont typeface="Arial" panose="020B0604020202020204" pitchFamily="34" charset="0"/>
-              <a:buNone/>
-              <a:defRPr sz="1800" u="none" strike="noStrike" kern="1200" cap="none" spc="150" normalizeH="0" baseline="0">
-                <a:solidFill>
-                  <a:schemeClr val="tx1">
-                    <a:tint val="75000"/>
-                  </a:schemeClr>
-                </a:solidFill>
-                <a:uFillTx/>
-                <a:latin typeface="+mn-lt"/>
-                <a:ea typeface="+mn-ea"/>
-                <a:cs typeface="+mn-cs"/>
-              </a:defRPr>
-            </a:lvl3pPr>
-            <a:lvl4pPr marL="1371600" indent="0" algn="l" defTabSz="914400" rtl="0" eaLnBrk="1" fontAlgn="auto" latinLnBrk="0" hangingPunct="1">
-              <a:lnSpc>
-                <a:spcPct val="130000"/>
-              </a:lnSpc>
-              <a:spcBef>
-                <a:spcPts val="0"/>
-              </a:spcBef>
-              <a:spcAft>
-                <a:spcPts val="1000"/>
-              </a:spcAft>
-              <a:buFont typeface="Arial" panose="020B0604020202020204" pitchFamily="34" charset="0"/>
-              <a:buNone/>
-              <a:defRPr sz="1600" u="none" strike="noStrike" kern="1200" cap="none" spc="150" normalizeH="0" baseline="0">
-                <a:solidFill>
-                  <a:schemeClr val="tx1">
-                    <a:tint val="75000"/>
-                  </a:schemeClr>
-                </a:solidFill>
-                <a:uFillTx/>
-                <a:latin typeface="+mn-lt"/>
-                <a:ea typeface="+mn-ea"/>
-                <a:cs typeface="+mn-cs"/>
-              </a:defRPr>
-            </a:lvl4pPr>
-            <a:lvl5pPr marL="1828800" indent="0" algn="l" defTabSz="914400" rtl="0" eaLnBrk="1" fontAlgn="auto" latinLnBrk="0" hangingPunct="1">
-              <a:lnSpc>
-                <a:spcPct val="130000"/>
-              </a:lnSpc>
-              <a:spcBef>
-                <a:spcPts val="0"/>
-              </a:spcBef>
-              <a:spcAft>
-                <a:spcPts val="1000"/>
-              </a:spcAft>
-              <a:buFont typeface="Arial" panose="020B0604020202020204" pitchFamily="34" charset="0"/>
-              <a:buNone/>
-              <a:defRPr sz="1600" u="none" strike="noStrike" kern="1200" cap="none" spc="150" normalizeH="0" baseline="0">
-                <a:solidFill>
-                  <a:schemeClr val="tx1">
-                    <a:tint val="75000"/>
-                  </a:schemeClr>
-                </a:solidFill>
-                <a:uFillTx/>
-                <a:latin typeface="+mn-lt"/>
-                <a:ea typeface="+mn-ea"/>
-                <a:cs typeface="+mn-cs"/>
-              </a:defRPr>
-            </a:lvl5pPr>
-            <a:lvl6pPr marL="2286000" indent="0" algn="l" defTabSz="914400" rtl="0" eaLnBrk="1" latinLnBrk="0" hangingPunct="1">
-              <a:lnSpc>
-                <a:spcPct val="90000"/>
-              </a:lnSpc>
-              <a:spcBef>
-                <a:spcPts val="500"/>
-              </a:spcBef>
-              <a:buFont typeface="Arial" panose="020B0604020202020204" pitchFamily="34" charset="0"/>
-              <a:buNone/>
-              <a:defRPr sz="1600" kern="1200">
-                <a:solidFill>
-                  <a:schemeClr val="tx1">
-                    <a:tint val="75000"/>
-                  </a:schemeClr>
-                </a:solidFill>
-                <a:latin typeface="+mn-lt"/>
-                <a:ea typeface="+mn-ea"/>
-                <a:cs typeface="+mn-cs"/>
-              </a:defRPr>
-            </a:lvl6pPr>
-            <a:lvl7pPr marL="2743200" indent="0" algn="l" defTabSz="914400" rtl="0" eaLnBrk="1" latinLnBrk="0" hangingPunct="1">
-              <a:lnSpc>
-                <a:spcPct val="90000"/>
-              </a:lnSpc>
-              <a:spcBef>
-                <a:spcPts val="500"/>
-              </a:spcBef>
-              <a:buFont typeface="Arial" panose="020B0604020202020204" pitchFamily="34" charset="0"/>
-              <a:buNone/>
-              <a:defRPr sz="1600" kern="1200">
-                <a:solidFill>
-                  <a:schemeClr val="tx1">
-                    <a:tint val="75000"/>
-                  </a:schemeClr>
-                </a:solidFill>
-                <a:latin typeface="+mn-lt"/>
-                <a:ea typeface="+mn-ea"/>
-                <a:cs typeface="+mn-cs"/>
-              </a:defRPr>
-            </a:lvl7pPr>
-            <a:lvl8pPr marL="3200400" indent="0" algn="l" defTabSz="914400" rtl="0" eaLnBrk="1" latinLnBrk="0" hangingPunct="1">
-              <a:lnSpc>
-                <a:spcPct val="90000"/>
-              </a:lnSpc>
-              <a:spcBef>
-                <a:spcPts val="500"/>
-              </a:spcBef>
-              <a:buFont typeface="Arial" panose="020B0604020202020204" pitchFamily="34" charset="0"/>
-              <a:buNone/>
-              <a:defRPr sz="1600" kern="1200">
-                <a:solidFill>
-                  <a:schemeClr val="tx1">
-                    <a:tint val="75000"/>
-                  </a:schemeClr>
-                </a:solidFill>
-                <a:latin typeface="+mn-lt"/>
-                <a:ea typeface="+mn-ea"/>
-                <a:cs typeface="+mn-cs"/>
-              </a:defRPr>
-            </a:lvl8pPr>
-            <a:lvl9pPr marL="3657600" indent="0" algn="l" defTabSz="914400" rtl="0" eaLnBrk="1" latinLnBrk="0" hangingPunct="1">
-              <a:lnSpc>
-                <a:spcPct val="90000"/>
-              </a:lnSpc>
-              <a:spcBef>
-                <a:spcPts val="500"/>
-              </a:spcBef>
-              <a:buFont typeface="Arial" panose="020B0604020202020204" pitchFamily="34" charset="0"/>
-              <a:buNone/>
-              <a:defRPr sz="1600" kern="1200">
-                <a:solidFill>
-                  <a:schemeClr val="tx1">
-                    <a:tint val="75000"/>
-                  </a:schemeClr>
-                </a:solidFill>
-                <a:latin typeface="+mn-lt"/>
-                <a:ea typeface="+mn-ea"/>
-                <a:cs typeface="+mn-cs"/>
-              </a:defRPr>
-            </a:lvl9pPr>
-          </a:lstStyle>
-          <a:p>
-            <a:pPr marL="285750" indent="-285750">
-              <a:buFont typeface="Arial" panose="020B0604020202020204" pitchFamily="34" charset="0"/>
-              <a:buChar char="•"/>
-            </a:pPr>
-            <a:r>
-              <a:rPr lang="zh-CN" altLang="en-US" dirty="0"/>
-              <a:t>请实现</a:t>
-            </a:r>
-            <a:r>
-              <a:rPr lang="en-US" altLang="zh-CN" dirty="0"/>
-              <a:t>Shuffle</a:t>
-            </a:r>
-          </a:p>
-          <a:p>
-            <a:pPr marL="285750" indent="-285750">
-              <a:buFont typeface="Arial" panose="020B0604020202020204" pitchFamily="34" charset="0"/>
-              <a:buChar char="•"/>
-            </a:pPr>
-            <a:r>
-              <a:rPr lang="zh-CN" altLang="en-US" dirty="0"/>
-              <a:t>请每个同学都运行代码，看下是否提高了推理正确率？</a:t>
-            </a:r>
-            <a:endParaRPr lang="en-US" altLang="zh-CN" dirty="0"/>
-          </a:p>
-          <a:p>
-            <a:endParaRPr lang="en-US" altLang="zh-CN" dirty="0"/>
-          </a:p>
-          <a:p>
-            <a:pPr marL="285750" indent="-285750">
-              <a:buFont typeface="Arial" panose="020B0604020202020204" pitchFamily="34" charset="0"/>
-              <a:buChar char="•"/>
-            </a:pPr>
-            <a:r>
-              <a:rPr lang="zh-CN" altLang="en-US" dirty="0"/>
-              <a:t>自学、展学</a:t>
-            </a:r>
-          </a:p>
-          <a:p>
-            <a:pPr marL="285750" indent="-285750">
-              <a:buFont typeface="Arial" panose="020B0604020202020204" pitchFamily="34" charset="0"/>
-              <a:buChar char="•"/>
-            </a:pPr>
-            <a:endParaRPr lang="zh-CN" altLang="en-US" dirty="0"/>
-          </a:p>
-          <a:p>
-            <a:pPr marL="285750" indent="-285750">
-              <a:buFont typeface="Arial" panose="020B0604020202020204" pitchFamily="34" charset="0"/>
-              <a:buChar char="•"/>
-            </a:pPr>
-            <a:endParaRPr lang="en-US" altLang="zh-CN" dirty="0"/>
-          </a:p>
-          <a:p>
-            <a:pPr marL="285750" indent="-285750">
-              <a:buFont typeface="Arial" panose="020B0604020202020204" pitchFamily="34" charset="0"/>
-              <a:buChar char="•"/>
-            </a:pPr>
-            <a:endParaRPr lang="zh-CN" altLang="en-US" dirty="0"/>
-          </a:p>
-          <a:p>
-            <a:pPr marL="285750" indent="-285750">
-              <a:buFont typeface="Arial" panose="020B0604020202020204" pitchFamily="34" charset="0"/>
-              <a:buChar char="•"/>
-            </a:pPr>
-            <a:endParaRPr lang="zh-CN" altLang="en-US" dirty="0"/>
-          </a:p>
-          <a:p>
-            <a:pPr marL="285750" indent="-285750">
-              <a:buFont typeface="Arial" panose="020B0604020202020204" pitchFamily="34" charset="0"/>
-              <a:buChar char="•"/>
-            </a:pPr>
-            <a:endParaRPr lang="zh-CN" altLang="en-US" dirty="0"/>
-          </a:p>
-          <a:p>
-            <a:pPr marL="285750" indent="-285750">
-              <a:buFont typeface="Arial" panose="020B0604020202020204" pitchFamily="34" charset="0"/>
-              <a:buChar char="•"/>
-            </a:pPr>
-            <a:endParaRPr lang="zh-CN" altLang="en-US" dirty="0"/>
-          </a:p>
-          <a:p>
-            <a:pPr marL="285750" indent="-285750">
-              <a:buFont typeface="Arial" panose="020B0604020202020204" pitchFamily="34" charset="0"/>
-              <a:buChar char="•"/>
-            </a:pPr>
-            <a:endParaRPr lang="zh-CN" altLang="en-US" dirty="0"/>
-          </a:p>
-          <a:p>
-            <a:pPr marL="285750" indent="-285750">
-              <a:buFont typeface="Arial" panose="020B0604020202020204" pitchFamily="34" charset="0"/>
-              <a:buChar char="•"/>
-            </a:pPr>
-            <a:endParaRPr lang="zh-CN" altLang="en-US" dirty="0"/>
-          </a:p>
-          <a:p>
-            <a:pPr marL="285750" indent="-285750">
-              <a:buFont typeface="Arial" panose="020B0604020202020204" pitchFamily="34" charset="0"/>
-              <a:buChar char="•"/>
-            </a:pPr>
-            <a:endParaRPr lang="zh-CN" altLang="en-US" dirty="0"/>
-          </a:p>
-        </p:txBody>
-      </p:sp>
-    </p:spTree>
-    <p:custDataLst>
-      <p:tags r:id="rId1"/>
-    </p:custDataLst>
-    <p:extLst>
-      <p:ext uri="{BB962C8B-B14F-4D97-AF65-F5344CB8AC3E}">
-        <p14:creationId xmlns:p14="http://schemas.microsoft.com/office/powerpoint/2010/main" val="3787498677"/>
-      </p:ext>
-    </p:extLst>
-  </p:cSld>
-  <p:clrMapOvr>
-    <a:masterClrMapping/>
-  </p:clrMapOvr>
-  <p:timing>
-    <p:tnLst>
-      <p:par>
-        <p:cTn id="1" dur="indefinite" restart="never" nodeType="tmRoot">
-          <p:childTnLst>
-            <p:seq concurrent="1" nextAc="seek">
-              <p:cTn id="2" dur="indefinite" nodeType="mainSeq">
-                <p:childTnLst>
-                  <p:par>
-                    <p:cTn id="3" fill="hold">
-                      <p:stCondLst>
-                        <p:cond delay="indefinite"/>
-                      </p:stCondLst>
-                      <p:childTnLst>
-                        <p:par>
-                          <p:cTn id="4" fill="hold">
-                            <p:stCondLst>
-                              <p:cond delay="0"/>
-                            </p:stCondLst>
-                            <p:childTnLst>
-                              <p:par>
-                                <p:cTn id="5" presetID="1" presetClass="entr" presetSubtype="0" fill="hold" grpId="0" nodeType="clickEffect">
-                                  <p:stCondLst>
-                                    <p:cond delay="0"/>
-                                  </p:stCondLst>
-                                  <p:childTnLst>
-                                    <p:set>
-                                      <p:cBhvr>
-                                        <p:cTn id="6" dur="1" fill="hold">
-                                          <p:stCondLst>
-                                            <p:cond delay="0"/>
-                                          </p:stCondLst>
-                                        </p:cTn>
-                                        <p:tgtEl>
-                                          <p:spTgt spid="6"/>
-                                        </p:tgtEl>
-                                        <p:attrNameLst>
-                                          <p:attrName>style.visibility</p:attrName>
-                                        </p:attrNameLst>
-                                      </p:cBhvr>
-                                      <p:to>
-                                        <p:strVal val="visible"/>
-                                      </p:to>
-                                    </p:set>
-                                  </p:childTnLst>
-                                </p:cTn>
-                              </p:par>
-                            </p:childTnLst>
-                          </p:cTn>
-                        </p:par>
-                      </p:childTnLst>
-                    </p:cTn>
-                  </p:par>
-                </p:childTnLst>
-              </p:cTn>
-              <p:prevCondLst>
-                <p:cond evt="onPrev" delay="0">
-                  <p:tgtEl>
-                    <p:sldTgt/>
-                  </p:tgtEl>
-                </p:cond>
-              </p:prevCondLst>
-              <p:nextCondLst>
-                <p:cond evt="onNext" delay="0">
-                  <p:tgtEl>
-                    <p:sldTgt/>
-                  </p:tgtEl>
-                </p:cond>
-              </p:nextCondLst>
-            </p:seq>
-          </p:childTnLst>
-        </p:cTn>
-      </p:par>
-    </p:tnLst>
-    <p:bldLst>
-      <p:bldP spid="6" grpId="0"/>
-    </p:bldLst>
-  </p:timing>
-</p:sld>
-</file>
-
-<file path=ppt/slides/slide27.xml><?xml version="1.0" encoding="utf-8"?>
-<p:sld xmlns:a="http://schemas.openxmlformats.org/drawingml/2006/main" xmlns:r="http://schemas.openxmlformats.org/officeDocument/2006/relationships" xmlns:p="http://schemas.openxmlformats.org/presentationml/2006/main">
-  <p:cSld>
-    <p:spTree>
-      <p:nvGrpSpPr>
-        <p:cNvPr id="1" name=""/>
-        <p:cNvGrpSpPr/>
-        <p:nvPr/>
-      </p:nvGrpSpPr>
-      <p:grpSpPr>
-        <a:xfrm>
-          <a:off x="0" y="0"/>
-          <a:ext cx="0" cy="0"/>
-          <a:chOff x="0" y="0"/>
-          <a:chExt cx="0" cy="0"/>
-        </a:xfrm>
-      </p:grpSpPr>
-      <p:sp>
-        <p:nvSpPr>
-          <p:cNvPr id="2" name="标题 1"/>
-          <p:cNvSpPr>
-            <a:spLocks noGrp="1"/>
-          </p:cNvSpPr>
-          <p:nvPr>
-            <p:ph type="title"/>
-          </p:nvPr>
-        </p:nvSpPr>
-        <p:spPr/>
-        <p:txBody>
-          <a:bodyPr/>
-          <a:lstStyle/>
-          <a:p>
-            <a:r>
               <a:rPr lang="zh-CN" altLang="en-US"/>
               <a:t>总结</a:t>
             </a:r>
@@ -12708,7 +12395,7 @@
 </p:sld>
 </file>
 
-<file path=ppt/slides/slide28.xml><?xml version="1.0" encoding="utf-8"?>
+<file path=ppt/slides/slide26.xml><?xml version="1.0" encoding="utf-8"?>
 <p:sld xmlns:a="http://schemas.openxmlformats.org/drawingml/2006/main" xmlns:r="http://schemas.openxmlformats.org/officeDocument/2006/relationships" xmlns:p="http://schemas.openxmlformats.org/presentationml/2006/main">
   <p:cSld>
     <p:spTree>
@@ -13018,7 +12705,7 @@
 </p:sld>
 </file>
 
-<file path=ppt/slides/slide29.xml><?xml version="1.0" encoding="utf-8"?>
+<file path=ppt/slides/slide27.xml><?xml version="1.0" encoding="utf-8"?>
 <p:sld xmlns:a="http://schemas.openxmlformats.org/drawingml/2006/main" xmlns:r="http://schemas.openxmlformats.org/officeDocument/2006/relationships" xmlns:p="http://schemas.openxmlformats.org/presentationml/2006/main">
   <p:cSld>
     <p:spTree>
@@ -13055,71 +12742,11 @@
               <a:buChar char="•"/>
             </a:pPr>
             <a:r>
-              <a:rPr lang="zh-CN" altLang="en-US" dirty="0">
+              <a:rPr lang="en" dirty="0">
                 <a:sym typeface="+mn-ea"/>
                 <a:hlinkClick r:id="rId3"/>
               </a:rPr>
-              <a:t>零基础入门深度学习 </a:t>
-            </a:r>
-            <a:r>
-              <a:rPr lang="en-US" altLang="zh-CN" dirty="0">
-                <a:sym typeface="+mn-ea"/>
-                <a:hlinkClick r:id="rId3"/>
-              </a:rPr>
-              <a:t>| </a:t>
-            </a:r>
-            <a:r>
-              <a:rPr lang="zh-CN" altLang="en-US" dirty="0">
-                <a:sym typeface="+mn-ea"/>
-                <a:hlinkClick r:id="rId3"/>
-              </a:rPr>
-              <a:t>第三章：神经网络和反向传播算法</a:t>
-            </a:r>
-            <a:endParaRPr lang="en-US" altLang="zh-CN" dirty="0">
-              <a:sym typeface="+mn-ea"/>
-            </a:endParaRPr>
-          </a:p>
-          <a:p>
-            <a:pPr marL="285750" indent="-285750">
-              <a:buFont typeface="Arial" panose="020B0604020202020204" pitchFamily="34" charset="0"/>
-              <a:buChar char="•"/>
-            </a:pPr>
-            <a:r>
-              <a:rPr lang="zh-CN" altLang="en-US" dirty="0">
-                <a:sym typeface="+mn-ea"/>
-                <a:hlinkClick r:id="rId4"/>
-              </a:rPr>
-              <a:t>机器学习笔记：训练集、验证集和测试集区别</a:t>
-            </a:r>
-            <a:endParaRPr lang="en-US" altLang="zh-CN" dirty="0">
-              <a:sym typeface="+mn-ea"/>
-            </a:endParaRPr>
-          </a:p>
-          <a:p>
-            <a:pPr marL="285750" indent="-285750">
-              <a:buFont typeface="Arial" panose="020B0604020202020204" pitchFamily="34" charset="0"/>
-              <a:buChar char="•"/>
-            </a:pPr>
-            <a:r>
-              <a:rPr lang="zh-CN" altLang="en-US" dirty="0">
-                <a:sym typeface="+mn-ea"/>
-                <a:hlinkClick r:id="rId5"/>
-              </a:rPr>
-              <a:t>数据集</a:t>
-            </a:r>
-            <a:r>
-              <a:rPr lang="en" dirty="0">
-                <a:sym typeface="+mn-ea"/>
-                <a:hlinkClick r:id="rId5"/>
-              </a:rPr>
-              <a:t>shuffle</a:t>
-            </a:r>
-            <a:r>
-              <a:rPr lang="zh-CN" altLang="en-US" dirty="0">
-                <a:sym typeface="+mn-ea"/>
-                <a:hlinkClick r:id="rId5"/>
-              </a:rPr>
-              <a:t>的重要性</a:t>
+              <a:t>Improving the way neural networks learn</a:t>
             </a:r>
             <a:endParaRPr dirty="0">
               <a:sym typeface="+mn-ea"/>
@@ -13167,12 +12794,12 @@
           <a:graphicData uri="http://schemas.openxmlformats.org/presentationml/2006/ole">
             <mc:AlternateContent xmlns:mc="http://schemas.openxmlformats.org/markup-compatibility/2006">
               <mc:Choice xmlns:v="urn:schemas-microsoft-com:vml" Requires="v">
-                <p:oleObj r:id="rId6" imgW="914400" imgH="368300" progId="Equation.KSEE3">
+                <p:oleObj r:id="rId4" imgW="914400" imgH="368300" progId="Equation.KSEE3">
                   <p:embed/>
                 </p:oleObj>
               </mc:Choice>
               <mc:Fallback>
-                <p:oleObj r:id="rId6" imgW="914400" imgH="368300" progId="Equation.KSEE3">
+                <p:oleObj r:id="rId4" imgW="914400" imgH="368300" progId="Equation.KSEE3">
                   <p:embed/>
                   <p:pic>
                     <p:nvPicPr>
@@ -13183,7 +12810,7 @@
                       <p:nvPr/>
                     </p:nvPicPr>
                     <p:blipFill>
-                      <a:blip r:embed="rId7"/>
+                      <a:blip r:embed="rId5"/>
                       <a:stretch>
                         <a:fillRect/>
                       </a:stretch>
@@ -13213,6 +12840,114 @@
         <p14:creationId xmlns:p14="http://schemas.microsoft.com/office/powerpoint/2010/main" val="2517994622"/>
       </p:ext>
     </p:extLst>
+  </p:cSld>
+  <p:clrMapOvr>
+    <a:masterClrMapping/>
+  </p:clrMapOvr>
+</p:sld>
+</file>
+
+<file path=ppt/slides/slide28.xml><?xml version="1.0" encoding="utf-8"?>
+<p:sld xmlns:a="http://schemas.openxmlformats.org/drawingml/2006/main" xmlns:r="http://schemas.openxmlformats.org/officeDocument/2006/relationships" xmlns:p="http://schemas.openxmlformats.org/presentationml/2006/main">
+  <p:cSld>
+    <p:spTree>
+      <p:nvGrpSpPr>
+        <p:cNvPr id="1" name=""/>
+        <p:cNvGrpSpPr/>
+        <p:nvPr/>
+      </p:nvGrpSpPr>
+      <p:grpSpPr>
+        <a:xfrm>
+          <a:off x="0" y="0"/>
+          <a:ext cx="0" cy="0"/>
+          <a:chOff x="0" y="0"/>
+          <a:chExt cx="0" cy="0"/>
+        </a:xfrm>
+      </p:grpSpPr>
+      <p:sp>
+        <p:nvSpPr>
+          <p:cNvPr id="2" name="文本占位符 1"/>
+          <p:cNvSpPr>
+            <a:spLocks noGrp="1"/>
+          </p:cNvSpPr>
+          <p:nvPr>
+            <p:ph type="body" idx="1"/>
+          </p:nvPr>
+        </p:nvSpPr>
+        <p:spPr/>
+        <p:txBody>
+          <a:bodyPr/>
+          <a:lstStyle/>
+          <a:p>
+            <a:pPr marL="285750" indent="-285750">
+              <a:buFont typeface="Arial" panose="020B0604020202020204" pitchFamily="34" charset="0"/>
+              <a:buChar char="•"/>
+            </a:pPr>
+            <a:endParaRPr dirty="0">
+              <a:sym typeface="+mn-ea"/>
+            </a:endParaRPr>
+          </a:p>
+        </p:txBody>
+      </p:sp>
+      <p:sp>
+        <p:nvSpPr>
+          <p:cNvPr id="3" name="标题 2"/>
+          <p:cNvSpPr>
+            <a:spLocks noGrp="1"/>
+          </p:cNvSpPr>
+          <p:nvPr>
+            <p:ph type="title"/>
+          </p:nvPr>
+        </p:nvSpPr>
+        <p:spPr/>
+        <p:txBody>
+          <a:bodyPr/>
+          <a:lstStyle/>
+          <a:p>
+            <a:r>
+              <a:rPr lang="zh-CN" altLang="en-US"/>
+              <a:t>下节课预告</a:t>
+            </a:r>
+          </a:p>
+        </p:txBody>
+      </p:sp>
+    </p:spTree>
+    <p:custDataLst>
+      <p:tags r:id="rId1"/>
+    </p:custDataLst>
+    <p:extLst>
+      <p:ext uri="{BB962C8B-B14F-4D97-AF65-F5344CB8AC3E}">
+        <p14:creationId xmlns:p14="http://schemas.microsoft.com/office/powerpoint/2010/main" val="1027050507"/>
+      </p:ext>
+    </p:extLst>
+  </p:cSld>
+  <p:clrMapOvr>
+    <a:masterClrMapping/>
+  </p:clrMapOvr>
+</p:sld>
+</file>
+
+<file path=ppt/slides/slide29.xml><?xml version="1.0" encoding="utf-8"?>
+<p:sld xmlns:a="http://schemas.openxmlformats.org/drawingml/2006/main" xmlns:r="http://schemas.openxmlformats.org/officeDocument/2006/relationships" xmlns:p="http://schemas.openxmlformats.org/presentationml/2006/main">
+  <p:cSld>
+    <p:spTree>
+      <p:nvGrpSpPr>
+        <p:cNvPr id="1" name=""/>
+        <p:cNvGrpSpPr/>
+        <p:nvPr/>
+      </p:nvGrpSpPr>
+      <p:grpSpPr>
+        <a:xfrm>
+          <a:off x="0" y="0"/>
+          <a:ext cx="0" cy="0"/>
+          <a:chOff x="0" y="0"/>
+          <a:chExt cx="0" cy="0"/>
+        </a:xfrm>
+      </p:grpSpPr>
+    </p:spTree>
+    <p:custDataLst>
+      <p:tags r:id="rId1"/>
+    </p:custDataLst>
   </p:cSld>
   <p:clrMapOvr>
     <a:masterClrMapping/>
@@ -13474,9 +13209,7 @@
               <a:buFont typeface="Arial" panose="020B0604020202020204" pitchFamily="34" charset="0"/>
               <a:buChar char="•"/>
             </a:pPr>
-            <a:endParaRPr dirty="0">
-              <a:sym typeface="+mn-ea"/>
-            </a:endParaRPr>
+            <a:endParaRPr lang="en-US" altLang="zh-CN" dirty="0"/>
           </a:p>
         </p:txBody>
       </p:sp>
@@ -13496,112 +13229,6 @@
           <a:lstStyle/>
           <a:p>
             <a:r>
-              <a:rPr lang="zh-CN" altLang="en-US"/>
-              <a:t>下节课预告</a:t>
-            </a:r>
-          </a:p>
-        </p:txBody>
-      </p:sp>
-    </p:spTree>
-    <p:custDataLst>
-      <p:tags r:id="rId1"/>
-    </p:custDataLst>
-    <p:extLst>
-      <p:ext uri="{BB962C8B-B14F-4D97-AF65-F5344CB8AC3E}">
-        <p14:creationId xmlns:p14="http://schemas.microsoft.com/office/powerpoint/2010/main" val="1027050507"/>
-      </p:ext>
-    </p:extLst>
-  </p:cSld>
-  <p:clrMapOvr>
-    <a:masterClrMapping/>
-  </p:clrMapOvr>
-</p:sld>
-</file>
-
-<file path=ppt/slides/slide31.xml><?xml version="1.0" encoding="utf-8"?>
-<p:sld xmlns:a="http://schemas.openxmlformats.org/drawingml/2006/main" xmlns:r="http://schemas.openxmlformats.org/officeDocument/2006/relationships" xmlns:p="http://schemas.openxmlformats.org/presentationml/2006/main">
-  <p:cSld>
-    <p:spTree>
-      <p:nvGrpSpPr>
-        <p:cNvPr id="1" name=""/>
-        <p:cNvGrpSpPr/>
-        <p:nvPr/>
-      </p:nvGrpSpPr>
-      <p:grpSpPr>
-        <a:xfrm>
-          <a:off x="0" y="0"/>
-          <a:ext cx="0" cy="0"/>
-          <a:chOff x="0" y="0"/>
-          <a:chExt cx="0" cy="0"/>
-        </a:xfrm>
-      </p:grpSpPr>
-    </p:spTree>
-    <p:custDataLst>
-      <p:tags r:id="rId1"/>
-    </p:custDataLst>
-  </p:cSld>
-  <p:clrMapOvr>
-    <a:masterClrMapping/>
-  </p:clrMapOvr>
-</p:sld>
-</file>
-
-<file path=ppt/slides/slide32.xml><?xml version="1.0" encoding="utf-8"?>
-<p:sld xmlns:a="http://schemas.openxmlformats.org/drawingml/2006/main" xmlns:r="http://schemas.openxmlformats.org/officeDocument/2006/relationships" xmlns:p="http://schemas.openxmlformats.org/presentationml/2006/main">
-  <p:cSld>
-    <p:spTree>
-      <p:nvGrpSpPr>
-        <p:cNvPr id="1" name=""/>
-        <p:cNvGrpSpPr/>
-        <p:nvPr/>
-      </p:nvGrpSpPr>
-      <p:grpSpPr>
-        <a:xfrm>
-          <a:off x="0" y="0"/>
-          <a:ext cx="0" cy="0"/>
-          <a:chOff x="0" y="0"/>
-          <a:chExt cx="0" cy="0"/>
-        </a:xfrm>
-      </p:grpSpPr>
-      <p:sp>
-        <p:nvSpPr>
-          <p:cNvPr id="2" name="文本占位符 1"/>
-          <p:cNvSpPr>
-            <a:spLocks noGrp="1"/>
-          </p:cNvSpPr>
-          <p:nvPr>
-            <p:ph type="body" idx="1"/>
-          </p:nvPr>
-        </p:nvSpPr>
-        <p:spPr/>
-        <p:txBody>
-          <a:bodyPr/>
-          <a:lstStyle/>
-          <a:p>
-            <a:pPr marL="285750" indent="-285750">
-              <a:buFont typeface="Arial" panose="020B0604020202020204" pitchFamily="34" charset="0"/>
-              <a:buChar char="•"/>
-            </a:pPr>
-            <a:endParaRPr lang="en-US" altLang="zh-CN" dirty="0"/>
-          </a:p>
-        </p:txBody>
-      </p:sp>
-      <p:sp>
-        <p:nvSpPr>
-          <p:cNvPr id="3" name="标题 2"/>
-          <p:cNvSpPr>
-            <a:spLocks noGrp="1"/>
-          </p:cNvSpPr>
-          <p:nvPr>
-            <p:ph type="title"/>
-          </p:nvPr>
-        </p:nvSpPr>
-        <p:spPr/>
-        <p:txBody>
-          <a:bodyPr/>
-          <a:lstStyle/>
-          <a:p>
-            <a:r>
               <a:rPr lang="zh-CN" altLang="en-US" dirty="0"/>
               <a:t>问答</a:t>
             </a:r>
@@ -13619,7 +13246,7 @@
 </p:sld>
 </file>
 
-<file path=ppt/slides/slide33.xml><?xml version="1.0" encoding="utf-8"?>
+<file path=ppt/slides/slide31.xml><?xml version="1.0" encoding="utf-8"?>
 <p:sld xmlns:a="http://schemas.openxmlformats.org/drawingml/2006/main" xmlns:r="http://schemas.openxmlformats.org/officeDocument/2006/relationships" xmlns:p="http://schemas.openxmlformats.org/presentationml/2006/main">
   <p:cSld>
     <p:spTree>
@@ -13875,6 +13502,54 @@
               <a:buFont typeface="Arial" panose="020B0604020202020204" pitchFamily="34" charset="0"/>
               <a:buChar char="•"/>
             </a:pPr>
+            <a:r>
+              <a:rPr lang="zh-CN" altLang="en-US" dirty="0"/>
+              <a:t>收敛的速度决定于什么？</a:t>
+            </a:r>
+            <a:endParaRPr lang="en-US" altLang="zh-CN" dirty="0"/>
+          </a:p>
+          <a:p>
+            <a:pPr marL="285750" indent="-285750">
+              <a:buFont typeface="Arial" panose="020B0604020202020204" pitchFamily="34" charset="0"/>
+              <a:buChar char="•"/>
+            </a:pPr>
+            <a:r>
+              <a:rPr lang="zh-CN" altLang="en-US" dirty="0"/>
+              <a:t>全连接层在“判断性别</a:t>
+            </a:r>
+            <a:r>
+              <a:rPr lang="en-US" altLang="zh-CN" dirty="0"/>
+              <a:t>Demo</a:t>
+            </a:r>
+            <a:r>
+              <a:rPr lang="zh-CN" altLang="en-US" dirty="0"/>
+              <a:t>“的训练时，收敛得比较慢，如何加快收敛？</a:t>
+            </a:r>
+            <a:endParaRPr lang="en-US" altLang="zh-CN" dirty="0"/>
+          </a:p>
+          <a:p>
+            <a:pPr marL="285750" indent="-285750">
+              <a:buFont typeface="Arial" panose="020B0604020202020204" pitchFamily="34" charset="0"/>
+              <a:buChar char="•"/>
+            </a:pPr>
+            <a:r>
+              <a:rPr lang="zh-CN" altLang="en-US" dirty="0"/>
+              <a:t>全连接层在“识别手写数字“的训练时，收敛得比较慢，如何加快收敛？</a:t>
+            </a:r>
+            <a:endParaRPr lang="en-US" altLang="zh-CN" dirty="0"/>
+          </a:p>
+          <a:p>
+            <a:pPr marL="285750" indent="-285750">
+              <a:buFont typeface="Arial" panose="020B0604020202020204" pitchFamily="34" charset="0"/>
+              <a:buChar char="•"/>
+            </a:pPr>
+            <a:endParaRPr lang="en-US" altLang="zh-CN" dirty="0"/>
+          </a:p>
+          <a:p>
+            <a:pPr marL="285750" indent="-285750">
+              <a:buFont typeface="Arial" panose="020B0604020202020204" pitchFamily="34" charset="0"/>
+              <a:buChar char="•"/>
+            </a:pPr>
             <a:endParaRPr lang="zh-CN" altLang="en-US" dirty="0"/>
           </a:p>
         </p:txBody>
@@ -13967,11 +13642,11 @@
               <a:rPr lang="zh-CN" altLang="en-US" dirty="0">
                 <a:sym typeface="+mn-ea"/>
               </a:rPr>
-              <a:t>全连接层的输入是什么</a:t>
+              <a:t>如何加快</a:t>
             </a:r>
             <a:r>
               <a:rPr lang="zh-CN" altLang="en-US" dirty="0"/>
-              <a:t>？</a:t>
+              <a:t>单分类的训练速度？</a:t>
             </a:r>
           </a:p>
         </p:txBody>
@@ -14028,11 +13703,11 @@
               <a:rPr lang="zh-CN" altLang="en-US" dirty="0">
                 <a:sym typeface="+mn-ea"/>
               </a:rPr>
-              <a:t>主问题：	全连接层的输入是什么</a:t>
+              <a:t>主问题：	如何加快</a:t>
             </a:r>
             <a:r>
               <a:rPr lang="zh-CN" altLang="en-US" dirty="0"/>
-              <a:t>？</a:t>
+              <a:t>单分类的训练速度？</a:t>
             </a:r>
             <a:endParaRPr dirty="0">
               <a:sym typeface="+mn-ea"/>
@@ -14275,7 +13950,15 @@
             </a:pPr>
             <a:r>
               <a:rPr lang="zh-CN" altLang="en-US" dirty="0"/>
-              <a:t>输入层的输入数据是什么？</a:t>
+              <a:t>“判断性别</a:t>
+            </a:r>
+            <a:r>
+              <a:rPr lang="en-US" altLang="zh-CN" dirty="0"/>
+              <a:t>Demo</a:t>
+            </a:r>
+            <a:r>
+              <a:rPr lang="zh-CN" altLang="en-US" dirty="0"/>
+              <a:t>“属于单分类还是多分类？</a:t>
             </a:r>
             <a:endParaRPr lang="en-US" altLang="zh-CN" dirty="0"/>
           </a:p>
@@ -14286,43 +13969,38 @@
             </a:pPr>
             <a:r>
               <a:rPr lang="zh-CN" altLang="en-US" dirty="0"/>
-              <a:t>如何处理输入数据？</a:t>
+              <a:t>收敛的速度决定于什么？</a:t>
             </a:r>
             <a:endParaRPr lang="en-US" altLang="zh-CN" dirty="0"/>
           </a:p>
           <a:p>
-            <a:pPr marL="742950" lvl="1" indent="-285750">
+            <a:pPr marL="285750" indent="-285750">
+              <a:buFont typeface="Arial" panose="020B0604020202020204" pitchFamily="34" charset="0"/>
+              <a:buChar char="•"/>
+            </a:pPr>
+            <a:endParaRPr lang="en-US" altLang="zh-CN" dirty="0"/>
+          </a:p>
+          <a:p>
+            <a:pPr marL="285750" indent="-285750">
+              <a:buFont typeface="Arial" panose="020B0604020202020204" pitchFamily="34" charset="0"/>
+              <a:buChar char="•"/>
+            </a:pPr>
+            <a:endParaRPr lang="en-US" altLang="zh-CN" dirty="0"/>
+          </a:p>
+          <a:p>
+            <a:endParaRPr lang="en-US" altLang="zh-CN" dirty="0"/>
+          </a:p>
+          <a:p>
+            <a:endParaRPr lang="en-US" altLang="zh-CN" dirty="0"/>
+          </a:p>
+          <a:p>
+            <a:pPr marL="285750" indent="-285750">
               <a:buFont typeface="Arial" panose="020B0604020202020204" pitchFamily="34" charset="0"/>
               <a:buChar char="•"/>
             </a:pPr>
             <a:r>
               <a:rPr lang="zh-CN" altLang="en-US" dirty="0"/>
-              <a:t>把整个手写数字图片作为输入数据会有什么问题？</a:t>
-            </a:r>
-            <a:endParaRPr lang="en-US" altLang="zh-CN" dirty="0"/>
-          </a:p>
-          <a:p>
-            <a:pPr marL="742950" lvl="1" indent="-285750">
-              <a:buFont typeface="Arial" panose="020B0604020202020204" pitchFamily="34" charset="0"/>
-              <a:buChar char="•"/>
-            </a:pPr>
-            <a:r>
-              <a:rPr lang="zh-CN" altLang="en-US" dirty="0"/>
-              <a:t>如何解决该问题？</a:t>
-            </a:r>
-            <a:endParaRPr lang="en-US" altLang="zh-CN" dirty="0"/>
-          </a:p>
-          <a:p>
-            <a:endParaRPr lang="en-US" altLang="zh-CN" dirty="0"/>
-          </a:p>
-          <a:p>
-            <a:pPr marL="285750" indent="-285750">
-              <a:buFont typeface="Arial" panose="020B0604020202020204" pitchFamily="34" charset="0"/>
-              <a:buChar char="•"/>
-            </a:pPr>
-            <a:r>
-              <a:rPr lang="zh-CN" altLang="en-US" dirty="0"/>
-              <a:t>自学、互学、展学</a:t>
+              <a:t>自学、展学</a:t>
             </a:r>
           </a:p>
           <a:p>
@@ -14390,106 +14068,12 @@
           </a:p>
         </p:txBody>
       </p:sp>
-      <p:pic>
-        <p:nvPicPr>
-          <p:cNvPr id="2" name="Picture 2" descr="AI实战】训练第一个AI模型：MNIST手写数字识别模型_雪饼ai的博客-CSDN博客">
+      <p:sp>
+        <p:nvSpPr>
+          <p:cNvPr id="2" name="文本框 1">
             <a:extLst>
               <a:ext uri="{FF2B5EF4-FFF2-40B4-BE49-F238E27FC236}">
-                <a16:creationId xmlns:a16="http://schemas.microsoft.com/office/drawing/2014/main" id="{B33C7149-5C4D-5EFF-DA4B-ABF5E146CEA3}"/>
-              </a:ext>
-            </a:extLst>
-          </p:cNvPr>
-          <p:cNvPicPr>
-            <a:picLocks noChangeAspect="1" noChangeArrowheads="1"/>
-          </p:cNvPicPr>
-          <p:nvPr/>
-        </p:nvPicPr>
-        <p:blipFill>
-          <a:blip r:embed="rId3">
-            <a:extLst>
-              <a:ext uri="{28A0092B-C50C-407E-A947-70E740481C1C}">
-                <a14:useLocalDpi xmlns:a14="http://schemas.microsoft.com/office/drawing/2010/main" val="0"/>
-              </a:ext>
-            </a:extLst>
-          </a:blip>
-          <a:srcRect/>
-          <a:stretch>
-            <a:fillRect/>
-          </a:stretch>
-        </p:blipFill>
-        <p:spPr bwMode="auto">
-          <a:xfrm>
-            <a:off x="5433880" y="3694949"/>
-            <a:ext cx="6138479" cy="2810388"/>
-          </a:xfrm>
-          <a:prstGeom prst="rect">
-            <a:avLst/>
-          </a:prstGeom>
-          <a:noFill/>
-          <a:extLst>
-            <a:ext uri="{909E8E84-426E-40DD-AFC4-6F175D3DCCD1}">
-              <a14:hiddenFill xmlns:a14="http://schemas.microsoft.com/office/drawing/2010/main">
-                <a:solidFill>
-                  <a:srgbClr val="FFFFFF"/>
-                </a:solidFill>
-              </a14:hiddenFill>
-            </a:ext>
-          </a:extLst>
-        </p:spPr>
-      </p:pic>
-      <p:pic>
-        <p:nvPicPr>
-          <p:cNvPr id="4" name="Picture 4" descr="BP神经网络实现手写数字识别- 知乎">
-            <a:extLst>
-              <a:ext uri="{FF2B5EF4-FFF2-40B4-BE49-F238E27FC236}">
-                <a16:creationId xmlns:a16="http://schemas.microsoft.com/office/drawing/2014/main" id="{0C343487-7965-3EC6-B52F-F907679E184C}"/>
-              </a:ext>
-            </a:extLst>
-          </p:cNvPr>
-          <p:cNvPicPr>
-            <a:picLocks noChangeAspect="1" noChangeArrowheads="1"/>
-          </p:cNvPicPr>
-          <p:nvPr/>
-        </p:nvPicPr>
-        <p:blipFill>
-          <a:blip r:embed="rId4">
-            <a:extLst>
-              <a:ext uri="{28A0092B-C50C-407E-A947-70E740481C1C}">
-                <a14:useLocalDpi xmlns:a14="http://schemas.microsoft.com/office/drawing/2010/main" val="0"/>
-              </a:ext>
-            </a:extLst>
-          </a:blip>
-          <a:srcRect/>
-          <a:stretch>
-            <a:fillRect/>
-          </a:stretch>
-        </p:blipFill>
-        <p:spPr bwMode="auto">
-          <a:xfrm>
-            <a:off x="8120435" y="1362832"/>
-            <a:ext cx="3771900" cy="2159000"/>
-          </a:xfrm>
-          <a:prstGeom prst="rect">
-            <a:avLst/>
-          </a:prstGeom>
-          <a:noFill/>
-          <a:extLst>
-            <a:ext uri="{909E8E84-426E-40DD-AFC4-6F175D3DCCD1}">
-              <a14:hiddenFill xmlns:a14="http://schemas.microsoft.com/office/drawing/2010/main">
-                <a:solidFill>
-                  <a:srgbClr val="FFFFFF"/>
-                </a:solidFill>
-              </a14:hiddenFill>
-            </a:ext>
-          </a:extLst>
-        </p:spPr>
-      </p:pic>
-      <p:sp>
-        <p:nvSpPr>
-          <p:cNvPr id="5" name="文本框 4">
-            <a:extLst>
-              <a:ext uri="{FF2B5EF4-FFF2-40B4-BE49-F238E27FC236}">
-                <a16:creationId xmlns:a16="http://schemas.microsoft.com/office/drawing/2014/main" id="{FC0677BA-B68B-5C3D-E915-E599389963F6}"/>
+                <a16:creationId xmlns:a16="http://schemas.microsoft.com/office/drawing/2014/main" id="{215AB2B9-238A-31BF-A23B-09F08F97986B}"/>
               </a:ext>
             </a:extLst>
           </p:cNvPr>
@@ -14498,8 +14082,8 @@
         </p:nvSpPr>
         <p:spPr>
           <a:xfrm>
-            <a:off x="5433880" y="3276022"/>
-            <a:ext cx="2954655" cy="369332"/>
+            <a:off x="7918102" y="2210637"/>
+            <a:ext cx="1338828" cy="369332"/>
           </a:xfrm>
           <a:prstGeom prst="rect">
             <a:avLst/>
@@ -14514,7 +14098,7 @@
           <a:p>
             <a:r>
               <a:rPr kumimoji="1" lang="zh-CN" altLang="en-US" dirty="0"/>
-              <a:t>拆分成每个数字一张图片：</a:t>
+              <a:t>梯度的大小</a:t>
             </a:r>
           </a:p>
         </p:txBody>
@@ -14525,7 +14109,7 @@
     </p:custDataLst>
     <p:extLst>
       <p:ext uri="{BB962C8B-B14F-4D97-AF65-F5344CB8AC3E}">
-        <p14:creationId xmlns:p14="http://schemas.microsoft.com/office/powerpoint/2010/main" val="1424024194"/>
+        <p14:creationId xmlns:p14="http://schemas.microsoft.com/office/powerpoint/2010/main" val="1040660923"/>
       </p:ext>
     </p:extLst>
   </p:cSld>
@@ -14632,84 +14216,6 @@
       </p:grpSpPr>
       <p:sp>
         <p:nvSpPr>
-          <p:cNvPr id="2" name="标题 1"/>
-          <p:cNvSpPr>
-            <a:spLocks noGrp="1"/>
-          </p:cNvSpPr>
-          <p:nvPr>
-            <p:ph type="title"/>
-          </p:nvPr>
-        </p:nvSpPr>
-        <p:spPr/>
-        <p:txBody>
-          <a:bodyPr/>
-          <a:lstStyle/>
-          <a:p>
-            <a:r>
-              <a:rPr dirty="0">
-                <a:sym typeface="+mn-ea"/>
-              </a:rPr>
-              <a:t>主问题：</a:t>
-            </a:r>
-            <a:r>
-              <a:rPr lang="en-US" dirty="0">
-                <a:sym typeface="+mn-ea"/>
-              </a:rPr>
-              <a:t>	</a:t>
-            </a:r>
-            <a:br>
-              <a:rPr lang="en-US" dirty="0">
-                <a:sym typeface="+mn-ea"/>
-              </a:rPr>
-            </a:br>
-            <a:r>
-              <a:rPr lang="en-US" dirty="0" err="1">
-                <a:sym typeface="+mn-ea"/>
-              </a:rPr>
-              <a:t>全连接层的输出是什么</a:t>
-            </a:r>
-            <a:r>
-              <a:rPr lang="zh-CN" altLang="en-US" dirty="0"/>
-              <a:t>？</a:t>
-            </a:r>
-          </a:p>
-        </p:txBody>
-      </p:sp>
-    </p:spTree>
-    <p:custDataLst>
-      <p:tags r:id="rId1"/>
-    </p:custDataLst>
-    <p:extLst>
-      <p:ext uri="{BB962C8B-B14F-4D97-AF65-F5344CB8AC3E}">
-        <p14:creationId xmlns:p14="http://schemas.microsoft.com/office/powerpoint/2010/main" val="2341060356"/>
-      </p:ext>
-    </p:extLst>
-  </p:cSld>
-  <p:clrMapOvr>
-    <a:masterClrMapping/>
-  </p:clrMapOvr>
-</p:sld>
-</file>
-
-<file path=ppt/slides/slide9.xml><?xml version="1.0" encoding="utf-8"?>
-<p:sld xmlns:a="http://schemas.openxmlformats.org/drawingml/2006/main" xmlns:r="http://schemas.openxmlformats.org/officeDocument/2006/relationships" xmlns:p="http://schemas.openxmlformats.org/presentationml/2006/main">
-  <p:cSld>
-    <p:spTree>
-      <p:nvGrpSpPr>
-        <p:cNvPr id="1" name=""/>
-        <p:cNvGrpSpPr/>
-        <p:nvPr/>
-      </p:nvGrpSpPr>
-      <p:grpSpPr>
-        <a:xfrm>
-          <a:off x="0" y="0"/>
-          <a:ext cx="0" cy="0"/>
-          <a:chOff x="0" y="0"/>
-          <a:chExt cx="0" cy="0"/>
-        </a:xfrm>
-      </p:grpSpPr>
-      <p:sp>
-        <p:nvSpPr>
           <p:cNvPr id="3" name="标题 2"/>
           <p:cNvSpPr>
             <a:spLocks noGrp="1"/>
@@ -14727,11 +14233,11 @@
               <a:rPr lang="zh-CN" altLang="en-US" dirty="0">
                 <a:sym typeface="+mn-ea"/>
               </a:rPr>
-              <a:t>主问题：	全连接层的输出是什么</a:t>
+              <a:t>主问题：	如何加快</a:t>
             </a:r>
             <a:r>
               <a:rPr lang="zh-CN" altLang="en-US" dirty="0"/>
-              <a:t>？</a:t>
+              <a:t>单分类的训练速度？</a:t>
             </a:r>
             <a:endParaRPr dirty="0">
               <a:sym typeface="+mn-ea"/>
@@ -14974,7 +14480,7 @@
             </a:pPr>
             <a:r>
               <a:rPr lang="zh-CN" altLang="en-US" dirty="0"/>
-              <a:t>输出层的输出数据是什么？</a:t>
+              <a:t>我们现在只考虑输出层</a:t>
             </a:r>
             <a:endParaRPr lang="en-US" altLang="zh-CN" dirty="0"/>
           </a:p>
@@ -14985,11 +14491,67 @@
             </a:pPr>
             <a:r>
               <a:rPr lang="zh-CN" altLang="en-US" dirty="0"/>
-              <a:t>如何确定输出的是哪个数字？</a:t>
+              <a:t>使用的是什么损失函数？</a:t>
             </a:r>
             <a:endParaRPr lang="en-US" altLang="zh-CN" dirty="0"/>
           </a:p>
           <a:p>
+            <a:pPr marL="285750" indent="-285750">
+              <a:buFont typeface="Arial" panose="020B0604020202020204" pitchFamily="34" charset="0"/>
+              <a:buChar char="•"/>
+            </a:pPr>
+            <a:r>
+              <a:rPr lang="zh-CN" altLang="en-US" dirty="0"/>
+              <a:t>使用的是什么激活函数？</a:t>
+            </a:r>
+            <a:endParaRPr lang="en-US" altLang="zh-CN" dirty="0"/>
+          </a:p>
+          <a:p>
+            <a:pPr marL="285750" indent="-285750">
+              <a:buFont typeface="Arial" panose="020B0604020202020204" pitchFamily="34" charset="0"/>
+              <a:buChar char="•"/>
+            </a:pPr>
+            <a:r>
+              <a:rPr lang="zh-CN" altLang="en-US" dirty="0"/>
+              <a:t>输出层的单个神经元的梯度计算公式是什么？</a:t>
+            </a:r>
+            <a:endParaRPr lang="en-US" altLang="zh-CN" dirty="0"/>
+          </a:p>
+          <a:p>
+            <a:pPr marL="285750" indent="-285750">
+              <a:buFont typeface="Arial" panose="020B0604020202020204" pitchFamily="34" charset="0"/>
+              <a:buChar char="•"/>
+            </a:pPr>
+            <a:r>
+              <a:rPr lang="zh-CN" altLang="en-US" dirty="0"/>
+              <a:t>公式中跟输出层相关的变量是哪项？</a:t>
+            </a:r>
+            <a:endParaRPr lang="en-US" altLang="zh-CN" dirty="0"/>
+          </a:p>
+          <a:p>
+            <a:pPr marL="285750" indent="-285750">
+              <a:buFont typeface="Arial" panose="020B0604020202020204" pitchFamily="34" charset="0"/>
+              <a:buChar char="•"/>
+            </a:pPr>
+            <a:r>
+              <a:rPr lang="zh-CN" altLang="en-US" dirty="0"/>
+              <a:t>它的值跟</a:t>
+            </a:r>
+            <a:r>
+              <a:rPr lang="en-US" altLang="zh-CN" dirty="0"/>
+              <a:t>loss</a:t>
+            </a:r>
+            <a:r>
+              <a:rPr lang="zh-CN" altLang="en-US" dirty="0"/>
+              <a:t>的大小有什么关系？</a:t>
+            </a:r>
+            <a:endParaRPr lang="en-US" altLang="zh-CN" dirty="0"/>
+          </a:p>
+          <a:p>
+            <a:pPr marL="285750" indent="-285750">
+              <a:buFont typeface="Arial" panose="020B0604020202020204" pitchFamily="34" charset="0"/>
+              <a:buChar char="•"/>
+            </a:pPr>
             <a:endParaRPr lang="en-US" altLang="zh-CN" dirty="0"/>
           </a:p>
           <a:p>
@@ -15067,13 +14629,787 @@
           </a:p>
         </p:txBody>
       </p:sp>
+      <p:pic>
+        <p:nvPicPr>
+          <p:cNvPr id="5" name="图片 4">
+            <a:extLst>
+              <a:ext uri="{FF2B5EF4-FFF2-40B4-BE49-F238E27FC236}">
+                <a16:creationId xmlns:a16="http://schemas.microsoft.com/office/drawing/2014/main" id="{1E3A16A2-BA88-5E6B-0B84-352613E54435}"/>
+              </a:ext>
+            </a:extLst>
+          </p:cNvPr>
+          <p:cNvPicPr>
+            <a:picLocks noChangeAspect="1"/>
+          </p:cNvPicPr>
+          <p:nvPr/>
+        </p:nvPicPr>
+        <p:blipFill>
+          <a:blip r:embed="rId3">
+            <a:extLst>
+              <a:ext uri="{28A0092B-C50C-407E-A947-70E740481C1C}">
+                <a14:useLocalDpi xmlns:a14="http://schemas.microsoft.com/office/drawing/2010/main" val="0"/>
+              </a:ext>
+            </a:extLst>
+          </a:blip>
+          <a:stretch>
+            <a:fillRect/>
+          </a:stretch>
+        </p:blipFill>
+        <p:spPr>
+          <a:xfrm>
+            <a:off x="9706709" y="1461696"/>
+            <a:ext cx="1967766" cy="1577985"/>
+          </a:xfrm>
+          <a:prstGeom prst="rect">
+            <a:avLst/>
+          </a:prstGeom>
+        </p:spPr>
+      </p:pic>
+      <p:pic>
+        <p:nvPicPr>
+          <p:cNvPr id="10" name="图片 9">
+            <a:extLst>
+              <a:ext uri="{FF2B5EF4-FFF2-40B4-BE49-F238E27FC236}">
+                <a16:creationId xmlns:a16="http://schemas.microsoft.com/office/drawing/2014/main" id="{D95D4AB7-F694-1EB3-3AFD-119778087A17}"/>
+              </a:ext>
+            </a:extLst>
+          </p:cNvPr>
+          <p:cNvPicPr>
+            <a:picLocks noChangeAspect="1"/>
+          </p:cNvPicPr>
+          <p:nvPr/>
+        </p:nvPicPr>
+        <p:blipFill>
+          <a:blip r:embed="rId4">
+            <a:extLst>
+              <a:ext uri="{28A0092B-C50C-407E-A947-70E740481C1C}">
+                <a14:useLocalDpi xmlns:a14="http://schemas.microsoft.com/office/drawing/2010/main" val="0"/>
+              </a:ext>
+            </a:extLst>
+          </a:blip>
+          <a:stretch>
+            <a:fillRect/>
+          </a:stretch>
+        </p:blipFill>
+        <p:spPr>
+          <a:xfrm>
+            <a:off x="3542253" y="4833620"/>
+            <a:ext cx="6896100" cy="1498600"/>
+          </a:xfrm>
+          <a:prstGeom prst="rect">
+            <a:avLst/>
+          </a:prstGeom>
+        </p:spPr>
+      </p:pic>
+      <p:pic>
+        <p:nvPicPr>
+          <p:cNvPr id="11" name="图片 10">
+            <a:extLst>
+              <a:ext uri="{FF2B5EF4-FFF2-40B4-BE49-F238E27FC236}">
+                <a16:creationId xmlns:a16="http://schemas.microsoft.com/office/drawing/2014/main" id="{117D948B-C734-F567-7692-C34A85866064}"/>
+              </a:ext>
+            </a:extLst>
+          </p:cNvPr>
+          <p:cNvPicPr>
+            <a:picLocks noChangeAspect="1"/>
+          </p:cNvPicPr>
+          <p:nvPr/>
+        </p:nvPicPr>
+        <p:blipFill>
+          <a:blip r:embed="rId5">
+            <a:extLst>
+              <a:ext uri="{28A0092B-C50C-407E-A947-70E740481C1C}">
+                <a14:useLocalDpi xmlns:a14="http://schemas.microsoft.com/office/drawing/2010/main" val="0"/>
+              </a:ext>
+            </a:extLst>
+          </a:blip>
+          <a:stretch>
+            <a:fillRect/>
+          </a:stretch>
+        </p:blipFill>
+        <p:spPr>
+          <a:xfrm>
+            <a:off x="5325626" y="2024380"/>
+            <a:ext cx="2224078" cy="768552"/>
+          </a:xfrm>
+          <a:prstGeom prst="rect">
+            <a:avLst/>
+          </a:prstGeom>
+        </p:spPr>
+      </p:pic>
+      <p:pic>
+        <p:nvPicPr>
+          <p:cNvPr id="13" name="图片 12">
+            <a:extLst>
+              <a:ext uri="{FF2B5EF4-FFF2-40B4-BE49-F238E27FC236}">
+                <a16:creationId xmlns:a16="http://schemas.microsoft.com/office/drawing/2014/main" id="{A08EBD16-6C53-0538-8302-1C642B462673}"/>
+              </a:ext>
+            </a:extLst>
+          </p:cNvPr>
+          <p:cNvPicPr>
+            <a:picLocks noChangeAspect="1"/>
+          </p:cNvPicPr>
+          <p:nvPr/>
+        </p:nvPicPr>
+        <p:blipFill>
+          <a:blip r:embed="rId6">
+            <a:extLst>
+              <a:ext uri="{28A0092B-C50C-407E-A947-70E740481C1C}">
+                <a14:useLocalDpi xmlns:a14="http://schemas.microsoft.com/office/drawing/2010/main" val="0"/>
+              </a:ext>
+            </a:extLst>
+          </a:blip>
+          <a:stretch>
+            <a:fillRect/>
+          </a:stretch>
+        </p:blipFill>
+        <p:spPr>
+          <a:xfrm>
+            <a:off x="6437665" y="2822151"/>
+            <a:ext cx="3042888" cy="1900574"/>
+          </a:xfrm>
+          <a:prstGeom prst="rect">
+            <a:avLst/>
+          </a:prstGeom>
+        </p:spPr>
+      </p:pic>
     </p:spTree>
     <p:custDataLst>
       <p:tags r:id="rId1"/>
     </p:custDataLst>
     <p:extLst>
       <p:ext uri="{BB962C8B-B14F-4D97-AF65-F5344CB8AC3E}">
-        <p14:creationId xmlns:p14="http://schemas.microsoft.com/office/powerpoint/2010/main" val="1040660923"/>
+        <p14:creationId xmlns:p14="http://schemas.microsoft.com/office/powerpoint/2010/main" val="2867405282"/>
+      </p:ext>
+    </p:extLst>
+  </p:cSld>
+  <p:clrMapOvr>
+    <a:masterClrMapping/>
+  </p:clrMapOvr>
+  <p:timing>
+    <p:tnLst>
+      <p:par>
+        <p:cTn id="1" dur="indefinite" restart="never" nodeType="tmRoot">
+          <p:childTnLst>
+            <p:seq concurrent="1" nextAc="seek">
+              <p:cTn id="2" dur="indefinite" nodeType="mainSeq">
+                <p:childTnLst>
+                  <p:par>
+                    <p:cTn id="3" fill="hold">
+                      <p:stCondLst>
+                        <p:cond delay="indefinite"/>
+                      </p:stCondLst>
+                      <p:childTnLst>
+                        <p:par>
+                          <p:cTn id="4" fill="hold">
+                            <p:stCondLst>
+                              <p:cond delay="0"/>
+                            </p:stCondLst>
+                            <p:childTnLst>
+                              <p:par>
+                                <p:cTn id="5" presetID="1" presetClass="entr" presetSubtype="0" fill="hold" grpId="0" nodeType="clickEffect">
+                                  <p:stCondLst>
+                                    <p:cond delay="0"/>
+                                  </p:stCondLst>
+                                  <p:childTnLst>
+                                    <p:set>
+                                      <p:cBhvr>
+                                        <p:cTn id="6" dur="1" fill="hold">
+                                          <p:stCondLst>
+                                            <p:cond delay="0"/>
+                                          </p:stCondLst>
+                                        </p:cTn>
+                                        <p:tgtEl>
+                                          <p:spTgt spid="6"/>
+                                        </p:tgtEl>
+                                        <p:attrNameLst>
+                                          <p:attrName>style.visibility</p:attrName>
+                                        </p:attrNameLst>
+                                      </p:cBhvr>
+                                      <p:to>
+                                        <p:strVal val="visible"/>
+                                      </p:to>
+                                    </p:set>
+                                  </p:childTnLst>
+                                </p:cTn>
+                              </p:par>
+                            </p:childTnLst>
+                          </p:cTn>
+                        </p:par>
+                      </p:childTnLst>
+                    </p:cTn>
+                  </p:par>
+                  <p:par>
+                    <p:cTn id="7" fill="hold">
+                      <p:stCondLst>
+                        <p:cond delay="indefinite"/>
+                      </p:stCondLst>
+                      <p:childTnLst>
+                        <p:par>
+                          <p:cTn id="8" fill="hold">
+                            <p:stCondLst>
+                              <p:cond delay="0"/>
+                            </p:stCondLst>
+                            <p:childTnLst>
+                              <p:par>
+                                <p:cTn id="9" presetID="1" presetClass="entr" presetSubtype="0" fill="hold" nodeType="clickEffect">
+                                  <p:stCondLst>
+                                    <p:cond delay="0"/>
+                                  </p:stCondLst>
+                                  <p:childTnLst>
+                                    <p:set>
+                                      <p:cBhvr>
+                                        <p:cTn id="10" dur="1" fill="hold">
+                                          <p:stCondLst>
+                                            <p:cond delay="0"/>
+                                          </p:stCondLst>
+                                        </p:cTn>
+                                        <p:tgtEl>
+                                          <p:spTgt spid="11"/>
+                                        </p:tgtEl>
+                                        <p:attrNameLst>
+                                          <p:attrName>style.visibility</p:attrName>
+                                        </p:attrNameLst>
+                                      </p:cBhvr>
+                                      <p:to>
+                                        <p:strVal val="visible"/>
+                                      </p:to>
+                                    </p:set>
+                                  </p:childTnLst>
+                                </p:cTn>
+                              </p:par>
+                            </p:childTnLst>
+                          </p:cTn>
+                        </p:par>
+                      </p:childTnLst>
+                    </p:cTn>
+                  </p:par>
+                </p:childTnLst>
+              </p:cTn>
+              <p:prevCondLst>
+                <p:cond evt="onPrev" delay="0">
+                  <p:tgtEl>
+                    <p:sldTgt/>
+                  </p:tgtEl>
+                </p:cond>
+              </p:prevCondLst>
+              <p:nextCondLst>
+                <p:cond evt="onNext" delay="0">
+                  <p:tgtEl>
+                    <p:sldTgt/>
+                  </p:tgtEl>
+                </p:cond>
+              </p:nextCondLst>
+            </p:seq>
+          </p:childTnLst>
+        </p:cTn>
+      </p:par>
+    </p:tnLst>
+    <p:bldLst>
+      <p:bldP spid="6" grpId="0"/>
+    </p:bldLst>
+  </p:timing>
+</p:sld>
+</file>
+
+<file path=ppt/slides/slide9.xml><?xml version="1.0" encoding="utf-8"?>
+<p:sld xmlns:a="http://schemas.openxmlformats.org/drawingml/2006/main" xmlns:r="http://schemas.openxmlformats.org/officeDocument/2006/relationships" xmlns:p="http://schemas.openxmlformats.org/presentationml/2006/main">
+  <p:cSld>
+    <p:spTree>
+      <p:nvGrpSpPr>
+        <p:cNvPr id="1" name=""/>
+        <p:cNvGrpSpPr/>
+        <p:nvPr/>
+      </p:nvGrpSpPr>
+      <p:grpSpPr>
+        <a:xfrm>
+          <a:off x="0" y="0"/>
+          <a:ext cx="0" cy="0"/>
+          <a:chOff x="0" y="0"/>
+          <a:chExt cx="0" cy="0"/>
+        </a:xfrm>
+      </p:grpSpPr>
+      <p:sp>
+        <p:nvSpPr>
+          <p:cNvPr id="3" name="标题 2"/>
+          <p:cNvSpPr>
+            <a:spLocks noGrp="1"/>
+          </p:cNvSpPr>
+          <p:nvPr>
+            <p:ph type="title"/>
+          </p:nvPr>
+        </p:nvSpPr>
+        <p:spPr/>
+        <p:txBody>
+          <a:bodyPr/>
+          <a:lstStyle/>
+          <a:p>
+            <a:r>
+              <a:rPr lang="zh-CN" altLang="en-US" dirty="0">
+                <a:sym typeface="+mn-ea"/>
+              </a:rPr>
+              <a:t>主问题：	如何加快</a:t>
+            </a:r>
+            <a:r>
+              <a:rPr lang="zh-CN" altLang="en-US" dirty="0"/>
+              <a:t>单分类的训练速度？</a:t>
+            </a:r>
+            <a:endParaRPr dirty="0">
+              <a:sym typeface="+mn-ea"/>
+            </a:endParaRPr>
+          </a:p>
+        </p:txBody>
+      </p:sp>
+      <p:sp>
+        <p:nvSpPr>
+          <p:cNvPr id="6" name="文本占位符 1">
+            <a:extLst>
+              <a:ext uri="{FF2B5EF4-FFF2-40B4-BE49-F238E27FC236}">
+                <a16:creationId xmlns:a16="http://schemas.microsoft.com/office/drawing/2014/main" id="{BA88068A-4FDC-6963-46A5-ADEC46CDA15E}"/>
+              </a:ext>
+            </a:extLst>
+          </p:cNvPr>
+          <p:cNvSpPr txBox="1">
+            <a:spLocks/>
+          </p:cNvSpPr>
+          <p:nvPr/>
+        </p:nvSpPr>
+        <p:spPr>
+          <a:xfrm>
+            <a:off x="822325" y="1778635"/>
+            <a:ext cx="10852150" cy="4553585"/>
+          </a:xfrm>
+        </p:spPr>
+        <p:txBody>
+          <a:bodyPr lIns="101600" tIns="38100" rIns="76200" bIns="38100">
+            <a:noAutofit/>
+          </a:bodyPr>
+          <a:lstStyle>
+            <a:lvl1pPr marL="0" indent="0" algn="l" defTabSz="914400" rtl="0" eaLnBrk="1" fontAlgn="auto" latinLnBrk="0" hangingPunct="1">
+              <a:lnSpc>
+                <a:spcPct val="130000"/>
+              </a:lnSpc>
+              <a:spcBef>
+                <a:spcPts val="0"/>
+              </a:spcBef>
+              <a:spcAft>
+                <a:spcPts val="1000"/>
+              </a:spcAft>
+              <a:buFont typeface="Arial" panose="020B0604020202020204" pitchFamily="34" charset="0"/>
+              <a:buNone/>
+              <a:defRPr kumimoji="0" lang="zh-CN" altLang="en-US" sz="1600" b="0" i="0" u="none" strike="noStrike" kern="1200" cap="none" spc="150" normalizeH="0" baseline="0" noProof="1">
+                <a:solidFill>
+                  <a:schemeClr val="tx1"/>
+                </a:solidFill>
+                <a:uFillTx/>
+                <a:latin typeface="+mn-lt"/>
+                <a:ea typeface="+mn-ea"/>
+                <a:cs typeface="+mn-cs"/>
+                <a:sym typeface="+mn-ea"/>
+              </a:defRPr>
+            </a:lvl1pPr>
+            <a:lvl2pPr marL="457200" indent="0" algn="l" defTabSz="914400" rtl="0" eaLnBrk="1" fontAlgn="auto" latinLnBrk="0" hangingPunct="1">
+              <a:lnSpc>
+                <a:spcPct val="130000"/>
+              </a:lnSpc>
+              <a:spcBef>
+                <a:spcPts val="0"/>
+              </a:spcBef>
+              <a:spcAft>
+                <a:spcPts val="1000"/>
+              </a:spcAft>
+              <a:buFont typeface="Arial" panose="020B0604020202020204" pitchFamily="34" charset="0"/>
+              <a:buNone/>
+              <a:tabLst>
+                <a:tab pos="1609725" algn="l"/>
+              </a:tabLst>
+              <a:defRPr sz="2000" u="none" strike="noStrike" kern="1200" cap="none" spc="150" normalizeH="0" baseline="0">
+                <a:solidFill>
+                  <a:schemeClr val="tx1">
+                    <a:tint val="75000"/>
+                  </a:schemeClr>
+                </a:solidFill>
+                <a:uFillTx/>
+                <a:latin typeface="+mn-lt"/>
+                <a:ea typeface="+mn-ea"/>
+                <a:cs typeface="+mn-cs"/>
+              </a:defRPr>
+            </a:lvl2pPr>
+            <a:lvl3pPr marL="914400" indent="0" algn="l" defTabSz="914400" rtl="0" eaLnBrk="1" fontAlgn="auto" latinLnBrk="0" hangingPunct="1">
+              <a:lnSpc>
+                <a:spcPct val="130000"/>
+              </a:lnSpc>
+              <a:spcBef>
+                <a:spcPts val="0"/>
+              </a:spcBef>
+              <a:spcAft>
+                <a:spcPts val="1000"/>
+              </a:spcAft>
+              <a:buFont typeface="Arial" panose="020B0604020202020204" pitchFamily="34" charset="0"/>
+              <a:buNone/>
+              <a:defRPr sz="1800" u="none" strike="noStrike" kern="1200" cap="none" spc="150" normalizeH="0" baseline="0">
+                <a:solidFill>
+                  <a:schemeClr val="tx1">
+                    <a:tint val="75000"/>
+                  </a:schemeClr>
+                </a:solidFill>
+                <a:uFillTx/>
+                <a:latin typeface="+mn-lt"/>
+                <a:ea typeface="+mn-ea"/>
+                <a:cs typeface="+mn-cs"/>
+              </a:defRPr>
+            </a:lvl3pPr>
+            <a:lvl4pPr marL="1371600" indent="0" algn="l" defTabSz="914400" rtl="0" eaLnBrk="1" fontAlgn="auto" latinLnBrk="0" hangingPunct="1">
+              <a:lnSpc>
+                <a:spcPct val="130000"/>
+              </a:lnSpc>
+              <a:spcBef>
+                <a:spcPts val="0"/>
+              </a:spcBef>
+              <a:spcAft>
+                <a:spcPts val="1000"/>
+              </a:spcAft>
+              <a:buFont typeface="Arial" panose="020B0604020202020204" pitchFamily="34" charset="0"/>
+              <a:buNone/>
+              <a:defRPr sz="1600" u="none" strike="noStrike" kern="1200" cap="none" spc="150" normalizeH="0" baseline="0">
+                <a:solidFill>
+                  <a:schemeClr val="tx1">
+                    <a:tint val="75000"/>
+                  </a:schemeClr>
+                </a:solidFill>
+                <a:uFillTx/>
+                <a:latin typeface="+mn-lt"/>
+                <a:ea typeface="+mn-ea"/>
+                <a:cs typeface="+mn-cs"/>
+              </a:defRPr>
+            </a:lvl4pPr>
+            <a:lvl5pPr marL="1828800" indent="0" algn="l" defTabSz="914400" rtl="0" eaLnBrk="1" fontAlgn="auto" latinLnBrk="0" hangingPunct="1">
+              <a:lnSpc>
+                <a:spcPct val="130000"/>
+              </a:lnSpc>
+              <a:spcBef>
+                <a:spcPts val="0"/>
+              </a:spcBef>
+              <a:spcAft>
+                <a:spcPts val="1000"/>
+              </a:spcAft>
+              <a:buFont typeface="Arial" panose="020B0604020202020204" pitchFamily="34" charset="0"/>
+              <a:buNone/>
+              <a:defRPr sz="1600" u="none" strike="noStrike" kern="1200" cap="none" spc="150" normalizeH="0" baseline="0">
+                <a:solidFill>
+                  <a:schemeClr val="tx1">
+                    <a:tint val="75000"/>
+                  </a:schemeClr>
+                </a:solidFill>
+                <a:uFillTx/>
+                <a:latin typeface="+mn-lt"/>
+                <a:ea typeface="+mn-ea"/>
+                <a:cs typeface="+mn-cs"/>
+              </a:defRPr>
+            </a:lvl5pPr>
+            <a:lvl6pPr marL="2286000" indent="0" algn="l" defTabSz="914400" rtl="0" eaLnBrk="1" latinLnBrk="0" hangingPunct="1">
+              <a:lnSpc>
+                <a:spcPct val="90000"/>
+              </a:lnSpc>
+              <a:spcBef>
+                <a:spcPts val="500"/>
+              </a:spcBef>
+              <a:buFont typeface="Arial" panose="020B0604020202020204" pitchFamily="34" charset="0"/>
+              <a:buNone/>
+              <a:defRPr sz="1600" kern="1200">
+                <a:solidFill>
+                  <a:schemeClr val="tx1">
+                    <a:tint val="75000"/>
+                  </a:schemeClr>
+                </a:solidFill>
+                <a:latin typeface="+mn-lt"/>
+                <a:ea typeface="+mn-ea"/>
+                <a:cs typeface="+mn-cs"/>
+              </a:defRPr>
+            </a:lvl6pPr>
+            <a:lvl7pPr marL="2743200" indent="0" algn="l" defTabSz="914400" rtl="0" eaLnBrk="1" latinLnBrk="0" hangingPunct="1">
+              <a:lnSpc>
+                <a:spcPct val="90000"/>
+              </a:lnSpc>
+              <a:spcBef>
+                <a:spcPts val="500"/>
+              </a:spcBef>
+              <a:buFont typeface="Arial" panose="020B0604020202020204" pitchFamily="34" charset="0"/>
+              <a:buNone/>
+              <a:defRPr sz="1600" kern="1200">
+                <a:solidFill>
+                  <a:schemeClr val="tx1">
+                    <a:tint val="75000"/>
+                  </a:schemeClr>
+                </a:solidFill>
+                <a:latin typeface="+mn-lt"/>
+                <a:ea typeface="+mn-ea"/>
+                <a:cs typeface="+mn-cs"/>
+              </a:defRPr>
+            </a:lvl7pPr>
+            <a:lvl8pPr marL="3200400" indent="0" algn="l" defTabSz="914400" rtl="0" eaLnBrk="1" latinLnBrk="0" hangingPunct="1">
+              <a:lnSpc>
+                <a:spcPct val="90000"/>
+              </a:lnSpc>
+              <a:spcBef>
+                <a:spcPts val="500"/>
+              </a:spcBef>
+              <a:buFont typeface="Arial" panose="020B0604020202020204" pitchFamily="34" charset="0"/>
+              <a:buNone/>
+              <a:defRPr sz="1600" kern="1200">
+                <a:solidFill>
+                  <a:schemeClr val="tx1">
+                    <a:tint val="75000"/>
+                  </a:schemeClr>
+                </a:solidFill>
+                <a:latin typeface="+mn-lt"/>
+                <a:ea typeface="+mn-ea"/>
+                <a:cs typeface="+mn-cs"/>
+              </a:defRPr>
+            </a:lvl8pPr>
+            <a:lvl9pPr marL="3657600" indent="0" algn="l" defTabSz="914400" rtl="0" eaLnBrk="1" latinLnBrk="0" hangingPunct="1">
+              <a:lnSpc>
+                <a:spcPct val="90000"/>
+              </a:lnSpc>
+              <a:spcBef>
+                <a:spcPts val="500"/>
+              </a:spcBef>
+              <a:buFont typeface="Arial" panose="020B0604020202020204" pitchFamily="34" charset="0"/>
+              <a:buNone/>
+              <a:defRPr sz="1600" kern="1200">
+                <a:solidFill>
+                  <a:schemeClr val="tx1">
+                    <a:tint val="75000"/>
+                  </a:schemeClr>
+                </a:solidFill>
+                <a:latin typeface="+mn-lt"/>
+                <a:ea typeface="+mn-ea"/>
+                <a:cs typeface="+mn-cs"/>
+              </a:defRPr>
+            </a:lvl9pPr>
+          </a:lstStyle>
+          <a:p>
+            <a:pPr marL="285750" indent="-285750">
+              <a:buFont typeface="Arial" panose="020B0604020202020204" pitchFamily="34" charset="0"/>
+              <a:buChar char="•"/>
+            </a:pPr>
+            <a:r>
+              <a:rPr lang="zh-CN" altLang="en-US" dirty="0"/>
+              <a:t>所以现在</a:t>
+            </a:r>
+            <a:r>
+              <a:rPr lang="en-US" altLang="zh-CN" dirty="0"/>
+              <a:t>loss</a:t>
+            </a:r>
+            <a:r>
+              <a:rPr lang="zh-CN" altLang="en-US" dirty="0"/>
+              <a:t>的大小和梯度的大小的关系是什么？</a:t>
+            </a:r>
+            <a:endParaRPr lang="en-US" altLang="zh-CN" dirty="0"/>
+          </a:p>
+          <a:p>
+            <a:pPr marL="285750" indent="-285750">
+              <a:buFont typeface="Arial" panose="020B0604020202020204" pitchFamily="34" charset="0"/>
+              <a:buChar char="•"/>
+            </a:pPr>
+            <a:r>
+              <a:rPr lang="zh-CN" altLang="en-US" dirty="0"/>
+              <a:t>希望它们的关系是什么，才能尽快收敛？</a:t>
+            </a:r>
+            <a:endParaRPr lang="en-US" altLang="zh-CN" dirty="0"/>
+          </a:p>
+          <a:p>
+            <a:pPr marL="285750" indent="-285750">
+              <a:buFont typeface="Arial" panose="020B0604020202020204" pitchFamily="34" charset="0"/>
+              <a:buChar char="•"/>
+            </a:pPr>
+            <a:r>
+              <a:rPr lang="zh-CN" altLang="en-US" dirty="0"/>
+              <a:t>误差项的大小和梯度的大小的关系是什么？</a:t>
+            </a:r>
+            <a:endParaRPr lang="en-US" altLang="zh-CN" dirty="0"/>
+          </a:p>
+          <a:p>
+            <a:pPr marL="285750" indent="-285750">
+              <a:buFont typeface="Arial" panose="020B0604020202020204" pitchFamily="34" charset="0"/>
+              <a:buChar char="•"/>
+            </a:pPr>
+            <a:r>
+              <a:rPr lang="zh-CN" altLang="en-US" dirty="0"/>
+              <a:t>请思考误差项的公式是什么样的，才能满足</a:t>
+            </a:r>
+            <a:r>
+              <a:rPr lang="en-US" altLang="zh-CN" dirty="0"/>
+              <a:t>loss</a:t>
+            </a:r>
+            <a:r>
+              <a:rPr lang="zh-CN" altLang="en-US" dirty="0"/>
+              <a:t>越大误差项就越大（也就是梯度越大），</a:t>
+            </a:r>
+            <a:r>
+              <a:rPr lang="en-US" altLang="zh-CN" dirty="0"/>
+              <a:t>loss</a:t>
+            </a:r>
+            <a:r>
+              <a:rPr lang="zh-CN" altLang="en-US" dirty="0"/>
+              <a:t>越小误差项就越小（也就是梯度越小）？</a:t>
+            </a:r>
+            <a:endParaRPr lang="en-US" altLang="zh-CN" dirty="0"/>
+          </a:p>
+          <a:p>
+            <a:pPr marL="285750" indent="-285750">
+              <a:buFont typeface="Arial" panose="020B0604020202020204" pitchFamily="34" charset="0"/>
+              <a:buChar char="•"/>
+            </a:pPr>
+            <a:r>
+              <a:rPr lang="zh-CN" altLang="en-US" dirty="0">
+                <a:solidFill>
+                  <a:schemeClr val="bg2"/>
+                </a:solidFill>
+              </a:rPr>
+              <a:t>根据误差项的公式，在激活函数不变的情况下（从而激活函数的导数也不变），另一项应该是多少？</a:t>
+            </a:r>
+            <a:endParaRPr lang="en-US" altLang="zh-CN" dirty="0">
+              <a:solidFill>
+                <a:schemeClr val="bg2"/>
+              </a:solidFill>
+            </a:endParaRPr>
+          </a:p>
+          <a:p>
+            <a:pPr marL="285750" indent="-285750">
+              <a:buFont typeface="Arial" panose="020B0604020202020204" pitchFamily="34" charset="0"/>
+              <a:buChar char="•"/>
+            </a:pPr>
+            <a:r>
+              <a:rPr lang="zh-CN" altLang="en-US" dirty="0"/>
+              <a:t>所以我们使用新的损失函数：交叉熵损失函数，它能使误差项成为该公式</a:t>
+            </a:r>
+            <a:endParaRPr lang="en-US" altLang="zh-CN" dirty="0"/>
+          </a:p>
+          <a:p>
+            <a:endParaRPr lang="en-US" altLang="zh-CN" dirty="0"/>
+          </a:p>
+          <a:p>
+            <a:endParaRPr lang="en-US" altLang="zh-CN" dirty="0"/>
+          </a:p>
+          <a:p>
+            <a:pPr marL="285750" indent="-285750">
+              <a:buFont typeface="Arial" panose="020B0604020202020204" pitchFamily="34" charset="0"/>
+              <a:buChar char="•"/>
+            </a:pPr>
+            <a:r>
+              <a:rPr lang="zh-CN" altLang="en-US" dirty="0"/>
+              <a:t>自学、展学</a:t>
+            </a:r>
+          </a:p>
+          <a:p>
+            <a:pPr marL="285750" indent="-285750">
+              <a:buFont typeface="Arial" panose="020B0604020202020204" pitchFamily="34" charset="0"/>
+              <a:buChar char="•"/>
+            </a:pPr>
+            <a:endParaRPr lang="zh-CN" altLang="en-US" dirty="0"/>
+          </a:p>
+          <a:p>
+            <a:pPr marL="285750" indent="-285750">
+              <a:buFont typeface="Arial" panose="020B0604020202020204" pitchFamily="34" charset="0"/>
+              <a:buChar char="•"/>
+            </a:pPr>
+            <a:endParaRPr lang="en-US" altLang="zh-CN" dirty="0"/>
+          </a:p>
+          <a:p>
+            <a:pPr marL="285750" indent="-285750">
+              <a:buFont typeface="Arial" panose="020B0604020202020204" pitchFamily="34" charset="0"/>
+              <a:buChar char="•"/>
+            </a:pPr>
+            <a:endParaRPr lang="zh-CN" altLang="en-US" dirty="0"/>
+          </a:p>
+          <a:p>
+            <a:pPr marL="285750" indent="-285750">
+              <a:buFont typeface="Arial" panose="020B0604020202020204" pitchFamily="34" charset="0"/>
+              <a:buChar char="•"/>
+            </a:pPr>
+            <a:endParaRPr lang="zh-CN" altLang="en-US" dirty="0"/>
+          </a:p>
+          <a:p>
+            <a:pPr marL="285750" indent="-285750">
+              <a:buFont typeface="Arial" panose="020B0604020202020204" pitchFamily="34" charset="0"/>
+              <a:buChar char="•"/>
+            </a:pPr>
+            <a:endParaRPr lang="zh-CN" altLang="en-US" dirty="0"/>
+          </a:p>
+          <a:p>
+            <a:pPr marL="285750" indent="-285750">
+              <a:buFont typeface="Arial" panose="020B0604020202020204" pitchFamily="34" charset="0"/>
+              <a:buChar char="•"/>
+            </a:pPr>
+            <a:endParaRPr lang="zh-CN" altLang="en-US" dirty="0"/>
+          </a:p>
+          <a:p>
+            <a:pPr marL="285750" indent="-285750">
+              <a:buFont typeface="Arial" panose="020B0604020202020204" pitchFamily="34" charset="0"/>
+              <a:buChar char="•"/>
+            </a:pPr>
+            <a:endParaRPr lang="zh-CN" altLang="en-US" dirty="0"/>
+          </a:p>
+          <a:p>
+            <a:pPr marL="285750" indent="-285750">
+              <a:buFont typeface="Arial" panose="020B0604020202020204" pitchFamily="34" charset="0"/>
+              <a:buChar char="•"/>
+            </a:pPr>
+            <a:endParaRPr lang="zh-CN" altLang="en-US" dirty="0"/>
+          </a:p>
+          <a:p>
+            <a:pPr marL="285750" indent="-285750">
+              <a:buFont typeface="Arial" panose="020B0604020202020204" pitchFamily="34" charset="0"/>
+              <a:buChar char="•"/>
+            </a:pPr>
+            <a:endParaRPr lang="zh-CN" altLang="en-US" dirty="0"/>
+          </a:p>
+        </p:txBody>
+      </p:sp>
+      <p:pic>
+        <p:nvPicPr>
+          <p:cNvPr id="4" name="图片 3">
+            <a:extLst>
+              <a:ext uri="{FF2B5EF4-FFF2-40B4-BE49-F238E27FC236}">
+                <a16:creationId xmlns:a16="http://schemas.microsoft.com/office/drawing/2014/main" id="{30F07015-2F03-094A-696A-5D50BFACB80D}"/>
+              </a:ext>
+            </a:extLst>
+          </p:cNvPr>
+          <p:cNvPicPr>
+            <a:picLocks noChangeAspect="1"/>
+          </p:cNvPicPr>
+          <p:nvPr/>
+        </p:nvPicPr>
+        <p:blipFill>
+          <a:blip r:embed="rId3">
+            <a:extLst>
+              <a:ext uri="{28A0092B-C50C-407E-A947-70E740481C1C}">
+                <a14:useLocalDpi xmlns:a14="http://schemas.microsoft.com/office/drawing/2010/main" val="0"/>
+              </a:ext>
+            </a:extLst>
+          </a:blip>
+          <a:stretch>
+            <a:fillRect/>
+          </a:stretch>
+        </p:blipFill>
+        <p:spPr>
+          <a:xfrm>
+            <a:off x="9745182" y="2072273"/>
+            <a:ext cx="1624493" cy="443961"/>
+          </a:xfrm>
+          <a:prstGeom prst="rect">
+            <a:avLst/>
+          </a:prstGeom>
+        </p:spPr>
+      </p:pic>
+    </p:spTree>
+    <p:custDataLst>
+      <p:tags r:id="rId1"/>
+    </p:custDataLst>
+    <p:extLst>
+      <p:ext uri="{BB962C8B-B14F-4D97-AF65-F5344CB8AC3E}">
+        <p14:creationId xmlns:p14="http://schemas.microsoft.com/office/powerpoint/2010/main" val="3884151446"/>
       </p:ext>
     </p:extLst>
   </p:cSld>
@@ -15182,24 +15518,6 @@
 </file>
 
 <file path=ppt/tags/tag100.xml><?xml version="1.0" encoding="utf-8"?>
-<p:tagLst xmlns:a="http://schemas.openxmlformats.org/drawingml/2006/main" xmlns:r="http://schemas.openxmlformats.org/officeDocument/2006/relationships" xmlns:p="http://schemas.openxmlformats.org/presentationml/2006/main">
-  <p:tag name="KSO_WM_BEAUTIFY_FLAG" val="#wm#"/>
-  <p:tag name="KSO_WM_TEMPLATE_CATEGORY" val="custom"/>
-  <p:tag name="KSO_WM_TEMPLATE_INDEX" val="20187308"/>
-  <p:tag name="KSO_WM_SPECIAL_SOURCE" val="bdnull"/>
-</p:tagLst>
-</file>
-
-<file path=ppt/tags/tag101.xml><?xml version="1.0" encoding="utf-8"?>
-<p:tagLst xmlns:a="http://schemas.openxmlformats.org/drawingml/2006/main" xmlns:r="http://schemas.openxmlformats.org/officeDocument/2006/relationships" xmlns:p="http://schemas.openxmlformats.org/presentationml/2006/main">
-  <p:tag name="KSO_WM_BEAUTIFY_FLAG" val="#wm#"/>
-  <p:tag name="KSO_WM_TEMPLATE_CATEGORY" val="custom"/>
-  <p:tag name="KSO_WM_TEMPLATE_INDEX" val="20187308"/>
-  <p:tag name="KSO_WM_SPECIAL_SOURCE" val="bdnull"/>
-</p:tagLst>
-</file>
-
-<file path=ppt/tags/tag102.xml><?xml version="1.0" encoding="utf-8"?>
 <p:tagLst xmlns:a="http://schemas.openxmlformats.org/drawingml/2006/main" xmlns:r="http://schemas.openxmlformats.org/officeDocument/2006/relationships" xmlns:p="http://schemas.openxmlformats.org/presentationml/2006/main">
   <p:tag name="KSO_WM_BEAUTIFY_FLAG" val="#wm#"/>
   <p:tag name="KSO_WM_TEMPLATE_CATEGORY" val="custom"/>

--- a/lessons/6_softmax/ppt/使用交叉熵损失函数和Softmax激活函数.pptx
+++ b/lessons/6_softmax/ppt/使用交叉熵损失函数和Softmax激活函数.pptx
@@ -239,7 +239,7 @@
                 <a:latin typeface="微软雅黑" panose="020B0503020204020204" charset="-122"/>
                 <a:ea typeface="微软雅黑" panose="020B0503020204020204" charset="-122"/>
               </a:rPr>
-              <a:t>2022/11/9</a:t>
+              <a:t>2022/11/11</a:t>
             </a:fld>
             <a:endParaRPr lang="zh-CN" altLang="en-US">
               <a:latin typeface="微软雅黑" panose="020B0503020204020204" charset="-122"/>
@@ -422,7 +422,7 @@
           <a:p>
             <a:fld id="{1AC49D05-6128-4D0D-A32A-06A5E73B386C}" type="datetimeFigureOut">
               <a:rPr lang="zh-CN" altLang="en-US" smtClean="0"/>
-              <a:t>2022/11/9</a:t>
+              <a:t>2022/11/11</a:t>
             </a:fld>
             <a:endParaRPr lang="zh-CN" altLang="en-US"/>
           </a:p>
@@ -1084,7 +1084,7 @@
           <a:p>
             <a:fld id="{9EFD9D74-47D9-4702-A33C-335B63B48DBF}" type="datetimeFigureOut">
               <a:rPr lang="zh-CN" altLang="en-US" smtClean="0"/>
-              <a:t>2022/11/9</a:t>
+              <a:t>2022/11/11</a:t>
             </a:fld>
             <a:endParaRPr lang="zh-CN" altLang="en-US" dirty="0"/>
           </a:p>
@@ -1417,7 +1417,7 @@
           <a:p>
             <a:fld id="{760FBDFE-C587-4B4C-A407-44438C67B59E}" type="datetimeFigureOut">
               <a:rPr lang="zh-CN" altLang="en-US" smtClean="0"/>
-              <a:t>2022/11/9</a:t>
+              <a:t>2022/11/11</a:t>
             </a:fld>
             <a:endParaRPr lang="zh-CN" altLang="en-US"/>
           </a:p>
@@ -1590,7 +1590,7 @@
           <a:p>
             <a:fld id="{9EFD9D74-47D9-4702-A33C-335B63B48DBF}" type="datetimeFigureOut">
               <a:rPr lang="zh-CN" altLang="en-US" smtClean="0"/>
-              <a:t>2022/11/9</a:t>
+              <a:t>2022/11/11</a:t>
             </a:fld>
             <a:endParaRPr lang="zh-CN" altLang="en-US" dirty="0"/>
           </a:p>
@@ -2115,7 +2115,7 @@
           <a:p>
             <a:fld id="{760FBDFE-C587-4B4C-A407-44438C67B59E}" type="datetimeFigureOut">
               <a:rPr lang="zh-CN" altLang="en-US" smtClean="0"/>
-              <a:t>2022/11/9</a:t>
+              <a:t>2022/11/11</a:t>
             </a:fld>
             <a:endParaRPr lang="zh-CN" altLang="en-US"/>
           </a:p>
@@ -2863,7 +2863,7 @@
           <a:p>
             <a:fld id="{760FBDFE-C587-4B4C-A407-44438C67B59E}" type="datetimeFigureOut">
               <a:rPr lang="zh-CN" altLang="en-US" smtClean="0"/>
-              <a:t>2022/11/9</a:t>
+              <a:t>2022/11/11</a:t>
             </a:fld>
             <a:endParaRPr lang="zh-CN" altLang="en-US"/>
           </a:p>
@@ -3029,7 +3029,7 @@
           <a:p>
             <a:fld id="{760FBDFE-C587-4B4C-A407-44438C67B59E}" type="datetimeFigureOut">
               <a:rPr lang="zh-CN" altLang="en-US" smtClean="0"/>
-              <a:t>2022/11/9</a:t>
+              <a:t>2022/11/11</a:t>
             </a:fld>
             <a:endParaRPr lang="zh-CN" altLang="en-US"/>
           </a:p>
@@ -3143,7 +3143,7 @@
           <a:p>
             <a:fld id="{760FBDFE-C587-4B4C-A407-44438C67B59E}" type="datetimeFigureOut">
               <a:rPr lang="zh-CN" altLang="en-US" smtClean="0"/>
-              <a:t>2022/11/9</a:t>
+              <a:t>2022/11/11</a:t>
             </a:fld>
             <a:endParaRPr lang="zh-CN" altLang="en-US"/>
           </a:p>
@@ -3473,7 +3473,7 @@
           <a:p>
             <a:fld id="{9EFD9D74-47D9-4702-A33C-335B63B48DBF}" type="datetimeFigureOut">
               <a:rPr lang="zh-CN" altLang="en-US" smtClean="0"/>
-              <a:t>2022/11/9</a:t>
+              <a:t>2022/11/11</a:t>
             </a:fld>
             <a:endParaRPr lang="zh-CN" altLang="en-US" dirty="0"/>
           </a:p>
@@ -3986,7 +3986,7 @@
           <a:p>
             <a:fld id="{760FBDFE-C587-4B4C-A407-44438C67B59E}" type="datetimeFigureOut">
               <a:rPr lang="zh-CN" altLang="en-US" smtClean="0"/>
-              <a:t>2022/11/9</a:t>
+              <a:t>2022/11/11</a:t>
             </a:fld>
             <a:endParaRPr lang="zh-CN" altLang="en-US"/>
           </a:p>
@@ -4100,7 +4100,7 @@
           <a:p>
             <a:fld id="{760FBDFE-C587-4B4C-A407-44438C67B59E}" type="datetimeFigureOut">
               <a:rPr lang="zh-CN" altLang="en-US" smtClean="0"/>
-              <a:t>2022/11/9</a:t>
+              <a:t>2022/11/11</a:t>
             </a:fld>
             <a:endParaRPr lang="zh-CN" altLang="en-US"/>
           </a:p>
@@ -4388,7 +4388,7 @@
           <a:p>
             <a:fld id="{82F288E0-7875-42C4-84C8-98DBBD3BF4D2}" type="datetimeFigureOut">
               <a:rPr lang="zh-CN" altLang="en-US" smtClean="0"/>
-              <a:t>2022/11/9</a:t>
+              <a:t>2022/11/11</a:t>
             </a:fld>
             <a:endParaRPr lang="zh-CN" altLang="en-US"/>
           </a:p>
@@ -4847,7 +4847,7 @@
           <a:p>
             <a:fld id="{760FBDFE-C587-4B4C-A407-44438C67B59E}" type="datetimeFigureOut">
               <a:rPr lang="zh-CN" altLang="en-US" smtClean="0"/>
-              <a:t>2022/11/9</a:t>
+              <a:t>2022/11/11</a:t>
             </a:fld>
             <a:endParaRPr lang="zh-CN" altLang="en-US"/>
           </a:p>
@@ -5516,7 +5516,7 @@
           <a:p>
             <a:fld id="{9EFD9D74-47D9-4702-A33C-335B63B48DBF}" type="datetimeFigureOut">
               <a:rPr lang="zh-CN" altLang="en-US" smtClean="0"/>
-              <a:t>2022/11/9</a:t>
+              <a:t>2022/11/11</a:t>
             </a:fld>
             <a:endParaRPr lang="zh-CN" altLang="en-US" dirty="0"/>
           </a:p>
@@ -5664,7 +5664,7 @@
           <a:p>
             <a:fld id="{9EFD9D74-47D9-4702-A33C-335B63B48DBF}" type="datetimeFigureOut">
               <a:rPr lang="zh-CN" altLang="en-US" smtClean="0"/>
-              <a:t>2022/11/9</a:t>
+              <a:t>2022/11/11</a:t>
             </a:fld>
             <a:endParaRPr lang="zh-CN" altLang="en-US" dirty="0"/>
           </a:p>
@@ -8896,8 +8896,8 @@
           </a:prstGeom>
         </p:spPr>
       </p:pic>
-      <mc:AlternateContent xmlns:mc="http://schemas.openxmlformats.org/markup-compatibility/2006">
-        <mc:Choice xmlns:a14="http://schemas.microsoft.com/office/drawing/2010/main" Requires="a14">
+      <mc:AlternateContent xmlns:mc="http://schemas.openxmlformats.org/markup-compatibility/2006" xmlns:a14="http://schemas.microsoft.com/office/drawing/2010/main">
+        <mc:Choice Requires="a14">
           <p:sp>
             <p:nvSpPr>
               <p:cNvPr id="5" name="文本框 4">
@@ -9037,7 +9037,7 @@
             </p:txBody>
           </p:sp>
         </mc:Choice>
-        <mc:Fallback>
+        <mc:Fallback xmlns="">
           <p:sp>
             <p:nvSpPr>
               <p:cNvPr id="5" name="文本框 4">
@@ -12163,6 +12163,17 @@
             </a:pPr>
             <a:r>
               <a:rPr lang="zh-CN" altLang="en-US" dirty="0"/>
+              <a:t>为什么需要将输出层的学习率变小？</a:t>
+            </a:r>
+            <a:endParaRPr lang="en-US" altLang="zh-CN" dirty="0"/>
+          </a:p>
+          <a:p>
+            <a:pPr marL="285750" indent="-285750">
+              <a:buFont typeface="Arial" panose="020B0604020202020204" pitchFamily="34" charset="0"/>
+              <a:buChar char="•"/>
+            </a:pPr>
+            <a:r>
+              <a:rPr lang="zh-CN" altLang="en-US" dirty="0"/>
               <a:t>为什么“输出层的学习率过大”会发生警告：隐藏层的输出过大？</a:t>
             </a:r>
             <a:br>
@@ -12181,6 +12192,27 @@
               <a:buFont typeface="Arial" panose="020B0604020202020204" pitchFamily="34" charset="0"/>
               <a:buChar char="•"/>
             </a:pPr>
+            <a:endParaRPr lang="en-US" altLang="zh-CN" dirty="0"/>
+          </a:p>
+          <a:p>
+            <a:pPr marL="285750" indent="-285750">
+              <a:buFont typeface="Arial" panose="020B0604020202020204" pitchFamily="34" charset="0"/>
+              <a:buChar char="•"/>
+            </a:pPr>
+            <a:endParaRPr lang="en-US" altLang="zh-CN" dirty="0"/>
+          </a:p>
+          <a:p>
+            <a:pPr marL="285750" indent="-285750">
+              <a:buFont typeface="Arial" panose="020B0604020202020204" pitchFamily="34" charset="0"/>
+              <a:buChar char="•"/>
+            </a:pPr>
+            <a:endParaRPr lang="en-US" altLang="zh-CN" dirty="0"/>
+          </a:p>
+          <a:p>
+            <a:pPr marL="285750" indent="-285750">
+              <a:buFont typeface="Arial" panose="020B0604020202020204" pitchFamily="34" charset="0"/>
+              <a:buChar char="•"/>
+            </a:pPr>
             <a:r>
               <a:rPr lang="zh-CN" altLang="en-US" dirty="0"/>
               <a:t>自学、展学</a:t>
@@ -12248,6 +12280,71 @@
               <a:buChar char="•"/>
             </a:pPr>
             <a:endParaRPr lang="zh-CN" altLang="en-US" dirty="0"/>
+          </a:p>
+        </p:txBody>
+      </p:sp>
+      <p:sp>
+        <p:nvSpPr>
+          <p:cNvPr id="2" name="文本框 1">
+            <a:extLst>
+              <a:ext uri="{FF2B5EF4-FFF2-40B4-BE49-F238E27FC236}">
+                <a16:creationId xmlns:a16="http://schemas.microsoft.com/office/drawing/2014/main" id="{C44CE5FF-F5B7-EE3A-4FA0-0237E0B59B4F}"/>
+              </a:ext>
+            </a:extLst>
+          </p:cNvPr>
+          <p:cNvSpPr txBox="1"/>
+          <p:nvPr/>
+        </p:nvSpPr>
+        <p:spPr>
+          <a:xfrm>
+            <a:off x="1051719" y="4383075"/>
+            <a:ext cx="11297705" cy="1200329"/>
+          </a:xfrm>
+          <a:prstGeom prst="rect">
+            <a:avLst/>
+          </a:prstGeom>
+          <a:noFill/>
+        </p:spPr>
+        <p:txBody>
+          <a:bodyPr wrap="square" rtlCol="0">
+            <a:spAutoFit/>
+          </a:bodyPr>
+          <a:lstStyle/>
+          <a:p>
+            <a:r>
+              <a:rPr kumimoji="1" lang="zh-CN" altLang="en-US" dirty="0"/>
+              <a:t>因为之前的输出层的激活函数是</a:t>
+            </a:r>
+            <a:r>
+              <a:rPr kumimoji="1" lang="en-US" altLang="zh-CN" dirty="0"/>
+              <a:t>sigmoid</a:t>
+            </a:r>
+            <a:r>
+              <a:rPr kumimoji="1" lang="zh-CN" altLang="en-US" dirty="0"/>
+              <a:t>，所以在求激活函数的导数时对加权和进行了缩小的处理，</a:t>
+            </a:r>
+            <a:endParaRPr kumimoji="1" lang="en-US" altLang="zh-CN" dirty="0"/>
+          </a:p>
+          <a:p>
+            <a:r>
+              <a:rPr kumimoji="1" lang="zh-CN" altLang="en-US" dirty="0"/>
+              <a:t>这样会导致输出层的误差项变小，从而导致输出层的梯度变小；</a:t>
+            </a:r>
+            <a:endParaRPr kumimoji="1" lang="en-US" altLang="zh-CN" dirty="0"/>
+          </a:p>
+          <a:p>
+            <a:r>
+              <a:rPr kumimoji="1" lang="zh-CN" altLang="en-US" dirty="0"/>
+              <a:t>而现在激活函数换成</a:t>
+            </a:r>
+            <a:r>
+              <a:rPr kumimoji="1" lang="en-US" altLang="zh-CN" dirty="0" err="1"/>
+              <a:t>softmax</a:t>
+            </a:r>
+            <a:r>
+              <a:rPr kumimoji="1" lang="zh-CN" altLang="en-US" dirty="0"/>
+              <a:t>后，在求激活函数的导数时就没有对加权和进行缩小处理了，所以输出层的梯度就变大了，所以学习率就要对应地变小，从而使得梯度下降公式中的权重值的变化范围维持不变。</a:t>
+            </a:r>
           </a:p>
         </p:txBody>
       </p:sp>

--- a/lessons/6_softmax/ppt/使用交叉熵损失函数和Softmax激活函数.pptx
+++ b/lessons/6_softmax/ppt/使用交叉熵损失函数和Softmax激活函数.pptx
@@ -239,7 +239,7 @@
                 <a:latin typeface="微软雅黑" panose="020B0503020204020204" charset="-122"/>
                 <a:ea typeface="微软雅黑" panose="020B0503020204020204" charset="-122"/>
               </a:rPr>
-              <a:t>2022/11/11</a:t>
+              <a:t>2022/11/24</a:t>
             </a:fld>
             <a:endParaRPr lang="zh-CN" altLang="en-US">
               <a:latin typeface="微软雅黑" panose="020B0503020204020204" charset="-122"/>
@@ -422,7 +422,7 @@
           <a:p>
             <a:fld id="{1AC49D05-6128-4D0D-A32A-06A5E73B386C}" type="datetimeFigureOut">
               <a:rPr lang="zh-CN" altLang="en-US" smtClean="0"/>
-              <a:t>2022/11/11</a:t>
+              <a:t>2022/11/24</a:t>
             </a:fld>
             <a:endParaRPr lang="zh-CN" altLang="en-US"/>
           </a:p>
@@ -1084,7 +1084,7 @@
           <a:p>
             <a:fld id="{9EFD9D74-47D9-4702-A33C-335B63B48DBF}" type="datetimeFigureOut">
               <a:rPr lang="zh-CN" altLang="en-US" smtClean="0"/>
-              <a:t>2022/11/11</a:t>
+              <a:t>2022/11/24</a:t>
             </a:fld>
             <a:endParaRPr lang="zh-CN" altLang="en-US" dirty="0"/>
           </a:p>
@@ -1417,7 +1417,7 @@
           <a:p>
             <a:fld id="{760FBDFE-C587-4B4C-A407-44438C67B59E}" type="datetimeFigureOut">
               <a:rPr lang="zh-CN" altLang="en-US" smtClean="0"/>
-              <a:t>2022/11/11</a:t>
+              <a:t>2022/11/24</a:t>
             </a:fld>
             <a:endParaRPr lang="zh-CN" altLang="en-US"/>
           </a:p>
@@ -1590,7 +1590,7 @@
           <a:p>
             <a:fld id="{9EFD9D74-47D9-4702-A33C-335B63B48DBF}" type="datetimeFigureOut">
               <a:rPr lang="zh-CN" altLang="en-US" smtClean="0"/>
-              <a:t>2022/11/11</a:t>
+              <a:t>2022/11/24</a:t>
             </a:fld>
             <a:endParaRPr lang="zh-CN" altLang="en-US" dirty="0"/>
           </a:p>
@@ -2115,7 +2115,7 @@
           <a:p>
             <a:fld id="{760FBDFE-C587-4B4C-A407-44438C67B59E}" type="datetimeFigureOut">
               <a:rPr lang="zh-CN" altLang="en-US" smtClean="0"/>
-              <a:t>2022/11/11</a:t>
+              <a:t>2022/11/24</a:t>
             </a:fld>
             <a:endParaRPr lang="zh-CN" altLang="en-US"/>
           </a:p>
@@ -2863,7 +2863,7 @@
           <a:p>
             <a:fld id="{760FBDFE-C587-4B4C-A407-44438C67B59E}" type="datetimeFigureOut">
               <a:rPr lang="zh-CN" altLang="en-US" smtClean="0"/>
-              <a:t>2022/11/11</a:t>
+              <a:t>2022/11/24</a:t>
             </a:fld>
             <a:endParaRPr lang="zh-CN" altLang="en-US"/>
           </a:p>
@@ -3029,7 +3029,7 @@
           <a:p>
             <a:fld id="{760FBDFE-C587-4B4C-A407-44438C67B59E}" type="datetimeFigureOut">
               <a:rPr lang="zh-CN" altLang="en-US" smtClean="0"/>
-              <a:t>2022/11/11</a:t>
+              <a:t>2022/11/24</a:t>
             </a:fld>
             <a:endParaRPr lang="zh-CN" altLang="en-US"/>
           </a:p>
@@ -3143,7 +3143,7 @@
           <a:p>
             <a:fld id="{760FBDFE-C587-4B4C-A407-44438C67B59E}" type="datetimeFigureOut">
               <a:rPr lang="zh-CN" altLang="en-US" smtClean="0"/>
-              <a:t>2022/11/11</a:t>
+              <a:t>2022/11/24</a:t>
             </a:fld>
             <a:endParaRPr lang="zh-CN" altLang="en-US"/>
           </a:p>
@@ -3473,7 +3473,7 @@
           <a:p>
             <a:fld id="{9EFD9D74-47D9-4702-A33C-335B63B48DBF}" type="datetimeFigureOut">
               <a:rPr lang="zh-CN" altLang="en-US" smtClean="0"/>
-              <a:t>2022/11/11</a:t>
+              <a:t>2022/11/24</a:t>
             </a:fld>
             <a:endParaRPr lang="zh-CN" altLang="en-US" dirty="0"/>
           </a:p>
@@ -3986,7 +3986,7 @@
           <a:p>
             <a:fld id="{760FBDFE-C587-4B4C-A407-44438C67B59E}" type="datetimeFigureOut">
               <a:rPr lang="zh-CN" altLang="en-US" smtClean="0"/>
-              <a:t>2022/11/11</a:t>
+              <a:t>2022/11/24</a:t>
             </a:fld>
             <a:endParaRPr lang="zh-CN" altLang="en-US"/>
           </a:p>
@@ -4100,7 +4100,7 @@
           <a:p>
             <a:fld id="{760FBDFE-C587-4B4C-A407-44438C67B59E}" type="datetimeFigureOut">
               <a:rPr lang="zh-CN" altLang="en-US" smtClean="0"/>
-              <a:t>2022/11/11</a:t>
+              <a:t>2022/11/24</a:t>
             </a:fld>
             <a:endParaRPr lang="zh-CN" altLang="en-US"/>
           </a:p>
@@ -4388,7 +4388,7 @@
           <a:p>
             <a:fld id="{82F288E0-7875-42C4-84C8-98DBBD3BF4D2}" type="datetimeFigureOut">
               <a:rPr lang="zh-CN" altLang="en-US" smtClean="0"/>
-              <a:t>2022/11/11</a:t>
+              <a:t>2022/11/24</a:t>
             </a:fld>
             <a:endParaRPr lang="zh-CN" altLang="en-US"/>
           </a:p>
@@ -4847,7 +4847,7 @@
           <a:p>
             <a:fld id="{760FBDFE-C587-4B4C-A407-44438C67B59E}" type="datetimeFigureOut">
               <a:rPr lang="zh-CN" altLang="en-US" smtClean="0"/>
-              <a:t>2022/11/11</a:t>
+              <a:t>2022/11/24</a:t>
             </a:fld>
             <a:endParaRPr lang="zh-CN" altLang="en-US"/>
           </a:p>
@@ -5516,7 +5516,7 @@
           <a:p>
             <a:fld id="{9EFD9D74-47D9-4702-A33C-335B63B48DBF}" type="datetimeFigureOut">
               <a:rPr lang="zh-CN" altLang="en-US" smtClean="0"/>
-              <a:t>2022/11/11</a:t>
+              <a:t>2022/11/24</a:t>
             </a:fld>
             <a:endParaRPr lang="zh-CN" altLang="en-US" dirty="0"/>
           </a:p>
@@ -5664,7 +5664,7 @@
           <a:p>
             <a:fld id="{9EFD9D74-47D9-4702-A33C-335B63B48DBF}" type="datetimeFigureOut">
               <a:rPr lang="zh-CN" altLang="en-US" smtClean="0"/>
-              <a:t>2022/11/11</a:t>
+              <a:t>2022/11/24</a:t>
             </a:fld>
             <a:endParaRPr lang="zh-CN" altLang="en-US" dirty="0"/>
           </a:p>
@@ -6868,7 +6868,7 @@
                             </p:stCondLst>
                             <p:childTnLst>
                               <p:par>
-                                <p:cTn id="5" presetID="1" presetClass="entr" presetSubtype="0" fill="hold" grpId="0" nodeType="clickEffect">
+                                <p:cTn id="5" presetID="1" presetClass="entr" presetSubtype="0" fill="hold" nodeType="clickEffect">
                                   <p:stCondLst>
                                     <p:cond delay="0"/>
                                   </p:stCondLst>
@@ -6881,7 +6881,11 @@
                                           </p:stCondLst>
                                         </p:cTn>
                                         <p:tgtEl>
-                                          <p:spTgt spid="6"/>
+                                          <p:spTgt spid="6">
+                                            <p:txEl>
+                                              <p:pRg st="0" end="0"/>
+                                            </p:txEl>
+                                          </p:spTgt>
                                         </p:tgtEl>
                                         <p:attrNameLst>
                                           <p:attrName>style.visibility</p:attrName>
@@ -6921,9 +6925,6 @@
         </p:cTn>
       </p:par>
     </p:tnLst>
-    <p:bldLst>
-      <p:bldP spid="6" grpId="0"/>
-    </p:bldLst>
   </p:timing>
 </p:sld>
 </file>
@@ -7310,33 +7311,88 @@
             </a:pPr>
             <a:r>
               <a:rPr lang="zh-CN" altLang="en-US" dirty="0"/>
-              <a:t>请使用新的交叉熵损失函数实现代码</a:t>
+              <a:t>请实现“使用交叉熵损失函数”的代码</a:t>
             </a:r>
             <a:endParaRPr lang="en-US" altLang="zh-CN" dirty="0"/>
           </a:p>
           <a:p>
-            <a:pPr marL="285750" indent="-285750">
+            <a:pPr marL="742950" lvl="1" indent="-285750">
               <a:buFont typeface="Arial" panose="020B0604020202020204" pitchFamily="34" charset="0"/>
               <a:buChar char="•"/>
             </a:pPr>
             <a:r>
               <a:rPr lang="zh-CN" altLang="en-US" dirty="0"/>
-              <a:t>请每个同学运行代码，与之前的代码比较，看下</a:t>
+              <a:t>实现</a:t>
+            </a:r>
+            <a:r>
+              <a:rPr lang="en-US" altLang="zh-CN" dirty="0"/>
+              <a:t>_</a:t>
+            </a:r>
+            <a:r>
+              <a:rPr lang="en-US" altLang="zh-CN" dirty="0" err="1"/>
+              <a:t>computeLoss</a:t>
+            </a:r>
+            <a:r>
+              <a:rPr lang="zh-CN" altLang="en-US" dirty="0"/>
+              <a:t>函数，并且在训练时打印</a:t>
             </a:r>
             <a:r>
               <a:rPr lang="en-US" altLang="zh-CN" dirty="0"/>
               <a:t>loss</a:t>
             </a:r>
+          </a:p>
+          <a:p>
+            <a:pPr marL="742950" lvl="1" indent="-285750">
+              <a:buFont typeface="Arial" panose="020B0604020202020204" pitchFamily="34" charset="0"/>
+              <a:buChar char="•"/>
+            </a:pPr>
             <a:r>
               <a:rPr lang="zh-CN" altLang="en-US" dirty="0"/>
-              <a:t>的训练速度是否加快？是否在</a:t>
-            </a:r>
+              <a:t>修改输出层误差项的计算</a:t>
+            </a:r>
+            <a:endParaRPr lang="en-US" altLang="zh-CN" dirty="0"/>
+          </a:p>
+          <a:p>
+            <a:pPr marL="285750" indent="-285750">
+              <a:buFont typeface="Arial" panose="020B0604020202020204" pitchFamily="34" charset="0"/>
+              <a:buChar char="•"/>
+            </a:pPr>
+            <a:r>
+              <a:rPr lang="zh-CN" altLang="en-US" dirty="0"/>
+              <a:t>请每个同学运行代码，与之前的代码比较，看下：</a:t>
+            </a:r>
+            <a:endParaRPr lang="en-US" altLang="zh-CN" dirty="0"/>
+          </a:p>
+          <a:p>
+            <a:pPr marL="742950" lvl="1" indent="-285750">
+              <a:buFont typeface="Arial" panose="020B0604020202020204" pitchFamily="34" charset="0"/>
+              <a:buChar char="•"/>
+            </a:pPr>
             <a:r>
               <a:rPr lang="en-US" altLang="zh-CN" dirty="0"/>
               <a:t>loss</a:t>
             </a:r>
             <a:r>
               <a:rPr lang="zh-CN" altLang="en-US" dirty="0"/>
+              <a:t>的训练速度是否加快？</a:t>
+            </a:r>
+            <a:endParaRPr lang="en-US" altLang="zh-CN" dirty="0"/>
+          </a:p>
+          <a:p>
+            <a:pPr marL="742950" lvl="1" indent="-285750">
+              <a:buFont typeface="Arial" panose="020B0604020202020204" pitchFamily="34" charset="0"/>
+              <a:buChar char="•"/>
+            </a:pPr>
+            <a:r>
+              <a:rPr lang="zh-CN" altLang="en-US" dirty="0"/>
+              <a:t>是否在</a:t>
+            </a:r>
+            <a:r>
+              <a:rPr lang="en-US" altLang="zh-CN" dirty="0"/>
+              <a:t>loss</a:t>
+            </a:r>
+            <a:r>
+              <a:rPr lang="zh-CN" altLang="en-US" dirty="0"/>
               <a:t>很大时训练速度也很快？</a:t>
             </a:r>
             <a:endParaRPr lang="en-US" altLang="zh-CN" dirty="0"/>
@@ -7405,6 +7461,42 @@
           </a:p>
         </p:txBody>
       </p:sp>
+      <p:pic>
+        <p:nvPicPr>
+          <p:cNvPr id="2" name="图片 1">
+            <a:extLst>
+              <a:ext uri="{FF2B5EF4-FFF2-40B4-BE49-F238E27FC236}">
+                <a16:creationId xmlns:a16="http://schemas.microsoft.com/office/drawing/2014/main" id="{9716A8AE-D6A9-8F16-28C2-030BDEE70D28}"/>
+              </a:ext>
+            </a:extLst>
+          </p:cNvPr>
+          <p:cNvPicPr>
+            <a:picLocks noChangeAspect="1"/>
+          </p:cNvPicPr>
+          <p:nvPr/>
+        </p:nvPicPr>
+        <p:blipFill>
+          <a:blip r:embed="rId3">
+            <a:extLst>
+              <a:ext uri="{28A0092B-C50C-407E-A947-70E740481C1C}">
+                <a14:useLocalDpi xmlns:a14="http://schemas.microsoft.com/office/drawing/2010/main" val="0"/>
+              </a:ext>
+            </a:extLst>
+          </a:blip>
+          <a:stretch>
+            <a:fillRect/>
+          </a:stretch>
+        </p:blipFill>
+        <p:spPr>
+          <a:xfrm>
+            <a:off x="5045522" y="4879392"/>
+            <a:ext cx="4251302" cy="764837"/>
+          </a:xfrm>
+          <a:prstGeom prst="rect">
+            <a:avLst/>
+          </a:prstGeom>
+        </p:spPr>
+      </p:pic>
     </p:spTree>
     <p:custDataLst>
       <p:tags r:id="rId1"/>
@@ -7439,7 +7531,7 @@
                             </p:stCondLst>
                             <p:childTnLst>
                               <p:par>
-                                <p:cTn id="5" presetID="1" presetClass="entr" presetSubtype="0" fill="hold" grpId="0" nodeType="clickEffect">
+                                <p:cTn id="5" presetID="1" presetClass="entr" presetSubtype="0" fill="hold" nodeType="clickEffect">
                                   <p:stCondLst>
                                     <p:cond delay="0"/>
                                   </p:stCondLst>
@@ -7452,7 +7544,301 @@
                                           </p:stCondLst>
                                         </p:cTn>
                                         <p:tgtEl>
-                                          <p:spTgt spid="6"/>
+                                          <p:spTgt spid="6">
+                                            <p:txEl>
+                                              <p:pRg st="0" end="0"/>
+                                            </p:txEl>
+                                          </p:spTgt>
+                                        </p:tgtEl>
+                                        <p:attrNameLst>
+                                          <p:attrName>style.visibility</p:attrName>
+                                        </p:attrNameLst>
+                                      </p:cBhvr>
+                                      <p:to>
+                                        <p:strVal val="visible"/>
+                                      </p:to>
+                                    </p:set>
+                                  </p:childTnLst>
+                                </p:cTn>
+                              </p:par>
+                            </p:childTnLst>
+                          </p:cTn>
+                        </p:par>
+                      </p:childTnLst>
+                    </p:cTn>
+                  </p:par>
+                  <p:par>
+                    <p:cTn id="7" fill="hold">
+                      <p:stCondLst>
+                        <p:cond delay="indefinite"/>
+                      </p:stCondLst>
+                      <p:childTnLst>
+                        <p:par>
+                          <p:cTn id="8" fill="hold">
+                            <p:stCondLst>
+                              <p:cond delay="0"/>
+                            </p:stCondLst>
+                            <p:childTnLst>
+                              <p:par>
+                                <p:cTn id="9" presetID="1" presetClass="entr" presetSubtype="0" fill="hold" nodeType="clickEffect">
+                                  <p:stCondLst>
+                                    <p:cond delay="0"/>
+                                  </p:stCondLst>
+                                  <p:childTnLst>
+                                    <p:set>
+                                      <p:cBhvr>
+                                        <p:cTn id="10" dur="1" fill="hold">
+                                          <p:stCondLst>
+                                            <p:cond delay="0"/>
+                                          </p:stCondLst>
+                                        </p:cTn>
+                                        <p:tgtEl>
+                                          <p:spTgt spid="6">
+                                            <p:txEl>
+                                              <p:pRg st="1" end="1"/>
+                                            </p:txEl>
+                                          </p:spTgt>
+                                        </p:tgtEl>
+                                        <p:attrNameLst>
+                                          <p:attrName>style.visibility</p:attrName>
+                                        </p:attrNameLst>
+                                      </p:cBhvr>
+                                      <p:to>
+                                        <p:strVal val="visible"/>
+                                      </p:to>
+                                    </p:set>
+                                  </p:childTnLst>
+                                </p:cTn>
+                              </p:par>
+                            </p:childTnLst>
+                          </p:cTn>
+                        </p:par>
+                      </p:childTnLst>
+                    </p:cTn>
+                  </p:par>
+                  <p:par>
+                    <p:cTn id="11" fill="hold">
+                      <p:stCondLst>
+                        <p:cond delay="indefinite"/>
+                      </p:stCondLst>
+                      <p:childTnLst>
+                        <p:par>
+                          <p:cTn id="12" fill="hold">
+                            <p:stCondLst>
+                              <p:cond delay="0"/>
+                            </p:stCondLst>
+                            <p:childTnLst>
+                              <p:par>
+                                <p:cTn id="13" presetID="1" presetClass="entr" presetSubtype="0" fill="hold" nodeType="clickEffect">
+                                  <p:stCondLst>
+                                    <p:cond delay="0"/>
+                                  </p:stCondLst>
+                                  <p:childTnLst>
+                                    <p:set>
+                                      <p:cBhvr>
+                                        <p:cTn id="14" dur="1" fill="hold">
+                                          <p:stCondLst>
+                                            <p:cond delay="0"/>
+                                          </p:stCondLst>
+                                        </p:cTn>
+                                        <p:tgtEl>
+                                          <p:spTgt spid="6">
+                                            <p:txEl>
+                                              <p:pRg st="2" end="2"/>
+                                            </p:txEl>
+                                          </p:spTgt>
+                                        </p:tgtEl>
+                                        <p:attrNameLst>
+                                          <p:attrName>style.visibility</p:attrName>
+                                        </p:attrNameLst>
+                                      </p:cBhvr>
+                                      <p:to>
+                                        <p:strVal val="visible"/>
+                                      </p:to>
+                                    </p:set>
+                                  </p:childTnLst>
+                                </p:cTn>
+                              </p:par>
+                            </p:childTnLst>
+                          </p:cTn>
+                        </p:par>
+                      </p:childTnLst>
+                    </p:cTn>
+                  </p:par>
+                  <p:par>
+                    <p:cTn id="15" fill="hold">
+                      <p:stCondLst>
+                        <p:cond delay="indefinite"/>
+                      </p:stCondLst>
+                      <p:childTnLst>
+                        <p:par>
+                          <p:cTn id="16" fill="hold">
+                            <p:stCondLst>
+                              <p:cond delay="0"/>
+                            </p:stCondLst>
+                            <p:childTnLst>
+                              <p:par>
+                                <p:cTn id="17" presetID="1" presetClass="entr" presetSubtype="0" fill="hold" nodeType="clickEffect">
+                                  <p:stCondLst>
+                                    <p:cond delay="0"/>
+                                  </p:stCondLst>
+                                  <p:childTnLst>
+                                    <p:set>
+                                      <p:cBhvr>
+                                        <p:cTn id="18" dur="1" fill="hold">
+                                          <p:stCondLst>
+                                            <p:cond delay="0"/>
+                                          </p:stCondLst>
+                                        </p:cTn>
+                                        <p:tgtEl>
+                                          <p:spTgt spid="2"/>
+                                        </p:tgtEl>
+                                        <p:attrNameLst>
+                                          <p:attrName>style.visibility</p:attrName>
+                                        </p:attrNameLst>
+                                      </p:cBhvr>
+                                      <p:to>
+                                        <p:strVal val="visible"/>
+                                      </p:to>
+                                    </p:set>
+                                  </p:childTnLst>
+                                </p:cTn>
+                              </p:par>
+                            </p:childTnLst>
+                          </p:cTn>
+                        </p:par>
+                      </p:childTnLst>
+                    </p:cTn>
+                  </p:par>
+                  <p:par>
+                    <p:cTn id="19" fill="hold">
+                      <p:stCondLst>
+                        <p:cond delay="indefinite"/>
+                      </p:stCondLst>
+                      <p:childTnLst>
+                        <p:par>
+                          <p:cTn id="20" fill="hold">
+                            <p:stCondLst>
+                              <p:cond delay="0"/>
+                            </p:stCondLst>
+                            <p:childTnLst>
+                              <p:par>
+                                <p:cTn id="21" presetID="1" presetClass="entr" presetSubtype="0" fill="hold" nodeType="clickEffect">
+                                  <p:stCondLst>
+                                    <p:cond delay="0"/>
+                                  </p:stCondLst>
+                                  <p:childTnLst>
+                                    <p:set>
+                                      <p:cBhvr>
+                                        <p:cTn id="22" dur="1" fill="hold">
+                                          <p:stCondLst>
+                                            <p:cond delay="0"/>
+                                          </p:stCondLst>
+                                        </p:cTn>
+                                        <p:tgtEl>
+                                          <p:spTgt spid="6">
+                                            <p:txEl>
+                                              <p:pRg st="3" end="3"/>
+                                            </p:txEl>
+                                          </p:spTgt>
+                                        </p:tgtEl>
+                                        <p:attrNameLst>
+                                          <p:attrName>style.visibility</p:attrName>
+                                        </p:attrNameLst>
+                                      </p:cBhvr>
+                                      <p:to>
+                                        <p:strVal val="visible"/>
+                                      </p:to>
+                                    </p:set>
+                                  </p:childTnLst>
+                                </p:cTn>
+                              </p:par>
+                            </p:childTnLst>
+                          </p:cTn>
+                        </p:par>
+                      </p:childTnLst>
+                    </p:cTn>
+                  </p:par>
+                  <p:par>
+                    <p:cTn id="23" fill="hold">
+                      <p:stCondLst>
+                        <p:cond delay="indefinite"/>
+                      </p:stCondLst>
+                      <p:childTnLst>
+                        <p:par>
+                          <p:cTn id="24" fill="hold">
+                            <p:stCondLst>
+                              <p:cond delay="0"/>
+                            </p:stCondLst>
+                            <p:childTnLst>
+                              <p:par>
+                                <p:cTn id="25" presetID="1" presetClass="entr" presetSubtype="0" fill="hold" nodeType="clickEffect">
+                                  <p:stCondLst>
+                                    <p:cond delay="0"/>
+                                  </p:stCondLst>
+                                  <p:childTnLst>
+                                    <p:set>
+                                      <p:cBhvr>
+                                        <p:cTn id="26" dur="1" fill="hold">
+                                          <p:stCondLst>
+                                            <p:cond delay="0"/>
+                                          </p:stCondLst>
+                                        </p:cTn>
+                                        <p:tgtEl>
+                                          <p:spTgt spid="6">
+                                            <p:txEl>
+                                              <p:pRg st="4" end="4"/>
+                                            </p:txEl>
+                                          </p:spTgt>
+                                        </p:tgtEl>
+                                        <p:attrNameLst>
+                                          <p:attrName>style.visibility</p:attrName>
+                                        </p:attrNameLst>
+                                      </p:cBhvr>
+                                      <p:to>
+                                        <p:strVal val="visible"/>
+                                      </p:to>
+                                    </p:set>
+                                  </p:childTnLst>
+                                </p:cTn>
+                              </p:par>
+                            </p:childTnLst>
+                          </p:cTn>
+                        </p:par>
+                      </p:childTnLst>
+                    </p:cTn>
+                  </p:par>
+                  <p:par>
+                    <p:cTn id="27" fill="hold">
+                      <p:stCondLst>
+                        <p:cond delay="indefinite"/>
+                      </p:stCondLst>
+                      <p:childTnLst>
+                        <p:par>
+                          <p:cTn id="28" fill="hold">
+                            <p:stCondLst>
+                              <p:cond delay="0"/>
+                            </p:stCondLst>
+                            <p:childTnLst>
+                              <p:par>
+                                <p:cTn id="29" presetID="1" presetClass="entr" presetSubtype="0" fill="hold" nodeType="clickEffect">
+                                  <p:stCondLst>
+                                    <p:cond delay="0"/>
+                                  </p:stCondLst>
+                                  <p:childTnLst>
+                                    <p:set>
+                                      <p:cBhvr>
+                                        <p:cTn id="30" dur="1" fill="hold">
+                                          <p:stCondLst>
+                                            <p:cond delay="0"/>
+                                          </p:stCondLst>
+                                        </p:cTn>
+                                        <p:tgtEl>
+                                          <p:spTgt spid="6">
+                                            <p:txEl>
+                                              <p:pRg st="5" end="5"/>
+                                            </p:txEl>
+                                          </p:spTgt>
                                         </p:tgtEl>
                                         <p:attrNameLst>
                                           <p:attrName>style.visibility</p:attrName>
@@ -7492,9 +7878,6 @@
         </p:cTn>
       </p:par>
     </p:tnLst>
-    <p:bldLst>
-      <p:bldP spid="6" grpId="0"/>
-    </p:bldLst>
   </p:timing>
 </p:sld>
 </file>
@@ -11252,25 +11635,20 @@
               <a:rPr lang="zh-CN" altLang="en-US" dirty="0">
                 <a:sym typeface="+mn-ea"/>
               </a:rPr>
-              <a:t>判断性别</a:t>
-            </a:r>
-            <a:r>
-              <a:rPr lang="en-US" altLang="zh-CN" dirty="0">
+              <a:t>识别手写数字使用交叉熵损失函数和</a:t>
+            </a:r>
+            <a:r>
+              <a:rPr lang="en-US" altLang="zh-CN" dirty="0" err="1">
                 <a:sym typeface="+mn-ea"/>
               </a:rPr>
-              <a:t>Demo</a:t>
+              <a:t>softmax</a:t>
             </a:r>
             <a:r>
               <a:rPr lang="zh-CN" altLang="en-US" dirty="0">
                 <a:sym typeface="+mn-ea"/>
               </a:rPr>
-              <a:t>使用交叉熵损失函数	</a:t>
-            </a:r>
-            <a:br>
-              <a:rPr lang="en-US" altLang="zh-CN" dirty="0">
-                <a:sym typeface="+mn-ea"/>
-              </a:rPr>
-            </a:br>
+              <a:t>激活函数</a:t>
+            </a:r>
             <a:endParaRPr lang="zh-CN" altLang="en-US" dirty="0"/>
           </a:p>
         </p:txBody>
@@ -13100,9 +13478,43 @@
               <a:buChar char="•"/>
             </a:pPr>
             <a:r>
+              <a:rPr lang="zh-CN" altLang="en-US" dirty="0"/>
+              <a:t>为什么要学习本课</a:t>
+            </a:r>
+            <a:endParaRPr lang="en-US" altLang="zh-CN" dirty="0"/>
+          </a:p>
+          <a:p>
+            <a:pPr marL="285750" indent="-285750">
+              <a:buFont typeface="Arial" panose="020B0604020202020204" pitchFamily="34" charset="0"/>
+              <a:buChar char="•"/>
+            </a:pPr>
+            <a:r>
+              <a:rPr lang="zh-CN" altLang="en-US" dirty="0"/>
+              <a:t>主问题：如何加快单分类的训练速度？</a:t>
+            </a:r>
+            <a:endParaRPr lang="en-US" altLang="zh-CN" dirty="0"/>
+          </a:p>
+          <a:p>
+            <a:pPr marL="285750" indent="-285750">
+              <a:buFont typeface="Arial" panose="020B0604020202020204" pitchFamily="34" charset="0"/>
+              <a:buChar char="•"/>
+            </a:pPr>
+            <a:r>
+              <a:rPr lang="zh-CN" altLang="en-US" dirty="0"/>
+              <a:t>任务：判断性别</a:t>
+            </a:r>
+            <a:r>
               <a:rPr lang="en-US" altLang="zh-CN" dirty="0"/>
-              <a:t>TODO</a:t>
-            </a:r>
+              <a:t>Demo</a:t>
+            </a:r>
+            <a:r>
+              <a:rPr lang="zh-CN" altLang="en-US" dirty="0"/>
+              <a:t>使用交叉熵损失函数	</a:t>
+            </a:r>
+            <a:br>
+              <a:rPr lang="en-US" altLang="zh-CN" dirty="0"/>
+            </a:br>
+            <a:endParaRPr lang="en-US" altLang="zh-CN" dirty="0"/>
           </a:p>
         </p:txBody>
       </p:sp>
@@ -13132,6 +13544,707 @@
     <p:custDataLst>
       <p:tags r:id="rId1"/>
     </p:custDataLst>
+  </p:cSld>
+  <p:clrMapOvr>
+    <a:masterClrMapping/>
+  </p:clrMapOvr>
+  <p:timing>
+    <p:tnLst>
+      <p:par>
+        <p:cTn id="1" dur="indefinite" restart="never" nodeType="tmRoot">
+          <p:childTnLst>
+            <p:seq concurrent="1" nextAc="seek">
+              <p:cTn id="2" dur="indefinite" nodeType="mainSeq">
+                <p:childTnLst>
+                  <p:par>
+                    <p:cTn id="3" fill="hold">
+                      <p:stCondLst>
+                        <p:cond delay="indefinite"/>
+                      </p:stCondLst>
+                      <p:childTnLst>
+                        <p:par>
+                          <p:cTn id="4" fill="hold">
+                            <p:stCondLst>
+                              <p:cond delay="0"/>
+                            </p:stCondLst>
+                            <p:childTnLst>
+                              <p:par>
+                                <p:cTn id="5" presetID="1" presetClass="entr" presetSubtype="0" fill="hold" grpId="0" nodeType="clickEffect">
+                                  <p:stCondLst>
+                                    <p:cond delay="0"/>
+                                  </p:stCondLst>
+                                  <p:childTnLst>
+                                    <p:set>
+                                      <p:cBhvr>
+                                        <p:cTn id="6" dur="1" fill="hold">
+                                          <p:stCondLst>
+                                            <p:cond delay="0"/>
+                                          </p:stCondLst>
+                                        </p:cTn>
+                                        <p:tgtEl>
+                                          <p:spTgt spid="2">
+                                            <p:txEl>
+                                              <p:pRg st="0" end="0"/>
+                                            </p:txEl>
+                                          </p:spTgt>
+                                        </p:tgtEl>
+                                        <p:attrNameLst>
+                                          <p:attrName>style.visibility</p:attrName>
+                                        </p:attrNameLst>
+                                      </p:cBhvr>
+                                      <p:to>
+                                        <p:strVal val="visible"/>
+                                      </p:to>
+                                    </p:set>
+                                  </p:childTnLst>
+                                </p:cTn>
+                              </p:par>
+                            </p:childTnLst>
+                          </p:cTn>
+                        </p:par>
+                      </p:childTnLst>
+                    </p:cTn>
+                  </p:par>
+                  <p:par>
+                    <p:cTn id="7" fill="hold">
+                      <p:stCondLst>
+                        <p:cond delay="indefinite"/>
+                      </p:stCondLst>
+                      <p:childTnLst>
+                        <p:par>
+                          <p:cTn id="8" fill="hold">
+                            <p:stCondLst>
+                              <p:cond delay="0"/>
+                            </p:stCondLst>
+                            <p:childTnLst>
+                              <p:par>
+                                <p:cTn id="9" presetID="1" presetClass="entr" presetSubtype="0" fill="hold" grpId="0" nodeType="clickEffect">
+                                  <p:stCondLst>
+                                    <p:cond delay="0"/>
+                                  </p:stCondLst>
+                                  <p:childTnLst>
+                                    <p:set>
+                                      <p:cBhvr>
+                                        <p:cTn id="10" dur="1" fill="hold">
+                                          <p:stCondLst>
+                                            <p:cond delay="0"/>
+                                          </p:stCondLst>
+                                        </p:cTn>
+                                        <p:tgtEl>
+                                          <p:spTgt spid="2">
+                                            <p:txEl>
+                                              <p:charRg st="9" end="18"/>
+                                            </p:txEl>
+                                          </p:spTgt>
+                                        </p:tgtEl>
+                                        <p:attrNameLst>
+                                          <p:attrName>style.visibility</p:attrName>
+                                        </p:attrNameLst>
+                                      </p:cBhvr>
+                                      <p:to>
+                                        <p:strVal val="visible"/>
+                                      </p:to>
+                                    </p:set>
+                                  </p:childTnLst>
+                                </p:cTn>
+                              </p:par>
+                            </p:childTnLst>
+                          </p:cTn>
+                        </p:par>
+                      </p:childTnLst>
+                    </p:cTn>
+                  </p:par>
+                  <p:par>
+                    <p:cTn id="11" fill="hold">
+                      <p:stCondLst>
+                        <p:cond delay="indefinite"/>
+                      </p:stCondLst>
+                      <p:childTnLst>
+                        <p:par>
+                          <p:cTn id="12" fill="hold">
+                            <p:stCondLst>
+                              <p:cond delay="0"/>
+                            </p:stCondLst>
+                            <p:childTnLst>
+                              <p:par>
+                                <p:cTn id="13" presetID="1" presetClass="entr" presetSubtype="0" fill="hold" grpId="0" nodeType="clickEffect">
+                                  <p:stCondLst>
+                                    <p:cond delay="0"/>
+                                  </p:stCondLst>
+                                  <p:childTnLst>
+                                    <p:set>
+                                      <p:cBhvr>
+                                        <p:cTn id="14" dur="1" fill="hold">
+                                          <p:stCondLst>
+                                            <p:cond delay="0"/>
+                                          </p:stCondLst>
+                                        </p:cTn>
+                                        <p:tgtEl>
+                                          <p:spTgt spid="2">
+                                            <p:txEl>
+                                              <p:charRg st="18" end="36"/>
+                                            </p:txEl>
+                                          </p:spTgt>
+                                        </p:tgtEl>
+                                        <p:attrNameLst>
+                                          <p:attrName>style.visibility</p:attrName>
+                                        </p:attrNameLst>
+                                      </p:cBhvr>
+                                      <p:to>
+                                        <p:strVal val="visible"/>
+                                      </p:to>
+                                    </p:set>
+                                  </p:childTnLst>
+                                </p:cTn>
+                              </p:par>
+                            </p:childTnLst>
+                          </p:cTn>
+                        </p:par>
+                      </p:childTnLst>
+                    </p:cTn>
+                  </p:par>
+                  <p:par>
+                    <p:cTn id="15" fill="hold">
+                      <p:stCondLst>
+                        <p:cond delay="indefinite"/>
+                      </p:stCondLst>
+                      <p:childTnLst>
+                        <p:par>
+                          <p:cTn id="16" fill="hold">
+                            <p:stCondLst>
+                              <p:cond delay="0"/>
+                            </p:stCondLst>
+                            <p:childTnLst>
+                              <p:par>
+                                <p:cTn id="17" presetID="1" presetClass="entr" presetSubtype="0" fill="hold" grpId="0" nodeType="clickEffect">
+                                  <p:stCondLst>
+                                    <p:cond delay="0"/>
+                                  </p:stCondLst>
+                                  <p:childTnLst>
+                                    <p:set>
+                                      <p:cBhvr>
+                                        <p:cTn id="18" dur="1" fill="hold">
+                                          <p:stCondLst>
+                                            <p:cond delay="0"/>
+                                          </p:stCondLst>
+                                        </p:cTn>
+                                        <p:tgtEl>
+                                          <p:spTgt spid="2">
+                                            <p:txEl>
+                                              <p:charRg st="36" end="59"/>
+                                            </p:txEl>
+                                          </p:spTgt>
+                                        </p:tgtEl>
+                                        <p:attrNameLst>
+                                          <p:attrName>style.visibility</p:attrName>
+                                        </p:attrNameLst>
+                                      </p:cBhvr>
+                                      <p:to>
+                                        <p:strVal val="visible"/>
+                                      </p:to>
+                                    </p:set>
+                                  </p:childTnLst>
+                                </p:cTn>
+                              </p:par>
+                            </p:childTnLst>
+                          </p:cTn>
+                        </p:par>
+                      </p:childTnLst>
+                    </p:cTn>
+                  </p:par>
+                </p:childTnLst>
+              </p:cTn>
+              <p:prevCondLst>
+                <p:cond evt="onPrev" delay="0">
+                  <p:tgtEl>
+                    <p:sldTgt/>
+                  </p:tgtEl>
+                </p:cond>
+              </p:prevCondLst>
+              <p:nextCondLst>
+                <p:cond evt="onNext" delay="0">
+                  <p:tgtEl>
+                    <p:sldTgt/>
+                  </p:tgtEl>
+                </p:cond>
+              </p:nextCondLst>
+            </p:seq>
+          </p:childTnLst>
+        </p:cTn>
+      </p:par>
+    </p:tnLst>
+    <p:bldLst>
+      <p:bldP spid="2" grpId="0" build="p"/>
+    </p:bldLst>
+  </p:timing>
+</p:sld>
+</file>
+
+<file path=ppt/slides/slide30.xml><?xml version="1.0" encoding="utf-8"?>
+<p:sld xmlns:a="http://schemas.openxmlformats.org/drawingml/2006/main" xmlns:r="http://schemas.openxmlformats.org/officeDocument/2006/relationships" xmlns:p="http://schemas.openxmlformats.org/presentationml/2006/main">
+  <p:cSld>
+    <p:spTree>
+      <p:nvGrpSpPr>
+        <p:cNvPr id="1" name=""/>
+        <p:cNvGrpSpPr/>
+        <p:nvPr/>
+      </p:nvGrpSpPr>
+      <p:grpSpPr>
+        <a:xfrm>
+          <a:off x="0" y="0"/>
+          <a:ext cx="0" cy="0"/>
+          <a:chOff x="0" y="0"/>
+          <a:chExt cx="0" cy="0"/>
+        </a:xfrm>
+      </p:grpSpPr>
+      <p:sp>
+        <p:nvSpPr>
+          <p:cNvPr id="2" name="文本占位符 1"/>
+          <p:cNvSpPr>
+            <a:spLocks noGrp="1"/>
+          </p:cNvSpPr>
+          <p:nvPr>
+            <p:ph type="body" idx="1"/>
+          </p:nvPr>
+        </p:nvSpPr>
+        <p:spPr/>
+        <p:txBody>
+          <a:bodyPr/>
+          <a:lstStyle/>
+          <a:p>
+            <a:pPr marL="285750" indent="-285750">
+              <a:buFont typeface="Arial" panose="020B0604020202020204" pitchFamily="34" charset="0"/>
+              <a:buChar char="•"/>
+            </a:pPr>
+            <a:endParaRPr lang="en-US" altLang="zh-CN" dirty="0"/>
+          </a:p>
+        </p:txBody>
+      </p:sp>
+      <p:sp>
+        <p:nvSpPr>
+          <p:cNvPr id="3" name="标题 2"/>
+          <p:cNvSpPr>
+            <a:spLocks noGrp="1"/>
+          </p:cNvSpPr>
+          <p:nvPr>
+            <p:ph type="title"/>
+          </p:nvPr>
+        </p:nvSpPr>
+        <p:spPr/>
+        <p:txBody>
+          <a:bodyPr/>
+          <a:lstStyle/>
+          <a:p>
+            <a:r>
+              <a:rPr lang="zh-CN" altLang="en-US" dirty="0"/>
+              <a:t>问答</a:t>
+            </a:r>
+          </a:p>
+        </p:txBody>
+      </p:sp>
+    </p:spTree>
+    <p:custDataLst>
+      <p:tags r:id="rId1"/>
+    </p:custDataLst>
+  </p:cSld>
+  <p:clrMapOvr>
+    <a:masterClrMapping/>
+  </p:clrMapOvr>
+</p:sld>
+</file>
+
+<file path=ppt/slides/slide31.xml><?xml version="1.0" encoding="utf-8"?>
+<p:sld xmlns:a="http://schemas.openxmlformats.org/drawingml/2006/main" xmlns:r="http://schemas.openxmlformats.org/officeDocument/2006/relationships" xmlns:p="http://schemas.openxmlformats.org/presentationml/2006/main">
+  <p:cSld>
+    <p:spTree>
+      <p:nvGrpSpPr>
+        <p:cNvPr id="1" name=""/>
+        <p:cNvGrpSpPr/>
+        <p:nvPr/>
+      </p:nvGrpSpPr>
+      <p:grpSpPr>
+        <a:xfrm>
+          <a:off x="0" y="0"/>
+          <a:ext cx="0" cy="0"/>
+          <a:chOff x="0" y="0"/>
+          <a:chExt cx="0" cy="0"/>
+        </a:xfrm>
+      </p:grpSpPr>
+    </p:spTree>
+    <p:custDataLst>
+      <p:tags r:id="rId1"/>
+    </p:custDataLst>
+  </p:cSld>
+  <p:clrMapOvr>
+    <a:masterClrMapping/>
+  </p:clrMapOvr>
+</p:sld>
+</file>
+
+<file path=ppt/slides/slide4.xml><?xml version="1.0" encoding="utf-8"?>
+<p:sld xmlns:a="http://schemas.openxmlformats.org/drawingml/2006/main" xmlns:r="http://schemas.openxmlformats.org/officeDocument/2006/relationships" xmlns:p="http://schemas.openxmlformats.org/presentationml/2006/main">
+  <p:cSld>
+    <p:spTree>
+      <p:nvGrpSpPr>
+        <p:cNvPr id="1" name=""/>
+        <p:cNvGrpSpPr/>
+        <p:nvPr/>
+      </p:nvGrpSpPr>
+      <p:grpSpPr>
+        <a:xfrm>
+          <a:off x="0" y="0"/>
+          <a:ext cx="0" cy="0"/>
+          <a:chOff x="0" y="0"/>
+          <a:chExt cx="0" cy="0"/>
+        </a:xfrm>
+      </p:grpSpPr>
+      <p:sp>
+        <p:nvSpPr>
+          <p:cNvPr id="2" name="文本占位符 1"/>
+          <p:cNvSpPr>
+            <a:spLocks noGrp="1"/>
+          </p:cNvSpPr>
+          <p:nvPr>
+            <p:ph type="body" idx="1"/>
+          </p:nvPr>
+        </p:nvSpPr>
+        <p:spPr/>
+        <p:txBody>
+          <a:bodyPr/>
+          <a:lstStyle/>
+          <a:p>
+            <a:pPr marL="285750" indent="-285750">
+              <a:buFont typeface="Arial" panose="020B0604020202020204" pitchFamily="34" charset="0"/>
+              <a:buChar char="•"/>
+            </a:pPr>
+            <a:r>
+              <a:rPr lang="zh-CN" altLang="en-US" dirty="0"/>
+              <a:t>什么是训练？</a:t>
+            </a:r>
+            <a:endParaRPr lang="en-US" altLang="zh-CN" dirty="0"/>
+          </a:p>
+          <a:p>
+            <a:pPr marL="285750" indent="-285750">
+              <a:buFont typeface="Arial" panose="020B0604020202020204" pitchFamily="34" charset="0"/>
+              <a:buChar char="•"/>
+            </a:pPr>
+            <a:r>
+              <a:rPr lang="zh-CN" altLang="en-US" dirty="0"/>
+              <a:t>训练中的收敛是指什么？</a:t>
+            </a:r>
+            <a:endParaRPr lang="en-US" altLang="zh-CN" dirty="0"/>
+          </a:p>
+          <a:p>
+            <a:pPr lvl="1"/>
+            <a:endParaRPr lang="zh-CN" altLang="en-US" dirty="0"/>
+          </a:p>
+          <a:p>
+            <a:pPr marL="285750" indent="-285750">
+              <a:buFont typeface="Arial" panose="020B0604020202020204" pitchFamily="34" charset="0"/>
+              <a:buChar char="•"/>
+            </a:pPr>
+            <a:r>
+              <a:rPr lang="zh-CN" altLang="en-US" dirty="0"/>
+              <a:t>自学、展学</a:t>
+            </a:r>
+          </a:p>
+          <a:p>
+            <a:br>
+              <a:rPr lang="zh-CN" altLang="en-US" dirty="0"/>
+            </a:br>
+            <a:endParaRPr lang="zh-CN" altLang="en-US" dirty="0">
+              <a:hlinkClick r:id="rId3" action="ppaction://hlinkfile"/>
+            </a:endParaRPr>
+          </a:p>
+          <a:p>
+            <a:pPr marL="285750" indent="-285750">
+              <a:buFont typeface="Arial" panose="020B0604020202020204" pitchFamily="34" charset="0"/>
+              <a:buChar char="•"/>
+            </a:pPr>
+            <a:endParaRPr lang="zh-CN" altLang="en-US" dirty="0"/>
+          </a:p>
+        </p:txBody>
+      </p:sp>
+      <p:sp>
+        <p:nvSpPr>
+          <p:cNvPr id="3" name="标题 2"/>
+          <p:cNvSpPr>
+            <a:spLocks noGrp="1"/>
+          </p:cNvSpPr>
+          <p:nvPr>
+            <p:ph type="title"/>
+          </p:nvPr>
+        </p:nvSpPr>
+        <p:spPr/>
+        <p:txBody>
+          <a:bodyPr/>
+          <a:lstStyle/>
+          <a:p>
+            <a:r>
+              <a:rPr lang="zh-CN" altLang="en-US" dirty="0"/>
+              <a:t>回顾相关课程内容</a:t>
+            </a:r>
+            <a:endParaRPr dirty="0">
+              <a:sym typeface="+mn-ea"/>
+            </a:endParaRPr>
+          </a:p>
+        </p:txBody>
+      </p:sp>
+    </p:spTree>
+    <p:custDataLst>
+      <p:tags r:id="rId1"/>
+    </p:custDataLst>
+    <p:extLst>
+      <p:ext uri="{BB962C8B-B14F-4D97-AF65-F5344CB8AC3E}">
+        <p14:creationId xmlns:p14="http://schemas.microsoft.com/office/powerpoint/2010/main" val="534233520"/>
+      </p:ext>
+    </p:extLst>
+  </p:cSld>
+  <p:clrMapOvr>
+    <a:masterClrMapping/>
+  </p:clrMapOvr>
+  <p:timing>
+    <p:tnLst>
+      <p:par>
+        <p:cTn id="1" dur="indefinite" restart="never" nodeType="tmRoot">
+          <p:childTnLst>
+            <p:seq concurrent="1" nextAc="seek">
+              <p:cTn id="2" dur="indefinite" nodeType="mainSeq">
+                <p:childTnLst>
+                  <p:par>
+                    <p:cTn id="3" fill="hold">
+                      <p:stCondLst>
+                        <p:cond delay="indefinite"/>
+                      </p:stCondLst>
+                      <p:childTnLst>
+                        <p:par>
+                          <p:cTn id="4" fill="hold">
+                            <p:stCondLst>
+                              <p:cond delay="0"/>
+                            </p:stCondLst>
+                            <p:childTnLst>
+                              <p:par>
+                                <p:cTn id="5" presetID="1" presetClass="entr" presetSubtype="0" fill="hold" nodeType="clickEffect">
+                                  <p:stCondLst>
+                                    <p:cond delay="0"/>
+                                  </p:stCondLst>
+                                  <p:childTnLst>
+                                    <p:set>
+                                      <p:cBhvr>
+                                        <p:cTn id="6" dur="1" fill="hold">
+                                          <p:stCondLst>
+                                            <p:cond delay="0"/>
+                                          </p:stCondLst>
+                                        </p:cTn>
+                                        <p:tgtEl>
+                                          <p:spTgt spid="2">
+                                            <p:txEl>
+                                              <p:pRg st="0" end="0"/>
+                                            </p:txEl>
+                                          </p:spTgt>
+                                        </p:tgtEl>
+                                        <p:attrNameLst>
+                                          <p:attrName>style.visibility</p:attrName>
+                                        </p:attrNameLst>
+                                      </p:cBhvr>
+                                      <p:to>
+                                        <p:strVal val="visible"/>
+                                      </p:to>
+                                    </p:set>
+                                  </p:childTnLst>
+                                </p:cTn>
+                              </p:par>
+                            </p:childTnLst>
+                          </p:cTn>
+                        </p:par>
+                      </p:childTnLst>
+                    </p:cTn>
+                  </p:par>
+                  <p:par>
+                    <p:cTn id="7" fill="hold">
+                      <p:stCondLst>
+                        <p:cond delay="indefinite"/>
+                      </p:stCondLst>
+                      <p:childTnLst>
+                        <p:par>
+                          <p:cTn id="8" fill="hold">
+                            <p:stCondLst>
+                              <p:cond delay="0"/>
+                            </p:stCondLst>
+                            <p:childTnLst>
+                              <p:par>
+                                <p:cTn id="9" presetID="1" presetClass="entr" presetSubtype="0" fill="hold" nodeType="clickEffect">
+                                  <p:stCondLst>
+                                    <p:cond delay="0"/>
+                                  </p:stCondLst>
+                                  <p:childTnLst>
+                                    <p:set>
+                                      <p:cBhvr>
+                                        <p:cTn id="10" dur="1" fill="hold">
+                                          <p:stCondLst>
+                                            <p:cond delay="0"/>
+                                          </p:stCondLst>
+                                        </p:cTn>
+                                        <p:tgtEl>
+                                          <p:spTgt spid="2">
+                                            <p:txEl>
+                                              <p:pRg st="1" end="1"/>
+                                            </p:txEl>
+                                          </p:spTgt>
+                                        </p:tgtEl>
+                                        <p:attrNameLst>
+                                          <p:attrName>style.visibility</p:attrName>
+                                        </p:attrNameLst>
+                                      </p:cBhvr>
+                                      <p:to>
+                                        <p:strVal val="visible"/>
+                                      </p:to>
+                                    </p:set>
+                                  </p:childTnLst>
+                                </p:cTn>
+                              </p:par>
+                            </p:childTnLst>
+                          </p:cTn>
+                        </p:par>
+                      </p:childTnLst>
+                    </p:cTn>
+                  </p:par>
+                </p:childTnLst>
+              </p:cTn>
+              <p:prevCondLst>
+                <p:cond evt="onPrev" delay="0">
+                  <p:tgtEl>
+                    <p:sldTgt/>
+                  </p:tgtEl>
+                </p:cond>
+              </p:prevCondLst>
+              <p:nextCondLst>
+                <p:cond evt="onNext" delay="0">
+                  <p:tgtEl>
+                    <p:sldTgt/>
+                  </p:tgtEl>
+                </p:cond>
+              </p:nextCondLst>
+            </p:seq>
+          </p:childTnLst>
+        </p:cTn>
+      </p:par>
+    </p:tnLst>
+  </p:timing>
+</p:sld>
+</file>
+
+<file path=ppt/slides/slide5.xml><?xml version="1.0" encoding="utf-8"?>
+<p:sld xmlns:a="http://schemas.openxmlformats.org/drawingml/2006/main" xmlns:r="http://schemas.openxmlformats.org/officeDocument/2006/relationships" xmlns:p="http://schemas.openxmlformats.org/presentationml/2006/main">
+  <p:cSld>
+    <p:spTree>
+      <p:nvGrpSpPr>
+        <p:cNvPr id="1" name=""/>
+        <p:cNvGrpSpPr/>
+        <p:nvPr/>
+      </p:nvGrpSpPr>
+      <p:grpSpPr>
+        <a:xfrm>
+          <a:off x="0" y="0"/>
+          <a:ext cx="0" cy="0"/>
+          <a:chOff x="0" y="0"/>
+          <a:chExt cx="0" cy="0"/>
+        </a:xfrm>
+      </p:grpSpPr>
+      <p:sp>
+        <p:nvSpPr>
+          <p:cNvPr id="2" name="文本占位符 1"/>
+          <p:cNvSpPr>
+            <a:spLocks noGrp="1"/>
+          </p:cNvSpPr>
+          <p:nvPr>
+            <p:ph type="body" idx="1"/>
+          </p:nvPr>
+        </p:nvSpPr>
+        <p:spPr/>
+        <p:txBody>
+          <a:bodyPr/>
+          <a:lstStyle/>
+          <a:p>
+            <a:pPr marL="285750" indent="-285750">
+              <a:buFont typeface="Arial" panose="020B0604020202020204" pitchFamily="34" charset="0"/>
+              <a:buChar char="•"/>
+            </a:pPr>
+            <a:r>
+              <a:rPr lang="zh-CN" altLang="en-US" dirty="0"/>
+              <a:t>全连接层在“判断性别</a:t>
+            </a:r>
+            <a:r>
+              <a:rPr lang="en-US" altLang="zh-CN" dirty="0"/>
+              <a:t>Demo</a:t>
+            </a:r>
+            <a:r>
+              <a:rPr lang="zh-CN" altLang="en-US" dirty="0"/>
+              <a:t>“的训练时，收敛得比较慢，如何加快？</a:t>
+            </a:r>
+            <a:endParaRPr lang="en-US" altLang="zh-CN" dirty="0"/>
+          </a:p>
+          <a:p>
+            <a:pPr marL="285750" indent="-285750">
+              <a:buFont typeface="Arial" panose="020B0604020202020204" pitchFamily="34" charset="0"/>
+              <a:buChar char="•"/>
+            </a:pPr>
+            <a:r>
+              <a:rPr lang="zh-CN" altLang="en-US" dirty="0"/>
+              <a:t>全连接层在“识别手写数字“的训练时，收敛得比较慢，如何加快？</a:t>
+            </a:r>
+            <a:endParaRPr lang="en-US" altLang="zh-CN" dirty="0"/>
+          </a:p>
+          <a:p>
+            <a:pPr marL="285750" indent="-285750">
+              <a:buFont typeface="Arial" panose="020B0604020202020204" pitchFamily="34" charset="0"/>
+              <a:buChar char="•"/>
+            </a:pPr>
+            <a:endParaRPr lang="en-US" altLang="zh-CN" dirty="0"/>
+          </a:p>
+          <a:p>
+            <a:pPr marL="285750" indent="-285750">
+              <a:buFont typeface="Arial" panose="020B0604020202020204" pitchFamily="34" charset="0"/>
+              <a:buChar char="•"/>
+            </a:pPr>
+            <a:endParaRPr lang="zh-CN" altLang="en-US" dirty="0"/>
+          </a:p>
+        </p:txBody>
+      </p:sp>
+      <p:sp>
+        <p:nvSpPr>
+          <p:cNvPr id="3" name="标题 2"/>
+          <p:cNvSpPr>
+            <a:spLocks noGrp="1"/>
+          </p:cNvSpPr>
+          <p:nvPr>
+            <p:ph type="title"/>
+          </p:nvPr>
+        </p:nvSpPr>
+        <p:spPr/>
+        <p:txBody>
+          <a:bodyPr/>
+          <a:lstStyle/>
+          <a:p>
+            <a:r>
+              <a:rPr lang="zh-CN" altLang="en-US" dirty="0"/>
+              <a:t>为什么要学习本课</a:t>
+            </a:r>
+            <a:endParaRPr dirty="0">
+              <a:sym typeface="+mn-ea"/>
+            </a:endParaRPr>
+          </a:p>
+        </p:txBody>
+      </p:sp>
+    </p:spTree>
+    <p:custDataLst>
+      <p:tags r:id="rId1"/>
+    </p:custDataLst>
+    <p:extLst>
+      <p:ext uri="{BB962C8B-B14F-4D97-AF65-F5344CB8AC3E}">
+        <p14:creationId xmlns:p14="http://schemas.microsoft.com/office/powerpoint/2010/main" val="1916671536"/>
+      </p:ext>
+    </p:extLst>
   </p:cSld>
   <p:clrMapOvr>
     <a:masterClrMapping/>
@@ -13270,428 +14383,6 @@
 </p:sld>
 </file>
 
-<file path=ppt/slides/slide30.xml><?xml version="1.0" encoding="utf-8"?>
-<p:sld xmlns:a="http://schemas.openxmlformats.org/drawingml/2006/main" xmlns:r="http://schemas.openxmlformats.org/officeDocument/2006/relationships" xmlns:p="http://schemas.openxmlformats.org/presentationml/2006/main">
-  <p:cSld>
-    <p:spTree>
-      <p:nvGrpSpPr>
-        <p:cNvPr id="1" name=""/>
-        <p:cNvGrpSpPr/>
-        <p:nvPr/>
-      </p:nvGrpSpPr>
-      <p:grpSpPr>
-        <a:xfrm>
-          <a:off x="0" y="0"/>
-          <a:ext cx="0" cy="0"/>
-          <a:chOff x="0" y="0"/>
-          <a:chExt cx="0" cy="0"/>
-        </a:xfrm>
-      </p:grpSpPr>
-      <p:sp>
-        <p:nvSpPr>
-          <p:cNvPr id="2" name="文本占位符 1"/>
-          <p:cNvSpPr>
-            <a:spLocks noGrp="1"/>
-          </p:cNvSpPr>
-          <p:nvPr>
-            <p:ph type="body" idx="1"/>
-          </p:nvPr>
-        </p:nvSpPr>
-        <p:spPr/>
-        <p:txBody>
-          <a:bodyPr/>
-          <a:lstStyle/>
-          <a:p>
-            <a:pPr marL="285750" indent="-285750">
-              <a:buFont typeface="Arial" panose="020B0604020202020204" pitchFamily="34" charset="0"/>
-              <a:buChar char="•"/>
-            </a:pPr>
-            <a:endParaRPr lang="en-US" altLang="zh-CN" dirty="0"/>
-          </a:p>
-        </p:txBody>
-      </p:sp>
-      <p:sp>
-        <p:nvSpPr>
-          <p:cNvPr id="3" name="标题 2"/>
-          <p:cNvSpPr>
-            <a:spLocks noGrp="1"/>
-          </p:cNvSpPr>
-          <p:nvPr>
-            <p:ph type="title"/>
-          </p:nvPr>
-        </p:nvSpPr>
-        <p:spPr/>
-        <p:txBody>
-          <a:bodyPr/>
-          <a:lstStyle/>
-          <a:p>
-            <a:r>
-              <a:rPr lang="zh-CN" altLang="en-US" dirty="0"/>
-              <a:t>问答</a:t>
-            </a:r>
-          </a:p>
-        </p:txBody>
-      </p:sp>
-    </p:spTree>
-    <p:custDataLst>
-      <p:tags r:id="rId1"/>
-    </p:custDataLst>
-  </p:cSld>
-  <p:clrMapOvr>
-    <a:masterClrMapping/>
-  </p:clrMapOvr>
-</p:sld>
-</file>
-
-<file path=ppt/slides/slide31.xml><?xml version="1.0" encoding="utf-8"?>
-<p:sld xmlns:a="http://schemas.openxmlformats.org/drawingml/2006/main" xmlns:r="http://schemas.openxmlformats.org/officeDocument/2006/relationships" xmlns:p="http://schemas.openxmlformats.org/presentationml/2006/main">
-  <p:cSld>
-    <p:spTree>
-      <p:nvGrpSpPr>
-        <p:cNvPr id="1" name=""/>
-        <p:cNvGrpSpPr/>
-        <p:nvPr/>
-      </p:nvGrpSpPr>
-      <p:grpSpPr>
-        <a:xfrm>
-          <a:off x="0" y="0"/>
-          <a:ext cx="0" cy="0"/>
-          <a:chOff x="0" y="0"/>
-          <a:chExt cx="0" cy="0"/>
-        </a:xfrm>
-      </p:grpSpPr>
-    </p:spTree>
-    <p:custDataLst>
-      <p:tags r:id="rId1"/>
-    </p:custDataLst>
-  </p:cSld>
-  <p:clrMapOvr>
-    <a:masterClrMapping/>
-  </p:clrMapOvr>
-</p:sld>
-</file>
-
-<file path=ppt/slides/slide4.xml><?xml version="1.0" encoding="utf-8"?>
-<p:sld xmlns:a="http://schemas.openxmlformats.org/drawingml/2006/main" xmlns:r="http://schemas.openxmlformats.org/officeDocument/2006/relationships" xmlns:p="http://schemas.openxmlformats.org/presentationml/2006/main">
-  <p:cSld>
-    <p:spTree>
-      <p:nvGrpSpPr>
-        <p:cNvPr id="1" name=""/>
-        <p:cNvGrpSpPr/>
-        <p:nvPr/>
-      </p:nvGrpSpPr>
-      <p:grpSpPr>
-        <a:xfrm>
-          <a:off x="0" y="0"/>
-          <a:ext cx="0" cy="0"/>
-          <a:chOff x="0" y="0"/>
-          <a:chExt cx="0" cy="0"/>
-        </a:xfrm>
-      </p:grpSpPr>
-      <p:sp>
-        <p:nvSpPr>
-          <p:cNvPr id="2" name="文本占位符 1"/>
-          <p:cNvSpPr>
-            <a:spLocks noGrp="1"/>
-          </p:cNvSpPr>
-          <p:nvPr>
-            <p:ph type="body" idx="1"/>
-          </p:nvPr>
-        </p:nvSpPr>
-        <p:spPr/>
-        <p:txBody>
-          <a:bodyPr/>
-          <a:lstStyle/>
-          <a:p>
-            <a:pPr marL="285750" indent="-285750">
-              <a:buFont typeface="Arial" panose="020B0604020202020204" pitchFamily="34" charset="0"/>
-              <a:buChar char="•"/>
-            </a:pPr>
-            <a:r>
-              <a:rPr lang="en-US" altLang="zh-CN" dirty="0"/>
-              <a:t>TODO</a:t>
-            </a:r>
-          </a:p>
-          <a:p>
-            <a:pPr lvl="1"/>
-            <a:endParaRPr lang="zh-CN" altLang="en-US" dirty="0"/>
-          </a:p>
-          <a:p>
-            <a:pPr marL="285750" indent="-285750">
-              <a:buFont typeface="Arial" panose="020B0604020202020204" pitchFamily="34" charset="0"/>
-              <a:buChar char="•"/>
-            </a:pPr>
-            <a:r>
-              <a:rPr lang="zh-CN" altLang="en-US" dirty="0"/>
-              <a:t>自学、展学</a:t>
-            </a:r>
-          </a:p>
-          <a:p>
-            <a:br>
-              <a:rPr lang="zh-CN" altLang="en-US" dirty="0"/>
-            </a:br>
-            <a:endParaRPr lang="zh-CN" altLang="en-US" dirty="0">
-              <a:hlinkClick r:id="rId3" action="ppaction://hlinkfile"/>
-            </a:endParaRPr>
-          </a:p>
-          <a:p>
-            <a:pPr marL="285750" indent="-285750">
-              <a:buFont typeface="Arial" panose="020B0604020202020204" pitchFamily="34" charset="0"/>
-              <a:buChar char="•"/>
-            </a:pPr>
-            <a:endParaRPr lang="zh-CN" altLang="en-US" dirty="0"/>
-          </a:p>
-        </p:txBody>
-      </p:sp>
-      <p:sp>
-        <p:nvSpPr>
-          <p:cNvPr id="3" name="标题 2"/>
-          <p:cNvSpPr>
-            <a:spLocks noGrp="1"/>
-          </p:cNvSpPr>
-          <p:nvPr>
-            <p:ph type="title"/>
-          </p:nvPr>
-        </p:nvSpPr>
-        <p:spPr/>
-        <p:txBody>
-          <a:bodyPr/>
-          <a:lstStyle/>
-          <a:p>
-            <a:r>
-              <a:rPr lang="zh-CN" altLang="en-US" dirty="0"/>
-              <a:t>回顾相关课程内容</a:t>
-            </a:r>
-            <a:endParaRPr dirty="0">
-              <a:sym typeface="+mn-ea"/>
-            </a:endParaRPr>
-          </a:p>
-        </p:txBody>
-      </p:sp>
-    </p:spTree>
-    <p:custDataLst>
-      <p:tags r:id="rId1"/>
-    </p:custDataLst>
-    <p:extLst>
-      <p:ext uri="{BB962C8B-B14F-4D97-AF65-F5344CB8AC3E}">
-        <p14:creationId xmlns:p14="http://schemas.microsoft.com/office/powerpoint/2010/main" val="534233520"/>
-      </p:ext>
-    </p:extLst>
-  </p:cSld>
-  <p:clrMapOvr>
-    <a:masterClrMapping/>
-  </p:clrMapOvr>
-  <p:timing>
-    <p:tnLst>
-      <p:par>
-        <p:cTn id="1" dur="indefinite" restart="never" nodeType="tmRoot">
-          <p:childTnLst>
-            <p:seq concurrent="1" nextAc="seek">
-              <p:cTn id="2" dur="indefinite" nodeType="mainSeq">
-                <p:childTnLst>
-                  <p:par>
-                    <p:cTn id="3" fill="hold">
-                      <p:stCondLst>
-                        <p:cond delay="indefinite"/>
-                      </p:stCondLst>
-                      <p:childTnLst>
-                        <p:par>
-                          <p:cTn id="4" fill="hold">
-                            <p:stCondLst>
-                              <p:cond delay="0"/>
-                            </p:stCondLst>
-                            <p:childTnLst>
-                              <p:par>
-                                <p:cTn id="5" presetID="1" presetClass="entr" presetSubtype="0" fill="hold" nodeType="clickEffect">
-                                  <p:stCondLst>
-                                    <p:cond delay="0"/>
-                                  </p:stCondLst>
-                                  <p:childTnLst>
-                                    <p:set>
-                                      <p:cBhvr>
-                                        <p:cTn id="6" dur="1" fill="hold">
-                                          <p:stCondLst>
-                                            <p:cond delay="0"/>
-                                          </p:stCondLst>
-                                        </p:cTn>
-                                        <p:tgtEl>
-                                          <p:spTgt spid="2">
-                                            <p:txEl>
-                                              <p:pRg st="0" end="0"/>
-                                            </p:txEl>
-                                          </p:spTgt>
-                                        </p:tgtEl>
-                                        <p:attrNameLst>
-                                          <p:attrName>style.visibility</p:attrName>
-                                        </p:attrNameLst>
-                                      </p:cBhvr>
-                                      <p:to>
-                                        <p:strVal val="visible"/>
-                                      </p:to>
-                                    </p:set>
-                                  </p:childTnLst>
-                                </p:cTn>
-                              </p:par>
-                            </p:childTnLst>
-                          </p:cTn>
-                        </p:par>
-                      </p:childTnLst>
-                    </p:cTn>
-                  </p:par>
-                </p:childTnLst>
-              </p:cTn>
-              <p:prevCondLst>
-                <p:cond evt="onPrev" delay="0">
-                  <p:tgtEl>
-                    <p:sldTgt/>
-                  </p:tgtEl>
-                </p:cond>
-              </p:prevCondLst>
-              <p:nextCondLst>
-                <p:cond evt="onNext" delay="0">
-                  <p:tgtEl>
-                    <p:sldTgt/>
-                  </p:tgtEl>
-                </p:cond>
-              </p:nextCondLst>
-            </p:seq>
-          </p:childTnLst>
-        </p:cTn>
-      </p:par>
-    </p:tnLst>
-  </p:timing>
-</p:sld>
-</file>
-
-<file path=ppt/slides/slide5.xml><?xml version="1.0" encoding="utf-8"?>
-<p:sld xmlns:a="http://schemas.openxmlformats.org/drawingml/2006/main" xmlns:r="http://schemas.openxmlformats.org/officeDocument/2006/relationships" xmlns:p="http://schemas.openxmlformats.org/presentationml/2006/main">
-  <p:cSld>
-    <p:spTree>
-      <p:nvGrpSpPr>
-        <p:cNvPr id="1" name=""/>
-        <p:cNvGrpSpPr/>
-        <p:nvPr/>
-      </p:nvGrpSpPr>
-      <p:grpSpPr>
-        <a:xfrm>
-          <a:off x="0" y="0"/>
-          <a:ext cx="0" cy="0"/>
-          <a:chOff x="0" y="0"/>
-          <a:chExt cx="0" cy="0"/>
-        </a:xfrm>
-      </p:grpSpPr>
-      <p:sp>
-        <p:nvSpPr>
-          <p:cNvPr id="2" name="文本占位符 1"/>
-          <p:cNvSpPr>
-            <a:spLocks noGrp="1"/>
-          </p:cNvSpPr>
-          <p:nvPr>
-            <p:ph type="body" idx="1"/>
-          </p:nvPr>
-        </p:nvSpPr>
-        <p:spPr/>
-        <p:txBody>
-          <a:bodyPr/>
-          <a:lstStyle/>
-          <a:p>
-            <a:pPr marL="285750" indent="-285750">
-              <a:buFont typeface="Arial" panose="020B0604020202020204" pitchFamily="34" charset="0"/>
-              <a:buChar char="•"/>
-            </a:pPr>
-            <a:r>
-              <a:rPr lang="zh-CN" altLang="en-US" dirty="0"/>
-              <a:t>收敛的速度决定于什么？</a:t>
-            </a:r>
-            <a:endParaRPr lang="en-US" altLang="zh-CN" dirty="0"/>
-          </a:p>
-          <a:p>
-            <a:pPr marL="285750" indent="-285750">
-              <a:buFont typeface="Arial" panose="020B0604020202020204" pitchFamily="34" charset="0"/>
-              <a:buChar char="•"/>
-            </a:pPr>
-            <a:r>
-              <a:rPr lang="zh-CN" altLang="en-US" dirty="0"/>
-              <a:t>全连接层在“判断性别</a:t>
-            </a:r>
-            <a:r>
-              <a:rPr lang="en-US" altLang="zh-CN" dirty="0"/>
-              <a:t>Demo</a:t>
-            </a:r>
-            <a:r>
-              <a:rPr lang="zh-CN" altLang="en-US" dirty="0"/>
-              <a:t>“的训练时，收敛得比较慢，如何加快收敛？</a:t>
-            </a:r>
-            <a:endParaRPr lang="en-US" altLang="zh-CN" dirty="0"/>
-          </a:p>
-          <a:p>
-            <a:pPr marL="285750" indent="-285750">
-              <a:buFont typeface="Arial" panose="020B0604020202020204" pitchFamily="34" charset="0"/>
-              <a:buChar char="•"/>
-            </a:pPr>
-            <a:r>
-              <a:rPr lang="zh-CN" altLang="en-US" dirty="0"/>
-              <a:t>全连接层在“识别手写数字“的训练时，收敛得比较慢，如何加快收敛？</a:t>
-            </a:r>
-            <a:endParaRPr lang="en-US" altLang="zh-CN" dirty="0"/>
-          </a:p>
-          <a:p>
-            <a:pPr marL="285750" indent="-285750">
-              <a:buFont typeface="Arial" panose="020B0604020202020204" pitchFamily="34" charset="0"/>
-              <a:buChar char="•"/>
-            </a:pPr>
-            <a:endParaRPr lang="en-US" altLang="zh-CN" dirty="0"/>
-          </a:p>
-          <a:p>
-            <a:pPr marL="285750" indent="-285750">
-              <a:buFont typeface="Arial" panose="020B0604020202020204" pitchFamily="34" charset="0"/>
-              <a:buChar char="•"/>
-            </a:pPr>
-            <a:endParaRPr lang="zh-CN" altLang="en-US" dirty="0"/>
-          </a:p>
-        </p:txBody>
-      </p:sp>
-      <p:sp>
-        <p:nvSpPr>
-          <p:cNvPr id="3" name="标题 2"/>
-          <p:cNvSpPr>
-            <a:spLocks noGrp="1"/>
-          </p:cNvSpPr>
-          <p:nvPr>
-            <p:ph type="title"/>
-          </p:nvPr>
-        </p:nvSpPr>
-        <p:spPr/>
-        <p:txBody>
-          <a:bodyPr/>
-          <a:lstStyle/>
-          <a:p>
-            <a:r>
-              <a:rPr lang="zh-CN" altLang="en-US" dirty="0"/>
-              <a:t>为什么要学习本课</a:t>
-            </a:r>
-            <a:endParaRPr dirty="0">
-              <a:sym typeface="+mn-ea"/>
-            </a:endParaRPr>
-          </a:p>
-        </p:txBody>
-      </p:sp>
-    </p:spTree>
-    <p:custDataLst>
-      <p:tags r:id="rId1"/>
-    </p:custDataLst>
-    <p:extLst>
-      <p:ext uri="{BB962C8B-B14F-4D97-AF65-F5344CB8AC3E}">
-        <p14:creationId xmlns:p14="http://schemas.microsoft.com/office/powerpoint/2010/main" val="1916671536"/>
-      </p:ext>
-    </p:extLst>
-  </p:cSld>
-  <p:clrMapOvr>
-    <a:masterClrMapping/>
-  </p:clrMapOvr>
-</p:sld>
-</file>
-
 <file path=ppt/slides/slide6.xml><?xml version="1.0" encoding="utf-8"?>
 <p:sld xmlns:a="http://schemas.openxmlformats.org/drawingml/2006/main" xmlns:r="http://schemas.openxmlformats.org/officeDocument/2006/relationships" xmlns:p="http://schemas.openxmlformats.org/presentationml/2006/main">
   <p:cSld>
@@ -14180,7 +14871,7 @@
         <p:spPr>
           <a:xfrm>
             <a:off x="7918102" y="2210637"/>
-            <a:ext cx="1338828" cy="369332"/>
+            <a:ext cx="2262158" cy="369332"/>
           </a:xfrm>
           <a:prstGeom prst="rect">
             <a:avLst/>
@@ -14195,7 +14886,7 @@
           <a:p>
             <a:r>
               <a:rPr kumimoji="1" lang="zh-CN" altLang="en-US" dirty="0"/>
-              <a:t>梯度的大小</a:t>
+              <a:t>梯度越大，收敛越快</a:t>
             </a:r>
           </a:p>
         </p:txBody>
@@ -14234,7 +14925,7 @@
                             </p:stCondLst>
                             <p:childTnLst>
                               <p:par>
-                                <p:cTn id="5" presetID="1" presetClass="entr" presetSubtype="0" fill="hold" grpId="0" nodeType="clickEffect">
+                                <p:cTn id="5" presetID="1" presetClass="entr" presetSubtype="0" fill="hold" nodeType="clickEffect">
                                   <p:stCondLst>
                                     <p:cond delay="0"/>
                                   </p:stCondLst>
@@ -14247,7 +14938,105 @@
                                           </p:stCondLst>
                                         </p:cTn>
                                         <p:tgtEl>
-                                          <p:spTgt spid="6"/>
+                                          <p:spTgt spid="6">
+                                            <p:txEl>
+                                              <p:pRg st="0" end="0"/>
+                                            </p:txEl>
+                                          </p:spTgt>
+                                        </p:tgtEl>
+                                        <p:attrNameLst>
+                                          <p:attrName>style.visibility</p:attrName>
+                                        </p:attrNameLst>
+                                      </p:cBhvr>
+                                      <p:to>
+                                        <p:strVal val="visible"/>
+                                      </p:to>
+                                    </p:set>
+                                  </p:childTnLst>
+                                </p:cTn>
+                              </p:par>
+                            </p:childTnLst>
+                          </p:cTn>
+                        </p:par>
+                      </p:childTnLst>
+                    </p:cTn>
+                  </p:par>
+                  <p:par>
+                    <p:cTn id="7" fill="hold">
+                      <p:stCondLst>
+                        <p:cond delay="indefinite"/>
+                      </p:stCondLst>
+                      <p:childTnLst>
+                        <p:par>
+                          <p:cTn id="8" fill="hold">
+                            <p:stCondLst>
+                              <p:cond delay="0"/>
+                            </p:stCondLst>
+                            <p:childTnLst>
+                              <p:par>
+                                <p:cTn id="9" presetID="1" presetClass="entr" presetSubtype="0" fill="hold" nodeType="clickEffect">
+                                  <p:stCondLst>
+                                    <p:cond delay="0"/>
+                                  </p:stCondLst>
+                                  <p:childTnLst>
+                                    <p:set>
+                                      <p:cBhvr>
+                                        <p:cTn id="10" dur="1" fill="hold">
+                                          <p:stCondLst>
+                                            <p:cond delay="0"/>
+                                          </p:stCondLst>
+                                        </p:cTn>
+                                        <p:tgtEl>
+                                          <p:spTgt spid="6">
+                                            <p:txEl>
+                                              <p:pRg st="1" end="1"/>
+                                            </p:txEl>
+                                          </p:spTgt>
+                                        </p:tgtEl>
+                                        <p:attrNameLst>
+                                          <p:attrName>style.visibility</p:attrName>
+                                        </p:attrNameLst>
+                                      </p:cBhvr>
+                                      <p:to>
+                                        <p:strVal val="visible"/>
+                                      </p:to>
+                                    </p:set>
+                                  </p:childTnLst>
+                                </p:cTn>
+                              </p:par>
+                            </p:childTnLst>
+                          </p:cTn>
+                        </p:par>
+                      </p:childTnLst>
+                    </p:cTn>
+                  </p:par>
+                  <p:par>
+                    <p:cTn id="11" fill="hold">
+                      <p:stCondLst>
+                        <p:cond delay="indefinite"/>
+                      </p:stCondLst>
+                      <p:childTnLst>
+                        <p:par>
+                          <p:cTn id="12" fill="hold">
+                            <p:stCondLst>
+                              <p:cond delay="0"/>
+                            </p:stCondLst>
+                            <p:childTnLst>
+                              <p:par>
+                                <p:cTn id="13" presetID="1" presetClass="entr" presetSubtype="0" fill="hold" grpId="0" nodeType="clickEffect">
+                                  <p:stCondLst>
+                                    <p:cond delay="0"/>
+                                  </p:stCondLst>
+                                  <p:childTnLst>
+                                    <p:set>
+                                      <p:cBhvr>
+                                        <p:cTn id="14" dur="1" fill="hold">
+                                          <p:stCondLst>
+                                            <p:cond delay="0"/>
+                                          </p:stCondLst>
+                                        </p:cTn>
+                                        <p:tgtEl>
+                                          <p:spTgt spid="2"/>
                                         </p:tgtEl>
                                         <p:attrNameLst>
                                           <p:attrName>style.visibility</p:attrName>
@@ -14288,7 +15077,7 @@
       </p:par>
     </p:tnLst>
     <p:bldLst>
-      <p:bldP spid="6" grpId="0"/>
+      <p:bldP spid="2" grpId="0"/>
     </p:bldLst>
   </p:timing>
 </p:sld>
@@ -14621,18 +15410,7 @@
             </a:pPr>
             <a:r>
               <a:rPr lang="zh-CN" altLang="en-US" dirty="0"/>
-              <a:t>公式中跟输出层相关的变量是哪项？</a:t>
-            </a:r>
-            <a:endParaRPr lang="en-US" altLang="zh-CN" dirty="0"/>
-          </a:p>
-          <a:p>
-            <a:pPr marL="285750" indent="-285750">
-              <a:buFont typeface="Arial" panose="020B0604020202020204" pitchFamily="34" charset="0"/>
-              <a:buChar char="•"/>
-            </a:pPr>
-            <a:r>
-              <a:rPr lang="zh-CN" altLang="en-US" dirty="0"/>
-              <a:t>它的值跟</a:t>
+              <a:t>公式中的第三项（激活函数的导数）的值跟</a:t>
             </a:r>
             <a:r>
               <a:rPr lang="en-US" altLang="zh-CN" dirty="0"/>
@@ -14641,6 +15419,44 @@
             <a:r>
               <a:rPr lang="zh-CN" altLang="en-US" dirty="0"/>
               <a:t>的大小有什么关系？</a:t>
+            </a:r>
+            <a:endParaRPr lang="en-US" altLang="zh-CN" dirty="0"/>
+          </a:p>
+          <a:p>
+            <a:pPr marL="285750" indent="-285750">
+              <a:buFont typeface="Arial" panose="020B0604020202020204" pitchFamily="34" charset="0"/>
+              <a:buChar char="•"/>
+            </a:pPr>
+            <a:r>
+              <a:rPr lang="zh-CN" altLang="en-US" dirty="0"/>
+              <a:t>所以</a:t>
+            </a:r>
+            <a:r>
+              <a:rPr lang="en-US" altLang="zh-CN" dirty="0"/>
+              <a:t>loss</a:t>
+            </a:r>
+            <a:r>
+              <a:rPr lang="zh-CN" altLang="en-US" dirty="0"/>
+              <a:t>的大小和梯度的大小的关系是什么？</a:t>
+            </a:r>
+            <a:endParaRPr lang="en-US" altLang="zh-CN" dirty="0"/>
+          </a:p>
+          <a:p>
+            <a:pPr marL="285750" indent="-285750">
+              <a:buFont typeface="Arial" panose="020B0604020202020204" pitchFamily="34" charset="0"/>
+              <a:buChar char="•"/>
+            </a:pPr>
+            <a:r>
+              <a:rPr lang="zh-CN" altLang="en-US" dirty="0"/>
+              <a:t>所以</a:t>
+            </a:r>
+            <a:r>
+              <a:rPr lang="en-US" altLang="zh-CN" dirty="0"/>
+              <a:t>loss</a:t>
+            </a:r>
+            <a:r>
+              <a:rPr lang="zh-CN" altLang="en-US" dirty="0"/>
+              <a:t>的大小和收敛速度的关系是什么？</a:t>
             </a:r>
             <a:endParaRPr lang="en-US" altLang="zh-CN" dirty="0"/>
           </a:p>
@@ -14790,7 +15606,7 @@
         </p:blipFill>
         <p:spPr>
           <a:xfrm>
-            <a:off x="3542253" y="4833620"/>
+            <a:off x="3455068" y="5127220"/>
             <a:ext cx="6896100" cy="1498600"/>
           </a:xfrm>
           <a:prstGeom prst="rect">
@@ -14836,10 +15652,10 @@
       </p:pic>
       <p:pic>
         <p:nvPicPr>
-          <p:cNvPr id="13" name="图片 12">
+          <p:cNvPr id="8" name="图片 7">
             <a:extLst>
               <a:ext uri="{FF2B5EF4-FFF2-40B4-BE49-F238E27FC236}">
-                <a16:creationId xmlns:a16="http://schemas.microsoft.com/office/drawing/2014/main" id="{A08EBD16-6C53-0538-8302-1C642B462673}"/>
+                <a16:creationId xmlns:a16="http://schemas.microsoft.com/office/drawing/2014/main" id="{C93741E9-C658-3EBE-243E-2468281F56C9}"/>
               </a:ext>
             </a:extLst>
           </p:cNvPr>
@@ -14862,8 +15678,8 @@
         </p:blipFill>
         <p:spPr>
           <a:xfrm>
-            <a:off x="6437665" y="2822151"/>
-            <a:ext cx="3042888" cy="1900574"/>
+            <a:off x="8560114" y="3375763"/>
+            <a:ext cx="3114361" cy="1652929"/>
           </a:xfrm>
           <a:prstGeom prst="rect">
             <a:avLst/>
@@ -14904,7 +15720,7 @@
                             </p:stCondLst>
                             <p:childTnLst>
                               <p:par>
-                                <p:cTn id="5" presetID="1" presetClass="entr" presetSubtype="0" fill="hold" grpId="0" nodeType="clickEffect">
+                                <p:cTn id="5" presetID="1" presetClass="entr" presetSubtype="0" fill="hold" nodeType="clickEffect">
                                   <p:stCondLst>
                                     <p:cond delay="0"/>
                                   </p:stCondLst>
@@ -14917,7 +15733,11 @@
                                           </p:stCondLst>
                                         </p:cTn>
                                         <p:tgtEl>
-                                          <p:spTgt spid="6"/>
+                                          <p:spTgt spid="6">
+                                            <p:txEl>
+                                              <p:pRg st="0" end="0"/>
+                                            </p:txEl>
+                                          </p:spTgt>
                                         </p:tgtEl>
                                         <p:attrNameLst>
                                           <p:attrName>style.visibility</p:attrName>
@@ -14957,6 +15777,1667 @@
                                     <p:set>
                                       <p:cBhvr>
                                         <p:cTn id="10" dur="1" fill="hold">
+                                          <p:stCondLst>
+                                            <p:cond delay="0"/>
+                                          </p:stCondLst>
+                                        </p:cTn>
+                                        <p:tgtEl>
+                                          <p:spTgt spid="6">
+                                            <p:txEl>
+                                              <p:pRg st="1" end="1"/>
+                                            </p:txEl>
+                                          </p:spTgt>
+                                        </p:tgtEl>
+                                        <p:attrNameLst>
+                                          <p:attrName>style.visibility</p:attrName>
+                                        </p:attrNameLst>
+                                      </p:cBhvr>
+                                      <p:to>
+                                        <p:strVal val="visible"/>
+                                      </p:to>
+                                    </p:set>
+                                  </p:childTnLst>
+                                </p:cTn>
+                              </p:par>
+                            </p:childTnLst>
+                          </p:cTn>
+                        </p:par>
+                      </p:childTnLst>
+                    </p:cTn>
+                  </p:par>
+                  <p:par>
+                    <p:cTn id="11" fill="hold">
+                      <p:stCondLst>
+                        <p:cond delay="indefinite"/>
+                      </p:stCondLst>
+                      <p:childTnLst>
+                        <p:par>
+                          <p:cTn id="12" fill="hold">
+                            <p:stCondLst>
+                              <p:cond delay="0"/>
+                            </p:stCondLst>
+                            <p:childTnLst>
+                              <p:par>
+                                <p:cTn id="13" presetID="1" presetClass="entr" presetSubtype="0" fill="hold" nodeType="clickEffect">
+                                  <p:stCondLst>
+                                    <p:cond delay="0"/>
+                                  </p:stCondLst>
+                                  <p:childTnLst>
+                                    <p:set>
+                                      <p:cBhvr>
+                                        <p:cTn id="14" dur="1" fill="hold">
+                                          <p:stCondLst>
+                                            <p:cond delay="0"/>
+                                          </p:stCondLst>
+                                        </p:cTn>
+                                        <p:tgtEl>
+                                          <p:spTgt spid="11"/>
+                                        </p:tgtEl>
+                                        <p:attrNameLst>
+                                          <p:attrName>style.visibility</p:attrName>
+                                        </p:attrNameLst>
+                                      </p:cBhvr>
+                                      <p:to>
+                                        <p:strVal val="visible"/>
+                                      </p:to>
+                                    </p:set>
+                                  </p:childTnLst>
+                                </p:cTn>
+                              </p:par>
+                            </p:childTnLst>
+                          </p:cTn>
+                        </p:par>
+                      </p:childTnLst>
+                    </p:cTn>
+                  </p:par>
+                  <p:par>
+                    <p:cTn id="15" fill="hold">
+                      <p:stCondLst>
+                        <p:cond delay="indefinite"/>
+                      </p:stCondLst>
+                      <p:childTnLst>
+                        <p:par>
+                          <p:cTn id="16" fill="hold">
+                            <p:stCondLst>
+                              <p:cond delay="0"/>
+                            </p:stCondLst>
+                            <p:childTnLst>
+                              <p:par>
+                                <p:cTn id="17" presetID="1" presetClass="entr" presetSubtype="0" fill="hold" nodeType="clickEffect">
+                                  <p:stCondLst>
+                                    <p:cond delay="0"/>
+                                  </p:stCondLst>
+                                  <p:childTnLst>
+                                    <p:set>
+                                      <p:cBhvr>
+                                        <p:cTn id="18" dur="1" fill="hold">
+                                          <p:stCondLst>
+                                            <p:cond delay="0"/>
+                                          </p:stCondLst>
+                                        </p:cTn>
+                                        <p:tgtEl>
+                                          <p:spTgt spid="6">
+                                            <p:txEl>
+                                              <p:pRg st="2" end="2"/>
+                                            </p:txEl>
+                                          </p:spTgt>
+                                        </p:tgtEl>
+                                        <p:attrNameLst>
+                                          <p:attrName>style.visibility</p:attrName>
+                                        </p:attrNameLst>
+                                      </p:cBhvr>
+                                      <p:to>
+                                        <p:strVal val="visible"/>
+                                      </p:to>
+                                    </p:set>
+                                  </p:childTnLst>
+                                </p:cTn>
+                              </p:par>
+                            </p:childTnLst>
+                          </p:cTn>
+                        </p:par>
+                      </p:childTnLst>
+                    </p:cTn>
+                  </p:par>
+                  <p:par>
+                    <p:cTn id="19" fill="hold">
+                      <p:stCondLst>
+                        <p:cond delay="indefinite"/>
+                      </p:stCondLst>
+                      <p:childTnLst>
+                        <p:par>
+                          <p:cTn id="20" fill="hold">
+                            <p:stCondLst>
+                              <p:cond delay="0"/>
+                            </p:stCondLst>
+                            <p:childTnLst>
+                              <p:par>
+                                <p:cTn id="21" presetID="1" presetClass="entr" presetSubtype="0" fill="hold" nodeType="clickEffect">
+                                  <p:stCondLst>
+                                    <p:cond delay="0"/>
+                                  </p:stCondLst>
+                                  <p:childTnLst>
+                                    <p:set>
+                                      <p:cBhvr>
+                                        <p:cTn id="22" dur="1" fill="hold">
+                                          <p:stCondLst>
+                                            <p:cond delay="0"/>
+                                          </p:stCondLst>
+                                        </p:cTn>
+                                        <p:tgtEl>
+                                          <p:spTgt spid="5"/>
+                                        </p:tgtEl>
+                                        <p:attrNameLst>
+                                          <p:attrName>style.visibility</p:attrName>
+                                        </p:attrNameLst>
+                                      </p:cBhvr>
+                                      <p:to>
+                                        <p:strVal val="visible"/>
+                                      </p:to>
+                                    </p:set>
+                                  </p:childTnLst>
+                                </p:cTn>
+                              </p:par>
+                            </p:childTnLst>
+                          </p:cTn>
+                        </p:par>
+                      </p:childTnLst>
+                    </p:cTn>
+                  </p:par>
+                  <p:par>
+                    <p:cTn id="23" fill="hold">
+                      <p:stCondLst>
+                        <p:cond delay="indefinite"/>
+                      </p:stCondLst>
+                      <p:childTnLst>
+                        <p:par>
+                          <p:cTn id="24" fill="hold">
+                            <p:stCondLst>
+                              <p:cond delay="0"/>
+                            </p:stCondLst>
+                            <p:childTnLst>
+                              <p:par>
+                                <p:cTn id="25" presetID="1" presetClass="entr" presetSubtype="0" fill="hold" nodeType="clickEffect">
+                                  <p:stCondLst>
+                                    <p:cond delay="0"/>
+                                  </p:stCondLst>
+                                  <p:childTnLst>
+                                    <p:set>
+                                      <p:cBhvr>
+                                        <p:cTn id="26" dur="1" fill="hold">
+                                          <p:stCondLst>
+                                            <p:cond delay="0"/>
+                                          </p:stCondLst>
+                                        </p:cTn>
+                                        <p:tgtEl>
+                                          <p:spTgt spid="6">
+                                            <p:txEl>
+                                              <p:pRg st="3" end="3"/>
+                                            </p:txEl>
+                                          </p:spTgt>
+                                        </p:tgtEl>
+                                        <p:attrNameLst>
+                                          <p:attrName>style.visibility</p:attrName>
+                                        </p:attrNameLst>
+                                      </p:cBhvr>
+                                      <p:to>
+                                        <p:strVal val="visible"/>
+                                      </p:to>
+                                    </p:set>
+                                  </p:childTnLst>
+                                </p:cTn>
+                              </p:par>
+                            </p:childTnLst>
+                          </p:cTn>
+                        </p:par>
+                      </p:childTnLst>
+                    </p:cTn>
+                  </p:par>
+                  <p:par>
+                    <p:cTn id="27" fill="hold">
+                      <p:stCondLst>
+                        <p:cond delay="indefinite"/>
+                      </p:stCondLst>
+                      <p:childTnLst>
+                        <p:par>
+                          <p:cTn id="28" fill="hold">
+                            <p:stCondLst>
+                              <p:cond delay="0"/>
+                            </p:stCondLst>
+                            <p:childTnLst>
+                              <p:par>
+                                <p:cTn id="29" presetID="1" presetClass="entr" presetSubtype="0" fill="hold" nodeType="clickEffect">
+                                  <p:stCondLst>
+                                    <p:cond delay="0"/>
+                                  </p:stCondLst>
+                                  <p:childTnLst>
+                                    <p:set>
+                                      <p:cBhvr>
+                                        <p:cTn id="30" dur="1" fill="hold">
+                                          <p:stCondLst>
+                                            <p:cond delay="0"/>
+                                          </p:stCondLst>
+                                        </p:cTn>
+                                        <p:tgtEl>
+                                          <p:spTgt spid="8"/>
+                                        </p:tgtEl>
+                                        <p:attrNameLst>
+                                          <p:attrName>style.visibility</p:attrName>
+                                        </p:attrNameLst>
+                                      </p:cBhvr>
+                                      <p:to>
+                                        <p:strVal val="visible"/>
+                                      </p:to>
+                                    </p:set>
+                                  </p:childTnLst>
+                                </p:cTn>
+                              </p:par>
+                            </p:childTnLst>
+                          </p:cTn>
+                        </p:par>
+                      </p:childTnLst>
+                    </p:cTn>
+                  </p:par>
+                  <p:par>
+                    <p:cTn id="31" fill="hold">
+                      <p:stCondLst>
+                        <p:cond delay="indefinite"/>
+                      </p:stCondLst>
+                      <p:childTnLst>
+                        <p:par>
+                          <p:cTn id="32" fill="hold">
+                            <p:stCondLst>
+                              <p:cond delay="0"/>
+                            </p:stCondLst>
+                            <p:childTnLst>
+                              <p:par>
+                                <p:cTn id="33" presetID="1" presetClass="entr" presetSubtype="0" fill="hold" nodeType="clickEffect">
+                                  <p:stCondLst>
+                                    <p:cond delay="0"/>
+                                  </p:stCondLst>
+                                  <p:childTnLst>
+                                    <p:set>
+                                      <p:cBhvr>
+                                        <p:cTn id="34" dur="1" fill="hold">
+                                          <p:stCondLst>
+                                            <p:cond delay="0"/>
+                                          </p:stCondLst>
+                                        </p:cTn>
+                                        <p:tgtEl>
+                                          <p:spTgt spid="6">
+                                            <p:txEl>
+                                              <p:pRg st="4" end="4"/>
+                                            </p:txEl>
+                                          </p:spTgt>
+                                        </p:tgtEl>
+                                        <p:attrNameLst>
+                                          <p:attrName>style.visibility</p:attrName>
+                                        </p:attrNameLst>
+                                      </p:cBhvr>
+                                      <p:to>
+                                        <p:strVal val="visible"/>
+                                      </p:to>
+                                    </p:set>
+                                  </p:childTnLst>
+                                </p:cTn>
+                              </p:par>
+                            </p:childTnLst>
+                          </p:cTn>
+                        </p:par>
+                      </p:childTnLst>
+                    </p:cTn>
+                  </p:par>
+                  <p:par>
+                    <p:cTn id="35" fill="hold">
+                      <p:stCondLst>
+                        <p:cond delay="indefinite"/>
+                      </p:stCondLst>
+                      <p:childTnLst>
+                        <p:par>
+                          <p:cTn id="36" fill="hold">
+                            <p:stCondLst>
+                              <p:cond delay="0"/>
+                            </p:stCondLst>
+                            <p:childTnLst>
+                              <p:par>
+                                <p:cTn id="37" presetID="1" presetClass="entr" presetSubtype="0" fill="hold" nodeType="clickEffect">
+                                  <p:stCondLst>
+                                    <p:cond delay="0"/>
+                                  </p:stCondLst>
+                                  <p:childTnLst>
+                                    <p:set>
+                                      <p:cBhvr>
+                                        <p:cTn id="38" dur="1" fill="hold">
+                                          <p:stCondLst>
+                                            <p:cond delay="0"/>
+                                          </p:stCondLst>
+                                        </p:cTn>
+                                        <p:tgtEl>
+                                          <p:spTgt spid="10"/>
+                                        </p:tgtEl>
+                                        <p:attrNameLst>
+                                          <p:attrName>style.visibility</p:attrName>
+                                        </p:attrNameLst>
+                                      </p:cBhvr>
+                                      <p:to>
+                                        <p:strVal val="visible"/>
+                                      </p:to>
+                                    </p:set>
+                                  </p:childTnLst>
+                                </p:cTn>
+                              </p:par>
+                            </p:childTnLst>
+                          </p:cTn>
+                        </p:par>
+                      </p:childTnLst>
+                    </p:cTn>
+                  </p:par>
+                  <p:par>
+                    <p:cTn id="39" fill="hold">
+                      <p:stCondLst>
+                        <p:cond delay="indefinite"/>
+                      </p:stCondLst>
+                      <p:childTnLst>
+                        <p:par>
+                          <p:cTn id="40" fill="hold">
+                            <p:stCondLst>
+                              <p:cond delay="0"/>
+                            </p:stCondLst>
+                            <p:childTnLst>
+                              <p:par>
+                                <p:cTn id="41" presetID="1" presetClass="entr" presetSubtype="0" fill="hold" nodeType="clickEffect">
+                                  <p:stCondLst>
+                                    <p:cond delay="0"/>
+                                  </p:stCondLst>
+                                  <p:childTnLst>
+                                    <p:set>
+                                      <p:cBhvr>
+                                        <p:cTn id="42" dur="1" fill="hold">
+                                          <p:stCondLst>
+                                            <p:cond delay="0"/>
+                                          </p:stCondLst>
+                                        </p:cTn>
+                                        <p:tgtEl>
+                                          <p:spTgt spid="6">
+                                            <p:txEl>
+                                              <p:pRg st="5" end="5"/>
+                                            </p:txEl>
+                                          </p:spTgt>
+                                        </p:tgtEl>
+                                        <p:attrNameLst>
+                                          <p:attrName>style.visibility</p:attrName>
+                                        </p:attrNameLst>
+                                      </p:cBhvr>
+                                      <p:to>
+                                        <p:strVal val="visible"/>
+                                      </p:to>
+                                    </p:set>
+                                  </p:childTnLst>
+                                </p:cTn>
+                              </p:par>
+                            </p:childTnLst>
+                          </p:cTn>
+                        </p:par>
+                      </p:childTnLst>
+                    </p:cTn>
+                  </p:par>
+                  <p:par>
+                    <p:cTn id="43" fill="hold">
+                      <p:stCondLst>
+                        <p:cond delay="indefinite"/>
+                      </p:stCondLst>
+                      <p:childTnLst>
+                        <p:par>
+                          <p:cTn id="44" fill="hold">
+                            <p:stCondLst>
+                              <p:cond delay="0"/>
+                            </p:stCondLst>
+                            <p:childTnLst>
+                              <p:par>
+                                <p:cTn id="45" presetID="1" presetClass="entr" presetSubtype="0" fill="hold" nodeType="clickEffect">
+                                  <p:stCondLst>
+                                    <p:cond delay="0"/>
+                                  </p:stCondLst>
+                                  <p:childTnLst>
+                                    <p:set>
+                                      <p:cBhvr>
+                                        <p:cTn id="46" dur="1" fill="hold">
+                                          <p:stCondLst>
+                                            <p:cond delay="0"/>
+                                          </p:stCondLst>
+                                        </p:cTn>
+                                        <p:tgtEl>
+                                          <p:spTgt spid="6">
+                                            <p:txEl>
+                                              <p:pRg st="6" end="6"/>
+                                            </p:txEl>
+                                          </p:spTgt>
+                                        </p:tgtEl>
+                                        <p:attrNameLst>
+                                          <p:attrName>style.visibility</p:attrName>
+                                        </p:attrNameLst>
+                                      </p:cBhvr>
+                                      <p:to>
+                                        <p:strVal val="visible"/>
+                                      </p:to>
+                                    </p:set>
+                                  </p:childTnLst>
+                                </p:cTn>
+                              </p:par>
+                            </p:childTnLst>
+                          </p:cTn>
+                        </p:par>
+                      </p:childTnLst>
+                    </p:cTn>
+                  </p:par>
+                </p:childTnLst>
+              </p:cTn>
+              <p:prevCondLst>
+                <p:cond evt="onPrev" delay="0">
+                  <p:tgtEl>
+                    <p:sldTgt/>
+                  </p:tgtEl>
+                </p:cond>
+              </p:prevCondLst>
+              <p:nextCondLst>
+                <p:cond evt="onNext" delay="0">
+                  <p:tgtEl>
+                    <p:sldTgt/>
+                  </p:tgtEl>
+                </p:cond>
+              </p:nextCondLst>
+            </p:seq>
+          </p:childTnLst>
+        </p:cTn>
+      </p:par>
+    </p:tnLst>
+  </p:timing>
+</p:sld>
+</file>
+
+<file path=ppt/slides/slide9.xml><?xml version="1.0" encoding="utf-8"?>
+<p:sld xmlns:a="http://schemas.openxmlformats.org/drawingml/2006/main" xmlns:r="http://schemas.openxmlformats.org/officeDocument/2006/relationships" xmlns:p="http://schemas.openxmlformats.org/presentationml/2006/main">
+  <p:cSld>
+    <p:spTree>
+      <p:nvGrpSpPr>
+        <p:cNvPr id="1" name=""/>
+        <p:cNvGrpSpPr/>
+        <p:nvPr/>
+      </p:nvGrpSpPr>
+      <p:grpSpPr>
+        <a:xfrm>
+          <a:off x="0" y="0"/>
+          <a:ext cx="0" cy="0"/>
+          <a:chOff x="0" y="0"/>
+          <a:chExt cx="0" cy="0"/>
+        </a:xfrm>
+      </p:grpSpPr>
+      <p:sp>
+        <p:nvSpPr>
+          <p:cNvPr id="3" name="标题 2"/>
+          <p:cNvSpPr>
+            <a:spLocks noGrp="1"/>
+          </p:cNvSpPr>
+          <p:nvPr>
+            <p:ph type="title"/>
+          </p:nvPr>
+        </p:nvSpPr>
+        <p:spPr/>
+        <p:txBody>
+          <a:bodyPr/>
+          <a:lstStyle/>
+          <a:p>
+            <a:r>
+              <a:rPr lang="zh-CN" altLang="en-US" dirty="0">
+                <a:sym typeface="+mn-ea"/>
+              </a:rPr>
+              <a:t>主问题：	如何加快</a:t>
+            </a:r>
+            <a:r>
+              <a:rPr lang="zh-CN" altLang="en-US" dirty="0"/>
+              <a:t>单分类的训练速度？</a:t>
+            </a:r>
+            <a:endParaRPr dirty="0">
+              <a:sym typeface="+mn-ea"/>
+            </a:endParaRPr>
+          </a:p>
+        </p:txBody>
+      </p:sp>
+      <p:sp>
+        <p:nvSpPr>
+          <p:cNvPr id="6" name="文本占位符 1">
+            <a:extLst>
+              <a:ext uri="{FF2B5EF4-FFF2-40B4-BE49-F238E27FC236}">
+                <a16:creationId xmlns:a16="http://schemas.microsoft.com/office/drawing/2014/main" id="{BA88068A-4FDC-6963-46A5-ADEC46CDA15E}"/>
+              </a:ext>
+            </a:extLst>
+          </p:cNvPr>
+          <p:cNvSpPr txBox="1">
+            <a:spLocks/>
+          </p:cNvSpPr>
+          <p:nvPr/>
+        </p:nvSpPr>
+        <p:spPr>
+          <a:xfrm>
+            <a:off x="822325" y="1778635"/>
+            <a:ext cx="10852150" cy="4553585"/>
+          </a:xfrm>
+        </p:spPr>
+        <p:txBody>
+          <a:bodyPr lIns="101600" tIns="38100" rIns="76200" bIns="38100">
+            <a:noAutofit/>
+          </a:bodyPr>
+          <a:lstStyle>
+            <a:lvl1pPr marL="0" indent="0" algn="l" defTabSz="914400" rtl="0" eaLnBrk="1" fontAlgn="auto" latinLnBrk="0" hangingPunct="1">
+              <a:lnSpc>
+                <a:spcPct val="130000"/>
+              </a:lnSpc>
+              <a:spcBef>
+                <a:spcPts val="0"/>
+              </a:spcBef>
+              <a:spcAft>
+                <a:spcPts val="1000"/>
+              </a:spcAft>
+              <a:buFont typeface="Arial" panose="020B0604020202020204" pitchFamily="34" charset="0"/>
+              <a:buNone/>
+              <a:defRPr kumimoji="0" lang="zh-CN" altLang="en-US" sz="1600" b="0" i="0" u="none" strike="noStrike" kern="1200" cap="none" spc="150" normalizeH="0" baseline="0" noProof="1">
+                <a:solidFill>
+                  <a:schemeClr val="tx1"/>
+                </a:solidFill>
+                <a:uFillTx/>
+                <a:latin typeface="+mn-lt"/>
+                <a:ea typeface="+mn-ea"/>
+                <a:cs typeface="+mn-cs"/>
+                <a:sym typeface="+mn-ea"/>
+              </a:defRPr>
+            </a:lvl1pPr>
+            <a:lvl2pPr marL="457200" indent="0" algn="l" defTabSz="914400" rtl="0" eaLnBrk="1" fontAlgn="auto" latinLnBrk="0" hangingPunct="1">
+              <a:lnSpc>
+                <a:spcPct val="130000"/>
+              </a:lnSpc>
+              <a:spcBef>
+                <a:spcPts val="0"/>
+              </a:spcBef>
+              <a:spcAft>
+                <a:spcPts val="1000"/>
+              </a:spcAft>
+              <a:buFont typeface="Arial" panose="020B0604020202020204" pitchFamily="34" charset="0"/>
+              <a:buNone/>
+              <a:tabLst>
+                <a:tab pos="1609725" algn="l"/>
+              </a:tabLst>
+              <a:defRPr sz="2000" u="none" strike="noStrike" kern="1200" cap="none" spc="150" normalizeH="0" baseline="0">
+                <a:solidFill>
+                  <a:schemeClr val="tx1">
+                    <a:tint val="75000"/>
+                  </a:schemeClr>
+                </a:solidFill>
+                <a:uFillTx/>
+                <a:latin typeface="+mn-lt"/>
+                <a:ea typeface="+mn-ea"/>
+                <a:cs typeface="+mn-cs"/>
+              </a:defRPr>
+            </a:lvl2pPr>
+            <a:lvl3pPr marL="914400" indent="0" algn="l" defTabSz="914400" rtl="0" eaLnBrk="1" fontAlgn="auto" latinLnBrk="0" hangingPunct="1">
+              <a:lnSpc>
+                <a:spcPct val="130000"/>
+              </a:lnSpc>
+              <a:spcBef>
+                <a:spcPts val="0"/>
+              </a:spcBef>
+              <a:spcAft>
+                <a:spcPts val="1000"/>
+              </a:spcAft>
+              <a:buFont typeface="Arial" panose="020B0604020202020204" pitchFamily="34" charset="0"/>
+              <a:buNone/>
+              <a:defRPr sz="1800" u="none" strike="noStrike" kern="1200" cap="none" spc="150" normalizeH="0" baseline="0">
+                <a:solidFill>
+                  <a:schemeClr val="tx1">
+                    <a:tint val="75000"/>
+                  </a:schemeClr>
+                </a:solidFill>
+                <a:uFillTx/>
+                <a:latin typeface="+mn-lt"/>
+                <a:ea typeface="+mn-ea"/>
+                <a:cs typeface="+mn-cs"/>
+              </a:defRPr>
+            </a:lvl3pPr>
+            <a:lvl4pPr marL="1371600" indent="0" algn="l" defTabSz="914400" rtl="0" eaLnBrk="1" fontAlgn="auto" latinLnBrk="0" hangingPunct="1">
+              <a:lnSpc>
+                <a:spcPct val="130000"/>
+              </a:lnSpc>
+              <a:spcBef>
+                <a:spcPts val="0"/>
+              </a:spcBef>
+              <a:spcAft>
+                <a:spcPts val="1000"/>
+              </a:spcAft>
+              <a:buFont typeface="Arial" panose="020B0604020202020204" pitchFamily="34" charset="0"/>
+              <a:buNone/>
+              <a:defRPr sz="1600" u="none" strike="noStrike" kern="1200" cap="none" spc="150" normalizeH="0" baseline="0">
+                <a:solidFill>
+                  <a:schemeClr val="tx1">
+                    <a:tint val="75000"/>
+                  </a:schemeClr>
+                </a:solidFill>
+                <a:uFillTx/>
+                <a:latin typeface="+mn-lt"/>
+                <a:ea typeface="+mn-ea"/>
+                <a:cs typeface="+mn-cs"/>
+              </a:defRPr>
+            </a:lvl4pPr>
+            <a:lvl5pPr marL="1828800" indent="0" algn="l" defTabSz="914400" rtl="0" eaLnBrk="1" fontAlgn="auto" latinLnBrk="0" hangingPunct="1">
+              <a:lnSpc>
+                <a:spcPct val="130000"/>
+              </a:lnSpc>
+              <a:spcBef>
+                <a:spcPts val="0"/>
+              </a:spcBef>
+              <a:spcAft>
+                <a:spcPts val="1000"/>
+              </a:spcAft>
+              <a:buFont typeface="Arial" panose="020B0604020202020204" pitchFamily="34" charset="0"/>
+              <a:buNone/>
+              <a:defRPr sz="1600" u="none" strike="noStrike" kern="1200" cap="none" spc="150" normalizeH="0" baseline="0">
+                <a:solidFill>
+                  <a:schemeClr val="tx1">
+                    <a:tint val="75000"/>
+                  </a:schemeClr>
+                </a:solidFill>
+                <a:uFillTx/>
+                <a:latin typeface="+mn-lt"/>
+                <a:ea typeface="+mn-ea"/>
+                <a:cs typeface="+mn-cs"/>
+              </a:defRPr>
+            </a:lvl5pPr>
+            <a:lvl6pPr marL="2286000" indent="0" algn="l" defTabSz="914400" rtl="0" eaLnBrk="1" latinLnBrk="0" hangingPunct="1">
+              <a:lnSpc>
+                <a:spcPct val="90000"/>
+              </a:lnSpc>
+              <a:spcBef>
+                <a:spcPts val="500"/>
+              </a:spcBef>
+              <a:buFont typeface="Arial" panose="020B0604020202020204" pitchFamily="34" charset="0"/>
+              <a:buNone/>
+              <a:defRPr sz="1600" kern="1200">
+                <a:solidFill>
+                  <a:schemeClr val="tx1">
+                    <a:tint val="75000"/>
+                  </a:schemeClr>
+                </a:solidFill>
+                <a:latin typeface="+mn-lt"/>
+                <a:ea typeface="+mn-ea"/>
+                <a:cs typeface="+mn-cs"/>
+              </a:defRPr>
+            </a:lvl6pPr>
+            <a:lvl7pPr marL="2743200" indent="0" algn="l" defTabSz="914400" rtl="0" eaLnBrk="1" latinLnBrk="0" hangingPunct="1">
+              <a:lnSpc>
+                <a:spcPct val="90000"/>
+              </a:lnSpc>
+              <a:spcBef>
+                <a:spcPts val="500"/>
+              </a:spcBef>
+              <a:buFont typeface="Arial" panose="020B0604020202020204" pitchFamily="34" charset="0"/>
+              <a:buNone/>
+              <a:defRPr sz="1600" kern="1200">
+                <a:solidFill>
+                  <a:schemeClr val="tx1">
+                    <a:tint val="75000"/>
+                  </a:schemeClr>
+                </a:solidFill>
+                <a:latin typeface="+mn-lt"/>
+                <a:ea typeface="+mn-ea"/>
+                <a:cs typeface="+mn-cs"/>
+              </a:defRPr>
+            </a:lvl7pPr>
+            <a:lvl8pPr marL="3200400" indent="0" algn="l" defTabSz="914400" rtl="0" eaLnBrk="1" latinLnBrk="0" hangingPunct="1">
+              <a:lnSpc>
+                <a:spcPct val="90000"/>
+              </a:lnSpc>
+              <a:spcBef>
+                <a:spcPts val="500"/>
+              </a:spcBef>
+              <a:buFont typeface="Arial" panose="020B0604020202020204" pitchFamily="34" charset="0"/>
+              <a:buNone/>
+              <a:defRPr sz="1600" kern="1200">
+                <a:solidFill>
+                  <a:schemeClr val="tx1">
+                    <a:tint val="75000"/>
+                  </a:schemeClr>
+                </a:solidFill>
+                <a:latin typeface="+mn-lt"/>
+                <a:ea typeface="+mn-ea"/>
+                <a:cs typeface="+mn-cs"/>
+              </a:defRPr>
+            </a:lvl8pPr>
+            <a:lvl9pPr marL="3657600" indent="0" algn="l" defTabSz="914400" rtl="0" eaLnBrk="1" latinLnBrk="0" hangingPunct="1">
+              <a:lnSpc>
+                <a:spcPct val="90000"/>
+              </a:lnSpc>
+              <a:spcBef>
+                <a:spcPts val="500"/>
+              </a:spcBef>
+              <a:buFont typeface="Arial" panose="020B0604020202020204" pitchFamily="34" charset="0"/>
+              <a:buNone/>
+              <a:defRPr sz="1600" kern="1200">
+                <a:solidFill>
+                  <a:schemeClr val="tx1">
+                    <a:tint val="75000"/>
+                  </a:schemeClr>
+                </a:solidFill>
+                <a:latin typeface="+mn-lt"/>
+                <a:ea typeface="+mn-ea"/>
+                <a:cs typeface="+mn-cs"/>
+              </a:defRPr>
+            </a:lvl9pPr>
+          </a:lstStyle>
+          <a:p>
+            <a:pPr marL="285750" indent="-285750">
+              <a:buFont typeface="Arial" panose="020B0604020202020204" pitchFamily="34" charset="0"/>
+              <a:buChar char="•"/>
+            </a:pPr>
+            <a:r>
+              <a:rPr lang="zh-CN" altLang="en-US" dirty="0"/>
+              <a:t>希望</a:t>
+            </a:r>
+            <a:r>
+              <a:rPr lang="en-US" altLang="zh-CN" dirty="0"/>
+              <a:t>loss</a:t>
+            </a:r>
+            <a:r>
+              <a:rPr lang="zh-CN" altLang="en-US" dirty="0"/>
+              <a:t>和梯度的关系是什么，才能尽快收敛？</a:t>
+            </a:r>
+            <a:endParaRPr lang="en-US" altLang="zh-CN" dirty="0"/>
+          </a:p>
+          <a:p>
+            <a:pPr marL="285750" indent="-285750">
+              <a:buFont typeface="Arial" panose="020B0604020202020204" pitchFamily="34" charset="0"/>
+              <a:buChar char="•"/>
+            </a:pPr>
+            <a:r>
+              <a:rPr lang="zh-CN" altLang="en-US" dirty="0"/>
+              <a:t>误差项的大小和梯度的大小的关系是什么？</a:t>
+            </a:r>
+            <a:endParaRPr lang="en-US" altLang="zh-CN" dirty="0"/>
+          </a:p>
+          <a:p>
+            <a:pPr marL="285750" indent="-285750">
+              <a:buFont typeface="Arial" panose="020B0604020202020204" pitchFamily="34" charset="0"/>
+              <a:buChar char="•"/>
+            </a:pPr>
+            <a:r>
+              <a:rPr lang="zh-CN" altLang="en-US" dirty="0"/>
+              <a:t>请思考误差项的公式应该是什么样的，才能满足</a:t>
+            </a:r>
+            <a:r>
+              <a:rPr lang="en-US" altLang="zh-CN" dirty="0"/>
+              <a:t>loss</a:t>
+            </a:r>
+            <a:r>
+              <a:rPr lang="zh-CN" altLang="en-US" dirty="0"/>
+              <a:t>与误差项成正比，从而与梯度成正比？</a:t>
+            </a:r>
+            <a:endParaRPr lang="en-US" altLang="zh-CN" dirty="0"/>
+          </a:p>
+          <a:p>
+            <a:pPr marL="285750" indent="-285750">
+              <a:buFont typeface="Arial" panose="020B0604020202020204" pitchFamily="34" charset="0"/>
+              <a:buChar char="•"/>
+            </a:pPr>
+            <a:r>
+              <a:rPr lang="zh-CN" altLang="en-US" dirty="0"/>
+              <a:t>我们使用新的损失函数：交叉熵损失函数，它能使误差项成为该公式</a:t>
+            </a:r>
+            <a:endParaRPr lang="en-US" altLang="zh-CN" dirty="0"/>
+          </a:p>
+          <a:p>
+            <a:pPr marL="285750" indent="-285750">
+              <a:buFont typeface="Arial" panose="020B0604020202020204" pitchFamily="34" charset="0"/>
+              <a:buChar char="•"/>
+            </a:pPr>
+            <a:r>
+              <a:rPr lang="zh-CN" altLang="en-US" dirty="0"/>
+              <a:t>所以它应该是什么，才能满足下面的公式？</a:t>
+            </a:r>
+            <a:endParaRPr lang="en-US" altLang="zh-CN" dirty="0"/>
+          </a:p>
+          <a:p>
+            <a:endParaRPr lang="en-US" altLang="zh-CN" dirty="0"/>
+          </a:p>
+          <a:p>
+            <a:endParaRPr lang="en-US" altLang="zh-CN" dirty="0"/>
+          </a:p>
+          <a:p>
+            <a:pPr marL="285750" indent="-285750">
+              <a:buFont typeface="Arial" panose="020B0604020202020204" pitchFamily="34" charset="0"/>
+              <a:buChar char="•"/>
+            </a:pPr>
+            <a:endParaRPr lang="en-US" altLang="zh-CN" dirty="0"/>
+          </a:p>
+          <a:p>
+            <a:pPr marL="285750" indent="-285750">
+              <a:buFont typeface="Arial" panose="020B0604020202020204" pitchFamily="34" charset="0"/>
+              <a:buChar char="•"/>
+            </a:pPr>
+            <a:r>
+              <a:rPr lang="zh-CN" altLang="en-US" dirty="0"/>
+              <a:t>自学、展学</a:t>
+            </a:r>
+          </a:p>
+          <a:p>
+            <a:pPr marL="285750" indent="-285750">
+              <a:buFont typeface="Arial" panose="020B0604020202020204" pitchFamily="34" charset="0"/>
+              <a:buChar char="•"/>
+            </a:pPr>
+            <a:endParaRPr lang="zh-CN" altLang="en-US" dirty="0"/>
+          </a:p>
+          <a:p>
+            <a:pPr marL="285750" indent="-285750">
+              <a:buFont typeface="Arial" panose="020B0604020202020204" pitchFamily="34" charset="0"/>
+              <a:buChar char="•"/>
+            </a:pPr>
+            <a:endParaRPr lang="en-US" altLang="zh-CN" dirty="0"/>
+          </a:p>
+          <a:p>
+            <a:pPr marL="285750" indent="-285750">
+              <a:buFont typeface="Arial" panose="020B0604020202020204" pitchFamily="34" charset="0"/>
+              <a:buChar char="•"/>
+            </a:pPr>
+            <a:endParaRPr lang="zh-CN" altLang="en-US" dirty="0"/>
+          </a:p>
+          <a:p>
+            <a:pPr marL="285750" indent="-285750">
+              <a:buFont typeface="Arial" panose="020B0604020202020204" pitchFamily="34" charset="0"/>
+              <a:buChar char="•"/>
+            </a:pPr>
+            <a:endParaRPr lang="zh-CN" altLang="en-US" dirty="0"/>
+          </a:p>
+          <a:p>
+            <a:pPr marL="285750" indent="-285750">
+              <a:buFont typeface="Arial" panose="020B0604020202020204" pitchFamily="34" charset="0"/>
+              <a:buChar char="•"/>
+            </a:pPr>
+            <a:endParaRPr lang="zh-CN" altLang="en-US" dirty="0"/>
+          </a:p>
+          <a:p>
+            <a:pPr marL="285750" indent="-285750">
+              <a:buFont typeface="Arial" panose="020B0604020202020204" pitchFamily="34" charset="0"/>
+              <a:buChar char="•"/>
+            </a:pPr>
+            <a:endParaRPr lang="zh-CN" altLang="en-US" dirty="0"/>
+          </a:p>
+          <a:p>
+            <a:pPr marL="285750" indent="-285750">
+              <a:buFont typeface="Arial" panose="020B0604020202020204" pitchFamily="34" charset="0"/>
+              <a:buChar char="•"/>
+            </a:pPr>
+            <a:endParaRPr lang="zh-CN" altLang="en-US" dirty="0"/>
+          </a:p>
+          <a:p>
+            <a:pPr marL="285750" indent="-285750">
+              <a:buFont typeface="Arial" panose="020B0604020202020204" pitchFamily="34" charset="0"/>
+              <a:buChar char="•"/>
+            </a:pPr>
+            <a:endParaRPr lang="zh-CN" altLang="en-US" dirty="0"/>
+          </a:p>
+          <a:p>
+            <a:pPr marL="285750" indent="-285750">
+              <a:buFont typeface="Arial" panose="020B0604020202020204" pitchFamily="34" charset="0"/>
+              <a:buChar char="•"/>
+            </a:pPr>
+            <a:endParaRPr lang="zh-CN" altLang="en-US" dirty="0"/>
+          </a:p>
+        </p:txBody>
+      </p:sp>
+      <p:pic>
+        <p:nvPicPr>
+          <p:cNvPr id="4" name="图片 3">
+            <a:extLst>
+              <a:ext uri="{FF2B5EF4-FFF2-40B4-BE49-F238E27FC236}">
+                <a16:creationId xmlns:a16="http://schemas.microsoft.com/office/drawing/2014/main" id="{30F07015-2F03-094A-696A-5D50BFACB80D}"/>
+              </a:ext>
+            </a:extLst>
+          </p:cNvPr>
+          <p:cNvPicPr>
+            <a:picLocks noChangeAspect="1"/>
+          </p:cNvPicPr>
+          <p:nvPr/>
+        </p:nvPicPr>
+        <p:blipFill>
+          <a:blip r:embed="rId3">
+            <a:extLst>
+              <a:ext uri="{28A0092B-C50C-407E-A947-70E740481C1C}">
+                <a14:useLocalDpi xmlns:a14="http://schemas.microsoft.com/office/drawing/2010/main" val="0"/>
+              </a:ext>
+            </a:extLst>
+          </a:blip>
+          <a:stretch>
+            <a:fillRect/>
+          </a:stretch>
+        </p:blipFill>
+        <p:spPr>
+          <a:xfrm>
+            <a:off x="9252813" y="3414143"/>
+            <a:ext cx="1624493" cy="443961"/>
+          </a:xfrm>
+          <a:prstGeom prst="rect">
+            <a:avLst/>
+          </a:prstGeom>
+        </p:spPr>
+      </p:pic>
+      <p:sp>
+        <p:nvSpPr>
+          <p:cNvPr id="5" name="文本框 4">
+            <a:extLst>
+              <a:ext uri="{FF2B5EF4-FFF2-40B4-BE49-F238E27FC236}">
+                <a16:creationId xmlns:a16="http://schemas.microsoft.com/office/drawing/2014/main" id="{0E999AB4-2872-0269-EBA8-B7C232548942}"/>
+              </a:ext>
+            </a:extLst>
+          </p:cNvPr>
+          <p:cNvSpPr txBox="1"/>
+          <p:nvPr/>
+        </p:nvSpPr>
+        <p:spPr>
+          <a:xfrm>
+            <a:off x="8849593" y="4633497"/>
+            <a:ext cx="2672526" cy="923330"/>
+          </a:xfrm>
+          <a:prstGeom prst="rect">
+            <a:avLst/>
+          </a:prstGeom>
+          <a:noFill/>
+        </p:spPr>
+        <p:txBody>
+          <a:bodyPr wrap="none" rtlCol="0">
+            <a:spAutoFit/>
+          </a:bodyPr>
+          <a:lstStyle/>
+          <a:p>
+            <a:r>
+              <a:rPr kumimoji="1" lang="zh-CN" altLang="en-US" dirty="0"/>
+              <a:t>成正比关系，即：</a:t>
+            </a:r>
+            <a:endParaRPr kumimoji="1" lang="en-US" altLang="zh-CN" dirty="0"/>
+          </a:p>
+          <a:p>
+            <a:r>
+              <a:rPr kumimoji="1" lang="en-US" altLang="zh-CN" dirty="0"/>
+              <a:t>loss</a:t>
+            </a:r>
+            <a:r>
+              <a:rPr kumimoji="1" lang="zh-CN" altLang="en-US" dirty="0"/>
+              <a:t>很大时，梯度很大；</a:t>
+            </a:r>
+            <a:endParaRPr kumimoji="1" lang="en-US" altLang="zh-CN" dirty="0"/>
+          </a:p>
+          <a:p>
+            <a:r>
+              <a:rPr kumimoji="1" lang="en-US" altLang="zh-CN" dirty="0"/>
+              <a:t>loss</a:t>
+            </a:r>
+            <a:r>
+              <a:rPr kumimoji="1" lang="zh-CN" altLang="en-US" dirty="0"/>
+              <a:t>很小时，梯度很小</a:t>
+            </a:r>
+          </a:p>
+        </p:txBody>
+      </p:sp>
+      <p:sp>
+        <p:nvSpPr>
+          <p:cNvPr id="8" name="文本框 7">
+            <a:extLst>
+              <a:ext uri="{FF2B5EF4-FFF2-40B4-BE49-F238E27FC236}">
+                <a16:creationId xmlns:a16="http://schemas.microsoft.com/office/drawing/2014/main" id="{99716F04-14FB-57BC-8AAE-9C1C4425F6D2}"/>
+              </a:ext>
+            </a:extLst>
+          </p:cNvPr>
+          <p:cNvSpPr txBox="1"/>
+          <p:nvPr/>
+        </p:nvSpPr>
+        <p:spPr>
+          <a:xfrm>
+            <a:off x="5602069" y="2231155"/>
+            <a:ext cx="646331" cy="369332"/>
+          </a:xfrm>
+          <a:prstGeom prst="rect">
+            <a:avLst/>
+          </a:prstGeom>
+          <a:noFill/>
+        </p:spPr>
+        <p:txBody>
+          <a:bodyPr wrap="none" rtlCol="0">
+            <a:spAutoFit/>
+          </a:bodyPr>
+          <a:lstStyle/>
+          <a:p>
+            <a:r>
+              <a:rPr kumimoji="1" lang="zh-CN" altLang="en-US" dirty="0"/>
+              <a:t>正比</a:t>
+            </a:r>
+          </a:p>
+        </p:txBody>
+      </p:sp>
+      <p:pic>
+        <p:nvPicPr>
+          <p:cNvPr id="11" name="图片 10">
+            <a:extLst>
+              <a:ext uri="{FF2B5EF4-FFF2-40B4-BE49-F238E27FC236}">
+                <a16:creationId xmlns:a16="http://schemas.microsoft.com/office/drawing/2014/main" id="{294C5EDB-7DFA-62BC-A534-1F9BB3BA87DC}"/>
+              </a:ext>
+            </a:extLst>
+          </p:cNvPr>
+          <p:cNvPicPr>
+            <a:picLocks noChangeAspect="1"/>
+          </p:cNvPicPr>
+          <p:nvPr/>
+        </p:nvPicPr>
+        <p:blipFill>
+          <a:blip r:embed="rId4">
+            <a:extLst>
+              <a:ext uri="{28A0092B-C50C-407E-A947-70E740481C1C}">
+                <a14:useLocalDpi xmlns:a14="http://schemas.microsoft.com/office/drawing/2010/main" val="0"/>
+              </a:ext>
+            </a:extLst>
+          </a:blip>
+          <a:stretch>
+            <a:fillRect/>
+          </a:stretch>
+        </p:blipFill>
+        <p:spPr>
+          <a:xfrm>
+            <a:off x="2916071" y="5249484"/>
+            <a:ext cx="6018325" cy="1082736"/>
+          </a:xfrm>
+          <a:prstGeom prst="rect">
+            <a:avLst/>
+          </a:prstGeom>
+        </p:spPr>
+      </p:pic>
+      <p:pic>
+        <p:nvPicPr>
+          <p:cNvPr id="12" name="图片 11">
+            <a:extLst>
+              <a:ext uri="{FF2B5EF4-FFF2-40B4-BE49-F238E27FC236}">
+                <a16:creationId xmlns:a16="http://schemas.microsoft.com/office/drawing/2014/main" id="{BBA6CEFB-7438-4FB2-0D3A-65C76CEA2B6F}"/>
+              </a:ext>
+            </a:extLst>
+          </p:cNvPr>
+          <p:cNvPicPr>
+            <a:picLocks noChangeAspect="1"/>
+          </p:cNvPicPr>
+          <p:nvPr/>
+        </p:nvPicPr>
+        <p:blipFill>
+          <a:blip r:embed="rId5">
+            <a:extLst>
+              <a:ext uri="{28A0092B-C50C-407E-A947-70E740481C1C}">
+                <a14:useLocalDpi xmlns:a14="http://schemas.microsoft.com/office/drawing/2010/main" val="0"/>
+              </a:ext>
+            </a:extLst>
+          </a:blip>
+          <a:stretch>
+            <a:fillRect/>
+          </a:stretch>
+        </p:blipFill>
+        <p:spPr>
+          <a:xfrm>
+            <a:off x="8059197" y="1242296"/>
+            <a:ext cx="2818109" cy="1495695"/>
+          </a:xfrm>
+          <a:prstGeom prst="rect">
+            <a:avLst/>
+          </a:prstGeom>
+        </p:spPr>
+      </p:pic>
+      <p:pic>
+        <p:nvPicPr>
+          <p:cNvPr id="16" name="图片 15">
+            <a:extLst>
+              <a:ext uri="{FF2B5EF4-FFF2-40B4-BE49-F238E27FC236}">
+                <a16:creationId xmlns:a16="http://schemas.microsoft.com/office/drawing/2014/main" id="{662E9D3F-5406-778C-467E-6ED05945AEA0}"/>
+              </a:ext>
+            </a:extLst>
+          </p:cNvPr>
+          <p:cNvPicPr>
+            <a:picLocks noChangeAspect="1"/>
+          </p:cNvPicPr>
+          <p:nvPr/>
+        </p:nvPicPr>
+        <p:blipFill>
+          <a:blip r:embed="rId6">
+            <a:extLst>
+              <a:ext uri="{28A0092B-C50C-407E-A947-70E740481C1C}">
+                <a14:useLocalDpi xmlns:a14="http://schemas.microsoft.com/office/drawing/2010/main" val="0"/>
+              </a:ext>
+            </a:extLst>
+          </a:blip>
+          <a:stretch>
+            <a:fillRect/>
+          </a:stretch>
+        </p:blipFill>
+        <p:spPr>
+          <a:xfrm>
+            <a:off x="1157069" y="4173718"/>
+            <a:ext cx="4445000" cy="787400"/>
+          </a:xfrm>
+          <a:prstGeom prst="rect">
+            <a:avLst/>
+          </a:prstGeom>
+        </p:spPr>
+      </p:pic>
+    </p:spTree>
+    <p:custDataLst>
+      <p:tags r:id="rId1"/>
+    </p:custDataLst>
+    <p:extLst>
+      <p:ext uri="{BB962C8B-B14F-4D97-AF65-F5344CB8AC3E}">
+        <p14:creationId xmlns:p14="http://schemas.microsoft.com/office/powerpoint/2010/main" val="3884151446"/>
+      </p:ext>
+    </p:extLst>
+  </p:cSld>
+  <p:clrMapOvr>
+    <a:masterClrMapping/>
+  </p:clrMapOvr>
+  <p:timing>
+    <p:tnLst>
+      <p:par>
+        <p:cTn id="1" dur="indefinite" restart="never" nodeType="tmRoot">
+          <p:childTnLst>
+            <p:seq concurrent="1" nextAc="seek">
+              <p:cTn id="2" dur="indefinite" nodeType="mainSeq">
+                <p:childTnLst>
+                  <p:par>
+                    <p:cTn id="3" fill="hold">
+                      <p:stCondLst>
+                        <p:cond delay="indefinite"/>
+                      </p:stCondLst>
+                      <p:childTnLst>
+                        <p:par>
+                          <p:cTn id="4" fill="hold">
+                            <p:stCondLst>
+                              <p:cond delay="0"/>
+                            </p:stCondLst>
+                            <p:childTnLst>
+                              <p:par>
+                                <p:cTn id="5" presetID="1" presetClass="entr" presetSubtype="0" fill="hold" nodeType="clickEffect">
+                                  <p:stCondLst>
+                                    <p:cond delay="0"/>
+                                  </p:stCondLst>
+                                  <p:childTnLst>
+                                    <p:set>
+                                      <p:cBhvr>
+                                        <p:cTn id="6" dur="1" fill="hold">
+                                          <p:stCondLst>
+                                            <p:cond delay="0"/>
+                                          </p:stCondLst>
+                                        </p:cTn>
+                                        <p:tgtEl>
+                                          <p:spTgt spid="6">
+                                            <p:txEl>
+                                              <p:pRg st="0" end="0"/>
+                                            </p:txEl>
+                                          </p:spTgt>
+                                        </p:tgtEl>
+                                        <p:attrNameLst>
+                                          <p:attrName>style.visibility</p:attrName>
+                                        </p:attrNameLst>
+                                      </p:cBhvr>
+                                      <p:to>
+                                        <p:strVal val="visible"/>
+                                      </p:to>
+                                    </p:set>
+                                  </p:childTnLst>
+                                </p:cTn>
+                              </p:par>
+                            </p:childTnLst>
+                          </p:cTn>
+                        </p:par>
+                      </p:childTnLst>
+                    </p:cTn>
+                  </p:par>
+                  <p:par>
+                    <p:cTn id="7" fill="hold">
+                      <p:stCondLst>
+                        <p:cond delay="indefinite"/>
+                      </p:stCondLst>
+                      <p:childTnLst>
+                        <p:par>
+                          <p:cTn id="8" fill="hold">
+                            <p:stCondLst>
+                              <p:cond delay="0"/>
+                            </p:stCondLst>
+                            <p:childTnLst>
+                              <p:par>
+                                <p:cTn id="9" presetID="1" presetClass="entr" presetSubtype="0" fill="hold" grpId="0" nodeType="clickEffect">
+                                  <p:stCondLst>
+                                    <p:cond delay="0"/>
+                                  </p:stCondLst>
+                                  <p:childTnLst>
+                                    <p:set>
+                                      <p:cBhvr>
+                                        <p:cTn id="10" dur="1" fill="hold">
+                                          <p:stCondLst>
+                                            <p:cond delay="0"/>
+                                          </p:stCondLst>
+                                        </p:cTn>
+                                        <p:tgtEl>
+                                          <p:spTgt spid="5"/>
+                                        </p:tgtEl>
+                                        <p:attrNameLst>
+                                          <p:attrName>style.visibility</p:attrName>
+                                        </p:attrNameLst>
+                                      </p:cBhvr>
+                                      <p:to>
+                                        <p:strVal val="visible"/>
+                                      </p:to>
+                                    </p:set>
+                                  </p:childTnLst>
+                                </p:cTn>
+                              </p:par>
+                            </p:childTnLst>
+                          </p:cTn>
+                        </p:par>
+                      </p:childTnLst>
+                    </p:cTn>
+                  </p:par>
+                  <p:par>
+                    <p:cTn id="11" fill="hold">
+                      <p:stCondLst>
+                        <p:cond delay="indefinite"/>
+                      </p:stCondLst>
+                      <p:childTnLst>
+                        <p:par>
+                          <p:cTn id="12" fill="hold">
+                            <p:stCondLst>
+                              <p:cond delay="0"/>
+                            </p:stCondLst>
+                            <p:childTnLst>
+                              <p:par>
+                                <p:cTn id="13" presetID="1" presetClass="entr" presetSubtype="0" fill="hold" nodeType="clickEffect">
+                                  <p:stCondLst>
+                                    <p:cond delay="0"/>
+                                  </p:stCondLst>
+                                  <p:childTnLst>
+                                    <p:set>
+                                      <p:cBhvr>
+                                        <p:cTn id="14" dur="1" fill="hold">
+                                          <p:stCondLst>
+                                            <p:cond delay="0"/>
+                                          </p:stCondLst>
+                                        </p:cTn>
+                                        <p:tgtEl>
+                                          <p:spTgt spid="6">
+                                            <p:txEl>
+                                              <p:pRg st="1" end="1"/>
+                                            </p:txEl>
+                                          </p:spTgt>
+                                        </p:tgtEl>
+                                        <p:attrNameLst>
+                                          <p:attrName>style.visibility</p:attrName>
+                                        </p:attrNameLst>
+                                      </p:cBhvr>
+                                      <p:to>
+                                        <p:strVal val="visible"/>
+                                      </p:to>
+                                    </p:set>
+                                  </p:childTnLst>
+                                </p:cTn>
+                              </p:par>
+                            </p:childTnLst>
+                          </p:cTn>
+                        </p:par>
+                      </p:childTnLst>
+                    </p:cTn>
+                  </p:par>
+                  <p:par>
+                    <p:cTn id="15" fill="hold">
+                      <p:stCondLst>
+                        <p:cond delay="indefinite"/>
+                      </p:stCondLst>
+                      <p:childTnLst>
+                        <p:par>
+                          <p:cTn id="16" fill="hold">
+                            <p:stCondLst>
+                              <p:cond delay="0"/>
+                            </p:stCondLst>
+                            <p:childTnLst>
+                              <p:par>
+                                <p:cTn id="17" presetID="1" presetClass="entr" presetSubtype="0" fill="hold" nodeType="clickEffect">
+                                  <p:stCondLst>
+                                    <p:cond delay="0"/>
+                                  </p:stCondLst>
+                                  <p:childTnLst>
+                                    <p:set>
+                                      <p:cBhvr>
+                                        <p:cTn id="18" dur="1" fill="hold">
+                                          <p:stCondLst>
+                                            <p:cond delay="0"/>
+                                          </p:stCondLst>
+                                        </p:cTn>
+                                        <p:tgtEl>
+                                          <p:spTgt spid="12"/>
+                                        </p:tgtEl>
+                                        <p:attrNameLst>
+                                          <p:attrName>style.visibility</p:attrName>
+                                        </p:attrNameLst>
+                                      </p:cBhvr>
+                                      <p:to>
+                                        <p:strVal val="visible"/>
+                                      </p:to>
+                                    </p:set>
+                                  </p:childTnLst>
+                                </p:cTn>
+                              </p:par>
+                            </p:childTnLst>
+                          </p:cTn>
+                        </p:par>
+                      </p:childTnLst>
+                    </p:cTn>
+                  </p:par>
+                  <p:par>
+                    <p:cTn id="19" fill="hold">
+                      <p:stCondLst>
+                        <p:cond delay="indefinite"/>
+                      </p:stCondLst>
+                      <p:childTnLst>
+                        <p:par>
+                          <p:cTn id="20" fill="hold">
+                            <p:stCondLst>
+                              <p:cond delay="0"/>
+                            </p:stCondLst>
+                            <p:childTnLst>
+                              <p:par>
+                                <p:cTn id="21" presetID="1" presetClass="entr" presetSubtype="0" fill="hold" grpId="0" nodeType="clickEffect">
+                                  <p:stCondLst>
+                                    <p:cond delay="0"/>
+                                  </p:stCondLst>
+                                  <p:childTnLst>
+                                    <p:set>
+                                      <p:cBhvr>
+                                        <p:cTn id="22" dur="1" fill="hold">
+                                          <p:stCondLst>
+                                            <p:cond delay="0"/>
+                                          </p:stCondLst>
+                                        </p:cTn>
+                                        <p:tgtEl>
+                                          <p:spTgt spid="8"/>
+                                        </p:tgtEl>
+                                        <p:attrNameLst>
+                                          <p:attrName>style.visibility</p:attrName>
+                                        </p:attrNameLst>
+                                      </p:cBhvr>
+                                      <p:to>
+                                        <p:strVal val="visible"/>
+                                      </p:to>
+                                    </p:set>
+                                  </p:childTnLst>
+                                </p:cTn>
+                              </p:par>
+                            </p:childTnLst>
+                          </p:cTn>
+                        </p:par>
+                      </p:childTnLst>
+                    </p:cTn>
+                  </p:par>
+                  <p:par>
+                    <p:cTn id="23" fill="hold">
+                      <p:stCondLst>
+                        <p:cond delay="indefinite"/>
+                      </p:stCondLst>
+                      <p:childTnLst>
+                        <p:par>
+                          <p:cTn id="24" fill="hold">
+                            <p:stCondLst>
+                              <p:cond delay="0"/>
+                            </p:stCondLst>
+                            <p:childTnLst>
+                              <p:par>
+                                <p:cTn id="25" presetID="1" presetClass="entr" presetSubtype="0" fill="hold" nodeType="clickEffect">
+                                  <p:stCondLst>
+                                    <p:cond delay="0"/>
+                                  </p:stCondLst>
+                                  <p:childTnLst>
+                                    <p:set>
+                                      <p:cBhvr>
+                                        <p:cTn id="26" dur="1" fill="hold">
+                                          <p:stCondLst>
+                                            <p:cond delay="0"/>
+                                          </p:stCondLst>
+                                        </p:cTn>
+                                        <p:tgtEl>
+                                          <p:spTgt spid="6">
+                                            <p:txEl>
+                                              <p:pRg st="2" end="2"/>
+                                            </p:txEl>
+                                          </p:spTgt>
+                                        </p:tgtEl>
+                                        <p:attrNameLst>
+                                          <p:attrName>style.visibility</p:attrName>
+                                        </p:attrNameLst>
+                                      </p:cBhvr>
+                                      <p:to>
+                                        <p:strVal val="visible"/>
+                                      </p:to>
+                                    </p:set>
+                                  </p:childTnLst>
+                                </p:cTn>
+                              </p:par>
+                            </p:childTnLst>
+                          </p:cTn>
+                        </p:par>
+                      </p:childTnLst>
+                    </p:cTn>
+                  </p:par>
+                  <p:par>
+                    <p:cTn id="27" fill="hold">
+                      <p:stCondLst>
+                        <p:cond delay="indefinite"/>
+                      </p:stCondLst>
+                      <p:childTnLst>
+                        <p:par>
+                          <p:cTn id="28" fill="hold">
+                            <p:stCondLst>
+                              <p:cond delay="0"/>
+                            </p:stCondLst>
+                            <p:childTnLst>
+                              <p:par>
+                                <p:cTn id="29" presetID="1" presetClass="entr" presetSubtype="0" fill="hold" nodeType="clickEffect">
+                                  <p:stCondLst>
+                                    <p:cond delay="0"/>
+                                  </p:stCondLst>
+                                  <p:childTnLst>
+                                    <p:set>
+                                      <p:cBhvr>
+                                        <p:cTn id="30" dur="1" fill="hold">
+                                          <p:stCondLst>
+                                            <p:cond delay="0"/>
+                                          </p:stCondLst>
+                                        </p:cTn>
+                                        <p:tgtEl>
+                                          <p:spTgt spid="4"/>
+                                        </p:tgtEl>
+                                        <p:attrNameLst>
+                                          <p:attrName>style.visibility</p:attrName>
+                                        </p:attrNameLst>
+                                      </p:cBhvr>
+                                      <p:to>
+                                        <p:strVal val="visible"/>
+                                      </p:to>
+                                    </p:set>
+                                  </p:childTnLst>
+                                </p:cTn>
+                              </p:par>
+                            </p:childTnLst>
+                          </p:cTn>
+                        </p:par>
+                      </p:childTnLst>
+                    </p:cTn>
+                  </p:par>
+                  <p:par>
+                    <p:cTn id="31" fill="hold">
+                      <p:stCondLst>
+                        <p:cond delay="indefinite"/>
+                      </p:stCondLst>
+                      <p:childTnLst>
+                        <p:par>
+                          <p:cTn id="32" fill="hold">
+                            <p:stCondLst>
+                              <p:cond delay="0"/>
+                            </p:stCondLst>
+                            <p:childTnLst>
+                              <p:par>
+                                <p:cTn id="33" presetID="1" presetClass="entr" presetSubtype="0" fill="hold" nodeType="clickEffect">
+                                  <p:stCondLst>
+                                    <p:cond delay="0"/>
+                                  </p:stCondLst>
+                                  <p:childTnLst>
+                                    <p:set>
+                                      <p:cBhvr>
+                                        <p:cTn id="34" dur="1" fill="hold">
+                                          <p:stCondLst>
+                                            <p:cond delay="0"/>
+                                          </p:stCondLst>
+                                        </p:cTn>
+                                        <p:tgtEl>
+                                          <p:spTgt spid="6">
+                                            <p:txEl>
+                                              <p:pRg st="3" end="3"/>
+                                            </p:txEl>
+                                          </p:spTgt>
+                                        </p:tgtEl>
+                                        <p:attrNameLst>
+                                          <p:attrName>style.visibility</p:attrName>
+                                        </p:attrNameLst>
+                                      </p:cBhvr>
+                                      <p:to>
+                                        <p:strVal val="visible"/>
+                                      </p:to>
+                                    </p:set>
+                                  </p:childTnLst>
+                                </p:cTn>
+                              </p:par>
+                            </p:childTnLst>
+                          </p:cTn>
+                        </p:par>
+                      </p:childTnLst>
+                    </p:cTn>
+                  </p:par>
+                  <p:par>
+                    <p:cTn id="35" fill="hold">
+                      <p:stCondLst>
+                        <p:cond delay="indefinite"/>
+                      </p:stCondLst>
+                      <p:childTnLst>
+                        <p:par>
+                          <p:cTn id="36" fill="hold">
+                            <p:stCondLst>
+                              <p:cond delay="0"/>
+                            </p:stCondLst>
+                            <p:childTnLst>
+                              <p:par>
+                                <p:cTn id="37" presetID="1" presetClass="entr" presetSubtype="0" fill="hold" nodeType="clickEffect">
+                                  <p:stCondLst>
+                                    <p:cond delay="0"/>
+                                  </p:stCondLst>
+                                  <p:childTnLst>
+                                    <p:set>
+                                      <p:cBhvr>
+                                        <p:cTn id="38" dur="1" fill="hold">
+                                          <p:stCondLst>
+                                            <p:cond delay="0"/>
+                                          </p:stCondLst>
+                                        </p:cTn>
+                                        <p:tgtEl>
+                                          <p:spTgt spid="6">
+                                            <p:txEl>
+                                              <p:pRg st="4" end="4"/>
+                                            </p:txEl>
+                                          </p:spTgt>
+                                        </p:tgtEl>
+                                        <p:attrNameLst>
+                                          <p:attrName>style.visibility</p:attrName>
+                                        </p:attrNameLst>
+                                      </p:cBhvr>
+                                      <p:to>
+                                        <p:strVal val="visible"/>
+                                      </p:to>
+                                    </p:set>
+                                  </p:childTnLst>
+                                </p:cTn>
+                              </p:par>
+                            </p:childTnLst>
+                          </p:cTn>
+                        </p:par>
+                      </p:childTnLst>
+                    </p:cTn>
+                  </p:par>
+                  <p:par>
+                    <p:cTn id="39" fill="hold">
+                      <p:stCondLst>
+                        <p:cond delay="indefinite"/>
+                      </p:stCondLst>
+                      <p:childTnLst>
+                        <p:par>
+                          <p:cTn id="40" fill="hold">
+                            <p:stCondLst>
+                              <p:cond delay="0"/>
+                            </p:stCondLst>
+                            <p:childTnLst>
+                              <p:par>
+                                <p:cTn id="41" presetID="1" presetClass="entr" presetSubtype="0" fill="hold" nodeType="clickEffect">
+                                  <p:stCondLst>
+                                    <p:cond delay="0"/>
+                                  </p:stCondLst>
+                                  <p:childTnLst>
+                                    <p:set>
+                                      <p:cBhvr>
+                                        <p:cTn id="42" dur="1" fill="hold">
+                                          <p:stCondLst>
+                                            <p:cond delay="0"/>
+                                          </p:stCondLst>
+                                        </p:cTn>
+                                        <p:tgtEl>
+                                          <p:spTgt spid="16"/>
+                                        </p:tgtEl>
+                                        <p:attrNameLst>
+                                          <p:attrName>style.visibility</p:attrName>
+                                        </p:attrNameLst>
+                                      </p:cBhvr>
+                                      <p:to>
+                                        <p:strVal val="visible"/>
+                                      </p:to>
+                                    </p:set>
+                                  </p:childTnLst>
+                                </p:cTn>
+                              </p:par>
+                            </p:childTnLst>
+                          </p:cTn>
+                        </p:par>
+                      </p:childTnLst>
+                    </p:cTn>
+                  </p:par>
+                  <p:par>
+                    <p:cTn id="43" fill="hold">
+                      <p:stCondLst>
+                        <p:cond delay="indefinite"/>
+                      </p:stCondLst>
+                      <p:childTnLst>
+                        <p:par>
+                          <p:cTn id="44" fill="hold">
+                            <p:stCondLst>
+                              <p:cond delay="0"/>
+                            </p:stCondLst>
+                            <p:childTnLst>
+                              <p:par>
+                                <p:cTn id="45" presetID="1" presetClass="entr" presetSubtype="0" fill="hold" nodeType="clickEffect">
+                                  <p:stCondLst>
+                                    <p:cond delay="0"/>
+                                  </p:stCondLst>
+                                  <p:childTnLst>
+                                    <p:set>
+                                      <p:cBhvr>
+                                        <p:cTn id="46" dur="1" fill="hold">
                                           <p:stCondLst>
                                             <p:cond delay="0"/>
                                           </p:stCondLst>
@@ -15003,592 +17484,8 @@
       </p:par>
     </p:tnLst>
     <p:bldLst>
-      <p:bldP spid="6" grpId="0"/>
-    </p:bldLst>
-  </p:timing>
-</p:sld>
-</file>
-
-<file path=ppt/slides/slide9.xml><?xml version="1.0" encoding="utf-8"?>
-<p:sld xmlns:a="http://schemas.openxmlformats.org/drawingml/2006/main" xmlns:r="http://schemas.openxmlformats.org/officeDocument/2006/relationships" xmlns:p="http://schemas.openxmlformats.org/presentationml/2006/main">
-  <p:cSld>
-    <p:spTree>
-      <p:nvGrpSpPr>
-        <p:cNvPr id="1" name=""/>
-        <p:cNvGrpSpPr/>
-        <p:nvPr/>
-      </p:nvGrpSpPr>
-      <p:grpSpPr>
-        <a:xfrm>
-          <a:off x="0" y="0"/>
-          <a:ext cx="0" cy="0"/>
-          <a:chOff x="0" y="0"/>
-          <a:chExt cx="0" cy="0"/>
-        </a:xfrm>
-      </p:grpSpPr>
-      <p:sp>
-        <p:nvSpPr>
-          <p:cNvPr id="3" name="标题 2"/>
-          <p:cNvSpPr>
-            <a:spLocks noGrp="1"/>
-          </p:cNvSpPr>
-          <p:nvPr>
-            <p:ph type="title"/>
-          </p:nvPr>
-        </p:nvSpPr>
-        <p:spPr/>
-        <p:txBody>
-          <a:bodyPr/>
-          <a:lstStyle/>
-          <a:p>
-            <a:r>
-              <a:rPr lang="zh-CN" altLang="en-US" dirty="0">
-                <a:sym typeface="+mn-ea"/>
-              </a:rPr>
-              <a:t>主问题：	如何加快</a:t>
-            </a:r>
-            <a:r>
-              <a:rPr lang="zh-CN" altLang="en-US" dirty="0"/>
-              <a:t>单分类的训练速度？</a:t>
-            </a:r>
-            <a:endParaRPr dirty="0">
-              <a:sym typeface="+mn-ea"/>
-            </a:endParaRPr>
-          </a:p>
-        </p:txBody>
-      </p:sp>
-      <p:sp>
-        <p:nvSpPr>
-          <p:cNvPr id="6" name="文本占位符 1">
-            <a:extLst>
-              <a:ext uri="{FF2B5EF4-FFF2-40B4-BE49-F238E27FC236}">
-                <a16:creationId xmlns:a16="http://schemas.microsoft.com/office/drawing/2014/main" id="{BA88068A-4FDC-6963-46A5-ADEC46CDA15E}"/>
-              </a:ext>
-            </a:extLst>
-          </p:cNvPr>
-          <p:cNvSpPr txBox="1">
-            <a:spLocks/>
-          </p:cNvSpPr>
-          <p:nvPr/>
-        </p:nvSpPr>
-        <p:spPr>
-          <a:xfrm>
-            <a:off x="822325" y="1778635"/>
-            <a:ext cx="10852150" cy="4553585"/>
-          </a:xfrm>
-        </p:spPr>
-        <p:txBody>
-          <a:bodyPr lIns="101600" tIns="38100" rIns="76200" bIns="38100">
-            <a:noAutofit/>
-          </a:bodyPr>
-          <a:lstStyle>
-            <a:lvl1pPr marL="0" indent="0" algn="l" defTabSz="914400" rtl="0" eaLnBrk="1" fontAlgn="auto" latinLnBrk="0" hangingPunct="1">
-              <a:lnSpc>
-                <a:spcPct val="130000"/>
-              </a:lnSpc>
-              <a:spcBef>
-                <a:spcPts val="0"/>
-              </a:spcBef>
-              <a:spcAft>
-                <a:spcPts val="1000"/>
-              </a:spcAft>
-              <a:buFont typeface="Arial" panose="020B0604020202020204" pitchFamily="34" charset="0"/>
-              <a:buNone/>
-              <a:defRPr kumimoji="0" lang="zh-CN" altLang="en-US" sz="1600" b="0" i="0" u="none" strike="noStrike" kern="1200" cap="none" spc="150" normalizeH="0" baseline="0" noProof="1">
-                <a:solidFill>
-                  <a:schemeClr val="tx1"/>
-                </a:solidFill>
-                <a:uFillTx/>
-                <a:latin typeface="+mn-lt"/>
-                <a:ea typeface="+mn-ea"/>
-                <a:cs typeface="+mn-cs"/>
-                <a:sym typeface="+mn-ea"/>
-              </a:defRPr>
-            </a:lvl1pPr>
-            <a:lvl2pPr marL="457200" indent="0" algn="l" defTabSz="914400" rtl="0" eaLnBrk="1" fontAlgn="auto" latinLnBrk="0" hangingPunct="1">
-              <a:lnSpc>
-                <a:spcPct val="130000"/>
-              </a:lnSpc>
-              <a:spcBef>
-                <a:spcPts val="0"/>
-              </a:spcBef>
-              <a:spcAft>
-                <a:spcPts val="1000"/>
-              </a:spcAft>
-              <a:buFont typeface="Arial" panose="020B0604020202020204" pitchFamily="34" charset="0"/>
-              <a:buNone/>
-              <a:tabLst>
-                <a:tab pos="1609725" algn="l"/>
-              </a:tabLst>
-              <a:defRPr sz="2000" u="none" strike="noStrike" kern="1200" cap="none" spc="150" normalizeH="0" baseline="0">
-                <a:solidFill>
-                  <a:schemeClr val="tx1">
-                    <a:tint val="75000"/>
-                  </a:schemeClr>
-                </a:solidFill>
-                <a:uFillTx/>
-                <a:latin typeface="+mn-lt"/>
-                <a:ea typeface="+mn-ea"/>
-                <a:cs typeface="+mn-cs"/>
-              </a:defRPr>
-            </a:lvl2pPr>
-            <a:lvl3pPr marL="914400" indent="0" algn="l" defTabSz="914400" rtl="0" eaLnBrk="1" fontAlgn="auto" latinLnBrk="0" hangingPunct="1">
-              <a:lnSpc>
-                <a:spcPct val="130000"/>
-              </a:lnSpc>
-              <a:spcBef>
-                <a:spcPts val="0"/>
-              </a:spcBef>
-              <a:spcAft>
-                <a:spcPts val="1000"/>
-              </a:spcAft>
-              <a:buFont typeface="Arial" panose="020B0604020202020204" pitchFamily="34" charset="0"/>
-              <a:buNone/>
-              <a:defRPr sz="1800" u="none" strike="noStrike" kern="1200" cap="none" spc="150" normalizeH="0" baseline="0">
-                <a:solidFill>
-                  <a:schemeClr val="tx1">
-                    <a:tint val="75000"/>
-                  </a:schemeClr>
-                </a:solidFill>
-                <a:uFillTx/>
-                <a:latin typeface="+mn-lt"/>
-                <a:ea typeface="+mn-ea"/>
-                <a:cs typeface="+mn-cs"/>
-              </a:defRPr>
-            </a:lvl3pPr>
-            <a:lvl4pPr marL="1371600" indent="0" algn="l" defTabSz="914400" rtl="0" eaLnBrk="1" fontAlgn="auto" latinLnBrk="0" hangingPunct="1">
-              <a:lnSpc>
-                <a:spcPct val="130000"/>
-              </a:lnSpc>
-              <a:spcBef>
-                <a:spcPts val="0"/>
-              </a:spcBef>
-              <a:spcAft>
-                <a:spcPts val="1000"/>
-              </a:spcAft>
-              <a:buFont typeface="Arial" panose="020B0604020202020204" pitchFamily="34" charset="0"/>
-              <a:buNone/>
-              <a:defRPr sz="1600" u="none" strike="noStrike" kern="1200" cap="none" spc="150" normalizeH="0" baseline="0">
-                <a:solidFill>
-                  <a:schemeClr val="tx1">
-                    <a:tint val="75000"/>
-                  </a:schemeClr>
-                </a:solidFill>
-                <a:uFillTx/>
-                <a:latin typeface="+mn-lt"/>
-                <a:ea typeface="+mn-ea"/>
-                <a:cs typeface="+mn-cs"/>
-              </a:defRPr>
-            </a:lvl4pPr>
-            <a:lvl5pPr marL="1828800" indent="0" algn="l" defTabSz="914400" rtl="0" eaLnBrk="1" fontAlgn="auto" latinLnBrk="0" hangingPunct="1">
-              <a:lnSpc>
-                <a:spcPct val="130000"/>
-              </a:lnSpc>
-              <a:spcBef>
-                <a:spcPts val="0"/>
-              </a:spcBef>
-              <a:spcAft>
-                <a:spcPts val="1000"/>
-              </a:spcAft>
-              <a:buFont typeface="Arial" panose="020B0604020202020204" pitchFamily="34" charset="0"/>
-              <a:buNone/>
-              <a:defRPr sz="1600" u="none" strike="noStrike" kern="1200" cap="none" spc="150" normalizeH="0" baseline="0">
-                <a:solidFill>
-                  <a:schemeClr val="tx1">
-                    <a:tint val="75000"/>
-                  </a:schemeClr>
-                </a:solidFill>
-                <a:uFillTx/>
-                <a:latin typeface="+mn-lt"/>
-                <a:ea typeface="+mn-ea"/>
-                <a:cs typeface="+mn-cs"/>
-              </a:defRPr>
-            </a:lvl5pPr>
-            <a:lvl6pPr marL="2286000" indent="0" algn="l" defTabSz="914400" rtl="0" eaLnBrk="1" latinLnBrk="0" hangingPunct="1">
-              <a:lnSpc>
-                <a:spcPct val="90000"/>
-              </a:lnSpc>
-              <a:spcBef>
-                <a:spcPts val="500"/>
-              </a:spcBef>
-              <a:buFont typeface="Arial" panose="020B0604020202020204" pitchFamily="34" charset="0"/>
-              <a:buNone/>
-              <a:defRPr sz="1600" kern="1200">
-                <a:solidFill>
-                  <a:schemeClr val="tx1">
-                    <a:tint val="75000"/>
-                  </a:schemeClr>
-                </a:solidFill>
-                <a:latin typeface="+mn-lt"/>
-                <a:ea typeface="+mn-ea"/>
-                <a:cs typeface="+mn-cs"/>
-              </a:defRPr>
-            </a:lvl6pPr>
-            <a:lvl7pPr marL="2743200" indent="0" algn="l" defTabSz="914400" rtl="0" eaLnBrk="1" latinLnBrk="0" hangingPunct="1">
-              <a:lnSpc>
-                <a:spcPct val="90000"/>
-              </a:lnSpc>
-              <a:spcBef>
-                <a:spcPts val="500"/>
-              </a:spcBef>
-              <a:buFont typeface="Arial" panose="020B0604020202020204" pitchFamily="34" charset="0"/>
-              <a:buNone/>
-              <a:defRPr sz="1600" kern="1200">
-                <a:solidFill>
-                  <a:schemeClr val="tx1">
-                    <a:tint val="75000"/>
-                  </a:schemeClr>
-                </a:solidFill>
-                <a:latin typeface="+mn-lt"/>
-                <a:ea typeface="+mn-ea"/>
-                <a:cs typeface="+mn-cs"/>
-              </a:defRPr>
-            </a:lvl7pPr>
-            <a:lvl8pPr marL="3200400" indent="0" algn="l" defTabSz="914400" rtl="0" eaLnBrk="1" latinLnBrk="0" hangingPunct="1">
-              <a:lnSpc>
-                <a:spcPct val="90000"/>
-              </a:lnSpc>
-              <a:spcBef>
-                <a:spcPts val="500"/>
-              </a:spcBef>
-              <a:buFont typeface="Arial" panose="020B0604020202020204" pitchFamily="34" charset="0"/>
-              <a:buNone/>
-              <a:defRPr sz="1600" kern="1200">
-                <a:solidFill>
-                  <a:schemeClr val="tx1">
-                    <a:tint val="75000"/>
-                  </a:schemeClr>
-                </a:solidFill>
-                <a:latin typeface="+mn-lt"/>
-                <a:ea typeface="+mn-ea"/>
-                <a:cs typeface="+mn-cs"/>
-              </a:defRPr>
-            </a:lvl8pPr>
-            <a:lvl9pPr marL="3657600" indent="0" algn="l" defTabSz="914400" rtl="0" eaLnBrk="1" latinLnBrk="0" hangingPunct="1">
-              <a:lnSpc>
-                <a:spcPct val="90000"/>
-              </a:lnSpc>
-              <a:spcBef>
-                <a:spcPts val="500"/>
-              </a:spcBef>
-              <a:buFont typeface="Arial" panose="020B0604020202020204" pitchFamily="34" charset="0"/>
-              <a:buNone/>
-              <a:defRPr sz="1600" kern="1200">
-                <a:solidFill>
-                  <a:schemeClr val="tx1">
-                    <a:tint val="75000"/>
-                  </a:schemeClr>
-                </a:solidFill>
-                <a:latin typeface="+mn-lt"/>
-                <a:ea typeface="+mn-ea"/>
-                <a:cs typeface="+mn-cs"/>
-              </a:defRPr>
-            </a:lvl9pPr>
-          </a:lstStyle>
-          <a:p>
-            <a:pPr marL="285750" indent="-285750">
-              <a:buFont typeface="Arial" panose="020B0604020202020204" pitchFamily="34" charset="0"/>
-              <a:buChar char="•"/>
-            </a:pPr>
-            <a:r>
-              <a:rPr lang="zh-CN" altLang="en-US" dirty="0"/>
-              <a:t>所以现在</a:t>
-            </a:r>
-            <a:r>
-              <a:rPr lang="en-US" altLang="zh-CN" dirty="0"/>
-              <a:t>loss</a:t>
-            </a:r>
-            <a:r>
-              <a:rPr lang="zh-CN" altLang="en-US" dirty="0"/>
-              <a:t>的大小和梯度的大小的关系是什么？</a:t>
-            </a:r>
-            <a:endParaRPr lang="en-US" altLang="zh-CN" dirty="0"/>
-          </a:p>
-          <a:p>
-            <a:pPr marL="285750" indent="-285750">
-              <a:buFont typeface="Arial" panose="020B0604020202020204" pitchFamily="34" charset="0"/>
-              <a:buChar char="•"/>
-            </a:pPr>
-            <a:r>
-              <a:rPr lang="zh-CN" altLang="en-US" dirty="0"/>
-              <a:t>希望它们的关系是什么，才能尽快收敛？</a:t>
-            </a:r>
-            <a:endParaRPr lang="en-US" altLang="zh-CN" dirty="0"/>
-          </a:p>
-          <a:p>
-            <a:pPr marL="285750" indent="-285750">
-              <a:buFont typeface="Arial" panose="020B0604020202020204" pitchFamily="34" charset="0"/>
-              <a:buChar char="•"/>
-            </a:pPr>
-            <a:r>
-              <a:rPr lang="zh-CN" altLang="en-US" dirty="0"/>
-              <a:t>误差项的大小和梯度的大小的关系是什么？</a:t>
-            </a:r>
-            <a:endParaRPr lang="en-US" altLang="zh-CN" dirty="0"/>
-          </a:p>
-          <a:p>
-            <a:pPr marL="285750" indent="-285750">
-              <a:buFont typeface="Arial" panose="020B0604020202020204" pitchFamily="34" charset="0"/>
-              <a:buChar char="•"/>
-            </a:pPr>
-            <a:r>
-              <a:rPr lang="zh-CN" altLang="en-US" dirty="0"/>
-              <a:t>请思考误差项的公式是什么样的，才能满足</a:t>
-            </a:r>
-            <a:r>
-              <a:rPr lang="en-US" altLang="zh-CN" dirty="0"/>
-              <a:t>loss</a:t>
-            </a:r>
-            <a:r>
-              <a:rPr lang="zh-CN" altLang="en-US" dirty="0"/>
-              <a:t>越大误差项就越大（也就是梯度越大），</a:t>
-            </a:r>
-            <a:r>
-              <a:rPr lang="en-US" altLang="zh-CN" dirty="0"/>
-              <a:t>loss</a:t>
-            </a:r>
-            <a:r>
-              <a:rPr lang="zh-CN" altLang="en-US" dirty="0"/>
-              <a:t>越小误差项就越小（也就是梯度越小）？</a:t>
-            </a:r>
-            <a:endParaRPr lang="en-US" altLang="zh-CN" dirty="0"/>
-          </a:p>
-          <a:p>
-            <a:pPr marL="285750" indent="-285750">
-              <a:buFont typeface="Arial" panose="020B0604020202020204" pitchFamily="34" charset="0"/>
-              <a:buChar char="•"/>
-            </a:pPr>
-            <a:r>
-              <a:rPr lang="zh-CN" altLang="en-US" dirty="0">
-                <a:solidFill>
-                  <a:schemeClr val="bg2"/>
-                </a:solidFill>
-              </a:rPr>
-              <a:t>根据误差项的公式，在激活函数不变的情况下（从而激活函数的导数也不变），另一项应该是多少？</a:t>
-            </a:r>
-            <a:endParaRPr lang="en-US" altLang="zh-CN" dirty="0">
-              <a:solidFill>
-                <a:schemeClr val="bg2"/>
-              </a:solidFill>
-            </a:endParaRPr>
-          </a:p>
-          <a:p>
-            <a:pPr marL="285750" indent="-285750">
-              <a:buFont typeface="Arial" panose="020B0604020202020204" pitchFamily="34" charset="0"/>
-              <a:buChar char="•"/>
-            </a:pPr>
-            <a:r>
-              <a:rPr lang="zh-CN" altLang="en-US" dirty="0"/>
-              <a:t>所以我们使用新的损失函数：交叉熵损失函数，它能使误差项成为该公式</a:t>
-            </a:r>
-            <a:endParaRPr lang="en-US" altLang="zh-CN" dirty="0"/>
-          </a:p>
-          <a:p>
-            <a:endParaRPr lang="en-US" altLang="zh-CN" dirty="0"/>
-          </a:p>
-          <a:p>
-            <a:endParaRPr lang="en-US" altLang="zh-CN" dirty="0"/>
-          </a:p>
-          <a:p>
-            <a:pPr marL="285750" indent="-285750">
-              <a:buFont typeface="Arial" panose="020B0604020202020204" pitchFamily="34" charset="0"/>
-              <a:buChar char="•"/>
-            </a:pPr>
-            <a:r>
-              <a:rPr lang="zh-CN" altLang="en-US" dirty="0"/>
-              <a:t>自学、展学</a:t>
-            </a:r>
-          </a:p>
-          <a:p>
-            <a:pPr marL="285750" indent="-285750">
-              <a:buFont typeface="Arial" panose="020B0604020202020204" pitchFamily="34" charset="0"/>
-              <a:buChar char="•"/>
-            </a:pPr>
-            <a:endParaRPr lang="zh-CN" altLang="en-US" dirty="0"/>
-          </a:p>
-          <a:p>
-            <a:pPr marL="285750" indent="-285750">
-              <a:buFont typeface="Arial" panose="020B0604020202020204" pitchFamily="34" charset="0"/>
-              <a:buChar char="•"/>
-            </a:pPr>
-            <a:endParaRPr lang="en-US" altLang="zh-CN" dirty="0"/>
-          </a:p>
-          <a:p>
-            <a:pPr marL="285750" indent="-285750">
-              <a:buFont typeface="Arial" panose="020B0604020202020204" pitchFamily="34" charset="0"/>
-              <a:buChar char="•"/>
-            </a:pPr>
-            <a:endParaRPr lang="zh-CN" altLang="en-US" dirty="0"/>
-          </a:p>
-          <a:p>
-            <a:pPr marL="285750" indent="-285750">
-              <a:buFont typeface="Arial" panose="020B0604020202020204" pitchFamily="34" charset="0"/>
-              <a:buChar char="•"/>
-            </a:pPr>
-            <a:endParaRPr lang="zh-CN" altLang="en-US" dirty="0"/>
-          </a:p>
-          <a:p>
-            <a:pPr marL="285750" indent="-285750">
-              <a:buFont typeface="Arial" panose="020B0604020202020204" pitchFamily="34" charset="0"/>
-              <a:buChar char="•"/>
-            </a:pPr>
-            <a:endParaRPr lang="zh-CN" altLang="en-US" dirty="0"/>
-          </a:p>
-          <a:p>
-            <a:pPr marL="285750" indent="-285750">
-              <a:buFont typeface="Arial" panose="020B0604020202020204" pitchFamily="34" charset="0"/>
-              <a:buChar char="•"/>
-            </a:pPr>
-            <a:endParaRPr lang="zh-CN" altLang="en-US" dirty="0"/>
-          </a:p>
-          <a:p>
-            <a:pPr marL="285750" indent="-285750">
-              <a:buFont typeface="Arial" panose="020B0604020202020204" pitchFamily="34" charset="0"/>
-              <a:buChar char="•"/>
-            </a:pPr>
-            <a:endParaRPr lang="zh-CN" altLang="en-US" dirty="0"/>
-          </a:p>
-          <a:p>
-            <a:pPr marL="285750" indent="-285750">
-              <a:buFont typeface="Arial" panose="020B0604020202020204" pitchFamily="34" charset="0"/>
-              <a:buChar char="•"/>
-            </a:pPr>
-            <a:endParaRPr lang="zh-CN" altLang="en-US" dirty="0"/>
-          </a:p>
-          <a:p>
-            <a:pPr marL="285750" indent="-285750">
-              <a:buFont typeface="Arial" panose="020B0604020202020204" pitchFamily="34" charset="0"/>
-              <a:buChar char="•"/>
-            </a:pPr>
-            <a:endParaRPr lang="zh-CN" altLang="en-US" dirty="0"/>
-          </a:p>
-        </p:txBody>
-      </p:sp>
-      <p:pic>
-        <p:nvPicPr>
-          <p:cNvPr id="4" name="图片 3">
-            <a:extLst>
-              <a:ext uri="{FF2B5EF4-FFF2-40B4-BE49-F238E27FC236}">
-                <a16:creationId xmlns:a16="http://schemas.microsoft.com/office/drawing/2014/main" id="{30F07015-2F03-094A-696A-5D50BFACB80D}"/>
-              </a:ext>
-            </a:extLst>
-          </p:cNvPr>
-          <p:cNvPicPr>
-            <a:picLocks noChangeAspect="1"/>
-          </p:cNvPicPr>
-          <p:nvPr/>
-        </p:nvPicPr>
-        <p:blipFill>
-          <a:blip r:embed="rId3">
-            <a:extLst>
-              <a:ext uri="{28A0092B-C50C-407E-A947-70E740481C1C}">
-                <a14:useLocalDpi xmlns:a14="http://schemas.microsoft.com/office/drawing/2010/main" val="0"/>
-              </a:ext>
-            </a:extLst>
-          </a:blip>
-          <a:stretch>
-            <a:fillRect/>
-          </a:stretch>
-        </p:blipFill>
-        <p:spPr>
-          <a:xfrm>
-            <a:off x="9745182" y="2072273"/>
-            <a:ext cx="1624493" cy="443961"/>
-          </a:xfrm>
-          <a:prstGeom prst="rect">
-            <a:avLst/>
-          </a:prstGeom>
-        </p:spPr>
-      </p:pic>
-    </p:spTree>
-    <p:custDataLst>
-      <p:tags r:id="rId1"/>
-    </p:custDataLst>
-    <p:extLst>
-      <p:ext uri="{BB962C8B-B14F-4D97-AF65-F5344CB8AC3E}">
-        <p14:creationId xmlns:p14="http://schemas.microsoft.com/office/powerpoint/2010/main" val="3884151446"/>
-      </p:ext>
-    </p:extLst>
-  </p:cSld>
-  <p:clrMapOvr>
-    <a:masterClrMapping/>
-  </p:clrMapOvr>
-  <p:timing>
-    <p:tnLst>
-      <p:par>
-        <p:cTn id="1" dur="indefinite" restart="never" nodeType="tmRoot">
-          <p:childTnLst>
-            <p:seq concurrent="1" nextAc="seek">
-              <p:cTn id="2" dur="indefinite" nodeType="mainSeq">
-                <p:childTnLst>
-                  <p:par>
-                    <p:cTn id="3" fill="hold">
-                      <p:stCondLst>
-                        <p:cond delay="indefinite"/>
-                      </p:stCondLst>
-                      <p:childTnLst>
-                        <p:par>
-                          <p:cTn id="4" fill="hold">
-                            <p:stCondLst>
-                              <p:cond delay="0"/>
-                            </p:stCondLst>
-                            <p:childTnLst>
-                              <p:par>
-                                <p:cTn id="5" presetID="1" presetClass="entr" presetSubtype="0" fill="hold" grpId="0" nodeType="clickEffect">
-                                  <p:stCondLst>
-                                    <p:cond delay="0"/>
-                                  </p:stCondLst>
-                                  <p:childTnLst>
-                                    <p:set>
-                                      <p:cBhvr>
-                                        <p:cTn id="6" dur="1" fill="hold">
-                                          <p:stCondLst>
-                                            <p:cond delay="0"/>
-                                          </p:stCondLst>
-                                        </p:cTn>
-                                        <p:tgtEl>
-                                          <p:spTgt spid="6"/>
-                                        </p:tgtEl>
-                                        <p:attrNameLst>
-                                          <p:attrName>style.visibility</p:attrName>
-                                        </p:attrNameLst>
-                                      </p:cBhvr>
-                                      <p:to>
-                                        <p:strVal val="visible"/>
-                                      </p:to>
-                                    </p:set>
-                                  </p:childTnLst>
-                                </p:cTn>
-                              </p:par>
-                            </p:childTnLst>
-                          </p:cTn>
-                        </p:par>
-                      </p:childTnLst>
-                    </p:cTn>
-                  </p:par>
-                </p:childTnLst>
-              </p:cTn>
-              <p:prevCondLst>
-                <p:cond evt="onPrev" delay="0">
-                  <p:tgtEl>
-                    <p:sldTgt/>
-                  </p:tgtEl>
-                </p:cond>
-              </p:prevCondLst>
-              <p:nextCondLst>
-                <p:cond evt="onNext" delay="0">
-                  <p:tgtEl>
-                    <p:sldTgt/>
-                  </p:tgtEl>
-                </p:cond>
-              </p:nextCondLst>
-            </p:seq>
-          </p:childTnLst>
-        </p:cTn>
-      </p:par>
-    </p:tnLst>
-    <p:bldLst>
-      <p:bldP spid="6" grpId="0"/>
+      <p:bldP spid="5" grpId="0"/>
+      <p:bldP spid="8" grpId="0"/>
     </p:bldLst>
   </p:timing>
 </p:sld>

--- a/lessons/6_softmax/ppt/使用交叉熵损失函数和Softmax激活函数.pptx
+++ b/lessons/6_softmax/ppt/使用交叉熵损失函数和Softmax激活函数.pptx
@@ -6752,6 +6752,17 @@
             </a:pPr>
             <a:r>
               <a:rPr lang="zh-CN" altLang="en-US" dirty="0"/>
+              <a:t>我们如何设计新的损失函数？</a:t>
+            </a:r>
+            <a:endParaRPr lang="en-US" altLang="zh-CN" dirty="0"/>
+          </a:p>
+          <a:p>
+            <a:pPr marL="285750" indent="-285750">
+              <a:buFont typeface="Arial" panose="020B0604020202020204" pitchFamily="34" charset="0"/>
+              <a:buChar char="•"/>
+            </a:pPr>
+            <a:r>
+              <a:rPr lang="zh-CN" altLang="en-US" dirty="0"/>
               <a:t>如何加快单分类的训练速度？</a:t>
             </a:r>
             <a:endParaRPr lang="en-US" altLang="zh-CN" dirty="0"/>
@@ -6884,6 +6895,55 @@
                                           <p:spTgt spid="6">
                                             <p:txEl>
                                               <p:pRg st="0" end="0"/>
+                                            </p:txEl>
+                                          </p:spTgt>
+                                        </p:tgtEl>
+                                        <p:attrNameLst>
+                                          <p:attrName>style.visibility</p:attrName>
+                                        </p:attrNameLst>
+                                      </p:cBhvr>
+                                      <p:to>
+                                        <p:strVal val="visible"/>
+                                      </p:to>
+                                    </p:set>
+                                  </p:childTnLst>
+                                </p:cTn>
+                              </p:par>
+                            </p:childTnLst>
+                          </p:cTn>
+                        </p:par>
+                      </p:childTnLst>
+                    </p:cTn>
+                  </p:par>
+                  <p:par>
+                    <p:cTn id="7" fill="hold">
+                      <p:stCondLst>
+                        <p:cond delay="indefinite"/>
+                      </p:stCondLst>
+                      <p:childTnLst>
+                        <p:par>
+                          <p:cTn id="8" fill="hold">
+                            <p:stCondLst>
+                              <p:cond delay="0"/>
+                            </p:stCondLst>
+                            <p:childTnLst>
+                              <p:par>
+                                <p:cTn id="9" presetID="1" presetClass="entr" presetSubtype="0" fill="hold" nodeType="clickEffect">
+                                  <p:stCondLst>
+                                    <p:cond delay="0"/>
+                                  </p:stCondLst>
+                                  <p:childTnLst>
+                                    <p:set>
+                                      <p:cBhvr>
+                                        <p:cTn id="10" dur="1" fill="hold">
+                                          <p:stCondLst>
+                                            <p:cond delay="0"/>
+                                          </p:stCondLst>
+                                        </p:cTn>
+                                        <p:tgtEl>
+                                          <p:spTgt spid="6">
+                                            <p:txEl>
+                                              <p:pRg st="1" end="1"/>
                                             </p:txEl>
                                           </p:spTgt>
                                         </p:tgtEl>
@@ -7334,12 +7394,54 @@
             </a:r>
             <a:r>
               <a:rPr lang="zh-CN" altLang="en-US" dirty="0"/>
-              <a:t>函数，并且在训练时打印</a:t>
-            </a:r>
+              <a:t>函数</a:t>
+            </a:r>
+            <a:endParaRPr lang="en-US" altLang="zh-CN" dirty="0"/>
+          </a:p>
+          <a:p>
+            <a:pPr marL="742950" lvl="1" indent="-285750">
+              <a:buFont typeface="Arial" panose="020B0604020202020204" pitchFamily="34" charset="0"/>
+              <a:buChar char="•"/>
+            </a:pPr>
+            <a:r>
+              <a:rPr lang="zh-CN" altLang="en-US" dirty="0"/>
+              <a:t>修改输出层误差项的计算</a:t>
+            </a:r>
+            <a:endParaRPr lang="en-US" altLang="zh-CN" dirty="0"/>
+          </a:p>
+          <a:p>
+            <a:pPr marL="285750" indent="-285750">
+              <a:buFont typeface="Arial" panose="020B0604020202020204" pitchFamily="34" charset="0"/>
+              <a:buChar char="•"/>
+            </a:pPr>
+            <a:r>
+              <a:rPr lang="zh-CN" altLang="en-US" dirty="0"/>
+              <a:t>请每个同学运行代码，并与之前的代码</a:t>
+            </a:r>
+            <a:r>
+              <a:rPr lang="en" altLang="zh-CN" dirty="0" err="1"/>
+              <a:t>NeuralNetwork_train_fix_zeroMean_answer_fix</a:t>
+            </a:r>
+            <a:r>
+              <a:rPr lang="zh-CN" altLang="en-US" dirty="0"/>
+              <a:t>比较，看下：</a:t>
+            </a:r>
+            <a:endParaRPr lang="en-US" altLang="zh-CN" dirty="0"/>
+          </a:p>
+          <a:p>
+            <a:pPr marL="742950" lvl="1" indent="-285750">
+              <a:buFont typeface="Arial" panose="020B0604020202020204" pitchFamily="34" charset="0"/>
+              <a:buChar char="•"/>
+            </a:pPr>
             <a:r>
               <a:rPr lang="en-US" altLang="zh-CN" dirty="0"/>
               <a:t>loss</a:t>
             </a:r>
+            <a:r>
+              <a:rPr lang="zh-CN" altLang="en-US" dirty="0"/>
+              <a:t>的训练速度是否加快？</a:t>
+            </a:r>
+            <a:endParaRPr lang="en-US" altLang="zh-CN" dirty="0"/>
           </a:p>
           <a:p>
             <a:pPr marL="742950" lvl="1" indent="-285750">
@@ -7348,51 +7450,14 @@
             </a:pPr>
             <a:r>
               <a:rPr lang="zh-CN" altLang="en-US" dirty="0"/>
-              <a:t>修改输出层误差项的计算</a:t>
-            </a:r>
-            <a:endParaRPr lang="en-US" altLang="zh-CN" dirty="0"/>
-          </a:p>
-          <a:p>
-            <a:pPr marL="285750" indent="-285750">
-              <a:buFont typeface="Arial" panose="020B0604020202020204" pitchFamily="34" charset="0"/>
-              <a:buChar char="•"/>
-            </a:pPr>
-            <a:r>
-              <a:rPr lang="zh-CN" altLang="en-US" dirty="0"/>
-              <a:t>请每个同学运行代码，与之前的代码比较，看下：</a:t>
-            </a:r>
-            <a:endParaRPr lang="en-US" altLang="zh-CN" dirty="0"/>
-          </a:p>
-          <a:p>
-            <a:pPr marL="742950" lvl="1" indent="-285750">
-              <a:buFont typeface="Arial" panose="020B0604020202020204" pitchFamily="34" charset="0"/>
-              <a:buChar char="•"/>
-            </a:pPr>
+              <a:t>是否在</a:t>
+            </a:r>
             <a:r>
               <a:rPr lang="en-US" altLang="zh-CN" dirty="0"/>
               <a:t>loss</a:t>
             </a:r>
             <a:r>
               <a:rPr lang="zh-CN" altLang="en-US" dirty="0"/>
-              <a:t>的训练速度是否加快？</a:t>
-            </a:r>
-            <a:endParaRPr lang="en-US" altLang="zh-CN" dirty="0"/>
-          </a:p>
-          <a:p>
-            <a:pPr marL="742950" lvl="1" indent="-285750">
-              <a:buFont typeface="Arial" panose="020B0604020202020204" pitchFamily="34" charset="0"/>
-              <a:buChar char="•"/>
-            </a:pPr>
-            <a:r>
-              <a:rPr lang="zh-CN" altLang="en-US" dirty="0"/>
-              <a:t>是否在</a:t>
-            </a:r>
-            <a:r>
-              <a:rPr lang="en-US" altLang="zh-CN" dirty="0"/>
-              <a:t>loss</a:t>
-            </a:r>
-            <a:r>
-              <a:rPr lang="zh-CN" altLang="en-US" dirty="0"/>
               <a:t>很大时训练速度也很快？</a:t>
             </a:r>
             <a:endParaRPr lang="en-US" altLang="zh-CN" dirty="0"/>
@@ -7411,31 +7476,6 @@
             </a:r>
           </a:p>
           <a:p>
-            <a:pPr marL="285750" indent="-285750">
-              <a:buFont typeface="Arial" panose="020B0604020202020204" pitchFamily="34" charset="0"/>
-              <a:buChar char="•"/>
-            </a:pPr>
-            <a:endParaRPr lang="zh-CN" altLang="en-US" dirty="0"/>
-          </a:p>
-          <a:p>
-            <a:pPr marL="285750" indent="-285750">
-              <a:buFont typeface="Arial" panose="020B0604020202020204" pitchFamily="34" charset="0"/>
-              <a:buChar char="•"/>
-            </a:pPr>
-            <a:endParaRPr lang="zh-CN" altLang="en-US" dirty="0"/>
-          </a:p>
-          <a:p>
-            <a:pPr marL="285750" indent="-285750">
-              <a:buFont typeface="Arial" panose="020B0604020202020204" pitchFamily="34" charset="0"/>
-              <a:buChar char="•"/>
-            </a:pPr>
-            <a:endParaRPr lang="zh-CN" altLang="en-US" dirty="0"/>
-          </a:p>
-          <a:p>
-            <a:pPr marL="285750" indent="-285750">
-              <a:buFont typeface="Arial" panose="020B0604020202020204" pitchFamily="34" charset="0"/>
-              <a:buChar char="•"/>
-            </a:pPr>
             <a:endParaRPr lang="zh-CN" altLang="en-US" dirty="0"/>
           </a:p>
           <a:p>

--- a/lessons/6_softmax/ppt/使用交叉熵损失函数和Softmax激活函数.pptx
+++ b/lessons/6_softmax/ppt/使用交叉熵损失函数和Softmax激活函数.pptx
@@ -239,7 +239,7 @@
                 <a:latin typeface="微软雅黑" panose="020B0503020204020204" charset="-122"/>
                 <a:ea typeface="微软雅黑" panose="020B0503020204020204" charset="-122"/>
               </a:rPr>
-              <a:t>2022/11/24</a:t>
+              <a:t>2022/11/25</a:t>
             </a:fld>
             <a:endParaRPr lang="zh-CN" altLang="en-US">
               <a:latin typeface="微软雅黑" panose="020B0503020204020204" charset="-122"/>
@@ -422,7 +422,7 @@
           <a:p>
             <a:fld id="{1AC49D05-6128-4D0D-A32A-06A5E73B386C}" type="datetimeFigureOut">
               <a:rPr lang="zh-CN" altLang="en-US" smtClean="0"/>
-              <a:t>2022/11/24</a:t>
+              <a:t>2022/11/25</a:t>
             </a:fld>
             <a:endParaRPr lang="zh-CN" altLang="en-US"/>
           </a:p>
@@ -1084,7 +1084,7 @@
           <a:p>
             <a:fld id="{9EFD9D74-47D9-4702-A33C-335B63B48DBF}" type="datetimeFigureOut">
               <a:rPr lang="zh-CN" altLang="en-US" smtClean="0"/>
-              <a:t>2022/11/24</a:t>
+              <a:t>2022/11/25</a:t>
             </a:fld>
             <a:endParaRPr lang="zh-CN" altLang="en-US" dirty="0"/>
           </a:p>
@@ -1417,7 +1417,7 @@
           <a:p>
             <a:fld id="{760FBDFE-C587-4B4C-A407-44438C67B59E}" type="datetimeFigureOut">
               <a:rPr lang="zh-CN" altLang="en-US" smtClean="0"/>
-              <a:t>2022/11/24</a:t>
+              <a:t>2022/11/25</a:t>
             </a:fld>
             <a:endParaRPr lang="zh-CN" altLang="en-US"/>
           </a:p>
@@ -1590,7 +1590,7 @@
           <a:p>
             <a:fld id="{9EFD9D74-47D9-4702-A33C-335B63B48DBF}" type="datetimeFigureOut">
               <a:rPr lang="zh-CN" altLang="en-US" smtClean="0"/>
-              <a:t>2022/11/24</a:t>
+              <a:t>2022/11/25</a:t>
             </a:fld>
             <a:endParaRPr lang="zh-CN" altLang="en-US" dirty="0"/>
           </a:p>
@@ -2115,7 +2115,7 @@
           <a:p>
             <a:fld id="{760FBDFE-C587-4B4C-A407-44438C67B59E}" type="datetimeFigureOut">
               <a:rPr lang="zh-CN" altLang="en-US" smtClean="0"/>
-              <a:t>2022/11/24</a:t>
+              <a:t>2022/11/25</a:t>
             </a:fld>
             <a:endParaRPr lang="zh-CN" altLang="en-US"/>
           </a:p>
@@ -2863,7 +2863,7 @@
           <a:p>
             <a:fld id="{760FBDFE-C587-4B4C-A407-44438C67B59E}" type="datetimeFigureOut">
               <a:rPr lang="zh-CN" altLang="en-US" smtClean="0"/>
-              <a:t>2022/11/24</a:t>
+              <a:t>2022/11/25</a:t>
             </a:fld>
             <a:endParaRPr lang="zh-CN" altLang="en-US"/>
           </a:p>
@@ -3029,7 +3029,7 @@
           <a:p>
             <a:fld id="{760FBDFE-C587-4B4C-A407-44438C67B59E}" type="datetimeFigureOut">
               <a:rPr lang="zh-CN" altLang="en-US" smtClean="0"/>
-              <a:t>2022/11/24</a:t>
+              <a:t>2022/11/25</a:t>
             </a:fld>
             <a:endParaRPr lang="zh-CN" altLang="en-US"/>
           </a:p>
@@ -3143,7 +3143,7 @@
           <a:p>
             <a:fld id="{760FBDFE-C587-4B4C-A407-44438C67B59E}" type="datetimeFigureOut">
               <a:rPr lang="zh-CN" altLang="en-US" smtClean="0"/>
-              <a:t>2022/11/24</a:t>
+              <a:t>2022/11/25</a:t>
             </a:fld>
             <a:endParaRPr lang="zh-CN" altLang="en-US"/>
           </a:p>
@@ -3473,7 +3473,7 @@
           <a:p>
             <a:fld id="{9EFD9D74-47D9-4702-A33C-335B63B48DBF}" type="datetimeFigureOut">
               <a:rPr lang="zh-CN" altLang="en-US" smtClean="0"/>
-              <a:t>2022/11/24</a:t>
+              <a:t>2022/11/25</a:t>
             </a:fld>
             <a:endParaRPr lang="zh-CN" altLang="en-US" dirty="0"/>
           </a:p>
@@ -3986,7 +3986,7 @@
           <a:p>
             <a:fld id="{760FBDFE-C587-4B4C-A407-44438C67B59E}" type="datetimeFigureOut">
               <a:rPr lang="zh-CN" altLang="en-US" smtClean="0"/>
-              <a:t>2022/11/24</a:t>
+              <a:t>2022/11/25</a:t>
             </a:fld>
             <a:endParaRPr lang="zh-CN" altLang="en-US"/>
           </a:p>
@@ -4100,7 +4100,7 @@
           <a:p>
             <a:fld id="{760FBDFE-C587-4B4C-A407-44438C67B59E}" type="datetimeFigureOut">
               <a:rPr lang="zh-CN" altLang="en-US" smtClean="0"/>
-              <a:t>2022/11/24</a:t>
+              <a:t>2022/11/25</a:t>
             </a:fld>
             <a:endParaRPr lang="zh-CN" altLang="en-US"/>
           </a:p>
@@ -4388,7 +4388,7 @@
           <a:p>
             <a:fld id="{82F288E0-7875-42C4-84C8-98DBBD3BF4D2}" type="datetimeFigureOut">
               <a:rPr lang="zh-CN" altLang="en-US" smtClean="0"/>
-              <a:t>2022/11/24</a:t>
+              <a:t>2022/11/25</a:t>
             </a:fld>
             <a:endParaRPr lang="zh-CN" altLang="en-US"/>
           </a:p>
@@ -4847,7 +4847,7 @@
           <a:p>
             <a:fld id="{760FBDFE-C587-4B4C-A407-44438C67B59E}" type="datetimeFigureOut">
               <a:rPr lang="zh-CN" altLang="en-US" smtClean="0"/>
-              <a:t>2022/11/24</a:t>
+              <a:t>2022/11/25</a:t>
             </a:fld>
             <a:endParaRPr lang="zh-CN" altLang="en-US"/>
           </a:p>
@@ -5516,7 +5516,7 @@
           <a:p>
             <a:fld id="{9EFD9D74-47D9-4702-A33C-335B63B48DBF}" type="datetimeFigureOut">
               <a:rPr lang="zh-CN" altLang="en-US" smtClean="0"/>
-              <a:t>2022/11/24</a:t>
+              <a:t>2022/11/25</a:t>
             </a:fld>
             <a:endParaRPr lang="zh-CN" altLang="en-US" dirty="0"/>
           </a:p>
@@ -5664,7 +5664,7 @@
           <a:p>
             <a:fld id="{9EFD9D74-47D9-4702-A33C-335B63B48DBF}" type="datetimeFigureOut">
               <a:rPr lang="zh-CN" altLang="en-US" smtClean="0"/>
-              <a:t>2022/11/24</a:t>
+              <a:t>2022/11/25</a:t>
             </a:fld>
             <a:endParaRPr lang="zh-CN" altLang="en-US" dirty="0"/>
           </a:p>
@@ -13673,7 +13673,7 @@
                                         <p:tgtEl>
                                           <p:spTgt spid="2">
                                             <p:txEl>
-                                              <p:charRg st="9" end="18"/>
+                                              <p:pRg st="1" end="1"/>
                                             </p:txEl>
                                           </p:spTgt>
                                         </p:tgtEl>
@@ -13722,7 +13722,7 @@
                                         <p:tgtEl>
                                           <p:spTgt spid="2">
                                             <p:txEl>
-                                              <p:charRg st="18" end="36"/>
+                                              <p:pRg st="2" end="2"/>
                                             </p:txEl>
                                           </p:spTgt>
                                         </p:tgtEl>
@@ -13771,7 +13771,7 @@
                                         <p:tgtEl>
                                           <p:spTgt spid="2">
                                             <p:txEl>
-                                              <p:charRg st="36" end="59"/>
+                                              <p:pRg st="3" end="3"/>
                                             </p:txEl>
                                           </p:spTgt>
                                         </p:tgtEl>
@@ -16627,22 +16627,8 @@
             </a:pPr>
             <a:r>
               <a:rPr lang="zh-CN" altLang="en-US" dirty="0"/>
-              <a:t>我们使用新的损失函数：交叉熵损失函数，它能使误差项成为该公式</a:t>
-            </a:r>
-            <a:endParaRPr lang="en-US" altLang="zh-CN" dirty="0"/>
-          </a:p>
-          <a:p>
-            <a:pPr marL="285750" indent="-285750">
-              <a:buFont typeface="Arial" panose="020B0604020202020204" pitchFamily="34" charset="0"/>
-              <a:buChar char="•"/>
-            </a:pPr>
-            <a:r>
-              <a:rPr lang="zh-CN" altLang="en-US" dirty="0"/>
-              <a:t>所以它应该是什么，才能满足下面的公式？</a:t>
-            </a:r>
-            <a:endParaRPr lang="en-US" altLang="zh-CN" dirty="0"/>
-          </a:p>
-          <a:p>
+              <a:t>我们使用新的损失函数：交叉熵损失函数，它应该是什么，才能满足下面的公式？</a:t>
+            </a:r>
             <a:endParaRPr lang="en-US" altLang="zh-CN" dirty="0"/>
           </a:p>
           <a:p>
@@ -16758,7 +16744,7 @@
         </p:blipFill>
         <p:spPr>
           <a:xfrm>
-            <a:off x="9252813" y="3414143"/>
+            <a:off x="9373609" y="3636123"/>
             <a:ext cx="1624493" cy="443961"/>
           </a:xfrm>
           <a:prstGeom prst="rect">
@@ -17389,11 +17375,7 @@
                                           </p:stCondLst>
                                         </p:cTn>
                                         <p:tgtEl>
-                                          <p:spTgt spid="6">
-                                            <p:txEl>
-                                              <p:pRg st="4" end="4"/>
-                                            </p:txEl>
-                                          </p:spTgt>
+                                          <p:spTgt spid="16"/>
                                         </p:tgtEl>
                                         <p:attrNameLst>
                                           <p:attrName>style.visibility</p:attrName>
@@ -17433,51 +17415,6 @@
                                     <p:set>
                                       <p:cBhvr>
                                         <p:cTn id="42" dur="1" fill="hold">
-                                          <p:stCondLst>
-                                            <p:cond delay="0"/>
-                                          </p:stCondLst>
-                                        </p:cTn>
-                                        <p:tgtEl>
-                                          <p:spTgt spid="16"/>
-                                        </p:tgtEl>
-                                        <p:attrNameLst>
-                                          <p:attrName>style.visibility</p:attrName>
-                                        </p:attrNameLst>
-                                      </p:cBhvr>
-                                      <p:to>
-                                        <p:strVal val="visible"/>
-                                      </p:to>
-                                    </p:set>
-                                  </p:childTnLst>
-                                </p:cTn>
-                              </p:par>
-                            </p:childTnLst>
-                          </p:cTn>
-                        </p:par>
-                      </p:childTnLst>
-                    </p:cTn>
-                  </p:par>
-                  <p:par>
-                    <p:cTn id="43" fill="hold">
-                      <p:stCondLst>
-                        <p:cond delay="indefinite"/>
-                      </p:stCondLst>
-                      <p:childTnLst>
-                        <p:par>
-                          <p:cTn id="44" fill="hold">
-                            <p:stCondLst>
-                              <p:cond delay="0"/>
-                            </p:stCondLst>
-                            <p:childTnLst>
-                              <p:par>
-                                <p:cTn id="45" presetID="1" presetClass="entr" presetSubtype="0" fill="hold" nodeType="clickEffect">
-                                  <p:stCondLst>
-                                    <p:cond delay="0"/>
-                                  </p:stCondLst>
-                                  <p:childTnLst>
-                                    <p:set>
-                                      <p:cBhvr>
-                                        <p:cTn id="46" dur="1" fill="hold">
                                           <p:stCondLst>
                                             <p:cond delay="0"/>
                                           </p:stCondLst>

--- a/lessons/6_softmax/ppt/使用交叉熵损失函数和Softmax激活函数.pptx
+++ b/lessons/6_softmax/ppt/使用交叉熵损失函数和Softmax激活函数.pptx
@@ -5,10 +5,10 @@
     <p:sldMasterId id="2147483648" r:id="rId1"/>
   </p:sldMasterIdLst>
   <p:notesMasterIdLst>
-    <p:notesMasterId r:id="rId33"/>
+    <p:notesMasterId r:id="rId36"/>
   </p:notesMasterIdLst>
   <p:handoutMasterIdLst>
-    <p:handoutMasterId r:id="rId34"/>
+    <p:handoutMasterId r:id="rId37"/>
   </p:handoutMasterIdLst>
   <p:sldIdLst>
     <p:sldId id="307" r:id="rId2"/>
@@ -28,25 +28,28 @@
     <p:sldId id="1093" r:id="rId16"/>
     <p:sldId id="1094" r:id="rId17"/>
     <p:sldId id="1095" r:id="rId18"/>
-    <p:sldId id="1096" r:id="rId19"/>
-    <p:sldId id="1097" r:id="rId20"/>
-    <p:sldId id="1098" r:id="rId21"/>
-    <p:sldId id="1099" r:id="rId22"/>
-    <p:sldId id="1100" r:id="rId23"/>
-    <p:sldId id="1083" r:id="rId24"/>
-    <p:sldId id="1087" r:id="rId25"/>
-    <p:sldId id="537" r:id="rId26"/>
-    <p:sldId id="536" r:id="rId27"/>
-    <p:sldId id="1014" r:id="rId28"/>
-    <p:sldId id="1013" r:id="rId29"/>
-    <p:sldId id="997" r:id="rId30"/>
-    <p:sldId id="998" r:id="rId31"/>
-    <p:sldId id="653" r:id="rId32"/>
+    <p:sldId id="1097" r:id="rId19"/>
+    <p:sldId id="1101" r:id="rId20"/>
+    <p:sldId id="1104" r:id="rId21"/>
+    <p:sldId id="1105" r:id="rId22"/>
+    <p:sldId id="1106" r:id="rId23"/>
+    <p:sldId id="1098" r:id="rId24"/>
+    <p:sldId id="1099" r:id="rId25"/>
+    <p:sldId id="1100" r:id="rId26"/>
+    <p:sldId id="1083" r:id="rId27"/>
+    <p:sldId id="1087" r:id="rId28"/>
+    <p:sldId id="537" r:id="rId29"/>
+    <p:sldId id="536" r:id="rId30"/>
+    <p:sldId id="1014" r:id="rId31"/>
+    <p:sldId id="1013" r:id="rId32"/>
+    <p:sldId id="997" r:id="rId33"/>
+    <p:sldId id="998" r:id="rId34"/>
+    <p:sldId id="653" r:id="rId35"/>
   </p:sldIdLst>
   <p:sldSz cx="12192000" cy="6858000"/>
   <p:notesSz cx="6858000" cy="9144000"/>
   <p:custDataLst>
-    <p:tags r:id="rId35"/>
+    <p:tags r:id="rId38"/>
   </p:custDataLst>
   <p:defaultTextStyle>
     <a:defPPr>
@@ -239,7 +242,7 @@
                 <a:latin typeface="微软雅黑" panose="020B0503020204020204" charset="-122"/>
                 <a:ea typeface="微软雅黑" panose="020B0503020204020204" charset="-122"/>
               </a:rPr>
-              <a:t>2022/11/25</a:t>
+              <a:t>2022/11/27</a:t>
             </a:fld>
             <a:endParaRPr lang="zh-CN" altLang="en-US">
               <a:latin typeface="微软雅黑" panose="020B0503020204020204" charset="-122"/>
@@ -422,7 +425,7 @@
           <a:p>
             <a:fld id="{1AC49D05-6128-4D0D-A32A-06A5E73B386C}" type="datetimeFigureOut">
               <a:rPr lang="zh-CN" altLang="en-US" smtClean="0"/>
-              <a:t>2022/11/25</a:t>
+              <a:t>2022/11/27</a:t>
             </a:fld>
             <a:endParaRPr lang="zh-CN" altLang="en-US"/>
           </a:p>
@@ -1084,7 +1087,7 @@
           <a:p>
             <a:fld id="{9EFD9D74-47D9-4702-A33C-335B63B48DBF}" type="datetimeFigureOut">
               <a:rPr lang="zh-CN" altLang="en-US" smtClean="0"/>
-              <a:t>2022/11/25</a:t>
+              <a:t>2022/11/27</a:t>
             </a:fld>
             <a:endParaRPr lang="zh-CN" altLang="en-US" dirty="0"/>
           </a:p>
@@ -1417,7 +1420,7 @@
           <a:p>
             <a:fld id="{760FBDFE-C587-4B4C-A407-44438C67B59E}" type="datetimeFigureOut">
               <a:rPr lang="zh-CN" altLang="en-US" smtClean="0"/>
-              <a:t>2022/11/25</a:t>
+              <a:t>2022/11/27</a:t>
             </a:fld>
             <a:endParaRPr lang="zh-CN" altLang="en-US"/>
           </a:p>
@@ -1590,7 +1593,7 @@
           <a:p>
             <a:fld id="{9EFD9D74-47D9-4702-A33C-335B63B48DBF}" type="datetimeFigureOut">
               <a:rPr lang="zh-CN" altLang="en-US" smtClean="0"/>
-              <a:t>2022/11/25</a:t>
+              <a:t>2022/11/27</a:t>
             </a:fld>
             <a:endParaRPr lang="zh-CN" altLang="en-US" dirty="0"/>
           </a:p>
@@ -2115,7 +2118,7 @@
           <a:p>
             <a:fld id="{760FBDFE-C587-4B4C-A407-44438C67B59E}" type="datetimeFigureOut">
               <a:rPr lang="zh-CN" altLang="en-US" smtClean="0"/>
-              <a:t>2022/11/25</a:t>
+              <a:t>2022/11/27</a:t>
             </a:fld>
             <a:endParaRPr lang="zh-CN" altLang="en-US"/>
           </a:p>
@@ -2863,7 +2866,7 @@
           <a:p>
             <a:fld id="{760FBDFE-C587-4B4C-A407-44438C67B59E}" type="datetimeFigureOut">
               <a:rPr lang="zh-CN" altLang="en-US" smtClean="0"/>
-              <a:t>2022/11/25</a:t>
+              <a:t>2022/11/27</a:t>
             </a:fld>
             <a:endParaRPr lang="zh-CN" altLang="en-US"/>
           </a:p>
@@ -3029,7 +3032,7 @@
           <a:p>
             <a:fld id="{760FBDFE-C587-4B4C-A407-44438C67B59E}" type="datetimeFigureOut">
               <a:rPr lang="zh-CN" altLang="en-US" smtClean="0"/>
-              <a:t>2022/11/25</a:t>
+              <a:t>2022/11/27</a:t>
             </a:fld>
             <a:endParaRPr lang="zh-CN" altLang="en-US"/>
           </a:p>
@@ -3143,7 +3146,7 @@
           <a:p>
             <a:fld id="{760FBDFE-C587-4B4C-A407-44438C67B59E}" type="datetimeFigureOut">
               <a:rPr lang="zh-CN" altLang="en-US" smtClean="0"/>
-              <a:t>2022/11/25</a:t>
+              <a:t>2022/11/27</a:t>
             </a:fld>
             <a:endParaRPr lang="zh-CN" altLang="en-US"/>
           </a:p>
@@ -3473,7 +3476,7 @@
           <a:p>
             <a:fld id="{9EFD9D74-47D9-4702-A33C-335B63B48DBF}" type="datetimeFigureOut">
               <a:rPr lang="zh-CN" altLang="en-US" smtClean="0"/>
-              <a:t>2022/11/25</a:t>
+              <a:t>2022/11/27</a:t>
             </a:fld>
             <a:endParaRPr lang="zh-CN" altLang="en-US" dirty="0"/>
           </a:p>
@@ -3986,7 +3989,7 @@
           <a:p>
             <a:fld id="{760FBDFE-C587-4B4C-A407-44438C67B59E}" type="datetimeFigureOut">
               <a:rPr lang="zh-CN" altLang="en-US" smtClean="0"/>
-              <a:t>2022/11/25</a:t>
+              <a:t>2022/11/27</a:t>
             </a:fld>
             <a:endParaRPr lang="zh-CN" altLang="en-US"/>
           </a:p>
@@ -4100,7 +4103,7 @@
           <a:p>
             <a:fld id="{760FBDFE-C587-4B4C-A407-44438C67B59E}" type="datetimeFigureOut">
               <a:rPr lang="zh-CN" altLang="en-US" smtClean="0"/>
-              <a:t>2022/11/25</a:t>
+              <a:t>2022/11/27</a:t>
             </a:fld>
             <a:endParaRPr lang="zh-CN" altLang="en-US"/>
           </a:p>
@@ -4388,7 +4391,7 @@
           <a:p>
             <a:fld id="{82F288E0-7875-42C4-84C8-98DBBD3BF4D2}" type="datetimeFigureOut">
               <a:rPr lang="zh-CN" altLang="en-US" smtClean="0"/>
-              <a:t>2022/11/25</a:t>
+              <a:t>2022/11/27</a:t>
             </a:fld>
             <a:endParaRPr lang="zh-CN" altLang="en-US"/>
           </a:p>
@@ -4847,7 +4850,7 @@
           <a:p>
             <a:fld id="{760FBDFE-C587-4B4C-A407-44438C67B59E}" type="datetimeFigureOut">
               <a:rPr lang="zh-CN" altLang="en-US" smtClean="0"/>
-              <a:t>2022/11/25</a:t>
+              <a:t>2022/11/27</a:t>
             </a:fld>
             <a:endParaRPr lang="zh-CN" altLang="en-US"/>
           </a:p>
@@ -5516,7 +5519,7 @@
           <a:p>
             <a:fld id="{9EFD9D74-47D9-4702-A33C-335B63B48DBF}" type="datetimeFigureOut">
               <a:rPr lang="zh-CN" altLang="en-US" smtClean="0"/>
-              <a:t>2022/11/25</a:t>
+              <a:t>2022/11/27</a:t>
             </a:fld>
             <a:endParaRPr lang="zh-CN" altLang="en-US" dirty="0"/>
           </a:p>
@@ -5664,7 +5667,7 @@
           <a:p>
             <a:fld id="{9EFD9D74-47D9-4702-A33C-335B63B48DBF}" type="datetimeFigureOut">
               <a:rPr lang="zh-CN" altLang="en-US" smtClean="0"/>
-              <a:t>2022/11/25</a:t>
+              <a:t>2022/11/27</a:t>
             </a:fld>
             <a:endParaRPr lang="zh-CN" altLang="en-US" dirty="0"/>
           </a:p>
@@ -9319,8 +9322,8 @@
           </a:prstGeom>
         </p:spPr>
       </p:pic>
-      <mc:AlternateContent xmlns:mc="http://schemas.openxmlformats.org/markup-compatibility/2006" xmlns:a14="http://schemas.microsoft.com/office/drawing/2010/main">
-        <mc:Choice Requires="a14">
+      <mc:AlternateContent xmlns:mc="http://schemas.openxmlformats.org/markup-compatibility/2006">
+        <mc:Choice xmlns:a14="http://schemas.microsoft.com/office/drawing/2010/main" Requires="a14">
           <p:sp>
             <p:nvSpPr>
               <p:cNvPr id="5" name="文本框 4">
@@ -9335,8 +9338,8 @@
             </p:nvSpPr>
             <p:spPr>
               <a:xfrm>
-                <a:off x="2325007" y="4825235"/>
-                <a:ext cx="9750041" cy="532966"/>
+                <a:off x="1326383" y="4602633"/>
+                <a:ext cx="8881310" cy="1640962"/>
               </a:xfrm>
               <a:prstGeom prst="rect">
                 <a:avLst/>
@@ -9344,14 +9347,37 @@
               <a:noFill/>
             </p:spPr>
             <p:txBody>
-              <a:bodyPr wrap="none" rtlCol="0">
+              <a:bodyPr wrap="square" rtlCol="0">
                 <a:spAutoFit/>
               </a:bodyPr>
               <a:lstStyle/>
               <a:p>
                 <a:r>
                   <a:rPr kumimoji="1" lang="zh-CN" altLang="en-US" dirty="0"/>
-                  <a:t>因为之前的推导公式在多分类下，激活函数的导数</a:t>
+                  <a:t>因为目前的</a:t>
+                </a:r>
+                <a:r>
+                  <a:rPr lang="zh-CN" altLang="en-US" dirty="0"/>
+                  <a:t>交叉熵损失函数是</a:t>
+                </a:r>
+                <a:r>
+                  <a:rPr kumimoji="1" lang="zh-CN" altLang="en-US" dirty="0"/>
+                  <a:t>在单分类下推导的。</a:t>
+                </a:r>
+                <a:endParaRPr kumimoji="1" lang="en-US" altLang="zh-CN" dirty="0"/>
+              </a:p>
+              <a:p>
+                <a:r>
+                  <a:rPr kumimoji="1" lang="zh-CN" altLang="en-US" dirty="0"/>
+                  <a:t>而在多分类下，由于原有的激活函数不再适合，需要更换新的激活函数</a:t>
+                </a:r>
+                <a:r>
+                  <a:rPr kumimoji="1" lang="en-US" altLang="zh-CN" dirty="0"/>
+                  <a:t>-&gt;</a:t>
+                </a:r>
+                <a:r>
+                  <a:rPr kumimoji="1" lang="zh-CN" altLang="en-US" dirty="0"/>
+                  <a:t>导致</a:t>
                 </a:r>
                 <a14:m>
                   <m:oMath xmlns:m="http://schemas.openxmlformats.org/officeDocument/2006/math">
@@ -9446,7 +9472,15 @@
                 </a14:m>
                 <a:r>
                   <a:rPr kumimoji="1" lang="zh-CN" altLang="en-US" dirty="0"/>
-                  <a:t>可能发生了变化，所以</a:t>
+                  <a:t>发生了变化</a:t>
+                </a:r>
+                <a:r>
+                  <a:rPr kumimoji="1" lang="en-US" altLang="zh-CN" dirty="0"/>
+                  <a:t>-&gt;</a:t>
+                </a:r>
+                <a:r>
+                  <a:rPr kumimoji="1" lang="zh-CN" altLang="en-US" dirty="0"/>
+                  <a:t>损失函数</a:t>
                 </a:r>
                 <a:r>
                   <a:rPr kumimoji="1" lang="en-US" altLang="zh-CN" dirty="0"/>
@@ -9454,13 +9488,23 @@
                 </a:r>
                 <a:r>
                   <a:rPr kumimoji="1" lang="zh-CN" altLang="en-US" dirty="0"/>
-                  <a:t>也需要变化</a:t>
+                  <a:t>也需要改变</a:t>
+                </a:r>
+                <a:endParaRPr kumimoji="1" lang="en-US" altLang="zh-CN" dirty="0"/>
+              </a:p>
+              <a:p>
+                <a:endParaRPr kumimoji="1" lang="en-US" altLang="zh-CN" dirty="0"/>
+              </a:p>
+              <a:p>
+                <a:r>
+                  <a:rPr kumimoji="1" lang="zh-CN" altLang="en-US" dirty="0"/>
+                  <a:t>所以需要新的损失函数和激活函数</a:t>
                 </a:r>
               </a:p>
             </p:txBody>
           </p:sp>
         </mc:Choice>
-        <mc:Fallback xmlns="">
+        <mc:Fallback>
           <p:sp>
             <p:nvSpPr>
               <p:cNvPr id="5" name="文本框 4">
@@ -9477,8 +9521,8 @@
             </p:nvSpPr>
             <p:spPr>
               <a:xfrm>
-                <a:off x="2325007" y="4825235"/>
-                <a:ext cx="9750041" cy="532966"/>
+                <a:off x="1326383" y="4602633"/>
+                <a:ext cx="8881310" cy="1640962"/>
               </a:xfrm>
               <a:prstGeom prst="rect">
                 <a:avLst/>
@@ -9486,7 +9530,7 @@
               <a:blipFill>
                 <a:blip r:embed="rId4"/>
                 <a:stretch>
-                  <a:fillRect l="-390"/>
+                  <a:fillRect l="-571" t="-1538" b="-5385"/>
                 </a:stretch>
               </a:blipFill>
             </p:spPr>
@@ -9901,7 +9945,70 @@
             </a:pPr>
             <a:r>
               <a:rPr lang="zh-CN" altLang="en-US" dirty="0"/>
-              <a:t>我们使用新的激活函数：</a:t>
+              <a:t>输出层需要新的激活函数</a:t>
+            </a:r>
+            <a:endParaRPr lang="en-US" altLang="zh-CN" dirty="0"/>
+          </a:p>
+          <a:p>
+            <a:pPr marL="285750" indent="-285750">
+              <a:buFont typeface="Arial" panose="020B0604020202020204" pitchFamily="34" charset="0"/>
+              <a:buChar char="•"/>
+            </a:pPr>
+            <a:r>
+              <a:rPr lang="zh-CN" altLang="en-US" dirty="0"/>
+              <a:t>如何设计新的激活函数？</a:t>
+            </a:r>
+            <a:endParaRPr lang="en-US" altLang="zh-CN" dirty="0"/>
+          </a:p>
+          <a:p>
+            <a:pPr marL="742950" lvl="1" indent="-285750">
+              <a:buFont typeface="Arial" panose="020B0604020202020204" pitchFamily="34" charset="0"/>
+              <a:buChar char="•"/>
+            </a:pPr>
+            <a:r>
+              <a:rPr lang="zh-CN" altLang="en-US" dirty="0"/>
+              <a:t>我们现在用</a:t>
+            </a:r>
+            <a:r>
+              <a:rPr lang="en-US" altLang="zh-CN" dirty="0"/>
+              <a:t>a</a:t>
+            </a:r>
+            <a:r>
+              <a:rPr lang="zh-CN" altLang="en-US" dirty="0"/>
+              <a:t>表示输出值</a:t>
+            </a:r>
+            <a:endParaRPr lang="en-US" altLang="zh-CN" dirty="0"/>
+          </a:p>
+          <a:p>
+            <a:pPr marL="742950" lvl="1" indent="-285750">
+              <a:buFont typeface="Arial" panose="020B0604020202020204" pitchFamily="34" charset="0"/>
+              <a:buChar char="•"/>
+            </a:pPr>
+            <a:r>
+              <a:rPr lang="zh-CN" altLang="en-US" dirty="0"/>
+              <a:t>激活函数要满足什么条件？</a:t>
+            </a:r>
+            <a:endParaRPr lang="en-US" altLang="zh-CN" dirty="0"/>
+          </a:p>
+          <a:p>
+            <a:pPr marL="742950" lvl="1" indent="-285750">
+              <a:buFont typeface="Arial" panose="020B0604020202020204" pitchFamily="34" charset="0"/>
+              <a:buChar char="•"/>
+            </a:pPr>
+            <a:r>
+              <a:rPr lang="zh-CN" altLang="en-US" dirty="0"/>
+              <a:t>你能设计一个满足该条件的激活函数吗？</a:t>
+            </a:r>
+            <a:endParaRPr lang="en-US" altLang="zh-CN" dirty="0"/>
+          </a:p>
+          <a:p>
+            <a:pPr marL="285750" indent="-285750">
+              <a:buFont typeface="Arial" panose="020B0604020202020204" pitchFamily="34" charset="0"/>
+              <a:buChar char="•"/>
+            </a:pPr>
+            <a:r>
+              <a:rPr lang="zh-CN" altLang="en-US" dirty="0"/>
+              <a:t>我们使用</a:t>
             </a:r>
             <a:r>
               <a:rPr lang="en-US" altLang="zh-CN" dirty="0" err="1"/>
@@ -9909,7 +10016,7 @@
             </a:r>
             <a:r>
               <a:rPr lang="zh-CN" altLang="en-US" dirty="0"/>
-              <a:t>，作为输出层新的激活函数</a:t>
+              <a:t>激活函数，它的公式为：</a:t>
             </a:r>
             <a:endParaRPr lang="en-US" altLang="zh-CN" dirty="0"/>
           </a:p>
@@ -9920,15 +10027,15 @@
             </a:pPr>
             <a:r>
               <a:rPr lang="en-US" altLang="zh-CN" dirty="0" err="1"/>
-              <a:t>Softmax</a:t>
+              <a:t>softmax</a:t>
             </a:r>
             <a:r>
               <a:rPr lang="zh-CN" altLang="en-US" dirty="0"/>
-              <a:t>的公式是什么？</a:t>
-            </a:r>
-            <a:endParaRPr lang="en-US" altLang="zh-CN" dirty="0"/>
-          </a:p>
-          <a:p>
+              <a:t>是否满足条件？</a:t>
+            </a:r>
+            <a:br>
+              <a:rPr lang="en-US" altLang="zh-CN" dirty="0"/>
+            </a:br>
             <a:endParaRPr lang="en-US" altLang="zh-CN" dirty="0"/>
           </a:p>
           <a:p>
@@ -10006,6 +10113,78 @@
           </a:p>
         </p:txBody>
       </p:sp>
+      <p:pic>
+        <p:nvPicPr>
+          <p:cNvPr id="9" name="图片 8">
+            <a:extLst>
+              <a:ext uri="{FF2B5EF4-FFF2-40B4-BE49-F238E27FC236}">
+                <a16:creationId xmlns:a16="http://schemas.microsoft.com/office/drawing/2014/main" id="{AE84E381-FF3E-6E06-E1F7-EFE67C6514DC}"/>
+              </a:ext>
+            </a:extLst>
+          </p:cNvPr>
+          <p:cNvPicPr>
+            <a:picLocks noChangeAspect="1"/>
+          </p:cNvPicPr>
+          <p:nvPr/>
+        </p:nvPicPr>
+        <p:blipFill>
+          <a:blip r:embed="rId3">
+            <a:extLst>
+              <a:ext uri="{28A0092B-C50C-407E-A947-70E740481C1C}">
+                <a14:useLocalDpi xmlns:a14="http://schemas.microsoft.com/office/drawing/2010/main" val="0"/>
+              </a:ext>
+            </a:extLst>
+          </a:blip>
+          <a:stretch>
+            <a:fillRect/>
+          </a:stretch>
+        </p:blipFill>
+        <p:spPr>
+          <a:xfrm>
+            <a:off x="9287748" y="3608475"/>
+            <a:ext cx="1574800" cy="1168400"/>
+          </a:xfrm>
+          <a:prstGeom prst="rect">
+            <a:avLst/>
+          </a:prstGeom>
+        </p:spPr>
+      </p:pic>
+      <p:pic>
+        <p:nvPicPr>
+          <p:cNvPr id="10" name="图片 9">
+            <a:extLst>
+              <a:ext uri="{FF2B5EF4-FFF2-40B4-BE49-F238E27FC236}">
+                <a16:creationId xmlns:a16="http://schemas.microsoft.com/office/drawing/2014/main" id="{04402A12-94FB-9F58-8C66-109C3F3E9A19}"/>
+              </a:ext>
+            </a:extLst>
+          </p:cNvPr>
+          <p:cNvPicPr>
+            <a:picLocks noChangeAspect="1"/>
+          </p:cNvPicPr>
+          <p:nvPr/>
+        </p:nvPicPr>
+        <p:blipFill>
+          <a:blip r:embed="rId4">
+            <a:extLst>
+              <a:ext uri="{28A0092B-C50C-407E-A947-70E740481C1C}">
+                <a14:useLocalDpi xmlns:a14="http://schemas.microsoft.com/office/drawing/2010/main" val="0"/>
+              </a:ext>
+            </a:extLst>
+          </a:blip>
+          <a:stretch>
+            <a:fillRect/>
+          </a:stretch>
+        </p:blipFill>
+        <p:spPr>
+          <a:xfrm>
+            <a:off x="6096000" y="4880206"/>
+            <a:ext cx="1765300" cy="850900"/>
+          </a:xfrm>
+          <a:prstGeom prst="rect">
+            <a:avLst/>
+          </a:prstGeom>
+        </p:spPr>
+      </p:pic>
     </p:spTree>
     <p:custDataLst>
       <p:tags r:id="rId1"/>
@@ -10136,21 +10315,15 @@
               <a:rPr lang="zh-CN" altLang="en-US" dirty="0">
                 <a:sym typeface="+mn-ea"/>
               </a:rPr>
-              <a:t>任务：使用</a:t>
-            </a:r>
-            <a:r>
-              <a:rPr lang="en-US" altLang="zh-CN" dirty="0" err="1">
-                <a:sym typeface="+mn-ea"/>
-              </a:rPr>
-              <a:t>softmax</a:t>
-            </a:r>
-            <a:r>
-              <a:rPr lang="zh-CN" altLang="en-US" dirty="0">
-                <a:sym typeface="+mn-ea"/>
-              </a:rPr>
-              <a:t>计算“识别手写数字”的输出	</a:t>
-            </a:r>
-            <a:endParaRPr lang="en-US" altLang="zh-CN" dirty="0"/>
+              <a:t>主问题：	如何加快多</a:t>
+            </a:r>
+            <a:r>
+              <a:rPr lang="zh-CN" altLang="en-US" dirty="0"/>
+              <a:t>分类的训练速度？</a:t>
+            </a:r>
+            <a:endParaRPr dirty="0">
+              <a:sym typeface="+mn-ea"/>
+            </a:endParaRPr>
           </a:p>
         </p:txBody>
       </p:sp>
@@ -10388,11 +10561,17 @@
               <a:buChar char="•"/>
             </a:pPr>
             <a:r>
+              <a:rPr lang="zh-CN" altLang="en-US" dirty="0"/>
+              <a:t>我们现在用</a:t>
+            </a:r>
+            <a:r>
               <a:rPr lang="en-US" altLang="zh-CN" dirty="0"/>
-              <a:t>TODO</a:t>
-            </a:r>
-          </a:p>
-          <a:p>
+              <a:t>y</a:t>
+            </a:r>
+            <a:r>
+              <a:rPr lang="zh-CN" altLang="en-US" dirty="0"/>
+              <a:t>表示真实值（即标签）</a:t>
+            </a:r>
             <a:endParaRPr lang="en-US" altLang="zh-CN" dirty="0"/>
           </a:p>
           <a:p>
@@ -10402,14 +10581,55 @@
             </a:pPr>
             <a:r>
               <a:rPr lang="zh-CN" altLang="en-US" dirty="0"/>
-              <a:t>自学、展学</a:t>
-            </a:r>
+              <a:t>如何计算</a:t>
+            </a:r>
+            <a:r>
+              <a:rPr lang="en-US" altLang="zh-CN" dirty="0"/>
+              <a:t>loss</a:t>
+            </a:r>
+            <a:r>
+              <a:rPr lang="zh-CN" altLang="en-US" dirty="0"/>
+              <a:t>？</a:t>
+            </a:r>
+            <a:endParaRPr lang="en-US" altLang="zh-CN" dirty="0"/>
           </a:p>
           <a:p>
             <a:pPr marL="285750" indent="-285750">
               <a:buFont typeface="Arial" panose="020B0604020202020204" pitchFamily="34" charset="0"/>
               <a:buChar char="•"/>
             </a:pPr>
+            <a:r>
+              <a:rPr lang="zh-CN" altLang="en-US" dirty="0"/>
+              <a:t>如何单分类误差项公式的基础上改进为多分类误差项的公式，使其满足</a:t>
+            </a:r>
+            <a:r>
+              <a:rPr lang="en-US" altLang="zh-CN" dirty="0"/>
+              <a:t>loss</a:t>
+            </a:r>
+            <a:r>
+              <a:rPr lang="zh-CN" altLang="en-US" dirty="0"/>
+              <a:t>与误差项成正比？</a:t>
+            </a:r>
+            <a:endParaRPr lang="en-US" altLang="zh-CN" dirty="0"/>
+          </a:p>
+          <a:p>
+            <a:endParaRPr lang="en-US" altLang="zh-CN" dirty="0"/>
+          </a:p>
+          <a:p>
+            <a:pPr marL="285750" indent="-285750">
+              <a:buFont typeface="Arial" panose="020B0604020202020204" pitchFamily="34" charset="0"/>
+              <a:buChar char="•"/>
+            </a:pPr>
+            <a:r>
+              <a:rPr lang="zh-CN" altLang="en-US" dirty="0"/>
+              <a:t>自学、互学、展学</a:t>
+            </a:r>
+          </a:p>
+          <a:p>
+            <a:pPr marL="285750" indent="-285750">
+              <a:buFont typeface="Arial" panose="020B0604020202020204" pitchFamily="34" charset="0"/>
+              <a:buChar char="•"/>
+            </a:pPr>
             <a:endParaRPr lang="zh-CN" altLang="en-US" dirty="0"/>
           </a:p>
           <a:p>
@@ -10434,17 +10654,157 @@
             <a:endParaRPr lang="zh-CN" altLang="en-US" dirty="0"/>
           </a:p>
           <a:p>
+            <a:pPr marL="285750" indent="-285750">
+              <a:buFont typeface="Arial" panose="020B0604020202020204" pitchFamily="34" charset="0"/>
+              <a:buChar char="•"/>
+            </a:pPr>
+            <a:endParaRPr lang="zh-CN" altLang="en-US" dirty="0"/>
+          </a:p>
+          <a:p>
+            <a:pPr marL="285750" indent="-285750">
+              <a:buFont typeface="Arial" panose="020B0604020202020204" pitchFamily="34" charset="0"/>
+              <a:buChar char="•"/>
+            </a:pPr>
+            <a:endParaRPr lang="zh-CN" altLang="en-US" dirty="0"/>
+          </a:p>
+          <a:p>
+            <a:pPr marL="285750" indent="-285750">
+              <a:buFont typeface="Arial" panose="020B0604020202020204" pitchFamily="34" charset="0"/>
+              <a:buChar char="•"/>
+            </a:pPr>
+            <a:endParaRPr lang="zh-CN" altLang="en-US" dirty="0"/>
+          </a:p>
+          <a:p>
+            <a:pPr marL="285750" indent="-285750">
+              <a:buFont typeface="Arial" panose="020B0604020202020204" pitchFamily="34" charset="0"/>
+              <a:buChar char="•"/>
+            </a:pPr>
+            <a:endParaRPr lang="zh-CN" altLang="en-US" dirty="0"/>
+          </a:p>
+          <a:p>
+            <a:pPr marL="285750" indent="-285750">
+              <a:buFont typeface="Arial" panose="020B0604020202020204" pitchFamily="34" charset="0"/>
+              <a:buChar char="•"/>
+            </a:pPr>
             <a:endParaRPr lang="zh-CN" altLang="en-US" dirty="0"/>
           </a:p>
         </p:txBody>
       </p:sp>
+      <p:pic>
+        <p:nvPicPr>
+          <p:cNvPr id="5" name="图片 4">
+            <a:extLst>
+              <a:ext uri="{FF2B5EF4-FFF2-40B4-BE49-F238E27FC236}">
+                <a16:creationId xmlns:a16="http://schemas.microsoft.com/office/drawing/2014/main" id="{30409C53-A789-E14C-8A10-8A8FC395384A}"/>
+              </a:ext>
+            </a:extLst>
+          </p:cNvPr>
+          <p:cNvPicPr>
+            <a:picLocks noChangeAspect="1"/>
+          </p:cNvPicPr>
+          <p:nvPr/>
+        </p:nvPicPr>
+        <p:blipFill>
+          <a:blip r:embed="rId3">
+            <a:extLst>
+              <a:ext uri="{28A0092B-C50C-407E-A947-70E740481C1C}">
+                <a14:useLocalDpi xmlns:a14="http://schemas.microsoft.com/office/drawing/2010/main" val="0"/>
+              </a:ext>
+            </a:extLst>
+          </a:blip>
+          <a:stretch>
+            <a:fillRect/>
+          </a:stretch>
+        </p:blipFill>
+        <p:spPr>
+          <a:xfrm>
+            <a:off x="6248400" y="1967035"/>
+            <a:ext cx="2349500" cy="673100"/>
+          </a:xfrm>
+          <a:prstGeom prst="rect">
+            <a:avLst/>
+          </a:prstGeom>
+        </p:spPr>
+      </p:pic>
+      <p:pic>
+        <p:nvPicPr>
+          <p:cNvPr id="8" name="图片 7">
+            <a:extLst>
+              <a:ext uri="{FF2B5EF4-FFF2-40B4-BE49-F238E27FC236}">
+                <a16:creationId xmlns:a16="http://schemas.microsoft.com/office/drawing/2014/main" id="{54E3436F-7559-17B2-408D-42EC78C55526}"/>
+              </a:ext>
+            </a:extLst>
+          </p:cNvPr>
+          <p:cNvPicPr>
+            <a:picLocks noChangeAspect="1"/>
+          </p:cNvPicPr>
+          <p:nvPr/>
+        </p:nvPicPr>
+        <p:blipFill>
+          <a:blip r:embed="rId4">
+            <a:extLst>
+              <a:ext uri="{28A0092B-C50C-407E-A947-70E740481C1C}">
+                <a14:useLocalDpi xmlns:a14="http://schemas.microsoft.com/office/drawing/2010/main" val="0"/>
+              </a:ext>
+            </a:extLst>
+          </a:blip>
+          <a:stretch>
+            <a:fillRect/>
+          </a:stretch>
+        </p:blipFill>
+        <p:spPr>
+          <a:xfrm>
+            <a:off x="7824815" y="3187700"/>
+            <a:ext cx="2730500" cy="482600"/>
+          </a:xfrm>
+          <a:prstGeom prst="rect">
+            <a:avLst/>
+          </a:prstGeom>
+        </p:spPr>
+      </p:pic>
+      <p:pic>
+        <p:nvPicPr>
+          <p:cNvPr id="10" name="图片 9">
+            <a:extLst>
+              <a:ext uri="{FF2B5EF4-FFF2-40B4-BE49-F238E27FC236}">
+                <a16:creationId xmlns:a16="http://schemas.microsoft.com/office/drawing/2014/main" id="{F210499B-2A6B-4D72-FAC1-01A48A53E5B7}"/>
+              </a:ext>
+            </a:extLst>
+          </p:cNvPr>
+          <p:cNvPicPr>
+            <a:picLocks noChangeAspect="1"/>
+          </p:cNvPicPr>
+          <p:nvPr/>
+        </p:nvPicPr>
+        <p:blipFill>
+          <a:blip r:embed="rId5">
+            <a:extLst>
+              <a:ext uri="{28A0092B-C50C-407E-A947-70E740481C1C}">
+                <a14:useLocalDpi xmlns:a14="http://schemas.microsoft.com/office/drawing/2010/main" val="0"/>
+              </a:ext>
+            </a:extLst>
+          </a:blip>
+          <a:stretch>
+            <a:fillRect/>
+          </a:stretch>
+        </p:blipFill>
+        <p:spPr>
+          <a:xfrm>
+            <a:off x="7824815" y="3919415"/>
+            <a:ext cx="2336800" cy="596900"/>
+          </a:xfrm>
+          <a:prstGeom prst="rect">
+            <a:avLst/>
+          </a:prstGeom>
+        </p:spPr>
+      </p:pic>
     </p:spTree>
     <p:custDataLst>
       <p:tags r:id="rId1"/>
     </p:custDataLst>
     <p:extLst>
       <p:ext uri="{BB962C8B-B14F-4D97-AF65-F5344CB8AC3E}">
-        <p14:creationId xmlns:p14="http://schemas.microsoft.com/office/powerpoint/2010/main" val="3757716352"/>
+        <p14:creationId xmlns:p14="http://schemas.microsoft.com/office/powerpoint/2010/main" val="1013839554"/>
       </p:ext>
     </p:extLst>
   </p:cSld>
@@ -10815,67 +11175,29 @@
             </a:pPr>
             <a:r>
               <a:rPr lang="zh-CN" altLang="en-US" dirty="0"/>
-              <a:t>请思考误差项的公式是什么样的，才能满足</a:t>
-            </a:r>
-            <a:r>
-              <a:rPr lang="en-US" altLang="zh-CN" dirty="0"/>
-              <a:t>loss</a:t>
-            </a:r>
+              <a:t>我们需要将单分类的交叉熵损失函数修改一下，使其满足什么公式？</a:t>
+            </a:r>
+            <a:endParaRPr lang="en-US" altLang="zh-CN" dirty="0"/>
+          </a:p>
+          <a:p>
+            <a:pPr marL="285750" indent="-285750">
+              <a:buFont typeface="Arial" panose="020B0604020202020204" pitchFamily="34" charset="0"/>
+              <a:buChar char="•"/>
+            </a:pPr>
             <a:r>
               <a:rPr lang="zh-CN" altLang="en-US" dirty="0"/>
-              <a:t>越大误差项就越大（也就是梯度越大），</a:t>
-            </a:r>
-            <a:r>
-              <a:rPr lang="en-US" altLang="zh-CN" dirty="0"/>
-              <a:t>loss</a:t>
-            </a:r>
+              <a:t>交叉熵损失函数修改为下面的公式</a:t>
+            </a:r>
+            <a:endParaRPr lang="en-US" altLang="zh-CN" dirty="0"/>
+          </a:p>
+          <a:p>
+            <a:pPr marL="285750" indent="-285750">
+              <a:buFont typeface="Arial" panose="020B0604020202020204" pitchFamily="34" charset="0"/>
+              <a:buChar char="•"/>
+            </a:pPr>
             <a:r>
               <a:rPr lang="zh-CN" altLang="en-US" dirty="0"/>
-              <a:t>越小误差项就越小（也就是梯度越小）？</a:t>
-            </a:r>
-            <a:endParaRPr lang="en-US" altLang="zh-CN" dirty="0"/>
-          </a:p>
-          <a:p>
-            <a:pPr marL="285750" indent="-285750">
-              <a:buFont typeface="Arial" panose="020B0604020202020204" pitchFamily="34" charset="0"/>
-              <a:buChar char="•"/>
-            </a:pPr>
-            <a:r>
-              <a:rPr lang="zh-CN" altLang="en-US" dirty="0"/>
-              <a:t>所以我们仍然使用交叉熵损失函数，只是把公式修改下</a:t>
-            </a:r>
-            <a:br>
-              <a:rPr lang="en-US" altLang="zh-CN" dirty="0"/>
-            </a:br>
-            <a:r>
-              <a:rPr lang="en-US" altLang="zh-CN" dirty="0"/>
-              <a:t>TODO </a:t>
-            </a:r>
-            <a:r>
-              <a:rPr lang="zh-CN" altLang="en-US" dirty="0"/>
-              <a:t>公式</a:t>
-            </a:r>
-            <a:endParaRPr lang="en-US" altLang="zh-CN" dirty="0"/>
-          </a:p>
-          <a:p>
-            <a:pPr marL="285750" indent="-285750">
-              <a:buFont typeface="Arial" panose="020B0604020202020204" pitchFamily="34" charset="0"/>
-              <a:buChar char="•"/>
-            </a:pPr>
-            <a:r>
-              <a:rPr lang="zh-CN" altLang="en-US" dirty="0"/>
-              <a:t>请根据该公式推导误差项，看下误差项是否为希望的公式？</a:t>
-            </a:r>
-            <a:br>
-              <a:rPr lang="en-US" altLang="zh-CN" dirty="0"/>
-            </a:br>
-            <a:r>
-              <a:rPr lang="en-US" altLang="zh-CN" dirty="0"/>
-              <a:t>TODO </a:t>
-            </a:r>
-            <a:r>
-              <a:rPr lang="zh-CN" altLang="en-US" dirty="0"/>
-              <a:t>给出</a:t>
+              <a:t>请根据修改后的损失函数和</a:t>
             </a:r>
             <a:r>
               <a:rPr lang="en-US" altLang="zh-CN" dirty="0" err="1"/>
@@ -10883,18 +11205,7 @@
             </a:r>
             <a:r>
               <a:rPr lang="zh-CN" altLang="en-US" dirty="0"/>
-              <a:t>求导公式</a:t>
-            </a:r>
-            <a:br>
-              <a:rPr lang="en-US" altLang="zh-CN" dirty="0"/>
-            </a:br>
-            <a:r>
-              <a:rPr lang="en-US" altLang="zh-CN" dirty="0"/>
-              <a:t>TODO.</a:t>
-            </a:r>
-            <a:r>
-              <a:rPr lang="zh-CN" altLang="en-US" dirty="0"/>
-              <a:t>推导过程？</a:t>
+              <a:t>激活函数公式，推导误差项，看下是否为设计的公式？</a:t>
             </a:r>
             <a:endParaRPr lang="en-US" altLang="zh-CN" dirty="0"/>
           </a:p>
@@ -10978,10 +11289,10 @@
       </p:sp>
       <p:pic>
         <p:nvPicPr>
-          <p:cNvPr id="4" name="图片 3">
+          <p:cNvPr id="11" name="图片 10">
             <a:extLst>
               <a:ext uri="{FF2B5EF4-FFF2-40B4-BE49-F238E27FC236}">
-                <a16:creationId xmlns:a16="http://schemas.microsoft.com/office/drawing/2014/main" id="{2856CE37-3D71-C476-C215-E51E9A22428E}"/>
+                <a16:creationId xmlns:a16="http://schemas.microsoft.com/office/drawing/2014/main" id="{E6F4879A-E1EC-FBAB-01C8-6E34F1A77F11}"/>
               </a:ext>
             </a:extLst>
           </p:cNvPr>
@@ -11004,8 +11315,203 @@
         </p:blipFill>
         <p:spPr>
           <a:xfrm>
-            <a:off x="8626519" y="2411046"/>
-            <a:ext cx="2895600" cy="736600"/>
+            <a:off x="3960681" y="3091097"/>
+            <a:ext cx="3815034" cy="675806"/>
+          </a:xfrm>
+          <a:prstGeom prst="rect">
+            <a:avLst/>
+          </a:prstGeom>
+        </p:spPr>
+      </p:pic>
+      <p:pic>
+        <p:nvPicPr>
+          <p:cNvPr id="13" name="图片 12">
+            <a:extLst>
+              <a:ext uri="{FF2B5EF4-FFF2-40B4-BE49-F238E27FC236}">
+                <a16:creationId xmlns:a16="http://schemas.microsoft.com/office/drawing/2014/main" id="{C2DED98B-0F17-D17F-EFE9-7FE6A8E4DEFB}"/>
+              </a:ext>
+            </a:extLst>
+          </p:cNvPr>
+          <p:cNvPicPr>
+            <a:picLocks noChangeAspect="1"/>
+          </p:cNvPicPr>
+          <p:nvPr/>
+        </p:nvPicPr>
+        <p:blipFill>
+          <a:blip r:embed="rId4">
+            <a:extLst>
+              <a:ext uri="{28A0092B-C50C-407E-A947-70E740481C1C}">
+                <a14:useLocalDpi xmlns:a14="http://schemas.microsoft.com/office/drawing/2010/main" val="0"/>
+              </a:ext>
+            </a:extLst>
+          </a:blip>
+          <a:stretch>
+            <a:fillRect/>
+          </a:stretch>
+        </p:blipFill>
+        <p:spPr>
+          <a:xfrm>
+            <a:off x="8842445" y="3131878"/>
+            <a:ext cx="1765300" cy="850900"/>
+          </a:xfrm>
+          <a:prstGeom prst="rect">
+            <a:avLst/>
+          </a:prstGeom>
+        </p:spPr>
+      </p:pic>
+      <p:pic>
+        <p:nvPicPr>
+          <p:cNvPr id="25" name="图片 24">
+            <a:extLst>
+              <a:ext uri="{FF2B5EF4-FFF2-40B4-BE49-F238E27FC236}">
+                <a16:creationId xmlns:a16="http://schemas.microsoft.com/office/drawing/2014/main" id="{24D65A02-4A1A-A3B7-10F2-2DB5D7F486E5}"/>
+              </a:ext>
+            </a:extLst>
+          </p:cNvPr>
+          <p:cNvPicPr>
+            <a:picLocks noChangeAspect="1"/>
+          </p:cNvPicPr>
+          <p:nvPr/>
+        </p:nvPicPr>
+        <p:blipFill>
+          <a:blip r:embed="rId5">
+            <a:extLst>
+              <a:ext uri="{28A0092B-C50C-407E-A947-70E740481C1C}">
+                <a14:useLocalDpi xmlns:a14="http://schemas.microsoft.com/office/drawing/2010/main" val="0"/>
+              </a:ext>
+            </a:extLst>
+          </a:blip>
+          <a:stretch>
+            <a:fillRect/>
+          </a:stretch>
+        </p:blipFill>
+        <p:spPr>
+          <a:xfrm>
+            <a:off x="2446424" y="4398958"/>
+            <a:ext cx="1981200" cy="800100"/>
+          </a:xfrm>
+          <a:prstGeom prst="rect">
+            <a:avLst/>
+          </a:prstGeom>
+        </p:spPr>
+      </p:pic>
+      <p:sp>
+        <p:nvSpPr>
+          <p:cNvPr id="28" name="文本框 27">
+            <a:extLst>
+              <a:ext uri="{FF2B5EF4-FFF2-40B4-BE49-F238E27FC236}">
+                <a16:creationId xmlns:a16="http://schemas.microsoft.com/office/drawing/2014/main" id="{2226A2C9-1BB5-1349-BD7D-72AF043DF118}"/>
+              </a:ext>
+            </a:extLst>
+          </p:cNvPr>
+          <p:cNvSpPr txBox="1"/>
+          <p:nvPr/>
+        </p:nvSpPr>
+        <p:spPr>
+          <a:xfrm>
+            <a:off x="5747654" y="5147252"/>
+            <a:ext cx="5178255" cy="646331"/>
+          </a:xfrm>
+          <a:prstGeom prst="rect">
+            <a:avLst/>
+          </a:prstGeom>
+          <a:noFill/>
+        </p:spPr>
+        <p:txBody>
+          <a:bodyPr wrap="square" rtlCol="0">
+            <a:spAutoFit/>
+          </a:bodyPr>
+          <a:lstStyle/>
+          <a:p>
+            <a:r>
+              <a:rPr kumimoji="1" lang="zh-CN" altLang="en-US" dirty="0"/>
+              <a:t>注意：因为每个</a:t>
+            </a:r>
+            <a:r>
+              <a:rPr kumimoji="1" lang="en-US" altLang="zh-CN" dirty="0"/>
+              <a:t>a</a:t>
+            </a:r>
+            <a:r>
+              <a:rPr kumimoji="1" lang="zh-CN" altLang="en-US" dirty="0"/>
+              <a:t>的计算都有所有的</a:t>
+            </a:r>
+            <a:r>
+              <a:rPr kumimoji="1" lang="en-US" altLang="zh-CN" dirty="0"/>
+              <a:t>net</a:t>
+            </a:r>
+            <a:r>
+              <a:rPr kumimoji="1" lang="zh-CN" altLang="en-US" dirty="0"/>
+              <a:t>参加，所以要使用全导数公式进行累加</a:t>
+            </a:r>
+          </a:p>
+        </p:txBody>
+      </p:sp>
+      <p:pic>
+        <p:nvPicPr>
+          <p:cNvPr id="30" name="图片 29">
+            <a:extLst>
+              <a:ext uri="{FF2B5EF4-FFF2-40B4-BE49-F238E27FC236}">
+                <a16:creationId xmlns:a16="http://schemas.microsoft.com/office/drawing/2014/main" id="{A498E417-A638-54B8-962F-5D5BB25C5BA6}"/>
+              </a:ext>
+            </a:extLst>
+          </p:cNvPr>
+          <p:cNvPicPr>
+            <a:picLocks noChangeAspect="1"/>
+          </p:cNvPicPr>
+          <p:nvPr/>
+        </p:nvPicPr>
+        <p:blipFill>
+          <a:blip r:embed="rId6">
+            <a:extLst>
+              <a:ext uri="{28A0092B-C50C-407E-A947-70E740481C1C}">
+                <a14:useLocalDpi xmlns:a14="http://schemas.microsoft.com/office/drawing/2010/main" val="0"/>
+              </a:ext>
+            </a:extLst>
+          </a:blip>
+          <a:stretch>
+            <a:fillRect/>
+          </a:stretch>
+        </p:blipFill>
+        <p:spPr>
+          <a:xfrm>
+            <a:off x="5363309" y="4055427"/>
+            <a:ext cx="5562600" cy="939800"/>
+          </a:xfrm>
+          <a:prstGeom prst="rect">
+            <a:avLst/>
+          </a:prstGeom>
+        </p:spPr>
+      </p:pic>
+      <p:pic>
+        <p:nvPicPr>
+          <p:cNvPr id="32" name="图片 31">
+            <a:extLst>
+              <a:ext uri="{FF2B5EF4-FFF2-40B4-BE49-F238E27FC236}">
+                <a16:creationId xmlns:a16="http://schemas.microsoft.com/office/drawing/2014/main" id="{D1384383-B800-E35E-E15E-BEDB4997A791}"/>
+              </a:ext>
+            </a:extLst>
+          </p:cNvPr>
+          <p:cNvPicPr>
+            <a:picLocks noChangeAspect="1"/>
+          </p:cNvPicPr>
+          <p:nvPr/>
+        </p:nvPicPr>
+        <p:blipFill>
+          <a:blip r:embed="rId7">
+            <a:extLst>
+              <a:ext uri="{28A0092B-C50C-407E-A947-70E740481C1C}">
+                <a14:useLocalDpi xmlns:a14="http://schemas.microsoft.com/office/drawing/2010/main" val="0"/>
+              </a:ext>
+            </a:extLst>
+          </a:blip>
+          <a:stretch>
+            <a:fillRect/>
+          </a:stretch>
+        </p:blipFill>
+        <p:spPr>
+          <a:xfrm>
+            <a:off x="2086111" y="5291027"/>
+            <a:ext cx="3327400" cy="850900"/>
           </a:xfrm>
           <a:prstGeom prst="rect">
             <a:avLst/>
@@ -11018,7 +11524,7 @@
     </p:custDataLst>
     <p:extLst>
       <p:ext uri="{BB962C8B-B14F-4D97-AF65-F5344CB8AC3E}">
-        <p14:creationId xmlns:p14="http://schemas.microsoft.com/office/powerpoint/2010/main" val="1013839554"/>
+        <p14:creationId xmlns:p14="http://schemas.microsoft.com/office/powerpoint/2010/main" val="2633733602"/>
       </p:ext>
     </p:extLst>
   </p:cSld>
@@ -11060,6 +11566,51 @@
                                         </p:cTn>
                                         <p:tgtEl>
                                           <p:spTgt spid="6"/>
+                                        </p:tgtEl>
+                                        <p:attrNameLst>
+                                          <p:attrName>style.visibility</p:attrName>
+                                        </p:attrNameLst>
+                                      </p:cBhvr>
+                                      <p:to>
+                                        <p:strVal val="visible"/>
+                                      </p:to>
+                                    </p:set>
+                                  </p:childTnLst>
+                                </p:cTn>
+                              </p:par>
+                            </p:childTnLst>
+                          </p:cTn>
+                        </p:par>
+                      </p:childTnLst>
+                    </p:cTn>
+                  </p:par>
+                  <p:par>
+                    <p:cTn id="7" fill="hold">
+                      <p:stCondLst>
+                        <p:cond delay="indefinite"/>
+                      </p:stCondLst>
+                      <p:childTnLst>
+                        <p:par>
+                          <p:cTn id="8" fill="hold">
+                            <p:stCondLst>
+                              <p:cond delay="0"/>
+                            </p:stCondLst>
+                            <p:childTnLst>
+                              <p:par>
+                                <p:cTn id="9" presetID="1" presetClass="entr" presetSubtype="0" fill="hold" nodeType="clickEffect">
+                                  <p:stCondLst>
+                                    <p:cond delay="0"/>
+                                  </p:stCondLst>
+                                  <p:childTnLst>
+                                    <p:set>
+                                      <p:cBhvr>
+                                        <p:cTn id="10" dur="1" fill="hold">
+                                          <p:stCondLst>
+                                            <p:cond delay="0"/>
+                                          </p:stCondLst>
+                                        </p:cTn>
+                                        <p:tgtEl>
+                                          <p:spTgt spid="11"/>
                                         </p:tgtEl>
                                         <p:attrNameLst>
                                           <p:attrName>style.visibility</p:attrName>
@@ -11177,6 +11728,249 @@
 </file>
 
 <file path=ppt/slides/slide20.xml><?xml version="1.0" encoding="utf-8"?>
+<p:sld xmlns:a="http://schemas.openxmlformats.org/drawingml/2006/main" xmlns:r="http://schemas.openxmlformats.org/officeDocument/2006/relationships" xmlns:p="http://schemas.openxmlformats.org/presentationml/2006/main">
+  <p:cSld>
+    <p:spTree>
+      <p:nvGrpSpPr>
+        <p:cNvPr id="1" name=""/>
+        <p:cNvGrpSpPr/>
+        <p:nvPr/>
+      </p:nvGrpSpPr>
+      <p:grpSpPr>
+        <a:xfrm>
+          <a:off x="0" y="0"/>
+          <a:ext cx="0" cy="0"/>
+          <a:chOff x="0" y="0"/>
+          <a:chExt cx="0" cy="0"/>
+        </a:xfrm>
+      </p:grpSpPr>
+      <p:pic>
+        <p:nvPicPr>
+          <p:cNvPr id="2" name="图片 1">
+            <a:extLst>
+              <a:ext uri="{FF2B5EF4-FFF2-40B4-BE49-F238E27FC236}">
+                <a16:creationId xmlns:a16="http://schemas.microsoft.com/office/drawing/2014/main" id="{DA1B126E-0B99-EB1E-2F41-EF487EEE7358}"/>
+              </a:ext>
+            </a:extLst>
+          </p:cNvPr>
+          <p:cNvPicPr>
+            <a:picLocks noChangeAspect="1"/>
+          </p:cNvPicPr>
+          <p:nvPr/>
+        </p:nvPicPr>
+        <p:blipFill>
+          <a:blip r:embed="rId3">
+            <a:extLst>
+              <a:ext uri="{28A0092B-C50C-407E-A947-70E740481C1C}">
+                <a14:useLocalDpi xmlns:a14="http://schemas.microsoft.com/office/drawing/2010/main" val="0"/>
+              </a:ext>
+            </a:extLst>
+          </a:blip>
+          <a:stretch>
+            <a:fillRect/>
+          </a:stretch>
+        </p:blipFill>
+        <p:spPr>
+          <a:xfrm>
+            <a:off x="512467" y="297973"/>
+            <a:ext cx="2423048" cy="619634"/>
+          </a:xfrm>
+          <a:prstGeom prst="rect">
+            <a:avLst/>
+          </a:prstGeom>
+        </p:spPr>
+      </p:pic>
+      <p:pic>
+        <p:nvPicPr>
+          <p:cNvPr id="9" name="图片 8">
+            <a:extLst>
+              <a:ext uri="{FF2B5EF4-FFF2-40B4-BE49-F238E27FC236}">
+                <a16:creationId xmlns:a16="http://schemas.microsoft.com/office/drawing/2014/main" id="{1165FD60-544C-D2B6-4EB8-171E2D8E568C}"/>
+              </a:ext>
+            </a:extLst>
+          </p:cNvPr>
+          <p:cNvPicPr>
+            <a:picLocks noChangeAspect="1"/>
+          </p:cNvPicPr>
+          <p:nvPr/>
+        </p:nvPicPr>
+        <p:blipFill>
+          <a:blip r:embed="rId4">
+            <a:extLst>
+              <a:ext uri="{28A0092B-C50C-407E-A947-70E740481C1C}">
+                <a14:useLocalDpi xmlns:a14="http://schemas.microsoft.com/office/drawing/2010/main" val="0"/>
+              </a:ext>
+            </a:extLst>
+          </a:blip>
+          <a:stretch>
+            <a:fillRect/>
+          </a:stretch>
+        </p:blipFill>
+        <p:spPr>
+          <a:xfrm>
+            <a:off x="3245618" y="282361"/>
+            <a:ext cx="6436013" cy="6278023"/>
+          </a:xfrm>
+          <a:prstGeom prst="rect">
+            <a:avLst/>
+          </a:prstGeom>
+        </p:spPr>
+      </p:pic>
+    </p:spTree>
+    <p:custDataLst>
+      <p:tags r:id="rId1"/>
+    </p:custDataLst>
+    <p:extLst>
+      <p:ext uri="{BB962C8B-B14F-4D97-AF65-F5344CB8AC3E}">
+        <p14:creationId xmlns:p14="http://schemas.microsoft.com/office/powerpoint/2010/main" val="1134669973"/>
+      </p:ext>
+    </p:extLst>
+  </p:cSld>
+  <p:clrMapOvr>
+    <a:masterClrMapping/>
+  </p:clrMapOvr>
+</p:sld>
+</file>
+
+<file path=ppt/slides/slide21.xml><?xml version="1.0" encoding="utf-8"?>
+<p:sld xmlns:a="http://schemas.openxmlformats.org/drawingml/2006/main" xmlns:r="http://schemas.openxmlformats.org/officeDocument/2006/relationships" xmlns:p="http://schemas.openxmlformats.org/presentationml/2006/main">
+  <p:cSld>
+    <p:spTree>
+      <p:nvGrpSpPr>
+        <p:cNvPr id="1" name=""/>
+        <p:cNvGrpSpPr/>
+        <p:nvPr/>
+      </p:nvGrpSpPr>
+      <p:grpSpPr>
+        <a:xfrm>
+          <a:off x="0" y="0"/>
+          <a:ext cx="0" cy="0"/>
+          <a:chOff x="0" y="0"/>
+          <a:chExt cx="0" cy="0"/>
+        </a:xfrm>
+      </p:grpSpPr>
+      <p:pic>
+        <p:nvPicPr>
+          <p:cNvPr id="12" name="图片 11">
+            <a:extLst>
+              <a:ext uri="{FF2B5EF4-FFF2-40B4-BE49-F238E27FC236}">
+                <a16:creationId xmlns:a16="http://schemas.microsoft.com/office/drawing/2014/main" id="{8B7D9AB0-F5FF-2B3C-A2D6-1C03CFF33127}"/>
+              </a:ext>
+            </a:extLst>
+          </p:cNvPr>
+          <p:cNvPicPr>
+            <a:picLocks noChangeAspect="1"/>
+          </p:cNvPicPr>
+          <p:nvPr/>
+        </p:nvPicPr>
+        <p:blipFill>
+          <a:blip r:embed="rId3">
+            <a:extLst>
+              <a:ext uri="{28A0092B-C50C-407E-A947-70E740481C1C}">
+                <a14:useLocalDpi xmlns:a14="http://schemas.microsoft.com/office/drawing/2010/main" val="0"/>
+              </a:ext>
+            </a:extLst>
+          </a:blip>
+          <a:stretch>
+            <a:fillRect/>
+          </a:stretch>
+        </p:blipFill>
+        <p:spPr>
+          <a:xfrm>
+            <a:off x="2542232" y="355537"/>
+            <a:ext cx="7439967" cy="6146925"/>
+          </a:xfrm>
+          <a:prstGeom prst="rect">
+            <a:avLst/>
+          </a:prstGeom>
+        </p:spPr>
+      </p:pic>
+    </p:spTree>
+    <p:custDataLst>
+      <p:tags r:id="rId1"/>
+    </p:custDataLst>
+    <p:extLst>
+      <p:ext uri="{BB962C8B-B14F-4D97-AF65-F5344CB8AC3E}">
+        <p14:creationId xmlns:p14="http://schemas.microsoft.com/office/powerpoint/2010/main" val="4083847914"/>
+      </p:ext>
+    </p:extLst>
+  </p:cSld>
+  <p:clrMapOvr>
+    <a:masterClrMapping/>
+  </p:clrMapOvr>
+</p:sld>
+</file>
+
+<file path=ppt/slides/slide22.xml><?xml version="1.0" encoding="utf-8"?>
+<p:sld xmlns:a="http://schemas.openxmlformats.org/drawingml/2006/main" xmlns:r="http://schemas.openxmlformats.org/officeDocument/2006/relationships" xmlns:p="http://schemas.openxmlformats.org/presentationml/2006/main">
+  <p:cSld>
+    <p:spTree>
+      <p:nvGrpSpPr>
+        <p:cNvPr id="1" name=""/>
+        <p:cNvGrpSpPr/>
+        <p:nvPr/>
+      </p:nvGrpSpPr>
+      <p:grpSpPr>
+        <a:xfrm>
+          <a:off x="0" y="0"/>
+          <a:ext cx="0" cy="0"/>
+          <a:chOff x="0" y="0"/>
+          <a:chExt cx="0" cy="0"/>
+        </a:xfrm>
+      </p:grpSpPr>
+      <p:pic>
+        <p:nvPicPr>
+          <p:cNvPr id="3" name="图片 2">
+            <a:extLst>
+              <a:ext uri="{FF2B5EF4-FFF2-40B4-BE49-F238E27FC236}">
+                <a16:creationId xmlns:a16="http://schemas.microsoft.com/office/drawing/2014/main" id="{10112C9C-5230-A00B-705B-7639BEEEE0C4}"/>
+              </a:ext>
+            </a:extLst>
+          </p:cNvPr>
+          <p:cNvPicPr>
+            <a:picLocks noChangeAspect="1"/>
+          </p:cNvPicPr>
+          <p:nvPr/>
+        </p:nvPicPr>
+        <p:blipFill>
+          <a:blip r:embed="rId3">
+            <a:extLst>
+              <a:ext uri="{28A0092B-C50C-407E-A947-70E740481C1C}">
+                <a14:useLocalDpi xmlns:a14="http://schemas.microsoft.com/office/drawing/2010/main" val="0"/>
+              </a:ext>
+            </a:extLst>
+          </a:blip>
+          <a:stretch>
+            <a:fillRect/>
+          </a:stretch>
+        </p:blipFill>
+        <p:spPr>
+          <a:xfrm>
+            <a:off x="2941717" y="432079"/>
+            <a:ext cx="6308565" cy="6250075"/>
+          </a:xfrm>
+          <a:prstGeom prst="rect">
+            <a:avLst/>
+          </a:prstGeom>
+        </p:spPr>
+      </p:pic>
+    </p:spTree>
+    <p:custDataLst>
+      <p:tags r:id="rId1"/>
+    </p:custDataLst>
+    <p:extLst>
+      <p:ext uri="{BB962C8B-B14F-4D97-AF65-F5344CB8AC3E}">
+        <p14:creationId xmlns:p14="http://schemas.microsoft.com/office/powerpoint/2010/main" val="3349093473"/>
+      </p:ext>
+    </p:extLst>
+  </p:cSld>
+  <p:clrMapOvr>
+    <a:masterClrMapping/>
+  </p:clrMapOvr>
+</p:sld>
+</file>
+
+<file path=ppt/slides/slide23.xml><?xml version="1.0" encoding="utf-8"?>
 <p:sld xmlns:a="http://schemas.openxmlformats.org/drawingml/2006/main" xmlns:r="http://schemas.openxmlformats.org/officeDocument/2006/relationships" xmlns:p="http://schemas.openxmlformats.org/presentationml/2006/main">
   <p:cSld>
     <p:spTree>
@@ -11628,7 +12422,7 @@
 </p:sld>
 </file>
 
-<file path=ppt/slides/slide21.xml><?xml version="1.0" encoding="utf-8"?>
+<file path=ppt/slides/slide24.xml><?xml version="1.0" encoding="utf-8"?>
 <p:sld xmlns:a="http://schemas.openxmlformats.org/drawingml/2006/main" xmlns:r="http://schemas.openxmlformats.org/officeDocument/2006/relationships" xmlns:p="http://schemas.openxmlformats.org/presentationml/2006/main">
   <p:cSld>
     <p:spTree>
@@ -11709,7 +12503,7 @@
 </p:sld>
 </file>
 
-<file path=ppt/slides/slide22.xml><?xml version="1.0" encoding="utf-8"?>
+<file path=ppt/slides/slide25.xml><?xml version="1.0" encoding="utf-8"?>
 <p:sld xmlns:a="http://schemas.openxmlformats.org/drawingml/2006/main" xmlns:r="http://schemas.openxmlformats.org/officeDocument/2006/relationships" xmlns:p="http://schemas.openxmlformats.org/presentationml/2006/main">
   <p:cSld>
     <p:spTree>
@@ -12207,7 +13001,7 @@
 </p:sld>
 </file>
 
-<file path=ppt/slides/slide23.xml><?xml version="1.0" encoding="utf-8"?>
+<file path=ppt/slides/slide26.xml><?xml version="1.0" encoding="utf-8"?>
 <p:sld xmlns:a="http://schemas.openxmlformats.org/drawingml/2006/main" xmlns:r="http://schemas.openxmlformats.org/officeDocument/2006/relationships" xmlns:p="http://schemas.openxmlformats.org/presentationml/2006/main">
   <p:cSld>
     <p:spTree>
@@ -12268,7 +13062,7 @@
 </p:sld>
 </file>
 
-<file path=ppt/slides/slide24.xml><?xml version="1.0" encoding="utf-8"?>
+<file path=ppt/slides/slide27.xml><?xml version="1.0" encoding="utf-8"?>
 <p:sld xmlns:a="http://schemas.openxmlformats.org/drawingml/2006/main" xmlns:r="http://schemas.openxmlformats.org/officeDocument/2006/relationships" xmlns:p="http://schemas.openxmlformats.org/presentationml/2006/main">
   <p:cSld>
     <p:spTree>
@@ -12860,7 +13654,7 @@
 </p:sld>
 </file>
 
-<file path=ppt/slides/slide25.xml><?xml version="1.0" encoding="utf-8"?>
+<file path=ppt/slides/slide28.xml><?xml version="1.0" encoding="utf-8"?>
 <p:sld xmlns:a="http://schemas.openxmlformats.org/drawingml/2006/main" xmlns:r="http://schemas.openxmlformats.org/officeDocument/2006/relationships" xmlns:p="http://schemas.openxmlformats.org/presentationml/2006/main">
   <p:cSld>
     <p:spTree>
@@ -12910,7 +13704,7 @@
 </p:sld>
 </file>
 
-<file path=ppt/slides/slide26.xml><?xml version="1.0" encoding="utf-8"?>
+<file path=ppt/slides/slide29.xml><?xml version="1.0" encoding="utf-8"?>
 <p:sld xmlns:a="http://schemas.openxmlformats.org/drawingml/2006/main" xmlns:r="http://schemas.openxmlformats.org/officeDocument/2006/relationships" xmlns:p="http://schemas.openxmlformats.org/presentationml/2006/main">
   <p:cSld>
     <p:spTree>
@@ -13217,256 +14011,6 @@
       <p:bldP spid="2" grpId="0" uiExpand="1" build="p"/>
     </p:bldLst>
   </p:timing>
-</p:sld>
-</file>
-
-<file path=ppt/slides/slide27.xml><?xml version="1.0" encoding="utf-8"?>
-<p:sld xmlns:a="http://schemas.openxmlformats.org/drawingml/2006/main" xmlns:r="http://schemas.openxmlformats.org/officeDocument/2006/relationships" xmlns:p="http://schemas.openxmlformats.org/presentationml/2006/main">
-  <p:cSld>
-    <p:spTree>
-      <p:nvGrpSpPr>
-        <p:cNvPr id="1" name=""/>
-        <p:cNvGrpSpPr/>
-        <p:nvPr/>
-      </p:nvGrpSpPr>
-      <p:grpSpPr>
-        <a:xfrm>
-          <a:off x="0" y="0"/>
-          <a:ext cx="0" cy="0"/>
-          <a:chOff x="0" y="0"/>
-          <a:chExt cx="0" cy="0"/>
-        </a:xfrm>
-      </p:grpSpPr>
-      <p:sp>
-        <p:nvSpPr>
-          <p:cNvPr id="2" name="文本占位符 1"/>
-          <p:cNvSpPr>
-            <a:spLocks noGrp="1"/>
-          </p:cNvSpPr>
-          <p:nvPr>
-            <p:ph type="body" idx="1"/>
-          </p:nvPr>
-        </p:nvSpPr>
-        <p:spPr/>
-        <p:txBody>
-          <a:bodyPr/>
-          <a:lstStyle/>
-          <a:p>
-            <a:pPr marL="285750" indent="-285750">
-              <a:buFont typeface="Arial" panose="020B0604020202020204" pitchFamily="34" charset="0"/>
-              <a:buChar char="•"/>
-            </a:pPr>
-            <a:r>
-              <a:rPr lang="en" dirty="0">
-                <a:sym typeface="+mn-ea"/>
-                <a:hlinkClick r:id="rId3"/>
-              </a:rPr>
-              <a:t>Improving the way neural networks learn</a:t>
-            </a:r>
-            <a:endParaRPr dirty="0">
-              <a:sym typeface="+mn-ea"/>
-            </a:endParaRPr>
-          </a:p>
-        </p:txBody>
-      </p:sp>
-      <p:sp>
-        <p:nvSpPr>
-          <p:cNvPr id="3" name="标题 2"/>
-          <p:cNvSpPr>
-            <a:spLocks noGrp="1"/>
-          </p:cNvSpPr>
-          <p:nvPr>
-            <p:ph type="title"/>
-          </p:nvPr>
-        </p:nvSpPr>
-        <p:spPr/>
-        <p:txBody>
-          <a:bodyPr/>
-          <a:lstStyle/>
-          <a:p>
-            <a:r>
-              <a:rPr lang="zh-CN" altLang="en-US" dirty="0"/>
-              <a:t>参考资料</a:t>
-            </a:r>
-          </a:p>
-        </p:txBody>
-      </p:sp>
-      <p:graphicFrame>
-        <p:nvGraphicFramePr>
-          <p:cNvPr id="4" name="对象 3">
-            <a:hlinkClick r:id="" action="ppaction://ole?verb=0"/>
-          </p:cNvPr>
-          <p:cNvGraphicFramePr>
-            <a:graphicFrameLocks noChangeAspect="1"/>
-          </p:cNvGraphicFramePr>
-          <p:nvPr/>
-        </p:nvGraphicFramePr>
-        <p:xfrm>
-          <a:off x="5638800" y="3244850"/>
-          <a:ext cx="914400" cy="368300"/>
-        </p:xfrm>
-        <a:graphic>
-          <a:graphicData uri="http://schemas.openxmlformats.org/presentationml/2006/ole">
-            <mc:AlternateContent xmlns:mc="http://schemas.openxmlformats.org/markup-compatibility/2006">
-              <mc:Choice xmlns:v="urn:schemas-microsoft-com:vml" Requires="v">
-                <p:oleObj r:id="rId4" imgW="914400" imgH="368300" progId="Equation.KSEE3">
-                  <p:embed/>
-                </p:oleObj>
-              </mc:Choice>
-              <mc:Fallback>
-                <p:oleObj r:id="rId4" imgW="914400" imgH="368300" progId="Equation.KSEE3">
-                  <p:embed/>
-                  <p:pic>
-                    <p:nvPicPr>
-                      <p:cNvPr id="4" name="对象 3">
-                        <a:hlinkClick r:id="" action="ppaction://ole?verb=0"/>
-                      </p:cNvPr>
-                      <p:cNvPicPr/>
-                      <p:nvPr/>
-                    </p:nvPicPr>
-                    <p:blipFill>
-                      <a:blip r:embed="rId5"/>
-                      <a:stretch>
-                        <a:fillRect/>
-                      </a:stretch>
-                    </p:blipFill>
-                    <p:spPr>
-                      <a:xfrm>
-                        <a:off x="5638800" y="3244850"/>
-                        <a:ext cx="914400" cy="368300"/>
-                      </a:xfrm>
-                      <a:prstGeom prst="rect">
-                        <a:avLst/>
-                      </a:prstGeom>
-                    </p:spPr>
-                  </p:pic>
-                </p:oleObj>
-              </mc:Fallback>
-            </mc:AlternateContent>
-          </a:graphicData>
-        </a:graphic>
-      </p:graphicFrame>
-    </p:spTree>
-    <p:custDataLst>
-      <p:tags r:id="rId1"/>
-    </p:custDataLst>
-    <p:extLst>
-      <p:ext uri="{BB962C8B-B14F-4D97-AF65-F5344CB8AC3E}">
-        <p14:creationId xmlns:p14="http://schemas.microsoft.com/office/powerpoint/2010/main" val="2517994622"/>
-      </p:ext>
-    </p:extLst>
-  </p:cSld>
-  <p:clrMapOvr>
-    <a:masterClrMapping/>
-  </p:clrMapOvr>
-</p:sld>
-</file>
-
-<file path=ppt/slides/slide28.xml><?xml version="1.0" encoding="utf-8"?>
-<p:sld xmlns:a="http://schemas.openxmlformats.org/drawingml/2006/main" xmlns:r="http://schemas.openxmlformats.org/officeDocument/2006/relationships" xmlns:p="http://schemas.openxmlformats.org/presentationml/2006/main">
-  <p:cSld>
-    <p:spTree>
-      <p:nvGrpSpPr>
-        <p:cNvPr id="1" name=""/>
-        <p:cNvGrpSpPr/>
-        <p:nvPr/>
-      </p:nvGrpSpPr>
-      <p:grpSpPr>
-        <a:xfrm>
-          <a:off x="0" y="0"/>
-          <a:ext cx="0" cy="0"/>
-          <a:chOff x="0" y="0"/>
-          <a:chExt cx="0" cy="0"/>
-        </a:xfrm>
-      </p:grpSpPr>
-      <p:sp>
-        <p:nvSpPr>
-          <p:cNvPr id="2" name="文本占位符 1"/>
-          <p:cNvSpPr>
-            <a:spLocks noGrp="1"/>
-          </p:cNvSpPr>
-          <p:nvPr>
-            <p:ph type="body" idx="1"/>
-          </p:nvPr>
-        </p:nvSpPr>
-        <p:spPr/>
-        <p:txBody>
-          <a:bodyPr/>
-          <a:lstStyle/>
-          <a:p>
-            <a:pPr marL="285750" indent="-285750">
-              <a:buFont typeface="Arial" panose="020B0604020202020204" pitchFamily="34" charset="0"/>
-              <a:buChar char="•"/>
-            </a:pPr>
-            <a:endParaRPr dirty="0">
-              <a:sym typeface="+mn-ea"/>
-            </a:endParaRPr>
-          </a:p>
-        </p:txBody>
-      </p:sp>
-      <p:sp>
-        <p:nvSpPr>
-          <p:cNvPr id="3" name="标题 2"/>
-          <p:cNvSpPr>
-            <a:spLocks noGrp="1"/>
-          </p:cNvSpPr>
-          <p:nvPr>
-            <p:ph type="title"/>
-          </p:nvPr>
-        </p:nvSpPr>
-        <p:spPr/>
-        <p:txBody>
-          <a:bodyPr/>
-          <a:lstStyle/>
-          <a:p>
-            <a:r>
-              <a:rPr lang="zh-CN" altLang="en-US"/>
-              <a:t>下节课预告</a:t>
-            </a:r>
-          </a:p>
-        </p:txBody>
-      </p:sp>
-    </p:spTree>
-    <p:custDataLst>
-      <p:tags r:id="rId1"/>
-    </p:custDataLst>
-    <p:extLst>
-      <p:ext uri="{BB962C8B-B14F-4D97-AF65-F5344CB8AC3E}">
-        <p14:creationId xmlns:p14="http://schemas.microsoft.com/office/powerpoint/2010/main" val="1027050507"/>
-      </p:ext>
-    </p:extLst>
-  </p:cSld>
-  <p:clrMapOvr>
-    <a:masterClrMapping/>
-  </p:clrMapOvr>
-</p:sld>
-</file>
-
-<file path=ppt/slides/slide29.xml><?xml version="1.0" encoding="utf-8"?>
-<p:sld xmlns:a="http://schemas.openxmlformats.org/drawingml/2006/main" xmlns:r="http://schemas.openxmlformats.org/officeDocument/2006/relationships" xmlns:p="http://schemas.openxmlformats.org/presentationml/2006/main">
-  <p:cSld>
-    <p:spTree>
-      <p:nvGrpSpPr>
-        <p:cNvPr id="1" name=""/>
-        <p:cNvGrpSpPr/>
-        <p:nvPr/>
-      </p:nvGrpSpPr>
-      <p:grpSpPr>
-        <a:xfrm>
-          <a:off x="0" y="0"/>
-          <a:ext cx="0" cy="0"/>
-          <a:chOff x="0" y="0"/>
-          <a:chExt cx="0" cy="0"/>
-        </a:xfrm>
-      </p:grpSpPr>
-    </p:spTree>
-    <p:custDataLst>
-      <p:tags r:id="rId1"/>
-    </p:custDataLst>
-  </p:cSld>
-  <p:clrMapOvr>
-    <a:masterClrMapping/>
-  </p:clrMapOvr>
 </p:sld>
 </file>
 
@@ -13856,7 +14400,69 @@
               <a:buFont typeface="Arial" panose="020B0604020202020204" pitchFamily="34" charset="0"/>
               <a:buChar char="•"/>
             </a:pPr>
-            <a:endParaRPr lang="en-US" altLang="zh-CN" dirty="0"/>
+            <a:r>
+              <a:rPr lang="en" dirty="0">
+                <a:sym typeface="+mn-ea"/>
+                <a:hlinkClick r:id="rId3"/>
+              </a:rPr>
+              <a:t>Improving the way neural networks learn</a:t>
+            </a:r>
+            <a:endParaRPr lang="en" dirty="0">
+              <a:sym typeface="+mn-ea"/>
+            </a:endParaRPr>
+          </a:p>
+          <a:p>
+            <a:pPr marL="285750" indent="-285750">
+              <a:buFont typeface="Arial" panose="020B0604020202020204" pitchFamily="34" charset="0"/>
+              <a:buChar char="•"/>
+            </a:pPr>
+            <a:r>
+              <a:rPr lang="zh-CN" altLang="en-US" dirty="0">
+                <a:sym typeface="+mn-ea"/>
+                <a:hlinkClick r:id="rId4"/>
+              </a:rPr>
+              <a:t>超详细的</a:t>
+            </a:r>
+            <a:r>
+              <a:rPr lang="en" dirty="0">
+                <a:sym typeface="+mn-ea"/>
+                <a:hlinkClick r:id="rId4"/>
+              </a:rPr>
+              <a:t>softmax</a:t>
+            </a:r>
+            <a:r>
+              <a:rPr lang="zh-CN" altLang="en-US" dirty="0">
+                <a:sym typeface="+mn-ea"/>
+                <a:hlinkClick r:id="rId4"/>
+              </a:rPr>
+              <a:t>的反向传播梯度计算推导</a:t>
+            </a:r>
+            <a:endParaRPr lang="en-US" altLang="zh-CN" dirty="0">
+              <a:sym typeface="+mn-ea"/>
+            </a:endParaRPr>
+          </a:p>
+          <a:p>
+            <a:pPr marL="285750" indent="-285750">
+              <a:buFont typeface="Arial" panose="020B0604020202020204" pitchFamily="34" charset="0"/>
+              <a:buChar char="•"/>
+            </a:pPr>
+            <a:r>
+              <a:rPr lang="en" dirty="0">
+                <a:sym typeface="+mn-ea"/>
+                <a:hlinkClick r:id="rId5"/>
+              </a:rPr>
+              <a:t>Softmax</a:t>
+            </a:r>
+            <a:r>
+              <a:rPr lang="zh-CN" altLang="en-US" dirty="0">
+                <a:sym typeface="+mn-ea"/>
+                <a:hlinkClick r:id="rId5"/>
+              </a:rPr>
+              <a:t>与交叉熵损失的实现及求导</a:t>
+            </a:r>
+            <a:endParaRPr dirty="0">
+              <a:sym typeface="+mn-ea"/>
+            </a:endParaRPr>
           </a:p>
         </p:txBody>
       </p:sp>
@@ -13877,6 +14483,247 @@
           <a:p>
             <a:r>
               <a:rPr lang="zh-CN" altLang="en-US" dirty="0"/>
+              <a:t>参考资料</a:t>
+            </a:r>
+          </a:p>
+        </p:txBody>
+      </p:sp>
+      <p:graphicFrame>
+        <p:nvGraphicFramePr>
+          <p:cNvPr id="4" name="对象 3">
+            <a:hlinkClick r:id="" action="ppaction://ole?verb=0"/>
+          </p:cNvPr>
+          <p:cNvGraphicFramePr>
+            <a:graphicFrameLocks noChangeAspect="1"/>
+          </p:cNvGraphicFramePr>
+          <p:nvPr/>
+        </p:nvGraphicFramePr>
+        <p:xfrm>
+          <a:off x="5638800" y="3244850"/>
+          <a:ext cx="914400" cy="368300"/>
+        </p:xfrm>
+        <a:graphic>
+          <a:graphicData uri="http://schemas.openxmlformats.org/presentationml/2006/ole">
+            <mc:AlternateContent xmlns:mc="http://schemas.openxmlformats.org/markup-compatibility/2006">
+              <mc:Choice xmlns:v="urn:schemas-microsoft-com:vml" Requires="v">
+                <p:oleObj r:id="rId6" imgW="914400" imgH="368300" progId="Equation.KSEE3">
+                  <p:embed/>
+                </p:oleObj>
+              </mc:Choice>
+              <mc:Fallback>
+                <p:oleObj r:id="rId6" imgW="914400" imgH="368300" progId="Equation.KSEE3">
+                  <p:embed/>
+                  <p:pic>
+                    <p:nvPicPr>
+                      <p:cNvPr id="4" name="对象 3">
+                        <a:hlinkClick r:id="" action="ppaction://ole?verb=0"/>
+                      </p:cNvPr>
+                      <p:cNvPicPr/>
+                      <p:nvPr/>
+                    </p:nvPicPr>
+                    <p:blipFill>
+                      <a:blip r:embed="rId7"/>
+                      <a:stretch>
+                        <a:fillRect/>
+                      </a:stretch>
+                    </p:blipFill>
+                    <p:spPr>
+                      <a:xfrm>
+                        <a:off x="5638800" y="3244850"/>
+                        <a:ext cx="914400" cy="368300"/>
+                      </a:xfrm>
+                      <a:prstGeom prst="rect">
+                        <a:avLst/>
+                      </a:prstGeom>
+                    </p:spPr>
+                  </p:pic>
+                </p:oleObj>
+              </mc:Fallback>
+            </mc:AlternateContent>
+          </a:graphicData>
+        </a:graphic>
+      </p:graphicFrame>
+    </p:spTree>
+    <p:custDataLst>
+      <p:tags r:id="rId1"/>
+    </p:custDataLst>
+    <p:extLst>
+      <p:ext uri="{BB962C8B-B14F-4D97-AF65-F5344CB8AC3E}">
+        <p14:creationId xmlns:p14="http://schemas.microsoft.com/office/powerpoint/2010/main" val="2517994622"/>
+      </p:ext>
+    </p:extLst>
+  </p:cSld>
+  <p:clrMapOvr>
+    <a:masterClrMapping/>
+  </p:clrMapOvr>
+</p:sld>
+</file>
+
+<file path=ppt/slides/slide31.xml><?xml version="1.0" encoding="utf-8"?>
+<p:sld xmlns:a="http://schemas.openxmlformats.org/drawingml/2006/main" xmlns:r="http://schemas.openxmlformats.org/officeDocument/2006/relationships" xmlns:p="http://schemas.openxmlformats.org/presentationml/2006/main">
+  <p:cSld>
+    <p:spTree>
+      <p:nvGrpSpPr>
+        <p:cNvPr id="1" name=""/>
+        <p:cNvGrpSpPr/>
+        <p:nvPr/>
+      </p:nvGrpSpPr>
+      <p:grpSpPr>
+        <a:xfrm>
+          <a:off x="0" y="0"/>
+          <a:ext cx="0" cy="0"/>
+          <a:chOff x="0" y="0"/>
+          <a:chExt cx="0" cy="0"/>
+        </a:xfrm>
+      </p:grpSpPr>
+      <p:sp>
+        <p:nvSpPr>
+          <p:cNvPr id="2" name="文本占位符 1"/>
+          <p:cNvSpPr>
+            <a:spLocks noGrp="1"/>
+          </p:cNvSpPr>
+          <p:nvPr>
+            <p:ph type="body" idx="1"/>
+          </p:nvPr>
+        </p:nvSpPr>
+        <p:spPr/>
+        <p:txBody>
+          <a:bodyPr/>
+          <a:lstStyle/>
+          <a:p>
+            <a:pPr marL="285750" indent="-285750">
+              <a:buFont typeface="Arial" panose="020B0604020202020204" pitchFamily="34" charset="0"/>
+              <a:buChar char="•"/>
+            </a:pPr>
+            <a:endParaRPr dirty="0">
+              <a:sym typeface="+mn-ea"/>
+            </a:endParaRPr>
+          </a:p>
+        </p:txBody>
+      </p:sp>
+      <p:sp>
+        <p:nvSpPr>
+          <p:cNvPr id="3" name="标题 2"/>
+          <p:cNvSpPr>
+            <a:spLocks noGrp="1"/>
+          </p:cNvSpPr>
+          <p:nvPr>
+            <p:ph type="title"/>
+          </p:nvPr>
+        </p:nvSpPr>
+        <p:spPr/>
+        <p:txBody>
+          <a:bodyPr/>
+          <a:lstStyle/>
+          <a:p>
+            <a:r>
+              <a:rPr lang="zh-CN" altLang="en-US"/>
+              <a:t>下节课预告</a:t>
+            </a:r>
+          </a:p>
+        </p:txBody>
+      </p:sp>
+    </p:spTree>
+    <p:custDataLst>
+      <p:tags r:id="rId1"/>
+    </p:custDataLst>
+    <p:extLst>
+      <p:ext uri="{BB962C8B-B14F-4D97-AF65-F5344CB8AC3E}">
+        <p14:creationId xmlns:p14="http://schemas.microsoft.com/office/powerpoint/2010/main" val="1027050507"/>
+      </p:ext>
+    </p:extLst>
+  </p:cSld>
+  <p:clrMapOvr>
+    <a:masterClrMapping/>
+  </p:clrMapOvr>
+</p:sld>
+</file>
+
+<file path=ppt/slides/slide32.xml><?xml version="1.0" encoding="utf-8"?>
+<p:sld xmlns:a="http://schemas.openxmlformats.org/drawingml/2006/main" xmlns:r="http://schemas.openxmlformats.org/officeDocument/2006/relationships" xmlns:p="http://schemas.openxmlformats.org/presentationml/2006/main">
+  <p:cSld>
+    <p:spTree>
+      <p:nvGrpSpPr>
+        <p:cNvPr id="1" name=""/>
+        <p:cNvGrpSpPr/>
+        <p:nvPr/>
+      </p:nvGrpSpPr>
+      <p:grpSpPr>
+        <a:xfrm>
+          <a:off x="0" y="0"/>
+          <a:ext cx="0" cy="0"/>
+          <a:chOff x="0" y="0"/>
+          <a:chExt cx="0" cy="0"/>
+        </a:xfrm>
+      </p:grpSpPr>
+    </p:spTree>
+    <p:custDataLst>
+      <p:tags r:id="rId1"/>
+    </p:custDataLst>
+  </p:cSld>
+  <p:clrMapOvr>
+    <a:masterClrMapping/>
+  </p:clrMapOvr>
+</p:sld>
+</file>
+
+<file path=ppt/slides/slide33.xml><?xml version="1.0" encoding="utf-8"?>
+<p:sld xmlns:a="http://schemas.openxmlformats.org/drawingml/2006/main" xmlns:r="http://schemas.openxmlformats.org/officeDocument/2006/relationships" xmlns:p="http://schemas.openxmlformats.org/presentationml/2006/main">
+  <p:cSld>
+    <p:spTree>
+      <p:nvGrpSpPr>
+        <p:cNvPr id="1" name=""/>
+        <p:cNvGrpSpPr/>
+        <p:nvPr/>
+      </p:nvGrpSpPr>
+      <p:grpSpPr>
+        <a:xfrm>
+          <a:off x="0" y="0"/>
+          <a:ext cx="0" cy="0"/>
+          <a:chOff x="0" y="0"/>
+          <a:chExt cx="0" cy="0"/>
+        </a:xfrm>
+      </p:grpSpPr>
+      <p:sp>
+        <p:nvSpPr>
+          <p:cNvPr id="2" name="文本占位符 1"/>
+          <p:cNvSpPr>
+            <a:spLocks noGrp="1"/>
+          </p:cNvSpPr>
+          <p:nvPr>
+            <p:ph type="body" idx="1"/>
+          </p:nvPr>
+        </p:nvSpPr>
+        <p:spPr/>
+        <p:txBody>
+          <a:bodyPr/>
+          <a:lstStyle/>
+          <a:p>
+            <a:pPr marL="285750" indent="-285750">
+              <a:buFont typeface="Arial" panose="020B0604020202020204" pitchFamily="34" charset="0"/>
+              <a:buChar char="•"/>
+            </a:pPr>
+            <a:endParaRPr lang="en-US" altLang="zh-CN" dirty="0"/>
+          </a:p>
+        </p:txBody>
+      </p:sp>
+      <p:sp>
+        <p:nvSpPr>
+          <p:cNvPr id="3" name="标题 2"/>
+          <p:cNvSpPr>
+            <a:spLocks noGrp="1"/>
+          </p:cNvSpPr>
+          <p:nvPr>
+            <p:ph type="title"/>
+          </p:nvPr>
+        </p:nvSpPr>
+        <p:spPr/>
+        <p:txBody>
+          <a:bodyPr/>
+          <a:lstStyle/>
+          <a:p>
+            <a:r>
+              <a:rPr lang="zh-CN" altLang="en-US" dirty="0"/>
               <a:t>问答</a:t>
             </a:r>
           </a:p>
@@ -13893,7 +14740,7 @@
 </p:sld>
 </file>
 
-<file path=ppt/slides/slide31.xml><?xml version="1.0" encoding="utf-8"?>
+<file path=ppt/slides/slide34.xml><?xml version="1.0" encoding="utf-8"?>
 <p:sld xmlns:a="http://schemas.openxmlformats.org/drawingml/2006/main" xmlns:r="http://schemas.openxmlformats.org/officeDocument/2006/relationships" xmlns:p="http://schemas.openxmlformats.org/presentationml/2006/main">
   <p:cSld>
     <p:spTree>
@@ -17489,6 +18336,33 @@
 </file>
 
 <file path=ppt/tags/tag100.xml><?xml version="1.0" encoding="utf-8"?>
+<p:tagLst xmlns:a="http://schemas.openxmlformats.org/drawingml/2006/main" xmlns:r="http://schemas.openxmlformats.org/officeDocument/2006/relationships" xmlns:p="http://schemas.openxmlformats.org/presentationml/2006/main">
+  <p:tag name="KSO_WM_BEAUTIFY_FLAG" val="#wm#"/>
+  <p:tag name="KSO_WM_TEMPLATE_CATEGORY" val="custom"/>
+  <p:tag name="KSO_WM_TEMPLATE_INDEX" val="20187308"/>
+  <p:tag name="KSO_WM_SPECIAL_SOURCE" val="bdnull"/>
+</p:tagLst>
+</file>
+
+<file path=ppt/tags/tag101.xml><?xml version="1.0" encoding="utf-8"?>
+<p:tagLst xmlns:a="http://schemas.openxmlformats.org/drawingml/2006/main" xmlns:r="http://schemas.openxmlformats.org/officeDocument/2006/relationships" xmlns:p="http://schemas.openxmlformats.org/presentationml/2006/main">
+  <p:tag name="KSO_WM_BEAUTIFY_FLAG" val="#wm#"/>
+  <p:tag name="KSO_WM_TEMPLATE_CATEGORY" val="custom"/>
+  <p:tag name="KSO_WM_TEMPLATE_INDEX" val="20187308"/>
+  <p:tag name="KSO_WM_SPECIAL_SOURCE" val="bdnull"/>
+</p:tagLst>
+</file>
+
+<file path=ppt/tags/tag102.xml><?xml version="1.0" encoding="utf-8"?>
+<p:tagLst xmlns:a="http://schemas.openxmlformats.org/drawingml/2006/main" xmlns:r="http://schemas.openxmlformats.org/officeDocument/2006/relationships" xmlns:p="http://schemas.openxmlformats.org/presentationml/2006/main">
+  <p:tag name="KSO_WM_BEAUTIFY_FLAG" val="#wm#"/>
+  <p:tag name="KSO_WM_TEMPLATE_CATEGORY" val="custom"/>
+  <p:tag name="KSO_WM_TEMPLATE_INDEX" val="20187308"/>
+  <p:tag name="KSO_WM_SPECIAL_SOURCE" val="bdnull"/>
+</p:tagLst>
+</file>
+
+<file path=ppt/tags/tag103.xml><?xml version="1.0" encoding="utf-8"?>
 <p:tagLst xmlns:a="http://schemas.openxmlformats.org/drawingml/2006/main" xmlns:r="http://schemas.openxmlformats.org/officeDocument/2006/relationships" xmlns:p="http://schemas.openxmlformats.org/presentationml/2006/main">
   <p:tag name="KSO_WM_BEAUTIFY_FLAG" val="#wm#"/>
   <p:tag name="KSO_WM_TEMPLATE_CATEGORY" val="custom"/>

--- a/lessons/6_softmax/ppt/使用交叉熵损失函数和Softmax激活函数.pptx
+++ b/lessons/6_softmax/ppt/使用交叉熵损失函数和Softmax激活函数.pptx
@@ -5,10 +5,10 @@
     <p:sldMasterId id="2147483648" r:id="rId1"/>
   </p:sldMasterIdLst>
   <p:notesMasterIdLst>
-    <p:notesMasterId r:id="rId36"/>
+    <p:notesMasterId r:id="rId34"/>
   </p:notesMasterIdLst>
   <p:handoutMasterIdLst>
-    <p:handoutMasterId r:id="rId37"/>
+    <p:handoutMasterId r:id="rId35"/>
   </p:handoutMasterIdLst>
   <p:sldIdLst>
     <p:sldId id="307" r:id="rId2"/>
@@ -25,31 +25,29 @@
     <p:sldId id="1085" r:id="rId13"/>
     <p:sldId id="1081" r:id="rId14"/>
     <p:sldId id="1086" r:id="rId15"/>
-    <p:sldId id="1093" r:id="rId16"/>
-    <p:sldId id="1094" r:id="rId17"/>
-    <p:sldId id="1095" r:id="rId18"/>
-    <p:sldId id="1097" r:id="rId19"/>
-    <p:sldId id="1101" r:id="rId20"/>
-    <p:sldId id="1104" r:id="rId21"/>
-    <p:sldId id="1105" r:id="rId22"/>
-    <p:sldId id="1106" r:id="rId23"/>
-    <p:sldId id="1098" r:id="rId24"/>
-    <p:sldId id="1099" r:id="rId25"/>
-    <p:sldId id="1100" r:id="rId26"/>
-    <p:sldId id="1083" r:id="rId27"/>
-    <p:sldId id="1087" r:id="rId28"/>
-    <p:sldId id="537" r:id="rId29"/>
-    <p:sldId id="536" r:id="rId30"/>
-    <p:sldId id="1014" r:id="rId31"/>
-    <p:sldId id="1013" r:id="rId32"/>
-    <p:sldId id="997" r:id="rId33"/>
-    <p:sldId id="998" r:id="rId34"/>
-    <p:sldId id="653" r:id="rId35"/>
+    <p:sldId id="1095" r:id="rId16"/>
+    <p:sldId id="1097" r:id="rId17"/>
+    <p:sldId id="1101" r:id="rId18"/>
+    <p:sldId id="1104" r:id="rId19"/>
+    <p:sldId id="1105" r:id="rId20"/>
+    <p:sldId id="1106" r:id="rId21"/>
+    <p:sldId id="1098" r:id="rId22"/>
+    <p:sldId id="1099" r:id="rId23"/>
+    <p:sldId id="1100" r:id="rId24"/>
+    <p:sldId id="1083" r:id="rId25"/>
+    <p:sldId id="1087" r:id="rId26"/>
+    <p:sldId id="537" r:id="rId27"/>
+    <p:sldId id="536" r:id="rId28"/>
+    <p:sldId id="1014" r:id="rId29"/>
+    <p:sldId id="1013" r:id="rId30"/>
+    <p:sldId id="997" r:id="rId31"/>
+    <p:sldId id="998" r:id="rId32"/>
+    <p:sldId id="653" r:id="rId33"/>
   </p:sldIdLst>
   <p:sldSz cx="12192000" cy="6858000"/>
   <p:notesSz cx="6858000" cy="9144000"/>
   <p:custDataLst>
-    <p:tags r:id="rId38"/>
+    <p:tags r:id="rId36"/>
   </p:custDataLst>
   <p:defaultTextStyle>
     <a:defPPr>
@@ -8291,7 +8289,7 @@
             </a:pPr>
             <a:r>
               <a:rPr lang="zh-CN" altLang="en-US" dirty="0"/>
-              <a:t>“识别手写数字“使用交叉熵损失函数，是否能够加快训练速度？</a:t>
+              <a:t>“识别手写数字“是否能使用单分类中的交叉熵损失函数？</a:t>
             </a:r>
             <a:endParaRPr lang="en-US" altLang="zh-CN" dirty="0"/>
           </a:p>
@@ -8300,915 +8298,17 @@
               <a:buFont typeface="Arial" panose="020B0604020202020204" pitchFamily="34" charset="0"/>
               <a:buChar char="•"/>
             </a:pPr>
+            <a:r>
+              <a:rPr lang="zh-CN" altLang="en-US" dirty="0"/>
+              <a:t>为什么？</a:t>
+            </a:r>
             <a:endParaRPr lang="en-US" altLang="zh-CN" dirty="0"/>
           </a:p>
           <a:p>
-            <a:endParaRPr lang="en-US" altLang="zh-CN" dirty="0"/>
-          </a:p>
-          <a:p>
             <a:pPr marL="285750" indent="-285750">
               <a:buFont typeface="Arial" panose="020B0604020202020204" pitchFamily="34" charset="0"/>
               <a:buChar char="•"/>
             </a:pPr>
-            <a:r>
-              <a:rPr lang="zh-CN" altLang="en-US" dirty="0"/>
-              <a:t>自学、互学、展学</a:t>
-            </a:r>
-          </a:p>
-          <a:p>
-            <a:pPr marL="285750" indent="-285750">
-              <a:buFont typeface="Arial" panose="020B0604020202020204" pitchFamily="34" charset="0"/>
-              <a:buChar char="•"/>
-            </a:pPr>
-            <a:endParaRPr lang="zh-CN" altLang="en-US" dirty="0"/>
-          </a:p>
-          <a:p>
-            <a:pPr marL="285750" indent="-285750">
-              <a:buFont typeface="Arial" panose="020B0604020202020204" pitchFamily="34" charset="0"/>
-              <a:buChar char="•"/>
-            </a:pPr>
-            <a:endParaRPr lang="en-US" altLang="zh-CN" dirty="0"/>
-          </a:p>
-          <a:p>
-            <a:pPr marL="285750" indent="-285750">
-              <a:buFont typeface="Arial" panose="020B0604020202020204" pitchFamily="34" charset="0"/>
-              <a:buChar char="•"/>
-            </a:pPr>
-            <a:endParaRPr lang="zh-CN" altLang="en-US" dirty="0"/>
-          </a:p>
-          <a:p>
-            <a:pPr marL="285750" indent="-285750">
-              <a:buFont typeface="Arial" panose="020B0604020202020204" pitchFamily="34" charset="0"/>
-              <a:buChar char="•"/>
-            </a:pPr>
-            <a:endParaRPr lang="zh-CN" altLang="en-US" dirty="0"/>
-          </a:p>
-          <a:p>
-            <a:pPr marL="285750" indent="-285750">
-              <a:buFont typeface="Arial" panose="020B0604020202020204" pitchFamily="34" charset="0"/>
-              <a:buChar char="•"/>
-            </a:pPr>
-            <a:endParaRPr lang="zh-CN" altLang="en-US" dirty="0"/>
-          </a:p>
-          <a:p>
-            <a:pPr marL="285750" indent="-285750">
-              <a:buFont typeface="Arial" panose="020B0604020202020204" pitchFamily="34" charset="0"/>
-              <a:buChar char="•"/>
-            </a:pPr>
-            <a:endParaRPr lang="zh-CN" altLang="en-US" dirty="0"/>
-          </a:p>
-          <a:p>
-            <a:pPr marL="285750" indent="-285750">
-              <a:buFont typeface="Arial" panose="020B0604020202020204" pitchFamily="34" charset="0"/>
-              <a:buChar char="•"/>
-            </a:pPr>
-            <a:endParaRPr lang="zh-CN" altLang="en-US" dirty="0"/>
-          </a:p>
-          <a:p>
-            <a:pPr marL="285750" indent="-285750">
-              <a:buFont typeface="Arial" panose="020B0604020202020204" pitchFamily="34" charset="0"/>
-              <a:buChar char="•"/>
-            </a:pPr>
-            <a:endParaRPr lang="zh-CN" altLang="en-US" dirty="0"/>
-          </a:p>
-          <a:p>
-            <a:pPr marL="285750" indent="-285750">
-              <a:buFont typeface="Arial" panose="020B0604020202020204" pitchFamily="34" charset="0"/>
-              <a:buChar char="•"/>
-            </a:pPr>
-            <a:endParaRPr lang="zh-CN" altLang="en-US" dirty="0"/>
-          </a:p>
-        </p:txBody>
-      </p:sp>
-    </p:spTree>
-    <p:custDataLst>
-      <p:tags r:id="rId1"/>
-    </p:custDataLst>
-    <p:extLst>
-      <p:ext uri="{BB962C8B-B14F-4D97-AF65-F5344CB8AC3E}">
-        <p14:creationId xmlns:p14="http://schemas.microsoft.com/office/powerpoint/2010/main" val="3794217102"/>
-      </p:ext>
-    </p:extLst>
-  </p:cSld>
-  <p:clrMapOvr>
-    <a:masterClrMapping/>
-  </p:clrMapOvr>
-  <p:timing>
-    <p:tnLst>
-      <p:par>
-        <p:cTn id="1" dur="indefinite" restart="never" nodeType="tmRoot">
-          <p:childTnLst>
-            <p:seq concurrent="1" nextAc="seek">
-              <p:cTn id="2" dur="indefinite" nodeType="mainSeq">
-                <p:childTnLst>
-                  <p:par>
-                    <p:cTn id="3" fill="hold">
-                      <p:stCondLst>
-                        <p:cond delay="indefinite"/>
-                      </p:stCondLst>
-                      <p:childTnLst>
-                        <p:par>
-                          <p:cTn id="4" fill="hold">
-                            <p:stCondLst>
-                              <p:cond delay="0"/>
-                            </p:stCondLst>
-                            <p:childTnLst>
-                              <p:par>
-                                <p:cTn id="5" presetID="1" presetClass="entr" presetSubtype="0" fill="hold" grpId="0" nodeType="clickEffect">
-                                  <p:stCondLst>
-                                    <p:cond delay="0"/>
-                                  </p:stCondLst>
-                                  <p:childTnLst>
-                                    <p:set>
-                                      <p:cBhvr>
-                                        <p:cTn id="6" dur="1" fill="hold">
-                                          <p:stCondLst>
-                                            <p:cond delay="0"/>
-                                          </p:stCondLst>
-                                        </p:cTn>
-                                        <p:tgtEl>
-                                          <p:spTgt spid="6"/>
-                                        </p:tgtEl>
-                                        <p:attrNameLst>
-                                          <p:attrName>style.visibility</p:attrName>
-                                        </p:attrNameLst>
-                                      </p:cBhvr>
-                                      <p:to>
-                                        <p:strVal val="visible"/>
-                                      </p:to>
-                                    </p:set>
-                                  </p:childTnLst>
-                                </p:cTn>
-                              </p:par>
-                            </p:childTnLst>
-                          </p:cTn>
-                        </p:par>
-                      </p:childTnLst>
-                    </p:cTn>
-                  </p:par>
-                </p:childTnLst>
-              </p:cTn>
-              <p:prevCondLst>
-                <p:cond evt="onPrev" delay="0">
-                  <p:tgtEl>
-                    <p:sldTgt/>
-                  </p:tgtEl>
-                </p:cond>
-              </p:prevCondLst>
-              <p:nextCondLst>
-                <p:cond evt="onNext" delay="0">
-                  <p:tgtEl>
-                    <p:sldTgt/>
-                  </p:tgtEl>
-                </p:cond>
-              </p:nextCondLst>
-            </p:seq>
-          </p:childTnLst>
-        </p:cTn>
-      </p:par>
-    </p:tnLst>
-    <p:bldLst>
-      <p:bldP spid="6" grpId="0"/>
-    </p:bldLst>
-  </p:timing>
-</p:sld>
-</file>
-
-<file path=ppt/slides/slide15.xml><?xml version="1.0" encoding="utf-8"?>
-<p:sld xmlns:a="http://schemas.openxmlformats.org/drawingml/2006/main" xmlns:r="http://schemas.openxmlformats.org/officeDocument/2006/relationships" xmlns:p="http://schemas.openxmlformats.org/presentationml/2006/main">
-  <p:cSld>
-    <p:spTree>
-      <p:nvGrpSpPr>
-        <p:cNvPr id="1" name=""/>
-        <p:cNvGrpSpPr/>
-        <p:nvPr/>
-      </p:nvGrpSpPr>
-      <p:grpSpPr>
-        <a:xfrm>
-          <a:off x="0" y="0"/>
-          <a:ext cx="0" cy="0"/>
-          <a:chOff x="0" y="0"/>
-          <a:chExt cx="0" cy="0"/>
-        </a:xfrm>
-      </p:grpSpPr>
-      <p:sp>
-        <p:nvSpPr>
-          <p:cNvPr id="3" name="标题 2"/>
-          <p:cNvSpPr>
-            <a:spLocks noGrp="1"/>
-          </p:cNvSpPr>
-          <p:nvPr>
-            <p:ph type="title"/>
-          </p:nvPr>
-        </p:nvSpPr>
-        <p:spPr/>
-        <p:txBody>
-          <a:bodyPr/>
-          <a:lstStyle/>
-          <a:p>
-            <a:r>
-              <a:rPr lang="zh-CN" altLang="en-US" dirty="0">
-                <a:sym typeface="+mn-ea"/>
-              </a:rPr>
-              <a:t>任务：识别手写数字使用交叉熵损失函数	</a:t>
-            </a:r>
-            <a:endParaRPr lang="en-US" altLang="zh-CN" dirty="0"/>
-          </a:p>
-        </p:txBody>
-      </p:sp>
-      <p:sp>
-        <p:nvSpPr>
-          <p:cNvPr id="6" name="文本占位符 1">
-            <a:extLst>
-              <a:ext uri="{FF2B5EF4-FFF2-40B4-BE49-F238E27FC236}">
-                <a16:creationId xmlns:a16="http://schemas.microsoft.com/office/drawing/2014/main" id="{BA88068A-4FDC-6963-46A5-ADEC46CDA15E}"/>
-              </a:ext>
-            </a:extLst>
-          </p:cNvPr>
-          <p:cNvSpPr txBox="1">
-            <a:spLocks/>
-          </p:cNvSpPr>
-          <p:nvPr/>
-        </p:nvSpPr>
-        <p:spPr>
-          <a:xfrm>
-            <a:off x="822325" y="1778635"/>
-            <a:ext cx="10852150" cy="4553585"/>
-          </a:xfrm>
-        </p:spPr>
-        <p:txBody>
-          <a:bodyPr lIns="101600" tIns="38100" rIns="76200" bIns="38100">
-            <a:noAutofit/>
-          </a:bodyPr>
-          <a:lstStyle>
-            <a:lvl1pPr marL="0" indent="0" algn="l" defTabSz="914400" rtl="0" eaLnBrk="1" fontAlgn="auto" latinLnBrk="0" hangingPunct="1">
-              <a:lnSpc>
-                <a:spcPct val="130000"/>
-              </a:lnSpc>
-              <a:spcBef>
-                <a:spcPts val="0"/>
-              </a:spcBef>
-              <a:spcAft>
-                <a:spcPts val="1000"/>
-              </a:spcAft>
-              <a:buFont typeface="Arial" panose="020B0604020202020204" pitchFamily="34" charset="0"/>
-              <a:buNone/>
-              <a:defRPr kumimoji="0" lang="zh-CN" altLang="en-US" sz="1600" b="0" i="0" u="none" strike="noStrike" kern="1200" cap="none" spc="150" normalizeH="0" baseline="0" noProof="1">
-                <a:solidFill>
-                  <a:schemeClr val="tx1"/>
-                </a:solidFill>
-                <a:uFillTx/>
-                <a:latin typeface="+mn-lt"/>
-                <a:ea typeface="+mn-ea"/>
-                <a:cs typeface="+mn-cs"/>
-                <a:sym typeface="+mn-ea"/>
-              </a:defRPr>
-            </a:lvl1pPr>
-            <a:lvl2pPr marL="457200" indent="0" algn="l" defTabSz="914400" rtl="0" eaLnBrk="1" fontAlgn="auto" latinLnBrk="0" hangingPunct="1">
-              <a:lnSpc>
-                <a:spcPct val="130000"/>
-              </a:lnSpc>
-              <a:spcBef>
-                <a:spcPts val="0"/>
-              </a:spcBef>
-              <a:spcAft>
-                <a:spcPts val="1000"/>
-              </a:spcAft>
-              <a:buFont typeface="Arial" panose="020B0604020202020204" pitchFamily="34" charset="0"/>
-              <a:buNone/>
-              <a:tabLst>
-                <a:tab pos="1609725" algn="l"/>
-              </a:tabLst>
-              <a:defRPr sz="2000" u="none" strike="noStrike" kern="1200" cap="none" spc="150" normalizeH="0" baseline="0">
-                <a:solidFill>
-                  <a:schemeClr val="tx1">
-                    <a:tint val="75000"/>
-                  </a:schemeClr>
-                </a:solidFill>
-                <a:uFillTx/>
-                <a:latin typeface="+mn-lt"/>
-                <a:ea typeface="+mn-ea"/>
-                <a:cs typeface="+mn-cs"/>
-              </a:defRPr>
-            </a:lvl2pPr>
-            <a:lvl3pPr marL="914400" indent="0" algn="l" defTabSz="914400" rtl="0" eaLnBrk="1" fontAlgn="auto" latinLnBrk="0" hangingPunct="1">
-              <a:lnSpc>
-                <a:spcPct val="130000"/>
-              </a:lnSpc>
-              <a:spcBef>
-                <a:spcPts val="0"/>
-              </a:spcBef>
-              <a:spcAft>
-                <a:spcPts val="1000"/>
-              </a:spcAft>
-              <a:buFont typeface="Arial" panose="020B0604020202020204" pitchFamily="34" charset="0"/>
-              <a:buNone/>
-              <a:defRPr sz="1800" u="none" strike="noStrike" kern="1200" cap="none" spc="150" normalizeH="0" baseline="0">
-                <a:solidFill>
-                  <a:schemeClr val="tx1">
-                    <a:tint val="75000"/>
-                  </a:schemeClr>
-                </a:solidFill>
-                <a:uFillTx/>
-                <a:latin typeface="+mn-lt"/>
-                <a:ea typeface="+mn-ea"/>
-                <a:cs typeface="+mn-cs"/>
-              </a:defRPr>
-            </a:lvl3pPr>
-            <a:lvl4pPr marL="1371600" indent="0" algn="l" defTabSz="914400" rtl="0" eaLnBrk="1" fontAlgn="auto" latinLnBrk="0" hangingPunct="1">
-              <a:lnSpc>
-                <a:spcPct val="130000"/>
-              </a:lnSpc>
-              <a:spcBef>
-                <a:spcPts val="0"/>
-              </a:spcBef>
-              <a:spcAft>
-                <a:spcPts val="1000"/>
-              </a:spcAft>
-              <a:buFont typeface="Arial" panose="020B0604020202020204" pitchFamily="34" charset="0"/>
-              <a:buNone/>
-              <a:defRPr sz="1600" u="none" strike="noStrike" kern="1200" cap="none" spc="150" normalizeH="0" baseline="0">
-                <a:solidFill>
-                  <a:schemeClr val="tx1">
-                    <a:tint val="75000"/>
-                  </a:schemeClr>
-                </a:solidFill>
-                <a:uFillTx/>
-                <a:latin typeface="+mn-lt"/>
-                <a:ea typeface="+mn-ea"/>
-                <a:cs typeface="+mn-cs"/>
-              </a:defRPr>
-            </a:lvl4pPr>
-            <a:lvl5pPr marL="1828800" indent="0" algn="l" defTabSz="914400" rtl="0" eaLnBrk="1" fontAlgn="auto" latinLnBrk="0" hangingPunct="1">
-              <a:lnSpc>
-                <a:spcPct val="130000"/>
-              </a:lnSpc>
-              <a:spcBef>
-                <a:spcPts val="0"/>
-              </a:spcBef>
-              <a:spcAft>
-                <a:spcPts val="1000"/>
-              </a:spcAft>
-              <a:buFont typeface="Arial" panose="020B0604020202020204" pitchFamily="34" charset="0"/>
-              <a:buNone/>
-              <a:defRPr sz="1600" u="none" strike="noStrike" kern="1200" cap="none" spc="150" normalizeH="0" baseline="0">
-                <a:solidFill>
-                  <a:schemeClr val="tx1">
-                    <a:tint val="75000"/>
-                  </a:schemeClr>
-                </a:solidFill>
-                <a:uFillTx/>
-                <a:latin typeface="+mn-lt"/>
-                <a:ea typeface="+mn-ea"/>
-                <a:cs typeface="+mn-cs"/>
-              </a:defRPr>
-            </a:lvl5pPr>
-            <a:lvl6pPr marL="2286000" indent="0" algn="l" defTabSz="914400" rtl="0" eaLnBrk="1" latinLnBrk="0" hangingPunct="1">
-              <a:lnSpc>
-                <a:spcPct val="90000"/>
-              </a:lnSpc>
-              <a:spcBef>
-                <a:spcPts val="500"/>
-              </a:spcBef>
-              <a:buFont typeface="Arial" panose="020B0604020202020204" pitchFamily="34" charset="0"/>
-              <a:buNone/>
-              <a:defRPr sz="1600" kern="1200">
-                <a:solidFill>
-                  <a:schemeClr val="tx1">
-                    <a:tint val="75000"/>
-                  </a:schemeClr>
-                </a:solidFill>
-                <a:latin typeface="+mn-lt"/>
-                <a:ea typeface="+mn-ea"/>
-                <a:cs typeface="+mn-cs"/>
-              </a:defRPr>
-            </a:lvl6pPr>
-            <a:lvl7pPr marL="2743200" indent="0" algn="l" defTabSz="914400" rtl="0" eaLnBrk="1" latinLnBrk="0" hangingPunct="1">
-              <a:lnSpc>
-                <a:spcPct val="90000"/>
-              </a:lnSpc>
-              <a:spcBef>
-                <a:spcPts val="500"/>
-              </a:spcBef>
-              <a:buFont typeface="Arial" panose="020B0604020202020204" pitchFamily="34" charset="0"/>
-              <a:buNone/>
-              <a:defRPr sz="1600" kern="1200">
-                <a:solidFill>
-                  <a:schemeClr val="tx1">
-                    <a:tint val="75000"/>
-                  </a:schemeClr>
-                </a:solidFill>
-                <a:latin typeface="+mn-lt"/>
-                <a:ea typeface="+mn-ea"/>
-                <a:cs typeface="+mn-cs"/>
-              </a:defRPr>
-            </a:lvl7pPr>
-            <a:lvl8pPr marL="3200400" indent="0" algn="l" defTabSz="914400" rtl="0" eaLnBrk="1" latinLnBrk="0" hangingPunct="1">
-              <a:lnSpc>
-                <a:spcPct val="90000"/>
-              </a:lnSpc>
-              <a:spcBef>
-                <a:spcPts val="500"/>
-              </a:spcBef>
-              <a:buFont typeface="Arial" panose="020B0604020202020204" pitchFamily="34" charset="0"/>
-              <a:buNone/>
-              <a:defRPr sz="1600" kern="1200">
-                <a:solidFill>
-                  <a:schemeClr val="tx1">
-                    <a:tint val="75000"/>
-                  </a:schemeClr>
-                </a:solidFill>
-                <a:latin typeface="+mn-lt"/>
-                <a:ea typeface="+mn-ea"/>
-                <a:cs typeface="+mn-cs"/>
-              </a:defRPr>
-            </a:lvl8pPr>
-            <a:lvl9pPr marL="3657600" indent="0" algn="l" defTabSz="914400" rtl="0" eaLnBrk="1" latinLnBrk="0" hangingPunct="1">
-              <a:lnSpc>
-                <a:spcPct val="90000"/>
-              </a:lnSpc>
-              <a:spcBef>
-                <a:spcPts val="500"/>
-              </a:spcBef>
-              <a:buFont typeface="Arial" panose="020B0604020202020204" pitchFamily="34" charset="0"/>
-              <a:buNone/>
-              <a:defRPr sz="1600" kern="1200">
-                <a:solidFill>
-                  <a:schemeClr val="tx1">
-                    <a:tint val="75000"/>
-                  </a:schemeClr>
-                </a:solidFill>
-                <a:latin typeface="+mn-lt"/>
-                <a:ea typeface="+mn-ea"/>
-                <a:cs typeface="+mn-cs"/>
-              </a:defRPr>
-            </a:lvl9pPr>
-          </a:lstStyle>
-          <a:p>
-            <a:pPr marL="285750" indent="-285750">
-              <a:buFont typeface="Arial" panose="020B0604020202020204" pitchFamily="34" charset="0"/>
-              <a:buChar char="•"/>
-            </a:pPr>
-            <a:r>
-              <a:rPr lang="zh-CN" altLang="en-US" dirty="0"/>
-              <a:t>请使用新的交叉熵损失函数实现代码</a:t>
-            </a:r>
-            <a:endParaRPr lang="en-US" altLang="zh-CN" dirty="0"/>
-          </a:p>
-          <a:p>
-            <a:pPr marL="285750" indent="-285750">
-              <a:buFont typeface="Arial" panose="020B0604020202020204" pitchFamily="34" charset="0"/>
-              <a:buChar char="•"/>
-            </a:pPr>
-            <a:r>
-              <a:rPr lang="zh-CN" altLang="en-US" dirty="0"/>
-              <a:t>请每个同学运行代码，与之前的代码比较，看下</a:t>
-            </a:r>
-            <a:r>
-              <a:rPr lang="en-US" altLang="zh-CN" dirty="0"/>
-              <a:t>loss</a:t>
-            </a:r>
-            <a:r>
-              <a:rPr lang="zh-CN" altLang="en-US" dirty="0"/>
-              <a:t>的训练速度是否加快？</a:t>
-            </a:r>
-            <a:endParaRPr lang="en-US" altLang="zh-CN" dirty="0"/>
-          </a:p>
-          <a:p>
-            <a:endParaRPr lang="en-US" altLang="zh-CN" dirty="0"/>
-          </a:p>
-          <a:p>
-            <a:pPr marL="285750" indent="-285750">
-              <a:buFont typeface="Arial" panose="020B0604020202020204" pitchFamily="34" charset="0"/>
-              <a:buChar char="•"/>
-            </a:pPr>
-            <a:r>
-              <a:rPr lang="zh-CN" altLang="en-US" dirty="0"/>
-              <a:t>自学、展学</a:t>
-            </a:r>
-          </a:p>
-          <a:p>
-            <a:pPr marL="285750" indent="-285750">
-              <a:buFont typeface="Arial" panose="020B0604020202020204" pitchFamily="34" charset="0"/>
-              <a:buChar char="•"/>
-            </a:pPr>
-            <a:endParaRPr lang="zh-CN" altLang="en-US" dirty="0"/>
-          </a:p>
-          <a:p>
-            <a:pPr marL="285750" indent="-285750">
-              <a:buFont typeface="Arial" panose="020B0604020202020204" pitchFamily="34" charset="0"/>
-              <a:buChar char="•"/>
-            </a:pPr>
-            <a:endParaRPr lang="en-US" altLang="zh-CN" dirty="0"/>
-          </a:p>
-          <a:p>
-            <a:pPr marL="285750" indent="-285750">
-              <a:buFont typeface="Arial" panose="020B0604020202020204" pitchFamily="34" charset="0"/>
-              <a:buChar char="•"/>
-            </a:pPr>
-            <a:endParaRPr lang="zh-CN" altLang="en-US" dirty="0"/>
-          </a:p>
-          <a:p>
-            <a:pPr marL="285750" indent="-285750">
-              <a:buFont typeface="Arial" panose="020B0604020202020204" pitchFamily="34" charset="0"/>
-              <a:buChar char="•"/>
-            </a:pPr>
-            <a:endParaRPr lang="zh-CN" altLang="en-US" dirty="0"/>
-          </a:p>
-          <a:p>
-            <a:endParaRPr lang="zh-CN" altLang="en-US" dirty="0"/>
-          </a:p>
-        </p:txBody>
-      </p:sp>
-    </p:spTree>
-    <p:custDataLst>
-      <p:tags r:id="rId1"/>
-    </p:custDataLst>
-    <p:extLst>
-      <p:ext uri="{BB962C8B-B14F-4D97-AF65-F5344CB8AC3E}">
-        <p14:creationId xmlns:p14="http://schemas.microsoft.com/office/powerpoint/2010/main" val="722688410"/>
-      </p:ext>
-    </p:extLst>
-  </p:cSld>
-  <p:clrMapOvr>
-    <a:masterClrMapping/>
-  </p:clrMapOvr>
-  <p:timing>
-    <p:tnLst>
-      <p:par>
-        <p:cTn id="1" dur="indefinite" restart="never" nodeType="tmRoot">
-          <p:childTnLst>
-            <p:seq concurrent="1" nextAc="seek">
-              <p:cTn id="2" dur="indefinite" nodeType="mainSeq">
-                <p:childTnLst>
-                  <p:par>
-                    <p:cTn id="3" fill="hold">
-                      <p:stCondLst>
-                        <p:cond delay="indefinite"/>
-                      </p:stCondLst>
-                      <p:childTnLst>
-                        <p:par>
-                          <p:cTn id="4" fill="hold">
-                            <p:stCondLst>
-                              <p:cond delay="0"/>
-                            </p:stCondLst>
-                            <p:childTnLst>
-                              <p:par>
-                                <p:cTn id="5" presetID="1" presetClass="entr" presetSubtype="0" fill="hold" grpId="0" nodeType="clickEffect">
-                                  <p:stCondLst>
-                                    <p:cond delay="0"/>
-                                  </p:stCondLst>
-                                  <p:childTnLst>
-                                    <p:set>
-                                      <p:cBhvr>
-                                        <p:cTn id="6" dur="1" fill="hold">
-                                          <p:stCondLst>
-                                            <p:cond delay="0"/>
-                                          </p:stCondLst>
-                                        </p:cTn>
-                                        <p:tgtEl>
-                                          <p:spTgt spid="6"/>
-                                        </p:tgtEl>
-                                        <p:attrNameLst>
-                                          <p:attrName>style.visibility</p:attrName>
-                                        </p:attrNameLst>
-                                      </p:cBhvr>
-                                      <p:to>
-                                        <p:strVal val="visible"/>
-                                      </p:to>
-                                    </p:set>
-                                  </p:childTnLst>
-                                </p:cTn>
-                              </p:par>
-                            </p:childTnLst>
-                          </p:cTn>
-                        </p:par>
-                      </p:childTnLst>
-                    </p:cTn>
-                  </p:par>
-                </p:childTnLst>
-              </p:cTn>
-              <p:prevCondLst>
-                <p:cond evt="onPrev" delay="0">
-                  <p:tgtEl>
-                    <p:sldTgt/>
-                  </p:tgtEl>
-                </p:cond>
-              </p:prevCondLst>
-              <p:nextCondLst>
-                <p:cond evt="onNext" delay="0">
-                  <p:tgtEl>
-                    <p:sldTgt/>
-                  </p:tgtEl>
-                </p:cond>
-              </p:nextCondLst>
-            </p:seq>
-          </p:childTnLst>
-        </p:cTn>
-      </p:par>
-    </p:tnLst>
-    <p:bldLst>
-      <p:bldP spid="6" grpId="0"/>
-    </p:bldLst>
-  </p:timing>
-</p:sld>
-</file>
-
-<file path=ppt/slides/slide16.xml><?xml version="1.0" encoding="utf-8"?>
-<p:sld xmlns:a="http://schemas.openxmlformats.org/drawingml/2006/main" xmlns:r="http://schemas.openxmlformats.org/officeDocument/2006/relationships" xmlns:p="http://schemas.openxmlformats.org/presentationml/2006/main">
-  <p:cSld>
-    <p:spTree>
-      <p:nvGrpSpPr>
-        <p:cNvPr id="1" name=""/>
-        <p:cNvGrpSpPr/>
-        <p:nvPr/>
-      </p:nvGrpSpPr>
-      <p:grpSpPr>
-        <a:xfrm>
-          <a:off x="0" y="0"/>
-          <a:ext cx="0" cy="0"/>
-          <a:chOff x="0" y="0"/>
-          <a:chExt cx="0" cy="0"/>
-        </a:xfrm>
-      </p:grpSpPr>
-      <p:sp>
-        <p:nvSpPr>
-          <p:cNvPr id="3" name="标题 2"/>
-          <p:cNvSpPr>
-            <a:spLocks noGrp="1"/>
-          </p:cNvSpPr>
-          <p:nvPr>
-            <p:ph type="title"/>
-          </p:nvPr>
-        </p:nvSpPr>
-        <p:spPr/>
-        <p:txBody>
-          <a:bodyPr/>
-          <a:lstStyle/>
-          <a:p>
-            <a:r>
-              <a:rPr lang="zh-CN" altLang="en-US" dirty="0">
-                <a:sym typeface="+mn-ea"/>
-              </a:rPr>
-              <a:t>主问题：	如何加快多</a:t>
-            </a:r>
-            <a:r>
-              <a:rPr lang="zh-CN" altLang="en-US" dirty="0"/>
-              <a:t>分类的训练速度？</a:t>
-            </a:r>
-            <a:endParaRPr dirty="0">
-              <a:sym typeface="+mn-ea"/>
-            </a:endParaRPr>
-          </a:p>
-        </p:txBody>
-      </p:sp>
-      <p:sp>
-        <p:nvSpPr>
-          <p:cNvPr id="6" name="文本占位符 1">
-            <a:extLst>
-              <a:ext uri="{FF2B5EF4-FFF2-40B4-BE49-F238E27FC236}">
-                <a16:creationId xmlns:a16="http://schemas.microsoft.com/office/drawing/2014/main" id="{BA88068A-4FDC-6963-46A5-ADEC46CDA15E}"/>
-              </a:ext>
-            </a:extLst>
-          </p:cNvPr>
-          <p:cNvSpPr txBox="1">
-            <a:spLocks/>
-          </p:cNvSpPr>
-          <p:nvPr/>
-        </p:nvSpPr>
-        <p:spPr>
-          <a:xfrm>
-            <a:off x="822325" y="1778635"/>
-            <a:ext cx="10852150" cy="4553585"/>
-          </a:xfrm>
-        </p:spPr>
-        <p:txBody>
-          <a:bodyPr lIns="101600" tIns="38100" rIns="76200" bIns="38100">
-            <a:noAutofit/>
-          </a:bodyPr>
-          <a:lstStyle>
-            <a:lvl1pPr marL="0" indent="0" algn="l" defTabSz="914400" rtl="0" eaLnBrk="1" fontAlgn="auto" latinLnBrk="0" hangingPunct="1">
-              <a:lnSpc>
-                <a:spcPct val="130000"/>
-              </a:lnSpc>
-              <a:spcBef>
-                <a:spcPts val="0"/>
-              </a:spcBef>
-              <a:spcAft>
-                <a:spcPts val="1000"/>
-              </a:spcAft>
-              <a:buFont typeface="Arial" panose="020B0604020202020204" pitchFamily="34" charset="0"/>
-              <a:buNone/>
-              <a:defRPr kumimoji="0" lang="zh-CN" altLang="en-US" sz="1600" b="0" i="0" u="none" strike="noStrike" kern="1200" cap="none" spc="150" normalizeH="0" baseline="0" noProof="1">
-                <a:solidFill>
-                  <a:schemeClr val="tx1"/>
-                </a:solidFill>
-                <a:uFillTx/>
-                <a:latin typeface="+mn-lt"/>
-                <a:ea typeface="+mn-ea"/>
-                <a:cs typeface="+mn-cs"/>
-                <a:sym typeface="+mn-ea"/>
-              </a:defRPr>
-            </a:lvl1pPr>
-            <a:lvl2pPr marL="457200" indent="0" algn="l" defTabSz="914400" rtl="0" eaLnBrk="1" fontAlgn="auto" latinLnBrk="0" hangingPunct="1">
-              <a:lnSpc>
-                <a:spcPct val="130000"/>
-              </a:lnSpc>
-              <a:spcBef>
-                <a:spcPts val="0"/>
-              </a:spcBef>
-              <a:spcAft>
-                <a:spcPts val="1000"/>
-              </a:spcAft>
-              <a:buFont typeface="Arial" panose="020B0604020202020204" pitchFamily="34" charset="0"/>
-              <a:buNone/>
-              <a:tabLst>
-                <a:tab pos="1609725" algn="l"/>
-              </a:tabLst>
-              <a:defRPr sz="2000" u="none" strike="noStrike" kern="1200" cap="none" spc="150" normalizeH="0" baseline="0">
-                <a:solidFill>
-                  <a:schemeClr val="tx1">
-                    <a:tint val="75000"/>
-                  </a:schemeClr>
-                </a:solidFill>
-                <a:uFillTx/>
-                <a:latin typeface="+mn-lt"/>
-                <a:ea typeface="+mn-ea"/>
-                <a:cs typeface="+mn-cs"/>
-              </a:defRPr>
-            </a:lvl2pPr>
-            <a:lvl3pPr marL="914400" indent="0" algn="l" defTabSz="914400" rtl="0" eaLnBrk="1" fontAlgn="auto" latinLnBrk="0" hangingPunct="1">
-              <a:lnSpc>
-                <a:spcPct val="130000"/>
-              </a:lnSpc>
-              <a:spcBef>
-                <a:spcPts val="0"/>
-              </a:spcBef>
-              <a:spcAft>
-                <a:spcPts val="1000"/>
-              </a:spcAft>
-              <a:buFont typeface="Arial" panose="020B0604020202020204" pitchFamily="34" charset="0"/>
-              <a:buNone/>
-              <a:defRPr sz="1800" u="none" strike="noStrike" kern="1200" cap="none" spc="150" normalizeH="0" baseline="0">
-                <a:solidFill>
-                  <a:schemeClr val="tx1">
-                    <a:tint val="75000"/>
-                  </a:schemeClr>
-                </a:solidFill>
-                <a:uFillTx/>
-                <a:latin typeface="+mn-lt"/>
-                <a:ea typeface="+mn-ea"/>
-                <a:cs typeface="+mn-cs"/>
-              </a:defRPr>
-            </a:lvl3pPr>
-            <a:lvl4pPr marL="1371600" indent="0" algn="l" defTabSz="914400" rtl="0" eaLnBrk="1" fontAlgn="auto" latinLnBrk="0" hangingPunct="1">
-              <a:lnSpc>
-                <a:spcPct val="130000"/>
-              </a:lnSpc>
-              <a:spcBef>
-                <a:spcPts val="0"/>
-              </a:spcBef>
-              <a:spcAft>
-                <a:spcPts val="1000"/>
-              </a:spcAft>
-              <a:buFont typeface="Arial" panose="020B0604020202020204" pitchFamily="34" charset="0"/>
-              <a:buNone/>
-              <a:defRPr sz="1600" u="none" strike="noStrike" kern="1200" cap="none" spc="150" normalizeH="0" baseline="0">
-                <a:solidFill>
-                  <a:schemeClr val="tx1">
-                    <a:tint val="75000"/>
-                  </a:schemeClr>
-                </a:solidFill>
-                <a:uFillTx/>
-                <a:latin typeface="+mn-lt"/>
-                <a:ea typeface="+mn-ea"/>
-                <a:cs typeface="+mn-cs"/>
-              </a:defRPr>
-            </a:lvl4pPr>
-            <a:lvl5pPr marL="1828800" indent="0" algn="l" defTabSz="914400" rtl="0" eaLnBrk="1" fontAlgn="auto" latinLnBrk="0" hangingPunct="1">
-              <a:lnSpc>
-                <a:spcPct val="130000"/>
-              </a:lnSpc>
-              <a:spcBef>
-                <a:spcPts val="0"/>
-              </a:spcBef>
-              <a:spcAft>
-                <a:spcPts val="1000"/>
-              </a:spcAft>
-              <a:buFont typeface="Arial" panose="020B0604020202020204" pitchFamily="34" charset="0"/>
-              <a:buNone/>
-              <a:defRPr sz="1600" u="none" strike="noStrike" kern="1200" cap="none" spc="150" normalizeH="0" baseline="0">
-                <a:solidFill>
-                  <a:schemeClr val="tx1">
-                    <a:tint val="75000"/>
-                  </a:schemeClr>
-                </a:solidFill>
-                <a:uFillTx/>
-                <a:latin typeface="+mn-lt"/>
-                <a:ea typeface="+mn-ea"/>
-                <a:cs typeface="+mn-cs"/>
-              </a:defRPr>
-            </a:lvl5pPr>
-            <a:lvl6pPr marL="2286000" indent="0" algn="l" defTabSz="914400" rtl="0" eaLnBrk="1" latinLnBrk="0" hangingPunct="1">
-              <a:lnSpc>
-                <a:spcPct val="90000"/>
-              </a:lnSpc>
-              <a:spcBef>
-                <a:spcPts val="500"/>
-              </a:spcBef>
-              <a:buFont typeface="Arial" panose="020B0604020202020204" pitchFamily="34" charset="0"/>
-              <a:buNone/>
-              <a:defRPr sz="1600" kern="1200">
-                <a:solidFill>
-                  <a:schemeClr val="tx1">
-                    <a:tint val="75000"/>
-                  </a:schemeClr>
-                </a:solidFill>
-                <a:latin typeface="+mn-lt"/>
-                <a:ea typeface="+mn-ea"/>
-                <a:cs typeface="+mn-cs"/>
-              </a:defRPr>
-            </a:lvl6pPr>
-            <a:lvl7pPr marL="2743200" indent="0" algn="l" defTabSz="914400" rtl="0" eaLnBrk="1" latinLnBrk="0" hangingPunct="1">
-              <a:lnSpc>
-                <a:spcPct val="90000"/>
-              </a:lnSpc>
-              <a:spcBef>
-                <a:spcPts val="500"/>
-              </a:spcBef>
-              <a:buFont typeface="Arial" panose="020B0604020202020204" pitchFamily="34" charset="0"/>
-              <a:buNone/>
-              <a:defRPr sz="1600" kern="1200">
-                <a:solidFill>
-                  <a:schemeClr val="tx1">
-                    <a:tint val="75000"/>
-                  </a:schemeClr>
-                </a:solidFill>
-                <a:latin typeface="+mn-lt"/>
-                <a:ea typeface="+mn-ea"/>
-                <a:cs typeface="+mn-cs"/>
-              </a:defRPr>
-            </a:lvl7pPr>
-            <a:lvl8pPr marL="3200400" indent="0" algn="l" defTabSz="914400" rtl="0" eaLnBrk="1" latinLnBrk="0" hangingPunct="1">
-              <a:lnSpc>
-                <a:spcPct val="90000"/>
-              </a:lnSpc>
-              <a:spcBef>
-                <a:spcPts val="500"/>
-              </a:spcBef>
-              <a:buFont typeface="Arial" panose="020B0604020202020204" pitchFamily="34" charset="0"/>
-              <a:buNone/>
-              <a:defRPr sz="1600" kern="1200">
-                <a:solidFill>
-                  <a:schemeClr val="tx1">
-                    <a:tint val="75000"/>
-                  </a:schemeClr>
-                </a:solidFill>
-                <a:latin typeface="+mn-lt"/>
-                <a:ea typeface="+mn-ea"/>
-                <a:cs typeface="+mn-cs"/>
-              </a:defRPr>
-            </a:lvl8pPr>
-            <a:lvl9pPr marL="3657600" indent="0" algn="l" defTabSz="914400" rtl="0" eaLnBrk="1" latinLnBrk="0" hangingPunct="1">
-              <a:lnSpc>
-                <a:spcPct val="90000"/>
-              </a:lnSpc>
-              <a:spcBef>
-                <a:spcPts val="500"/>
-              </a:spcBef>
-              <a:buFont typeface="Arial" panose="020B0604020202020204" pitchFamily="34" charset="0"/>
-              <a:buNone/>
-              <a:defRPr sz="1600" kern="1200">
-                <a:solidFill>
-                  <a:schemeClr val="tx1">
-                    <a:tint val="75000"/>
-                  </a:schemeClr>
-                </a:solidFill>
-                <a:latin typeface="+mn-lt"/>
-                <a:ea typeface="+mn-ea"/>
-                <a:cs typeface="+mn-cs"/>
-              </a:defRPr>
-            </a:lvl9pPr>
-          </a:lstStyle>
-          <a:p>
-            <a:pPr marL="285750" indent="-285750">
-              <a:buFont typeface="Arial" panose="020B0604020202020204" pitchFamily="34" charset="0"/>
-              <a:buChar char="•"/>
-            </a:pPr>
-            <a:r>
-              <a:rPr lang="zh-CN" altLang="en-US" dirty="0"/>
-              <a:t>我们发现“识别手写数字“使用交叉熵损失函数后，训练速度反而变慢了，为什么？</a:t>
-            </a:r>
-            <a:endParaRPr lang="en-US" altLang="zh-CN" dirty="0"/>
-          </a:p>
-          <a:p>
-            <a:pPr marL="285750" indent="-285750">
-              <a:buFont typeface="Arial" panose="020B0604020202020204" pitchFamily="34" charset="0"/>
-              <a:buChar char="•"/>
-            </a:pPr>
-            <a:endParaRPr lang="en-US" altLang="zh-CN" dirty="0"/>
-          </a:p>
-          <a:p>
             <a:endParaRPr lang="en-US" altLang="zh-CN" dirty="0"/>
           </a:p>
           <a:p>
@@ -9288,10 +8388,10 @@
       </p:sp>
       <p:pic>
         <p:nvPicPr>
-          <p:cNvPr id="4" name="图片 3">
+          <p:cNvPr id="2" name="图片 1">
             <a:extLst>
               <a:ext uri="{FF2B5EF4-FFF2-40B4-BE49-F238E27FC236}">
-                <a16:creationId xmlns:a16="http://schemas.microsoft.com/office/drawing/2014/main" id="{DA9A95A2-654F-69BE-D86D-77F7524B8C8B}"/>
+                <a16:creationId xmlns:a16="http://schemas.microsoft.com/office/drawing/2014/main" id="{B87E7FC2-A0DD-3B00-1944-360F67FB1FE3}"/>
               </a:ext>
             </a:extLst>
           </p:cNvPr>
@@ -9314,7 +8414,7 @@
         </p:blipFill>
         <p:spPr>
           <a:xfrm>
-            <a:off x="5573975" y="2456333"/>
+            <a:off x="7724819" y="1933544"/>
             <a:ext cx="3797300" cy="2146300"/>
           </a:xfrm>
           <a:prstGeom prst="rect">
@@ -9326,10 +8426,10 @@
         <mc:Choice xmlns:a14="http://schemas.microsoft.com/office/drawing/2010/main" Requires="a14">
           <p:sp>
             <p:nvSpPr>
-              <p:cNvPr id="5" name="文本框 4">
+              <p:cNvPr id="4" name="文本框 3">
                 <a:extLst>
                   <a:ext uri="{FF2B5EF4-FFF2-40B4-BE49-F238E27FC236}">
-                    <a16:creationId xmlns:a16="http://schemas.microsoft.com/office/drawing/2014/main" id="{4A8BDA47-593C-9B1E-4EF2-4EEA29083E4A}"/>
+                    <a16:creationId xmlns:a16="http://schemas.microsoft.com/office/drawing/2014/main" id="{5E778358-F638-2004-B96B-7B4A36E04CC5}"/>
                   </a:ext>
                 </a:extLst>
               </p:cNvPr>
@@ -9338,7 +8438,7 @@
             </p:nvSpPr>
             <p:spPr>
               <a:xfrm>
-                <a:off x="1326383" y="4602633"/>
+                <a:off x="1537398" y="4568929"/>
                 <a:ext cx="8881310" cy="1640962"/>
               </a:xfrm>
               <a:prstGeom prst="rect">
@@ -9507,10 +8607,10 @@
         <mc:Fallback>
           <p:sp>
             <p:nvSpPr>
-              <p:cNvPr id="5" name="文本框 4">
+              <p:cNvPr id="4" name="文本框 3">
                 <a:extLst>
                   <a:ext uri="{FF2B5EF4-FFF2-40B4-BE49-F238E27FC236}">
-                    <a16:creationId xmlns:a16="http://schemas.microsoft.com/office/drawing/2014/main" id="{4A8BDA47-593C-9B1E-4EF2-4EEA29083E4A}"/>
+                    <a16:creationId xmlns:a16="http://schemas.microsoft.com/office/drawing/2014/main" id="{5E778358-F638-2004-B96B-7B4A36E04CC5}"/>
                   </a:ext>
                 </a:extLst>
               </p:cNvPr>
@@ -9521,7 +8621,7 @@
             </p:nvSpPr>
             <p:spPr>
               <a:xfrm>
-                <a:off x="1326383" y="4602633"/>
+                <a:off x="1537398" y="4568929"/>
                 <a:ext cx="8881310" cy="1640962"/>
               </a:xfrm>
               <a:prstGeom prst="rect">
@@ -9530,7 +8630,7 @@
               <a:blipFill>
                 <a:blip r:embed="rId4"/>
                 <a:stretch>
-                  <a:fillRect l="-571" t="-1538" b="-5385"/>
+                  <a:fillRect l="-428" t="-1527" b="-4580"/>
                 </a:stretch>
               </a:blipFill>
             </p:spPr>
@@ -9555,7 +8655,7 @@
     </p:custDataLst>
     <p:extLst>
       <p:ext uri="{BB962C8B-B14F-4D97-AF65-F5344CB8AC3E}">
-        <p14:creationId xmlns:p14="http://schemas.microsoft.com/office/powerpoint/2010/main" val="2626747040"/>
+        <p14:creationId xmlns:p14="http://schemas.microsoft.com/office/powerpoint/2010/main" val="3794217102"/>
       </p:ext>
     </p:extLst>
   </p:cSld>
@@ -9643,7 +8743,7 @@
 </p:sld>
 </file>
 
-<file path=ppt/slides/slide17.xml><?xml version="1.0" encoding="utf-8"?>
+<file path=ppt/slides/slide15.xml><?xml version="1.0" encoding="utf-8"?>
 <p:sld xmlns:a="http://schemas.openxmlformats.org/drawingml/2006/main" xmlns:r="http://schemas.openxmlformats.org/officeDocument/2006/relationships" xmlns:p="http://schemas.openxmlformats.org/presentationml/2006/main">
   <p:cSld>
     <p:spTree>
@@ -10279,7 +9379,7 @@
 </p:sld>
 </file>
 
-<file path=ppt/slides/slide18.xml><?xml version="1.0" encoding="utf-8"?>
+<file path=ppt/slides/slide16.xml><?xml version="1.0" encoding="utf-8"?>
 <p:sld xmlns:a="http://schemas.openxmlformats.org/drawingml/2006/main" xmlns:r="http://schemas.openxmlformats.org/officeDocument/2006/relationships" xmlns:p="http://schemas.openxmlformats.org/presentationml/2006/main">
   <p:cSld>
     <p:spTree>
@@ -10892,7 +9992,7 @@
 </p:sld>
 </file>
 
-<file path=ppt/slides/slide19.xml><?xml version="1.0" encoding="utf-8"?>
+<file path=ppt/slides/slide17.xml><?xml version="1.0" encoding="utf-8"?>
 <p:sld xmlns:a="http://schemas.openxmlformats.org/drawingml/2006/main" xmlns:r="http://schemas.openxmlformats.org/officeDocument/2006/relationships" xmlns:p="http://schemas.openxmlformats.org/presentationml/2006/main">
   <p:cSld>
     <p:spTree>
@@ -11657,77 +10757,7 @@
 </p:sld>
 </file>
 
-<file path=ppt/slides/slide2.xml><?xml version="1.0" encoding="utf-8"?>
-<p:sld xmlns:a="http://schemas.openxmlformats.org/drawingml/2006/main" xmlns:r="http://schemas.openxmlformats.org/officeDocument/2006/relationships" xmlns:p="http://schemas.openxmlformats.org/presentationml/2006/main">
-  <p:cSld>
-    <p:spTree>
-      <p:nvGrpSpPr>
-        <p:cNvPr id="1" name=""/>
-        <p:cNvGrpSpPr/>
-        <p:nvPr/>
-      </p:nvGrpSpPr>
-      <p:grpSpPr>
-        <a:xfrm>
-          <a:off x="0" y="0"/>
-          <a:ext cx="0" cy="0"/>
-          <a:chOff x="0" y="0"/>
-          <a:chExt cx="0" cy="0"/>
-        </a:xfrm>
-      </p:grpSpPr>
-      <p:sp>
-        <p:nvSpPr>
-          <p:cNvPr id="2" name="标题 1"/>
-          <p:cNvSpPr>
-            <a:spLocks noGrp="1"/>
-          </p:cNvSpPr>
-          <p:nvPr>
-            <p:ph type="title"/>
-          </p:nvPr>
-        </p:nvSpPr>
-        <p:spPr>
-          <a:xfrm>
-            <a:off x="669882" y="2108221"/>
-            <a:ext cx="10852237" cy="899167"/>
-          </a:xfrm>
-        </p:spPr>
-        <p:txBody>
-          <a:bodyPr/>
-          <a:lstStyle/>
-          <a:p>
-            <a:r>
-              <a:rPr lang="zh-CN" altLang="en-US" dirty="0"/>
-              <a:t>第六节课：</a:t>
-            </a:r>
-            <a:br>
-              <a:rPr lang="en-US" altLang="zh-CN" dirty="0"/>
-            </a:br>
-            <a:r>
-              <a:rPr lang="zh-CN" altLang="en-US" dirty="0"/>
-              <a:t>使用交叉熵损失函数和</a:t>
-            </a:r>
-            <a:r>
-              <a:rPr lang="en-US" altLang="zh-CN" dirty="0" err="1"/>
-              <a:t>Softmax</a:t>
-            </a:r>
-            <a:r>
-              <a:rPr lang="zh-CN" altLang="en-US" dirty="0"/>
-              <a:t>激活函数</a:t>
-            </a:r>
-          </a:p>
-        </p:txBody>
-      </p:sp>
-    </p:spTree>
-    <p:custDataLst>
-      <p:tags r:id="rId1"/>
-    </p:custDataLst>
-  </p:cSld>
-  <p:clrMapOvr>
-    <a:masterClrMapping/>
-  </p:clrMapOvr>
-</p:sld>
-</file>
-
-<file path=ppt/slides/slide20.xml><?xml version="1.0" encoding="utf-8"?>
+<file path=ppt/slides/slide18.xml><?xml version="1.0" encoding="utf-8"?>
 <p:sld xmlns:a="http://schemas.openxmlformats.org/drawingml/2006/main" xmlns:r="http://schemas.openxmlformats.org/officeDocument/2006/relationships" xmlns:p="http://schemas.openxmlformats.org/presentationml/2006/main">
   <p:cSld>
     <p:spTree>
@@ -11832,7 +10862,7 @@
 </p:sld>
 </file>
 
-<file path=ppt/slides/slide21.xml><?xml version="1.0" encoding="utf-8"?>
+<file path=ppt/slides/slide19.xml><?xml version="1.0" encoding="utf-8"?>
 <p:sld xmlns:a="http://schemas.openxmlformats.org/drawingml/2006/main" xmlns:r="http://schemas.openxmlformats.org/officeDocument/2006/relationships" xmlns:p="http://schemas.openxmlformats.org/presentationml/2006/main">
   <p:cSld>
     <p:spTree>
@@ -11901,7 +10931,77 @@
 </p:sld>
 </file>
 
-<file path=ppt/slides/slide22.xml><?xml version="1.0" encoding="utf-8"?>
+<file path=ppt/slides/slide2.xml><?xml version="1.0" encoding="utf-8"?>
+<p:sld xmlns:a="http://schemas.openxmlformats.org/drawingml/2006/main" xmlns:r="http://schemas.openxmlformats.org/officeDocument/2006/relationships" xmlns:p="http://schemas.openxmlformats.org/presentationml/2006/main">
+  <p:cSld>
+    <p:spTree>
+      <p:nvGrpSpPr>
+        <p:cNvPr id="1" name=""/>
+        <p:cNvGrpSpPr/>
+        <p:nvPr/>
+      </p:nvGrpSpPr>
+      <p:grpSpPr>
+        <a:xfrm>
+          <a:off x="0" y="0"/>
+          <a:ext cx="0" cy="0"/>
+          <a:chOff x="0" y="0"/>
+          <a:chExt cx="0" cy="0"/>
+        </a:xfrm>
+      </p:grpSpPr>
+      <p:sp>
+        <p:nvSpPr>
+          <p:cNvPr id="2" name="标题 1"/>
+          <p:cNvSpPr>
+            <a:spLocks noGrp="1"/>
+          </p:cNvSpPr>
+          <p:nvPr>
+            <p:ph type="title"/>
+          </p:nvPr>
+        </p:nvSpPr>
+        <p:spPr>
+          <a:xfrm>
+            <a:off x="669882" y="2108221"/>
+            <a:ext cx="10852237" cy="899167"/>
+          </a:xfrm>
+        </p:spPr>
+        <p:txBody>
+          <a:bodyPr/>
+          <a:lstStyle/>
+          <a:p>
+            <a:r>
+              <a:rPr lang="zh-CN" altLang="en-US" dirty="0"/>
+              <a:t>第六节课：</a:t>
+            </a:r>
+            <a:br>
+              <a:rPr lang="en-US" altLang="zh-CN" dirty="0"/>
+            </a:br>
+            <a:r>
+              <a:rPr lang="zh-CN" altLang="en-US" dirty="0"/>
+              <a:t>使用交叉熵损失函数和</a:t>
+            </a:r>
+            <a:r>
+              <a:rPr lang="en-US" altLang="zh-CN" dirty="0" err="1"/>
+              <a:t>Softmax</a:t>
+            </a:r>
+            <a:r>
+              <a:rPr lang="zh-CN" altLang="en-US" dirty="0"/>
+              <a:t>激活函数</a:t>
+            </a:r>
+          </a:p>
+        </p:txBody>
+      </p:sp>
+    </p:spTree>
+    <p:custDataLst>
+      <p:tags r:id="rId1"/>
+    </p:custDataLst>
+  </p:cSld>
+  <p:clrMapOvr>
+    <a:masterClrMapping/>
+  </p:clrMapOvr>
+</p:sld>
+</file>
+
+<file path=ppt/slides/slide20.xml><?xml version="1.0" encoding="utf-8"?>
 <p:sld xmlns:a="http://schemas.openxmlformats.org/drawingml/2006/main" xmlns:r="http://schemas.openxmlformats.org/officeDocument/2006/relationships" xmlns:p="http://schemas.openxmlformats.org/presentationml/2006/main">
   <p:cSld>
     <p:spTree>
@@ -11970,7 +11070,7 @@
 </p:sld>
 </file>
 
-<file path=ppt/slides/slide23.xml><?xml version="1.0" encoding="utf-8"?>
+<file path=ppt/slides/slide21.xml><?xml version="1.0" encoding="utf-8"?>
 <p:sld xmlns:a="http://schemas.openxmlformats.org/drawingml/2006/main" xmlns:r="http://schemas.openxmlformats.org/officeDocument/2006/relationships" xmlns:p="http://schemas.openxmlformats.org/presentationml/2006/main">
   <p:cSld>
     <p:spTree>
@@ -12251,6 +11351,25 @@
             <a:endParaRPr lang="en-US" altLang="zh-CN" dirty="0"/>
           </a:p>
           <a:p>
+            <a:pPr marL="285750" indent="-285750">
+              <a:buFont typeface="Arial" panose="020B0604020202020204" pitchFamily="34" charset="0"/>
+              <a:buChar char="•"/>
+            </a:pPr>
+            <a:r>
+              <a:rPr lang="zh-CN" altLang="en-US" dirty="0"/>
+              <a:t>根据交叉熵损失函数和</a:t>
+            </a:r>
+            <a:r>
+              <a:rPr lang="en-US" altLang="zh-CN" dirty="0" err="1"/>
+              <a:t>softmax</a:t>
+            </a:r>
+            <a:r>
+              <a:rPr lang="zh-CN" altLang="en-US" dirty="0"/>
+              <a:t>，推导误差项的过程是什么？</a:t>
+            </a:r>
+            <a:endParaRPr lang="en-US" altLang="zh-CN" dirty="0"/>
+          </a:p>
+          <a:p>
             <a:endParaRPr lang="en-US" altLang="zh-CN" dirty="0"/>
           </a:p>
           <a:p>
@@ -12335,6 +11454,593 @@
     <p:extLst>
       <p:ext uri="{BB962C8B-B14F-4D97-AF65-F5344CB8AC3E}">
         <p14:creationId xmlns:p14="http://schemas.microsoft.com/office/powerpoint/2010/main" val="2536093079"/>
+      </p:ext>
+    </p:extLst>
+  </p:cSld>
+  <p:clrMapOvr>
+    <a:masterClrMapping/>
+  </p:clrMapOvr>
+  <p:timing>
+    <p:tnLst>
+      <p:par>
+        <p:cTn id="1" dur="indefinite" restart="never" nodeType="tmRoot">
+          <p:childTnLst>
+            <p:seq concurrent="1" nextAc="seek">
+              <p:cTn id="2" dur="indefinite" nodeType="mainSeq">
+                <p:childTnLst>
+                  <p:par>
+                    <p:cTn id="3" fill="hold">
+                      <p:stCondLst>
+                        <p:cond delay="indefinite"/>
+                      </p:stCondLst>
+                      <p:childTnLst>
+                        <p:par>
+                          <p:cTn id="4" fill="hold">
+                            <p:stCondLst>
+                              <p:cond delay="0"/>
+                            </p:stCondLst>
+                            <p:childTnLst>
+                              <p:par>
+                                <p:cTn id="5" presetID="1" presetClass="entr" presetSubtype="0" fill="hold" grpId="0" nodeType="clickEffect">
+                                  <p:stCondLst>
+                                    <p:cond delay="0"/>
+                                  </p:stCondLst>
+                                  <p:childTnLst>
+                                    <p:set>
+                                      <p:cBhvr>
+                                        <p:cTn id="6" dur="1" fill="hold">
+                                          <p:stCondLst>
+                                            <p:cond delay="0"/>
+                                          </p:stCondLst>
+                                        </p:cTn>
+                                        <p:tgtEl>
+                                          <p:spTgt spid="6"/>
+                                        </p:tgtEl>
+                                        <p:attrNameLst>
+                                          <p:attrName>style.visibility</p:attrName>
+                                        </p:attrNameLst>
+                                      </p:cBhvr>
+                                      <p:to>
+                                        <p:strVal val="visible"/>
+                                      </p:to>
+                                    </p:set>
+                                  </p:childTnLst>
+                                </p:cTn>
+                              </p:par>
+                            </p:childTnLst>
+                          </p:cTn>
+                        </p:par>
+                      </p:childTnLst>
+                    </p:cTn>
+                  </p:par>
+                </p:childTnLst>
+              </p:cTn>
+              <p:prevCondLst>
+                <p:cond evt="onPrev" delay="0">
+                  <p:tgtEl>
+                    <p:sldTgt/>
+                  </p:tgtEl>
+                </p:cond>
+              </p:prevCondLst>
+              <p:nextCondLst>
+                <p:cond evt="onNext" delay="0">
+                  <p:tgtEl>
+                    <p:sldTgt/>
+                  </p:tgtEl>
+                </p:cond>
+              </p:nextCondLst>
+            </p:seq>
+          </p:childTnLst>
+        </p:cTn>
+      </p:par>
+    </p:tnLst>
+    <p:bldLst>
+      <p:bldP spid="6" grpId="0"/>
+    </p:bldLst>
+  </p:timing>
+</p:sld>
+</file>
+
+<file path=ppt/slides/slide22.xml><?xml version="1.0" encoding="utf-8"?>
+<p:sld xmlns:a="http://schemas.openxmlformats.org/drawingml/2006/main" xmlns:r="http://schemas.openxmlformats.org/officeDocument/2006/relationships" xmlns:p="http://schemas.openxmlformats.org/presentationml/2006/main">
+  <p:cSld>
+    <p:spTree>
+      <p:nvGrpSpPr>
+        <p:cNvPr id="1" name=""/>
+        <p:cNvGrpSpPr/>
+        <p:nvPr/>
+      </p:nvGrpSpPr>
+      <p:grpSpPr>
+        <a:xfrm>
+          <a:off x="0" y="0"/>
+          <a:ext cx="0" cy="0"/>
+          <a:chOff x="0" y="0"/>
+          <a:chExt cx="0" cy="0"/>
+        </a:xfrm>
+      </p:grpSpPr>
+      <p:sp>
+        <p:nvSpPr>
+          <p:cNvPr id="2" name="标题 1"/>
+          <p:cNvSpPr>
+            <a:spLocks noGrp="1"/>
+          </p:cNvSpPr>
+          <p:nvPr>
+            <p:ph type="title"/>
+          </p:nvPr>
+        </p:nvSpPr>
+        <p:spPr/>
+        <p:txBody>
+          <a:bodyPr/>
+          <a:lstStyle/>
+          <a:p>
+            <a:r>
+              <a:rPr lang="zh-CN" altLang="en-US" dirty="0">
+                <a:sym typeface="+mn-ea"/>
+              </a:rPr>
+              <a:t>任务：</a:t>
+            </a:r>
+            <a:br>
+              <a:rPr lang="en-US" altLang="zh-CN" dirty="0">
+                <a:sym typeface="+mn-ea"/>
+              </a:rPr>
+            </a:br>
+            <a:r>
+              <a:rPr lang="zh-CN" altLang="en-US" dirty="0">
+                <a:sym typeface="+mn-ea"/>
+              </a:rPr>
+              <a:t>识别手写数字使用交叉熵损失函数和</a:t>
+            </a:r>
+            <a:r>
+              <a:rPr lang="en-US" altLang="zh-CN" dirty="0" err="1">
+                <a:sym typeface="+mn-ea"/>
+              </a:rPr>
+              <a:t>softmax</a:t>
+            </a:r>
+            <a:r>
+              <a:rPr lang="zh-CN" altLang="en-US" dirty="0">
+                <a:sym typeface="+mn-ea"/>
+              </a:rPr>
+              <a:t>激活函数</a:t>
+            </a:r>
+            <a:endParaRPr lang="zh-CN" altLang="en-US" dirty="0"/>
+          </a:p>
+        </p:txBody>
+      </p:sp>
+    </p:spTree>
+    <p:custDataLst>
+      <p:tags r:id="rId1"/>
+    </p:custDataLst>
+    <p:extLst>
+      <p:ext uri="{BB962C8B-B14F-4D97-AF65-F5344CB8AC3E}">
+        <p14:creationId xmlns:p14="http://schemas.microsoft.com/office/powerpoint/2010/main" val="2557938798"/>
+      </p:ext>
+    </p:extLst>
+  </p:cSld>
+  <p:clrMapOvr>
+    <a:masterClrMapping/>
+  </p:clrMapOvr>
+</p:sld>
+</file>
+
+<file path=ppt/slides/slide23.xml><?xml version="1.0" encoding="utf-8"?>
+<p:sld xmlns:a="http://schemas.openxmlformats.org/drawingml/2006/main" xmlns:r="http://schemas.openxmlformats.org/officeDocument/2006/relationships" xmlns:p="http://schemas.openxmlformats.org/presentationml/2006/main">
+  <p:cSld>
+    <p:spTree>
+      <p:nvGrpSpPr>
+        <p:cNvPr id="1" name=""/>
+        <p:cNvGrpSpPr/>
+        <p:nvPr/>
+      </p:nvGrpSpPr>
+      <p:grpSpPr>
+        <a:xfrm>
+          <a:off x="0" y="0"/>
+          <a:ext cx="0" cy="0"/>
+          <a:chOff x="0" y="0"/>
+          <a:chExt cx="0" cy="0"/>
+        </a:xfrm>
+      </p:grpSpPr>
+      <p:sp>
+        <p:nvSpPr>
+          <p:cNvPr id="3" name="标题 2"/>
+          <p:cNvSpPr>
+            <a:spLocks noGrp="1"/>
+          </p:cNvSpPr>
+          <p:nvPr>
+            <p:ph type="title"/>
+          </p:nvPr>
+        </p:nvSpPr>
+        <p:spPr/>
+        <p:txBody>
+          <a:bodyPr/>
+          <a:lstStyle/>
+          <a:p>
+            <a:r>
+              <a:rPr lang="zh-CN" altLang="en-US" dirty="0">
+                <a:sym typeface="+mn-ea"/>
+              </a:rPr>
+              <a:t>任务：识别手写数字使用交叉熵损失函数和</a:t>
+            </a:r>
+            <a:r>
+              <a:rPr lang="en-US" altLang="zh-CN" dirty="0" err="1">
+                <a:sym typeface="+mn-ea"/>
+              </a:rPr>
+              <a:t>softmax</a:t>
+            </a:r>
+            <a:r>
+              <a:rPr lang="zh-CN" altLang="en-US" dirty="0">
+                <a:sym typeface="+mn-ea"/>
+              </a:rPr>
+              <a:t>激活函数</a:t>
+            </a:r>
+            <a:endParaRPr dirty="0">
+              <a:sym typeface="+mn-ea"/>
+            </a:endParaRPr>
+          </a:p>
+        </p:txBody>
+      </p:sp>
+      <p:sp>
+        <p:nvSpPr>
+          <p:cNvPr id="6" name="文本占位符 1">
+            <a:extLst>
+              <a:ext uri="{FF2B5EF4-FFF2-40B4-BE49-F238E27FC236}">
+                <a16:creationId xmlns:a16="http://schemas.microsoft.com/office/drawing/2014/main" id="{BA88068A-4FDC-6963-46A5-ADEC46CDA15E}"/>
+              </a:ext>
+            </a:extLst>
+          </p:cNvPr>
+          <p:cNvSpPr txBox="1">
+            <a:spLocks/>
+          </p:cNvSpPr>
+          <p:nvPr/>
+        </p:nvSpPr>
+        <p:spPr>
+          <a:xfrm>
+            <a:off x="822325" y="1778635"/>
+            <a:ext cx="10852150" cy="4553585"/>
+          </a:xfrm>
+        </p:spPr>
+        <p:txBody>
+          <a:bodyPr lIns="101600" tIns="38100" rIns="76200" bIns="38100">
+            <a:noAutofit/>
+          </a:bodyPr>
+          <a:lstStyle>
+            <a:lvl1pPr marL="0" indent="0" algn="l" defTabSz="914400" rtl="0" eaLnBrk="1" fontAlgn="auto" latinLnBrk="0" hangingPunct="1">
+              <a:lnSpc>
+                <a:spcPct val="130000"/>
+              </a:lnSpc>
+              <a:spcBef>
+                <a:spcPts val="0"/>
+              </a:spcBef>
+              <a:spcAft>
+                <a:spcPts val="1000"/>
+              </a:spcAft>
+              <a:buFont typeface="Arial" panose="020B0604020202020204" pitchFamily="34" charset="0"/>
+              <a:buNone/>
+              <a:defRPr kumimoji="0" lang="zh-CN" altLang="en-US" sz="1600" b="0" i="0" u="none" strike="noStrike" kern="1200" cap="none" spc="150" normalizeH="0" baseline="0" noProof="1">
+                <a:solidFill>
+                  <a:schemeClr val="tx1"/>
+                </a:solidFill>
+                <a:uFillTx/>
+                <a:latin typeface="+mn-lt"/>
+                <a:ea typeface="+mn-ea"/>
+                <a:cs typeface="+mn-cs"/>
+                <a:sym typeface="+mn-ea"/>
+              </a:defRPr>
+            </a:lvl1pPr>
+            <a:lvl2pPr marL="457200" indent="0" algn="l" defTabSz="914400" rtl="0" eaLnBrk="1" fontAlgn="auto" latinLnBrk="0" hangingPunct="1">
+              <a:lnSpc>
+                <a:spcPct val="130000"/>
+              </a:lnSpc>
+              <a:spcBef>
+                <a:spcPts val="0"/>
+              </a:spcBef>
+              <a:spcAft>
+                <a:spcPts val="1000"/>
+              </a:spcAft>
+              <a:buFont typeface="Arial" panose="020B0604020202020204" pitchFamily="34" charset="0"/>
+              <a:buNone/>
+              <a:tabLst>
+                <a:tab pos="1609725" algn="l"/>
+              </a:tabLst>
+              <a:defRPr sz="2000" u="none" strike="noStrike" kern="1200" cap="none" spc="150" normalizeH="0" baseline="0">
+                <a:solidFill>
+                  <a:schemeClr val="tx1">
+                    <a:tint val="75000"/>
+                  </a:schemeClr>
+                </a:solidFill>
+                <a:uFillTx/>
+                <a:latin typeface="+mn-lt"/>
+                <a:ea typeface="+mn-ea"/>
+                <a:cs typeface="+mn-cs"/>
+              </a:defRPr>
+            </a:lvl2pPr>
+            <a:lvl3pPr marL="914400" indent="0" algn="l" defTabSz="914400" rtl="0" eaLnBrk="1" fontAlgn="auto" latinLnBrk="0" hangingPunct="1">
+              <a:lnSpc>
+                <a:spcPct val="130000"/>
+              </a:lnSpc>
+              <a:spcBef>
+                <a:spcPts val="0"/>
+              </a:spcBef>
+              <a:spcAft>
+                <a:spcPts val="1000"/>
+              </a:spcAft>
+              <a:buFont typeface="Arial" panose="020B0604020202020204" pitchFamily="34" charset="0"/>
+              <a:buNone/>
+              <a:defRPr sz="1800" u="none" strike="noStrike" kern="1200" cap="none" spc="150" normalizeH="0" baseline="0">
+                <a:solidFill>
+                  <a:schemeClr val="tx1">
+                    <a:tint val="75000"/>
+                  </a:schemeClr>
+                </a:solidFill>
+                <a:uFillTx/>
+                <a:latin typeface="+mn-lt"/>
+                <a:ea typeface="+mn-ea"/>
+                <a:cs typeface="+mn-cs"/>
+              </a:defRPr>
+            </a:lvl3pPr>
+            <a:lvl4pPr marL="1371600" indent="0" algn="l" defTabSz="914400" rtl="0" eaLnBrk="1" fontAlgn="auto" latinLnBrk="0" hangingPunct="1">
+              <a:lnSpc>
+                <a:spcPct val="130000"/>
+              </a:lnSpc>
+              <a:spcBef>
+                <a:spcPts val="0"/>
+              </a:spcBef>
+              <a:spcAft>
+                <a:spcPts val="1000"/>
+              </a:spcAft>
+              <a:buFont typeface="Arial" panose="020B0604020202020204" pitchFamily="34" charset="0"/>
+              <a:buNone/>
+              <a:defRPr sz="1600" u="none" strike="noStrike" kern="1200" cap="none" spc="150" normalizeH="0" baseline="0">
+                <a:solidFill>
+                  <a:schemeClr val="tx1">
+                    <a:tint val="75000"/>
+                  </a:schemeClr>
+                </a:solidFill>
+                <a:uFillTx/>
+                <a:latin typeface="+mn-lt"/>
+                <a:ea typeface="+mn-ea"/>
+                <a:cs typeface="+mn-cs"/>
+              </a:defRPr>
+            </a:lvl4pPr>
+            <a:lvl5pPr marL="1828800" indent="0" algn="l" defTabSz="914400" rtl="0" eaLnBrk="1" fontAlgn="auto" latinLnBrk="0" hangingPunct="1">
+              <a:lnSpc>
+                <a:spcPct val="130000"/>
+              </a:lnSpc>
+              <a:spcBef>
+                <a:spcPts val="0"/>
+              </a:spcBef>
+              <a:spcAft>
+                <a:spcPts val="1000"/>
+              </a:spcAft>
+              <a:buFont typeface="Arial" panose="020B0604020202020204" pitchFamily="34" charset="0"/>
+              <a:buNone/>
+              <a:defRPr sz="1600" u="none" strike="noStrike" kern="1200" cap="none" spc="150" normalizeH="0" baseline="0">
+                <a:solidFill>
+                  <a:schemeClr val="tx1">
+                    <a:tint val="75000"/>
+                  </a:schemeClr>
+                </a:solidFill>
+                <a:uFillTx/>
+                <a:latin typeface="+mn-lt"/>
+                <a:ea typeface="+mn-ea"/>
+                <a:cs typeface="+mn-cs"/>
+              </a:defRPr>
+            </a:lvl5pPr>
+            <a:lvl6pPr marL="2286000" indent="0" algn="l" defTabSz="914400" rtl="0" eaLnBrk="1" latinLnBrk="0" hangingPunct="1">
+              <a:lnSpc>
+                <a:spcPct val="90000"/>
+              </a:lnSpc>
+              <a:spcBef>
+                <a:spcPts val="500"/>
+              </a:spcBef>
+              <a:buFont typeface="Arial" panose="020B0604020202020204" pitchFamily="34" charset="0"/>
+              <a:buNone/>
+              <a:defRPr sz="1600" kern="1200">
+                <a:solidFill>
+                  <a:schemeClr val="tx1">
+                    <a:tint val="75000"/>
+                  </a:schemeClr>
+                </a:solidFill>
+                <a:latin typeface="+mn-lt"/>
+                <a:ea typeface="+mn-ea"/>
+                <a:cs typeface="+mn-cs"/>
+              </a:defRPr>
+            </a:lvl6pPr>
+            <a:lvl7pPr marL="2743200" indent="0" algn="l" defTabSz="914400" rtl="0" eaLnBrk="1" latinLnBrk="0" hangingPunct="1">
+              <a:lnSpc>
+                <a:spcPct val="90000"/>
+              </a:lnSpc>
+              <a:spcBef>
+                <a:spcPts val="500"/>
+              </a:spcBef>
+              <a:buFont typeface="Arial" panose="020B0604020202020204" pitchFamily="34" charset="0"/>
+              <a:buNone/>
+              <a:defRPr sz="1600" kern="1200">
+                <a:solidFill>
+                  <a:schemeClr val="tx1">
+                    <a:tint val="75000"/>
+                  </a:schemeClr>
+                </a:solidFill>
+                <a:latin typeface="+mn-lt"/>
+                <a:ea typeface="+mn-ea"/>
+                <a:cs typeface="+mn-cs"/>
+              </a:defRPr>
+            </a:lvl7pPr>
+            <a:lvl8pPr marL="3200400" indent="0" algn="l" defTabSz="914400" rtl="0" eaLnBrk="1" latinLnBrk="0" hangingPunct="1">
+              <a:lnSpc>
+                <a:spcPct val="90000"/>
+              </a:lnSpc>
+              <a:spcBef>
+                <a:spcPts val="500"/>
+              </a:spcBef>
+              <a:buFont typeface="Arial" panose="020B0604020202020204" pitchFamily="34" charset="0"/>
+              <a:buNone/>
+              <a:defRPr sz="1600" kern="1200">
+                <a:solidFill>
+                  <a:schemeClr val="tx1">
+                    <a:tint val="75000"/>
+                  </a:schemeClr>
+                </a:solidFill>
+                <a:latin typeface="+mn-lt"/>
+                <a:ea typeface="+mn-ea"/>
+                <a:cs typeface="+mn-cs"/>
+              </a:defRPr>
+            </a:lvl8pPr>
+            <a:lvl9pPr marL="3657600" indent="0" algn="l" defTabSz="914400" rtl="0" eaLnBrk="1" latinLnBrk="0" hangingPunct="1">
+              <a:lnSpc>
+                <a:spcPct val="90000"/>
+              </a:lnSpc>
+              <a:spcBef>
+                <a:spcPts val="500"/>
+              </a:spcBef>
+              <a:buFont typeface="Arial" panose="020B0604020202020204" pitchFamily="34" charset="0"/>
+              <a:buNone/>
+              <a:defRPr sz="1600" kern="1200">
+                <a:solidFill>
+                  <a:schemeClr val="tx1">
+                    <a:tint val="75000"/>
+                  </a:schemeClr>
+                </a:solidFill>
+                <a:latin typeface="+mn-lt"/>
+                <a:ea typeface="+mn-ea"/>
+                <a:cs typeface="+mn-cs"/>
+              </a:defRPr>
+            </a:lvl9pPr>
+          </a:lstStyle>
+          <a:p>
+            <a:pPr marL="285750" indent="-285750">
+              <a:buFont typeface="Arial" panose="020B0604020202020204" pitchFamily="34" charset="0"/>
+              <a:buChar char="•"/>
+            </a:pPr>
+            <a:r>
+              <a:rPr lang="zh-CN" altLang="en-US" dirty="0"/>
+              <a:t>请实现代码，并且加入“通过打印</a:t>
+            </a:r>
+            <a:r>
+              <a:rPr lang="en-US" altLang="zh-CN" dirty="0"/>
+              <a:t>loss</a:t>
+            </a:r>
+            <a:r>
+              <a:rPr lang="zh-CN" altLang="en-US" dirty="0"/>
+              <a:t>来判断收敛”</a:t>
+            </a:r>
+            <a:endParaRPr lang="en-US" altLang="zh-CN" dirty="0"/>
+          </a:p>
+          <a:p>
+            <a:pPr marL="285750" indent="-285750">
+              <a:buFont typeface="Arial" panose="020B0604020202020204" pitchFamily="34" charset="0"/>
+              <a:buChar char="•"/>
+            </a:pPr>
+            <a:r>
+              <a:rPr lang="zh-CN" altLang="en-US" dirty="0"/>
+              <a:t>请每个同学运行代码</a:t>
+            </a:r>
+            <a:endParaRPr lang="en-US" altLang="zh-CN" dirty="0"/>
+          </a:p>
+          <a:p>
+            <a:pPr marL="742950" lvl="1" indent="-285750">
+              <a:buFont typeface="Arial" panose="020B0604020202020204" pitchFamily="34" charset="0"/>
+              <a:buChar char="•"/>
+            </a:pPr>
+            <a:r>
+              <a:rPr lang="zh-CN" altLang="en-US" dirty="0"/>
+              <a:t>刚开始训练时，有什么警告？</a:t>
+            </a:r>
+            <a:endParaRPr lang="en-US" altLang="zh-CN" dirty="0"/>
+          </a:p>
+          <a:p>
+            <a:pPr marL="742950" lvl="1" indent="-285750">
+              <a:buFont typeface="Arial" panose="020B0604020202020204" pitchFamily="34" charset="0"/>
+              <a:buChar char="•"/>
+            </a:pPr>
+            <a:r>
+              <a:rPr lang="zh-CN" altLang="en-US" dirty="0"/>
+              <a:t>注释掉警告代码后，看下</a:t>
+            </a:r>
+            <a:r>
+              <a:rPr lang="en-US" altLang="zh-CN" dirty="0"/>
+              <a:t>loss</a:t>
+            </a:r>
+            <a:r>
+              <a:rPr lang="zh-CN" altLang="en-US" dirty="0"/>
+              <a:t>的训练速度与之前的代码相比是否明显加快？</a:t>
+            </a:r>
+            <a:endParaRPr lang="en-US" altLang="zh-CN" dirty="0"/>
+          </a:p>
+          <a:p>
+            <a:pPr marL="742950" lvl="1" indent="-285750">
+              <a:buFont typeface="Arial" panose="020B0604020202020204" pitchFamily="34" charset="0"/>
+              <a:buChar char="•"/>
+            </a:pPr>
+            <a:endParaRPr lang="en-US" altLang="zh-CN" dirty="0"/>
+          </a:p>
+          <a:p>
+            <a:pPr marL="285750" indent="-285750">
+              <a:buFont typeface="Arial" panose="020B0604020202020204" pitchFamily="34" charset="0"/>
+              <a:buChar char="•"/>
+            </a:pPr>
+            <a:r>
+              <a:rPr lang="zh-CN" altLang="en-US" dirty="0"/>
+              <a:t>自学、展学</a:t>
+            </a:r>
+          </a:p>
+          <a:p>
+            <a:pPr marL="285750" indent="-285750">
+              <a:buFont typeface="Arial" panose="020B0604020202020204" pitchFamily="34" charset="0"/>
+              <a:buChar char="•"/>
+            </a:pPr>
+            <a:endParaRPr lang="zh-CN" altLang="en-US" dirty="0"/>
+          </a:p>
+          <a:p>
+            <a:pPr marL="285750" indent="-285750">
+              <a:buFont typeface="Arial" panose="020B0604020202020204" pitchFamily="34" charset="0"/>
+              <a:buChar char="•"/>
+            </a:pPr>
+            <a:endParaRPr lang="zh-CN" altLang="en-US" dirty="0"/>
+          </a:p>
+          <a:p>
+            <a:pPr marL="285750" indent="-285750">
+              <a:buFont typeface="Arial" panose="020B0604020202020204" pitchFamily="34" charset="0"/>
+              <a:buChar char="•"/>
+            </a:pPr>
+            <a:endParaRPr lang="zh-CN" altLang="en-US" dirty="0"/>
+          </a:p>
+          <a:p>
+            <a:pPr marL="285750" indent="-285750">
+              <a:buFont typeface="Arial" panose="020B0604020202020204" pitchFamily="34" charset="0"/>
+              <a:buChar char="•"/>
+            </a:pPr>
+            <a:endParaRPr lang="zh-CN" altLang="en-US" dirty="0"/>
+          </a:p>
+          <a:p>
+            <a:pPr marL="285750" indent="-285750">
+              <a:buFont typeface="Arial" panose="020B0604020202020204" pitchFamily="34" charset="0"/>
+              <a:buChar char="•"/>
+            </a:pPr>
+            <a:endParaRPr lang="zh-CN" altLang="en-US" dirty="0"/>
+          </a:p>
+          <a:p>
+            <a:pPr marL="285750" indent="-285750">
+              <a:buFont typeface="Arial" panose="020B0604020202020204" pitchFamily="34" charset="0"/>
+              <a:buChar char="•"/>
+            </a:pPr>
+            <a:endParaRPr lang="zh-CN" altLang="en-US" dirty="0"/>
+          </a:p>
+          <a:p>
+            <a:pPr marL="285750" indent="-285750">
+              <a:buFont typeface="Arial" panose="020B0604020202020204" pitchFamily="34" charset="0"/>
+              <a:buChar char="•"/>
+            </a:pPr>
+            <a:endParaRPr lang="zh-CN" altLang="en-US" dirty="0"/>
+          </a:p>
+        </p:txBody>
+      </p:sp>
+    </p:spTree>
+    <p:custDataLst>
+      <p:tags r:id="rId1"/>
+    </p:custDataLst>
+    <p:extLst>
+      <p:ext uri="{BB962C8B-B14F-4D97-AF65-F5344CB8AC3E}">
+        <p14:creationId xmlns:p14="http://schemas.microsoft.com/office/powerpoint/2010/main" val="3391474740"/>
       </p:ext>
     </p:extLst>
   </p:cSld>
@@ -12460,30 +12166,10 @@
               </a:rPr>
               <a:t>任务：</a:t>
             </a:r>
-            <a:br>
-              <a:rPr lang="en-US" altLang="zh-CN" dirty="0">
-                <a:sym typeface="+mn-ea"/>
-              </a:rPr>
-            </a:br>
-            <a:r>
-              <a:rPr lang="zh-CN" altLang="en-US" dirty="0">
-                <a:sym typeface="+mn-ea"/>
-              </a:rPr>
-              <a:t>识别手写数字使用交叉熵损失函数和</a:t>
-            </a:r>
-            <a:r>
-              <a:rPr lang="en-US" altLang="zh-CN" dirty="0" err="1">
-                <a:sym typeface="+mn-ea"/>
-              </a:rPr>
-              <a:t>softmax</a:t>
-            </a:r>
-            <a:r>
-              <a:rPr lang="zh-CN" altLang="en-US" dirty="0">
-                <a:sym typeface="+mn-ea"/>
-              </a:rPr>
-              <a:t>激活函数</a:t>
-            </a:r>
-            <a:endParaRPr lang="zh-CN" altLang="en-US" dirty="0"/>
+            <a:r>
+              <a:rPr lang="zh-CN" altLang="en-US" dirty="0"/>
+              <a:t>改进代码</a:t>
+            </a:r>
           </a:p>
         </p:txBody>
       </p:sp>
@@ -12493,7 +12179,7 @@
     </p:custDataLst>
     <p:extLst>
       <p:ext uri="{BB962C8B-B14F-4D97-AF65-F5344CB8AC3E}">
-        <p14:creationId xmlns:p14="http://schemas.microsoft.com/office/powerpoint/2010/main" val="2557938798"/>
+        <p14:creationId xmlns:p14="http://schemas.microsoft.com/office/powerpoint/2010/main" val="2400914644"/>
       </p:ext>
     </p:extLst>
   </p:cSld>
@@ -12539,19 +12225,11 @@
               <a:rPr lang="zh-CN" altLang="en-US" dirty="0">
                 <a:sym typeface="+mn-ea"/>
               </a:rPr>
-              <a:t>任务：识别手写数字使用交叉熵损失函数和</a:t>
-            </a:r>
-            <a:r>
-              <a:rPr lang="en-US" altLang="zh-CN" dirty="0" err="1">
-                <a:sym typeface="+mn-ea"/>
-              </a:rPr>
-              <a:t>softmax</a:t>
-            </a:r>
-            <a:r>
-              <a:rPr lang="zh-CN" altLang="en-US" dirty="0">
-                <a:sym typeface="+mn-ea"/>
-              </a:rPr>
-              <a:t>激活函数</a:t>
+              <a:t>任务：</a:t>
+            </a:r>
+            <a:r>
+              <a:rPr lang="zh-CN" altLang="en-US" dirty="0"/>
+              <a:t>改进代码</a:t>
             </a:r>
             <a:endParaRPr dirty="0">
               <a:sym typeface="+mn-ea"/>
@@ -12794,7 +12472,7 @@
             </a:pPr>
             <a:r>
               <a:rPr lang="zh-CN" altLang="en-US" dirty="0"/>
-              <a:t>请实现代码</a:t>
+              <a:t>找到发生警告的原因？</a:t>
             </a:r>
             <a:endParaRPr lang="en-US" altLang="zh-CN" dirty="0"/>
           </a:p>
@@ -12805,42 +12483,42 @@
             </a:pPr>
             <a:r>
               <a:rPr lang="zh-CN" altLang="en-US" dirty="0"/>
-              <a:t>请每个同学运行代码</a:t>
+              <a:t>如何改进代码？</a:t>
             </a:r>
             <a:endParaRPr lang="en-US" altLang="zh-CN" dirty="0"/>
           </a:p>
           <a:p>
-            <a:pPr marL="742950" lvl="1" indent="-285750">
+            <a:pPr marL="285750" indent="-285750">
               <a:buFont typeface="Arial" panose="020B0604020202020204" pitchFamily="34" charset="0"/>
               <a:buChar char="•"/>
             </a:pPr>
             <a:r>
               <a:rPr lang="zh-CN" altLang="en-US" dirty="0"/>
-              <a:t>有无警告？</a:t>
+              <a:t>将输出层的学习率分别变小为</a:t>
+            </a:r>
+            <a:r>
+              <a:rPr lang="en-US" altLang="zh-CN" dirty="0"/>
+              <a:t>1.0</a:t>
+            </a:r>
+            <a:r>
+              <a:rPr lang="zh-CN" altLang="en-US" dirty="0"/>
+              <a:t>、</a:t>
+            </a:r>
+            <a:r>
+              <a:rPr lang="en-US" altLang="zh-CN" dirty="0"/>
+              <a:t>0.1</a:t>
+            </a:r>
+            <a:r>
+              <a:rPr lang="zh-CN" altLang="en-US" dirty="0"/>
+              <a:t>，运行代码，看是否解决了警告，并提升了训练速度？</a:t>
             </a:r>
             <a:endParaRPr lang="en-US" altLang="zh-CN" dirty="0"/>
           </a:p>
           <a:p>
-            <a:pPr marL="742950" lvl="1" indent="-285750">
-              <a:buFont typeface="Arial" panose="020B0604020202020204" pitchFamily="34" charset="0"/>
-              <a:buChar char="•"/>
-            </a:pPr>
-            <a:r>
-              <a:rPr lang="zh-CN" altLang="en-US" dirty="0"/>
-              <a:t>与之前的代码相比，</a:t>
-            </a:r>
-            <a:r>
-              <a:rPr lang="en-US" altLang="zh-CN" dirty="0"/>
-              <a:t>loss</a:t>
-            </a:r>
-            <a:r>
-              <a:rPr lang="zh-CN" altLang="en-US" dirty="0"/>
-              <a:t>的训练速度是否加快？</a:t>
-            </a:r>
             <a:endParaRPr lang="en-US" altLang="zh-CN" dirty="0"/>
           </a:p>
           <a:p>
-            <a:pPr marL="742950" lvl="1" indent="-285750">
+            <a:pPr marL="285750" indent="-285750">
               <a:buFont typeface="Arial" panose="020B0604020202020204" pitchFamily="34" charset="0"/>
               <a:buChar char="•"/>
             </a:pPr>
@@ -12851,6 +12529,20 @@
               <a:buFont typeface="Arial" panose="020B0604020202020204" pitchFamily="34" charset="0"/>
               <a:buChar char="•"/>
             </a:pPr>
+            <a:endParaRPr lang="en-US" altLang="zh-CN" dirty="0"/>
+          </a:p>
+          <a:p>
+            <a:pPr marL="285750" indent="-285750">
+              <a:buFont typeface="Arial" panose="020B0604020202020204" pitchFamily="34" charset="0"/>
+              <a:buChar char="•"/>
+            </a:pPr>
+            <a:endParaRPr lang="en-US" altLang="zh-CN" dirty="0"/>
+          </a:p>
+          <a:p>
+            <a:pPr marL="285750" indent="-285750">
+              <a:buFont typeface="Arial" panose="020B0604020202020204" pitchFamily="34" charset="0"/>
+              <a:buChar char="•"/>
+            </a:pPr>
             <a:r>
               <a:rPr lang="zh-CN" altLang="en-US" dirty="0"/>
               <a:t>自学、展学</a:t>
@@ -12868,7 +12560,7 @@
               <a:buFont typeface="Arial" panose="020B0604020202020204" pitchFamily="34" charset="0"/>
               <a:buChar char="•"/>
             </a:pPr>
-            <a:endParaRPr lang="zh-CN" altLang="en-US" dirty="0"/>
+            <a:endParaRPr lang="en-US" altLang="zh-CN" dirty="0"/>
           </a:p>
           <a:p>
             <a:pPr marL="285750" indent="-285750">
@@ -12904,6 +12596,103 @@
               <a:buChar char="•"/>
             </a:pPr>
             <a:endParaRPr lang="zh-CN" altLang="en-US" dirty="0"/>
+          </a:p>
+          <a:p>
+            <a:pPr marL="285750" indent="-285750">
+              <a:buFont typeface="Arial" panose="020B0604020202020204" pitchFamily="34" charset="0"/>
+              <a:buChar char="•"/>
+            </a:pPr>
+            <a:endParaRPr lang="zh-CN" altLang="en-US" dirty="0"/>
+          </a:p>
+          <a:p>
+            <a:pPr marL="285750" indent="-285750">
+              <a:buFont typeface="Arial" panose="020B0604020202020204" pitchFamily="34" charset="0"/>
+              <a:buChar char="•"/>
+            </a:pPr>
+            <a:endParaRPr lang="zh-CN" altLang="en-US" dirty="0"/>
+          </a:p>
+        </p:txBody>
+      </p:sp>
+      <p:sp>
+        <p:nvSpPr>
+          <p:cNvPr id="2" name="文本框 1">
+            <a:extLst>
+              <a:ext uri="{FF2B5EF4-FFF2-40B4-BE49-F238E27FC236}">
+                <a16:creationId xmlns:a16="http://schemas.microsoft.com/office/drawing/2014/main" id="{C44CE5FF-F5B7-EE3A-4FA0-0237E0B59B4F}"/>
+              </a:ext>
+            </a:extLst>
+          </p:cNvPr>
+          <p:cNvSpPr txBox="1"/>
+          <p:nvPr/>
+        </p:nvSpPr>
+        <p:spPr>
+          <a:xfrm>
+            <a:off x="3671002" y="1778635"/>
+            <a:ext cx="7851117" cy="369332"/>
+          </a:xfrm>
+          <a:prstGeom prst="rect">
+            <a:avLst/>
+          </a:prstGeom>
+          <a:noFill/>
+        </p:spPr>
+        <p:txBody>
+          <a:bodyPr wrap="square" rtlCol="0">
+            <a:spAutoFit/>
+          </a:bodyPr>
+          <a:lstStyle/>
+          <a:p>
+            <a:r>
+              <a:rPr kumimoji="1" lang="zh-CN" altLang="en-US" dirty="0"/>
+              <a:t>因为刚开始训练时，</a:t>
+            </a:r>
+            <a:r>
+              <a:rPr kumimoji="1" lang="en-US" altLang="zh-CN" dirty="0"/>
+              <a:t>loss</a:t>
+            </a:r>
+            <a:r>
+              <a:rPr kumimoji="1" lang="zh-CN" altLang="en-US" dirty="0"/>
+              <a:t>很大，所以梯度很大，所以报“梯度爆炸”的警告</a:t>
+            </a:r>
+          </a:p>
+        </p:txBody>
+      </p:sp>
+      <p:sp>
+        <p:nvSpPr>
+          <p:cNvPr id="5" name="文本框 4">
+            <a:extLst>
+              <a:ext uri="{FF2B5EF4-FFF2-40B4-BE49-F238E27FC236}">
+                <a16:creationId xmlns:a16="http://schemas.microsoft.com/office/drawing/2014/main" id="{8DAE3D6F-D317-ED35-A24E-93B8C2A03B22}"/>
+              </a:ext>
+            </a:extLst>
+          </p:cNvPr>
+          <p:cNvSpPr txBox="1"/>
+          <p:nvPr/>
+        </p:nvSpPr>
+        <p:spPr>
+          <a:xfrm>
+            <a:off x="3381275" y="2267720"/>
+            <a:ext cx="3240590" cy="369332"/>
+          </a:xfrm>
+          <a:prstGeom prst="rect">
+            <a:avLst/>
+          </a:prstGeom>
+          <a:noFill/>
+        </p:spPr>
+        <p:txBody>
+          <a:bodyPr wrap="square" rtlCol="0">
+            <a:spAutoFit/>
+          </a:bodyPr>
+          <a:lstStyle/>
+          <a:p>
+            <a:r>
+              <a:rPr lang="zh-CN" altLang="en-US" dirty="0"/>
+              <a:t>将输出层的学习率变小为</a:t>
+            </a:r>
+            <a:r>
+              <a:rPr lang="en-US" altLang="zh-CN" dirty="0"/>
+              <a:t>0.1</a:t>
+            </a:r>
+            <a:endParaRPr kumimoji="1" lang="zh-CN" altLang="en-US" dirty="0"/>
           </a:p>
         </p:txBody>
       </p:sp>
@@ -12913,7 +12702,7 @@
     </p:custDataLst>
     <p:extLst>
       <p:ext uri="{BB962C8B-B14F-4D97-AF65-F5344CB8AC3E}">
-        <p14:creationId xmlns:p14="http://schemas.microsoft.com/office/powerpoint/2010/main" val="3391474740"/>
+        <p14:creationId xmlns:p14="http://schemas.microsoft.com/office/powerpoint/2010/main" val="1180362079"/>
       </p:ext>
     </p:extLst>
   </p:cSld>
@@ -13034,659 +12823,6 @@
           <a:lstStyle/>
           <a:p>
             <a:r>
-              <a:rPr lang="zh-CN" altLang="en-US" dirty="0">
-                <a:sym typeface="+mn-ea"/>
-              </a:rPr>
-              <a:t>任务：</a:t>
-            </a:r>
-            <a:r>
-              <a:rPr lang="zh-CN" altLang="en-US" dirty="0"/>
-              <a:t>改进代码</a:t>
-            </a:r>
-          </a:p>
-        </p:txBody>
-      </p:sp>
-    </p:spTree>
-    <p:custDataLst>
-      <p:tags r:id="rId1"/>
-    </p:custDataLst>
-    <p:extLst>
-      <p:ext uri="{BB962C8B-B14F-4D97-AF65-F5344CB8AC3E}">
-        <p14:creationId xmlns:p14="http://schemas.microsoft.com/office/powerpoint/2010/main" val="2400914644"/>
-      </p:ext>
-    </p:extLst>
-  </p:cSld>
-  <p:clrMapOvr>
-    <a:masterClrMapping/>
-  </p:clrMapOvr>
-</p:sld>
-</file>
-
-<file path=ppt/slides/slide27.xml><?xml version="1.0" encoding="utf-8"?>
-<p:sld xmlns:a="http://schemas.openxmlformats.org/drawingml/2006/main" xmlns:r="http://schemas.openxmlformats.org/officeDocument/2006/relationships" xmlns:p="http://schemas.openxmlformats.org/presentationml/2006/main">
-  <p:cSld>
-    <p:spTree>
-      <p:nvGrpSpPr>
-        <p:cNvPr id="1" name=""/>
-        <p:cNvGrpSpPr/>
-        <p:nvPr/>
-      </p:nvGrpSpPr>
-      <p:grpSpPr>
-        <a:xfrm>
-          <a:off x="0" y="0"/>
-          <a:ext cx="0" cy="0"/>
-          <a:chOff x="0" y="0"/>
-          <a:chExt cx="0" cy="0"/>
-        </a:xfrm>
-      </p:grpSpPr>
-      <p:sp>
-        <p:nvSpPr>
-          <p:cNvPr id="3" name="标题 2"/>
-          <p:cNvSpPr>
-            <a:spLocks noGrp="1"/>
-          </p:cNvSpPr>
-          <p:nvPr>
-            <p:ph type="title"/>
-          </p:nvPr>
-        </p:nvSpPr>
-        <p:spPr/>
-        <p:txBody>
-          <a:bodyPr/>
-          <a:lstStyle/>
-          <a:p>
-            <a:r>
-              <a:rPr lang="zh-CN" altLang="en-US" dirty="0">
-                <a:sym typeface="+mn-ea"/>
-              </a:rPr>
-              <a:t>任务：</a:t>
-            </a:r>
-            <a:r>
-              <a:rPr lang="zh-CN" altLang="en-US" dirty="0"/>
-              <a:t>改进代码</a:t>
-            </a:r>
-            <a:endParaRPr dirty="0">
-              <a:sym typeface="+mn-ea"/>
-            </a:endParaRPr>
-          </a:p>
-        </p:txBody>
-      </p:sp>
-      <p:sp>
-        <p:nvSpPr>
-          <p:cNvPr id="6" name="文本占位符 1">
-            <a:extLst>
-              <a:ext uri="{FF2B5EF4-FFF2-40B4-BE49-F238E27FC236}">
-                <a16:creationId xmlns:a16="http://schemas.microsoft.com/office/drawing/2014/main" id="{BA88068A-4FDC-6963-46A5-ADEC46CDA15E}"/>
-              </a:ext>
-            </a:extLst>
-          </p:cNvPr>
-          <p:cNvSpPr txBox="1">
-            <a:spLocks/>
-          </p:cNvSpPr>
-          <p:nvPr/>
-        </p:nvSpPr>
-        <p:spPr>
-          <a:xfrm>
-            <a:off x="822325" y="1778635"/>
-            <a:ext cx="10852150" cy="4553585"/>
-          </a:xfrm>
-        </p:spPr>
-        <p:txBody>
-          <a:bodyPr lIns="101600" tIns="38100" rIns="76200" bIns="38100">
-            <a:noAutofit/>
-          </a:bodyPr>
-          <a:lstStyle>
-            <a:lvl1pPr marL="0" indent="0" algn="l" defTabSz="914400" rtl="0" eaLnBrk="1" fontAlgn="auto" latinLnBrk="0" hangingPunct="1">
-              <a:lnSpc>
-                <a:spcPct val="130000"/>
-              </a:lnSpc>
-              <a:spcBef>
-                <a:spcPts val="0"/>
-              </a:spcBef>
-              <a:spcAft>
-                <a:spcPts val="1000"/>
-              </a:spcAft>
-              <a:buFont typeface="Arial" panose="020B0604020202020204" pitchFamily="34" charset="0"/>
-              <a:buNone/>
-              <a:defRPr kumimoji="0" lang="zh-CN" altLang="en-US" sz="1600" b="0" i="0" u="none" strike="noStrike" kern="1200" cap="none" spc="150" normalizeH="0" baseline="0" noProof="1">
-                <a:solidFill>
-                  <a:schemeClr val="tx1"/>
-                </a:solidFill>
-                <a:uFillTx/>
-                <a:latin typeface="+mn-lt"/>
-                <a:ea typeface="+mn-ea"/>
-                <a:cs typeface="+mn-cs"/>
-                <a:sym typeface="+mn-ea"/>
-              </a:defRPr>
-            </a:lvl1pPr>
-            <a:lvl2pPr marL="457200" indent="0" algn="l" defTabSz="914400" rtl="0" eaLnBrk="1" fontAlgn="auto" latinLnBrk="0" hangingPunct="1">
-              <a:lnSpc>
-                <a:spcPct val="130000"/>
-              </a:lnSpc>
-              <a:spcBef>
-                <a:spcPts val="0"/>
-              </a:spcBef>
-              <a:spcAft>
-                <a:spcPts val="1000"/>
-              </a:spcAft>
-              <a:buFont typeface="Arial" panose="020B0604020202020204" pitchFamily="34" charset="0"/>
-              <a:buNone/>
-              <a:tabLst>
-                <a:tab pos="1609725" algn="l"/>
-              </a:tabLst>
-              <a:defRPr sz="2000" u="none" strike="noStrike" kern="1200" cap="none" spc="150" normalizeH="0" baseline="0">
-                <a:solidFill>
-                  <a:schemeClr val="tx1">
-                    <a:tint val="75000"/>
-                  </a:schemeClr>
-                </a:solidFill>
-                <a:uFillTx/>
-                <a:latin typeface="+mn-lt"/>
-                <a:ea typeface="+mn-ea"/>
-                <a:cs typeface="+mn-cs"/>
-              </a:defRPr>
-            </a:lvl2pPr>
-            <a:lvl3pPr marL="914400" indent="0" algn="l" defTabSz="914400" rtl="0" eaLnBrk="1" fontAlgn="auto" latinLnBrk="0" hangingPunct="1">
-              <a:lnSpc>
-                <a:spcPct val="130000"/>
-              </a:lnSpc>
-              <a:spcBef>
-                <a:spcPts val="0"/>
-              </a:spcBef>
-              <a:spcAft>
-                <a:spcPts val="1000"/>
-              </a:spcAft>
-              <a:buFont typeface="Arial" panose="020B0604020202020204" pitchFamily="34" charset="0"/>
-              <a:buNone/>
-              <a:defRPr sz="1800" u="none" strike="noStrike" kern="1200" cap="none" spc="150" normalizeH="0" baseline="0">
-                <a:solidFill>
-                  <a:schemeClr val="tx1">
-                    <a:tint val="75000"/>
-                  </a:schemeClr>
-                </a:solidFill>
-                <a:uFillTx/>
-                <a:latin typeface="+mn-lt"/>
-                <a:ea typeface="+mn-ea"/>
-                <a:cs typeface="+mn-cs"/>
-              </a:defRPr>
-            </a:lvl3pPr>
-            <a:lvl4pPr marL="1371600" indent="0" algn="l" defTabSz="914400" rtl="0" eaLnBrk="1" fontAlgn="auto" latinLnBrk="0" hangingPunct="1">
-              <a:lnSpc>
-                <a:spcPct val="130000"/>
-              </a:lnSpc>
-              <a:spcBef>
-                <a:spcPts val="0"/>
-              </a:spcBef>
-              <a:spcAft>
-                <a:spcPts val="1000"/>
-              </a:spcAft>
-              <a:buFont typeface="Arial" panose="020B0604020202020204" pitchFamily="34" charset="0"/>
-              <a:buNone/>
-              <a:defRPr sz="1600" u="none" strike="noStrike" kern="1200" cap="none" spc="150" normalizeH="0" baseline="0">
-                <a:solidFill>
-                  <a:schemeClr val="tx1">
-                    <a:tint val="75000"/>
-                  </a:schemeClr>
-                </a:solidFill>
-                <a:uFillTx/>
-                <a:latin typeface="+mn-lt"/>
-                <a:ea typeface="+mn-ea"/>
-                <a:cs typeface="+mn-cs"/>
-              </a:defRPr>
-            </a:lvl4pPr>
-            <a:lvl5pPr marL="1828800" indent="0" algn="l" defTabSz="914400" rtl="0" eaLnBrk="1" fontAlgn="auto" latinLnBrk="0" hangingPunct="1">
-              <a:lnSpc>
-                <a:spcPct val="130000"/>
-              </a:lnSpc>
-              <a:spcBef>
-                <a:spcPts val="0"/>
-              </a:spcBef>
-              <a:spcAft>
-                <a:spcPts val="1000"/>
-              </a:spcAft>
-              <a:buFont typeface="Arial" panose="020B0604020202020204" pitchFamily="34" charset="0"/>
-              <a:buNone/>
-              <a:defRPr sz="1600" u="none" strike="noStrike" kern="1200" cap="none" spc="150" normalizeH="0" baseline="0">
-                <a:solidFill>
-                  <a:schemeClr val="tx1">
-                    <a:tint val="75000"/>
-                  </a:schemeClr>
-                </a:solidFill>
-                <a:uFillTx/>
-                <a:latin typeface="+mn-lt"/>
-                <a:ea typeface="+mn-ea"/>
-                <a:cs typeface="+mn-cs"/>
-              </a:defRPr>
-            </a:lvl5pPr>
-            <a:lvl6pPr marL="2286000" indent="0" algn="l" defTabSz="914400" rtl="0" eaLnBrk="1" latinLnBrk="0" hangingPunct="1">
-              <a:lnSpc>
-                <a:spcPct val="90000"/>
-              </a:lnSpc>
-              <a:spcBef>
-                <a:spcPts val="500"/>
-              </a:spcBef>
-              <a:buFont typeface="Arial" panose="020B0604020202020204" pitchFamily="34" charset="0"/>
-              <a:buNone/>
-              <a:defRPr sz="1600" kern="1200">
-                <a:solidFill>
-                  <a:schemeClr val="tx1">
-                    <a:tint val="75000"/>
-                  </a:schemeClr>
-                </a:solidFill>
-                <a:latin typeface="+mn-lt"/>
-                <a:ea typeface="+mn-ea"/>
-                <a:cs typeface="+mn-cs"/>
-              </a:defRPr>
-            </a:lvl6pPr>
-            <a:lvl7pPr marL="2743200" indent="0" algn="l" defTabSz="914400" rtl="0" eaLnBrk="1" latinLnBrk="0" hangingPunct="1">
-              <a:lnSpc>
-                <a:spcPct val="90000"/>
-              </a:lnSpc>
-              <a:spcBef>
-                <a:spcPts val="500"/>
-              </a:spcBef>
-              <a:buFont typeface="Arial" panose="020B0604020202020204" pitchFamily="34" charset="0"/>
-              <a:buNone/>
-              <a:defRPr sz="1600" kern="1200">
-                <a:solidFill>
-                  <a:schemeClr val="tx1">
-                    <a:tint val="75000"/>
-                  </a:schemeClr>
-                </a:solidFill>
-                <a:latin typeface="+mn-lt"/>
-                <a:ea typeface="+mn-ea"/>
-                <a:cs typeface="+mn-cs"/>
-              </a:defRPr>
-            </a:lvl7pPr>
-            <a:lvl8pPr marL="3200400" indent="0" algn="l" defTabSz="914400" rtl="0" eaLnBrk="1" latinLnBrk="0" hangingPunct="1">
-              <a:lnSpc>
-                <a:spcPct val="90000"/>
-              </a:lnSpc>
-              <a:spcBef>
-                <a:spcPts val="500"/>
-              </a:spcBef>
-              <a:buFont typeface="Arial" panose="020B0604020202020204" pitchFamily="34" charset="0"/>
-              <a:buNone/>
-              <a:defRPr sz="1600" kern="1200">
-                <a:solidFill>
-                  <a:schemeClr val="tx1">
-                    <a:tint val="75000"/>
-                  </a:schemeClr>
-                </a:solidFill>
-                <a:latin typeface="+mn-lt"/>
-                <a:ea typeface="+mn-ea"/>
-                <a:cs typeface="+mn-cs"/>
-              </a:defRPr>
-            </a:lvl8pPr>
-            <a:lvl9pPr marL="3657600" indent="0" algn="l" defTabSz="914400" rtl="0" eaLnBrk="1" latinLnBrk="0" hangingPunct="1">
-              <a:lnSpc>
-                <a:spcPct val="90000"/>
-              </a:lnSpc>
-              <a:spcBef>
-                <a:spcPts val="500"/>
-              </a:spcBef>
-              <a:buFont typeface="Arial" panose="020B0604020202020204" pitchFamily="34" charset="0"/>
-              <a:buNone/>
-              <a:defRPr sz="1600" kern="1200">
-                <a:solidFill>
-                  <a:schemeClr val="tx1">
-                    <a:tint val="75000"/>
-                  </a:schemeClr>
-                </a:solidFill>
-                <a:latin typeface="+mn-lt"/>
-                <a:ea typeface="+mn-ea"/>
-                <a:cs typeface="+mn-cs"/>
-              </a:defRPr>
-            </a:lvl9pPr>
-          </a:lstStyle>
-          <a:p>
-            <a:pPr marL="285750" indent="-285750">
-              <a:buFont typeface="Arial" panose="020B0604020202020204" pitchFamily="34" charset="0"/>
-              <a:buChar char="•"/>
-            </a:pPr>
-            <a:r>
-              <a:rPr lang="zh-CN" altLang="en-US" dirty="0"/>
-              <a:t>如何改进代码？</a:t>
-            </a:r>
-            <a:endParaRPr lang="en-US" altLang="zh-CN" dirty="0"/>
-          </a:p>
-          <a:p>
-            <a:pPr marL="285750" indent="-285750">
-              <a:buFont typeface="Arial" panose="020B0604020202020204" pitchFamily="34" charset="0"/>
-              <a:buChar char="•"/>
-            </a:pPr>
-            <a:r>
-              <a:rPr lang="zh-CN" altLang="en-US" dirty="0"/>
-              <a:t>将输出层的学习率变小为</a:t>
-            </a:r>
-            <a:r>
-              <a:rPr lang="en-US" altLang="zh-CN" dirty="0"/>
-              <a:t>1.0</a:t>
-            </a:r>
-            <a:r>
-              <a:rPr lang="zh-CN" altLang="en-US" dirty="0"/>
-              <a:t>，再次运行代码，看下是否解决了问题</a:t>
-            </a:r>
-            <a:endParaRPr lang="en-US" altLang="zh-CN" dirty="0"/>
-          </a:p>
-          <a:p>
-            <a:pPr marL="285750" indent="-285750">
-              <a:buFont typeface="Arial" panose="020B0604020202020204" pitchFamily="34" charset="0"/>
-              <a:buChar char="•"/>
-            </a:pPr>
-            <a:r>
-              <a:rPr lang="zh-CN" altLang="en-US" dirty="0"/>
-              <a:t>为什么需要将输出层的学习率变小？</a:t>
-            </a:r>
-            <a:endParaRPr lang="en-US" altLang="zh-CN" dirty="0"/>
-          </a:p>
-          <a:p>
-            <a:pPr marL="285750" indent="-285750">
-              <a:buFont typeface="Arial" panose="020B0604020202020204" pitchFamily="34" charset="0"/>
-              <a:buChar char="•"/>
-            </a:pPr>
-            <a:r>
-              <a:rPr lang="zh-CN" altLang="en-US" dirty="0"/>
-              <a:t>为什么“输出层的学习率过大”会发生警告：隐藏层的输出过大？</a:t>
-            </a:r>
-            <a:br>
-              <a:rPr lang="en-US" altLang="zh-CN" dirty="0"/>
-            </a:br>
-            <a:r>
-              <a:rPr lang="en-US" altLang="zh-CN" dirty="0"/>
-              <a:t>TODO layer3 learn rate too large -&gt; wMatrixBetweenLayer2Layer3 large -&gt; \delta layer2 too large -&gt; wMatrixBetweenLayer1Layer2 too large</a:t>
-            </a:r>
-          </a:p>
-          <a:p>
-            <a:endParaRPr lang="en-US" altLang="zh-CN" dirty="0"/>
-          </a:p>
-          <a:p>
-            <a:pPr marL="285750" indent="-285750">
-              <a:buFont typeface="Arial" panose="020B0604020202020204" pitchFamily="34" charset="0"/>
-              <a:buChar char="•"/>
-            </a:pPr>
-            <a:endParaRPr lang="en-US" altLang="zh-CN" dirty="0"/>
-          </a:p>
-          <a:p>
-            <a:pPr marL="285750" indent="-285750">
-              <a:buFont typeface="Arial" panose="020B0604020202020204" pitchFamily="34" charset="0"/>
-              <a:buChar char="•"/>
-            </a:pPr>
-            <a:endParaRPr lang="en-US" altLang="zh-CN" dirty="0"/>
-          </a:p>
-          <a:p>
-            <a:pPr marL="285750" indent="-285750">
-              <a:buFont typeface="Arial" panose="020B0604020202020204" pitchFamily="34" charset="0"/>
-              <a:buChar char="•"/>
-            </a:pPr>
-            <a:endParaRPr lang="en-US" altLang="zh-CN" dirty="0"/>
-          </a:p>
-          <a:p>
-            <a:pPr marL="285750" indent="-285750">
-              <a:buFont typeface="Arial" panose="020B0604020202020204" pitchFamily="34" charset="0"/>
-              <a:buChar char="•"/>
-            </a:pPr>
-            <a:r>
-              <a:rPr lang="zh-CN" altLang="en-US" dirty="0"/>
-              <a:t>自学、展学</a:t>
-            </a:r>
-          </a:p>
-          <a:p>
-            <a:pPr marL="285750" indent="-285750">
-              <a:buFont typeface="Arial" panose="020B0604020202020204" pitchFamily="34" charset="0"/>
-              <a:buChar char="•"/>
-            </a:pPr>
-            <a:endParaRPr lang="zh-CN" altLang="en-US" dirty="0"/>
-          </a:p>
-          <a:p>
-            <a:pPr marL="285750" indent="-285750">
-              <a:buFont typeface="Arial" panose="020B0604020202020204" pitchFamily="34" charset="0"/>
-              <a:buChar char="•"/>
-            </a:pPr>
-            <a:endParaRPr lang="en-US" altLang="zh-CN" dirty="0"/>
-          </a:p>
-          <a:p>
-            <a:pPr marL="285750" indent="-285750">
-              <a:buFont typeface="Arial" panose="020B0604020202020204" pitchFamily="34" charset="0"/>
-              <a:buChar char="•"/>
-            </a:pPr>
-            <a:endParaRPr lang="zh-CN" altLang="en-US" dirty="0"/>
-          </a:p>
-          <a:p>
-            <a:pPr marL="285750" indent="-285750">
-              <a:buFont typeface="Arial" panose="020B0604020202020204" pitchFamily="34" charset="0"/>
-              <a:buChar char="•"/>
-            </a:pPr>
-            <a:endParaRPr lang="zh-CN" altLang="en-US" dirty="0"/>
-          </a:p>
-          <a:p>
-            <a:pPr marL="285750" indent="-285750">
-              <a:buFont typeface="Arial" panose="020B0604020202020204" pitchFamily="34" charset="0"/>
-              <a:buChar char="•"/>
-            </a:pPr>
-            <a:endParaRPr lang="zh-CN" altLang="en-US" dirty="0"/>
-          </a:p>
-          <a:p>
-            <a:pPr marL="285750" indent="-285750">
-              <a:buFont typeface="Arial" panose="020B0604020202020204" pitchFamily="34" charset="0"/>
-              <a:buChar char="•"/>
-            </a:pPr>
-            <a:endParaRPr lang="zh-CN" altLang="en-US" dirty="0"/>
-          </a:p>
-          <a:p>
-            <a:pPr marL="285750" indent="-285750">
-              <a:buFont typeface="Arial" panose="020B0604020202020204" pitchFamily="34" charset="0"/>
-              <a:buChar char="•"/>
-            </a:pPr>
-            <a:endParaRPr lang="zh-CN" altLang="en-US" dirty="0"/>
-          </a:p>
-          <a:p>
-            <a:pPr marL="285750" indent="-285750">
-              <a:buFont typeface="Arial" panose="020B0604020202020204" pitchFamily="34" charset="0"/>
-              <a:buChar char="•"/>
-            </a:pPr>
-            <a:endParaRPr lang="zh-CN" altLang="en-US" dirty="0"/>
-          </a:p>
-          <a:p>
-            <a:pPr marL="285750" indent="-285750">
-              <a:buFont typeface="Arial" panose="020B0604020202020204" pitchFamily="34" charset="0"/>
-              <a:buChar char="•"/>
-            </a:pPr>
-            <a:endParaRPr lang="zh-CN" altLang="en-US" dirty="0"/>
-          </a:p>
-        </p:txBody>
-      </p:sp>
-      <p:sp>
-        <p:nvSpPr>
-          <p:cNvPr id="2" name="文本框 1">
-            <a:extLst>
-              <a:ext uri="{FF2B5EF4-FFF2-40B4-BE49-F238E27FC236}">
-                <a16:creationId xmlns:a16="http://schemas.microsoft.com/office/drawing/2014/main" id="{C44CE5FF-F5B7-EE3A-4FA0-0237E0B59B4F}"/>
-              </a:ext>
-            </a:extLst>
-          </p:cNvPr>
-          <p:cNvSpPr txBox="1"/>
-          <p:nvPr/>
-        </p:nvSpPr>
-        <p:spPr>
-          <a:xfrm>
-            <a:off x="1051719" y="4383075"/>
-            <a:ext cx="11297705" cy="1200329"/>
-          </a:xfrm>
-          <a:prstGeom prst="rect">
-            <a:avLst/>
-          </a:prstGeom>
-          <a:noFill/>
-        </p:spPr>
-        <p:txBody>
-          <a:bodyPr wrap="square" rtlCol="0">
-            <a:spAutoFit/>
-          </a:bodyPr>
-          <a:lstStyle/>
-          <a:p>
-            <a:r>
-              <a:rPr kumimoji="1" lang="zh-CN" altLang="en-US" dirty="0"/>
-              <a:t>因为之前的输出层的激活函数是</a:t>
-            </a:r>
-            <a:r>
-              <a:rPr kumimoji="1" lang="en-US" altLang="zh-CN" dirty="0"/>
-              <a:t>sigmoid</a:t>
-            </a:r>
-            <a:r>
-              <a:rPr kumimoji="1" lang="zh-CN" altLang="en-US" dirty="0"/>
-              <a:t>，所以在求激活函数的导数时对加权和进行了缩小的处理，</a:t>
-            </a:r>
-            <a:endParaRPr kumimoji="1" lang="en-US" altLang="zh-CN" dirty="0"/>
-          </a:p>
-          <a:p>
-            <a:r>
-              <a:rPr kumimoji="1" lang="zh-CN" altLang="en-US" dirty="0"/>
-              <a:t>这样会导致输出层的误差项变小，从而导致输出层的梯度变小；</a:t>
-            </a:r>
-            <a:endParaRPr kumimoji="1" lang="en-US" altLang="zh-CN" dirty="0"/>
-          </a:p>
-          <a:p>
-            <a:r>
-              <a:rPr kumimoji="1" lang="zh-CN" altLang="en-US" dirty="0"/>
-              <a:t>而现在激活函数换成</a:t>
-            </a:r>
-            <a:r>
-              <a:rPr kumimoji="1" lang="en-US" altLang="zh-CN" dirty="0" err="1"/>
-              <a:t>softmax</a:t>
-            </a:r>
-            <a:r>
-              <a:rPr kumimoji="1" lang="zh-CN" altLang="en-US" dirty="0"/>
-              <a:t>后，在求激活函数的导数时就没有对加权和进行缩小处理了，所以输出层的梯度就变大了，所以学习率就要对应地变小，从而使得梯度下降公式中的权重值的变化范围维持不变。</a:t>
-            </a:r>
-          </a:p>
-        </p:txBody>
-      </p:sp>
-    </p:spTree>
-    <p:custDataLst>
-      <p:tags r:id="rId1"/>
-    </p:custDataLst>
-    <p:extLst>
-      <p:ext uri="{BB962C8B-B14F-4D97-AF65-F5344CB8AC3E}">
-        <p14:creationId xmlns:p14="http://schemas.microsoft.com/office/powerpoint/2010/main" val="1180362079"/>
-      </p:ext>
-    </p:extLst>
-  </p:cSld>
-  <p:clrMapOvr>
-    <a:masterClrMapping/>
-  </p:clrMapOvr>
-  <p:timing>
-    <p:tnLst>
-      <p:par>
-        <p:cTn id="1" dur="indefinite" restart="never" nodeType="tmRoot">
-          <p:childTnLst>
-            <p:seq concurrent="1" nextAc="seek">
-              <p:cTn id="2" dur="indefinite" nodeType="mainSeq">
-                <p:childTnLst>
-                  <p:par>
-                    <p:cTn id="3" fill="hold">
-                      <p:stCondLst>
-                        <p:cond delay="indefinite"/>
-                      </p:stCondLst>
-                      <p:childTnLst>
-                        <p:par>
-                          <p:cTn id="4" fill="hold">
-                            <p:stCondLst>
-                              <p:cond delay="0"/>
-                            </p:stCondLst>
-                            <p:childTnLst>
-                              <p:par>
-                                <p:cTn id="5" presetID="1" presetClass="entr" presetSubtype="0" fill="hold" grpId="0" nodeType="clickEffect">
-                                  <p:stCondLst>
-                                    <p:cond delay="0"/>
-                                  </p:stCondLst>
-                                  <p:childTnLst>
-                                    <p:set>
-                                      <p:cBhvr>
-                                        <p:cTn id="6" dur="1" fill="hold">
-                                          <p:stCondLst>
-                                            <p:cond delay="0"/>
-                                          </p:stCondLst>
-                                        </p:cTn>
-                                        <p:tgtEl>
-                                          <p:spTgt spid="6"/>
-                                        </p:tgtEl>
-                                        <p:attrNameLst>
-                                          <p:attrName>style.visibility</p:attrName>
-                                        </p:attrNameLst>
-                                      </p:cBhvr>
-                                      <p:to>
-                                        <p:strVal val="visible"/>
-                                      </p:to>
-                                    </p:set>
-                                  </p:childTnLst>
-                                </p:cTn>
-                              </p:par>
-                            </p:childTnLst>
-                          </p:cTn>
-                        </p:par>
-                      </p:childTnLst>
-                    </p:cTn>
-                  </p:par>
-                </p:childTnLst>
-              </p:cTn>
-              <p:prevCondLst>
-                <p:cond evt="onPrev" delay="0">
-                  <p:tgtEl>
-                    <p:sldTgt/>
-                  </p:tgtEl>
-                </p:cond>
-              </p:prevCondLst>
-              <p:nextCondLst>
-                <p:cond evt="onNext" delay="0">
-                  <p:tgtEl>
-                    <p:sldTgt/>
-                  </p:tgtEl>
-                </p:cond>
-              </p:nextCondLst>
-            </p:seq>
-          </p:childTnLst>
-        </p:cTn>
-      </p:par>
-    </p:tnLst>
-    <p:bldLst>
-      <p:bldP spid="6" grpId="0"/>
-    </p:bldLst>
-  </p:timing>
-</p:sld>
-</file>
-
-<file path=ppt/slides/slide28.xml><?xml version="1.0" encoding="utf-8"?>
-<p:sld xmlns:a="http://schemas.openxmlformats.org/drawingml/2006/main" xmlns:r="http://schemas.openxmlformats.org/officeDocument/2006/relationships" xmlns:p="http://schemas.openxmlformats.org/presentationml/2006/main">
-  <p:cSld>
-    <p:spTree>
-      <p:nvGrpSpPr>
-        <p:cNvPr id="1" name=""/>
-        <p:cNvGrpSpPr/>
-        <p:nvPr/>
-      </p:nvGrpSpPr>
-      <p:grpSpPr>
-        <a:xfrm>
-          <a:off x="0" y="0"/>
-          <a:ext cx="0" cy="0"/>
-          <a:chOff x="0" y="0"/>
-          <a:chExt cx="0" cy="0"/>
-        </a:xfrm>
-      </p:grpSpPr>
-      <p:sp>
-        <p:nvSpPr>
-          <p:cNvPr id="2" name="标题 1"/>
-          <p:cNvSpPr>
-            <a:spLocks noGrp="1"/>
-          </p:cNvSpPr>
-          <p:nvPr>
-            <p:ph type="title"/>
-          </p:nvPr>
-        </p:nvSpPr>
-        <p:spPr/>
-        <p:txBody>
-          <a:bodyPr/>
-          <a:lstStyle/>
-          <a:p>
-            <a:r>
               <a:rPr lang="zh-CN" altLang="en-US"/>
               <a:t>总结</a:t>
             </a:r>
@@ -13704,7 +12840,7 @@
 </p:sld>
 </file>
 
-<file path=ppt/slides/slide29.xml><?xml version="1.0" encoding="utf-8"?>
+<file path=ppt/slides/slide27.xml><?xml version="1.0" encoding="utf-8"?>
 <p:sld xmlns:a="http://schemas.openxmlformats.org/drawingml/2006/main" xmlns:r="http://schemas.openxmlformats.org/officeDocument/2006/relationships" xmlns:p="http://schemas.openxmlformats.org/presentationml/2006/main">
   <p:cSld>
     <p:spTree>
@@ -14011,6 +13147,287 @@
       <p:bldP spid="2" grpId="0" uiExpand="1" build="p"/>
     </p:bldLst>
   </p:timing>
+</p:sld>
+</file>
+
+<file path=ppt/slides/slide28.xml><?xml version="1.0" encoding="utf-8"?>
+<p:sld xmlns:a="http://schemas.openxmlformats.org/drawingml/2006/main" xmlns:r="http://schemas.openxmlformats.org/officeDocument/2006/relationships" xmlns:p="http://schemas.openxmlformats.org/presentationml/2006/main">
+  <p:cSld>
+    <p:spTree>
+      <p:nvGrpSpPr>
+        <p:cNvPr id="1" name=""/>
+        <p:cNvGrpSpPr/>
+        <p:nvPr/>
+      </p:nvGrpSpPr>
+      <p:grpSpPr>
+        <a:xfrm>
+          <a:off x="0" y="0"/>
+          <a:ext cx="0" cy="0"/>
+          <a:chOff x="0" y="0"/>
+          <a:chExt cx="0" cy="0"/>
+        </a:xfrm>
+      </p:grpSpPr>
+      <p:sp>
+        <p:nvSpPr>
+          <p:cNvPr id="2" name="文本占位符 1"/>
+          <p:cNvSpPr>
+            <a:spLocks noGrp="1"/>
+          </p:cNvSpPr>
+          <p:nvPr>
+            <p:ph type="body" idx="1"/>
+          </p:nvPr>
+        </p:nvSpPr>
+        <p:spPr/>
+        <p:txBody>
+          <a:bodyPr/>
+          <a:lstStyle/>
+          <a:p>
+            <a:pPr marL="285750" indent="-285750">
+              <a:buFont typeface="Arial" panose="020B0604020202020204" pitchFamily="34" charset="0"/>
+              <a:buChar char="•"/>
+            </a:pPr>
+            <a:r>
+              <a:rPr lang="en" dirty="0">
+                <a:sym typeface="+mn-ea"/>
+                <a:hlinkClick r:id="rId3"/>
+              </a:rPr>
+              <a:t>Improving the way neural networks learn</a:t>
+            </a:r>
+            <a:endParaRPr lang="en" dirty="0">
+              <a:sym typeface="+mn-ea"/>
+            </a:endParaRPr>
+          </a:p>
+          <a:p>
+            <a:pPr marL="285750" indent="-285750">
+              <a:buFont typeface="Arial" panose="020B0604020202020204" pitchFamily="34" charset="0"/>
+              <a:buChar char="•"/>
+            </a:pPr>
+            <a:r>
+              <a:rPr lang="zh-CN" altLang="en-US" dirty="0">
+                <a:sym typeface="+mn-ea"/>
+                <a:hlinkClick r:id="rId4"/>
+              </a:rPr>
+              <a:t>超详细的</a:t>
+            </a:r>
+            <a:r>
+              <a:rPr lang="en" dirty="0">
+                <a:sym typeface="+mn-ea"/>
+                <a:hlinkClick r:id="rId4"/>
+              </a:rPr>
+              <a:t>softmax</a:t>
+            </a:r>
+            <a:r>
+              <a:rPr lang="zh-CN" altLang="en-US" dirty="0">
+                <a:sym typeface="+mn-ea"/>
+                <a:hlinkClick r:id="rId4"/>
+              </a:rPr>
+              <a:t>的反向传播梯度计算推导</a:t>
+            </a:r>
+            <a:endParaRPr lang="en-US" altLang="zh-CN" dirty="0">
+              <a:sym typeface="+mn-ea"/>
+            </a:endParaRPr>
+          </a:p>
+          <a:p>
+            <a:pPr marL="285750" indent="-285750">
+              <a:buFont typeface="Arial" panose="020B0604020202020204" pitchFamily="34" charset="0"/>
+              <a:buChar char="•"/>
+            </a:pPr>
+            <a:r>
+              <a:rPr lang="en" dirty="0">
+                <a:sym typeface="+mn-ea"/>
+                <a:hlinkClick r:id="rId5"/>
+              </a:rPr>
+              <a:t>Softmax</a:t>
+            </a:r>
+            <a:r>
+              <a:rPr lang="zh-CN" altLang="en-US" dirty="0">
+                <a:sym typeface="+mn-ea"/>
+                <a:hlinkClick r:id="rId5"/>
+              </a:rPr>
+              <a:t>与交叉熵损失的实现及求导</a:t>
+            </a:r>
+            <a:endParaRPr dirty="0">
+              <a:sym typeface="+mn-ea"/>
+            </a:endParaRPr>
+          </a:p>
+        </p:txBody>
+      </p:sp>
+      <p:sp>
+        <p:nvSpPr>
+          <p:cNvPr id="3" name="标题 2"/>
+          <p:cNvSpPr>
+            <a:spLocks noGrp="1"/>
+          </p:cNvSpPr>
+          <p:nvPr>
+            <p:ph type="title"/>
+          </p:nvPr>
+        </p:nvSpPr>
+        <p:spPr/>
+        <p:txBody>
+          <a:bodyPr/>
+          <a:lstStyle/>
+          <a:p>
+            <a:r>
+              <a:rPr lang="zh-CN" altLang="en-US" dirty="0"/>
+              <a:t>参考资料</a:t>
+            </a:r>
+          </a:p>
+        </p:txBody>
+      </p:sp>
+      <p:graphicFrame>
+        <p:nvGraphicFramePr>
+          <p:cNvPr id="4" name="对象 3">
+            <a:hlinkClick r:id="" action="ppaction://ole?verb=0"/>
+          </p:cNvPr>
+          <p:cNvGraphicFramePr>
+            <a:graphicFrameLocks noChangeAspect="1"/>
+          </p:cNvGraphicFramePr>
+          <p:nvPr/>
+        </p:nvGraphicFramePr>
+        <p:xfrm>
+          <a:off x="5638800" y="3244850"/>
+          <a:ext cx="914400" cy="368300"/>
+        </p:xfrm>
+        <a:graphic>
+          <a:graphicData uri="http://schemas.openxmlformats.org/presentationml/2006/ole">
+            <mc:AlternateContent xmlns:mc="http://schemas.openxmlformats.org/markup-compatibility/2006">
+              <mc:Choice xmlns:v="urn:schemas-microsoft-com:vml" Requires="v">
+                <p:oleObj r:id="rId6" imgW="914400" imgH="368300" progId="Equation.KSEE3">
+                  <p:embed/>
+                </p:oleObj>
+              </mc:Choice>
+              <mc:Fallback>
+                <p:oleObj r:id="rId6" imgW="914400" imgH="368300" progId="Equation.KSEE3">
+                  <p:embed/>
+                  <p:pic>
+                    <p:nvPicPr>
+                      <p:cNvPr id="4" name="对象 3">
+                        <a:hlinkClick r:id="" action="ppaction://ole?verb=0"/>
+                      </p:cNvPr>
+                      <p:cNvPicPr/>
+                      <p:nvPr/>
+                    </p:nvPicPr>
+                    <p:blipFill>
+                      <a:blip r:embed="rId7"/>
+                      <a:stretch>
+                        <a:fillRect/>
+                      </a:stretch>
+                    </p:blipFill>
+                    <p:spPr>
+                      <a:xfrm>
+                        <a:off x="5638800" y="3244850"/>
+                        <a:ext cx="914400" cy="368300"/>
+                      </a:xfrm>
+                      <a:prstGeom prst="rect">
+                        <a:avLst/>
+                      </a:prstGeom>
+                    </p:spPr>
+                  </p:pic>
+                </p:oleObj>
+              </mc:Fallback>
+            </mc:AlternateContent>
+          </a:graphicData>
+        </a:graphic>
+      </p:graphicFrame>
+    </p:spTree>
+    <p:custDataLst>
+      <p:tags r:id="rId1"/>
+    </p:custDataLst>
+    <p:extLst>
+      <p:ext uri="{BB962C8B-B14F-4D97-AF65-F5344CB8AC3E}">
+        <p14:creationId xmlns:p14="http://schemas.microsoft.com/office/powerpoint/2010/main" val="2517994622"/>
+      </p:ext>
+    </p:extLst>
+  </p:cSld>
+  <p:clrMapOvr>
+    <a:masterClrMapping/>
+  </p:clrMapOvr>
+</p:sld>
+</file>
+
+<file path=ppt/slides/slide29.xml><?xml version="1.0" encoding="utf-8"?>
+<p:sld xmlns:a="http://schemas.openxmlformats.org/drawingml/2006/main" xmlns:r="http://schemas.openxmlformats.org/officeDocument/2006/relationships" xmlns:p="http://schemas.openxmlformats.org/presentationml/2006/main">
+  <p:cSld>
+    <p:spTree>
+      <p:nvGrpSpPr>
+        <p:cNvPr id="1" name=""/>
+        <p:cNvGrpSpPr/>
+        <p:nvPr/>
+      </p:nvGrpSpPr>
+      <p:grpSpPr>
+        <a:xfrm>
+          <a:off x="0" y="0"/>
+          <a:ext cx="0" cy="0"/>
+          <a:chOff x="0" y="0"/>
+          <a:chExt cx="0" cy="0"/>
+        </a:xfrm>
+      </p:grpSpPr>
+      <p:sp>
+        <p:nvSpPr>
+          <p:cNvPr id="2" name="文本占位符 1"/>
+          <p:cNvSpPr>
+            <a:spLocks noGrp="1"/>
+          </p:cNvSpPr>
+          <p:nvPr>
+            <p:ph type="body" idx="1"/>
+          </p:nvPr>
+        </p:nvSpPr>
+        <p:spPr/>
+        <p:txBody>
+          <a:bodyPr/>
+          <a:lstStyle/>
+          <a:p>
+            <a:pPr marL="285750" indent="-285750">
+              <a:buFont typeface="Arial" panose="020B0604020202020204" pitchFamily="34" charset="0"/>
+              <a:buChar char="•"/>
+            </a:pPr>
+            <a:r>
+              <a:rPr lang="zh-CN" altLang="en-US" dirty="0">
+                <a:sym typeface="+mn-ea"/>
+              </a:rPr>
+              <a:t>使用小批量随机梯度下降</a:t>
+            </a:r>
+            <a:endParaRPr dirty="0">
+              <a:sym typeface="+mn-ea"/>
+            </a:endParaRPr>
+          </a:p>
+        </p:txBody>
+      </p:sp>
+      <p:sp>
+        <p:nvSpPr>
+          <p:cNvPr id="3" name="标题 2"/>
+          <p:cNvSpPr>
+            <a:spLocks noGrp="1"/>
+          </p:cNvSpPr>
+          <p:nvPr>
+            <p:ph type="title"/>
+          </p:nvPr>
+        </p:nvSpPr>
+        <p:spPr/>
+        <p:txBody>
+          <a:bodyPr/>
+          <a:lstStyle/>
+          <a:p>
+            <a:r>
+              <a:rPr lang="zh-CN" altLang="en-US" dirty="0"/>
+              <a:t>下节课预告</a:t>
+            </a:r>
+          </a:p>
+        </p:txBody>
+      </p:sp>
+    </p:spTree>
+    <p:custDataLst>
+      <p:tags r:id="rId1"/>
+    </p:custDataLst>
+    <p:extLst>
+      <p:ext uri="{BB962C8B-B14F-4D97-AF65-F5344CB8AC3E}">
+        <p14:creationId xmlns:p14="http://schemas.microsoft.com/office/powerpoint/2010/main" val="1027050507"/>
+      </p:ext>
+    </p:extLst>
+  </p:cSld>
+  <p:clrMapOvr>
+    <a:masterClrMapping/>
+  </p:clrMapOvr>
 </p:sld>
 </file>
 
@@ -14381,177 +13798,10 @@
           <a:chExt cx="0" cy="0"/>
         </a:xfrm>
       </p:grpSpPr>
-      <p:sp>
-        <p:nvSpPr>
-          <p:cNvPr id="2" name="文本占位符 1"/>
-          <p:cNvSpPr>
-            <a:spLocks noGrp="1"/>
-          </p:cNvSpPr>
-          <p:nvPr>
-            <p:ph type="body" idx="1"/>
-          </p:nvPr>
-        </p:nvSpPr>
-        <p:spPr/>
-        <p:txBody>
-          <a:bodyPr/>
-          <a:lstStyle/>
-          <a:p>
-            <a:pPr marL="285750" indent="-285750">
-              <a:buFont typeface="Arial" panose="020B0604020202020204" pitchFamily="34" charset="0"/>
-              <a:buChar char="•"/>
-            </a:pPr>
-            <a:r>
-              <a:rPr lang="en" dirty="0">
-                <a:sym typeface="+mn-ea"/>
-                <a:hlinkClick r:id="rId3"/>
-              </a:rPr>
-              <a:t>Improving the way neural networks learn</a:t>
-            </a:r>
-            <a:endParaRPr lang="en" dirty="0">
-              <a:sym typeface="+mn-ea"/>
-            </a:endParaRPr>
-          </a:p>
-          <a:p>
-            <a:pPr marL="285750" indent="-285750">
-              <a:buFont typeface="Arial" panose="020B0604020202020204" pitchFamily="34" charset="0"/>
-              <a:buChar char="•"/>
-            </a:pPr>
-            <a:r>
-              <a:rPr lang="zh-CN" altLang="en-US" dirty="0">
-                <a:sym typeface="+mn-ea"/>
-                <a:hlinkClick r:id="rId4"/>
-              </a:rPr>
-              <a:t>超详细的</a:t>
-            </a:r>
-            <a:r>
-              <a:rPr lang="en" dirty="0">
-                <a:sym typeface="+mn-ea"/>
-                <a:hlinkClick r:id="rId4"/>
-              </a:rPr>
-              <a:t>softmax</a:t>
-            </a:r>
-            <a:r>
-              <a:rPr lang="zh-CN" altLang="en-US" dirty="0">
-                <a:sym typeface="+mn-ea"/>
-                <a:hlinkClick r:id="rId4"/>
-              </a:rPr>
-              <a:t>的反向传播梯度计算推导</a:t>
-            </a:r>
-            <a:endParaRPr lang="en-US" altLang="zh-CN" dirty="0">
-              <a:sym typeface="+mn-ea"/>
-            </a:endParaRPr>
-          </a:p>
-          <a:p>
-            <a:pPr marL="285750" indent="-285750">
-              <a:buFont typeface="Arial" panose="020B0604020202020204" pitchFamily="34" charset="0"/>
-              <a:buChar char="•"/>
-            </a:pPr>
-            <a:r>
-              <a:rPr lang="en" dirty="0">
-                <a:sym typeface="+mn-ea"/>
-                <a:hlinkClick r:id="rId5"/>
-              </a:rPr>
-              <a:t>Softmax</a:t>
-            </a:r>
-            <a:r>
-              <a:rPr lang="zh-CN" altLang="en-US" dirty="0">
-                <a:sym typeface="+mn-ea"/>
-                <a:hlinkClick r:id="rId5"/>
-              </a:rPr>
-              <a:t>与交叉熵损失的实现及求导</a:t>
-            </a:r>
-            <a:endParaRPr dirty="0">
-              <a:sym typeface="+mn-ea"/>
-            </a:endParaRPr>
-          </a:p>
-        </p:txBody>
-      </p:sp>
-      <p:sp>
-        <p:nvSpPr>
-          <p:cNvPr id="3" name="标题 2"/>
-          <p:cNvSpPr>
-            <a:spLocks noGrp="1"/>
-          </p:cNvSpPr>
-          <p:nvPr>
-            <p:ph type="title"/>
-          </p:nvPr>
-        </p:nvSpPr>
-        <p:spPr/>
-        <p:txBody>
-          <a:bodyPr/>
-          <a:lstStyle/>
-          <a:p>
-            <a:r>
-              <a:rPr lang="zh-CN" altLang="en-US" dirty="0"/>
-              <a:t>参考资料</a:t>
-            </a:r>
-          </a:p>
-        </p:txBody>
-      </p:sp>
-      <p:graphicFrame>
-        <p:nvGraphicFramePr>
-          <p:cNvPr id="4" name="对象 3">
-            <a:hlinkClick r:id="" action="ppaction://ole?verb=0"/>
-          </p:cNvPr>
-          <p:cNvGraphicFramePr>
-            <a:graphicFrameLocks noChangeAspect="1"/>
-          </p:cNvGraphicFramePr>
-          <p:nvPr/>
-        </p:nvGraphicFramePr>
-        <p:xfrm>
-          <a:off x="5638800" y="3244850"/>
-          <a:ext cx="914400" cy="368300"/>
-        </p:xfrm>
-        <a:graphic>
-          <a:graphicData uri="http://schemas.openxmlformats.org/presentationml/2006/ole">
-            <mc:AlternateContent xmlns:mc="http://schemas.openxmlformats.org/markup-compatibility/2006">
-              <mc:Choice xmlns:v="urn:schemas-microsoft-com:vml" Requires="v">
-                <p:oleObj r:id="rId6" imgW="914400" imgH="368300" progId="Equation.KSEE3">
-                  <p:embed/>
-                </p:oleObj>
-              </mc:Choice>
-              <mc:Fallback>
-                <p:oleObj r:id="rId6" imgW="914400" imgH="368300" progId="Equation.KSEE3">
-                  <p:embed/>
-                  <p:pic>
-                    <p:nvPicPr>
-                      <p:cNvPr id="4" name="对象 3">
-                        <a:hlinkClick r:id="" action="ppaction://ole?verb=0"/>
-                      </p:cNvPr>
-                      <p:cNvPicPr/>
-                      <p:nvPr/>
-                    </p:nvPicPr>
-                    <p:blipFill>
-                      <a:blip r:embed="rId7"/>
-                      <a:stretch>
-                        <a:fillRect/>
-                      </a:stretch>
-                    </p:blipFill>
-                    <p:spPr>
-                      <a:xfrm>
-                        <a:off x="5638800" y="3244850"/>
-                        <a:ext cx="914400" cy="368300"/>
-                      </a:xfrm>
-                      <a:prstGeom prst="rect">
-                        <a:avLst/>
-                      </a:prstGeom>
-                    </p:spPr>
-                  </p:pic>
-                </p:oleObj>
-              </mc:Fallback>
-            </mc:AlternateContent>
-          </a:graphicData>
-        </a:graphic>
-      </p:graphicFrame>
     </p:spTree>
     <p:custDataLst>
       <p:tags r:id="rId1"/>
     </p:custDataLst>
-    <p:extLst>
-      <p:ext uri="{BB962C8B-B14F-4D97-AF65-F5344CB8AC3E}">
-        <p14:creationId xmlns:p14="http://schemas.microsoft.com/office/powerpoint/2010/main" val="2517994622"/>
-      </p:ext>
-    </p:extLst>
   </p:cSld>
   <p:clrMapOvr>
     <a:masterClrMapping/>
@@ -14595,9 +13845,7 @@
               <a:buFont typeface="Arial" panose="020B0604020202020204" pitchFamily="34" charset="0"/>
               <a:buChar char="•"/>
             </a:pPr>
-            <a:endParaRPr dirty="0">
-              <a:sym typeface="+mn-ea"/>
-            </a:endParaRPr>
+            <a:endParaRPr lang="en-US" altLang="zh-CN" dirty="0"/>
           </a:p>
         </p:txBody>
       </p:sp>
@@ -14617,112 +13865,6 @@
           <a:lstStyle/>
           <a:p>
             <a:r>
-              <a:rPr lang="zh-CN" altLang="en-US"/>
-              <a:t>下节课预告</a:t>
-            </a:r>
-          </a:p>
-        </p:txBody>
-      </p:sp>
-    </p:spTree>
-    <p:custDataLst>
-      <p:tags r:id="rId1"/>
-    </p:custDataLst>
-    <p:extLst>
-      <p:ext uri="{BB962C8B-B14F-4D97-AF65-F5344CB8AC3E}">
-        <p14:creationId xmlns:p14="http://schemas.microsoft.com/office/powerpoint/2010/main" val="1027050507"/>
-      </p:ext>
-    </p:extLst>
-  </p:cSld>
-  <p:clrMapOvr>
-    <a:masterClrMapping/>
-  </p:clrMapOvr>
-</p:sld>
-</file>
-
-<file path=ppt/slides/slide32.xml><?xml version="1.0" encoding="utf-8"?>
-<p:sld xmlns:a="http://schemas.openxmlformats.org/drawingml/2006/main" xmlns:r="http://schemas.openxmlformats.org/officeDocument/2006/relationships" xmlns:p="http://schemas.openxmlformats.org/presentationml/2006/main">
-  <p:cSld>
-    <p:spTree>
-      <p:nvGrpSpPr>
-        <p:cNvPr id="1" name=""/>
-        <p:cNvGrpSpPr/>
-        <p:nvPr/>
-      </p:nvGrpSpPr>
-      <p:grpSpPr>
-        <a:xfrm>
-          <a:off x="0" y="0"/>
-          <a:ext cx="0" cy="0"/>
-          <a:chOff x="0" y="0"/>
-          <a:chExt cx="0" cy="0"/>
-        </a:xfrm>
-      </p:grpSpPr>
-    </p:spTree>
-    <p:custDataLst>
-      <p:tags r:id="rId1"/>
-    </p:custDataLst>
-  </p:cSld>
-  <p:clrMapOvr>
-    <a:masterClrMapping/>
-  </p:clrMapOvr>
-</p:sld>
-</file>
-
-<file path=ppt/slides/slide33.xml><?xml version="1.0" encoding="utf-8"?>
-<p:sld xmlns:a="http://schemas.openxmlformats.org/drawingml/2006/main" xmlns:r="http://schemas.openxmlformats.org/officeDocument/2006/relationships" xmlns:p="http://schemas.openxmlformats.org/presentationml/2006/main">
-  <p:cSld>
-    <p:spTree>
-      <p:nvGrpSpPr>
-        <p:cNvPr id="1" name=""/>
-        <p:cNvGrpSpPr/>
-        <p:nvPr/>
-      </p:nvGrpSpPr>
-      <p:grpSpPr>
-        <a:xfrm>
-          <a:off x="0" y="0"/>
-          <a:ext cx="0" cy="0"/>
-          <a:chOff x="0" y="0"/>
-          <a:chExt cx="0" cy="0"/>
-        </a:xfrm>
-      </p:grpSpPr>
-      <p:sp>
-        <p:nvSpPr>
-          <p:cNvPr id="2" name="文本占位符 1"/>
-          <p:cNvSpPr>
-            <a:spLocks noGrp="1"/>
-          </p:cNvSpPr>
-          <p:nvPr>
-            <p:ph type="body" idx="1"/>
-          </p:nvPr>
-        </p:nvSpPr>
-        <p:spPr/>
-        <p:txBody>
-          <a:bodyPr/>
-          <a:lstStyle/>
-          <a:p>
-            <a:pPr marL="285750" indent="-285750">
-              <a:buFont typeface="Arial" panose="020B0604020202020204" pitchFamily="34" charset="0"/>
-              <a:buChar char="•"/>
-            </a:pPr>
-            <a:endParaRPr lang="en-US" altLang="zh-CN" dirty="0"/>
-          </a:p>
-        </p:txBody>
-      </p:sp>
-      <p:sp>
-        <p:nvSpPr>
-          <p:cNvPr id="3" name="标题 2"/>
-          <p:cNvSpPr>
-            <a:spLocks noGrp="1"/>
-          </p:cNvSpPr>
-          <p:nvPr>
-            <p:ph type="title"/>
-          </p:nvPr>
-        </p:nvSpPr>
-        <p:spPr/>
-        <p:txBody>
-          <a:bodyPr/>
-          <a:lstStyle/>
-          <a:p>
-            <a:r>
               <a:rPr lang="zh-CN" altLang="en-US" dirty="0"/>
               <a:t>问答</a:t>
             </a:r>
@@ -14740,7 +13882,7 @@
 </p:sld>
 </file>
 
-<file path=ppt/slides/slide34.xml><?xml version="1.0" encoding="utf-8"?>
+<file path=ppt/slides/slide32.xml><?xml version="1.0" encoding="utf-8"?>
 <p:sld xmlns:a="http://schemas.openxmlformats.org/drawingml/2006/main" xmlns:r="http://schemas.openxmlformats.org/officeDocument/2006/relationships" xmlns:p="http://schemas.openxmlformats.org/presentationml/2006/main">
   <p:cSld>
     <p:spTree>
@@ -18345,24 +17487,6 @@
 </file>
 
 <file path=ppt/tags/tag101.xml><?xml version="1.0" encoding="utf-8"?>
-<p:tagLst xmlns:a="http://schemas.openxmlformats.org/drawingml/2006/main" xmlns:r="http://schemas.openxmlformats.org/officeDocument/2006/relationships" xmlns:p="http://schemas.openxmlformats.org/presentationml/2006/main">
-  <p:tag name="KSO_WM_BEAUTIFY_FLAG" val="#wm#"/>
-  <p:tag name="KSO_WM_TEMPLATE_CATEGORY" val="custom"/>
-  <p:tag name="KSO_WM_TEMPLATE_INDEX" val="20187308"/>
-  <p:tag name="KSO_WM_SPECIAL_SOURCE" val="bdnull"/>
-</p:tagLst>
-</file>
-
-<file path=ppt/tags/tag102.xml><?xml version="1.0" encoding="utf-8"?>
-<p:tagLst xmlns:a="http://schemas.openxmlformats.org/drawingml/2006/main" xmlns:r="http://schemas.openxmlformats.org/officeDocument/2006/relationships" xmlns:p="http://schemas.openxmlformats.org/presentationml/2006/main">
-  <p:tag name="KSO_WM_BEAUTIFY_FLAG" val="#wm#"/>
-  <p:tag name="KSO_WM_TEMPLATE_CATEGORY" val="custom"/>
-  <p:tag name="KSO_WM_TEMPLATE_INDEX" val="20187308"/>
-  <p:tag name="KSO_WM_SPECIAL_SOURCE" val="bdnull"/>
-</p:tagLst>
-</file>
-
-<file path=ppt/tags/tag103.xml><?xml version="1.0" encoding="utf-8"?>
 <p:tagLst xmlns:a="http://schemas.openxmlformats.org/drawingml/2006/main" xmlns:r="http://schemas.openxmlformats.org/officeDocument/2006/relationships" xmlns:p="http://schemas.openxmlformats.org/presentationml/2006/main">
   <p:tag name="KSO_WM_BEAUTIFY_FLAG" val="#wm#"/>
   <p:tag name="KSO_WM_TEMPLATE_CATEGORY" val="custom"/>

--- a/lessons/6_softmax/ppt/使用交叉熵损失函数和Softmax激活函数.pptx
+++ b/lessons/6_softmax/ppt/使用交叉熵损失函数和Softmax激活函数.pptx
@@ -8683,7 +8683,7 @@
                             </p:stCondLst>
                             <p:childTnLst>
                               <p:par>
-                                <p:cTn id="5" presetID="1" presetClass="entr" presetSubtype="0" fill="hold" grpId="0" nodeType="clickEffect">
+                                <p:cTn id="5" presetID="1" presetClass="entr" presetSubtype="0" fill="hold" nodeType="clickEffect">
                                   <p:stCondLst>
                                     <p:cond delay="0"/>
                                   </p:stCondLst>
@@ -8696,7 +8696,199 @@
                                           </p:stCondLst>
                                         </p:cTn>
                                         <p:tgtEl>
-                                          <p:spTgt spid="6"/>
+                                          <p:spTgt spid="6">
+                                            <p:txEl>
+                                              <p:pRg st="0" end="0"/>
+                                            </p:txEl>
+                                          </p:spTgt>
+                                        </p:tgtEl>
+                                        <p:attrNameLst>
+                                          <p:attrName>style.visibility</p:attrName>
+                                        </p:attrNameLst>
+                                      </p:cBhvr>
+                                      <p:to>
+                                        <p:strVal val="visible"/>
+                                      </p:to>
+                                    </p:set>
+                                  </p:childTnLst>
+                                </p:cTn>
+                              </p:par>
+                            </p:childTnLst>
+                          </p:cTn>
+                        </p:par>
+                      </p:childTnLst>
+                    </p:cTn>
+                  </p:par>
+                  <p:par>
+                    <p:cTn id="7" fill="hold">
+                      <p:stCondLst>
+                        <p:cond delay="indefinite"/>
+                      </p:stCondLst>
+                      <p:childTnLst>
+                        <p:par>
+                          <p:cTn id="8" fill="hold">
+                            <p:stCondLst>
+                              <p:cond delay="0"/>
+                            </p:stCondLst>
+                            <p:childTnLst>
+                              <p:par>
+                                <p:cTn id="9" presetID="1" presetClass="entr" presetSubtype="0" fill="hold" nodeType="clickEffect">
+                                  <p:stCondLst>
+                                    <p:cond delay="0"/>
+                                  </p:stCondLst>
+                                  <p:childTnLst>
+                                    <p:set>
+                                      <p:cBhvr>
+                                        <p:cTn id="10" dur="1" fill="hold">
+                                          <p:stCondLst>
+                                            <p:cond delay="0"/>
+                                          </p:stCondLst>
+                                        </p:cTn>
+                                        <p:tgtEl>
+                                          <p:spTgt spid="6">
+                                            <p:txEl>
+                                              <p:pRg st="1" end="1"/>
+                                            </p:txEl>
+                                          </p:spTgt>
+                                        </p:tgtEl>
+                                        <p:attrNameLst>
+                                          <p:attrName>style.visibility</p:attrName>
+                                        </p:attrNameLst>
+                                      </p:cBhvr>
+                                      <p:to>
+                                        <p:strVal val="visible"/>
+                                      </p:to>
+                                    </p:set>
+                                  </p:childTnLst>
+                                </p:cTn>
+                              </p:par>
+                            </p:childTnLst>
+                          </p:cTn>
+                        </p:par>
+                      </p:childTnLst>
+                    </p:cTn>
+                  </p:par>
+                  <p:par>
+                    <p:cTn id="11" fill="hold">
+                      <p:stCondLst>
+                        <p:cond delay="indefinite"/>
+                      </p:stCondLst>
+                      <p:childTnLst>
+                        <p:par>
+                          <p:cTn id="12" fill="hold">
+                            <p:stCondLst>
+                              <p:cond delay="0"/>
+                            </p:stCondLst>
+                            <p:childTnLst>
+                              <p:par>
+                                <p:cTn id="13" presetID="1" presetClass="entr" presetSubtype="0" fill="hold" nodeType="clickEffect">
+                                  <p:stCondLst>
+                                    <p:cond delay="0"/>
+                                  </p:stCondLst>
+                                  <p:childTnLst>
+                                    <p:set>
+                                      <p:cBhvr>
+                                        <p:cTn id="14" dur="1" fill="hold">
+                                          <p:stCondLst>
+                                            <p:cond delay="0"/>
+                                          </p:stCondLst>
+                                        </p:cTn>
+                                        <p:tgtEl>
+                                          <p:spTgt spid="6">
+                                            <p:txEl>
+                                              <p:pRg st="2" end="2"/>
+                                            </p:txEl>
+                                          </p:spTgt>
+                                        </p:tgtEl>
+                                        <p:attrNameLst>
+                                          <p:attrName>style.visibility</p:attrName>
+                                        </p:attrNameLst>
+                                      </p:cBhvr>
+                                      <p:to>
+                                        <p:strVal val="visible"/>
+                                      </p:to>
+                                    </p:set>
+                                  </p:childTnLst>
+                                </p:cTn>
+                              </p:par>
+                            </p:childTnLst>
+                          </p:cTn>
+                        </p:par>
+                      </p:childTnLst>
+                    </p:cTn>
+                  </p:par>
+                  <p:par>
+                    <p:cTn id="15" fill="hold">
+                      <p:stCondLst>
+                        <p:cond delay="indefinite"/>
+                      </p:stCondLst>
+                      <p:childTnLst>
+                        <p:par>
+                          <p:cTn id="16" fill="hold">
+                            <p:stCondLst>
+                              <p:cond delay="0"/>
+                            </p:stCondLst>
+                            <p:childTnLst>
+                              <p:par>
+                                <p:cTn id="17" presetID="1" presetClass="entr" presetSubtype="0" fill="hold" nodeType="clickEffect">
+                                  <p:stCondLst>
+                                    <p:cond delay="0"/>
+                                  </p:stCondLst>
+                                  <p:childTnLst>
+                                    <p:set>
+                                      <p:cBhvr>
+                                        <p:cTn id="18" dur="1" fill="hold">
+                                          <p:stCondLst>
+                                            <p:cond delay="0"/>
+                                          </p:stCondLst>
+                                        </p:cTn>
+                                        <p:tgtEl>
+                                          <p:spTgt spid="2"/>
+                                        </p:tgtEl>
+                                        <p:attrNameLst>
+                                          <p:attrName>style.visibility</p:attrName>
+                                        </p:attrNameLst>
+                                      </p:cBhvr>
+                                      <p:to>
+                                        <p:strVal val="visible"/>
+                                      </p:to>
+                                    </p:set>
+                                  </p:childTnLst>
+                                </p:cTn>
+                              </p:par>
+                            </p:childTnLst>
+                          </p:cTn>
+                        </p:par>
+                      </p:childTnLst>
+                    </p:cTn>
+                  </p:par>
+                  <p:par>
+                    <p:cTn id="19" fill="hold">
+                      <p:stCondLst>
+                        <p:cond delay="indefinite"/>
+                      </p:stCondLst>
+                      <p:childTnLst>
+                        <p:par>
+                          <p:cTn id="20" fill="hold">
+                            <p:stCondLst>
+                              <p:cond delay="0"/>
+                            </p:stCondLst>
+                            <p:childTnLst>
+                              <p:par>
+                                <p:cTn id="21" presetID="1" presetClass="entr" presetSubtype="0" fill="hold" grpId="0" nodeType="clickEffect">
+                                  <p:stCondLst>
+                                    <p:cond delay="0"/>
+                                  </p:stCondLst>
+                                  <p:childTnLst>
+                                    <p:set>
+                                      <p:cBhvr>
+                                        <p:cTn id="22" dur="1" fill="hold">
+                                          <p:stCondLst>
+                                            <p:cond delay="0"/>
+                                          </p:stCondLst>
+                                        </p:cTn>
+                                        <p:tgtEl>
+                                          <p:spTgt spid="4"/>
                                         </p:tgtEl>
                                         <p:attrNameLst>
                                           <p:attrName>style.visibility</p:attrName>
@@ -8737,7 +8929,7 @@
       </p:par>
     </p:tnLst>
     <p:bldLst>
-      <p:bldP spid="6" grpId="0"/>
+      <p:bldP spid="4" grpId="0"/>
     </p:bldLst>
   </p:timing>
 </p:sld>
@@ -9075,7 +9267,7 @@
             </a:r>
             <a:r>
               <a:rPr lang="zh-CN" altLang="en-US" dirty="0"/>
-              <a:t>表示输出值</a:t>
+              <a:t>表示激活函数输出值</a:t>
             </a:r>
             <a:endParaRPr lang="en-US" altLang="zh-CN" dirty="0"/>
           </a:p>
@@ -9319,7 +9511,7 @@
                             </p:stCondLst>
                             <p:childTnLst>
                               <p:par>
-                                <p:cTn id="5" presetID="1" presetClass="entr" presetSubtype="0" fill="hold" grpId="0" nodeType="clickEffect">
+                                <p:cTn id="5" presetID="1" presetClass="entr" presetSubtype="0" fill="hold" nodeType="clickEffect">
                                   <p:stCondLst>
                                     <p:cond delay="0"/>
                                   </p:stCondLst>
@@ -9332,7 +9524,444 @@
                                           </p:stCondLst>
                                         </p:cTn>
                                         <p:tgtEl>
-                                          <p:spTgt spid="6"/>
+                                          <p:spTgt spid="6">
+                                            <p:txEl>
+                                              <p:pRg st="0" end="0"/>
+                                            </p:txEl>
+                                          </p:spTgt>
+                                        </p:tgtEl>
+                                        <p:attrNameLst>
+                                          <p:attrName>style.visibility</p:attrName>
+                                        </p:attrNameLst>
+                                      </p:cBhvr>
+                                      <p:to>
+                                        <p:strVal val="visible"/>
+                                      </p:to>
+                                    </p:set>
+                                  </p:childTnLst>
+                                </p:cTn>
+                              </p:par>
+                            </p:childTnLst>
+                          </p:cTn>
+                        </p:par>
+                      </p:childTnLst>
+                    </p:cTn>
+                  </p:par>
+                  <p:par>
+                    <p:cTn id="7" fill="hold">
+                      <p:stCondLst>
+                        <p:cond delay="indefinite"/>
+                      </p:stCondLst>
+                      <p:childTnLst>
+                        <p:par>
+                          <p:cTn id="8" fill="hold">
+                            <p:stCondLst>
+                              <p:cond delay="0"/>
+                            </p:stCondLst>
+                            <p:childTnLst>
+                              <p:par>
+                                <p:cTn id="9" presetID="1" presetClass="entr" presetSubtype="0" fill="hold" nodeType="clickEffect">
+                                  <p:stCondLst>
+                                    <p:cond delay="0"/>
+                                  </p:stCondLst>
+                                  <p:childTnLst>
+                                    <p:set>
+                                      <p:cBhvr>
+                                        <p:cTn id="10" dur="1" fill="hold">
+                                          <p:stCondLst>
+                                            <p:cond delay="0"/>
+                                          </p:stCondLst>
+                                        </p:cTn>
+                                        <p:tgtEl>
+                                          <p:spTgt spid="6">
+                                            <p:txEl>
+                                              <p:pRg st="1" end="1"/>
+                                            </p:txEl>
+                                          </p:spTgt>
+                                        </p:tgtEl>
+                                        <p:attrNameLst>
+                                          <p:attrName>style.visibility</p:attrName>
+                                        </p:attrNameLst>
+                                      </p:cBhvr>
+                                      <p:to>
+                                        <p:strVal val="visible"/>
+                                      </p:to>
+                                    </p:set>
+                                  </p:childTnLst>
+                                </p:cTn>
+                              </p:par>
+                            </p:childTnLst>
+                          </p:cTn>
+                        </p:par>
+                      </p:childTnLst>
+                    </p:cTn>
+                  </p:par>
+                  <p:par>
+                    <p:cTn id="11" fill="hold">
+                      <p:stCondLst>
+                        <p:cond delay="indefinite"/>
+                      </p:stCondLst>
+                      <p:childTnLst>
+                        <p:par>
+                          <p:cTn id="12" fill="hold">
+                            <p:stCondLst>
+                              <p:cond delay="0"/>
+                            </p:stCondLst>
+                            <p:childTnLst>
+                              <p:par>
+                                <p:cTn id="13" presetID="1" presetClass="entr" presetSubtype="0" fill="hold" nodeType="clickEffect">
+                                  <p:stCondLst>
+                                    <p:cond delay="0"/>
+                                  </p:stCondLst>
+                                  <p:childTnLst>
+                                    <p:set>
+                                      <p:cBhvr>
+                                        <p:cTn id="14" dur="1" fill="hold">
+                                          <p:stCondLst>
+                                            <p:cond delay="0"/>
+                                          </p:stCondLst>
+                                        </p:cTn>
+                                        <p:tgtEl>
+                                          <p:spTgt spid="6">
+                                            <p:txEl>
+                                              <p:pRg st="2" end="2"/>
+                                            </p:txEl>
+                                          </p:spTgt>
+                                        </p:tgtEl>
+                                        <p:attrNameLst>
+                                          <p:attrName>style.visibility</p:attrName>
+                                        </p:attrNameLst>
+                                      </p:cBhvr>
+                                      <p:to>
+                                        <p:strVal val="visible"/>
+                                      </p:to>
+                                    </p:set>
+                                  </p:childTnLst>
+                                </p:cTn>
+                              </p:par>
+                            </p:childTnLst>
+                          </p:cTn>
+                        </p:par>
+                      </p:childTnLst>
+                    </p:cTn>
+                  </p:par>
+                  <p:par>
+                    <p:cTn id="15" fill="hold">
+                      <p:stCondLst>
+                        <p:cond delay="indefinite"/>
+                      </p:stCondLst>
+                      <p:childTnLst>
+                        <p:par>
+                          <p:cTn id="16" fill="hold">
+                            <p:stCondLst>
+                              <p:cond delay="0"/>
+                            </p:stCondLst>
+                            <p:childTnLst>
+                              <p:par>
+                                <p:cTn id="17" presetID="1" presetClass="entr" presetSubtype="0" fill="hold" nodeType="clickEffect">
+                                  <p:stCondLst>
+                                    <p:cond delay="0"/>
+                                  </p:stCondLst>
+                                  <p:childTnLst>
+                                    <p:set>
+                                      <p:cBhvr>
+                                        <p:cTn id="18" dur="1" fill="hold">
+                                          <p:stCondLst>
+                                            <p:cond delay="0"/>
+                                          </p:stCondLst>
+                                        </p:cTn>
+                                        <p:tgtEl>
+                                          <p:spTgt spid="6">
+                                            <p:txEl>
+                                              <p:pRg st="3" end="3"/>
+                                            </p:txEl>
+                                          </p:spTgt>
+                                        </p:tgtEl>
+                                        <p:attrNameLst>
+                                          <p:attrName>style.visibility</p:attrName>
+                                        </p:attrNameLst>
+                                      </p:cBhvr>
+                                      <p:to>
+                                        <p:strVal val="visible"/>
+                                      </p:to>
+                                    </p:set>
+                                  </p:childTnLst>
+                                </p:cTn>
+                              </p:par>
+                            </p:childTnLst>
+                          </p:cTn>
+                        </p:par>
+                      </p:childTnLst>
+                    </p:cTn>
+                  </p:par>
+                  <p:par>
+                    <p:cTn id="19" fill="hold">
+                      <p:stCondLst>
+                        <p:cond delay="indefinite"/>
+                      </p:stCondLst>
+                      <p:childTnLst>
+                        <p:par>
+                          <p:cTn id="20" fill="hold">
+                            <p:stCondLst>
+                              <p:cond delay="0"/>
+                            </p:stCondLst>
+                            <p:childTnLst>
+                              <p:par>
+                                <p:cTn id="21" presetID="1" presetClass="entr" presetSubtype="0" fill="hold" nodeType="clickEffect">
+                                  <p:stCondLst>
+                                    <p:cond delay="0"/>
+                                  </p:stCondLst>
+                                  <p:childTnLst>
+                                    <p:set>
+                                      <p:cBhvr>
+                                        <p:cTn id="22" dur="1" fill="hold">
+                                          <p:stCondLst>
+                                            <p:cond delay="0"/>
+                                          </p:stCondLst>
+                                        </p:cTn>
+                                        <p:tgtEl>
+                                          <p:spTgt spid="6">
+                                            <p:txEl>
+                                              <p:pRg st="4" end="4"/>
+                                            </p:txEl>
+                                          </p:spTgt>
+                                        </p:tgtEl>
+                                        <p:attrNameLst>
+                                          <p:attrName>style.visibility</p:attrName>
+                                        </p:attrNameLst>
+                                      </p:cBhvr>
+                                      <p:to>
+                                        <p:strVal val="visible"/>
+                                      </p:to>
+                                    </p:set>
+                                  </p:childTnLst>
+                                </p:cTn>
+                              </p:par>
+                            </p:childTnLst>
+                          </p:cTn>
+                        </p:par>
+                      </p:childTnLst>
+                    </p:cTn>
+                  </p:par>
+                  <p:par>
+                    <p:cTn id="23" fill="hold">
+                      <p:stCondLst>
+                        <p:cond delay="indefinite"/>
+                      </p:stCondLst>
+                      <p:childTnLst>
+                        <p:par>
+                          <p:cTn id="24" fill="hold">
+                            <p:stCondLst>
+                              <p:cond delay="0"/>
+                            </p:stCondLst>
+                            <p:childTnLst>
+                              <p:par>
+                                <p:cTn id="25" presetID="1" presetClass="entr" presetSubtype="0" fill="hold" nodeType="clickEffect">
+                                  <p:stCondLst>
+                                    <p:cond delay="0"/>
+                                  </p:stCondLst>
+                                  <p:childTnLst>
+                                    <p:set>
+                                      <p:cBhvr>
+                                        <p:cTn id="26" dur="1" fill="hold">
+                                          <p:stCondLst>
+                                            <p:cond delay="0"/>
+                                          </p:stCondLst>
+                                        </p:cTn>
+                                        <p:tgtEl>
+                                          <p:spTgt spid="9"/>
+                                        </p:tgtEl>
+                                        <p:attrNameLst>
+                                          <p:attrName>style.visibility</p:attrName>
+                                        </p:attrNameLst>
+                                      </p:cBhvr>
+                                      <p:to>
+                                        <p:strVal val="visible"/>
+                                      </p:to>
+                                    </p:set>
+                                  </p:childTnLst>
+                                </p:cTn>
+                              </p:par>
+                            </p:childTnLst>
+                          </p:cTn>
+                        </p:par>
+                      </p:childTnLst>
+                    </p:cTn>
+                  </p:par>
+                  <p:par>
+                    <p:cTn id="27" fill="hold">
+                      <p:stCondLst>
+                        <p:cond delay="indefinite"/>
+                      </p:stCondLst>
+                      <p:childTnLst>
+                        <p:par>
+                          <p:cTn id="28" fill="hold">
+                            <p:stCondLst>
+                              <p:cond delay="0"/>
+                            </p:stCondLst>
+                            <p:childTnLst>
+                              <p:par>
+                                <p:cTn id="29" presetID="1" presetClass="entr" presetSubtype="0" fill="hold" nodeType="clickEffect">
+                                  <p:stCondLst>
+                                    <p:cond delay="0"/>
+                                  </p:stCondLst>
+                                  <p:childTnLst>
+                                    <p:set>
+                                      <p:cBhvr>
+                                        <p:cTn id="30" dur="1" fill="hold">
+                                          <p:stCondLst>
+                                            <p:cond delay="0"/>
+                                          </p:stCondLst>
+                                        </p:cTn>
+                                        <p:tgtEl>
+                                          <p:spTgt spid="6">
+                                            <p:txEl>
+                                              <p:pRg st="5" end="5"/>
+                                            </p:txEl>
+                                          </p:spTgt>
+                                        </p:tgtEl>
+                                        <p:attrNameLst>
+                                          <p:attrName>style.visibility</p:attrName>
+                                        </p:attrNameLst>
+                                      </p:cBhvr>
+                                      <p:to>
+                                        <p:strVal val="visible"/>
+                                      </p:to>
+                                    </p:set>
+                                  </p:childTnLst>
+                                </p:cTn>
+                              </p:par>
+                            </p:childTnLst>
+                          </p:cTn>
+                        </p:par>
+                      </p:childTnLst>
+                    </p:cTn>
+                  </p:par>
+                  <p:par>
+                    <p:cTn id="31" fill="hold">
+                      <p:stCondLst>
+                        <p:cond delay="indefinite"/>
+                      </p:stCondLst>
+                      <p:childTnLst>
+                        <p:par>
+                          <p:cTn id="32" fill="hold">
+                            <p:stCondLst>
+                              <p:cond delay="0"/>
+                            </p:stCondLst>
+                            <p:childTnLst>
+                              <p:par>
+                                <p:cTn id="33" presetID="1" presetClass="entr" presetSubtype="0" fill="hold" nodeType="clickEffect">
+                                  <p:stCondLst>
+                                    <p:cond delay="0"/>
+                                  </p:stCondLst>
+                                  <p:childTnLst>
+                                    <p:set>
+                                      <p:cBhvr>
+                                        <p:cTn id="34" dur="1" fill="hold">
+                                          <p:stCondLst>
+                                            <p:cond delay="0"/>
+                                          </p:stCondLst>
+                                        </p:cTn>
+                                        <p:tgtEl>
+                                          <p:spTgt spid="6">
+                                            <p:txEl>
+                                              <p:pRg st="6" end="6"/>
+                                            </p:txEl>
+                                          </p:spTgt>
+                                        </p:tgtEl>
+                                        <p:attrNameLst>
+                                          <p:attrName>style.visibility</p:attrName>
+                                        </p:attrNameLst>
+                                      </p:cBhvr>
+                                      <p:to>
+                                        <p:strVal val="visible"/>
+                                      </p:to>
+                                    </p:set>
+                                  </p:childTnLst>
+                                </p:cTn>
+                              </p:par>
+                            </p:childTnLst>
+                          </p:cTn>
+                        </p:par>
+                      </p:childTnLst>
+                    </p:cTn>
+                  </p:par>
+                  <p:par>
+                    <p:cTn id="35" fill="hold">
+                      <p:stCondLst>
+                        <p:cond delay="indefinite"/>
+                      </p:stCondLst>
+                      <p:childTnLst>
+                        <p:par>
+                          <p:cTn id="36" fill="hold">
+                            <p:stCondLst>
+                              <p:cond delay="0"/>
+                            </p:stCondLst>
+                            <p:childTnLst>
+                              <p:par>
+                                <p:cTn id="37" presetID="1" presetClass="entr" presetSubtype="0" fill="hold" nodeType="clickEffect">
+                                  <p:stCondLst>
+                                    <p:cond delay="0"/>
+                                  </p:stCondLst>
+                                  <p:childTnLst>
+                                    <p:set>
+                                      <p:cBhvr>
+                                        <p:cTn id="38" dur="1" fill="hold">
+                                          <p:stCondLst>
+                                            <p:cond delay="0"/>
+                                          </p:stCondLst>
+                                        </p:cTn>
+                                        <p:tgtEl>
+                                          <p:spTgt spid="10"/>
+                                        </p:tgtEl>
+                                        <p:attrNameLst>
+                                          <p:attrName>style.visibility</p:attrName>
+                                        </p:attrNameLst>
+                                      </p:cBhvr>
+                                      <p:to>
+                                        <p:strVal val="visible"/>
+                                      </p:to>
+                                    </p:set>
+                                  </p:childTnLst>
+                                </p:cTn>
+                              </p:par>
+                            </p:childTnLst>
+                          </p:cTn>
+                        </p:par>
+                      </p:childTnLst>
+                    </p:cTn>
+                  </p:par>
+                  <p:par>
+                    <p:cTn id="39" fill="hold">
+                      <p:stCondLst>
+                        <p:cond delay="indefinite"/>
+                      </p:stCondLst>
+                      <p:childTnLst>
+                        <p:par>
+                          <p:cTn id="40" fill="hold">
+                            <p:stCondLst>
+                              <p:cond delay="0"/>
+                            </p:stCondLst>
+                            <p:childTnLst>
+                              <p:par>
+                                <p:cTn id="41" presetID="1" presetClass="entr" presetSubtype="0" fill="hold" nodeType="clickEffect">
+                                  <p:stCondLst>
+                                    <p:cond delay="0"/>
+                                  </p:stCondLst>
+                                  <p:childTnLst>
+                                    <p:set>
+                                      <p:cBhvr>
+                                        <p:cTn id="42" dur="1" fill="hold">
+                                          <p:stCondLst>
+                                            <p:cond delay="0"/>
+                                          </p:stCondLst>
+                                        </p:cTn>
+                                        <p:tgtEl>
+                                          <p:spTgt spid="6">
+                                            <p:txEl>
+                                              <p:pRg st="7" end="7"/>
+                                            </p:txEl>
+                                          </p:spTgt>
                                         </p:tgtEl>
                                         <p:attrNameLst>
                                           <p:attrName>style.visibility</p:attrName>
@@ -9372,9 +10001,6 @@
         </p:cTn>
       </p:par>
     </p:tnLst>
-    <p:bldLst>
-      <p:bldP spid="6" grpId="0"/>
-    </p:bldLst>
   </p:timing>
 </p:sld>
 </file>
@@ -9932,7 +10558,7 @@
                             </p:stCondLst>
                             <p:childTnLst>
                               <p:par>
-                                <p:cTn id="5" presetID="1" presetClass="entr" presetSubtype="0" fill="hold" grpId="0" nodeType="clickEffect">
+                                <p:cTn id="5" presetID="1" presetClass="entr" presetSubtype="0" fill="hold" nodeType="clickEffect">
                                   <p:stCondLst>
                                     <p:cond delay="0"/>
                                   </p:stCondLst>
@@ -9945,7 +10571,244 @@
                                           </p:stCondLst>
                                         </p:cTn>
                                         <p:tgtEl>
-                                          <p:spTgt spid="6"/>
+                                          <p:spTgt spid="6">
+                                            <p:txEl>
+                                              <p:pRg st="0" end="0"/>
+                                            </p:txEl>
+                                          </p:spTgt>
+                                        </p:tgtEl>
+                                        <p:attrNameLst>
+                                          <p:attrName>style.visibility</p:attrName>
+                                        </p:attrNameLst>
+                                      </p:cBhvr>
+                                      <p:to>
+                                        <p:strVal val="visible"/>
+                                      </p:to>
+                                    </p:set>
+                                  </p:childTnLst>
+                                </p:cTn>
+                              </p:par>
+                            </p:childTnLst>
+                          </p:cTn>
+                        </p:par>
+                      </p:childTnLst>
+                    </p:cTn>
+                  </p:par>
+                  <p:par>
+                    <p:cTn id="7" fill="hold">
+                      <p:stCondLst>
+                        <p:cond delay="indefinite"/>
+                      </p:stCondLst>
+                      <p:childTnLst>
+                        <p:par>
+                          <p:cTn id="8" fill="hold">
+                            <p:stCondLst>
+                              <p:cond delay="0"/>
+                            </p:stCondLst>
+                            <p:childTnLst>
+                              <p:par>
+                                <p:cTn id="9" presetID="1" presetClass="entr" presetSubtype="0" fill="hold" nodeType="clickEffect">
+                                  <p:stCondLst>
+                                    <p:cond delay="0"/>
+                                  </p:stCondLst>
+                                  <p:childTnLst>
+                                    <p:set>
+                                      <p:cBhvr>
+                                        <p:cTn id="10" dur="1" fill="hold">
+                                          <p:stCondLst>
+                                            <p:cond delay="0"/>
+                                          </p:stCondLst>
+                                        </p:cTn>
+                                        <p:tgtEl>
+                                          <p:spTgt spid="6">
+                                            <p:txEl>
+                                              <p:pRg st="1" end="1"/>
+                                            </p:txEl>
+                                          </p:spTgt>
+                                        </p:tgtEl>
+                                        <p:attrNameLst>
+                                          <p:attrName>style.visibility</p:attrName>
+                                        </p:attrNameLst>
+                                      </p:cBhvr>
+                                      <p:to>
+                                        <p:strVal val="visible"/>
+                                      </p:to>
+                                    </p:set>
+                                  </p:childTnLst>
+                                </p:cTn>
+                              </p:par>
+                            </p:childTnLst>
+                          </p:cTn>
+                        </p:par>
+                      </p:childTnLst>
+                    </p:cTn>
+                  </p:par>
+                  <p:par>
+                    <p:cTn id="11" fill="hold">
+                      <p:stCondLst>
+                        <p:cond delay="indefinite"/>
+                      </p:stCondLst>
+                      <p:childTnLst>
+                        <p:par>
+                          <p:cTn id="12" fill="hold">
+                            <p:stCondLst>
+                              <p:cond delay="0"/>
+                            </p:stCondLst>
+                            <p:childTnLst>
+                              <p:par>
+                                <p:cTn id="13" presetID="1" presetClass="entr" presetSubtype="0" fill="hold" nodeType="clickEffect">
+                                  <p:stCondLst>
+                                    <p:cond delay="0"/>
+                                  </p:stCondLst>
+                                  <p:childTnLst>
+                                    <p:set>
+                                      <p:cBhvr>
+                                        <p:cTn id="14" dur="1" fill="hold">
+                                          <p:stCondLst>
+                                            <p:cond delay="0"/>
+                                          </p:stCondLst>
+                                        </p:cTn>
+                                        <p:tgtEl>
+                                          <p:spTgt spid="5"/>
+                                        </p:tgtEl>
+                                        <p:attrNameLst>
+                                          <p:attrName>style.visibility</p:attrName>
+                                        </p:attrNameLst>
+                                      </p:cBhvr>
+                                      <p:to>
+                                        <p:strVal val="visible"/>
+                                      </p:to>
+                                    </p:set>
+                                  </p:childTnLst>
+                                </p:cTn>
+                              </p:par>
+                            </p:childTnLst>
+                          </p:cTn>
+                        </p:par>
+                      </p:childTnLst>
+                    </p:cTn>
+                  </p:par>
+                  <p:par>
+                    <p:cTn id="15" fill="hold">
+                      <p:stCondLst>
+                        <p:cond delay="indefinite"/>
+                      </p:stCondLst>
+                      <p:childTnLst>
+                        <p:par>
+                          <p:cTn id="16" fill="hold">
+                            <p:stCondLst>
+                              <p:cond delay="0"/>
+                            </p:stCondLst>
+                            <p:childTnLst>
+                              <p:par>
+                                <p:cTn id="17" presetID="1" presetClass="entr" presetSubtype="0" fill="hold" nodeType="clickEffect">
+                                  <p:stCondLst>
+                                    <p:cond delay="0"/>
+                                  </p:stCondLst>
+                                  <p:childTnLst>
+                                    <p:set>
+                                      <p:cBhvr>
+                                        <p:cTn id="18" dur="1" fill="hold">
+                                          <p:stCondLst>
+                                            <p:cond delay="0"/>
+                                          </p:stCondLst>
+                                        </p:cTn>
+                                        <p:tgtEl>
+                                          <p:spTgt spid="6">
+                                            <p:txEl>
+                                              <p:pRg st="2" end="2"/>
+                                            </p:txEl>
+                                          </p:spTgt>
+                                        </p:tgtEl>
+                                        <p:attrNameLst>
+                                          <p:attrName>style.visibility</p:attrName>
+                                        </p:attrNameLst>
+                                      </p:cBhvr>
+                                      <p:to>
+                                        <p:strVal val="visible"/>
+                                      </p:to>
+                                    </p:set>
+                                  </p:childTnLst>
+                                </p:cTn>
+                              </p:par>
+                            </p:childTnLst>
+                          </p:cTn>
+                        </p:par>
+                      </p:childTnLst>
+                    </p:cTn>
+                  </p:par>
+                  <p:par>
+                    <p:cTn id="19" fill="hold">
+                      <p:stCondLst>
+                        <p:cond delay="indefinite"/>
+                      </p:stCondLst>
+                      <p:childTnLst>
+                        <p:par>
+                          <p:cTn id="20" fill="hold">
+                            <p:stCondLst>
+                              <p:cond delay="0"/>
+                            </p:stCondLst>
+                            <p:childTnLst>
+                              <p:par>
+                                <p:cTn id="21" presetID="1" presetClass="entr" presetSubtype="0" fill="hold" nodeType="clickEffect">
+                                  <p:stCondLst>
+                                    <p:cond delay="0"/>
+                                  </p:stCondLst>
+                                  <p:childTnLst>
+                                    <p:set>
+                                      <p:cBhvr>
+                                        <p:cTn id="22" dur="1" fill="hold">
+                                          <p:stCondLst>
+                                            <p:cond delay="0"/>
+                                          </p:stCondLst>
+                                        </p:cTn>
+                                        <p:tgtEl>
+                                          <p:spTgt spid="8"/>
+                                        </p:tgtEl>
+                                        <p:attrNameLst>
+                                          <p:attrName>style.visibility</p:attrName>
+                                        </p:attrNameLst>
+                                      </p:cBhvr>
+                                      <p:to>
+                                        <p:strVal val="visible"/>
+                                      </p:to>
+                                    </p:set>
+                                  </p:childTnLst>
+                                </p:cTn>
+                              </p:par>
+                            </p:childTnLst>
+                          </p:cTn>
+                        </p:par>
+                      </p:childTnLst>
+                    </p:cTn>
+                  </p:par>
+                  <p:par>
+                    <p:cTn id="23" fill="hold">
+                      <p:stCondLst>
+                        <p:cond delay="indefinite"/>
+                      </p:stCondLst>
+                      <p:childTnLst>
+                        <p:par>
+                          <p:cTn id="24" fill="hold">
+                            <p:stCondLst>
+                              <p:cond delay="0"/>
+                            </p:stCondLst>
+                            <p:childTnLst>
+                              <p:par>
+                                <p:cTn id="25" presetID="1" presetClass="entr" presetSubtype="0" fill="hold" nodeType="clickEffect">
+                                  <p:stCondLst>
+                                    <p:cond delay="0"/>
+                                  </p:stCondLst>
+                                  <p:childTnLst>
+                                    <p:set>
+                                      <p:cBhvr>
+                                        <p:cTn id="26" dur="1" fill="hold">
+                                          <p:stCondLst>
+                                            <p:cond delay="0"/>
+                                          </p:stCondLst>
+                                        </p:cTn>
+                                        <p:tgtEl>
+                                          <p:spTgt spid="10"/>
                                         </p:tgtEl>
                                         <p:attrNameLst>
                                           <p:attrName>style.visibility</p:attrName>
@@ -9985,9 +10848,6 @@
         </p:cTn>
       </p:par>
     </p:tnLst>
-    <p:bldLst>
-      <p:bldP spid="6" grpId="0"/>
-    </p:bldLst>
   </p:timing>
 </p:sld>
 </file>
@@ -10487,7 +11347,7 @@
         </p:blipFill>
         <p:spPr>
           <a:xfrm>
-            <a:off x="2446424" y="4398958"/>
+            <a:off x="1800964" y="4814092"/>
             <a:ext cx="1981200" cy="800100"/>
           </a:xfrm>
           <a:prstGeom prst="rect">
@@ -10509,7 +11369,7 @@
         </p:nvSpPr>
         <p:spPr>
           <a:xfrm>
-            <a:off x="5747654" y="5147252"/>
+            <a:off x="5734207" y="5291027"/>
             <a:ext cx="5178255" cy="646331"/>
           </a:xfrm>
           <a:prstGeom prst="rect">
@@ -10548,10 +11408,10 @@
       </p:sp>
       <p:pic>
         <p:nvPicPr>
-          <p:cNvPr id="30" name="图片 29">
+          <p:cNvPr id="34" name="图片 33">
             <a:extLst>
               <a:ext uri="{FF2B5EF4-FFF2-40B4-BE49-F238E27FC236}">
-                <a16:creationId xmlns:a16="http://schemas.microsoft.com/office/drawing/2014/main" id="{A498E417-A638-54B8-962F-5D5BB25C5BA6}"/>
+                <a16:creationId xmlns:a16="http://schemas.microsoft.com/office/drawing/2014/main" id="{15114731-CCAC-97C4-A65E-4D3E5DF47341}"/>
               </a:ext>
             </a:extLst>
           </p:cNvPr>
@@ -10574,44 +11434,8 @@
         </p:blipFill>
         <p:spPr>
           <a:xfrm>
-            <a:off x="5363309" y="4055427"/>
-            <a:ext cx="5562600" cy="939800"/>
-          </a:xfrm>
-          <a:prstGeom prst="rect">
-            <a:avLst/>
-          </a:prstGeom>
-        </p:spPr>
-      </p:pic>
-      <p:pic>
-        <p:nvPicPr>
-          <p:cNvPr id="32" name="图片 31">
-            <a:extLst>
-              <a:ext uri="{FF2B5EF4-FFF2-40B4-BE49-F238E27FC236}">
-                <a16:creationId xmlns:a16="http://schemas.microsoft.com/office/drawing/2014/main" id="{D1384383-B800-E35E-E15E-BEDB4997A791}"/>
-              </a:ext>
-            </a:extLst>
-          </p:cNvPr>
-          <p:cNvPicPr>
-            <a:picLocks noChangeAspect="1"/>
-          </p:cNvPicPr>
-          <p:nvPr/>
-        </p:nvPicPr>
-        <p:blipFill>
-          <a:blip r:embed="rId7">
-            <a:extLst>
-              <a:ext uri="{28A0092B-C50C-407E-A947-70E740481C1C}">
-                <a14:useLocalDpi xmlns:a14="http://schemas.microsoft.com/office/drawing/2010/main" val="0"/>
-              </a:ext>
-            </a:extLst>
-          </a:blip>
-          <a:stretch>
-            <a:fillRect/>
-          </a:stretch>
-        </p:blipFill>
-        <p:spPr>
-          <a:xfrm>
-            <a:off x="2086111" y="5291027"/>
-            <a:ext cx="3327400" cy="850900"/>
+            <a:off x="3899073" y="3830538"/>
+            <a:ext cx="4305300" cy="850900"/>
           </a:xfrm>
           <a:prstGeom prst="rect">
             <a:avLst/>
@@ -10652,7 +11476,7 @@
                             </p:stCondLst>
                             <p:childTnLst>
                               <p:par>
-                                <p:cTn id="5" presetID="1" presetClass="entr" presetSubtype="0" fill="hold" grpId="0" nodeType="clickEffect">
+                                <p:cTn id="5" presetID="1" presetClass="entr" presetSubtype="0" fill="hold" nodeType="clickEffect">
                                   <p:stCondLst>
                                     <p:cond delay="0"/>
                                   </p:stCondLst>
@@ -10665,7 +11489,11 @@
                                           </p:stCondLst>
                                         </p:cTn>
                                         <p:tgtEl>
-                                          <p:spTgt spid="6"/>
+                                          <p:spTgt spid="6">
+                                            <p:txEl>
+                                              <p:pRg st="0" end="0"/>
+                                            </p:txEl>
+                                          </p:spTgt>
                                         </p:tgtEl>
                                         <p:attrNameLst>
                                           <p:attrName>style.visibility</p:attrName>
@@ -10729,6 +11557,284 @@
                       </p:childTnLst>
                     </p:cTn>
                   </p:par>
+                  <p:par>
+                    <p:cTn id="11" fill="hold">
+                      <p:stCondLst>
+                        <p:cond delay="indefinite"/>
+                      </p:stCondLst>
+                      <p:childTnLst>
+                        <p:par>
+                          <p:cTn id="12" fill="hold">
+                            <p:stCondLst>
+                              <p:cond delay="0"/>
+                            </p:stCondLst>
+                            <p:childTnLst>
+                              <p:par>
+                                <p:cTn id="13" presetID="1" presetClass="entr" presetSubtype="0" fill="hold" nodeType="clickEffect">
+                                  <p:stCondLst>
+                                    <p:cond delay="0"/>
+                                  </p:stCondLst>
+                                  <p:childTnLst>
+                                    <p:set>
+                                      <p:cBhvr>
+                                        <p:cTn id="14" dur="1" fill="hold">
+                                          <p:stCondLst>
+                                            <p:cond delay="0"/>
+                                          </p:stCondLst>
+                                        </p:cTn>
+                                        <p:tgtEl>
+                                          <p:spTgt spid="34"/>
+                                        </p:tgtEl>
+                                        <p:attrNameLst>
+                                          <p:attrName>style.visibility</p:attrName>
+                                        </p:attrNameLst>
+                                      </p:cBhvr>
+                                      <p:to>
+                                        <p:strVal val="visible"/>
+                                      </p:to>
+                                    </p:set>
+                                  </p:childTnLst>
+                                </p:cTn>
+                              </p:par>
+                            </p:childTnLst>
+                          </p:cTn>
+                        </p:par>
+                      </p:childTnLst>
+                    </p:cTn>
+                  </p:par>
+                  <p:par>
+                    <p:cTn id="15" fill="hold">
+                      <p:stCondLst>
+                        <p:cond delay="indefinite"/>
+                      </p:stCondLst>
+                      <p:childTnLst>
+                        <p:par>
+                          <p:cTn id="16" fill="hold">
+                            <p:stCondLst>
+                              <p:cond delay="0"/>
+                            </p:stCondLst>
+                            <p:childTnLst>
+                              <p:par>
+                                <p:cTn id="17" presetID="1" presetClass="entr" presetSubtype="0" fill="hold" grpId="0" nodeType="clickEffect">
+                                  <p:stCondLst>
+                                    <p:cond delay="0"/>
+                                  </p:stCondLst>
+                                  <p:childTnLst>
+                                    <p:set>
+                                      <p:cBhvr>
+                                        <p:cTn id="18" dur="1" fill="hold">
+                                          <p:stCondLst>
+                                            <p:cond delay="0"/>
+                                          </p:stCondLst>
+                                        </p:cTn>
+                                        <p:tgtEl>
+                                          <p:spTgt spid="28"/>
+                                        </p:tgtEl>
+                                        <p:attrNameLst>
+                                          <p:attrName>style.visibility</p:attrName>
+                                        </p:attrNameLst>
+                                      </p:cBhvr>
+                                      <p:to>
+                                        <p:strVal val="visible"/>
+                                      </p:to>
+                                    </p:set>
+                                  </p:childTnLst>
+                                </p:cTn>
+                              </p:par>
+                            </p:childTnLst>
+                          </p:cTn>
+                        </p:par>
+                      </p:childTnLst>
+                    </p:cTn>
+                  </p:par>
+                  <p:par>
+                    <p:cTn id="19" fill="hold">
+                      <p:stCondLst>
+                        <p:cond delay="indefinite"/>
+                      </p:stCondLst>
+                      <p:childTnLst>
+                        <p:par>
+                          <p:cTn id="20" fill="hold">
+                            <p:stCondLst>
+                              <p:cond delay="0"/>
+                            </p:stCondLst>
+                            <p:childTnLst>
+                              <p:par>
+                                <p:cTn id="21" presetID="1" presetClass="entr" presetSubtype="0" fill="hold" nodeType="clickEffect">
+                                  <p:stCondLst>
+                                    <p:cond delay="0"/>
+                                  </p:stCondLst>
+                                  <p:childTnLst>
+                                    <p:set>
+                                      <p:cBhvr>
+                                        <p:cTn id="22" dur="1" fill="hold">
+                                          <p:stCondLst>
+                                            <p:cond delay="0"/>
+                                          </p:stCondLst>
+                                        </p:cTn>
+                                        <p:tgtEl>
+                                          <p:spTgt spid="6">
+                                            <p:txEl>
+                                              <p:pRg st="1" end="1"/>
+                                            </p:txEl>
+                                          </p:spTgt>
+                                        </p:tgtEl>
+                                        <p:attrNameLst>
+                                          <p:attrName>style.visibility</p:attrName>
+                                        </p:attrNameLst>
+                                      </p:cBhvr>
+                                      <p:to>
+                                        <p:strVal val="visible"/>
+                                      </p:to>
+                                    </p:set>
+                                  </p:childTnLst>
+                                </p:cTn>
+                              </p:par>
+                            </p:childTnLst>
+                          </p:cTn>
+                        </p:par>
+                      </p:childTnLst>
+                    </p:cTn>
+                  </p:par>
+                  <p:par>
+                    <p:cTn id="23" fill="hold">
+                      <p:stCondLst>
+                        <p:cond delay="indefinite"/>
+                      </p:stCondLst>
+                      <p:childTnLst>
+                        <p:par>
+                          <p:cTn id="24" fill="hold">
+                            <p:stCondLst>
+                              <p:cond delay="0"/>
+                            </p:stCondLst>
+                            <p:childTnLst>
+                              <p:par>
+                                <p:cTn id="25" presetID="1" presetClass="entr" presetSubtype="0" fill="hold" nodeType="clickEffect">
+                                  <p:stCondLst>
+                                    <p:cond delay="0"/>
+                                  </p:stCondLst>
+                                  <p:childTnLst>
+                                    <p:set>
+                                      <p:cBhvr>
+                                        <p:cTn id="26" dur="1" fill="hold">
+                                          <p:stCondLst>
+                                            <p:cond delay="0"/>
+                                          </p:stCondLst>
+                                        </p:cTn>
+                                        <p:tgtEl>
+                                          <p:spTgt spid="25"/>
+                                        </p:tgtEl>
+                                        <p:attrNameLst>
+                                          <p:attrName>style.visibility</p:attrName>
+                                        </p:attrNameLst>
+                                      </p:cBhvr>
+                                      <p:to>
+                                        <p:strVal val="visible"/>
+                                      </p:to>
+                                    </p:set>
+                                  </p:childTnLst>
+                                </p:cTn>
+                              </p:par>
+                            </p:childTnLst>
+                          </p:cTn>
+                        </p:par>
+                      </p:childTnLst>
+                    </p:cTn>
+                  </p:par>
+                  <p:par>
+                    <p:cTn id="27" fill="hold">
+                      <p:stCondLst>
+                        <p:cond delay="indefinite"/>
+                      </p:stCondLst>
+                      <p:childTnLst>
+                        <p:par>
+                          <p:cTn id="28" fill="hold">
+                            <p:stCondLst>
+                              <p:cond delay="0"/>
+                            </p:stCondLst>
+                            <p:childTnLst>
+                              <p:par>
+                                <p:cTn id="29" presetID="1" presetClass="entr" presetSubtype="0" fill="hold" nodeType="clickEffect">
+                                  <p:stCondLst>
+                                    <p:cond delay="0"/>
+                                  </p:stCondLst>
+                                  <p:childTnLst>
+                                    <p:set>
+                                      <p:cBhvr>
+                                        <p:cTn id="30" dur="1" fill="hold">
+                                          <p:stCondLst>
+                                            <p:cond delay="0"/>
+                                          </p:stCondLst>
+                                        </p:cTn>
+                                        <p:tgtEl>
+                                          <p:spTgt spid="6">
+                                            <p:txEl>
+                                              <p:pRg st="2" end="2"/>
+                                            </p:txEl>
+                                          </p:spTgt>
+                                        </p:tgtEl>
+                                        <p:attrNameLst>
+                                          <p:attrName>style.visibility</p:attrName>
+                                        </p:attrNameLst>
+                                      </p:cBhvr>
+                                      <p:to>
+                                        <p:strVal val="visible"/>
+                                      </p:to>
+                                    </p:set>
+                                  </p:childTnLst>
+                                </p:cTn>
+                              </p:par>
+                            </p:childTnLst>
+                          </p:cTn>
+                        </p:par>
+                      </p:childTnLst>
+                    </p:cTn>
+                  </p:par>
+                  <p:par>
+                    <p:cTn id="31" fill="hold">
+                      <p:stCondLst>
+                        <p:cond delay="indefinite"/>
+                      </p:stCondLst>
+                      <p:childTnLst>
+                        <p:par>
+                          <p:cTn id="32" fill="hold">
+                            <p:stCondLst>
+                              <p:cond delay="0"/>
+                            </p:stCondLst>
+                            <p:childTnLst>
+                              <p:par>
+                                <p:cTn id="33" presetID="1" presetClass="entr" presetSubtype="0" fill="hold" nodeType="clickEffect">
+                                  <p:stCondLst>
+                                    <p:cond delay="0"/>
+                                  </p:stCondLst>
+                                  <p:childTnLst>
+                                    <p:set>
+                                      <p:cBhvr>
+                                        <p:cTn id="34" dur="1" fill="hold">
+                                          <p:stCondLst>
+                                            <p:cond delay="0"/>
+                                          </p:stCondLst>
+                                        </p:cTn>
+                                        <p:tgtEl>
+                                          <p:spTgt spid="13"/>
+                                        </p:tgtEl>
+                                        <p:attrNameLst>
+                                          <p:attrName>style.visibility</p:attrName>
+                                        </p:attrNameLst>
+                                      </p:cBhvr>
+                                      <p:to>
+                                        <p:strVal val="visible"/>
+                                      </p:to>
+                                    </p:set>
+                                  </p:childTnLst>
+                                </p:cTn>
+                              </p:par>
+                            </p:childTnLst>
+                          </p:cTn>
+                        </p:par>
+                      </p:childTnLst>
+                    </p:cTn>
+                  </p:par>
                 </p:childTnLst>
               </p:cTn>
               <p:prevCondLst>
@@ -10751,7 +11857,7 @@
       </p:par>
     </p:tnLst>
     <p:bldLst>
-      <p:bldP spid="6" grpId="0"/>
+      <p:bldP spid="28" grpId="0"/>
     </p:bldLst>
   </p:timing>
 </p:sld>
@@ -10859,6 +11965,126 @@
   <p:clrMapOvr>
     <a:masterClrMapping/>
   </p:clrMapOvr>
+  <p:timing>
+    <p:tnLst>
+      <p:par>
+        <p:cTn id="1" dur="indefinite" restart="never" nodeType="tmRoot">
+          <p:childTnLst>
+            <p:seq concurrent="1" nextAc="seek">
+              <p:cTn id="2" dur="indefinite" nodeType="mainSeq">
+                <p:childTnLst>
+                  <p:par>
+                    <p:cTn id="3" fill="hold">
+                      <p:stCondLst>
+                        <p:cond delay="indefinite"/>
+                      </p:stCondLst>
+                      <p:childTnLst>
+                        <p:par>
+                          <p:cTn id="4" fill="hold">
+                            <p:stCondLst>
+                              <p:cond delay="0"/>
+                            </p:stCondLst>
+                            <p:childTnLst>
+                              <p:par>
+                                <p:cTn id="5" presetID="1" presetClass="entr" presetSubtype="0" fill="hold" nodeType="clickEffect">
+                                  <p:stCondLst>
+                                    <p:cond delay="0"/>
+                                  </p:stCondLst>
+                                  <p:childTnLst>
+                                    <p:set>
+                                      <p:cBhvr>
+                                        <p:cTn id="6" dur="1" fill="hold">
+                                          <p:stCondLst>
+                                            <p:cond delay="0"/>
+                                          </p:stCondLst>
+                                        </p:cTn>
+                                        <p:tgtEl>
+                                          <p:spTgt spid="2"/>
+                                        </p:tgtEl>
+                                        <p:attrNameLst>
+                                          <p:attrName>style.visibility</p:attrName>
+                                        </p:attrNameLst>
+                                      </p:cBhvr>
+                                      <p:to>
+                                        <p:strVal val="visible"/>
+                                      </p:to>
+                                    </p:set>
+                                  </p:childTnLst>
+                                </p:cTn>
+                              </p:par>
+                            </p:childTnLst>
+                          </p:cTn>
+                        </p:par>
+                      </p:childTnLst>
+                    </p:cTn>
+                  </p:par>
+                  <p:par>
+                    <p:cTn id="7" fill="hold">
+                      <p:stCondLst>
+                        <p:cond delay="indefinite"/>
+                      </p:stCondLst>
+                      <p:childTnLst>
+                        <p:par>
+                          <p:cTn id="8" fill="hold">
+                            <p:stCondLst>
+                              <p:cond delay="0"/>
+                            </p:stCondLst>
+                            <p:childTnLst>
+                              <p:par>
+                                <p:cTn id="9" presetID="1" presetClass="entr" presetSubtype="0" fill="hold" nodeType="clickEffect">
+                                  <p:stCondLst>
+                                    <p:cond delay="0"/>
+                                  </p:stCondLst>
+                                  <p:childTnLst>
+                                    <p:set>
+                                      <p:cBhvr>
+                                        <p:cTn id="10" dur="1" fill="hold">
+                                          <p:stCondLst>
+                                            <p:cond delay="0"/>
+                                          </p:stCondLst>
+                                        </p:cTn>
+                                        <p:tgtEl>
+                                          <p:spTgt spid="9"/>
+                                        </p:tgtEl>
+                                        <p:attrNameLst>
+                                          <p:attrName>style.visibility</p:attrName>
+                                        </p:attrNameLst>
+                                      </p:cBhvr>
+                                      <p:to>
+                                        <p:strVal val="visible"/>
+                                      </p:to>
+                                    </p:set>
+                                  </p:childTnLst>
+                                </p:cTn>
+                              </p:par>
+                            </p:childTnLst>
+                          </p:cTn>
+                        </p:par>
+                      </p:childTnLst>
+                    </p:cTn>
+                  </p:par>
+                </p:childTnLst>
+              </p:cTn>
+              <p:prevCondLst>
+                <p:cond evt="onPrev" delay="0">
+                  <p:tgtEl>
+                    <p:sldTgt/>
+                  </p:tgtEl>
+                </p:cond>
+              </p:prevCondLst>
+              <p:nextCondLst>
+                <p:cond evt="onNext" delay="0">
+                  <p:tgtEl>
+                    <p:sldTgt/>
+                  </p:tgtEl>
+                </p:cond>
+              </p:nextCondLst>
+            </p:seq>
+          </p:childTnLst>
+        </p:cTn>
+      </p:par>
+    </p:tnLst>
+  </p:timing>
 </p:sld>
 </file>
 
@@ -10928,6 +12154,81 @@
   <p:clrMapOvr>
     <a:masterClrMapping/>
   </p:clrMapOvr>
+  <p:timing>
+    <p:tnLst>
+      <p:par>
+        <p:cTn id="1" dur="indefinite" restart="never" nodeType="tmRoot">
+          <p:childTnLst>
+            <p:seq concurrent="1" nextAc="seek">
+              <p:cTn id="2" dur="indefinite" nodeType="mainSeq">
+                <p:childTnLst>
+                  <p:par>
+                    <p:cTn id="3" fill="hold">
+                      <p:stCondLst>
+                        <p:cond delay="indefinite"/>
+                      </p:stCondLst>
+                      <p:childTnLst>
+                        <p:par>
+                          <p:cTn id="4" fill="hold">
+                            <p:stCondLst>
+                              <p:cond delay="0"/>
+                            </p:stCondLst>
+                            <p:childTnLst>
+                              <p:par>
+                                <p:cTn id="5" presetID="1" presetClass="entr" presetSubtype="0" fill="hold" nodeType="clickEffect">
+                                  <p:stCondLst>
+                                    <p:cond delay="0"/>
+                                  </p:stCondLst>
+                                  <p:childTnLst>
+                                    <p:set>
+                                      <p:cBhvr>
+                                        <p:cTn id="6" dur="1" fill="hold">
+                                          <p:stCondLst>
+                                            <p:cond delay="0"/>
+                                          </p:stCondLst>
+                                        </p:cTn>
+                                        <p:tgtEl>
+                                          <p:spTgt spid="12"/>
+                                        </p:tgtEl>
+                                        <p:attrNameLst>
+                                          <p:attrName>style.visibility</p:attrName>
+                                        </p:attrNameLst>
+                                      </p:cBhvr>
+                                      <p:to>
+                                        <p:strVal val="visible"/>
+                                      </p:to>
+                                    </p:set>
+                                  </p:childTnLst>
+                                </p:cTn>
+                              </p:par>
+                            </p:childTnLst>
+                          </p:cTn>
+                        </p:par>
+                      </p:childTnLst>
+                    </p:cTn>
+                  </p:par>
+                </p:childTnLst>
+              </p:cTn>
+              <p:prevCondLst>
+                <p:cond evt="onPrev" delay="0">
+                  <p:tgtEl>
+                    <p:sldTgt/>
+                  </p:tgtEl>
+                </p:cond>
+              </p:prevCondLst>
+              <p:nextCondLst>
+                <p:cond evt="onNext" delay="0">
+                  <p:tgtEl>
+                    <p:sldTgt/>
+                  </p:tgtEl>
+                </p:cond>
+              </p:nextCondLst>
+            </p:seq>
+          </p:childTnLst>
+        </p:cTn>
+      </p:par>
+    </p:tnLst>
+  </p:timing>
 </p:sld>
 </file>
 
@@ -11067,399 +12368,6 @@
   <p:clrMapOvr>
     <a:masterClrMapping/>
   </p:clrMapOvr>
-</p:sld>
-</file>
-
-<file path=ppt/slides/slide21.xml><?xml version="1.0" encoding="utf-8"?>
-<p:sld xmlns:a="http://schemas.openxmlformats.org/drawingml/2006/main" xmlns:r="http://schemas.openxmlformats.org/officeDocument/2006/relationships" xmlns:p="http://schemas.openxmlformats.org/presentationml/2006/main">
-  <p:cSld>
-    <p:spTree>
-      <p:nvGrpSpPr>
-        <p:cNvPr id="1" name=""/>
-        <p:cNvGrpSpPr/>
-        <p:nvPr/>
-      </p:nvGrpSpPr>
-      <p:grpSpPr>
-        <a:xfrm>
-          <a:off x="0" y="0"/>
-          <a:ext cx="0" cy="0"/>
-          <a:chOff x="0" y="0"/>
-          <a:chExt cx="0" cy="0"/>
-        </a:xfrm>
-      </p:grpSpPr>
-      <p:sp>
-        <p:nvSpPr>
-          <p:cNvPr id="3" name="标题 2"/>
-          <p:cNvSpPr>
-            <a:spLocks noGrp="1"/>
-          </p:cNvSpPr>
-          <p:nvPr>
-            <p:ph type="title"/>
-          </p:nvPr>
-        </p:nvSpPr>
-        <p:spPr/>
-        <p:txBody>
-          <a:bodyPr/>
-          <a:lstStyle/>
-          <a:p>
-            <a:r>
-              <a:rPr lang="zh-CN" altLang="en-US" dirty="0">
-                <a:sym typeface="+mn-ea"/>
-              </a:rPr>
-              <a:t>结学</a:t>
-            </a:r>
-          </a:p>
-        </p:txBody>
-      </p:sp>
-      <p:sp>
-        <p:nvSpPr>
-          <p:cNvPr id="6" name="文本占位符 1">
-            <a:extLst>
-              <a:ext uri="{FF2B5EF4-FFF2-40B4-BE49-F238E27FC236}">
-                <a16:creationId xmlns:a16="http://schemas.microsoft.com/office/drawing/2014/main" id="{BA88068A-4FDC-6963-46A5-ADEC46CDA15E}"/>
-              </a:ext>
-            </a:extLst>
-          </p:cNvPr>
-          <p:cNvSpPr txBox="1">
-            <a:spLocks/>
-          </p:cNvSpPr>
-          <p:nvPr/>
-        </p:nvSpPr>
-        <p:spPr>
-          <a:xfrm>
-            <a:off x="822325" y="1778635"/>
-            <a:ext cx="10852150" cy="4553585"/>
-          </a:xfrm>
-        </p:spPr>
-        <p:txBody>
-          <a:bodyPr lIns="101600" tIns="38100" rIns="76200" bIns="38100">
-            <a:noAutofit/>
-          </a:bodyPr>
-          <a:lstStyle>
-            <a:lvl1pPr marL="0" indent="0" algn="l" defTabSz="914400" rtl="0" eaLnBrk="1" fontAlgn="auto" latinLnBrk="0" hangingPunct="1">
-              <a:lnSpc>
-                <a:spcPct val="130000"/>
-              </a:lnSpc>
-              <a:spcBef>
-                <a:spcPts val="0"/>
-              </a:spcBef>
-              <a:spcAft>
-                <a:spcPts val="1000"/>
-              </a:spcAft>
-              <a:buFont typeface="Arial" panose="020B0604020202020204" pitchFamily="34" charset="0"/>
-              <a:buNone/>
-              <a:defRPr kumimoji="0" lang="zh-CN" altLang="en-US" sz="1600" b="0" i="0" u="none" strike="noStrike" kern="1200" cap="none" spc="150" normalizeH="0" baseline="0" noProof="1">
-                <a:solidFill>
-                  <a:schemeClr val="tx1"/>
-                </a:solidFill>
-                <a:uFillTx/>
-                <a:latin typeface="+mn-lt"/>
-                <a:ea typeface="+mn-ea"/>
-                <a:cs typeface="+mn-cs"/>
-                <a:sym typeface="+mn-ea"/>
-              </a:defRPr>
-            </a:lvl1pPr>
-            <a:lvl2pPr marL="457200" indent="0" algn="l" defTabSz="914400" rtl="0" eaLnBrk="1" fontAlgn="auto" latinLnBrk="0" hangingPunct="1">
-              <a:lnSpc>
-                <a:spcPct val="130000"/>
-              </a:lnSpc>
-              <a:spcBef>
-                <a:spcPts val="0"/>
-              </a:spcBef>
-              <a:spcAft>
-                <a:spcPts val="1000"/>
-              </a:spcAft>
-              <a:buFont typeface="Arial" panose="020B0604020202020204" pitchFamily="34" charset="0"/>
-              <a:buNone/>
-              <a:tabLst>
-                <a:tab pos="1609725" algn="l"/>
-              </a:tabLst>
-              <a:defRPr sz="2000" u="none" strike="noStrike" kern="1200" cap="none" spc="150" normalizeH="0" baseline="0">
-                <a:solidFill>
-                  <a:schemeClr val="tx1">
-                    <a:tint val="75000"/>
-                  </a:schemeClr>
-                </a:solidFill>
-                <a:uFillTx/>
-                <a:latin typeface="+mn-lt"/>
-                <a:ea typeface="+mn-ea"/>
-                <a:cs typeface="+mn-cs"/>
-              </a:defRPr>
-            </a:lvl2pPr>
-            <a:lvl3pPr marL="914400" indent="0" algn="l" defTabSz="914400" rtl="0" eaLnBrk="1" fontAlgn="auto" latinLnBrk="0" hangingPunct="1">
-              <a:lnSpc>
-                <a:spcPct val="130000"/>
-              </a:lnSpc>
-              <a:spcBef>
-                <a:spcPts val="0"/>
-              </a:spcBef>
-              <a:spcAft>
-                <a:spcPts val="1000"/>
-              </a:spcAft>
-              <a:buFont typeface="Arial" panose="020B0604020202020204" pitchFamily="34" charset="0"/>
-              <a:buNone/>
-              <a:defRPr sz="1800" u="none" strike="noStrike" kern="1200" cap="none" spc="150" normalizeH="0" baseline="0">
-                <a:solidFill>
-                  <a:schemeClr val="tx1">
-                    <a:tint val="75000"/>
-                  </a:schemeClr>
-                </a:solidFill>
-                <a:uFillTx/>
-                <a:latin typeface="+mn-lt"/>
-                <a:ea typeface="+mn-ea"/>
-                <a:cs typeface="+mn-cs"/>
-              </a:defRPr>
-            </a:lvl3pPr>
-            <a:lvl4pPr marL="1371600" indent="0" algn="l" defTabSz="914400" rtl="0" eaLnBrk="1" fontAlgn="auto" latinLnBrk="0" hangingPunct="1">
-              <a:lnSpc>
-                <a:spcPct val="130000"/>
-              </a:lnSpc>
-              <a:spcBef>
-                <a:spcPts val="0"/>
-              </a:spcBef>
-              <a:spcAft>
-                <a:spcPts val="1000"/>
-              </a:spcAft>
-              <a:buFont typeface="Arial" panose="020B0604020202020204" pitchFamily="34" charset="0"/>
-              <a:buNone/>
-              <a:defRPr sz="1600" u="none" strike="noStrike" kern="1200" cap="none" spc="150" normalizeH="0" baseline="0">
-                <a:solidFill>
-                  <a:schemeClr val="tx1">
-                    <a:tint val="75000"/>
-                  </a:schemeClr>
-                </a:solidFill>
-                <a:uFillTx/>
-                <a:latin typeface="+mn-lt"/>
-                <a:ea typeface="+mn-ea"/>
-                <a:cs typeface="+mn-cs"/>
-              </a:defRPr>
-            </a:lvl4pPr>
-            <a:lvl5pPr marL="1828800" indent="0" algn="l" defTabSz="914400" rtl="0" eaLnBrk="1" fontAlgn="auto" latinLnBrk="0" hangingPunct="1">
-              <a:lnSpc>
-                <a:spcPct val="130000"/>
-              </a:lnSpc>
-              <a:spcBef>
-                <a:spcPts val="0"/>
-              </a:spcBef>
-              <a:spcAft>
-                <a:spcPts val="1000"/>
-              </a:spcAft>
-              <a:buFont typeface="Arial" panose="020B0604020202020204" pitchFamily="34" charset="0"/>
-              <a:buNone/>
-              <a:defRPr sz="1600" u="none" strike="noStrike" kern="1200" cap="none" spc="150" normalizeH="0" baseline="0">
-                <a:solidFill>
-                  <a:schemeClr val="tx1">
-                    <a:tint val="75000"/>
-                  </a:schemeClr>
-                </a:solidFill>
-                <a:uFillTx/>
-                <a:latin typeface="+mn-lt"/>
-                <a:ea typeface="+mn-ea"/>
-                <a:cs typeface="+mn-cs"/>
-              </a:defRPr>
-            </a:lvl5pPr>
-            <a:lvl6pPr marL="2286000" indent="0" algn="l" defTabSz="914400" rtl="0" eaLnBrk="1" latinLnBrk="0" hangingPunct="1">
-              <a:lnSpc>
-                <a:spcPct val="90000"/>
-              </a:lnSpc>
-              <a:spcBef>
-                <a:spcPts val="500"/>
-              </a:spcBef>
-              <a:buFont typeface="Arial" panose="020B0604020202020204" pitchFamily="34" charset="0"/>
-              <a:buNone/>
-              <a:defRPr sz="1600" kern="1200">
-                <a:solidFill>
-                  <a:schemeClr val="tx1">
-                    <a:tint val="75000"/>
-                  </a:schemeClr>
-                </a:solidFill>
-                <a:latin typeface="+mn-lt"/>
-                <a:ea typeface="+mn-ea"/>
-                <a:cs typeface="+mn-cs"/>
-              </a:defRPr>
-            </a:lvl6pPr>
-            <a:lvl7pPr marL="2743200" indent="0" algn="l" defTabSz="914400" rtl="0" eaLnBrk="1" latinLnBrk="0" hangingPunct="1">
-              <a:lnSpc>
-                <a:spcPct val="90000"/>
-              </a:lnSpc>
-              <a:spcBef>
-                <a:spcPts val="500"/>
-              </a:spcBef>
-              <a:buFont typeface="Arial" panose="020B0604020202020204" pitchFamily="34" charset="0"/>
-              <a:buNone/>
-              <a:defRPr sz="1600" kern="1200">
-                <a:solidFill>
-                  <a:schemeClr val="tx1">
-                    <a:tint val="75000"/>
-                  </a:schemeClr>
-                </a:solidFill>
-                <a:latin typeface="+mn-lt"/>
-                <a:ea typeface="+mn-ea"/>
-                <a:cs typeface="+mn-cs"/>
-              </a:defRPr>
-            </a:lvl7pPr>
-            <a:lvl8pPr marL="3200400" indent="0" algn="l" defTabSz="914400" rtl="0" eaLnBrk="1" latinLnBrk="0" hangingPunct="1">
-              <a:lnSpc>
-                <a:spcPct val="90000"/>
-              </a:lnSpc>
-              <a:spcBef>
-                <a:spcPts val="500"/>
-              </a:spcBef>
-              <a:buFont typeface="Arial" panose="020B0604020202020204" pitchFamily="34" charset="0"/>
-              <a:buNone/>
-              <a:defRPr sz="1600" kern="1200">
-                <a:solidFill>
-                  <a:schemeClr val="tx1">
-                    <a:tint val="75000"/>
-                  </a:schemeClr>
-                </a:solidFill>
-                <a:latin typeface="+mn-lt"/>
-                <a:ea typeface="+mn-ea"/>
-                <a:cs typeface="+mn-cs"/>
-              </a:defRPr>
-            </a:lvl8pPr>
-            <a:lvl9pPr marL="3657600" indent="0" algn="l" defTabSz="914400" rtl="0" eaLnBrk="1" latinLnBrk="0" hangingPunct="1">
-              <a:lnSpc>
-                <a:spcPct val="90000"/>
-              </a:lnSpc>
-              <a:spcBef>
-                <a:spcPts val="500"/>
-              </a:spcBef>
-              <a:buFont typeface="Arial" panose="020B0604020202020204" pitchFamily="34" charset="0"/>
-              <a:buNone/>
-              <a:defRPr sz="1600" kern="1200">
-                <a:solidFill>
-                  <a:schemeClr val="tx1">
-                    <a:tint val="75000"/>
-                  </a:schemeClr>
-                </a:solidFill>
-                <a:latin typeface="+mn-lt"/>
-                <a:ea typeface="+mn-ea"/>
-                <a:cs typeface="+mn-cs"/>
-              </a:defRPr>
-            </a:lvl9pPr>
-          </a:lstStyle>
-          <a:p>
-            <a:pPr marL="285750" indent="-285750">
-              <a:buFont typeface="Arial" panose="020B0604020202020204" pitchFamily="34" charset="0"/>
-              <a:buChar char="•"/>
-            </a:pPr>
-            <a:r>
-              <a:rPr lang="zh-CN" altLang="en-US" dirty="0"/>
-              <a:t>如何加快多分类的训练速度？</a:t>
-            </a:r>
-            <a:endParaRPr lang="en-US" altLang="zh-CN" dirty="0"/>
-          </a:p>
-          <a:p>
-            <a:pPr marL="285750" indent="-285750">
-              <a:buFont typeface="Arial" panose="020B0604020202020204" pitchFamily="34" charset="0"/>
-              <a:buChar char="•"/>
-            </a:pPr>
-            <a:r>
-              <a:rPr lang="zh-CN" altLang="en-US" dirty="0"/>
-              <a:t>根据交叉熵损失函数和</a:t>
-            </a:r>
-            <a:r>
-              <a:rPr lang="en-US" altLang="zh-CN" dirty="0" err="1"/>
-              <a:t>softmax</a:t>
-            </a:r>
-            <a:r>
-              <a:rPr lang="zh-CN" altLang="en-US" dirty="0"/>
-              <a:t>，推导误差项的过程是什么？</a:t>
-            </a:r>
-            <a:endParaRPr lang="en-US" altLang="zh-CN" dirty="0"/>
-          </a:p>
-          <a:p>
-            <a:endParaRPr lang="en-US" altLang="zh-CN" dirty="0"/>
-          </a:p>
-          <a:p>
-            <a:pPr marL="285750" indent="-285750">
-              <a:buFont typeface="Arial" panose="020B0604020202020204" pitchFamily="34" charset="0"/>
-              <a:buChar char="•"/>
-            </a:pPr>
-            <a:r>
-              <a:rPr lang="zh-CN" altLang="en-US" dirty="0"/>
-              <a:t>自学、展学</a:t>
-            </a:r>
-          </a:p>
-          <a:p>
-            <a:pPr marL="285750" indent="-285750">
-              <a:buFont typeface="Arial" panose="020B0604020202020204" pitchFamily="34" charset="0"/>
-              <a:buChar char="•"/>
-            </a:pPr>
-            <a:endParaRPr lang="zh-CN" altLang="en-US" dirty="0"/>
-          </a:p>
-          <a:p>
-            <a:pPr marL="285750" indent="-285750">
-              <a:buFont typeface="Arial" panose="020B0604020202020204" pitchFamily="34" charset="0"/>
-              <a:buChar char="•"/>
-            </a:pPr>
-            <a:endParaRPr lang="en-US" altLang="zh-CN" dirty="0"/>
-          </a:p>
-          <a:p>
-            <a:pPr marL="285750" indent="-285750">
-              <a:buFont typeface="Arial" panose="020B0604020202020204" pitchFamily="34" charset="0"/>
-              <a:buChar char="•"/>
-            </a:pPr>
-            <a:endParaRPr lang="zh-CN" altLang="en-US" dirty="0"/>
-          </a:p>
-          <a:p>
-            <a:pPr marL="285750" indent="-285750">
-              <a:buFont typeface="Arial" panose="020B0604020202020204" pitchFamily="34" charset="0"/>
-              <a:buChar char="•"/>
-            </a:pPr>
-            <a:endParaRPr lang="zh-CN" altLang="en-US" dirty="0"/>
-          </a:p>
-          <a:p>
-            <a:pPr marL="285750" indent="-285750">
-              <a:buFont typeface="Arial" panose="020B0604020202020204" pitchFamily="34" charset="0"/>
-              <a:buChar char="•"/>
-            </a:pPr>
-            <a:endParaRPr lang="zh-CN" altLang="en-US" dirty="0"/>
-          </a:p>
-          <a:p>
-            <a:pPr marL="285750" indent="-285750">
-              <a:buFont typeface="Arial" panose="020B0604020202020204" pitchFamily="34" charset="0"/>
-              <a:buChar char="•"/>
-            </a:pPr>
-            <a:endParaRPr lang="zh-CN" altLang="en-US" dirty="0"/>
-          </a:p>
-          <a:p>
-            <a:pPr marL="285750" indent="-285750">
-              <a:buFont typeface="Arial" panose="020B0604020202020204" pitchFamily="34" charset="0"/>
-              <a:buChar char="•"/>
-            </a:pPr>
-            <a:endParaRPr lang="zh-CN" altLang="en-US" dirty="0"/>
-          </a:p>
-          <a:p>
-            <a:pPr marL="285750" indent="-285750">
-              <a:buFont typeface="Arial" panose="020B0604020202020204" pitchFamily="34" charset="0"/>
-              <a:buChar char="•"/>
-            </a:pPr>
-            <a:endParaRPr lang="zh-CN" altLang="en-US" dirty="0"/>
-          </a:p>
-          <a:p>
-            <a:pPr marL="285750" indent="-285750">
-              <a:buFont typeface="Arial" panose="020B0604020202020204" pitchFamily="34" charset="0"/>
-              <a:buChar char="•"/>
-            </a:pPr>
-            <a:endParaRPr lang="zh-CN" altLang="en-US" dirty="0"/>
-          </a:p>
-        </p:txBody>
-      </p:sp>
-    </p:spTree>
-    <p:custDataLst>
-      <p:tags r:id="rId1"/>
-    </p:custDataLst>
-    <p:extLst>
-      <p:ext uri="{BB962C8B-B14F-4D97-AF65-F5344CB8AC3E}">
-        <p14:creationId xmlns:p14="http://schemas.microsoft.com/office/powerpoint/2010/main" val="2536093079"/>
-      </p:ext>
-    </p:extLst>
-  </p:cSld>
-  <p:clrMapOvr>
-    <a:masterClrMapping/>
-  </p:clrMapOvr>
   <p:timing>
     <p:tnLst>
       <p:par>
@@ -11481,7 +12389,7 @@
                             </p:stCondLst>
                             <p:childTnLst>
                               <p:par>
-                                <p:cTn id="5" presetID="1" presetClass="entr" presetSubtype="0" fill="hold" grpId="0" nodeType="clickEffect">
+                                <p:cTn id="5" presetID="1" presetClass="entr" presetSubtype="0" fill="hold" nodeType="clickEffect">
                                   <p:stCondLst>
                                     <p:cond delay="0"/>
                                   </p:stCondLst>
@@ -11494,7 +12402,7 @@
                                           </p:stCondLst>
                                         </p:cTn>
                                         <p:tgtEl>
-                                          <p:spTgt spid="6"/>
+                                          <p:spTgt spid="3"/>
                                         </p:tgtEl>
                                         <p:attrNameLst>
                                           <p:attrName>style.visibility</p:attrName>
@@ -11534,9 +12442,608 @@
         </p:cTn>
       </p:par>
     </p:tnLst>
-    <p:bldLst>
-      <p:bldP spid="6" grpId="0"/>
-    </p:bldLst>
+  </p:timing>
+</p:sld>
+</file>
+
+<file path=ppt/slides/slide21.xml><?xml version="1.0" encoding="utf-8"?>
+<p:sld xmlns:a="http://schemas.openxmlformats.org/drawingml/2006/main" xmlns:r="http://schemas.openxmlformats.org/officeDocument/2006/relationships" xmlns:p="http://schemas.openxmlformats.org/presentationml/2006/main">
+  <p:cSld>
+    <p:spTree>
+      <p:nvGrpSpPr>
+        <p:cNvPr id="1" name=""/>
+        <p:cNvGrpSpPr/>
+        <p:nvPr/>
+      </p:nvGrpSpPr>
+      <p:grpSpPr>
+        <a:xfrm>
+          <a:off x="0" y="0"/>
+          <a:ext cx="0" cy="0"/>
+          <a:chOff x="0" y="0"/>
+          <a:chExt cx="0" cy="0"/>
+        </a:xfrm>
+      </p:grpSpPr>
+      <p:sp>
+        <p:nvSpPr>
+          <p:cNvPr id="3" name="标题 2"/>
+          <p:cNvSpPr>
+            <a:spLocks noGrp="1"/>
+          </p:cNvSpPr>
+          <p:nvPr>
+            <p:ph type="title"/>
+          </p:nvPr>
+        </p:nvSpPr>
+        <p:spPr/>
+        <p:txBody>
+          <a:bodyPr/>
+          <a:lstStyle/>
+          <a:p>
+            <a:r>
+              <a:rPr lang="zh-CN" altLang="en-US" dirty="0">
+                <a:sym typeface="+mn-ea"/>
+              </a:rPr>
+              <a:t>结学</a:t>
+            </a:r>
+          </a:p>
+        </p:txBody>
+      </p:sp>
+      <p:sp>
+        <p:nvSpPr>
+          <p:cNvPr id="6" name="文本占位符 1">
+            <a:extLst>
+              <a:ext uri="{FF2B5EF4-FFF2-40B4-BE49-F238E27FC236}">
+                <a16:creationId xmlns:a16="http://schemas.microsoft.com/office/drawing/2014/main" id="{BA88068A-4FDC-6963-46A5-ADEC46CDA15E}"/>
+              </a:ext>
+            </a:extLst>
+          </p:cNvPr>
+          <p:cNvSpPr txBox="1">
+            <a:spLocks/>
+          </p:cNvSpPr>
+          <p:nvPr/>
+        </p:nvSpPr>
+        <p:spPr>
+          <a:xfrm>
+            <a:off x="822325" y="1778635"/>
+            <a:ext cx="10852150" cy="4553585"/>
+          </a:xfrm>
+        </p:spPr>
+        <p:txBody>
+          <a:bodyPr lIns="101600" tIns="38100" rIns="76200" bIns="38100">
+            <a:noAutofit/>
+          </a:bodyPr>
+          <a:lstStyle>
+            <a:lvl1pPr marL="0" indent="0" algn="l" defTabSz="914400" rtl="0" eaLnBrk="1" fontAlgn="auto" latinLnBrk="0" hangingPunct="1">
+              <a:lnSpc>
+                <a:spcPct val="130000"/>
+              </a:lnSpc>
+              <a:spcBef>
+                <a:spcPts val="0"/>
+              </a:spcBef>
+              <a:spcAft>
+                <a:spcPts val="1000"/>
+              </a:spcAft>
+              <a:buFont typeface="Arial" panose="020B0604020202020204" pitchFamily="34" charset="0"/>
+              <a:buNone/>
+              <a:defRPr kumimoji="0" lang="zh-CN" altLang="en-US" sz="1600" b="0" i="0" u="none" strike="noStrike" kern="1200" cap="none" spc="150" normalizeH="0" baseline="0" noProof="1">
+                <a:solidFill>
+                  <a:schemeClr val="tx1"/>
+                </a:solidFill>
+                <a:uFillTx/>
+                <a:latin typeface="+mn-lt"/>
+                <a:ea typeface="+mn-ea"/>
+                <a:cs typeface="+mn-cs"/>
+                <a:sym typeface="+mn-ea"/>
+              </a:defRPr>
+            </a:lvl1pPr>
+            <a:lvl2pPr marL="457200" indent="0" algn="l" defTabSz="914400" rtl="0" eaLnBrk="1" fontAlgn="auto" latinLnBrk="0" hangingPunct="1">
+              <a:lnSpc>
+                <a:spcPct val="130000"/>
+              </a:lnSpc>
+              <a:spcBef>
+                <a:spcPts val="0"/>
+              </a:spcBef>
+              <a:spcAft>
+                <a:spcPts val="1000"/>
+              </a:spcAft>
+              <a:buFont typeface="Arial" panose="020B0604020202020204" pitchFamily="34" charset="0"/>
+              <a:buNone/>
+              <a:tabLst>
+                <a:tab pos="1609725" algn="l"/>
+              </a:tabLst>
+              <a:defRPr sz="2000" u="none" strike="noStrike" kern="1200" cap="none" spc="150" normalizeH="0" baseline="0">
+                <a:solidFill>
+                  <a:schemeClr val="tx1">
+                    <a:tint val="75000"/>
+                  </a:schemeClr>
+                </a:solidFill>
+                <a:uFillTx/>
+                <a:latin typeface="+mn-lt"/>
+                <a:ea typeface="+mn-ea"/>
+                <a:cs typeface="+mn-cs"/>
+              </a:defRPr>
+            </a:lvl2pPr>
+            <a:lvl3pPr marL="914400" indent="0" algn="l" defTabSz="914400" rtl="0" eaLnBrk="1" fontAlgn="auto" latinLnBrk="0" hangingPunct="1">
+              <a:lnSpc>
+                <a:spcPct val="130000"/>
+              </a:lnSpc>
+              <a:spcBef>
+                <a:spcPts val="0"/>
+              </a:spcBef>
+              <a:spcAft>
+                <a:spcPts val="1000"/>
+              </a:spcAft>
+              <a:buFont typeface="Arial" panose="020B0604020202020204" pitchFamily="34" charset="0"/>
+              <a:buNone/>
+              <a:defRPr sz="1800" u="none" strike="noStrike" kern="1200" cap="none" spc="150" normalizeH="0" baseline="0">
+                <a:solidFill>
+                  <a:schemeClr val="tx1">
+                    <a:tint val="75000"/>
+                  </a:schemeClr>
+                </a:solidFill>
+                <a:uFillTx/>
+                <a:latin typeface="+mn-lt"/>
+                <a:ea typeface="+mn-ea"/>
+                <a:cs typeface="+mn-cs"/>
+              </a:defRPr>
+            </a:lvl3pPr>
+            <a:lvl4pPr marL="1371600" indent="0" algn="l" defTabSz="914400" rtl="0" eaLnBrk="1" fontAlgn="auto" latinLnBrk="0" hangingPunct="1">
+              <a:lnSpc>
+                <a:spcPct val="130000"/>
+              </a:lnSpc>
+              <a:spcBef>
+                <a:spcPts val="0"/>
+              </a:spcBef>
+              <a:spcAft>
+                <a:spcPts val="1000"/>
+              </a:spcAft>
+              <a:buFont typeface="Arial" panose="020B0604020202020204" pitchFamily="34" charset="0"/>
+              <a:buNone/>
+              <a:defRPr sz="1600" u="none" strike="noStrike" kern="1200" cap="none" spc="150" normalizeH="0" baseline="0">
+                <a:solidFill>
+                  <a:schemeClr val="tx1">
+                    <a:tint val="75000"/>
+                  </a:schemeClr>
+                </a:solidFill>
+                <a:uFillTx/>
+                <a:latin typeface="+mn-lt"/>
+                <a:ea typeface="+mn-ea"/>
+                <a:cs typeface="+mn-cs"/>
+              </a:defRPr>
+            </a:lvl4pPr>
+            <a:lvl5pPr marL="1828800" indent="0" algn="l" defTabSz="914400" rtl="0" eaLnBrk="1" fontAlgn="auto" latinLnBrk="0" hangingPunct="1">
+              <a:lnSpc>
+                <a:spcPct val="130000"/>
+              </a:lnSpc>
+              <a:spcBef>
+                <a:spcPts val="0"/>
+              </a:spcBef>
+              <a:spcAft>
+                <a:spcPts val="1000"/>
+              </a:spcAft>
+              <a:buFont typeface="Arial" panose="020B0604020202020204" pitchFamily="34" charset="0"/>
+              <a:buNone/>
+              <a:defRPr sz="1600" u="none" strike="noStrike" kern="1200" cap="none" spc="150" normalizeH="0" baseline="0">
+                <a:solidFill>
+                  <a:schemeClr val="tx1">
+                    <a:tint val="75000"/>
+                  </a:schemeClr>
+                </a:solidFill>
+                <a:uFillTx/>
+                <a:latin typeface="+mn-lt"/>
+                <a:ea typeface="+mn-ea"/>
+                <a:cs typeface="+mn-cs"/>
+              </a:defRPr>
+            </a:lvl5pPr>
+            <a:lvl6pPr marL="2286000" indent="0" algn="l" defTabSz="914400" rtl="0" eaLnBrk="1" latinLnBrk="0" hangingPunct="1">
+              <a:lnSpc>
+                <a:spcPct val="90000"/>
+              </a:lnSpc>
+              <a:spcBef>
+                <a:spcPts val="500"/>
+              </a:spcBef>
+              <a:buFont typeface="Arial" panose="020B0604020202020204" pitchFamily="34" charset="0"/>
+              <a:buNone/>
+              <a:defRPr sz="1600" kern="1200">
+                <a:solidFill>
+                  <a:schemeClr val="tx1">
+                    <a:tint val="75000"/>
+                  </a:schemeClr>
+                </a:solidFill>
+                <a:latin typeface="+mn-lt"/>
+                <a:ea typeface="+mn-ea"/>
+                <a:cs typeface="+mn-cs"/>
+              </a:defRPr>
+            </a:lvl6pPr>
+            <a:lvl7pPr marL="2743200" indent="0" algn="l" defTabSz="914400" rtl="0" eaLnBrk="1" latinLnBrk="0" hangingPunct="1">
+              <a:lnSpc>
+                <a:spcPct val="90000"/>
+              </a:lnSpc>
+              <a:spcBef>
+                <a:spcPts val="500"/>
+              </a:spcBef>
+              <a:buFont typeface="Arial" panose="020B0604020202020204" pitchFamily="34" charset="0"/>
+              <a:buNone/>
+              <a:defRPr sz="1600" kern="1200">
+                <a:solidFill>
+                  <a:schemeClr val="tx1">
+                    <a:tint val="75000"/>
+                  </a:schemeClr>
+                </a:solidFill>
+                <a:latin typeface="+mn-lt"/>
+                <a:ea typeface="+mn-ea"/>
+                <a:cs typeface="+mn-cs"/>
+              </a:defRPr>
+            </a:lvl7pPr>
+            <a:lvl8pPr marL="3200400" indent="0" algn="l" defTabSz="914400" rtl="0" eaLnBrk="1" latinLnBrk="0" hangingPunct="1">
+              <a:lnSpc>
+                <a:spcPct val="90000"/>
+              </a:lnSpc>
+              <a:spcBef>
+                <a:spcPts val="500"/>
+              </a:spcBef>
+              <a:buFont typeface="Arial" panose="020B0604020202020204" pitchFamily="34" charset="0"/>
+              <a:buNone/>
+              <a:defRPr sz="1600" kern="1200">
+                <a:solidFill>
+                  <a:schemeClr val="tx1">
+                    <a:tint val="75000"/>
+                  </a:schemeClr>
+                </a:solidFill>
+                <a:latin typeface="+mn-lt"/>
+                <a:ea typeface="+mn-ea"/>
+                <a:cs typeface="+mn-cs"/>
+              </a:defRPr>
+            </a:lvl8pPr>
+            <a:lvl9pPr marL="3657600" indent="0" algn="l" defTabSz="914400" rtl="0" eaLnBrk="1" latinLnBrk="0" hangingPunct="1">
+              <a:lnSpc>
+                <a:spcPct val="90000"/>
+              </a:lnSpc>
+              <a:spcBef>
+                <a:spcPts val="500"/>
+              </a:spcBef>
+              <a:buFont typeface="Arial" panose="020B0604020202020204" pitchFamily="34" charset="0"/>
+              <a:buNone/>
+              <a:defRPr sz="1600" kern="1200">
+                <a:solidFill>
+                  <a:schemeClr val="tx1">
+                    <a:tint val="75000"/>
+                  </a:schemeClr>
+                </a:solidFill>
+                <a:latin typeface="+mn-lt"/>
+                <a:ea typeface="+mn-ea"/>
+                <a:cs typeface="+mn-cs"/>
+              </a:defRPr>
+            </a:lvl9pPr>
+          </a:lstStyle>
+          <a:p>
+            <a:pPr marL="285750" indent="-285750">
+              <a:buFont typeface="Arial" panose="020B0604020202020204" pitchFamily="34" charset="0"/>
+              <a:buChar char="•"/>
+            </a:pPr>
+            <a:r>
+              <a:rPr lang="zh-CN" altLang="en-US" dirty="0"/>
+              <a:t>如何加快多分类的训练速度？</a:t>
+            </a:r>
+            <a:endParaRPr lang="en-US" altLang="zh-CN" dirty="0"/>
+          </a:p>
+          <a:p>
+            <a:pPr marL="285750" indent="-285750">
+              <a:buFont typeface="Arial" panose="020B0604020202020204" pitchFamily="34" charset="0"/>
+              <a:buChar char="•"/>
+            </a:pPr>
+            <a:r>
+              <a:rPr lang="zh-CN" altLang="en-US" dirty="0"/>
+              <a:t>根据交叉熵损失函数和</a:t>
+            </a:r>
+            <a:r>
+              <a:rPr lang="en-US" altLang="zh-CN" dirty="0" err="1"/>
+              <a:t>softmax</a:t>
+            </a:r>
+            <a:r>
+              <a:rPr lang="zh-CN" altLang="en-US" dirty="0"/>
+              <a:t>，推导误差项的过程是什么？</a:t>
+            </a:r>
+            <a:endParaRPr lang="en-US" altLang="zh-CN" dirty="0"/>
+          </a:p>
+          <a:p>
+            <a:endParaRPr lang="en-US" altLang="zh-CN" dirty="0"/>
+          </a:p>
+          <a:p>
+            <a:pPr marL="285750" indent="-285750">
+              <a:buFont typeface="Arial" panose="020B0604020202020204" pitchFamily="34" charset="0"/>
+              <a:buChar char="•"/>
+            </a:pPr>
+            <a:r>
+              <a:rPr lang="zh-CN" altLang="en-US" dirty="0"/>
+              <a:t>自学、展学</a:t>
+            </a:r>
+          </a:p>
+          <a:p>
+            <a:pPr marL="285750" indent="-285750">
+              <a:buFont typeface="Arial" panose="020B0604020202020204" pitchFamily="34" charset="0"/>
+              <a:buChar char="•"/>
+            </a:pPr>
+            <a:endParaRPr lang="zh-CN" altLang="en-US" dirty="0"/>
+          </a:p>
+          <a:p>
+            <a:pPr marL="285750" indent="-285750">
+              <a:buFont typeface="Arial" panose="020B0604020202020204" pitchFamily="34" charset="0"/>
+              <a:buChar char="•"/>
+            </a:pPr>
+            <a:endParaRPr lang="en-US" altLang="zh-CN" dirty="0"/>
+          </a:p>
+          <a:p>
+            <a:pPr marL="285750" indent="-285750">
+              <a:buFont typeface="Arial" panose="020B0604020202020204" pitchFamily="34" charset="0"/>
+              <a:buChar char="•"/>
+            </a:pPr>
+            <a:endParaRPr lang="zh-CN" altLang="en-US" dirty="0"/>
+          </a:p>
+          <a:p>
+            <a:pPr marL="285750" indent="-285750">
+              <a:buFont typeface="Arial" panose="020B0604020202020204" pitchFamily="34" charset="0"/>
+              <a:buChar char="•"/>
+            </a:pPr>
+            <a:endParaRPr lang="zh-CN" altLang="en-US" dirty="0"/>
+          </a:p>
+          <a:p>
+            <a:pPr marL="285750" indent="-285750">
+              <a:buFont typeface="Arial" panose="020B0604020202020204" pitchFamily="34" charset="0"/>
+              <a:buChar char="•"/>
+            </a:pPr>
+            <a:endParaRPr lang="zh-CN" altLang="en-US" dirty="0"/>
+          </a:p>
+          <a:p>
+            <a:pPr marL="285750" indent="-285750">
+              <a:buFont typeface="Arial" panose="020B0604020202020204" pitchFamily="34" charset="0"/>
+              <a:buChar char="•"/>
+            </a:pPr>
+            <a:endParaRPr lang="zh-CN" altLang="en-US" dirty="0"/>
+          </a:p>
+          <a:p>
+            <a:pPr marL="285750" indent="-285750">
+              <a:buFont typeface="Arial" panose="020B0604020202020204" pitchFamily="34" charset="0"/>
+              <a:buChar char="•"/>
+            </a:pPr>
+            <a:endParaRPr lang="zh-CN" altLang="en-US" dirty="0"/>
+          </a:p>
+          <a:p>
+            <a:pPr marL="285750" indent="-285750">
+              <a:buFont typeface="Arial" panose="020B0604020202020204" pitchFamily="34" charset="0"/>
+              <a:buChar char="•"/>
+            </a:pPr>
+            <a:endParaRPr lang="zh-CN" altLang="en-US" dirty="0"/>
+          </a:p>
+          <a:p>
+            <a:pPr marL="285750" indent="-285750">
+              <a:buFont typeface="Arial" panose="020B0604020202020204" pitchFamily="34" charset="0"/>
+              <a:buChar char="•"/>
+            </a:pPr>
+            <a:endParaRPr lang="zh-CN" altLang="en-US" dirty="0"/>
+          </a:p>
+        </p:txBody>
+      </p:sp>
+      <p:pic>
+        <p:nvPicPr>
+          <p:cNvPr id="2" name="图片 1">
+            <a:extLst>
+              <a:ext uri="{FF2B5EF4-FFF2-40B4-BE49-F238E27FC236}">
+                <a16:creationId xmlns:a16="http://schemas.microsoft.com/office/drawing/2014/main" id="{4A9F2CAC-31D5-34AC-64AD-DE10FD31E9B6}"/>
+              </a:ext>
+            </a:extLst>
+          </p:cNvPr>
+          <p:cNvPicPr>
+            <a:picLocks noChangeAspect="1"/>
+          </p:cNvPicPr>
+          <p:nvPr/>
+        </p:nvPicPr>
+        <p:blipFill>
+          <a:blip r:embed="rId3">
+            <a:extLst>
+              <a:ext uri="{28A0092B-C50C-407E-A947-70E740481C1C}">
+                <a14:useLocalDpi xmlns:a14="http://schemas.microsoft.com/office/drawing/2010/main" val="0"/>
+              </a:ext>
+            </a:extLst>
+          </a:blip>
+          <a:stretch>
+            <a:fillRect/>
+          </a:stretch>
+        </p:blipFill>
+        <p:spPr>
+          <a:xfrm>
+            <a:off x="4584700" y="3204527"/>
+            <a:ext cx="3327400" cy="850900"/>
+          </a:xfrm>
+          <a:prstGeom prst="rect">
+            <a:avLst/>
+          </a:prstGeom>
+        </p:spPr>
+      </p:pic>
+    </p:spTree>
+    <p:custDataLst>
+      <p:tags r:id="rId1"/>
+    </p:custDataLst>
+    <p:extLst>
+      <p:ext uri="{BB962C8B-B14F-4D97-AF65-F5344CB8AC3E}">
+        <p14:creationId xmlns:p14="http://schemas.microsoft.com/office/powerpoint/2010/main" val="2536093079"/>
+      </p:ext>
+    </p:extLst>
+  </p:cSld>
+  <p:clrMapOvr>
+    <a:masterClrMapping/>
+  </p:clrMapOvr>
+  <p:timing>
+    <p:tnLst>
+      <p:par>
+        <p:cTn id="1" dur="indefinite" restart="never" nodeType="tmRoot">
+          <p:childTnLst>
+            <p:seq concurrent="1" nextAc="seek">
+              <p:cTn id="2" dur="indefinite" nodeType="mainSeq">
+                <p:childTnLst>
+                  <p:par>
+                    <p:cTn id="3" fill="hold">
+                      <p:stCondLst>
+                        <p:cond delay="indefinite"/>
+                      </p:stCondLst>
+                      <p:childTnLst>
+                        <p:par>
+                          <p:cTn id="4" fill="hold">
+                            <p:stCondLst>
+                              <p:cond delay="0"/>
+                            </p:stCondLst>
+                            <p:childTnLst>
+                              <p:par>
+                                <p:cTn id="5" presetID="1" presetClass="entr" presetSubtype="0" fill="hold" nodeType="clickEffect">
+                                  <p:stCondLst>
+                                    <p:cond delay="0"/>
+                                  </p:stCondLst>
+                                  <p:childTnLst>
+                                    <p:set>
+                                      <p:cBhvr>
+                                        <p:cTn id="6" dur="1" fill="hold">
+                                          <p:stCondLst>
+                                            <p:cond delay="0"/>
+                                          </p:stCondLst>
+                                        </p:cTn>
+                                        <p:tgtEl>
+                                          <p:spTgt spid="6">
+                                            <p:txEl>
+                                              <p:pRg st="0" end="0"/>
+                                            </p:txEl>
+                                          </p:spTgt>
+                                        </p:tgtEl>
+                                        <p:attrNameLst>
+                                          <p:attrName>style.visibility</p:attrName>
+                                        </p:attrNameLst>
+                                      </p:cBhvr>
+                                      <p:to>
+                                        <p:strVal val="visible"/>
+                                      </p:to>
+                                    </p:set>
+                                  </p:childTnLst>
+                                </p:cTn>
+                              </p:par>
+                            </p:childTnLst>
+                          </p:cTn>
+                        </p:par>
+                      </p:childTnLst>
+                    </p:cTn>
+                  </p:par>
+                  <p:par>
+                    <p:cTn id="7" fill="hold">
+                      <p:stCondLst>
+                        <p:cond delay="indefinite"/>
+                      </p:stCondLst>
+                      <p:childTnLst>
+                        <p:par>
+                          <p:cTn id="8" fill="hold">
+                            <p:stCondLst>
+                              <p:cond delay="0"/>
+                            </p:stCondLst>
+                            <p:childTnLst>
+                              <p:par>
+                                <p:cTn id="9" presetID="1" presetClass="entr" presetSubtype="0" fill="hold" nodeType="clickEffect">
+                                  <p:stCondLst>
+                                    <p:cond delay="0"/>
+                                  </p:stCondLst>
+                                  <p:childTnLst>
+                                    <p:set>
+                                      <p:cBhvr>
+                                        <p:cTn id="10" dur="1" fill="hold">
+                                          <p:stCondLst>
+                                            <p:cond delay="0"/>
+                                          </p:stCondLst>
+                                        </p:cTn>
+                                        <p:tgtEl>
+                                          <p:spTgt spid="6">
+                                            <p:txEl>
+                                              <p:pRg st="1" end="1"/>
+                                            </p:txEl>
+                                          </p:spTgt>
+                                        </p:tgtEl>
+                                        <p:attrNameLst>
+                                          <p:attrName>style.visibility</p:attrName>
+                                        </p:attrNameLst>
+                                      </p:cBhvr>
+                                      <p:to>
+                                        <p:strVal val="visible"/>
+                                      </p:to>
+                                    </p:set>
+                                  </p:childTnLst>
+                                </p:cTn>
+                              </p:par>
+                            </p:childTnLst>
+                          </p:cTn>
+                        </p:par>
+                      </p:childTnLst>
+                    </p:cTn>
+                  </p:par>
+                  <p:par>
+                    <p:cTn id="11" fill="hold">
+                      <p:stCondLst>
+                        <p:cond delay="indefinite"/>
+                      </p:stCondLst>
+                      <p:childTnLst>
+                        <p:par>
+                          <p:cTn id="12" fill="hold">
+                            <p:stCondLst>
+                              <p:cond delay="0"/>
+                            </p:stCondLst>
+                            <p:childTnLst>
+                              <p:par>
+                                <p:cTn id="13" presetID="1" presetClass="entr" presetSubtype="0" fill="hold" nodeType="clickEffect">
+                                  <p:stCondLst>
+                                    <p:cond delay="0"/>
+                                  </p:stCondLst>
+                                  <p:childTnLst>
+                                    <p:set>
+                                      <p:cBhvr>
+                                        <p:cTn id="14" dur="1" fill="hold">
+                                          <p:stCondLst>
+                                            <p:cond delay="0"/>
+                                          </p:stCondLst>
+                                        </p:cTn>
+                                        <p:tgtEl>
+                                          <p:spTgt spid="2"/>
+                                        </p:tgtEl>
+                                        <p:attrNameLst>
+                                          <p:attrName>style.visibility</p:attrName>
+                                        </p:attrNameLst>
+                                      </p:cBhvr>
+                                      <p:to>
+                                        <p:strVal val="visible"/>
+                                      </p:to>
+                                    </p:set>
+                                  </p:childTnLst>
+                                </p:cTn>
+                              </p:par>
+                            </p:childTnLst>
+                          </p:cTn>
+                        </p:par>
+                      </p:childTnLst>
+                    </p:cTn>
+                  </p:par>
+                </p:childTnLst>
+              </p:cTn>
+              <p:prevCondLst>
+                <p:cond evt="onPrev" delay="0">
+                  <p:tgtEl>
+                    <p:sldTgt/>
+                  </p:tgtEl>
+                </p:cond>
+              </p:prevCondLst>
+              <p:nextCondLst>
+                <p:cond evt="onNext" delay="0">
+                  <p:tgtEl>
+                    <p:sldTgt/>
+                  </p:tgtEl>
+                </p:cond>
+              </p:nextCondLst>
+            </p:seq>
+          </p:childTnLst>
+        </p:cTn>
+      </p:par>
+    </p:tnLst>
   </p:timing>
 </p:sld>
 </file>
@@ -11913,7 +13420,23 @@
             </a:pPr>
             <a:r>
               <a:rPr lang="zh-CN" altLang="en-US" dirty="0"/>
-              <a:t>请实现代码，并且加入“通过打印</a:t>
+              <a:t>请在“识别手写数字</a:t>
+            </a:r>
+            <a:r>
+              <a:rPr lang="en-US" altLang="zh-CN" dirty="0"/>
+              <a:t>Demo</a:t>
+            </a:r>
+            <a:r>
+              <a:rPr lang="zh-CN" altLang="en-US" dirty="0"/>
+              <a:t>”中使用交叉熵损失函数和</a:t>
+            </a:r>
+            <a:r>
+              <a:rPr lang="en-US" altLang="zh-CN" dirty="0" err="1"/>
+              <a:t>softmax</a:t>
+            </a:r>
+            <a:r>
+              <a:rPr lang="zh-CN" altLang="en-US" dirty="0"/>
+              <a:t>激活函数，并且加入“通过打印</a:t>
             </a:r>
             <a:r>
               <a:rPr lang="en-US" altLang="zh-CN" dirty="0"/>
@@ -12068,7 +13591,7 @@
                             </p:stCondLst>
                             <p:childTnLst>
                               <p:par>
-                                <p:cTn id="5" presetID="1" presetClass="entr" presetSubtype="0" fill="hold" grpId="0" nodeType="clickEffect">
+                                <p:cTn id="5" presetID="1" presetClass="entr" presetSubtype="0" fill="hold" nodeType="clickEffect">
                                   <p:stCondLst>
                                     <p:cond delay="0"/>
                                   </p:stCondLst>
@@ -12081,7 +13604,158 @@
                                           </p:stCondLst>
                                         </p:cTn>
                                         <p:tgtEl>
-                                          <p:spTgt spid="6"/>
+                                          <p:spTgt spid="6">
+                                            <p:txEl>
+                                              <p:pRg st="0" end="0"/>
+                                            </p:txEl>
+                                          </p:spTgt>
+                                        </p:tgtEl>
+                                        <p:attrNameLst>
+                                          <p:attrName>style.visibility</p:attrName>
+                                        </p:attrNameLst>
+                                      </p:cBhvr>
+                                      <p:to>
+                                        <p:strVal val="visible"/>
+                                      </p:to>
+                                    </p:set>
+                                  </p:childTnLst>
+                                </p:cTn>
+                              </p:par>
+                            </p:childTnLst>
+                          </p:cTn>
+                        </p:par>
+                      </p:childTnLst>
+                    </p:cTn>
+                  </p:par>
+                  <p:par>
+                    <p:cTn id="7" fill="hold">
+                      <p:stCondLst>
+                        <p:cond delay="indefinite"/>
+                      </p:stCondLst>
+                      <p:childTnLst>
+                        <p:par>
+                          <p:cTn id="8" fill="hold">
+                            <p:stCondLst>
+                              <p:cond delay="0"/>
+                            </p:stCondLst>
+                            <p:childTnLst>
+                              <p:par>
+                                <p:cTn id="9" presetID="1" presetClass="entr" presetSubtype="0" fill="hold" nodeType="clickEffect">
+                                  <p:stCondLst>
+                                    <p:cond delay="0"/>
+                                  </p:stCondLst>
+                                  <p:childTnLst>
+                                    <p:set>
+                                      <p:cBhvr>
+                                        <p:cTn id="10" dur="1" fill="hold">
+                                          <p:stCondLst>
+                                            <p:cond delay="0"/>
+                                          </p:stCondLst>
+                                        </p:cTn>
+                                        <p:tgtEl>
+                                          <p:spTgt spid="6">
+                                            <p:txEl>
+                                              <p:pRg st="1" end="1"/>
+                                            </p:txEl>
+                                          </p:spTgt>
+                                        </p:tgtEl>
+                                        <p:attrNameLst>
+                                          <p:attrName>style.visibility</p:attrName>
+                                        </p:attrNameLst>
+                                      </p:cBhvr>
+                                      <p:to>
+                                        <p:strVal val="visible"/>
+                                      </p:to>
+                                    </p:set>
+                                  </p:childTnLst>
+                                </p:cTn>
+                              </p:par>
+                            </p:childTnLst>
+                          </p:cTn>
+                        </p:par>
+                      </p:childTnLst>
+                    </p:cTn>
+                  </p:par>
+                  <p:par>
+                    <p:cTn id="11" fill="hold">
+                      <p:stCondLst>
+                        <p:cond delay="indefinite"/>
+                      </p:stCondLst>
+                      <p:childTnLst>
+                        <p:par>
+                          <p:cTn id="12" fill="hold">
+                            <p:stCondLst>
+                              <p:cond delay="0"/>
+                            </p:stCondLst>
+                            <p:childTnLst>
+                              <p:par>
+                                <p:cTn id="13" presetID="1" presetClass="entr" presetSubtype="0" fill="hold" nodeType="clickEffect">
+                                  <p:stCondLst>
+                                    <p:cond delay="0"/>
+                                  </p:stCondLst>
+                                  <p:childTnLst>
+                                    <p:set>
+                                      <p:cBhvr>
+                                        <p:cTn id="14" dur="1" fill="hold">
+                                          <p:stCondLst>
+                                            <p:cond delay="0"/>
+                                          </p:stCondLst>
+                                        </p:cTn>
+                                        <p:tgtEl>
+                                          <p:spTgt spid="6">
+                                            <p:txEl>
+                                              <p:pRg st="2" end="2"/>
+                                            </p:txEl>
+                                          </p:spTgt>
+                                        </p:tgtEl>
+                                        <p:attrNameLst>
+                                          <p:attrName>style.visibility</p:attrName>
+                                        </p:attrNameLst>
+                                      </p:cBhvr>
+                                      <p:to>
+                                        <p:strVal val="visible"/>
+                                      </p:to>
+                                    </p:set>
+                                  </p:childTnLst>
+                                </p:cTn>
+                              </p:par>
+                            </p:childTnLst>
+                          </p:cTn>
+                        </p:par>
+                      </p:childTnLst>
+                    </p:cTn>
+                  </p:par>
+                  <p:par>
+                    <p:cTn id="15" fill="hold">
+                      <p:stCondLst>
+                        <p:cond delay="indefinite"/>
+                      </p:stCondLst>
+                      <p:childTnLst>
+                        <p:par>
+                          <p:cTn id="16" fill="hold">
+                            <p:stCondLst>
+                              <p:cond delay="0"/>
+                            </p:stCondLst>
+                            <p:childTnLst>
+                              <p:par>
+                                <p:cTn id="17" presetID="1" presetClass="entr" presetSubtype="0" fill="hold" nodeType="clickEffect">
+                                  <p:stCondLst>
+                                    <p:cond delay="0"/>
+                                  </p:stCondLst>
+                                  <p:childTnLst>
+                                    <p:set>
+                                      <p:cBhvr>
+                                        <p:cTn id="18" dur="1" fill="hold">
+                                          <p:stCondLst>
+                                            <p:cond delay="0"/>
+                                          </p:stCondLst>
+                                        </p:cTn>
+                                        <p:tgtEl>
+                                          <p:spTgt spid="6">
+                                            <p:txEl>
+                                              <p:pRg st="3" end="3"/>
+                                            </p:txEl>
+                                          </p:spTgt>
                                         </p:tgtEl>
                                         <p:attrNameLst>
                                           <p:attrName>style.visibility</p:attrName>
@@ -12121,9 +13795,6 @@
         </p:cTn>
       </p:par>
     </p:tnLst>
-    <p:bldLst>
-      <p:bldP spid="6" grpId="0"/>
-    </p:bldLst>
   </p:timing>
 </p:sld>
 </file>
@@ -12627,8 +14298,8 @@
         </p:nvSpPr>
         <p:spPr>
           <a:xfrm>
-            <a:off x="3671002" y="1778635"/>
-            <a:ext cx="7851117" cy="369332"/>
+            <a:off x="3518558" y="1561513"/>
+            <a:ext cx="8003561" cy="646331"/>
           </a:xfrm>
           <a:prstGeom prst="rect">
             <a:avLst/>
@@ -12643,15 +14314,7 @@
           <a:p>
             <a:r>
               <a:rPr kumimoji="1" lang="zh-CN" altLang="en-US" dirty="0"/>
-              <a:t>因为刚开始训练时，</a:t>
-            </a:r>
-            <a:r>
-              <a:rPr kumimoji="1" lang="en-US" altLang="zh-CN" dirty="0"/>
-              <a:t>loss</a:t>
-            </a:r>
-            <a:r>
-              <a:rPr kumimoji="1" lang="zh-CN" altLang="en-US" dirty="0"/>
-              <a:t>很大，所以梯度很大，所以报“梯度爆炸”的警告</a:t>
+              <a:t>因为加权和没有做缩小处理，所以比较大，导致梯度很大，所以报“梯度爆炸”的警告</a:t>
             </a:r>
           </a:p>
         </p:txBody>
@@ -12696,6 +14359,53 @@
           </a:p>
         </p:txBody>
       </p:sp>
+      <p:pic>
+        <p:nvPicPr>
+          <p:cNvPr id="1026" name="Picture 2">
+            <a:extLst>
+              <a:ext uri="{FF2B5EF4-FFF2-40B4-BE49-F238E27FC236}">
+                <a16:creationId xmlns:a16="http://schemas.microsoft.com/office/drawing/2014/main" id="{FC85FCEF-E55E-1982-CCEC-08D8B7B02A09}"/>
+              </a:ext>
+            </a:extLst>
+          </p:cNvPr>
+          <p:cNvPicPr>
+            <a:picLocks noChangeAspect="1" noChangeArrowheads="1"/>
+          </p:cNvPicPr>
+          <p:nvPr/>
+        </p:nvPicPr>
+        <p:blipFill>
+          <a:blip r:embed="rId3">
+            <a:extLst>
+              <a:ext uri="{28A0092B-C50C-407E-A947-70E740481C1C}">
+                <a14:useLocalDpi xmlns:a14="http://schemas.microsoft.com/office/drawing/2010/main" val="0"/>
+              </a:ext>
+            </a:extLst>
+          </a:blip>
+          <a:srcRect/>
+          <a:stretch>
+            <a:fillRect/>
+          </a:stretch>
+        </p:blipFill>
+        <p:spPr bwMode="auto">
+          <a:xfrm>
+            <a:off x="4196509" y="3227444"/>
+            <a:ext cx="4429196" cy="3321898"/>
+          </a:xfrm>
+          <a:prstGeom prst="rect">
+            <a:avLst/>
+          </a:prstGeom>
+          <a:noFill/>
+          <a:extLst>
+            <a:ext uri="{909E8E84-426E-40DD-AFC4-6F175D3DCCD1}">
+              <a14:hiddenFill xmlns:a14="http://schemas.microsoft.com/office/drawing/2010/main">
+                <a:solidFill>
+                  <a:srgbClr val="FFFFFF"/>
+                </a:solidFill>
+              </a14:hiddenFill>
+            </a:ext>
+          </a:extLst>
+        </p:spPr>
+      </p:pic>
     </p:spTree>
     <p:custDataLst>
       <p:tags r:id="rId1"/>
@@ -12730,7 +14440,7 @@
                             </p:stCondLst>
                             <p:childTnLst>
                               <p:par>
-                                <p:cTn id="5" presetID="1" presetClass="entr" presetSubtype="0" fill="hold" grpId="0" nodeType="clickEffect">
+                                <p:cTn id="5" presetID="1" presetClass="entr" presetSubtype="0" fill="hold" nodeType="clickEffect">
                                   <p:stCondLst>
                                     <p:cond delay="0"/>
                                   </p:stCondLst>
@@ -12743,7 +14453,244 @@
                                           </p:stCondLst>
                                         </p:cTn>
                                         <p:tgtEl>
-                                          <p:spTgt spid="6"/>
+                                          <p:spTgt spid="6">
+                                            <p:txEl>
+                                              <p:pRg st="0" end="0"/>
+                                            </p:txEl>
+                                          </p:spTgt>
+                                        </p:tgtEl>
+                                        <p:attrNameLst>
+                                          <p:attrName>style.visibility</p:attrName>
+                                        </p:attrNameLst>
+                                      </p:cBhvr>
+                                      <p:to>
+                                        <p:strVal val="visible"/>
+                                      </p:to>
+                                    </p:set>
+                                  </p:childTnLst>
+                                </p:cTn>
+                              </p:par>
+                            </p:childTnLst>
+                          </p:cTn>
+                        </p:par>
+                      </p:childTnLst>
+                    </p:cTn>
+                  </p:par>
+                  <p:par>
+                    <p:cTn id="7" fill="hold">
+                      <p:stCondLst>
+                        <p:cond delay="indefinite"/>
+                      </p:stCondLst>
+                      <p:childTnLst>
+                        <p:par>
+                          <p:cTn id="8" fill="hold">
+                            <p:stCondLst>
+                              <p:cond delay="0"/>
+                            </p:stCondLst>
+                            <p:childTnLst>
+                              <p:par>
+                                <p:cTn id="9" presetID="1" presetClass="entr" presetSubtype="0" fill="hold" nodeType="clickEffect">
+                                  <p:stCondLst>
+                                    <p:cond delay="0"/>
+                                  </p:stCondLst>
+                                  <p:childTnLst>
+                                    <p:set>
+                                      <p:cBhvr>
+                                        <p:cTn id="10" dur="1" fill="hold">
+                                          <p:stCondLst>
+                                            <p:cond delay="0"/>
+                                          </p:stCondLst>
+                                        </p:cTn>
+                                        <p:tgtEl>
+                                          <p:spTgt spid="1026"/>
+                                        </p:tgtEl>
+                                        <p:attrNameLst>
+                                          <p:attrName>style.visibility</p:attrName>
+                                        </p:attrNameLst>
+                                      </p:cBhvr>
+                                      <p:to>
+                                        <p:strVal val="visible"/>
+                                      </p:to>
+                                    </p:set>
+                                  </p:childTnLst>
+                                </p:cTn>
+                              </p:par>
+                            </p:childTnLst>
+                          </p:cTn>
+                        </p:par>
+                      </p:childTnLst>
+                    </p:cTn>
+                  </p:par>
+                  <p:par>
+                    <p:cTn id="11" fill="hold">
+                      <p:stCondLst>
+                        <p:cond delay="indefinite"/>
+                      </p:stCondLst>
+                      <p:childTnLst>
+                        <p:par>
+                          <p:cTn id="12" fill="hold">
+                            <p:stCondLst>
+                              <p:cond delay="0"/>
+                            </p:stCondLst>
+                            <p:childTnLst>
+                              <p:par>
+                                <p:cTn id="13" presetID="1" presetClass="entr" presetSubtype="0" fill="hold" grpId="0" nodeType="clickEffect">
+                                  <p:stCondLst>
+                                    <p:cond delay="0"/>
+                                  </p:stCondLst>
+                                  <p:childTnLst>
+                                    <p:set>
+                                      <p:cBhvr>
+                                        <p:cTn id="14" dur="1" fill="hold">
+                                          <p:stCondLst>
+                                            <p:cond delay="0"/>
+                                          </p:stCondLst>
+                                        </p:cTn>
+                                        <p:tgtEl>
+                                          <p:spTgt spid="2"/>
+                                        </p:tgtEl>
+                                        <p:attrNameLst>
+                                          <p:attrName>style.visibility</p:attrName>
+                                        </p:attrNameLst>
+                                      </p:cBhvr>
+                                      <p:to>
+                                        <p:strVal val="visible"/>
+                                      </p:to>
+                                    </p:set>
+                                  </p:childTnLst>
+                                </p:cTn>
+                              </p:par>
+                            </p:childTnLst>
+                          </p:cTn>
+                        </p:par>
+                      </p:childTnLst>
+                    </p:cTn>
+                  </p:par>
+                  <p:par>
+                    <p:cTn id="15" fill="hold">
+                      <p:stCondLst>
+                        <p:cond delay="indefinite"/>
+                      </p:stCondLst>
+                      <p:childTnLst>
+                        <p:par>
+                          <p:cTn id="16" fill="hold">
+                            <p:stCondLst>
+                              <p:cond delay="0"/>
+                            </p:stCondLst>
+                            <p:childTnLst>
+                              <p:par>
+                                <p:cTn id="17" presetID="1" presetClass="entr" presetSubtype="0" fill="hold" nodeType="clickEffect">
+                                  <p:stCondLst>
+                                    <p:cond delay="0"/>
+                                  </p:stCondLst>
+                                  <p:childTnLst>
+                                    <p:set>
+                                      <p:cBhvr>
+                                        <p:cTn id="18" dur="1" fill="hold">
+                                          <p:stCondLst>
+                                            <p:cond delay="0"/>
+                                          </p:stCondLst>
+                                        </p:cTn>
+                                        <p:tgtEl>
+                                          <p:spTgt spid="6">
+                                            <p:txEl>
+                                              <p:pRg st="1" end="1"/>
+                                            </p:txEl>
+                                          </p:spTgt>
+                                        </p:tgtEl>
+                                        <p:attrNameLst>
+                                          <p:attrName>style.visibility</p:attrName>
+                                        </p:attrNameLst>
+                                      </p:cBhvr>
+                                      <p:to>
+                                        <p:strVal val="visible"/>
+                                      </p:to>
+                                    </p:set>
+                                  </p:childTnLst>
+                                </p:cTn>
+                              </p:par>
+                            </p:childTnLst>
+                          </p:cTn>
+                        </p:par>
+                      </p:childTnLst>
+                    </p:cTn>
+                  </p:par>
+                  <p:par>
+                    <p:cTn id="19" fill="hold">
+                      <p:stCondLst>
+                        <p:cond delay="indefinite"/>
+                      </p:stCondLst>
+                      <p:childTnLst>
+                        <p:par>
+                          <p:cTn id="20" fill="hold">
+                            <p:stCondLst>
+                              <p:cond delay="0"/>
+                            </p:stCondLst>
+                            <p:childTnLst>
+                              <p:par>
+                                <p:cTn id="21" presetID="1" presetClass="entr" presetSubtype="0" fill="hold" grpId="0" nodeType="clickEffect">
+                                  <p:stCondLst>
+                                    <p:cond delay="0"/>
+                                  </p:stCondLst>
+                                  <p:childTnLst>
+                                    <p:set>
+                                      <p:cBhvr>
+                                        <p:cTn id="22" dur="1" fill="hold">
+                                          <p:stCondLst>
+                                            <p:cond delay="0"/>
+                                          </p:stCondLst>
+                                        </p:cTn>
+                                        <p:tgtEl>
+                                          <p:spTgt spid="5"/>
+                                        </p:tgtEl>
+                                        <p:attrNameLst>
+                                          <p:attrName>style.visibility</p:attrName>
+                                        </p:attrNameLst>
+                                      </p:cBhvr>
+                                      <p:to>
+                                        <p:strVal val="visible"/>
+                                      </p:to>
+                                    </p:set>
+                                  </p:childTnLst>
+                                </p:cTn>
+                              </p:par>
+                            </p:childTnLst>
+                          </p:cTn>
+                        </p:par>
+                      </p:childTnLst>
+                    </p:cTn>
+                  </p:par>
+                  <p:par>
+                    <p:cTn id="23" fill="hold">
+                      <p:stCondLst>
+                        <p:cond delay="indefinite"/>
+                      </p:stCondLst>
+                      <p:childTnLst>
+                        <p:par>
+                          <p:cTn id="24" fill="hold">
+                            <p:stCondLst>
+                              <p:cond delay="0"/>
+                            </p:stCondLst>
+                            <p:childTnLst>
+                              <p:par>
+                                <p:cTn id="25" presetID="1" presetClass="entr" presetSubtype="0" fill="hold" nodeType="clickEffect">
+                                  <p:stCondLst>
+                                    <p:cond delay="0"/>
+                                  </p:stCondLst>
+                                  <p:childTnLst>
+                                    <p:set>
+                                      <p:cBhvr>
+                                        <p:cTn id="26" dur="1" fill="hold">
+                                          <p:stCondLst>
+                                            <p:cond delay="0"/>
+                                          </p:stCondLst>
+                                        </p:cTn>
+                                        <p:tgtEl>
+                                          <p:spTgt spid="6">
+                                            <p:txEl>
+                                              <p:pRg st="2" end="2"/>
+                                            </p:txEl>
+                                          </p:spTgt>
                                         </p:tgtEl>
                                         <p:attrNameLst>
                                           <p:attrName>style.visibility</p:attrName>
@@ -12784,7 +14731,8 @@
       </p:par>
     </p:tnLst>
     <p:bldLst>
-      <p:bldP spid="6" grpId="0"/>
+      <p:bldP spid="2" grpId="0"/>
+      <p:bldP spid="5" grpId="0"/>
     </p:bldLst>
   </p:timing>
 </p:sld>
@@ -13510,7 +15458,48 @@
             </a:r>
             <a:r>
               <a:rPr lang="zh-CN" altLang="en-US" dirty="0"/>
-              <a:t>使用交叉熵损失函数	</a:t>
+              <a:t>使用交叉熵损失函数</a:t>
+            </a:r>
+            <a:endParaRPr lang="en-US" altLang="zh-CN" dirty="0"/>
+          </a:p>
+          <a:p>
+            <a:pPr marL="285750" indent="-285750">
+              <a:buFont typeface="Arial" panose="020B0604020202020204" pitchFamily="34" charset="0"/>
+              <a:buChar char="•"/>
+            </a:pPr>
+            <a:r>
+              <a:rPr lang="zh-CN" altLang="en-US" dirty="0"/>
+              <a:t>主问题：如何加快多分类的训练速度？</a:t>
+            </a:r>
+            <a:endParaRPr lang="en-US" altLang="zh-CN" dirty="0"/>
+          </a:p>
+          <a:p>
+            <a:pPr marL="285750" indent="-285750">
+              <a:buFont typeface="Arial" panose="020B0604020202020204" pitchFamily="34" charset="0"/>
+              <a:buChar char="•"/>
+            </a:pPr>
+            <a:r>
+              <a:rPr lang="zh-CN" altLang="en-US" dirty="0"/>
+              <a:t>任务：识别手写数字使用交叉熵损失函数和</a:t>
+            </a:r>
+            <a:r>
+              <a:rPr lang="en-US" altLang="zh-CN" dirty="0" err="1"/>
+              <a:t>softmax</a:t>
+            </a:r>
+            <a:r>
+              <a:rPr lang="zh-CN" altLang="en-US" dirty="0"/>
+              <a:t>激活函数</a:t>
+            </a:r>
+            <a:endParaRPr lang="en-US" altLang="zh-CN" dirty="0"/>
+          </a:p>
+          <a:p>
+            <a:pPr marL="285750" indent="-285750">
+              <a:buFont typeface="Arial" panose="020B0604020202020204" pitchFamily="34" charset="0"/>
+              <a:buChar char="•"/>
+            </a:pPr>
+            <a:r>
+              <a:rPr lang="zh-CN" altLang="en-US" dirty="0"/>
+              <a:t>任务：改进代码	</a:t>
             </a:r>
             <a:br>
               <a:rPr lang="en-US" altLang="zh-CN" dirty="0"/>
@@ -13733,6 +15722,153 @@
                                           <p:spTgt spid="2">
                                             <p:txEl>
                                               <p:pRg st="3" end="3"/>
+                                            </p:txEl>
+                                          </p:spTgt>
+                                        </p:tgtEl>
+                                        <p:attrNameLst>
+                                          <p:attrName>style.visibility</p:attrName>
+                                        </p:attrNameLst>
+                                      </p:cBhvr>
+                                      <p:to>
+                                        <p:strVal val="visible"/>
+                                      </p:to>
+                                    </p:set>
+                                  </p:childTnLst>
+                                </p:cTn>
+                              </p:par>
+                            </p:childTnLst>
+                          </p:cTn>
+                        </p:par>
+                      </p:childTnLst>
+                    </p:cTn>
+                  </p:par>
+                  <p:par>
+                    <p:cTn id="19" fill="hold">
+                      <p:stCondLst>
+                        <p:cond delay="indefinite"/>
+                      </p:stCondLst>
+                      <p:childTnLst>
+                        <p:par>
+                          <p:cTn id="20" fill="hold">
+                            <p:stCondLst>
+                              <p:cond delay="0"/>
+                            </p:stCondLst>
+                            <p:childTnLst>
+                              <p:par>
+                                <p:cTn id="21" presetID="1" presetClass="entr" presetSubtype="0" fill="hold" grpId="0" nodeType="clickEffect">
+                                  <p:stCondLst>
+                                    <p:cond delay="0"/>
+                                  </p:stCondLst>
+                                  <p:childTnLst>
+                                    <p:set>
+                                      <p:cBhvr>
+                                        <p:cTn id="22" dur="1" fill="hold">
+                                          <p:stCondLst>
+                                            <p:cond delay="0"/>
+                                          </p:stCondLst>
+                                        </p:cTn>
+                                        <p:tgtEl>
+                                          <p:spTgt spid="2">
+                                            <p:txEl>
+                                              <p:pRg st="4" end="4"/>
+                                            </p:txEl>
+                                          </p:spTgt>
+                                        </p:tgtEl>
+                                        <p:attrNameLst>
+                                          <p:attrName>style.visibility</p:attrName>
+                                        </p:attrNameLst>
+                                      </p:cBhvr>
+                                      <p:to>
+                                        <p:strVal val="visible"/>
+                                      </p:to>
+                                    </p:set>
+                                  </p:childTnLst>
+                                </p:cTn>
+                              </p:par>
+                            </p:childTnLst>
+                          </p:cTn>
+                        </p:par>
+                      </p:childTnLst>
+                    </p:cTn>
+                  </p:par>
+                  <p:par>
+                    <p:cTn id="23" fill="hold">
+                      <p:stCondLst>
+                        <p:cond delay="indefinite"/>
+                      </p:stCondLst>
+                      <p:childTnLst>
+                        <p:par>
+                          <p:cTn id="24" fill="hold">
+                            <p:stCondLst>
+                              <p:cond delay="0"/>
+                            </p:stCondLst>
+                            <p:childTnLst>
+                              <p:par>
+                                <p:cTn id="25" presetID="1" presetClass="entr" presetSubtype="0" fill="hold" grpId="0" nodeType="clickEffect">
+                                  <p:stCondLst>
+                                    <p:cond delay="0"/>
+                                  </p:stCondLst>
+                                  <p:childTnLst>
+                                    <p:set>
+                                      <p:cBhvr>
+                                        <p:cTn id="26" dur="1" fill="hold">
+                                          <p:stCondLst>
+                                            <p:cond delay="0"/>
+                                          </p:stCondLst>
+                                        </p:cTn>
+                                        <p:tgtEl>
+                                          <p:spTgt spid="2">
+                                            <p:txEl>
+                                              <p:pRg st="5" end="5"/>
+                                            </p:txEl>
+                                          </p:spTgt>
+                                        </p:tgtEl>
+                                        <p:attrNameLst>
+                                          <p:attrName>style.visibility</p:attrName>
+                                        </p:attrNameLst>
+                                      </p:cBhvr>
+                                      <p:to>
+                                        <p:strVal val="visible"/>
+                                      </p:to>
+                                    </p:set>
+                                  </p:childTnLst>
+                                </p:cTn>
+                              </p:par>
+                            </p:childTnLst>
+                          </p:cTn>
+                        </p:par>
+                      </p:childTnLst>
+                    </p:cTn>
+                  </p:par>
+                  <p:par>
+                    <p:cTn id="27" fill="hold">
+                      <p:stCondLst>
+                        <p:cond delay="indefinite"/>
+                      </p:stCondLst>
+                      <p:childTnLst>
+                        <p:par>
+                          <p:cTn id="28" fill="hold">
+                            <p:stCondLst>
+                              <p:cond delay="0"/>
+                            </p:stCondLst>
+                            <p:childTnLst>
+                              <p:par>
+                                <p:cTn id="29" presetID="1" presetClass="entr" presetSubtype="0" fill="hold" grpId="0" nodeType="clickEffect">
+                                  <p:stCondLst>
+                                    <p:cond delay="0"/>
+                                  </p:stCondLst>
+                                  <p:childTnLst>
+                                    <p:set>
+                                      <p:cBhvr>
+                                        <p:cTn id="30" dur="1" fill="hold">
+                                          <p:stCondLst>
+                                            <p:cond delay="0"/>
+                                          </p:stCondLst>
+                                        </p:cTn>
+                                        <p:tgtEl>
+                                          <p:spTgt spid="2">
+                                            <p:txEl>
+                                              <p:pRg st="6" end="6"/>
                                             </p:txEl>
                                           </p:spTgt>
                                         </p:tgtEl>

--- a/lessons/6_softmax/ppt/使用交叉熵损失函数和Softmax激活函数.pptx
+++ b/lessons/6_softmax/ppt/使用交叉熵损失函数和Softmax激活函数.pptx
@@ -12107,10 +12107,10 @@
       </p:grpSpPr>
       <p:pic>
         <p:nvPicPr>
-          <p:cNvPr id="12" name="图片 11">
+          <p:cNvPr id="4" name="图片 3">
             <a:extLst>
               <a:ext uri="{FF2B5EF4-FFF2-40B4-BE49-F238E27FC236}">
-                <a16:creationId xmlns:a16="http://schemas.microsoft.com/office/drawing/2014/main" id="{8B7D9AB0-F5FF-2B3C-A2D6-1C03CFF33127}"/>
+                <a16:creationId xmlns:a16="http://schemas.microsoft.com/office/drawing/2014/main" id="{F88D2087-66DC-26A0-823B-B8F63660FCBB}"/>
               </a:ext>
             </a:extLst>
           </p:cNvPr>
@@ -12133,8 +12133,8 @@
         </p:blipFill>
         <p:spPr>
           <a:xfrm>
-            <a:off x="2542232" y="355537"/>
-            <a:ext cx="7439967" cy="6146925"/>
+            <a:off x="1886646" y="0"/>
+            <a:ext cx="7772400" cy="6331508"/>
           </a:xfrm>
           <a:prstGeom prst="rect">
             <a:avLst/>
@@ -12154,81 +12154,6 @@
   <p:clrMapOvr>
     <a:masterClrMapping/>
   </p:clrMapOvr>
-  <p:timing>
-    <p:tnLst>
-      <p:par>
-        <p:cTn id="1" dur="indefinite" restart="never" nodeType="tmRoot">
-          <p:childTnLst>
-            <p:seq concurrent="1" nextAc="seek">
-              <p:cTn id="2" dur="indefinite" nodeType="mainSeq">
-                <p:childTnLst>
-                  <p:par>
-                    <p:cTn id="3" fill="hold">
-                      <p:stCondLst>
-                        <p:cond delay="indefinite"/>
-                      </p:stCondLst>
-                      <p:childTnLst>
-                        <p:par>
-                          <p:cTn id="4" fill="hold">
-                            <p:stCondLst>
-                              <p:cond delay="0"/>
-                            </p:stCondLst>
-                            <p:childTnLst>
-                              <p:par>
-                                <p:cTn id="5" presetID="1" presetClass="entr" presetSubtype="0" fill="hold" nodeType="clickEffect">
-                                  <p:stCondLst>
-                                    <p:cond delay="0"/>
-                                  </p:stCondLst>
-                                  <p:childTnLst>
-                                    <p:set>
-                                      <p:cBhvr>
-                                        <p:cTn id="6" dur="1" fill="hold">
-                                          <p:stCondLst>
-                                            <p:cond delay="0"/>
-                                          </p:stCondLst>
-                                        </p:cTn>
-                                        <p:tgtEl>
-                                          <p:spTgt spid="12"/>
-                                        </p:tgtEl>
-                                        <p:attrNameLst>
-                                          <p:attrName>style.visibility</p:attrName>
-                                        </p:attrNameLst>
-                                      </p:cBhvr>
-                                      <p:to>
-                                        <p:strVal val="visible"/>
-                                      </p:to>
-                                    </p:set>
-                                  </p:childTnLst>
-                                </p:cTn>
-                              </p:par>
-                            </p:childTnLst>
-                          </p:cTn>
-                        </p:par>
-                      </p:childTnLst>
-                    </p:cTn>
-                  </p:par>
-                </p:childTnLst>
-              </p:cTn>
-              <p:prevCondLst>
-                <p:cond evt="onPrev" delay="0">
-                  <p:tgtEl>
-                    <p:sldTgt/>
-                  </p:tgtEl>
-                </p:cond>
-              </p:prevCondLst>
-              <p:nextCondLst>
-                <p:cond evt="onNext" delay="0">
-                  <p:tgtEl>
-                    <p:sldTgt/>
-                  </p:tgtEl>
-                </p:cond>
-              </p:nextCondLst>
-            </p:seq>
-          </p:childTnLst>
-        </p:cTn>
-      </p:par>
-    </p:tnLst>
-  </p:timing>
 </p:sld>
 </file>
 
@@ -12321,10 +12246,10 @@
       </p:grpSpPr>
       <p:pic>
         <p:nvPicPr>
-          <p:cNvPr id="3" name="图片 2">
+          <p:cNvPr id="7" name="图片 6">
             <a:extLst>
               <a:ext uri="{FF2B5EF4-FFF2-40B4-BE49-F238E27FC236}">
-                <a16:creationId xmlns:a16="http://schemas.microsoft.com/office/drawing/2014/main" id="{10112C9C-5230-A00B-705B-7639BEEEE0C4}"/>
+                <a16:creationId xmlns:a16="http://schemas.microsoft.com/office/drawing/2014/main" id="{7E45B362-C232-59C7-1882-A8A2554A4793}"/>
               </a:ext>
             </a:extLst>
           </p:cNvPr>
@@ -12347,8 +12272,44 @@
         </p:blipFill>
         <p:spPr>
           <a:xfrm>
-            <a:off x="2941717" y="432079"/>
-            <a:ext cx="6308565" cy="6250075"/>
+            <a:off x="2903973" y="4652387"/>
+            <a:ext cx="5650733" cy="1954322"/>
+          </a:xfrm>
+          <a:prstGeom prst="rect">
+            <a:avLst/>
+          </a:prstGeom>
+        </p:spPr>
+      </p:pic>
+      <p:pic>
+        <p:nvPicPr>
+          <p:cNvPr id="9" name="图片 8">
+            <a:extLst>
+              <a:ext uri="{FF2B5EF4-FFF2-40B4-BE49-F238E27FC236}">
+                <a16:creationId xmlns:a16="http://schemas.microsoft.com/office/drawing/2014/main" id="{98093984-3714-741D-571B-41A004872C54}"/>
+              </a:ext>
+            </a:extLst>
+          </p:cNvPr>
+          <p:cNvPicPr>
+            <a:picLocks noChangeAspect="1"/>
+          </p:cNvPicPr>
+          <p:nvPr/>
+        </p:nvPicPr>
+        <p:blipFill>
+          <a:blip r:embed="rId4">
+            <a:extLst>
+              <a:ext uri="{28A0092B-C50C-407E-A947-70E740481C1C}">
+                <a14:useLocalDpi xmlns:a14="http://schemas.microsoft.com/office/drawing/2010/main" val="0"/>
+              </a:ext>
+            </a:extLst>
+          </a:blip>
+          <a:stretch>
+            <a:fillRect/>
+          </a:stretch>
+        </p:blipFill>
+        <p:spPr>
+          <a:xfrm>
+            <a:off x="2903973" y="480830"/>
+            <a:ext cx="6214242" cy="4171557"/>
           </a:xfrm>
           <a:prstGeom prst="rect">
             <a:avLst/>
@@ -12402,7 +12363,7 @@
                                           </p:stCondLst>
                                         </p:cTn>
                                         <p:tgtEl>
-                                          <p:spTgt spid="3"/>
+                                          <p:spTgt spid="7"/>
                                         </p:tgtEl>
                                         <p:attrNameLst>
                                           <p:attrName>style.visibility</p:attrName>

--- a/lessons/6_softmax/ppt/使用交叉熵损失函数和Softmax激活函数.pptx
+++ b/lessons/6_softmax/ppt/使用交叉熵损失函数和Softmax激活函数.pptx
@@ -240,7 +240,7 @@
                 <a:latin typeface="微软雅黑" panose="020B0503020204020204" charset="-122"/>
                 <a:ea typeface="微软雅黑" panose="020B0503020204020204" charset="-122"/>
               </a:rPr>
-              <a:t>2022/11/27</a:t>
+              <a:t>2022/11/28</a:t>
             </a:fld>
             <a:endParaRPr lang="zh-CN" altLang="en-US">
               <a:latin typeface="微软雅黑" panose="020B0503020204020204" charset="-122"/>
@@ -423,7 +423,7 @@
           <a:p>
             <a:fld id="{1AC49D05-6128-4D0D-A32A-06A5E73B386C}" type="datetimeFigureOut">
               <a:rPr lang="zh-CN" altLang="en-US" smtClean="0"/>
-              <a:t>2022/11/27</a:t>
+              <a:t>2022/11/28</a:t>
             </a:fld>
             <a:endParaRPr lang="zh-CN" altLang="en-US"/>
           </a:p>
@@ -1085,7 +1085,7 @@
           <a:p>
             <a:fld id="{9EFD9D74-47D9-4702-A33C-335B63B48DBF}" type="datetimeFigureOut">
               <a:rPr lang="zh-CN" altLang="en-US" smtClean="0"/>
-              <a:t>2022/11/27</a:t>
+              <a:t>2022/11/28</a:t>
             </a:fld>
             <a:endParaRPr lang="zh-CN" altLang="en-US" dirty="0"/>
           </a:p>
@@ -1418,7 +1418,7 @@
           <a:p>
             <a:fld id="{760FBDFE-C587-4B4C-A407-44438C67B59E}" type="datetimeFigureOut">
               <a:rPr lang="zh-CN" altLang="en-US" smtClean="0"/>
-              <a:t>2022/11/27</a:t>
+              <a:t>2022/11/28</a:t>
             </a:fld>
             <a:endParaRPr lang="zh-CN" altLang="en-US"/>
           </a:p>
@@ -1591,7 +1591,7 @@
           <a:p>
             <a:fld id="{9EFD9D74-47D9-4702-A33C-335B63B48DBF}" type="datetimeFigureOut">
               <a:rPr lang="zh-CN" altLang="en-US" smtClean="0"/>
-              <a:t>2022/11/27</a:t>
+              <a:t>2022/11/28</a:t>
             </a:fld>
             <a:endParaRPr lang="zh-CN" altLang="en-US" dirty="0"/>
           </a:p>
@@ -2116,7 +2116,7 @@
           <a:p>
             <a:fld id="{760FBDFE-C587-4B4C-A407-44438C67B59E}" type="datetimeFigureOut">
               <a:rPr lang="zh-CN" altLang="en-US" smtClean="0"/>
-              <a:t>2022/11/27</a:t>
+              <a:t>2022/11/28</a:t>
             </a:fld>
             <a:endParaRPr lang="zh-CN" altLang="en-US"/>
           </a:p>
@@ -2864,7 +2864,7 @@
           <a:p>
             <a:fld id="{760FBDFE-C587-4B4C-A407-44438C67B59E}" type="datetimeFigureOut">
               <a:rPr lang="zh-CN" altLang="en-US" smtClean="0"/>
-              <a:t>2022/11/27</a:t>
+              <a:t>2022/11/28</a:t>
             </a:fld>
             <a:endParaRPr lang="zh-CN" altLang="en-US"/>
           </a:p>
@@ -3030,7 +3030,7 @@
           <a:p>
             <a:fld id="{760FBDFE-C587-4B4C-A407-44438C67B59E}" type="datetimeFigureOut">
               <a:rPr lang="zh-CN" altLang="en-US" smtClean="0"/>
-              <a:t>2022/11/27</a:t>
+              <a:t>2022/11/28</a:t>
             </a:fld>
             <a:endParaRPr lang="zh-CN" altLang="en-US"/>
           </a:p>
@@ -3144,7 +3144,7 @@
           <a:p>
             <a:fld id="{760FBDFE-C587-4B4C-A407-44438C67B59E}" type="datetimeFigureOut">
               <a:rPr lang="zh-CN" altLang="en-US" smtClean="0"/>
-              <a:t>2022/11/27</a:t>
+              <a:t>2022/11/28</a:t>
             </a:fld>
             <a:endParaRPr lang="zh-CN" altLang="en-US"/>
           </a:p>
@@ -3474,7 +3474,7 @@
           <a:p>
             <a:fld id="{9EFD9D74-47D9-4702-A33C-335B63B48DBF}" type="datetimeFigureOut">
               <a:rPr lang="zh-CN" altLang="en-US" smtClean="0"/>
-              <a:t>2022/11/27</a:t>
+              <a:t>2022/11/28</a:t>
             </a:fld>
             <a:endParaRPr lang="zh-CN" altLang="en-US" dirty="0"/>
           </a:p>
@@ -3987,7 +3987,7 @@
           <a:p>
             <a:fld id="{760FBDFE-C587-4B4C-A407-44438C67B59E}" type="datetimeFigureOut">
               <a:rPr lang="zh-CN" altLang="en-US" smtClean="0"/>
-              <a:t>2022/11/27</a:t>
+              <a:t>2022/11/28</a:t>
             </a:fld>
             <a:endParaRPr lang="zh-CN" altLang="en-US"/>
           </a:p>
@@ -4101,7 +4101,7 @@
           <a:p>
             <a:fld id="{760FBDFE-C587-4B4C-A407-44438C67B59E}" type="datetimeFigureOut">
               <a:rPr lang="zh-CN" altLang="en-US" smtClean="0"/>
-              <a:t>2022/11/27</a:t>
+              <a:t>2022/11/28</a:t>
             </a:fld>
             <a:endParaRPr lang="zh-CN" altLang="en-US"/>
           </a:p>
@@ -4389,7 +4389,7 @@
           <a:p>
             <a:fld id="{82F288E0-7875-42C4-84C8-98DBBD3BF4D2}" type="datetimeFigureOut">
               <a:rPr lang="zh-CN" altLang="en-US" smtClean="0"/>
-              <a:t>2022/11/27</a:t>
+              <a:t>2022/11/28</a:t>
             </a:fld>
             <a:endParaRPr lang="zh-CN" altLang="en-US"/>
           </a:p>
@@ -4848,7 +4848,7 @@
           <a:p>
             <a:fld id="{760FBDFE-C587-4B4C-A407-44438C67B59E}" type="datetimeFigureOut">
               <a:rPr lang="zh-CN" altLang="en-US" smtClean="0"/>
-              <a:t>2022/11/27</a:t>
+              <a:t>2022/11/28</a:t>
             </a:fld>
             <a:endParaRPr lang="zh-CN" altLang="en-US"/>
           </a:p>
@@ -5517,7 +5517,7 @@
           <a:p>
             <a:fld id="{9EFD9D74-47D9-4702-A33C-335B63B48DBF}" type="datetimeFigureOut">
               <a:rPr lang="zh-CN" altLang="en-US" smtClean="0"/>
-              <a:t>2022/11/27</a:t>
+              <a:t>2022/11/28</a:t>
             </a:fld>
             <a:endParaRPr lang="zh-CN" altLang="en-US" dirty="0"/>
           </a:p>
@@ -5665,7 +5665,7 @@
           <a:p>
             <a:fld id="{9EFD9D74-47D9-4702-A33C-335B63B48DBF}" type="datetimeFigureOut">
               <a:rPr lang="zh-CN" altLang="en-US" smtClean="0"/>
-              <a:t>2022/11/27</a:t>
+              <a:t>2022/11/28</a:t>
             </a:fld>
             <a:endParaRPr lang="zh-CN" altLang="en-US" dirty="0"/>
           </a:p>
@@ -8422,8 +8422,8 @@
           </a:prstGeom>
         </p:spPr>
       </p:pic>
-      <mc:AlternateContent xmlns:mc="http://schemas.openxmlformats.org/markup-compatibility/2006">
-        <mc:Choice xmlns:a14="http://schemas.microsoft.com/office/drawing/2010/main" Requires="a14">
+      <mc:AlternateContent xmlns:mc="http://schemas.openxmlformats.org/markup-compatibility/2006" xmlns:a14="http://schemas.microsoft.com/office/drawing/2010/main">
+        <mc:Choice Requires="a14">
           <p:sp>
             <p:nvSpPr>
               <p:cNvPr id="4" name="文本框 3">
@@ -8604,7 +8604,7 @@
             </p:txBody>
           </p:sp>
         </mc:Choice>
-        <mc:Fallback>
+        <mc:Fallback xmlns="">
           <p:sp>
             <p:nvSpPr>
               <p:cNvPr id="4" name="文本框 3">
@@ -10326,10 +10326,10 @@
             </a:pPr>
             <a:r>
               <a:rPr lang="zh-CN" altLang="en-US" dirty="0"/>
-              <a:t>如何单分类误差项公式的基础上改进为多分类误差项的公式，使其满足</a:t>
-            </a:r>
-            <a:r>
-              <a:rPr lang="en-US" altLang="zh-CN" dirty="0"/>
+              <a:t>如何参考设计单分类误差项公式的思路来设计多分类误差项的公式，使其满足</a:t>
+            </a:r>
+            <a:r>
+              <a:rPr lang="en" altLang="zh-CN" dirty="0"/>
               <a:t>loss</a:t>
             </a:r>
             <a:r>
@@ -11146,7 +11146,7 @@
             </a:pPr>
             <a:r>
               <a:rPr lang="zh-CN" altLang="en-US" dirty="0"/>
-              <a:t>交叉熵损失函数修改为下面的公式</a:t>
+              <a:t>现在直接给出修改后的交叉熵损失函数的公式</a:t>
             </a:r>
             <a:endParaRPr lang="en-US" altLang="zh-CN" dirty="0"/>
           </a:p>
@@ -13518,6 +13518,42 @@
           </a:p>
         </p:txBody>
       </p:sp>
+      <p:pic>
+        <p:nvPicPr>
+          <p:cNvPr id="4" name="图片 3">
+            <a:extLst>
+              <a:ext uri="{FF2B5EF4-FFF2-40B4-BE49-F238E27FC236}">
+                <a16:creationId xmlns:a16="http://schemas.microsoft.com/office/drawing/2014/main" id="{382FB17D-A151-D167-A03A-FDE2E0383853}"/>
+              </a:ext>
+            </a:extLst>
+          </p:cNvPr>
+          <p:cNvPicPr>
+            <a:picLocks noChangeAspect="1"/>
+          </p:cNvPicPr>
+          <p:nvPr/>
+        </p:nvPicPr>
+        <p:blipFill>
+          <a:blip r:embed="rId3">
+            <a:extLst>
+              <a:ext uri="{28A0092B-C50C-407E-A947-70E740481C1C}">
+                <a14:useLocalDpi xmlns:a14="http://schemas.microsoft.com/office/drawing/2010/main" val="0"/>
+              </a:ext>
+            </a:extLst>
+          </a:blip>
+          <a:stretch>
+            <a:fillRect/>
+          </a:stretch>
+        </p:blipFill>
+        <p:spPr>
+          <a:xfrm>
+            <a:off x="3768130" y="4416336"/>
+            <a:ext cx="4901363" cy="1800114"/>
+          </a:xfrm>
+          <a:prstGeom prst="rect">
+            <a:avLst/>
+          </a:prstGeom>
+        </p:spPr>
+      </p:pic>
     </p:spTree>
     <p:custDataLst>
       <p:tags r:id="rId1"/>
@@ -13712,6 +13748,51 @@
                                           </p:stCondLst>
                                         </p:cTn>
                                         <p:tgtEl>
+                                          <p:spTgt spid="4"/>
+                                        </p:tgtEl>
+                                        <p:attrNameLst>
+                                          <p:attrName>style.visibility</p:attrName>
+                                        </p:attrNameLst>
+                                      </p:cBhvr>
+                                      <p:to>
+                                        <p:strVal val="visible"/>
+                                      </p:to>
+                                    </p:set>
+                                  </p:childTnLst>
+                                </p:cTn>
+                              </p:par>
+                            </p:childTnLst>
+                          </p:cTn>
+                        </p:par>
+                      </p:childTnLst>
+                    </p:cTn>
+                  </p:par>
+                  <p:par>
+                    <p:cTn id="19" fill="hold">
+                      <p:stCondLst>
+                        <p:cond delay="indefinite"/>
+                      </p:stCondLst>
+                      <p:childTnLst>
+                        <p:par>
+                          <p:cTn id="20" fill="hold">
+                            <p:stCondLst>
+                              <p:cond delay="0"/>
+                            </p:stCondLst>
+                            <p:childTnLst>
+                              <p:par>
+                                <p:cTn id="21" presetID="1" presetClass="entr" presetSubtype="0" fill="hold" nodeType="clickEffect">
+                                  <p:stCondLst>
+                                    <p:cond delay="0"/>
+                                  </p:stCondLst>
+                                  <p:childTnLst>
+                                    <p:set>
+                                      <p:cBhvr>
+                                        <p:cTn id="22" dur="1" fill="hold">
+                                          <p:stCondLst>
+                                            <p:cond delay="0"/>
+                                          </p:stCondLst>
+                                        </p:cTn>
+                                        <p:tgtEl>
                                           <p:spTgt spid="6">
                                             <p:txEl>
                                               <p:pRg st="3" end="3"/>
@@ -14259,8 +14340,8 @@
         </p:nvSpPr>
         <p:spPr>
           <a:xfrm>
-            <a:off x="3518558" y="1561513"/>
-            <a:ext cx="8003561" cy="646331"/>
+            <a:off x="3518558" y="1344390"/>
+            <a:ext cx="8003561" cy="923330"/>
           </a:xfrm>
           <a:prstGeom prst="rect">
             <a:avLst/>
@@ -14275,7 +14356,21 @@
           <a:p>
             <a:r>
               <a:rPr kumimoji="1" lang="zh-CN" altLang="en-US" dirty="0"/>
-              <a:t>因为加权和没有做缩小处理，所以比较大，导致梯度很大，所以报“梯度爆炸”的警告</a:t>
+              <a:t>因为输出层加权和没有做缩小处理，所以加权和比较大（范围为</a:t>
+            </a:r>
+            <a:r>
+              <a:rPr kumimoji="1" lang="en-US" altLang="zh-CN" dirty="0"/>
+              <a:t>[10.0,15.0]</a:t>
+            </a:r>
+            <a:r>
+              <a:rPr kumimoji="1" lang="zh-CN" altLang="en-US" dirty="0"/>
+              <a:t>左右）。</a:t>
+            </a:r>
+          </a:p>
+          <a:p>
+            <a:r>
+              <a:rPr kumimoji="1" lang="zh-CN" altLang="en-US" dirty="0"/>
+              <a:t>通过上图可知，该范围内的梯度很大，所以报“梯度爆炸”的警告</a:t>
             </a:r>
           </a:p>
         </p:txBody>
@@ -14294,7 +14389,7 @@
         </p:nvSpPr>
         <p:spPr>
           <a:xfrm>
-            <a:off x="3381275" y="2267720"/>
+            <a:off x="2924064" y="2267720"/>
             <a:ext cx="3240590" cy="369332"/>
           </a:xfrm>
           <a:prstGeom prst="rect">

--- a/lessons/6_softmax/ppt/使用交叉熵损失函数和Softmax激活函数.pptx
+++ b/lessons/6_softmax/ppt/使用交叉熵损失函数和Softmax激活函数.pptx
@@ -240,7 +240,7 @@
                 <a:latin typeface="微软雅黑" panose="020B0503020204020204" charset="-122"/>
                 <a:ea typeface="微软雅黑" panose="020B0503020204020204" charset="-122"/>
               </a:rPr>
-              <a:t>2022/11/28</a:t>
+              <a:t>2022/11/30</a:t>
             </a:fld>
             <a:endParaRPr lang="zh-CN" altLang="en-US">
               <a:latin typeface="微软雅黑" panose="020B0503020204020204" charset="-122"/>
@@ -423,7 +423,7 @@
           <a:p>
             <a:fld id="{1AC49D05-6128-4D0D-A32A-06A5E73B386C}" type="datetimeFigureOut">
               <a:rPr lang="zh-CN" altLang="en-US" smtClean="0"/>
-              <a:t>2022/11/28</a:t>
+              <a:t>2022/11/30</a:t>
             </a:fld>
             <a:endParaRPr lang="zh-CN" altLang="en-US"/>
           </a:p>
@@ -1085,7 +1085,7 @@
           <a:p>
             <a:fld id="{9EFD9D74-47D9-4702-A33C-335B63B48DBF}" type="datetimeFigureOut">
               <a:rPr lang="zh-CN" altLang="en-US" smtClean="0"/>
-              <a:t>2022/11/28</a:t>
+              <a:t>2022/11/30</a:t>
             </a:fld>
             <a:endParaRPr lang="zh-CN" altLang="en-US" dirty="0"/>
           </a:p>
@@ -1418,7 +1418,7 @@
           <a:p>
             <a:fld id="{760FBDFE-C587-4B4C-A407-44438C67B59E}" type="datetimeFigureOut">
               <a:rPr lang="zh-CN" altLang="en-US" smtClean="0"/>
-              <a:t>2022/11/28</a:t>
+              <a:t>2022/11/30</a:t>
             </a:fld>
             <a:endParaRPr lang="zh-CN" altLang="en-US"/>
           </a:p>
@@ -1591,7 +1591,7 @@
           <a:p>
             <a:fld id="{9EFD9D74-47D9-4702-A33C-335B63B48DBF}" type="datetimeFigureOut">
               <a:rPr lang="zh-CN" altLang="en-US" smtClean="0"/>
-              <a:t>2022/11/28</a:t>
+              <a:t>2022/11/30</a:t>
             </a:fld>
             <a:endParaRPr lang="zh-CN" altLang="en-US" dirty="0"/>
           </a:p>
@@ -2116,7 +2116,7 @@
           <a:p>
             <a:fld id="{760FBDFE-C587-4B4C-A407-44438C67B59E}" type="datetimeFigureOut">
               <a:rPr lang="zh-CN" altLang="en-US" smtClean="0"/>
-              <a:t>2022/11/28</a:t>
+              <a:t>2022/11/30</a:t>
             </a:fld>
             <a:endParaRPr lang="zh-CN" altLang="en-US"/>
           </a:p>
@@ -2864,7 +2864,7 @@
           <a:p>
             <a:fld id="{760FBDFE-C587-4B4C-A407-44438C67B59E}" type="datetimeFigureOut">
               <a:rPr lang="zh-CN" altLang="en-US" smtClean="0"/>
-              <a:t>2022/11/28</a:t>
+              <a:t>2022/11/30</a:t>
             </a:fld>
             <a:endParaRPr lang="zh-CN" altLang="en-US"/>
           </a:p>
@@ -3030,7 +3030,7 @@
           <a:p>
             <a:fld id="{760FBDFE-C587-4B4C-A407-44438C67B59E}" type="datetimeFigureOut">
               <a:rPr lang="zh-CN" altLang="en-US" smtClean="0"/>
-              <a:t>2022/11/28</a:t>
+              <a:t>2022/11/30</a:t>
             </a:fld>
             <a:endParaRPr lang="zh-CN" altLang="en-US"/>
           </a:p>
@@ -3144,7 +3144,7 @@
           <a:p>
             <a:fld id="{760FBDFE-C587-4B4C-A407-44438C67B59E}" type="datetimeFigureOut">
               <a:rPr lang="zh-CN" altLang="en-US" smtClean="0"/>
-              <a:t>2022/11/28</a:t>
+              <a:t>2022/11/30</a:t>
             </a:fld>
             <a:endParaRPr lang="zh-CN" altLang="en-US"/>
           </a:p>
@@ -3474,7 +3474,7 @@
           <a:p>
             <a:fld id="{9EFD9D74-47D9-4702-A33C-335B63B48DBF}" type="datetimeFigureOut">
               <a:rPr lang="zh-CN" altLang="en-US" smtClean="0"/>
-              <a:t>2022/11/28</a:t>
+              <a:t>2022/11/30</a:t>
             </a:fld>
             <a:endParaRPr lang="zh-CN" altLang="en-US" dirty="0"/>
           </a:p>
@@ -3987,7 +3987,7 @@
           <a:p>
             <a:fld id="{760FBDFE-C587-4B4C-A407-44438C67B59E}" type="datetimeFigureOut">
               <a:rPr lang="zh-CN" altLang="en-US" smtClean="0"/>
-              <a:t>2022/11/28</a:t>
+              <a:t>2022/11/30</a:t>
             </a:fld>
             <a:endParaRPr lang="zh-CN" altLang="en-US"/>
           </a:p>
@@ -4101,7 +4101,7 @@
           <a:p>
             <a:fld id="{760FBDFE-C587-4B4C-A407-44438C67B59E}" type="datetimeFigureOut">
               <a:rPr lang="zh-CN" altLang="en-US" smtClean="0"/>
-              <a:t>2022/11/28</a:t>
+              <a:t>2022/11/30</a:t>
             </a:fld>
             <a:endParaRPr lang="zh-CN" altLang="en-US"/>
           </a:p>
@@ -4389,7 +4389,7 @@
           <a:p>
             <a:fld id="{82F288E0-7875-42C4-84C8-98DBBD3BF4D2}" type="datetimeFigureOut">
               <a:rPr lang="zh-CN" altLang="en-US" smtClean="0"/>
-              <a:t>2022/11/28</a:t>
+              <a:t>2022/11/30</a:t>
             </a:fld>
             <a:endParaRPr lang="zh-CN" altLang="en-US"/>
           </a:p>
@@ -4848,7 +4848,7 @@
           <a:p>
             <a:fld id="{760FBDFE-C587-4B4C-A407-44438C67B59E}" type="datetimeFigureOut">
               <a:rPr lang="zh-CN" altLang="en-US" smtClean="0"/>
-              <a:t>2022/11/28</a:t>
+              <a:t>2022/11/30</a:t>
             </a:fld>
             <a:endParaRPr lang="zh-CN" altLang="en-US"/>
           </a:p>
@@ -5517,7 +5517,7 @@
           <a:p>
             <a:fld id="{9EFD9D74-47D9-4702-A33C-335B63B48DBF}" type="datetimeFigureOut">
               <a:rPr lang="zh-CN" altLang="en-US" smtClean="0"/>
-              <a:t>2022/11/28</a:t>
+              <a:t>2022/11/30</a:t>
             </a:fld>
             <a:endParaRPr lang="zh-CN" altLang="en-US" dirty="0"/>
           </a:p>
@@ -5665,7 +5665,7 @@
           <a:p>
             <a:fld id="{9EFD9D74-47D9-4702-A33C-335B63B48DBF}" type="datetimeFigureOut">
               <a:rPr lang="zh-CN" altLang="en-US" smtClean="0"/>
-              <a:t>2022/11/28</a:t>
+              <a:t>2022/11/30</a:t>
             </a:fld>
             <a:endParaRPr lang="zh-CN" altLang="en-US" dirty="0"/>
           </a:p>
@@ -8422,8 +8422,8 @@
           </a:prstGeom>
         </p:spPr>
       </p:pic>
-      <mc:AlternateContent xmlns:mc="http://schemas.openxmlformats.org/markup-compatibility/2006" xmlns:a14="http://schemas.microsoft.com/office/drawing/2010/main">
-        <mc:Choice Requires="a14">
+      <mc:AlternateContent xmlns:mc="http://schemas.openxmlformats.org/markup-compatibility/2006">
+        <mc:Choice xmlns:a14="http://schemas.microsoft.com/office/drawing/2010/main" Requires="a14">
           <p:sp>
             <p:nvSpPr>
               <p:cNvPr id="4" name="文本框 3">
@@ -8604,7 +8604,7 @@
             </p:txBody>
           </p:sp>
         </mc:Choice>
-        <mc:Fallback xmlns="">
+        <mc:Fallback>
           <p:sp>
             <p:nvSpPr>
               <p:cNvPr id="4" name="文本框 3">
